--- a/CNPM.pptx
+++ b/CNPM.pptx
@@ -7941,10 +7941,10 @@
       </p:sp>
       <p:pic>
         <p:nvPicPr>
-          <p:cNvPr id="4" name="Picture 3">
+          <p:cNvPr id="5" name="Picture 4" descr="Diagram&#10;&#10;Description automatically generated">
             <a:extLst>
               <a:ext uri="{FF2B5EF4-FFF2-40B4-BE49-F238E27FC236}">
-                <a16:creationId xmlns:a16="http://schemas.microsoft.com/office/drawing/2014/main" id="{B235E18F-5BE2-4EAC-A961-EDB1CC7A77D3}"/>
+                <a16:creationId xmlns:a16="http://schemas.microsoft.com/office/drawing/2014/main" id="{B1C45841-67FB-49D5-A161-644A2676EA14}"/>
               </a:ext>
             </a:extLst>
           </p:cNvPr>
@@ -7967,7 +7967,7 @@
         </p:blipFill>
         <p:spPr>
           <a:xfrm>
-            <a:off x="5572198" y="0"/>
+            <a:off x="5953358" y="0"/>
             <a:ext cx="4421856" cy="6858000"/>
           </a:xfrm>
           <a:prstGeom prst="rect">

--- a/CNPM.pptx
+++ b/CNPM.pptx
@@ -5,18 +5,20 @@
     <p:sldMasterId id="2147483672" r:id="rId1"/>
   </p:sldMasterIdLst>
   <p:notesMasterIdLst>
-    <p:notesMasterId r:id="rId11"/>
+    <p:notesMasterId r:id="rId13"/>
   </p:notesMasterIdLst>
   <p:sldIdLst>
     <p:sldId id="256" r:id="rId2"/>
     <p:sldId id="257" r:id="rId3"/>
     <p:sldId id="258" r:id="rId4"/>
-    <p:sldId id="259" r:id="rId5"/>
-    <p:sldId id="260" r:id="rId6"/>
-    <p:sldId id="261" r:id="rId7"/>
-    <p:sldId id="263" r:id="rId8"/>
-    <p:sldId id="262" r:id="rId9"/>
-    <p:sldId id="264" r:id="rId10"/>
+    <p:sldId id="261" r:id="rId5"/>
+    <p:sldId id="263" r:id="rId6"/>
+    <p:sldId id="262" r:id="rId7"/>
+    <p:sldId id="264" r:id="rId8"/>
+    <p:sldId id="265" r:id="rId9"/>
+    <p:sldId id="266" r:id="rId10"/>
+    <p:sldId id="267" r:id="rId11"/>
+    <p:sldId id="268" r:id="rId12"/>
   </p:sldIdLst>
   <p:sldSz cx="12192000" cy="6858000"/>
   <p:notesSz cx="6858000" cy="9144000"/>
@@ -135,6 +137,3820 @@
 </p:cmAuthorLst>
 </file>
 
+<file path=ppt/diagrams/colors1.xml><?xml version="1.0" encoding="utf-8"?>
+<dgm:colorsDef xmlns:dgm="http://schemas.openxmlformats.org/drawingml/2006/diagram" xmlns:a="http://schemas.openxmlformats.org/drawingml/2006/main" uniqueId="urn:microsoft.com/office/officeart/2005/8/colors/accent1_2">
+  <dgm:title val=""/>
+  <dgm:desc val=""/>
+  <dgm:catLst>
+    <dgm:cat type="accent1" pri="11200"/>
+  </dgm:catLst>
+  <dgm:styleLbl name="node0">
+    <dgm:fillClrLst meth="repeat">
+      <a:schemeClr val="accent1"/>
+    </dgm:fillClrLst>
+    <dgm:linClrLst meth="repeat">
+      <a:schemeClr val="lt1"/>
+    </dgm:linClrLst>
+    <dgm:effectClrLst/>
+    <dgm:txLinClrLst/>
+    <dgm:txFillClrLst/>
+    <dgm:txEffectClrLst/>
+  </dgm:styleLbl>
+  <dgm:styleLbl name="alignNode1">
+    <dgm:fillClrLst meth="repeat">
+      <a:schemeClr val="accent1"/>
+    </dgm:fillClrLst>
+    <dgm:linClrLst meth="repeat">
+      <a:schemeClr val="accent1"/>
+    </dgm:linClrLst>
+    <dgm:effectClrLst/>
+    <dgm:txLinClrLst/>
+    <dgm:txFillClrLst/>
+    <dgm:txEffectClrLst/>
+  </dgm:styleLbl>
+  <dgm:styleLbl name="node1">
+    <dgm:fillClrLst meth="repeat">
+      <a:schemeClr val="accent1"/>
+    </dgm:fillClrLst>
+    <dgm:linClrLst meth="repeat">
+      <a:schemeClr val="lt1"/>
+    </dgm:linClrLst>
+    <dgm:effectClrLst/>
+    <dgm:txLinClrLst/>
+    <dgm:txFillClrLst/>
+    <dgm:txEffectClrLst/>
+  </dgm:styleLbl>
+  <dgm:styleLbl name="lnNode1">
+    <dgm:fillClrLst meth="repeat">
+      <a:schemeClr val="accent1"/>
+    </dgm:fillClrLst>
+    <dgm:linClrLst meth="repeat">
+      <a:schemeClr val="lt1"/>
+    </dgm:linClrLst>
+    <dgm:effectClrLst/>
+    <dgm:txLinClrLst/>
+    <dgm:txFillClrLst/>
+    <dgm:txEffectClrLst/>
+  </dgm:styleLbl>
+  <dgm:styleLbl name="vennNode1">
+    <dgm:fillClrLst meth="repeat">
+      <a:schemeClr val="accent1">
+        <a:alpha val="50000"/>
+      </a:schemeClr>
+    </dgm:fillClrLst>
+    <dgm:linClrLst meth="repeat">
+      <a:schemeClr val="lt1"/>
+    </dgm:linClrLst>
+    <dgm:effectClrLst/>
+    <dgm:txLinClrLst/>
+    <dgm:txFillClrLst/>
+    <dgm:txEffectClrLst/>
+  </dgm:styleLbl>
+  <dgm:styleLbl name="node2">
+    <dgm:fillClrLst meth="repeat">
+      <a:schemeClr val="accent1"/>
+    </dgm:fillClrLst>
+    <dgm:linClrLst meth="repeat">
+      <a:schemeClr val="lt1"/>
+    </dgm:linClrLst>
+    <dgm:effectClrLst/>
+    <dgm:txLinClrLst/>
+    <dgm:txFillClrLst/>
+    <dgm:txEffectClrLst/>
+  </dgm:styleLbl>
+  <dgm:styleLbl name="node3">
+    <dgm:fillClrLst meth="repeat">
+      <a:schemeClr val="accent1"/>
+    </dgm:fillClrLst>
+    <dgm:linClrLst meth="repeat">
+      <a:schemeClr val="lt1"/>
+    </dgm:linClrLst>
+    <dgm:effectClrLst/>
+    <dgm:txLinClrLst/>
+    <dgm:txFillClrLst/>
+    <dgm:txEffectClrLst/>
+  </dgm:styleLbl>
+  <dgm:styleLbl name="node4">
+    <dgm:fillClrLst meth="repeat">
+      <a:schemeClr val="accent1"/>
+    </dgm:fillClrLst>
+    <dgm:linClrLst meth="repeat">
+      <a:schemeClr val="lt1"/>
+    </dgm:linClrLst>
+    <dgm:effectClrLst/>
+    <dgm:txLinClrLst/>
+    <dgm:txFillClrLst/>
+    <dgm:txEffectClrLst/>
+  </dgm:styleLbl>
+  <dgm:styleLbl name="fgImgPlace1">
+    <dgm:fillClrLst meth="repeat">
+      <a:schemeClr val="accent1">
+        <a:tint val="50000"/>
+      </a:schemeClr>
+    </dgm:fillClrLst>
+    <dgm:linClrLst meth="repeat">
+      <a:schemeClr val="lt1"/>
+    </dgm:linClrLst>
+    <dgm:effectClrLst/>
+    <dgm:txLinClrLst/>
+    <dgm:txFillClrLst meth="repeat">
+      <a:schemeClr val="lt1"/>
+    </dgm:txFillClrLst>
+    <dgm:txEffectClrLst/>
+  </dgm:styleLbl>
+  <dgm:styleLbl name="alignImgPlace1">
+    <dgm:fillClrLst meth="repeat">
+      <a:schemeClr val="accent1">
+        <a:tint val="50000"/>
+      </a:schemeClr>
+    </dgm:fillClrLst>
+    <dgm:linClrLst meth="repeat">
+      <a:schemeClr val="lt1"/>
+    </dgm:linClrLst>
+    <dgm:effectClrLst/>
+    <dgm:txLinClrLst/>
+    <dgm:txFillClrLst meth="repeat">
+      <a:schemeClr val="lt1"/>
+    </dgm:txFillClrLst>
+    <dgm:txEffectClrLst/>
+  </dgm:styleLbl>
+  <dgm:styleLbl name="bgImgPlace1">
+    <dgm:fillClrLst meth="repeat">
+      <a:schemeClr val="accent1">
+        <a:tint val="50000"/>
+      </a:schemeClr>
+    </dgm:fillClrLst>
+    <dgm:linClrLst meth="repeat">
+      <a:schemeClr val="lt1"/>
+    </dgm:linClrLst>
+    <dgm:effectClrLst/>
+    <dgm:txLinClrLst/>
+    <dgm:txFillClrLst meth="repeat">
+      <a:schemeClr val="lt1"/>
+    </dgm:txFillClrLst>
+    <dgm:txEffectClrLst/>
+  </dgm:styleLbl>
+  <dgm:styleLbl name="sibTrans2D1">
+    <dgm:fillClrLst meth="repeat">
+      <a:schemeClr val="accent1">
+        <a:tint val="60000"/>
+      </a:schemeClr>
+    </dgm:fillClrLst>
+    <dgm:linClrLst meth="repeat">
+      <a:schemeClr val="accent1">
+        <a:tint val="60000"/>
+      </a:schemeClr>
+    </dgm:linClrLst>
+    <dgm:effectClrLst/>
+    <dgm:txLinClrLst/>
+    <dgm:txFillClrLst/>
+    <dgm:txEffectClrLst/>
+  </dgm:styleLbl>
+  <dgm:styleLbl name="fgSibTrans2D1">
+    <dgm:fillClrLst meth="repeat">
+      <a:schemeClr val="accent1">
+        <a:tint val="60000"/>
+      </a:schemeClr>
+    </dgm:fillClrLst>
+    <dgm:linClrLst meth="repeat">
+      <a:schemeClr val="accent1">
+        <a:tint val="60000"/>
+      </a:schemeClr>
+    </dgm:linClrLst>
+    <dgm:effectClrLst/>
+    <dgm:txLinClrLst/>
+    <dgm:txFillClrLst/>
+    <dgm:txEffectClrLst/>
+  </dgm:styleLbl>
+  <dgm:styleLbl name="bgSibTrans2D1">
+    <dgm:fillClrLst meth="repeat">
+      <a:schemeClr val="accent1">
+        <a:tint val="60000"/>
+      </a:schemeClr>
+    </dgm:fillClrLst>
+    <dgm:linClrLst meth="repeat">
+      <a:schemeClr val="accent1">
+        <a:tint val="60000"/>
+      </a:schemeClr>
+    </dgm:linClrLst>
+    <dgm:effectClrLst/>
+    <dgm:txLinClrLst/>
+    <dgm:txFillClrLst/>
+    <dgm:txEffectClrLst/>
+  </dgm:styleLbl>
+  <dgm:styleLbl name="sibTrans1D1">
+    <dgm:fillClrLst meth="repeat">
+      <a:schemeClr val="accent1"/>
+    </dgm:fillClrLst>
+    <dgm:linClrLst meth="repeat">
+      <a:schemeClr val="accent1"/>
+    </dgm:linClrLst>
+    <dgm:effectClrLst/>
+    <dgm:txLinClrLst/>
+    <dgm:txFillClrLst meth="repeat">
+      <a:schemeClr val="tx1"/>
+    </dgm:txFillClrLst>
+    <dgm:txEffectClrLst/>
+  </dgm:styleLbl>
+  <dgm:styleLbl name="callout">
+    <dgm:fillClrLst meth="repeat">
+      <a:schemeClr val="accent1"/>
+    </dgm:fillClrLst>
+    <dgm:linClrLst meth="repeat">
+      <a:schemeClr val="accent1">
+        <a:tint val="50000"/>
+      </a:schemeClr>
+    </dgm:linClrLst>
+    <dgm:effectClrLst/>
+    <dgm:txLinClrLst/>
+    <dgm:txFillClrLst meth="repeat">
+      <a:schemeClr val="tx1"/>
+    </dgm:txFillClrLst>
+    <dgm:txEffectClrLst/>
+  </dgm:styleLbl>
+  <dgm:styleLbl name="asst0">
+    <dgm:fillClrLst meth="repeat">
+      <a:schemeClr val="accent1"/>
+    </dgm:fillClrLst>
+    <dgm:linClrLst meth="repeat">
+      <a:schemeClr val="lt1"/>
+    </dgm:linClrLst>
+    <dgm:effectClrLst/>
+    <dgm:txLinClrLst/>
+    <dgm:txFillClrLst/>
+    <dgm:txEffectClrLst/>
+  </dgm:styleLbl>
+  <dgm:styleLbl name="asst1">
+    <dgm:fillClrLst meth="repeat">
+      <a:schemeClr val="accent1"/>
+    </dgm:fillClrLst>
+    <dgm:linClrLst meth="repeat">
+      <a:schemeClr val="lt1"/>
+    </dgm:linClrLst>
+    <dgm:effectClrLst/>
+    <dgm:txLinClrLst/>
+    <dgm:txFillClrLst/>
+    <dgm:txEffectClrLst/>
+  </dgm:styleLbl>
+  <dgm:styleLbl name="asst2">
+    <dgm:fillClrLst meth="repeat">
+      <a:schemeClr val="accent1"/>
+    </dgm:fillClrLst>
+    <dgm:linClrLst meth="repeat">
+      <a:schemeClr val="lt1"/>
+    </dgm:linClrLst>
+    <dgm:effectClrLst/>
+    <dgm:txLinClrLst/>
+    <dgm:txFillClrLst/>
+    <dgm:txEffectClrLst/>
+  </dgm:styleLbl>
+  <dgm:styleLbl name="asst3">
+    <dgm:fillClrLst meth="repeat">
+      <a:schemeClr val="accent1"/>
+    </dgm:fillClrLst>
+    <dgm:linClrLst meth="repeat">
+      <a:schemeClr val="lt1"/>
+    </dgm:linClrLst>
+    <dgm:effectClrLst/>
+    <dgm:txLinClrLst/>
+    <dgm:txFillClrLst/>
+    <dgm:txEffectClrLst/>
+  </dgm:styleLbl>
+  <dgm:styleLbl name="asst4">
+    <dgm:fillClrLst meth="repeat">
+      <a:schemeClr val="accent1"/>
+    </dgm:fillClrLst>
+    <dgm:linClrLst meth="repeat">
+      <a:schemeClr val="lt1"/>
+    </dgm:linClrLst>
+    <dgm:effectClrLst/>
+    <dgm:txLinClrLst/>
+    <dgm:txFillClrLst/>
+    <dgm:txEffectClrLst/>
+  </dgm:styleLbl>
+  <dgm:styleLbl name="parChTrans2D1">
+    <dgm:fillClrLst meth="repeat">
+      <a:schemeClr val="accent1">
+        <a:tint val="60000"/>
+      </a:schemeClr>
+    </dgm:fillClrLst>
+    <dgm:linClrLst meth="repeat">
+      <a:schemeClr val="accent1">
+        <a:tint val="60000"/>
+      </a:schemeClr>
+    </dgm:linClrLst>
+    <dgm:effectClrLst/>
+    <dgm:txLinClrLst/>
+    <dgm:txFillClrLst meth="repeat">
+      <a:schemeClr val="lt1"/>
+    </dgm:txFillClrLst>
+    <dgm:txEffectClrLst/>
+  </dgm:styleLbl>
+  <dgm:styleLbl name="parChTrans2D2">
+    <dgm:fillClrLst meth="repeat">
+      <a:schemeClr val="accent1"/>
+    </dgm:fillClrLst>
+    <dgm:linClrLst meth="repeat">
+      <a:schemeClr val="accent1"/>
+    </dgm:linClrLst>
+    <dgm:effectClrLst/>
+    <dgm:txLinClrLst/>
+    <dgm:txFillClrLst meth="repeat">
+      <a:schemeClr val="lt1"/>
+    </dgm:txFillClrLst>
+    <dgm:txEffectClrLst/>
+  </dgm:styleLbl>
+  <dgm:styleLbl name="parChTrans2D3">
+    <dgm:fillClrLst meth="repeat">
+      <a:schemeClr val="accent1"/>
+    </dgm:fillClrLst>
+    <dgm:linClrLst meth="repeat">
+      <a:schemeClr val="accent1"/>
+    </dgm:linClrLst>
+    <dgm:effectClrLst/>
+    <dgm:txLinClrLst/>
+    <dgm:txFillClrLst meth="repeat">
+      <a:schemeClr val="lt1"/>
+    </dgm:txFillClrLst>
+    <dgm:txEffectClrLst/>
+  </dgm:styleLbl>
+  <dgm:styleLbl name="parChTrans2D4">
+    <dgm:fillClrLst meth="repeat">
+      <a:schemeClr val="accent1"/>
+    </dgm:fillClrLst>
+    <dgm:linClrLst meth="repeat">
+      <a:schemeClr val="accent1"/>
+    </dgm:linClrLst>
+    <dgm:effectClrLst/>
+    <dgm:txLinClrLst/>
+    <dgm:txFillClrLst meth="repeat">
+      <a:schemeClr val="lt1"/>
+    </dgm:txFillClrLst>
+    <dgm:txEffectClrLst/>
+  </dgm:styleLbl>
+  <dgm:styleLbl name="parChTrans1D1">
+    <dgm:fillClrLst meth="repeat">
+      <a:schemeClr val="accent1"/>
+    </dgm:fillClrLst>
+    <dgm:linClrLst meth="repeat">
+      <a:schemeClr val="accent1">
+        <a:shade val="60000"/>
+      </a:schemeClr>
+    </dgm:linClrLst>
+    <dgm:effectClrLst/>
+    <dgm:txLinClrLst/>
+    <dgm:txFillClrLst meth="repeat">
+      <a:schemeClr val="tx1"/>
+    </dgm:txFillClrLst>
+    <dgm:txEffectClrLst/>
+  </dgm:styleLbl>
+  <dgm:styleLbl name="parChTrans1D2">
+    <dgm:fillClrLst meth="repeat">
+      <a:schemeClr val="accent1"/>
+    </dgm:fillClrLst>
+    <dgm:linClrLst meth="repeat">
+      <a:schemeClr val="accent1">
+        <a:shade val="60000"/>
+      </a:schemeClr>
+    </dgm:linClrLst>
+    <dgm:effectClrLst/>
+    <dgm:txLinClrLst/>
+    <dgm:txFillClrLst meth="repeat">
+      <a:schemeClr val="tx1"/>
+    </dgm:txFillClrLst>
+    <dgm:txEffectClrLst/>
+  </dgm:styleLbl>
+  <dgm:styleLbl name="parChTrans1D3">
+    <dgm:fillClrLst meth="repeat">
+      <a:schemeClr val="accent1"/>
+    </dgm:fillClrLst>
+    <dgm:linClrLst meth="repeat">
+      <a:schemeClr val="accent1">
+        <a:shade val="80000"/>
+      </a:schemeClr>
+    </dgm:linClrLst>
+    <dgm:effectClrLst/>
+    <dgm:txLinClrLst/>
+    <dgm:txFillClrLst meth="repeat">
+      <a:schemeClr val="tx1"/>
+    </dgm:txFillClrLst>
+    <dgm:txEffectClrLst/>
+  </dgm:styleLbl>
+  <dgm:styleLbl name="parChTrans1D4">
+    <dgm:fillClrLst meth="repeat">
+      <a:schemeClr val="accent1"/>
+    </dgm:fillClrLst>
+    <dgm:linClrLst meth="repeat">
+      <a:schemeClr val="accent1">
+        <a:shade val="80000"/>
+      </a:schemeClr>
+    </dgm:linClrLst>
+    <dgm:effectClrLst/>
+    <dgm:txLinClrLst/>
+    <dgm:txFillClrLst meth="repeat">
+      <a:schemeClr val="tx1"/>
+    </dgm:txFillClrLst>
+    <dgm:txEffectClrLst/>
+  </dgm:styleLbl>
+  <dgm:styleLbl name="fgAcc1">
+    <dgm:fillClrLst meth="repeat">
+      <a:schemeClr val="lt1">
+        <a:alpha val="90000"/>
+      </a:schemeClr>
+    </dgm:fillClrLst>
+    <dgm:linClrLst meth="repeat">
+      <a:schemeClr val="accent1"/>
+    </dgm:linClrLst>
+    <dgm:effectClrLst/>
+    <dgm:txLinClrLst/>
+    <dgm:txFillClrLst meth="repeat">
+      <a:schemeClr val="dk1"/>
+    </dgm:txFillClrLst>
+    <dgm:txEffectClrLst/>
+  </dgm:styleLbl>
+  <dgm:styleLbl name="conFgAcc1">
+    <dgm:fillClrLst meth="repeat">
+      <a:schemeClr val="lt1">
+        <a:alpha val="90000"/>
+      </a:schemeClr>
+    </dgm:fillClrLst>
+    <dgm:linClrLst meth="repeat">
+      <a:schemeClr val="accent1"/>
+    </dgm:linClrLst>
+    <dgm:effectClrLst/>
+    <dgm:txLinClrLst/>
+    <dgm:txFillClrLst meth="repeat">
+      <a:schemeClr val="dk1"/>
+    </dgm:txFillClrLst>
+    <dgm:txEffectClrLst/>
+  </dgm:styleLbl>
+  <dgm:styleLbl name="alignAcc1">
+    <dgm:fillClrLst meth="repeat">
+      <a:schemeClr val="lt1">
+        <a:alpha val="90000"/>
+      </a:schemeClr>
+    </dgm:fillClrLst>
+    <dgm:linClrLst meth="repeat">
+      <a:schemeClr val="accent1"/>
+    </dgm:linClrLst>
+    <dgm:effectClrLst/>
+    <dgm:txLinClrLst/>
+    <dgm:txFillClrLst meth="repeat">
+      <a:schemeClr val="dk1"/>
+    </dgm:txFillClrLst>
+    <dgm:txEffectClrLst/>
+  </dgm:styleLbl>
+  <dgm:styleLbl name="trAlignAcc1">
+    <dgm:fillClrLst meth="repeat">
+      <a:schemeClr val="lt1">
+        <a:alpha val="40000"/>
+      </a:schemeClr>
+    </dgm:fillClrLst>
+    <dgm:linClrLst meth="repeat">
+      <a:schemeClr val="accent1"/>
+    </dgm:linClrLst>
+    <dgm:effectClrLst/>
+    <dgm:txLinClrLst/>
+    <dgm:txFillClrLst meth="repeat">
+      <a:schemeClr val="dk1"/>
+    </dgm:txFillClrLst>
+    <dgm:txEffectClrLst/>
+  </dgm:styleLbl>
+  <dgm:styleLbl name="bgAcc1">
+    <dgm:fillClrLst meth="repeat">
+      <a:schemeClr val="lt1">
+        <a:alpha val="90000"/>
+      </a:schemeClr>
+    </dgm:fillClrLst>
+    <dgm:linClrLst meth="repeat">
+      <a:schemeClr val="accent1"/>
+    </dgm:linClrLst>
+    <dgm:effectClrLst/>
+    <dgm:txLinClrLst/>
+    <dgm:txFillClrLst meth="repeat">
+      <a:schemeClr val="dk1"/>
+    </dgm:txFillClrLst>
+    <dgm:txEffectClrLst/>
+  </dgm:styleLbl>
+  <dgm:styleLbl name="solidFgAcc1">
+    <dgm:fillClrLst meth="repeat">
+      <a:schemeClr val="lt1"/>
+    </dgm:fillClrLst>
+    <dgm:linClrLst meth="repeat">
+      <a:schemeClr val="accent1"/>
+    </dgm:linClrLst>
+    <dgm:effectClrLst/>
+    <dgm:txLinClrLst/>
+    <dgm:txFillClrLst meth="repeat">
+      <a:schemeClr val="dk1"/>
+    </dgm:txFillClrLst>
+    <dgm:txEffectClrLst/>
+  </dgm:styleLbl>
+  <dgm:styleLbl name="solidAlignAcc1">
+    <dgm:fillClrLst meth="repeat">
+      <a:schemeClr val="lt1"/>
+    </dgm:fillClrLst>
+    <dgm:linClrLst meth="repeat">
+      <a:schemeClr val="accent1"/>
+    </dgm:linClrLst>
+    <dgm:effectClrLst/>
+    <dgm:txLinClrLst/>
+    <dgm:txFillClrLst meth="repeat">
+      <a:schemeClr val="dk1"/>
+    </dgm:txFillClrLst>
+    <dgm:txEffectClrLst/>
+  </dgm:styleLbl>
+  <dgm:styleLbl name="solidBgAcc1">
+    <dgm:fillClrLst meth="repeat">
+      <a:schemeClr val="lt1"/>
+    </dgm:fillClrLst>
+    <dgm:linClrLst meth="repeat">
+      <a:schemeClr val="accent1"/>
+    </dgm:linClrLst>
+    <dgm:effectClrLst/>
+    <dgm:txLinClrLst/>
+    <dgm:txFillClrLst meth="repeat">
+      <a:schemeClr val="dk1"/>
+    </dgm:txFillClrLst>
+    <dgm:txEffectClrLst/>
+  </dgm:styleLbl>
+  <dgm:styleLbl name="fgAccFollowNode1">
+    <dgm:fillClrLst meth="repeat">
+      <a:schemeClr val="accent1">
+        <a:alpha val="90000"/>
+        <a:tint val="40000"/>
+      </a:schemeClr>
+    </dgm:fillClrLst>
+    <dgm:linClrLst meth="repeat">
+      <a:schemeClr val="accent1">
+        <a:alpha val="90000"/>
+        <a:tint val="40000"/>
+      </a:schemeClr>
+    </dgm:linClrLst>
+    <dgm:effectClrLst/>
+    <dgm:txLinClrLst/>
+    <dgm:txFillClrLst meth="repeat">
+      <a:schemeClr val="dk1"/>
+    </dgm:txFillClrLst>
+    <dgm:txEffectClrLst/>
+  </dgm:styleLbl>
+  <dgm:styleLbl name="alignAccFollowNode1">
+    <dgm:fillClrLst meth="repeat">
+      <a:schemeClr val="accent1">
+        <a:alpha val="90000"/>
+        <a:tint val="40000"/>
+      </a:schemeClr>
+    </dgm:fillClrLst>
+    <dgm:linClrLst meth="repeat">
+      <a:schemeClr val="accent1">
+        <a:alpha val="90000"/>
+        <a:tint val="40000"/>
+      </a:schemeClr>
+    </dgm:linClrLst>
+    <dgm:effectClrLst/>
+    <dgm:txLinClrLst/>
+    <dgm:txFillClrLst meth="repeat">
+      <a:schemeClr val="dk1"/>
+    </dgm:txFillClrLst>
+    <dgm:txEffectClrLst/>
+  </dgm:styleLbl>
+  <dgm:styleLbl name="bgAccFollowNode1">
+    <dgm:fillClrLst meth="repeat">
+      <a:schemeClr val="accent1">
+        <a:alpha val="90000"/>
+        <a:tint val="40000"/>
+      </a:schemeClr>
+    </dgm:fillClrLst>
+    <dgm:linClrLst meth="repeat">
+      <a:schemeClr val="accent1">
+        <a:alpha val="90000"/>
+        <a:tint val="40000"/>
+      </a:schemeClr>
+    </dgm:linClrLst>
+    <dgm:effectClrLst/>
+    <dgm:txLinClrLst/>
+    <dgm:txFillClrLst meth="repeat">
+      <a:schemeClr val="dk1"/>
+    </dgm:txFillClrLst>
+    <dgm:txEffectClrLst/>
+  </dgm:styleLbl>
+  <dgm:styleLbl name="fgAcc0">
+    <dgm:fillClrLst meth="repeat">
+      <a:schemeClr val="lt1">
+        <a:alpha val="90000"/>
+      </a:schemeClr>
+    </dgm:fillClrLst>
+    <dgm:linClrLst meth="repeat">
+      <a:schemeClr val="accent1"/>
+    </dgm:linClrLst>
+    <dgm:effectClrLst/>
+    <dgm:txLinClrLst/>
+    <dgm:txFillClrLst meth="repeat">
+      <a:schemeClr val="dk1"/>
+    </dgm:txFillClrLst>
+    <dgm:txEffectClrLst/>
+  </dgm:styleLbl>
+  <dgm:styleLbl name="fgAcc2">
+    <dgm:fillClrLst meth="repeat">
+      <a:schemeClr val="lt1">
+        <a:alpha val="90000"/>
+      </a:schemeClr>
+    </dgm:fillClrLst>
+    <dgm:linClrLst meth="repeat">
+      <a:schemeClr val="accent1"/>
+    </dgm:linClrLst>
+    <dgm:effectClrLst/>
+    <dgm:txLinClrLst/>
+    <dgm:txFillClrLst meth="repeat">
+      <a:schemeClr val="dk1"/>
+    </dgm:txFillClrLst>
+    <dgm:txEffectClrLst/>
+  </dgm:styleLbl>
+  <dgm:styleLbl name="fgAcc3">
+    <dgm:fillClrLst meth="repeat">
+      <a:schemeClr val="lt1">
+        <a:alpha val="90000"/>
+      </a:schemeClr>
+    </dgm:fillClrLst>
+    <dgm:linClrLst meth="repeat">
+      <a:schemeClr val="accent1"/>
+    </dgm:linClrLst>
+    <dgm:effectClrLst/>
+    <dgm:txLinClrLst/>
+    <dgm:txFillClrLst meth="repeat">
+      <a:schemeClr val="dk1"/>
+    </dgm:txFillClrLst>
+    <dgm:txEffectClrLst/>
+  </dgm:styleLbl>
+  <dgm:styleLbl name="fgAcc4">
+    <dgm:fillClrLst meth="repeat">
+      <a:schemeClr val="lt1">
+        <a:alpha val="90000"/>
+      </a:schemeClr>
+    </dgm:fillClrLst>
+    <dgm:linClrLst meth="repeat">
+      <a:schemeClr val="accent1"/>
+    </dgm:linClrLst>
+    <dgm:effectClrLst/>
+    <dgm:txLinClrLst/>
+    <dgm:txFillClrLst meth="repeat">
+      <a:schemeClr val="dk1"/>
+    </dgm:txFillClrLst>
+    <dgm:txEffectClrLst/>
+  </dgm:styleLbl>
+  <dgm:styleLbl name="bgShp">
+    <dgm:fillClrLst meth="repeat">
+      <a:schemeClr val="accent1">
+        <a:tint val="40000"/>
+      </a:schemeClr>
+    </dgm:fillClrLst>
+    <dgm:linClrLst meth="repeat">
+      <a:schemeClr val="accent1"/>
+    </dgm:linClrLst>
+    <dgm:effectClrLst/>
+    <dgm:txLinClrLst/>
+    <dgm:txFillClrLst meth="repeat">
+      <a:schemeClr val="dk1"/>
+    </dgm:txFillClrLst>
+    <dgm:txEffectClrLst/>
+  </dgm:styleLbl>
+  <dgm:styleLbl name="dkBgShp">
+    <dgm:fillClrLst meth="repeat">
+      <a:schemeClr val="accent1">
+        <a:shade val="80000"/>
+      </a:schemeClr>
+    </dgm:fillClrLst>
+    <dgm:linClrLst meth="repeat">
+      <a:schemeClr val="accent1"/>
+    </dgm:linClrLst>
+    <dgm:effectClrLst/>
+    <dgm:txLinClrLst/>
+    <dgm:txFillClrLst meth="repeat">
+      <a:schemeClr val="lt1"/>
+    </dgm:txFillClrLst>
+    <dgm:txEffectClrLst/>
+  </dgm:styleLbl>
+  <dgm:styleLbl name="trBgShp">
+    <dgm:fillClrLst meth="repeat">
+      <a:schemeClr val="accent1">
+        <a:tint val="50000"/>
+        <a:alpha val="40000"/>
+      </a:schemeClr>
+    </dgm:fillClrLst>
+    <dgm:linClrLst meth="repeat">
+      <a:schemeClr val="accent1"/>
+    </dgm:linClrLst>
+    <dgm:effectClrLst/>
+    <dgm:txLinClrLst/>
+    <dgm:txFillClrLst meth="repeat">
+      <a:schemeClr val="lt1"/>
+    </dgm:txFillClrLst>
+    <dgm:txEffectClrLst/>
+  </dgm:styleLbl>
+  <dgm:styleLbl name="fgShp">
+    <dgm:fillClrLst meth="repeat">
+      <a:schemeClr val="accent1">
+        <a:tint val="60000"/>
+      </a:schemeClr>
+    </dgm:fillClrLst>
+    <dgm:linClrLst meth="repeat">
+      <a:schemeClr val="lt1"/>
+    </dgm:linClrLst>
+    <dgm:effectClrLst/>
+    <dgm:txLinClrLst/>
+    <dgm:txFillClrLst meth="repeat">
+      <a:schemeClr val="dk1"/>
+    </dgm:txFillClrLst>
+    <dgm:txEffectClrLst/>
+  </dgm:styleLbl>
+  <dgm:styleLbl name="revTx">
+    <dgm:fillClrLst meth="repeat">
+      <a:schemeClr val="lt1">
+        <a:alpha val="0"/>
+      </a:schemeClr>
+    </dgm:fillClrLst>
+    <dgm:linClrLst meth="repeat">
+      <a:schemeClr val="dk1">
+        <a:alpha val="0"/>
+      </a:schemeClr>
+    </dgm:linClrLst>
+    <dgm:effectClrLst/>
+    <dgm:txLinClrLst/>
+    <dgm:txFillClrLst meth="repeat">
+      <a:schemeClr val="tx1"/>
+    </dgm:txFillClrLst>
+    <dgm:txEffectClrLst/>
+  </dgm:styleLbl>
+</dgm:colorsDef>
+</file>
+
+<file path=ppt/diagrams/data1.xml><?xml version="1.0" encoding="utf-8"?>
+<dgm:dataModel xmlns:dgm="http://schemas.openxmlformats.org/drawingml/2006/diagram" xmlns:a="http://schemas.openxmlformats.org/drawingml/2006/main">
+  <dgm:ptLst>
+    <dgm:pt modelId="{FBA9823F-F955-456E-BC96-F456CFAFFAF3}" type="doc">
+      <dgm:prSet loTypeId="urn:microsoft.com/office/officeart/2005/8/layout/chevron2" loCatId="process" qsTypeId="urn:microsoft.com/office/officeart/2005/8/quickstyle/simple1" qsCatId="simple" csTypeId="urn:microsoft.com/office/officeart/2005/8/colors/accent1_2" csCatId="accent1" phldr="1"/>
+      <dgm:spPr/>
+      <dgm:t>
+        <a:bodyPr/>
+        <a:lstStyle/>
+        <a:p>
+          <a:endParaRPr lang="en-US"/>
+        </a:p>
+      </dgm:t>
+    </dgm:pt>
+    <dgm:pt modelId="{847BB88A-A46B-44DE-BFF6-748CA579E9F9}">
+      <dgm:prSet phldrT="[Text]"/>
+      <dgm:spPr/>
+      <dgm:t>
+        <a:bodyPr/>
+        <a:lstStyle/>
+        <a:p>
+          <a:r>
+            <a:rPr lang="en-US"/>
+            <a:t>What</a:t>
+          </a:r>
+        </a:p>
+      </dgm:t>
+    </dgm:pt>
+    <dgm:pt modelId="{E0141438-BE47-46B0-8B58-9712B0E84F5B}" type="parTrans" cxnId="{5BF779C2-34D2-4008-9889-681C94ED4A97}">
+      <dgm:prSet/>
+      <dgm:spPr/>
+      <dgm:t>
+        <a:bodyPr/>
+        <a:lstStyle/>
+        <a:p>
+          <a:endParaRPr lang="en-US"/>
+        </a:p>
+      </dgm:t>
+    </dgm:pt>
+    <dgm:pt modelId="{7923AF43-083F-4C15-95FD-719B409E0D03}" type="sibTrans" cxnId="{5BF779C2-34D2-4008-9889-681C94ED4A97}">
+      <dgm:prSet/>
+      <dgm:spPr/>
+      <dgm:t>
+        <a:bodyPr/>
+        <a:lstStyle/>
+        <a:p>
+          <a:endParaRPr lang="en-US"/>
+        </a:p>
+      </dgm:t>
+    </dgm:pt>
+    <dgm:pt modelId="{C295FD42-5420-4862-87C6-015A5C422551}">
+      <dgm:prSet phldrT="[Text]"/>
+      <dgm:spPr/>
+      <dgm:t>
+        <a:bodyPr/>
+        <a:lstStyle/>
+        <a:p>
+          <a:r>
+            <a:rPr lang="en-US">
+              <a:latin typeface="Arial" panose="020B0604020202020204" pitchFamily="34" charset="0"/>
+              <a:cs typeface="Arial" panose="020B0604020202020204" pitchFamily="34" charset="0"/>
+            </a:rPr>
+            <a:t>Trang web học tiếng Anh</a:t>
+          </a:r>
+          <a:r>
+            <a:rPr lang="en-US"/>
+            <a:t>	</a:t>
+          </a:r>
+        </a:p>
+      </dgm:t>
+    </dgm:pt>
+    <dgm:pt modelId="{84D17A19-EE2B-4E18-8D99-9B03A82B4A9A}" type="parTrans" cxnId="{9061D87A-53A9-4D3C-9540-4EC73B4BE571}">
+      <dgm:prSet/>
+      <dgm:spPr/>
+      <dgm:t>
+        <a:bodyPr/>
+        <a:lstStyle/>
+        <a:p>
+          <a:endParaRPr lang="en-US"/>
+        </a:p>
+      </dgm:t>
+    </dgm:pt>
+    <dgm:pt modelId="{5A15EBDA-6B20-4AE9-A4F3-F4785D4F7999}" type="sibTrans" cxnId="{9061D87A-53A9-4D3C-9540-4EC73B4BE571}">
+      <dgm:prSet/>
+      <dgm:spPr/>
+      <dgm:t>
+        <a:bodyPr/>
+        <a:lstStyle/>
+        <a:p>
+          <a:endParaRPr lang="en-US"/>
+        </a:p>
+      </dgm:t>
+    </dgm:pt>
+    <dgm:pt modelId="{16FB7B7C-DFBA-4A22-9B45-D5D03B4C5E8E}">
+      <dgm:prSet phldrT="[Text]"/>
+      <dgm:spPr/>
+      <dgm:t>
+        <a:bodyPr/>
+        <a:lstStyle/>
+        <a:p>
+          <a:r>
+            <a:rPr lang="en-US"/>
+            <a:t>Who</a:t>
+          </a:r>
+        </a:p>
+      </dgm:t>
+    </dgm:pt>
+    <dgm:pt modelId="{3A311143-4CCE-48B2-8D2D-ABCE101A914C}" type="parTrans" cxnId="{C34B510F-D9D2-49F9-8E82-4D3D4DD44AF4}">
+      <dgm:prSet/>
+      <dgm:spPr/>
+      <dgm:t>
+        <a:bodyPr/>
+        <a:lstStyle/>
+        <a:p>
+          <a:endParaRPr lang="en-US"/>
+        </a:p>
+      </dgm:t>
+    </dgm:pt>
+    <dgm:pt modelId="{8B351F5A-E855-48CB-991C-A4CDC197D12F}" type="sibTrans" cxnId="{C34B510F-D9D2-49F9-8E82-4D3D4DD44AF4}">
+      <dgm:prSet/>
+      <dgm:spPr/>
+      <dgm:t>
+        <a:bodyPr/>
+        <a:lstStyle/>
+        <a:p>
+          <a:endParaRPr lang="en-US"/>
+        </a:p>
+      </dgm:t>
+    </dgm:pt>
+    <dgm:pt modelId="{48E69CC9-3CAB-400D-92B0-A2783D1ED8E5}">
+      <dgm:prSet phldrT="[Text]"/>
+      <dgm:spPr/>
+      <dgm:t>
+        <a:bodyPr/>
+        <a:lstStyle/>
+        <a:p>
+          <a:r>
+            <a:rPr lang="en-US">
+              <a:latin typeface="Arial" panose="020B0604020202020204" pitchFamily="34" charset="0"/>
+              <a:cs typeface="Arial" panose="020B0604020202020204" pitchFamily="34" charset="0"/>
+            </a:rPr>
+            <a:t>Dành cho trẻ em từ 5 đến 10 tuổi</a:t>
+          </a:r>
+        </a:p>
+      </dgm:t>
+    </dgm:pt>
+    <dgm:pt modelId="{0CDB0D13-FA84-4CBD-BBBD-66E541A07BDB}" type="parTrans" cxnId="{5487F753-F888-4A3F-BCA4-A0FD1A1173BB}">
+      <dgm:prSet/>
+      <dgm:spPr/>
+      <dgm:t>
+        <a:bodyPr/>
+        <a:lstStyle/>
+        <a:p>
+          <a:endParaRPr lang="en-US"/>
+        </a:p>
+      </dgm:t>
+    </dgm:pt>
+    <dgm:pt modelId="{AA7E8ABF-F82C-4DCD-AFE9-509DBCA0127E}" type="sibTrans" cxnId="{5487F753-F888-4A3F-BCA4-A0FD1A1173BB}">
+      <dgm:prSet/>
+      <dgm:spPr/>
+      <dgm:t>
+        <a:bodyPr/>
+        <a:lstStyle/>
+        <a:p>
+          <a:endParaRPr lang="en-US"/>
+        </a:p>
+      </dgm:t>
+    </dgm:pt>
+    <dgm:pt modelId="{6F2CFC36-77FA-4322-AB09-C3506B89B6ED}">
+      <dgm:prSet phldrT="[Text]"/>
+      <dgm:spPr/>
+      <dgm:t>
+        <a:bodyPr/>
+        <a:lstStyle/>
+        <a:p>
+          <a:r>
+            <a:rPr lang="en-US"/>
+            <a:t>How</a:t>
+          </a:r>
+        </a:p>
+      </dgm:t>
+    </dgm:pt>
+    <dgm:pt modelId="{1394455C-1EE1-401C-94F1-B58D1497C73B}" type="parTrans" cxnId="{D0B7EF71-C3F8-4D5F-B560-7FDDB439E3C6}">
+      <dgm:prSet/>
+      <dgm:spPr/>
+      <dgm:t>
+        <a:bodyPr/>
+        <a:lstStyle/>
+        <a:p>
+          <a:endParaRPr lang="en-US"/>
+        </a:p>
+      </dgm:t>
+    </dgm:pt>
+    <dgm:pt modelId="{A4C602A6-EB33-4059-9C24-900CC9A48DA5}" type="sibTrans" cxnId="{D0B7EF71-C3F8-4D5F-B560-7FDDB439E3C6}">
+      <dgm:prSet/>
+      <dgm:spPr/>
+      <dgm:t>
+        <a:bodyPr/>
+        <a:lstStyle/>
+        <a:p>
+          <a:endParaRPr lang="en-US"/>
+        </a:p>
+      </dgm:t>
+    </dgm:pt>
+    <dgm:pt modelId="{99AF18A1-1EAA-43E5-B620-1A807EBC9D10}">
+      <dgm:prSet phldrT="[Text]"/>
+      <dgm:spPr/>
+      <dgm:t>
+        <a:bodyPr/>
+        <a:lstStyle/>
+        <a:p>
+          <a:r>
+            <a:rPr lang="en-US"/>
+            <a:t>When</a:t>
+          </a:r>
+        </a:p>
+      </dgm:t>
+    </dgm:pt>
+    <dgm:pt modelId="{59A764A5-C906-4AC8-A981-436BDC8285BA}" type="parTrans" cxnId="{363FE721-BAB5-43F1-8B15-64BDBA2663E8}">
+      <dgm:prSet/>
+      <dgm:spPr/>
+      <dgm:t>
+        <a:bodyPr/>
+        <a:lstStyle/>
+        <a:p>
+          <a:endParaRPr lang="en-US"/>
+        </a:p>
+      </dgm:t>
+    </dgm:pt>
+    <dgm:pt modelId="{2D758628-156A-414F-8B49-826C04450A1B}" type="sibTrans" cxnId="{363FE721-BAB5-43F1-8B15-64BDBA2663E8}">
+      <dgm:prSet/>
+      <dgm:spPr/>
+      <dgm:t>
+        <a:bodyPr/>
+        <a:lstStyle/>
+        <a:p>
+          <a:endParaRPr lang="en-US"/>
+        </a:p>
+      </dgm:t>
+    </dgm:pt>
+    <dgm:pt modelId="{E809D010-153C-4687-8D6E-7E2FBDDA4E8E}">
+      <dgm:prSet phldrT="[Text]"/>
+      <dgm:spPr/>
+      <dgm:t>
+        <a:bodyPr/>
+        <a:lstStyle/>
+        <a:p>
+          <a:r>
+            <a:rPr lang="en-US"/>
+            <a:t>Where</a:t>
+          </a:r>
+        </a:p>
+      </dgm:t>
+    </dgm:pt>
+    <dgm:pt modelId="{F3227C08-A51F-44B6-845D-F540BE3AC1EE}" type="parTrans" cxnId="{8E6B49C0-A794-4BD5-A20B-96DF30D3A383}">
+      <dgm:prSet/>
+      <dgm:spPr/>
+      <dgm:t>
+        <a:bodyPr/>
+        <a:lstStyle/>
+        <a:p>
+          <a:endParaRPr lang="en-US"/>
+        </a:p>
+      </dgm:t>
+    </dgm:pt>
+    <dgm:pt modelId="{1329A77B-0C9D-47CC-BE00-58459313C306}" type="sibTrans" cxnId="{8E6B49C0-A794-4BD5-A20B-96DF30D3A383}">
+      <dgm:prSet/>
+      <dgm:spPr/>
+      <dgm:t>
+        <a:bodyPr/>
+        <a:lstStyle/>
+        <a:p>
+          <a:endParaRPr lang="en-US"/>
+        </a:p>
+      </dgm:t>
+    </dgm:pt>
+    <dgm:pt modelId="{5EE1416A-6A3D-4080-BDB8-0FE5EEE3596F}">
+      <dgm:prSet phldrT="[Text]"/>
+      <dgm:spPr/>
+      <dgm:t>
+        <a:bodyPr/>
+        <a:lstStyle/>
+        <a:p>
+          <a:r>
+            <a:rPr lang="en-US"/>
+            <a:t>Why</a:t>
+          </a:r>
+        </a:p>
+      </dgm:t>
+    </dgm:pt>
+    <dgm:pt modelId="{C8C27C93-606E-4666-894A-613E2382E2FF}" type="parTrans" cxnId="{FC53B1F9-14FB-4C91-8A35-6B51A2F24EF3}">
+      <dgm:prSet/>
+      <dgm:spPr/>
+      <dgm:t>
+        <a:bodyPr/>
+        <a:lstStyle/>
+        <a:p>
+          <a:endParaRPr lang="en-US"/>
+        </a:p>
+      </dgm:t>
+    </dgm:pt>
+    <dgm:pt modelId="{A74C43B1-4750-4256-8EDC-64DE32402CD2}" type="sibTrans" cxnId="{FC53B1F9-14FB-4C91-8A35-6B51A2F24EF3}">
+      <dgm:prSet/>
+      <dgm:spPr/>
+      <dgm:t>
+        <a:bodyPr/>
+        <a:lstStyle/>
+        <a:p>
+          <a:endParaRPr lang="en-US"/>
+        </a:p>
+      </dgm:t>
+    </dgm:pt>
+    <dgm:pt modelId="{FB2E9B16-7B50-44F7-AEC0-23AD42F30921}">
+      <dgm:prSet/>
+      <dgm:spPr/>
+      <dgm:t>
+        <a:bodyPr/>
+        <a:lstStyle/>
+        <a:p>
+          <a:r>
+            <a:rPr lang="en-US">
+              <a:latin typeface="Arial" panose="020B0604020202020204" pitchFamily="34" charset="0"/>
+              <a:cs typeface="Arial" panose="020B0604020202020204" pitchFamily="34" charset="0"/>
+            </a:rPr>
+            <a:t>Người dùng đăng nhập vào hệ thống</a:t>
+          </a:r>
+        </a:p>
+      </dgm:t>
+    </dgm:pt>
+    <dgm:pt modelId="{6E17F1B3-24FB-47DC-95B6-E77EE6024175}" type="parTrans" cxnId="{349A6953-FAE1-4994-92E2-B74A8FD64EC5}">
+      <dgm:prSet/>
+      <dgm:spPr/>
+      <dgm:t>
+        <a:bodyPr/>
+        <a:lstStyle/>
+        <a:p>
+          <a:endParaRPr lang="en-US"/>
+        </a:p>
+      </dgm:t>
+    </dgm:pt>
+    <dgm:pt modelId="{E652A0EE-798F-45A0-ACD3-2137DBD479BF}" type="sibTrans" cxnId="{349A6953-FAE1-4994-92E2-B74A8FD64EC5}">
+      <dgm:prSet/>
+      <dgm:spPr/>
+      <dgm:t>
+        <a:bodyPr/>
+        <a:lstStyle/>
+        <a:p>
+          <a:endParaRPr lang="en-US"/>
+        </a:p>
+      </dgm:t>
+    </dgm:pt>
+    <dgm:pt modelId="{C6338B60-E263-4E11-926C-82C0E215783A}">
+      <dgm:prSet/>
+      <dgm:spPr/>
+      <dgm:t>
+        <a:bodyPr/>
+        <a:lstStyle/>
+        <a:p>
+          <a:r>
+            <a:rPr lang="en-US">
+              <a:latin typeface="Arial" panose="020B0604020202020204" pitchFamily="34" charset="0"/>
+              <a:cs typeface="Arial" panose="020B0604020202020204" pitchFamily="34" charset="0"/>
+            </a:rPr>
+            <a:t>Học bài theo lộ trình</a:t>
+          </a:r>
+        </a:p>
+      </dgm:t>
+    </dgm:pt>
+    <dgm:pt modelId="{87D7A556-F632-4AA5-9524-C8C4501D039E}" type="parTrans" cxnId="{E6943E05-30A3-49D1-8BF2-806A72C9E8A0}">
+      <dgm:prSet/>
+      <dgm:spPr/>
+      <dgm:t>
+        <a:bodyPr/>
+        <a:lstStyle/>
+        <a:p>
+          <a:endParaRPr lang="en-US"/>
+        </a:p>
+      </dgm:t>
+    </dgm:pt>
+    <dgm:pt modelId="{72364B17-E3BA-4D39-949A-0198F2872BFC}" type="sibTrans" cxnId="{E6943E05-30A3-49D1-8BF2-806A72C9E8A0}">
+      <dgm:prSet/>
+      <dgm:spPr/>
+      <dgm:t>
+        <a:bodyPr/>
+        <a:lstStyle/>
+        <a:p>
+          <a:endParaRPr lang="en-US"/>
+        </a:p>
+      </dgm:t>
+    </dgm:pt>
+    <dgm:pt modelId="{FC635B61-21EB-4E72-9E19-5BEE985700F2}">
+      <dgm:prSet/>
+      <dgm:spPr/>
+      <dgm:t>
+        <a:bodyPr/>
+        <a:lstStyle/>
+        <a:p>
+          <a:r>
+            <a:rPr lang="en-US">
+              <a:latin typeface="Arial" panose="020B0604020202020204" pitchFamily="34" charset="0"/>
+              <a:cs typeface="Arial" panose="020B0604020202020204" pitchFamily="34" charset="0"/>
+            </a:rPr>
+            <a:t>Bất cứ khi nào người dùng muốn</a:t>
+          </a:r>
+        </a:p>
+      </dgm:t>
+    </dgm:pt>
+    <dgm:pt modelId="{E7D57753-9AAA-4C72-B982-5717C113EB35}" type="parTrans" cxnId="{45CABA35-C58B-40FB-9DF4-F2F7657AC760}">
+      <dgm:prSet/>
+      <dgm:spPr/>
+      <dgm:t>
+        <a:bodyPr/>
+        <a:lstStyle/>
+        <a:p>
+          <a:endParaRPr lang="en-US"/>
+        </a:p>
+      </dgm:t>
+    </dgm:pt>
+    <dgm:pt modelId="{8CF17184-71A6-4F02-B341-1279CCD60EDC}" type="sibTrans" cxnId="{45CABA35-C58B-40FB-9DF4-F2F7657AC760}">
+      <dgm:prSet/>
+      <dgm:spPr/>
+      <dgm:t>
+        <a:bodyPr/>
+        <a:lstStyle/>
+        <a:p>
+          <a:endParaRPr lang="en-US"/>
+        </a:p>
+      </dgm:t>
+    </dgm:pt>
+    <dgm:pt modelId="{15A4D433-C4F5-47D8-BEA6-CAB4220BDA5E}">
+      <dgm:prSet/>
+      <dgm:spPr/>
+      <dgm:t>
+        <a:bodyPr/>
+        <a:lstStyle/>
+        <a:p>
+          <a:r>
+            <a:rPr lang="en-US">
+              <a:latin typeface="Arial" panose="020B0604020202020204" pitchFamily="34" charset="0"/>
+              <a:cs typeface="Arial" panose="020B0604020202020204" pitchFamily="34" charset="0"/>
+            </a:rPr>
+            <a:t>Sử dụng laptop, PC, smart phone có kết nối mạng truy cập vào website</a:t>
+          </a:r>
+          <a:r>
+            <a:rPr lang="en-US"/>
+            <a:t>	</a:t>
+          </a:r>
+        </a:p>
+      </dgm:t>
+    </dgm:pt>
+    <dgm:pt modelId="{EEADBBC7-FD8F-4BBB-9986-C838C6BD38AF}" type="parTrans" cxnId="{03DBC263-EE71-4602-90FE-747709551905}">
+      <dgm:prSet/>
+      <dgm:spPr/>
+      <dgm:t>
+        <a:bodyPr/>
+        <a:lstStyle/>
+        <a:p>
+          <a:endParaRPr lang="en-US"/>
+        </a:p>
+      </dgm:t>
+    </dgm:pt>
+    <dgm:pt modelId="{7EAAAAD2-80AD-48DD-8EF2-8292657A5BE3}" type="sibTrans" cxnId="{03DBC263-EE71-4602-90FE-747709551905}">
+      <dgm:prSet/>
+      <dgm:spPr/>
+      <dgm:t>
+        <a:bodyPr/>
+        <a:lstStyle/>
+        <a:p>
+          <a:endParaRPr lang="en-US"/>
+        </a:p>
+      </dgm:t>
+    </dgm:pt>
+    <dgm:pt modelId="{1FDEF921-5012-40C1-985D-75DF52E8C2F8}">
+      <dgm:prSet/>
+      <dgm:spPr/>
+      <dgm:t>
+        <a:bodyPr/>
+        <a:lstStyle/>
+        <a:p>
+          <a:r>
+            <a:rPr lang="en-US">
+              <a:latin typeface="Arial" panose="020B0604020202020204" pitchFamily="34" charset="0"/>
+              <a:cs typeface="Arial" panose="020B0604020202020204" pitchFamily="34" charset="0"/>
+            </a:rPr>
+            <a:t>Đáp ứng nhu cầu học tiếng Anh</a:t>
+          </a:r>
+        </a:p>
+      </dgm:t>
+    </dgm:pt>
+    <dgm:pt modelId="{27E456F9-1E49-4ED9-97AC-799CB44CEF11}" type="parTrans" cxnId="{518D264B-D7F1-407B-8043-FCAD2D842617}">
+      <dgm:prSet/>
+      <dgm:spPr/>
+      <dgm:t>
+        <a:bodyPr/>
+        <a:lstStyle/>
+        <a:p>
+          <a:endParaRPr lang="en-US"/>
+        </a:p>
+      </dgm:t>
+    </dgm:pt>
+    <dgm:pt modelId="{185D7C64-52BD-4CFE-B315-F5D1B5A75228}" type="sibTrans" cxnId="{518D264B-D7F1-407B-8043-FCAD2D842617}">
+      <dgm:prSet/>
+      <dgm:spPr/>
+      <dgm:t>
+        <a:bodyPr/>
+        <a:lstStyle/>
+        <a:p>
+          <a:endParaRPr lang="en-US"/>
+        </a:p>
+      </dgm:t>
+    </dgm:pt>
+    <dgm:pt modelId="{EBBF0D06-6857-4B9A-A28B-9126A441B911}">
+      <dgm:prSet/>
+      <dgm:spPr/>
+      <dgm:t>
+        <a:bodyPr/>
+        <a:lstStyle/>
+        <a:p>
+          <a:r>
+            <a:rPr lang="en-US">
+              <a:latin typeface="Arial" panose="020B0604020202020204" pitchFamily="34" charset="0"/>
+              <a:cs typeface="Arial" panose="020B0604020202020204" pitchFamily="34" charset="0"/>
+            </a:rPr>
+            <a:t>Các bài học sinh động, đa dạng về âm thanh, hình ảnh, chủ đề</a:t>
+          </a:r>
+          <a:r>
+            <a:rPr lang="en-US"/>
+            <a:t>.</a:t>
+          </a:r>
+        </a:p>
+      </dgm:t>
+    </dgm:pt>
+    <dgm:pt modelId="{89C0CF89-2B3A-4C28-B554-0AC6B3541286}" type="parTrans" cxnId="{FEA9F8F6-C279-4E2A-8485-219122A0F807}">
+      <dgm:prSet/>
+      <dgm:spPr/>
+      <dgm:t>
+        <a:bodyPr/>
+        <a:lstStyle/>
+        <a:p>
+          <a:endParaRPr lang="en-US"/>
+        </a:p>
+      </dgm:t>
+    </dgm:pt>
+    <dgm:pt modelId="{D3605E3A-6E17-497E-8A47-409CDAF8851F}" type="sibTrans" cxnId="{FEA9F8F6-C279-4E2A-8485-219122A0F807}">
+      <dgm:prSet/>
+      <dgm:spPr/>
+      <dgm:t>
+        <a:bodyPr/>
+        <a:lstStyle/>
+        <a:p>
+          <a:endParaRPr lang="en-US"/>
+        </a:p>
+      </dgm:t>
+    </dgm:pt>
+    <dgm:pt modelId="{CE508D36-E9FC-49F6-8DAD-07295DEF2331}" type="pres">
+      <dgm:prSet presAssocID="{FBA9823F-F955-456E-BC96-F456CFAFFAF3}" presName="linearFlow" presStyleCnt="0">
+        <dgm:presLayoutVars>
+          <dgm:dir/>
+          <dgm:animLvl val="lvl"/>
+          <dgm:resizeHandles val="exact"/>
+        </dgm:presLayoutVars>
+      </dgm:prSet>
+      <dgm:spPr/>
+    </dgm:pt>
+    <dgm:pt modelId="{EB0A2344-B6E6-4ACA-B5F3-0FD0A64E9C2B}" type="pres">
+      <dgm:prSet presAssocID="{847BB88A-A46B-44DE-BFF6-748CA579E9F9}" presName="composite" presStyleCnt="0"/>
+      <dgm:spPr/>
+    </dgm:pt>
+    <dgm:pt modelId="{CEB71C8F-D699-4766-AEC1-B9CD3FA5CC3C}" type="pres">
+      <dgm:prSet presAssocID="{847BB88A-A46B-44DE-BFF6-748CA579E9F9}" presName="parentText" presStyleLbl="alignNode1" presStyleIdx="0" presStyleCnt="6">
+        <dgm:presLayoutVars>
+          <dgm:chMax val="1"/>
+          <dgm:bulletEnabled val="1"/>
+        </dgm:presLayoutVars>
+      </dgm:prSet>
+      <dgm:spPr/>
+    </dgm:pt>
+    <dgm:pt modelId="{CF21C412-08F1-4ECD-ACA2-AE82EFA9BB16}" type="pres">
+      <dgm:prSet presAssocID="{847BB88A-A46B-44DE-BFF6-748CA579E9F9}" presName="descendantText" presStyleLbl="alignAcc1" presStyleIdx="0" presStyleCnt="6">
+        <dgm:presLayoutVars>
+          <dgm:bulletEnabled val="1"/>
+        </dgm:presLayoutVars>
+      </dgm:prSet>
+      <dgm:spPr/>
+    </dgm:pt>
+    <dgm:pt modelId="{E32A86B0-A70C-46B3-A56D-B8561AE62AC5}" type="pres">
+      <dgm:prSet presAssocID="{7923AF43-083F-4C15-95FD-719B409E0D03}" presName="sp" presStyleCnt="0"/>
+      <dgm:spPr/>
+    </dgm:pt>
+    <dgm:pt modelId="{B2F6E2DB-6316-4318-B70D-B7D71969C561}" type="pres">
+      <dgm:prSet presAssocID="{16FB7B7C-DFBA-4A22-9B45-D5D03B4C5E8E}" presName="composite" presStyleCnt="0"/>
+      <dgm:spPr/>
+    </dgm:pt>
+    <dgm:pt modelId="{72241940-DA07-4528-AA53-A10ABDDFCB79}" type="pres">
+      <dgm:prSet presAssocID="{16FB7B7C-DFBA-4A22-9B45-D5D03B4C5E8E}" presName="parentText" presStyleLbl="alignNode1" presStyleIdx="1" presStyleCnt="6">
+        <dgm:presLayoutVars>
+          <dgm:chMax val="1"/>
+          <dgm:bulletEnabled val="1"/>
+        </dgm:presLayoutVars>
+      </dgm:prSet>
+      <dgm:spPr/>
+    </dgm:pt>
+    <dgm:pt modelId="{2F6D96BB-F4CD-4F56-9A7B-DBA1617C9B4C}" type="pres">
+      <dgm:prSet presAssocID="{16FB7B7C-DFBA-4A22-9B45-D5D03B4C5E8E}" presName="descendantText" presStyleLbl="alignAcc1" presStyleIdx="1" presStyleCnt="6">
+        <dgm:presLayoutVars>
+          <dgm:bulletEnabled val="1"/>
+        </dgm:presLayoutVars>
+      </dgm:prSet>
+      <dgm:spPr/>
+    </dgm:pt>
+    <dgm:pt modelId="{FBDA9685-D1A8-4ADF-A781-566CC8348737}" type="pres">
+      <dgm:prSet presAssocID="{8B351F5A-E855-48CB-991C-A4CDC197D12F}" presName="sp" presStyleCnt="0"/>
+      <dgm:spPr/>
+    </dgm:pt>
+    <dgm:pt modelId="{3A0D7AA6-CDE4-4792-9526-877EE984C338}" type="pres">
+      <dgm:prSet presAssocID="{6F2CFC36-77FA-4322-AB09-C3506B89B6ED}" presName="composite" presStyleCnt="0"/>
+      <dgm:spPr/>
+    </dgm:pt>
+    <dgm:pt modelId="{72774CD3-FB26-4CAB-8F17-887B9AE528EC}" type="pres">
+      <dgm:prSet presAssocID="{6F2CFC36-77FA-4322-AB09-C3506B89B6ED}" presName="parentText" presStyleLbl="alignNode1" presStyleIdx="2" presStyleCnt="6">
+        <dgm:presLayoutVars>
+          <dgm:chMax val="1"/>
+          <dgm:bulletEnabled val="1"/>
+        </dgm:presLayoutVars>
+      </dgm:prSet>
+      <dgm:spPr/>
+    </dgm:pt>
+    <dgm:pt modelId="{62BA19E8-FCF7-4CD6-A873-31771A2CE05A}" type="pres">
+      <dgm:prSet presAssocID="{6F2CFC36-77FA-4322-AB09-C3506B89B6ED}" presName="descendantText" presStyleLbl="alignAcc1" presStyleIdx="2" presStyleCnt="6">
+        <dgm:presLayoutVars>
+          <dgm:bulletEnabled val="1"/>
+        </dgm:presLayoutVars>
+      </dgm:prSet>
+      <dgm:spPr/>
+    </dgm:pt>
+    <dgm:pt modelId="{D2244A7F-9EF6-4736-8B36-B5CCB0944F64}" type="pres">
+      <dgm:prSet presAssocID="{A4C602A6-EB33-4059-9C24-900CC9A48DA5}" presName="sp" presStyleCnt="0"/>
+      <dgm:spPr/>
+    </dgm:pt>
+    <dgm:pt modelId="{BFD363D6-5219-409D-83E1-69A7D7B6AE5E}" type="pres">
+      <dgm:prSet presAssocID="{99AF18A1-1EAA-43E5-B620-1A807EBC9D10}" presName="composite" presStyleCnt="0"/>
+      <dgm:spPr/>
+    </dgm:pt>
+    <dgm:pt modelId="{5A99C99F-5282-46D4-B048-62E40E2A553B}" type="pres">
+      <dgm:prSet presAssocID="{99AF18A1-1EAA-43E5-B620-1A807EBC9D10}" presName="parentText" presStyleLbl="alignNode1" presStyleIdx="3" presStyleCnt="6">
+        <dgm:presLayoutVars>
+          <dgm:chMax val="1"/>
+          <dgm:bulletEnabled val="1"/>
+        </dgm:presLayoutVars>
+      </dgm:prSet>
+      <dgm:spPr/>
+    </dgm:pt>
+    <dgm:pt modelId="{CB04388F-1A01-4473-84C6-BB9F06FD6FB0}" type="pres">
+      <dgm:prSet presAssocID="{99AF18A1-1EAA-43E5-B620-1A807EBC9D10}" presName="descendantText" presStyleLbl="alignAcc1" presStyleIdx="3" presStyleCnt="6">
+        <dgm:presLayoutVars>
+          <dgm:bulletEnabled val="1"/>
+        </dgm:presLayoutVars>
+      </dgm:prSet>
+      <dgm:spPr/>
+    </dgm:pt>
+    <dgm:pt modelId="{8B7515D1-F9A6-4B33-AE32-AAFD08A923D8}" type="pres">
+      <dgm:prSet presAssocID="{2D758628-156A-414F-8B49-826C04450A1B}" presName="sp" presStyleCnt="0"/>
+      <dgm:spPr/>
+    </dgm:pt>
+    <dgm:pt modelId="{DD34D3B2-A379-4F3C-9389-12AC34ABCF2D}" type="pres">
+      <dgm:prSet presAssocID="{E809D010-153C-4687-8D6E-7E2FBDDA4E8E}" presName="composite" presStyleCnt="0"/>
+      <dgm:spPr/>
+    </dgm:pt>
+    <dgm:pt modelId="{264517FF-8760-4CB0-A158-7B3666EE8D4B}" type="pres">
+      <dgm:prSet presAssocID="{E809D010-153C-4687-8D6E-7E2FBDDA4E8E}" presName="parentText" presStyleLbl="alignNode1" presStyleIdx="4" presStyleCnt="6">
+        <dgm:presLayoutVars>
+          <dgm:chMax val="1"/>
+          <dgm:bulletEnabled val="1"/>
+        </dgm:presLayoutVars>
+      </dgm:prSet>
+      <dgm:spPr/>
+    </dgm:pt>
+    <dgm:pt modelId="{ED6D1084-7C8D-4E81-861C-3A0B7CFE8389}" type="pres">
+      <dgm:prSet presAssocID="{E809D010-153C-4687-8D6E-7E2FBDDA4E8E}" presName="descendantText" presStyleLbl="alignAcc1" presStyleIdx="4" presStyleCnt="6">
+        <dgm:presLayoutVars>
+          <dgm:bulletEnabled val="1"/>
+        </dgm:presLayoutVars>
+      </dgm:prSet>
+      <dgm:spPr/>
+    </dgm:pt>
+    <dgm:pt modelId="{C7BFB5F5-4083-454F-B7ED-33567483ED46}" type="pres">
+      <dgm:prSet presAssocID="{1329A77B-0C9D-47CC-BE00-58459313C306}" presName="sp" presStyleCnt="0"/>
+      <dgm:spPr/>
+    </dgm:pt>
+    <dgm:pt modelId="{B744912A-6C23-4312-B4B9-9AD137B5A2CC}" type="pres">
+      <dgm:prSet presAssocID="{5EE1416A-6A3D-4080-BDB8-0FE5EEE3596F}" presName="composite" presStyleCnt="0"/>
+      <dgm:spPr/>
+    </dgm:pt>
+    <dgm:pt modelId="{EA91DA76-B413-4E6B-AC90-55A6128EDA98}" type="pres">
+      <dgm:prSet presAssocID="{5EE1416A-6A3D-4080-BDB8-0FE5EEE3596F}" presName="parentText" presStyleLbl="alignNode1" presStyleIdx="5" presStyleCnt="6">
+        <dgm:presLayoutVars>
+          <dgm:chMax val="1"/>
+          <dgm:bulletEnabled val="1"/>
+        </dgm:presLayoutVars>
+      </dgm:prSet>
+      <dgm:spPr/>
+    </dgm:pt>
+    <dgm:pt modelId="{684D2134-A412-4083-AB6B-3D1DF44A1053}" type="pres">
+      <dgm:prSet presAssocID="{5EE1416A-6A3D-4080-BDB8-0FE5EEE3596F}" presName="descendantText" presStyleLbl="alignAcc1" presStyleIdx="5" presStyleCnt="6">
+        <dgm:presLayoutVars>
+          <dgm:bulletEnabled val="1"/>
+        </dgm:presLayoutVars>
+      </dgm:prSet>
+      <dgm:spPr/>
+    </dgm:pt>
+  </dgm:ptLst>
+  <dgm:cxnLst>
+    <dgm:cxn modelId="{E6943E05-30A3-49D1-8BF2-806A72C9E8A0}" srcId="{6F2CFC36-77FA-4322-AB09-C3506B89B6ED}" destId="{C6338B60-E263-4E11-926C-82C0E215783A}" srcOrd="1" destOrd="0" parTransId="{87D7A556-F632-4AA5-9524-C8C4501D039E}" sibTransId="{72364B17-E3BA-4D39-949A-0198F2872BFC}"/>
+    <dgm:cxn modelId="{A76D0F07-0934-4C33-93C7-6C27BBD172D9}" type="presOf" srcId="{E809D010-153C-4687-8D6E-7E2FBDDA4E8E}" destId="{264517FF-8760-4CB0-A158-7B3666EE8D4B}" srcOrd="0" destOrd="0" presId="urn:microsoft.com/office/officeart/2005/8/layout/chevron2"/>
+    <dgm:cxn modelId="{C34B510F-D9D2-49F9-8E82-4D3D4DD44AF4}" srcId="{FBA9823F-F955-456E-BC96-F456CFAFFAF3}" destId="{16FB7B7C-DFBA-4A22-9B45-D5D03B4C5E8E}" srcOrd="1" destOrd="0" parTransId="{3A311143-4CCE-48B2-8D2D-ABCE101A914C}" sibTransId="{8B351F5A-E855-48CB-991C-A4CDC197D12F}"/>
+    <dgm:cxn modelId="{42FA7618-4D9D-4598-85E8-B67724747663}" type="presOf" srcId="{EBBF0D06-6857-4B9A-A28B-9126A441B911}" destId="{684D2134-A412-4083-AB6B-3D1DF44A1053}" srcOrd="0" destOrd="1" presId="urn:microsoft.com/office/officeart/2005/8/layout/chevron2"/>
+    <dgm:cxn modelId="{9700711F-8F23-4500-A3F5-606D527B0F65}" type="presOf" srcId="{1FDEF921-5012-40C1-985D-75DF52E8C2F8}" destId="{684D2134-A412-4083-AB6B-3D1DF44A1053}" srcOrd="0" destOrd="0" presId="urn:microsoft.com/office/officeart/2005/8/layout/chevron2"/>
+    <dgm:cxn modelId="{5A249A21-2957-4DB5-97D3-C87A76837F6C}" type="presOf" srcId="{15A4D433-C4F5-47D8-BEA6-CAB4220BDA5E}" destId="{ED6D1084-7C8D-4E81-861C-3A0B7CFE8389}" srcOrd="0" destOrd="0" presId="urn:microsoft.com/office/officeart/2005/8/layout/chevron2"/>
+    <dgm:cxn modelId="{363FE721-BAB5-43F1-8B15-64BDBA2663E8}" srcId="{FBA9823F-F955-456E-BC96-F456CFAFFAF3}" destId="{99AF18A1-1EAA-43E5-B620-1A807EBC9D10}" srcOrd="3" destOrd="0" parTransId="{59A764A5-C906-4AC8-A981-436BDC8285BA}" sibTransId="{2D758628-156A-414F-8B49-826C04450A1B}"/>
+    <dgm:cxn modelId="{A2217132-54C4-4688-8F3B-4FCE05DBB2AC}" type="presOf" srcId="{C295FD42-5420-4862-87C6-015A5C422551}" destId="{CF21C412-08F1-4ECD-ACA2-AE82EFA9BB16}" srcOrd="0" destOrd="0" presId="urn:microsoft.com/office/officeart/2005/8/layout/chevron2"/>
+    <dgm:cxn modelId="{69EDC834-F55F-4238-8531-AEEDAB35ABA8}" type="presOf" srcId="{5EE1416A-6A3D-4080-BDB8-0FE5EEE3596F}" destId="{EA91DA76-B413-4E6B-AC90-55A6128EDA98}" srcOrd="0" destOrd="0" presId="urn:microsoft.com/office/officeart/2005/8/layout/chevron2"/>
+    <dgm:cxn modelId="{45CABA35-C58B-40FB-9DF4-F2F7657AC760}" srcId="{99AF18A1-1EAA-43E5-B620-1A807EBC9D10}" destId="{FC635B61-21EB-4E72-9E19-5BEE985700F2}" srcOrd="0" destOrd="0" parTransId="{E7D57753-9AAA-4C72-B982-5717C113EB35}" sibTransId="{8CF17184-71A6-4F02-B341-1279CCD60EDC}"/>
+    <dgm:cxn modelId="{51F68B36-AA67-4309-B751-F3E691EBF7D8}" type="presOf" srcId="{FB2E9B16-7B50-44F7-AEC0-23AD42F30921}" destId="{62BA19E8-FCF7-4CD6-A873-31771A2CE05A}" srcOrd="0" destOrd="0" presId="urn:microsoft.com/office/officeart/2005/8/layout/chevron2"/>
+    <dgm:cxn modelId="{03DBC263-EE71-4602-90FE-747709551905}" srcId="{E809D010-153C-4687-8D6E-7E2FBDDA4E8E}" destId="{15A4D433-C4F5-47D8-BEA6-CAB4220BDA5E}" srcOrd="0" destOrd="0" parTransId="{EEADBBC7-FD8F-4BBB-9986-C838C6BD38AF}" sibTransId="{7EAAAAD2-80AD-48DD-8EF2-8292657A5BE3}"/>
+    <dgm:cxn modelId="{49E32064-0FB6-4F37-96D8-E8C95003EF28}" type="presOf" srcId="{6F2CFC36-77FA-4322-AB09-C3506B89B6ED}" destId="{72774CD3-FB26-4CAB-8F17-887B9AE528EC}" srcOrd="0" destOrd="0" presId="urn:microsoft.com/office/officeart/2005/8/layout/chevron2"/>
+    <dgm:cxn modelId="{518D264B-D7F1-407B-8043-FCAD2D842617}" srcId="{5EE1416A-6A3D-4080-BDB8-0FE5EEE3596F}" destId="{1FDEF921-5012-40C1-985D-75DF52E8C2F8}" srcOrd="0" destOrd="0" parTransId="{27E456F9-1E49-4ED9-97AC-799CB44CEF11}" sibTransId="{185D7C64-52BD-4CFE-B315-F5D1B5A75228}"/>
+    <dgm:cxn modelId="{D0B7EF71-C3F8-4D5F-B560-7FDDB439E3C6}" srcId="{FBA9823F-F955-456E-BC96-F456CFAFFAF3}" destId="{6F2CFC36-77FA-4322-AB09-C3506B89B6ED}" srcOrd="2" destOrd="0" parTransId="{1394455C-1EE1-401C-94F1-B58D1497C73B}" sibTransId="{A4C602A6-EB33-4059-9C24-900CC9A48DA5}"/>
+    <dgm:cxn modelId="{349A6953-FAE1-4994-92E2-B74A8FD64EC5}" srcId="{6F2CFC36-77FA-4322-AB09-C3506B89B6ED}" destId="{FB2E9B16-7B50-44F7-AEC0-23AD42F30921}" srcOrd="0" destOrd="0" parTransId="{6E17F1B3-24FB-47DC-95B6-E77EE6024175}" sibTransId="{E652A0EE-798F-45A0-ACD3-2137DBD479BF}"/>
+    <dgm:cxn modelId="{12A6A173-49B5-4257-997D-8FC0937B0AE0}" type="presOf" srcId="{FC635B61-21EB-4E72-9E19-5BEE985700F2}" destId="{CB04388F-1A01-4473-84C6-BB9F06FD6FB0}" srcOrd="0" destOrd="0" presId="urn:microsoft.com/office/officeart/2005/8/layout/chevron2"/>
+    <dgm:cxn modelId="{5487F753-F888-4A3F-BCA4-A0FD1A1173BB}" srcId="{16FB7B7C-DFBA-4A22-9B45-D5D03B4C5E8E}" destId="{48E69CC9-3CAB-400D-92B0-A2783D1ED8E5}" srcOrd="0" destOrd="0" parTransId="{0CDB0D13-FA84-4CBD-BBBD-66E541A07BDB}" sibTransId="{AA7E8ABF-F82C-4DCD-AFE9-509DBCA0127E}"/>
+    <dgm:cxn modelId="{C7F3E156-D05B-409E-A939-C92B395F7B13}" type="presOf" srcId="{99AF18A1-1EAA-43E5-B620-1A807EBC9D10}" destId="{5A99C99F-5282-46D4-B048-62E40E2A553B}" srcOrd="0" destOrd="0" presId="urn:microsoft.com/office/officeart/2005/8/layout/chevron2"/>
+    <dgm:cxn modelId="{9061D87A-53A9-4D3C-9540-4EC73B4BE571}" srcId="{847BB88A-A46B-44DE-BFF6-748CA579E9F9}" destId="{C295FD42-5420-4862-87C6-015A5C422551}" srcOrd="0" destOrd="0" parTransId="{84D17A19-EE2B-4E18-8D99-9B03A82B4A9A}" sibTransId="{5A15EBDA-6B20-4AE9-A4F3-F4785D4F7999}"/>
+    <dgm:cxn modelId="{989E5988-F796-4CB7-A52F-3B5664161A76}" type="presOf" srcId="{FBA9823F-F955-456E-BC96-F456CFAFFAF3}" destId="{CE508D36-E9FC-49F6-8DAD-07295DEF2331}" srcOrd="0" destOrd="0" presId="urn:microsoft.com/office/officeart/2005/8/layout/chevron2"/>
+    <dgm:cxn modelId="{9C90E5AA-0EFC-4C44-9E1A-0F4866DBD857}" type="presOf" srcId="{16FB7B7C-DFBA-4A22-9B45-D5D03B4C5E8E}" destId="{72241940-DA07-4528-AA53-A10ABDDFCB79}" srcOrd="0" destOrd="0" presId="urn:microsoft.com/office/officeart/2005/8/layout/chevron2"/>
+    <dgm:cxn modelId="{39E567C0-EBA6-4EA1-8B23-D66E5319F370}" type="presOf" srcId="{48E69CC9-3CAB-400D-92B0-A2783D1ED8E5}" destId="{2F6D96BB-F4CD-4F56-9A7B-DBA1617C9B4C}" srcOrd="0" destOrd="0" presId="urn:microsoft.com/office/officeart/2005/8/layout/chevron2"/>
+    <dgm:cxn modelId="{8E6B49C0-A794-4BD5-A20B-96DF30D3A383}" srcId="{FBA9823F-F955-456E-BC96-F456CFAFFAF3}" destId="{E809D010-153C-4687-8D6E-7E2FBDDA4E8E}" srcOrd="4" destOrd="0" parTransId="{F3227C08-A51F-44B6-845D-F540BE3AC1EE}" sibTransId="{1329A77B-0C9D-47CC-BE00-58459313C306}"/>
+    <dgm:cxn modelId="{5BF779C2-34D2-4008-9889-681C94ED4A97}" srcId="{FBA9823F-F955-456E-BC96-F456CFAFFAF3}" destId="{847BB88A-A46B-44DE-BFF6-748CA579E9F9}" srcOrd="0" destOrd="0" parTransId="{E0141438-BE47-46B0-8B58-9712B0E84F5B}" sibTransId="{7923AF43-083F-4C15-95FD-719B409E0D03}"/>
+    <dgm:cxn modelId="{25EB56D8-E003-4BED-9A19-768EFA761DC9}" type="presOf" srcId="{C6338B60-E263-4E11-926C-82C0E215783A}" destId="{62BA19E8-FCF7-4CD6-A873-31771A2CE05A}" srcOrd="0" destOrd="1" presId="urn:microsoft.com/office/officeart/2005/8/layout/chevron2"/>
+    <dgm:cxn modelId="{81C7D6D9-541C-4B91-85A6-6CE11A52F74E}" type="presOf" srcId="{847BB88A-A46B-44DE-BFF6-748CA579E9F9}" destId="{CEB71C8F-D699-4766-AEC1-B9CD3FA5CC3C}" srcOrd="0" destOrd="0" presId="urn:microsoft.com/office/officeart/2005/8/layout/chevron2"/>
+    <dgm:cxn modelId="{FEA9F8F6-C279-4E2A-8485-219122A0F807}" srcId="{5EE1416A-6A3D-4080-BDB8-0FE5EEE3596F}" destId="{EBBF0D06-6857-4B9A-A28B-9126A441B911}" srcOrd="1" destOrd="0" parTransId="{89C0CF89-2B3A-4C28-B554-0AC6B3541286}" sibTransId="{D3605E3A-6E17-497E-8A47-409CDAF8851F}"/>
+    <dgm:cxn modelId="{FC53B1F9-14FB-4C91-8A35-6B51A2F24EF3}" srcId="{FBA9823F-F955-456E-BC96-F456CFAFFAF3}" destId="{5EE1416A-6A3D-4080-BDB8-0FE5EEE3596F}" srcOrd="5" destOrd="0" parTransId="{C8C27C93-606E-4666-894A-613E2382E2FF}" sibTransId="{A74C43B1-4750-4256-8EDC-64DE32402CD2}"/>
+    <dgm:cxn modelId="{83B557E3-EB67-4C17-A3DC-984CEA8512BC}" type="presParOf" srcId="{CE508D36-E9FC-49F6-8DAD-07295DEF2331}" destId="{EB0A2344-B6E6-4ACA-B5F3-0FD0A64E9C2B}" srcOrd="0" destOrd="0" presId="urn:microsoft.com/office/officeart/2005/8/layout/chevron2"/>
+    <dgm:cxn modelId="{264C36FB-72C6-4916-B6F7-8C45E53F31A0}" type="presParOf" srcId="{EB0A2344-B6E6-4ACA-B5F3-0FD0A64E9C2B}" destId="{CEB71C8F-D699-4766-AEC1-B9CD3FA5CC3C}" srcOrd="0" destOrd="0" presId="urn:microsoft.com/office/officeart/2005/8/layout/chevron2"/>
+    <dgm:cxn modelId="{BC4B062C-42A2-4CD4-81E6-BD1B641F5A7C}" type="presParOf" srcId="{EB0A2344-B6E6-4ACA-B5F3-0FD0A64E9C2B}" destId="{CF21C412-08F1-4ECD-ACA2-AE82EFA9BB16}" srcOrd="1" destOrd="0" presId="urn:microsoft.com/office/officeart/2005/8/layout/chevron2"/>
+    <dgm:cxn modelId="{6765A0FF-1FE8-445D-B133-D38DE770A58B}" type="presParOf" srcId="{CE508D36-E9FC-49F6-8DAD-07295DEF2331}" destId="{E32A86B0-A70C-46B3-A56D-B8561AE62AC5}" srcOrd="1" destOrd="0" presId="urn:microsoft.com/office/officeart/2005/8/layout/chevron2"/>
+    <dgm:cxn modelId="{465AD6C0-91DC-4D15-84E9-DBEB1DBDC997}" type="presParOf" srcId="{CE508D36-E9FC-49F6-8DAD-07295DEF2331}" destId="{B2F6E2DB-6316-4318-B70D-B7D71969C561}" srcOrd="2" destOrd="0" presId="urn:microsoft.com/office/officeart/2005/8/layout/chevron2"/>
+    <dgm:cxn modelId="{6255DF33-7175-4061-BC3F-1CB26B4DB87B}" type="presParOf" srcId="{B2F6E2DB-6316-4318-B70D-B7D71969C561}" destId="{72241940-DA07-4528-AA53-A10ABDDFCB79}" srcOrd="0" destOrd="0" presId="urn:microsoft.com/office/officeart/2005/8/layout/chevron2"/>
+    <dgm:cxn modelId="{E3738AA1-07C4-471A-A6EE-5064C183AA6A}" type="presParOf" srcId="{B2F6E2DB-6316-4318-B70D-B7D71969C561}" destId="{2F6D96BB-F4CD-4F56-9A7B-DBA1617C9B4C}" srcOrd="1" destOrd="0" presId="urn:microsoft.com/office/officeart/2005/8/layout/chevron2"/>
+    <dgm:cxn modelId="{C68564A9-87DD-46E7-93FF-203C882E9FD1}" type="presParOf" srcId="{CE508D36-E9FC-49F6-8DAD-07295DEF2331}" destId="{FBDA9685-D1A8-4ADF-A781-566CC8348737}" srcOrd="3" destOrd="0" presId="urn:microsoft.com/office/officeart/2005/8/layout/chevron2"/>
+    <dgm:cxn modelId="{D32ECCB1-1989-4C5B-BABC-5A0EB3AF5EB8}" type="presParOf" srcId="{CE508D36-E9FC-49F6-8DAD-07295DEF2331}" destId="{3A0D7AA6-CDE4-4792-9526-877EE984C338}" srcOrd="4" destOrd="0" presId="urn:microsoft.com/office/officeart/2005/8/layout/chevron2"/>
+    <dgm:cxn modelId="{834D600A-3338-4E07-BA78-C21304B1E844}" type="presParOf" srcId="{3A0D7AA6-CDE4-4792-9526-877EE984C338}" destId="{72774CD3-FB26-4CAB-8F17-887B9AE528EC}" srcOrd="0" destOrd="0" presId="urn:microsoft.com/office/officeart/2005/8/layout/chevron2"/>
+    <dgm:cxn modelId="{A194AC02-F194-4342-9AEF-8E9FDABA1210}" type="presParOf" srcId="{3A0D7AA6-CDE4-4792-9526-877EE984C338}" destId="{62BA19E8-FCF7-4CD6-A873-31771A2CE05A}" srcOrd="1" destOrd="0" presId="urn:microsoft.com/office/officeart/2005/8/layout/chevron2"/>
+    <dgm:cxn modelId="{055C1941-0F2D-4C7D-ABBE-5702DD127C9A}" type="presParOf" srcId="{CE508D36-E9FC-49F6-8DAD-07295DEF2331}" destId="{D2244A7F-9EF6-4736-8B36-B5CCB0944F64}" srcOrd="5" destOrd="0" presId="urn:microsoft.com/office/officeart/2005/8/layout/chevron2"/>
+    <dgm:cxn modelId="{030A9B97-5235-4BD7-928A-7C6DD6C6FE83}" type="presParOf" srcId="{CE508D36-E9FC-49F6-8DAD-07295DEF2331}" destId="{BFD363D6-5219-409D-83E1-69A7D7B6AE5E}" srcOrd="6" destOrd="0" presId="urn:microsoft.com/office/officeart/2005/8/layout/chevron2"/>
+    <dgm:cxn modelId="{E908195A-35EE-4F58-8B5F-279DA9AC7C07}" type="presParOf" srcId="{BFD363D6-5219-409D-83E1-69A7D7B6AE5E}" destId="{5A99C99F-5282-46D4-B048-62E40E2A553B}" srcOrd="0" destOrd="0" presId="urn:microsoft.com/office/officeart/2005/8/layout/chevron2"/>
+    <dgm:cxn modelId="{E8DAD5B1-58F5-48D1-84EB-9523CD6E1220}" type="presParOf" srcId="{BFD363D6-5219-409D-83E1-69A7D7B6AE5E}" destId="{CB04388F-1A01-4473-84C6-BB9F06FD6FB0}" srcOrd="1" destOrd="0" presId="urn:microsoft.com/office/officeart/2005/8/layout/chevron2"/>
+    <dgm:cxn modelId="{D7125327-ECB3-4669-BA57-74BA1D1DF028}" type="presParOf" srcId="{CE508D36-E9FC-49F6-8DAD-07295DEF2331}" destId="{8B7515D1-F9A6-4B33-AE32-AAFD08A923D8}" srcOrd="7" destOrd="0" presId="urn:microsoft.com/office/officeart/2005/8/layout/chevron2"/>
+    <dgm:cxn modelId="{D2E7140F-C7A0-4AC9-80EC-15012A7E444E}" type="presParOf" srcId="{CE508D36-E9FC-49F6-8DAD-07295DEF2331}" destId="{DD34D3B2-A379-4F3C-9389-12AC34ABCF2D}" srcOrd="8" destOrd="0" presId="urn:microsoft.com/office/officeart/2005/8/layout/chevron2"/>
+    <dgm:cxn modelId="{D47B986D-7BB5-4092-952F-91F887072261}" type="presParOf" srcId="{DD34D3B2-A379-4F3C-9389-12AC34ABCF2D}" destId="{264517FF-8760-4CB0-A158-7B3666EE8D4B}" srcOrd="0" destOrd="0" presId="urn:microsoft.com/office/officeart/2005/8/layout/chevron2"/>
+    <dgm:cxn modelId="{2F851C39-D7CA-4EE0-B872-DBC282CF9AD3}" type="presParOf" srcId="{DD34D3B2-A379-4F3C-9389-12AC34ABCF2D}" destId="{ED6D1084-7C8D-4E81-861C-3A0B7CFE8389}" srcOrd="1" destOrd="0" presId="urn:microsoft.com/office/officeart/2005/8/layout/chevron2"/>
+    <dgm:cxn modelId="{E3CB106B-9A8D-4811-8C24-E050EC0A3151}" type="presParOf" srcId="{CE508D36-E9FC-49F6-8DAD-07295DEF2331}" destId="{C7BFB5F5-4083-454F-B7ED-33567483ED46}" srcOrd="9" destOrd="0" presId="urn:microsoft.com/office/officeart/2005/8/layout/chevron2"/>
+    <dgm:cxn modelId="{E7C99D85-BC02-4F66-8353-42A6AFE95CE4}" type="presParOf" srcId="{CE508D36-E9FC-49F6-8DAD-07295DEF2331}" destId="{B744912A-6C23-4312-B4B9-9AD137B5A2CC}" srcOrd="10" destOrd="0" presId="urn:microsoft.com/office/officeart/2005/8/layout/chevron2"/>
+    <dgm:cxn modelId="{35A769F5-F505-41B4-A102-AFB132B57267}" type="presParOf" srcId="{B744912A-6C23-4312-B4B9-9AD137B5A2CC}" destId="{EA91DA76-B413-4E6B-AC90-55A6128EDA98}" srcOrd="0" destOrd="0" presId="urn:microsoft.com/office/officeart/2005/8/layout/chevron2"/>
+    <dgm:cxn modelId="{9996521A-F567-43BC-A132-2E85464ABF75}" type="presParOf" srcId="{B744912A-6C23-4312-B4B9-9AD137B5A2CC}" destId="{684D2134-A412-4083-AB6B-3D1DF44A1053}" srcOrd="1" destOrd="0" presId="urn:microsoft.com/office/officeart/2005/8/layout/chevron2"/>
+  </dgm:cxnLst>
+  <dgm:bg/>
+  <dgm:whole/>
+  <dgm:extLst>
+    <a:ext uri="http://schemas.microsoft.com/office/drawing/2008/diagram">
+      <dsp:dataModelExt xmlns:dsp="http://schemas.microsoft.com/office/drawing/2008/diagram" relId="rId7" minVer="http://schemas.openxmlformats.org/drawingml/2006/diagram"/>
+    </a:ext>
+  </dgm:extLst>
+</dgm:dataModel>
+</file>
+
+<file path=ppt/diagrams/drawing1.xml><?xml version="1.0" encoding="utf-8"?>
+<dsp:drawing xmlns:dgm="http://schemas.openxmlformats.org/drawingml/2006/diagram" xmlns:dsp="http://schemas.microsoft.com/office/drawing/2008/diagram" xmlns:a="http://schemas.openxmlformats.org/drawingml/2006/main">
+  <dsp:spTree>
+    <dsp:nvGrpSpPr>
+      <dsp:cNvPr id="0" name=""/>
+      <dsp:cNvGrpSpPr/>
+    </dsp:nvGrpSpPr>
+    <dsp:grpSpPr/>
+    <dsp:sp modelId="{CEB71C8F-D699-4766-AEC1-B9CD3FA5CC3C}">
+      <dsp:nvSpPr>
+        <dsp:cNvPr id="0" name=""/>
+        <dsp:cNvSpPr/>
+      </dsp:nvSpPr>
+      <dsp:spPr>
+        <a:xfrm rot="5400000">
+          <a:off x="-150527" y="152391"/>
+          <a:ext cx="1003515" cy="702460"/>
+        </a:xfrm>
+        <a:prstGeom prst="chevron">
+          <a:avLst/>
+        </a:prstGeom>
+        <a:solidFill>
+          <a:schemeClr val="accent1">
+            <a:hueOff val="0"/>
+            <a:satOff val="0"/>
+            <a:lumOff val="0"/>
+            <a:alphaOff val="0"/>
+          </a:schemeClr>
+        </a:solidFill>
+        <a:ln w="15875" cap="rnd" cmpd="sng" algn="ctr">
+          <a:solidFill>
+            <a:schemeClr val="accent1">
+              <a:hueOff val="0"/>
+              <a:satOff val="0"/>
+              <a:lumOff val="0"/>
+              <a:alphaOff val="0"/>
+            </a:schemeClr>
+          </a:solidFill>
+          <a:prstDash val="solid"/>
+        </a:ln>
+        <a:effectLst/>
+      </dsp:spPr>
+      <dsp:style>
+        <a:lnRef idx="2">
+          <a:scrgbClr r="0" g="0" b="0"/>
+        </a:lnRef>
+        <a:fillRef idx="1">
+          <a:scrgbClr r="0" g="0" b="0"/>
+        </a:fillRef>
+        <a:effectRef idx="0">
+          <a:scrgbClr r="0" g="0" b="0"/>
+        </a:effectRef>
+        <a:fontRef idx="minor">
+          <a:schemeClr val="lt1"/>
+        </a:fontRef>
+      </dsp:style>
+      <dsp:txBody>
+        <a:bodyPr spcFirstLastPara="0" vert="horz" wrap="square" lIns="12065" tIns="12065" rIns="12065" bIns="12065" numCol="1" spcCol="1270" anchor="ctr" anchorCtr="0">
+          <a:noAutofit/>
+        </a:bodyPr>
+        <a:lstStyle/>
+        <a:p>
+          <a:pPr marL="0" lvl="0" indent="0" algn="ctr" defTabSz="844550">
+            <a:lnSpc>
+              <a:spcPct val="90000"/>
+            </a:lnSpc>
+            <a:spcBef>
+              <a:spcPct val="0"/>
+            </a:spcBef>
+            <a:spcAft>
+              <a:spcPct val="35000"/>
+            </a:spcAft>
+            <a:buNone/>
+          </a:pPr>
+          <a:r>
+            <a:rPr lang="en-US" sz="1900" kern="1200"/>
+            <a:t>What</a:t>
+          </a:r>
+        </a:p>
+      </dsp:txBody>
+      <dsp:txXfrm rot="-5400000">
+        <a:off x="1" y="353093"/>
+        <a:ext cx="702460" cy="301055"/>
+      </dsp:txXfrm>
+    </dsp:sp>
+    <dsp:sp modelId="{CF21C412-08F1-4ECD-ACA2-AE82EFA9BB16}">
+      <dsp:nvSpPr>
+        <dsp:cNvPr id="0" name=""/>
+        <dsp:cNvSpPr/>
+      </dsp:nvSpPr>
+      <dsp:spPr>
+        <a:xfrm rot="5400000">
+          <a:off x="4152587" y="-3448263"/>
+          <a:ext cx="652284" cy="7552539"/>
+        </a:xfrm>
+        <a:prstGeom prst="round2SameRect">
+          <a:avLst/>
+        </a:prstGeom>
+        <a:solidFill>
+          <a:schemeClr val="lt1">
+            <a:alpha val="90000"/>
+            <a:hueOff val="0"/>
+            <a:satOff val="0"/>
+            <a:lumOff val="0"/>
+            <a:alphaOff val="0"/>
+          </a:schemeClr>
+        </a:solidFill>
+        <a:ln w="15875" cap="rnd" cmpd="sng" algn="ctr">
+          <a:solidFill>
+            <a:schemeClr val="accent1">
+              <a:hueOff val="0"/>
+              <a:satOff val="0"/>
+              <a:lumOff val="0"/>
+              <a:alphaOff val="0"/>
+            </a:schemeClr>
+          </a:solidFill>
+          <a:prstDash val="solid"/>
+        </a:ln>
+        <a:effectLst/>
+      </dsp:spPr>
+      <dsp:style>
+        <a:lnRef idx="2">
+          <a:scrgbClr r="0" g="0" b="0"/>
+        </a:lnRef>
+        <a:fillRef idx="1">
+          <a:scrgbClr r="0" g="0" b="0"/>
+        </a:fillRef>
+        <a:effectRef idx="0">
+          <a:scrgbClr r="0" g="0" b="0"/>
+        </a:effectRef>
+        <a:fontRef idx="minor"/>
+      </dsp:style>
+      <dsp:txBody>
+        <a:bodyPr spcFirstLastPara="0" vert="horz" wrap="square" lIns="135128" tIns="12065" rIns="12065" bIns="12065" numCol="1" spcCol="1270" anchor="ctr" anchorCtr="0">
+          <a:noAutofit/>
+        </a:bodyPr>
+        <a:lstStyle/>
+        <a:p>
+          <a:pPr marL="171450" lvl="1" indent="-171450" algn="l" defTabSz="844550">
+            <a:lnSpc>
+              <a:spcPct val="90000"/>
+            </a:lnSpc>
+            <a:spcBef>
+              <a:spcPct val="0"/>
+            </a:spcBef>
+            <a:spcAft>
+              <a:spcPct val="15000"/>
+            </a:spcAft>
+            <a:buChar char="•"/>
+          </a:pPr>
+          <a:r>
+            <a:rPr lang="en-US" sz="1900" kern="1200">
+              <a:latin typeface="Arial" panose="020B0604020202020204" pitchFamily="34" charset="0"/>
+              <a:cs typeface="Arial" panose="020B0604020202020204" pitchFamily="34" charset="0"/>
+            </a:rPr>
+            <a:t>Trang web học tiếng Anh</a:t>
+          </a:r>
+          <a:r>
+            <a:rPr lang="en-US" sz="1900" kern="1200"/>
+            <a:t>	</a:t>
+          </a:r>
+        </a:p>
+      </dsp:txBody>
+      <dsp:txXfrm rot="-5400000">
+        <a:off x="702460" y="33706"/>
+        <a:ext cx="7520697" cy="588600"/>
+      </dsp:txXfrm>
+    </dsp:sp>
+    <dsp:sp modelId="{72241940-DA07-4528-AA53-A10ABDDFCB79}">
+      <dsp:nvSpPr>
+        <dsp:cNvPr id="0" name=""/>
+        <dsp:cNvSpPr/>
+      </dsp:nvSpPr>
+      <dsp:spPr>
+        <a:xfrm rot="5400000">
+          <a:off x="-150527" y="1058866"/>
+          <a:ext cx="1003515" cy="702460"/>
+        </a:xfrm>
+        <a:prstGeom prst="chevron">
+          <a:avLst/>
+        </a:prstGeom>
+        <a:solidFill>
+          <a:schemeClr val="accent1">
+            <a:hueOff val="0"/>
+            <a:satOff val="0"/>
+            <a:lumOff val="0"/>
+            <a:alphaOff val="0"/>
+          </a:schemeClr>
+        </a:solidFill>
+        <a:ln w="15875" cap="rnd" cmpd="sng" algn="ctr">
+          <a:solidFill>
+            <a:schemeClr val="accent1">
+              <a:hueOff val="0"/>
+              <a:satOff val="0"/>
+              <a:lumOff val="0"/>
+              <a:alphaOff val="0"/>
+            </a:schemeClr>
+          </a:solidFill>
+          <a:prstDash val="solid"/>
+        </a:ln>
+        <a:effectLst/>
+      </dsp:spPr>
+      <dsp:style>
+        <a:lnRef idx="2">
+          <a:scrgbClr r="0" g="0" b="0"/>
+        </a:lnRef>
+        <a:fillRef idx="1">
+          <a:scrgbClr r="0" g="0" b="0"/>
+        </a:fillRef>
+        <a:effectRef idx="0">
+          <a:scrgbClr r="0" g="0" b="0"/>
+        </a:effectRef>
+        <a:fontRef idx="minor">
+          <a:schemeClr val="lt1"/>
+        </a:fontRef>
+      </dsp:style>
+      <dsp:txBody>
+        <a:bodyPr spcFirstLastPara="0" vert="horz" wrap="square" lIns="12065" tIns="12065" rIns="12065" bIns="12065" numCol="1" spcCol="1270" anchor="ctr" anchorCtr="0">
+          <a:noAutofit/>
+        </a:bodyPr>
+        <a:lstStyle/>
+        <a:p>
+          <a:pPr marL="0" lvl="0" indent="0" algn="ctr" defTabSz="844550">
+            <a:lnSpc>
+              <a:spcPct val="90000"/>
+            </a:lnSpc>
+            <a:spcBef>
+              <a:spcPct val="0"/>
+            </a:spcBef>
+            <a:spcAft>
+              <a:spcPct val="35000"/>
+            </a:spcAft>
+            <a:buNone/>
+          </a:pPr>
+          <a:r>
+            <a:rPr lang="en-US" sz="1900" kern="1200"/>
+            <a:t>Who</a:t>
+          </a:r>
+        </a:p>
+      </dsp:txBody>
+      <dsp:txXfrm rot="-5400000">
+        <a:off x="1" y="1259568"/>
+        <a:ext cx="702460" cy="301055"/>
+      </dsp:txXfrm>
+    </dsp:sp>
+    <dsp:sp modelId="{2F6D96BB-F4CD-4F56-9A7B-DBA1617C9B4C}">
+      <dsp:nvSpPr>
+        <dsp:cNvPr id="0" name=""/>
+        <dsp:cNvSpPr/>
+      </dsp:nvSpPr>
+      <dsp:spPr>
+        <a:xfrm rot="5400000">
+          <a:off x="4152587" y="-2541788"/>
+          <a:ext cx="652284" cy="7552539"/>
+        </a:xfrm>
+        <a:prstGeom prst="round2SameRect">
+          <a:avLst/>
+        </a:prstGeom>
+        <a:solidFill>
+          <a:schemeClr val="lt1">
+            <a:alpha val="90000"/>
+            <a:hueOff val="0"/>
+            <a:satOff val="0"/>
+            <a:lumOff val="0"/>
+            <a:alphaOff val="0"/>
+          </a:schemeClr>
+        </a:solidFill>
+        <a:ln w="15875" cap="rnd" cmpd="sng" algn="ctr">
+          <a:solidFill>
+            <a:schemeClr val="accent1">
+              <a:hueOff val="0"/>
+              <a:satOff val="0"/>
+              <a:lumOff val="0"/>
+              <a:alphaOff val="0"/>
+            </a:schemeClr>
+          </a:solidFill>
+          <a:prstDash val="solid"/>
+        </a:ln>
+        <a:effectLst/>
+      </dsp:spPr>
+      <dsp:style>
+        <a:lnRef idx="2">
+          <a:scrgbClr r="0" g="0" b="0"/>
+        </a:lnRef>
+        <a:fillRef idx="1">
+          <a:scrgbClr r="0" g="0" b="0"/>
+        </a:fillRef>
+        <a:effectRef idx="0">
+          <a:scrgbClr r="0" g="0" b="0"/>
+        </a:effectRef>
+        <a:fontRef idx="minor"/>
+      </dsp:style>
+      <dsp:txBody>
+        <a:bodyPr spcFirstLastPara="0" vert="horz" wrap="square" lIns="135128" tIns="12065" rIns="12065" bIns="12065" numCol="1" spcCol="1270" anchor="ctr" anchorCtr="0">
+          <a:noAutofit/>
+        </a:bodyPr>
+        <a:lstStyle/>
+        <a:p>
+          <a:pPr marL="171450" lvl="1" indent="-171450" algn="l" defTabSz="844550">
+            <a:lnSpc>
+              <a:spcPct val="90000"/>
+            </a:lnSpc>
+            <a:spcBef>
+              <a:spcPct val="0"/>
+            </a:spcBef>
+            <a:spcAft>
+              <a:spcPct val="15000"/>
+            </a:spcAft>
+            <a:buChar char="•"/>
+          </a:pPr>
+          <a:r>
+            <a:rPr lang="en-US" sz="1900" kern="1200">
+              <a:latin typeface="Arial" panose="020B0604020202020204" pitchFamily="34" charset="0"/>
+              <a:cs typeface="Arial" panose="020B0604020202020204" pitchFamily="34" charset="0"/>
+            </a:rPr>
+            <a:t>Dành cho trẻ em từ 5 đến 10 tuổi</a:t>
+          </a:r>
+        </a:p>
+      </dsp:txBody>
+      <dsp:txXfrm rot="-5400000">
+        <a:off x="702460" y="940181"/>
+        <a:ext cx="7520697" cy="588600"/>
+      </dsp:txXfrm>
+    </dsp:sp>
+    <dsp:sp modelId="{72774CD3-FB26-4CAB-8F17-887B9AE528EC}">
+      <dsp:nvSpPr>
+        <dsp:cNvPr id="0" name=""/>
+        <dsp:cNvSpPr/>
+      </dsp:nvSpPr>
+      <dsp:spPr>
+        <a:xfrm rot="5400000">
+          <a:off x="-150527" y="1965341"/>
+          <a:ext cx="1003515" cy="702460"/>
+        </a:xfrm>
+        <a:prstGeom prst="chevron">
+          <a:avLst/>
+        </a:prstGeom>
+        <a:solidFill>
+          <a:schemeClr val="accent1">
+            <a:hueOff val="0"/>
+            <a:satOff val="0"/>
+            <a:lumOff val="0"/>
+            <a:alphaOff val="0"/>
+          </a:schemeClr>
+        </a:solidFill>
+        <a:ln w="15875" cap="rnd" cmpd="sng" algn="ctr">
+          <a:solidFill>
+            <a:schemeClr val="accent1">
+              <a:hueOff val="0"/>
+              <a:satOff val="0"/>
+              <a:lumOff val="0"/>
+              <a:alphaOff val="0"/>
+            </a:schemeClr>
+          </a:solidFill>
+          <a:prstDash val="solid"/>
+        </a:ln>
+        <a:effectLst/>
+      </dsp:spPr>
+      <dsp:style>
+        <a:lnRef idx="2">
+          <a:scrgbClr r="0" g="0" b="0"/>
+        </a:lnRef>
+        <a:fillRef idx="1">
+          <a:scrgbClr r="0" g="0" b="0"/>
+        </a:fillRef>
+        <a:effectRef idx="0">
+          <a:scrgbClr r="0" g="0" b="0"/>
+        </a:effectRef>
+        <a:fontRef idx="minor">
+          <a:schemeClr val="lt1"/>
+        </a:fontRef>
+      </dsp:style>
+      <dsp:txBody>
+        <a:bodyPr spcFirstLastPara="0" vert="horz" wrap="square" lIns="12065" tIns="12065" rIns="12065" bIns="12065" numCol="1" spcCol="1270" anchor="ctr" anchorCtr="0">
+          <a:noAutofit/>
+        </a:bodyPr>
+        <a:lstStyle/>
+        <a:p>
+          <a:pPr marL="0" lvl="0" indent="0" algn="ctr" defTabSz="844550">
+            <a:lnSpc>
+              <a:spcPct val="90000"/>
+            </a:lnSpc>
+            <a:spcBef>
+              <a:spcPct val="0"/>
+            </a:spcBef>
+            <a:spcAft>
+              <a:spcPct val="35000"/>
+            </a:spcAft>
+            <a:buNone/>
+          </a:pPr>
+          <a:r>
+            <a:rPr lang="en-US" sz="1900" kern="1200"/>
+            <a:t>How</a:t>
+          </a:r>
+        </a:p>
+      </dsp:txBody>
+      <dsp:txXfrm rot="-5400000">
+        <a:off x="1" y="2166043"/>
+        <a:ext cx="702460" cy="301055"/>
+      </dsp:txXfrm>
+    </dsp:sp>
+    <dsp:sp modelId="{62BA19E8-FCF7-4CD6-A873-31771A2CE05A}">
+      <dsp:nvSpPr>
+        <dsp:cNvPr id="0" name=""/>
+        <dsp:cNvSpPr/>
+      </dsp:nvSpPr>
+      <dsp:spPr>
+        <a:xfrm rot="5400000">
+          <a:off x="4152587" y="-1635312"/>
+          <a:ext cx="652284" cy="7552539"/>
+        </a:xfrm>
+        <a:prstGeom prst="round2SameRect">
+          <a:avLst/>
+        </a:prstGeom>
+        <a:solidFill>
+          <a:schemeClr val="lt1">
+            <a:alpha val="90000"/>
+            <a:hueOff val="0"/>
+            <a:satOff val="0"/>
+            <a:lumOff val="0"/>
+            <a:alphaOff val="0"/>
+          </a:schemeClr>
+        </a:solidFill>
+        <a:ln w="15875" cap="rnd" cmpd="sng" algn="ctr">
+          <a:solidFill>
+            <a:schemeClr val="accent1">
+              <a:hueOff val="0"/>
+              <a:satOff val="0"/>
+              <a:lumOff val="0"/>
+              <a:alphaOff val="0"/>
+            </a:schemeClr>
+          </a:solidFill>
+          <a:prstDash val="solid"/>
+        </a:ln>
+        <a:effectLst/>
+      </dsp:spPr>
+      <dsp:style>
+        <a:lnRef idx="2">
+          <a:scrgbClr r="0" g="0" b="0"/>
+        </a:lnRef>
+        <a:fillRef idx="1">
+          <a:scrgbClr r="0" g="0" b="0"/>
+        </a:fillRef>
+        <a:effectRef idx="0">
+          <a:scrgbClr r="0" g="0" b="0"/>
+        </a:effectRef>
+        <a:fontRef idx="minor"/>
+      </dsp:style>
+      <dsp:txBody>
+        <a:bodyPr spcFirstLastPara="0" vert="horz" wrap="square" lIns="135128" tIns="12065" rIns="12065" bIns="12065" numCol="1" spcCol="1270" anchor="ctr" anchorCtr="0">
+          <a:noAutofit/>
+        </a:bodyPr>
+        <a:lstStyle/>
+        <a:p>
+          <a:pPr marL="171450" lvl="1" indent="-171450" algn="l" defTabSz="844550">
+            <a:lnSpc>
+              <a:spcPct val="90000"/>
+            </a:lnSpc>
+            <a:spcBef>
+              <a:spcPct val="0"/>
+            </a:spcBef>
+            <a:spcAft>
+              <a:spcPct val="15000"/>
+            </a:spcAft>
+            <a:buChar char="•"/>
+          </a:pPr>
+          <a:r>
+            <a:rPr lang="en-US" sz="1900" kern="1200">
+              <a:latin typeface="Arial" panose="020B0604020202020204" pitchFamily="34" charset="0"/>
+              <a:cs typeface="Arial" panose="020B0604020202020204" pitchFamily="34" charset="0"/>
+            </a:rPr>
+            <a:t>Người dùng đăng nhập vào hệ thống</a:t>
+          </a:r>
+        </a:p>
+        <a:p>
+          <a:pPr marL="171450" lvl="1" indent="-171450" algn="l" defTabSz="844550">
+            <a:lnSpc>
+              <a:spcPct val="90000"/>
+            </a:lnSpc>
+            <a:spcBef>
+              <a:spcPct val="0"/>
+            </a:spcBef>
+            <a:spcAft>
+              <a:spcPct val="15000"/>
+            </a:spcAft>
+            <a:buChar char="•"/>
+          </a:pPr>
+          <a:r>
+            <a:rPr lang="en-US" sz="1900" kern="1200">
+              <a:latin typeface="Arial" panose="020B0604020202020204" pitchFamily="34" charset="0"/>
+              <a:cs typeface="Arial" panose="020B0604020202020204" pitchFamily="34" charset="0"/>
+            </a:rPr>
+            <a:t>Học bài theo lộ trình</a:t>
+          </a:r>
+        </a:p>
+      </dsp:txBody>
+      <dsp:txXfrm rot="-5400000">
+        <a:off x="702460" y="1846657"/>
+        <a:ext cx="7520697" cy="588600"/>
+      </dsp:txXfrm>
+    </dsp:sp>
+    <dsp:sp modelId="{5A99C99F-5282-46D4-B048-62E40E2A553B}">
+      <dsp:nvSpPr>
+        <dsp:cNvPr id="0" name=""/>
+        <dsp:cNvSpPr/>
+      </dsp:nvSpPr>
+      <dsp:spPr>
+        <a:xfrm rot="5400000">
+          <a:off x="-150527" y="2871817"/>
+          <a:ext cx="1003515" cy="702460"/>
+        </a:xfrm>
+        <a:prstGeom prst="chevron">
+          <a:avLst/>
+        </a:prstGeom>
+        <a:solidFill>
+          <a:schemeClr val="accent1">
+            <a:hueOff val="0"/>
+            <a:satOff val="0"/>
+            <a:lumOff val="0"/>
+            <a:alphaOff val="0"/>
+          </a:schemeClr>
+        </a:solidFill>
+        <a:ln w="15875" cap="rnd" cmpd="sng" algn="ctr">
+          <a:solidFill>
+            <a:schemeClr val="accent1">
+              <a:hueOff val="0"/>
+              <a:satOff val="0"/>
+              <a:lumOff val="0"/>
+              <a:alphaOff val="0"/>
+            </a:schemeClr>
+          </a:solidFill>
+          <a:prstDash val="solid"/>
+        </a:ln>
+        <a:effectLst/>
+      </dsp:spPr>
+      <dsp:style>
+        <a:lnRef idx="2">
+          <a:scrgbClr r="0" g="0" b="0"/>
+        </a:lnRef>
+        <a:fillRef idx="1">
+          <a:scrgbClr r="0" g="0" b="0"/>
+        </a:fillRef>
+        <a:effectRef idx="0">
+          <a:scrgbClr r="0" g="0" b="0"/>
+        </a:effectRef>
+        <a:fontRef idx="minor">
+          <a:schemeClr val="lt1"/>
+        </a:fontRef>
+      </dsp:style>
+      <dsp:txBody>
+        <a:bodyPr spcFirstLastPara="0" vert="horz" wrap="square" lIns="12065" tIns="12065" rIns="12065" bIns="12065" numCol="1" spcCol="1270" anchor="ctr" anchorCtr="0">
+          <a:noAutofit/>
+        </a:bodyPr>
+        <a:lstStyle/>
+        <a:p>
+          <a:pPr marL="0" lvl="0" indent="0" algn="ctr" defTabSz="844550">
+            <a:lnSpc>
+              <a:spcPct val="90000"/>
+            </a:lnSpc>
+            <a:spcBef>
+              <a:spcPct val="0"/>
+            </a:spcBef>
+            <a:spcAft>
+              <a:spcPct val="35000"/>
+            </a:spcAft>
+            <a:buNone/>
+          </a:pPr>
+          <a:r>
+            <a:rPr lang="en-US" sz="1900" kern="1200"/>
+            <a:t>When</a:t>
+          </a:r>
+        </a:p>
+      </dsp:txBody>
+      <dsp:txXfrm rot="-5400000">
+        <a:off x="1" y="3072519"/>
+        <a:ext cx="702460" cy="301055"/>
+      </dsp:txXfrm>
+    </dsp:sp>
+    <dsp:sp modelId="{CB04388F-1A01-4473-84C6-BB9F06FD6FB0}">
+      <dsp:nvSpPr>
+        <dsp:cNvPr id="0" name=""/>
+        <dsp:cNvSpPr/>
+      </dsp:nvSpPr>
+      <dsp:spPr>
+        <a:xfrm rot="5400000">
+          <a:off x="4152587" y="-728837"/>
+          <a:ext cx="652284" cy="7552539"/>
+        </a:xfrm>
+        <a:prstGeom prst="round2SameRect">
+          <a:avLst/>
+        </a:prstGeom>
+        <a:solidFill>
+          <a:schemeClr val="lt1">
+            <a:alpha val="90000"/>
+            <a:hueOff val="0"/>
+            <a:satOff val="0"/>
+            <a:lumOff val="0"/>
+            <a:alphaOff val="0"/>
+          </a:schemeClr>
+        </a:solidFill>
+        <a:ln w="15875" cap="rnd" cmpd="sng" algn="ctr">
+          <a:solidFill>
+            <a:schemeClr val="accent1">
+              <a:hueOff val="0"/>
+              <a:satOff val="0"/>
+              <a:lumOff val="0"/>
+              <a:alphaOff val="0"/>
+            </a:schemeClr>
+          </a:solidFill>
+          <a:prstDash val="solid"/>
+        </a:ln>
+        <a:effectLst/>
+      </dsp:spPr>
+      <dsp:style>
+        <a:lnRef idx="2">
+          <a:scrgbClr r="0" g="0" b="0"/>
+        </a:lnRef>
+        <a:fillRef idx="1">
+          <a:scrgbClr r="0" g="0" b="0"/>
+        </a:fillRef>
+        <a:effectRef idx="0">
+          <a:scrgbClr r="0" g="0" b="0"/>
+        </a:effectRef>
+        <a:fontRef idx="minor"/>
+      </dsp:style>
+      <dsp:txBody>
+        <a:bodyPr spcFirstLastPara="0" vert="horz" wrap="square" lIns="135128" tIns="12065" rIns="12065" bIns="12065" numCol="1" spcCol="1270" anchor="ctr" anchorCtr="0">
+          <a:noAutofit/>
+        </a:bodyPr>
+        <a:lstStyle/>
+        <a:p>
+          <a:pPr marL="171450" lvl="1" indent="-171450" algn="l" defTabSz="844550">
+            <a:lnSpc>
+              <a:spcPct val="90000"/>
+            </a:lnSpc>
+            <a:spcBef>
+              <a:spcPct val="0"/>
+            </a:spcBef>
+            <a:spcAft>
+              <a:spcPct val="15000"/>
+            </a:spcAft>
+            <a:buChar char="•"/>
+          </a:pPr>
+          <a:r>
+            <a:rPr lang="en-US" sz="1900" kern="1200">
+              <a:latin typeface="Arial" panose="020B0604020202020204" pitchFamily="34" charset="0"/>
+              <a:cs typeface="Arial" panose="020B0604020202020204" pitchFamily="34" charset="0"/>
+            </a:rPr>
+            <a:t>Bất cứ khi nào người dùng muốn</a:t>
+          </a:r>
+        </a:p>
+      </dsp:txBody>
+      <dsp:txXfrm rot="-5400000">
+        <a:off x="702460" y="2753132"/>
+        <a:ext cx="7520697" cy="588600"/>
+      </dsp:txXfrm>
+    </dsp:sp>
+    <dsp:sp modelId="{264517FF-8760-4CB0-A158-7B3666EE8D4B}">
+      <dsp:nvSpPr>
+        <dsp:cNvPr id="0" name=""/>
+        <dsp:cNvSpPr/>
+      </dsp:nvSpPr>
+      <dsp:spPr>
+        <a:xfrm rot="5400000">
+          <a:off x="-150527" y="3778292"/>
+          <a:ext cx="1003515" cy="702460"/>
+        </a:xfrm>
+        <a:prstGeom prst="chevron">
+          <a:avLst/>
+        </a:prstGeom>
+        <a:solidFill>
+          <a:schemeClr val="accent1">
+            <a:hueOff val="0"/>
+            <a:satOff val="0"/>
+            <a:lumOff val="0"/>
+            <a:alphaOff val="0"/>
+          </a:schemeClr>
+        </a:solidFill>
+        <a:ln w="15875" cap="rnd" cmpd="sng" algn="ctr">
+          <a:solidFill>
+            <a:schemeClr val="accent1">
+              <a:hueOff val="0"/>
+              <a:satOff val="0"/>
+              <a:lumOff val="0"/>
+              <a:alphaOff val="0"/>
+            </a:schemeClr>
+          </a:solidFill>
+          <a:prstDash val="solid"/>
+        </a:ln>
+        <a:effectLst/>
+      </dsp:spPr>
+      <dsp:style>
+        <a:lnRef idx="2">
+          <a:scrgbClr r="0" g="0" b="0"/>
+        </a:lnRef>
+        <a:fillRef idx="1">
+          <a:scrgbClr r="0" g="0" b="0"/>
+        </a:fillRef>
+        <a:effectRef idx="0">
+          <a:scrgbClr r="0" g="0" b="0"/>
+        </a:effectRef>
+        <a:fontRef idx="minor">
+          <a:schemeClr val="lt1"/>
+        </a:fontRef>
+      </dsp:style>
+      <dsp:txBody>
+        <a:bodyPr spcFirstLastPara="0" vert="horz" wrap="square" lIns="12065" tIns="12065" rIns="12065" bIns="12065" numCol="1" spcCol="1270" anchor="ctr" anchorCtr="0">
+          <a:noAutofit/>
+        </a:bodyPr>
+        <a:lstStyle/>
+        <a:p>
+          <a:pPr marL="0" lvl="0" indent="0" algn="ctr" defTabSz="844550">
+            <a:lnSpc>
+              <a:spcPct val="90000"/>
+            </a:lnSpc>
+            <a:spcBef>
+              <a:spcPct val="0"/>
+            </a:spcBef>
+            <a:spcAft>
+              <a:spcPct val="35000"/>
+            </a:spcAft>
+            <a:buNone/>
+          </a:pPr>
+          <a:r>
+            <a:rPr lang="en-US" sz="1900" kern="1200"/>
+            <a:t>Where</a:t>
+          </a:r>
+        </a:p>
+      </dsp:txBody>
+      <dsp:txXfrm rot="-5400000">
+        <a:off x="1" y="3978994"/>
+        <a:ext cx="702460" cy="301055"/>
+      </dsp:txXfrm>
+    </dsp:sp>
+    <dsp:sp modelId="{ED6D1084-7C8D-4E81-861C-3A0B7CFE8389}">
+      <dsp:nvSpPr>
+        <dsp:cNvPr id="0" name=""/>
+        <dsp:cNvSpPr/>
+      </dsp:nvSpPr>
+      <dsp:spPr>
+        <a:xfrm rot="5400000">
+          <a:off x="4152587" y="177638"/>
+          <a:ext cx="652284" cy="7552539"/>
+        </a:xfrm>
+        <a:prstGeom prst="round2SameRect">
+          <a:avLst/>
+        </a:prstGeom>
+        <a:solidFill>
+          <a:schemeClr val="lt1">
+            <a:alpha val="90000"/>
+            <a:hueOff val="0"/>
+            <a:satOff val="0"/>
+            <a:lumOff val="0"/>
+            <a:alphaOff val="0"/>
+          </a:schemeClr>
+        </a:solidFill>
+        <a:ln w="15875" cap="rnd" cmpd="sng" algn="ctr">
+          <a:solidFill>
+            <a:schemeClr val="accent1">
+              <a:hueOff val="0"/>
+              <a:satOff val="0"/>
+              <a:lumOff val="0"/>
+              <a:alphaOff val="0"/>
+            </a:schemeClr>
+          </a:solidFill>
+          <a:prstDash val="solid"/>
+        </a:ln>
+        <a:effectLst/>
+      </dsp:spPr>
+      <dsp:style>
+        <a:lnRef idx="2">
+          <a:scrgbClr r="0" g="0" b="0"/>
+        </a:lnRef>
+        <a:fillRef idx="1">
+          <a:scrgbClr r="0" g="0" b="0"/>
+        </a:fillRef>
+        <a:effectRef idx="0">
+          <a:scrgbClr r="0" g="0" b="0"/>
+        </a:effectRef>
+        <a:fontRef idx="minor"/>
+      </dsp:style>
+      <dsp:txBody>
+        <a:bodyPr spcFirstLastPara="0" vert="horz" wrap="square" lIns="135128" tIns="12065" rIns="12065" bIns="12065" numCol="1" spcCol="1270" anchor="ctr" anchorCtr="0">
+          <a:noAutofit/>
+        </a:bodyPr>
+        <a:lstStyle/>
+        <a:p>
+          <a:pPr marL="171450" lvl="1" indent="-171450" algn="l" defTabSz="844550">
+            <a:lnSpc>
+              <a:spcPct val="90000"/>
+            </a:lnSpc>
+            <a:spcBef>
+              <a:spcPct val="0"/>
+            </a:spcBef>
+            <a:spcAft>
+              <a:spcPct val="15000"/>
+            </a:spcAft>
+            <a:buChar char="•"/>
+          </a:pPr>
+          <a:r>
+            <a:rPr lang="en-US" sz="1900" kern="1200">
+              <a:latin typeface="Arial" panose="020B0604020202020204" pitchFamily="34" charset="0"/>
+              <a:cs typeface="Arial" panose="020B0604020202020204" pitchFamily="34" charset="0"/>
+            </a:rPr>
+            <a:t>Sử dụng laptop, PC, smart phone có kết nối mạng truy cập vào website</a:t>
+          </a:r>
+          <a:r>
+            <a:rPr lang="en-US" sz="1900" kern="1200"/>
+            <a:t>	</a:t>
+          </a:r>
+        </a:p>
+      </dsp:txBody>
+      <dsp:txXfrm rot="-5400000">
+        <a:off x="702460" y="3659607"/>
+        <a:ext cx="7520697" cy="588600"/>
+      </dsp:txXfrm>
+    </dsp:sp>
+    <dsp:sp modelId="{EA91DA76-B413-4E6B-AC90-55A6128EDA98}">
+      <dsp:nvSpPr>
+        <dsp:cNvPr id="0" name=""/>
+        <dsp:cNvSpPr/>
+      </dsp:nvSpPr>
+      <dsp:spPr>
+        <a:xfrm rot="5400000">
+          <a:off x="-150527" y="4684768"/>
+          <a:ext cx="1003515" cy="702460"/>
+        </a:xfrm>
+        <a:prstGeom prst="chevron">
+          <a:avLst/>
+        </a:prstGeom>
+        <a:solidFill>
+          <a:schemeClr val="accent1">
+            <a:hueOff val="0"/>
+            <a:satOff val="0"/>
+            <a:lumOff val="0"/>
+            <a:alphaOff val="0"/>
+          </a:schemeClr>
+        </a:solidFill>
+        <a:ln w="15875" cap="rnd" cmpd="sng" algn="ctr">
+          <a:solidFill>
+            <a:schemeClr val="accent1">
+              <a:hueOff val="0"/>
+              <a:satOff val="0"/>
+              <a:lumOff val="0"/>
+              <a:alphaOff val="0"/>
+            </a:schemeClr>
+          </a:solidFill>
+          <a:prstDash val="solid"/>
+        </a:ln>
+        <a:effectLst/>
+      </dsp:spPr>
+      <dsp:style>
+        <a:lnRef idx="2">
+          <a:scrgbClr r="0" g="0" b="0"/>
+        </a:lnRef>
+        <a:fillRef idx="1">
+          <a:scrgbClr r="0" g="0" b="0"/>
+        </a:fillRef>
+        <a:effectRef idx="0">
+          <a:scrgbClr r="0" g="0" b="0"/>
+        </a:effectRef>
+        <a:fontRef idx="minor">
+          <a:schemeClr val="lt1"/>
+        </a:fontRef>
+      </dsp:style>
+      <dsp:txBody>
+        <a:bodyPr spcFirstLastPara="0" vert="horz" wrap="square" lIns="12065" tIns="12065" rIns="12065" bIns="12065" numCol="1" spcCol="1270" anchor="ctr" anchorCtr="0">
+          <a:noAutofit/>
+        </a:bodyPr>
+        <a:lstStyle/>
+        <a:p>
+          <a:pPr marL="0" lvl="0" indent="0" algn="ctr" defTabSz="844550">
+            <a:lnSpc>
+              <a:spcPct val="90000"/>
+            </a:lnSpc>
+            <a:spcBef>
+              <a:spcPct val="0"/>
+            </a:spcBef>
+            <a:spcAft>
+              <a:spcPct val="35000"/>
+            </a:spcAft>
+            <a:buNone/>
+          </a:pPr>
+          <a:r>
+            <a:rPr lang="en-US" sz="1900" kern="1200"/>
+            <a:t>Why</a:t>
+          </a:r>
+        </a:p>
+      </dsp:txBody>
+      <dsp:txXfrm rot="-5400000">
+        <a:off x="1" y="4885470"/>
+        <a:ext cx="702460" cy="301055"/>
+      </dsp:txXfrm>
+    </dsp:sp>
+    <dsp:sp modelId="{684D2134-A412-4083-AB6B-3D1DF44A1053}">
+      <dsp:nvSpPr>
+        <dsp:cNvPr id="0" name=""/>
+        <dsp:cNvSpPr/>
+      </dsp:nvSpPr>
+      <dsp:spPr>
+        <a:xfrm rot="5400000">
+          <a:off x="4152587" y="1084113"/>
+          <a:ext cx="652284" cy="7552539"/>
+        </a:xfrm>
+        <a:prstGeom prst="round2SameRect">
+          <a:avLst/>
+        </a:prstGeom>
+        <a:solidFill>
+          <a:schemeClr val="lt1">
+            <a:alpha val="90000"/>
+            <a:hueOff val="0"/>
+            <a:satOff val="0"/>
+            <a:lumOff val="0"/>
+            <a:alphaOff val="0"/>
+          </a:schemeClr>
+        </a:solidFill>
+        <a:ln w="15875" cap="rnd" cmpd="sng" algn="ctr">
+          <a:solidFill>
+            <a:schemeClr val="accent1">
+              <a:hueOff val="0"/>
+              <a:satOff val="0"/>
+              <a:lumOff val="0"/>
+              <a:alphaOff val="0"/>
+            </a:schemeClr>
+          </a:solidFill>
+          <a:prstDash val="solid"/>
+        </a:ln>
+        <a:effectLst/>
+      </dsp:spPr>
+      <dsp:style>
+        <a:lnRef idx="2">
+          <a:scrgbClr r="0" g="0" b="0"/>
+        </a:lnRef>
+        <a:fillRef idx="1">
+          <a:scrgbClr r="0" g="0" b="0"/>
+        </a:fillRef>
+        <a:effectRef idx="0">
+          <a:scrgbClr r="0" g="0" b="0"/>
+        </a:effectRef>
+        <a:fontRef idx="minor"/>
+      </dsp:style>
+      <dsp:txBody>
+        <a:bodyPr spcFirstLastPara="0" vert="horz" wrap="square" lIns="135128" tIns="12065" rIns="12065" bIns="12065" numCol="1" spcCol="1270" anchor="ctr" anchorCtr="0">
+          <a:noAutofit/>
+        </a:bodyPr>
+        <a:lstStyle/>
+        <a:p>
+          <a:pPr marL="171450" lvl="1" indent="-171450" algn="l" defTabSz="844550">
+            <a:lnSpc>
+              <a:spcPct val="90000"/>
+            </a:lnSpc>
+            <a:spcBef>
+              <a:spcPct val="0"/>
+            </a:spcBef>
+            <a:spcAft>
+              <a:spcPct val="15000"/>
+            </a:spcAft>
+            <a:buChar char="•"/>
+          </a:pPr>
+          <a:r>
+            <a:rPr lang="en-US" sz="1900" kern="1200">
+              <a:latin typeface="Arial" panose="020B0604020202020204" pitchFamily="34" charset="0"/>
+              <a:cs typeface="Arial" panose="020B0604020202020204" pitchFamily="34" charset="0"/>
+            </a:rPr>
+            <a:t>Đáp ứng nhu cầu học tiếng Anh</a:t>
+          </a:r>
+        </a:p>
+        <a:p>
+          <a:pPr marL="171450" lvl="1" indent="-171450" algn="l" defTabSz="844550">
+            <a:lnSpc>
+              <a:spcPct val="90000"/>
+            </a:lnSpc>
+            <a:spcBef>
+              <a:spcPct val="0"/>
+            </a:spcBef>
+            <a:spcAft>
+              <a:spcPct val="15000"/>
+            </a:spcAft>
+            <a:buChar char="•"/>
+          </a:pPr>
+          <a:r>
+            <a:rPr lang="en-US" sz="1900" kern="1200">
+              <a:latin typeface="Arial" panose="020B0604020202020204" pitchFamily="34" charset="0"/>
+              <a:cs typeface="Arial" panose="020B0604020202020204" pitchFamily="34" charset="0"/>
+            </a:rPr>
+            <a:t>Các bài học sinh động, đa dạng về âm thanh, hình ảnh, chủ đề</a:t>
+          </a:r>
+          <a:r>
+            <a:rPr lang="en-US" sz="1900" kern="1200"/>
+            <a:t>.</a:t>
+          </a:r>
+        </a:p>
+      </dsp:txBody>
+      <dsp:txXfrm rot="-5400000">
+        <a:off x="702460" y="4566082"/>
+        <a:ext cx="7520697" cy="588600"/>
+      </dsp:txXfrm>
+    </dsp:sp>
+  </dsp:spTree>
+</dsp:drawing>
+</file>
+
+<file path=ppt/diagrams/layout1.xml><?xml version="1.0" encoding="utf-8"?>
+<dgm:layoutDef xmlns:dgm="http://schemas.openxmlformats.org/drawingml/2006/diagram" xmlns:a="http://schemas.openxmlformats.org/drawingml/2006/main" uniqueId="urn:microsoft.com/office/officeart/2005/8/layout/chevron2">
+  <dgm:title val=""/>
+  <dgm:desc val=""/>
+  <dgm:catLst>
+    <dgm:cat type="process" pri="12000"/>
+    <dgm:cat type="list" pri="16000"/>
+    <dgm:cat type="convert" pri="11000"/>
+  </dgm:catLst>
+  <dgm:sampData>
+    <dgm:dataModel>
+      <dgm:ptLst>
+        <dgm:pt modelId="0" type="doc"/>
+        <dgm:pt modelId="1">
+          <dgm:prSet phldr="1"/>
+        </dgm:pt>
+        <dgm:pt modelId="11">
+          <dgm:prSet phldr="1"/>
+        </dgm:pt>
+        <dgm:pt modelId="12">
+          <dgm:prSet phldr="1"/>
+        </dgm:pt>
+        <dgm:pt modelId="2">
+          <dgm:prSet phldr="1"/>
+        </dgm:pt>
+        <dgm:pt modelId="21">
+          <dgm:prSet phldr="1"/>
+        </dgm:pt>
+        <dgm:pt modelId="22">
+          <dgm:prSet phldr="1"/>
+        </dgm:pt>
+        <dgm:pt modelId="3">
+          <dgm:prSet phldr="1"/>
+        </dgm:pt>
+        <dgm:pt modelId="31">
+          <dgm:prSet phldr="1"/>
+        </dgm:pt>
+        <dgm:pt modelId="32">
+          <dgm:prSet phldr="1"/>
+        </dgm:pt>
+      </dgm:ptLst>
+      <dgm:cxnLst>
+        <dgm:cxn modelId="4" srcId="0" destId="1" srcOrd="0" destOrd="0"/>
+        <dgm:cxn modelId="5" srcId="0" destId="2" srcOrd="1" destOrd="0"/>
+        <dgm:cxn modelId="6" srcId="0" destId="3" srcOrd="2" destOrd="0"/>
+        <dgm:cxn modelId="13" srcId="1" destId="11" srcOrd="0" destOrd="0"/>
+        <dgm:cxn modelId="14" srcId="1" destId="12" srcOrd="1" destOrd="0"/>
+        <dgm:cxn modelId="23" srcId="2" destId="21" srcOrd="0" destOrd="0"/>
+        <dgm:cxn modelId="24" srcId="2" destId="22" srcOrd="1" destOrd="0"/>
+        <dgm:cxn modelId="33" srcId="3" destId="31" srcOrd="0" destOrd="0"/>
+        <dgm:cxn modelId="34" srcId="3" destId="32" srcOrd="1" destOrd="0"/>
+      </dgm:cxnLst>
+      <dgm:bg/>
+      <dgm:whole/>
+    </dgm:dataModel>
+  </dgm:sampData>
+  <dgm:styleData>
+    <dgm:dataModel>
+      <dgm:ptLst>
+        <dgm:pt modelId="0" type="doc"/>
+        <dgm:pt modelId="1"/>
+      </dgm:ptLst>
+      <dgm:cxnLst>
+        <dgm:cxn modelId="4" srcId="0" destId="1" srcOrd="0" destOrd="0"/>
+      </dgm:cxnLst>
+      <dgm:bg/>
+      <dgm:whole/>
+    </dgm:dataModel>
+  </dgm:styleData>
+  <dgm:clrData>
+    <dgm:dataModel>
+      <dgm:ptLst>
+        <dgm:pt modelId="0" type="doc"/>
+        <dgm:pt modelId="1"/>
+        <dgm:pt modelId="11"/>
+        <dgm:pt modelId="2"/>
+        <dgm:pt modelId="21"/>
+        <dgm:pt modelId="3"/>
+        <dgm:pt modelId="31"/>
+        <dgm:pt modelId="4"/>
+        <dgm:pt modelId="41"/>
+      </dgm:ptLst>
+      <dgm:cxnLst>
+        <dgm:cxn modelId="5" srcId="0" destId="1" srcOrd="0" destOrd="0"/>
+        <dgm:cxn modelId="6" srcId="0" destId="2" srcOrd="1" destOrd="0"/>
+        <dgm:cxn modelId="7" srcId="0" destId="3" srcOrd="2" destOrd="0"/>
+        <dgm:cxn modelId="8" srcId="0" destId="4" srcOrd="3" destOrd="0"/>
+        <dgm:cxn modelId="13" srcId="1" destId="11" srcOrd="0" destOrd="0"/>
+        <dgm:cxn modelId="23" srcId="2" destId="21" srcOrd="0" destOrd="0"/>
+        <dgm:cxn modelId="33" srcId="3" destId="31" srcOrd="0" destOrd="0"/>
+        <dgm:cxn modelId="43" srcId="4" destId="41" srcOrd="0" destOrd="0"/>
+      </dgm:cxnLst>
+      <dgm:bg/>
+      <dgm:whole/>
+    </dgm:dataModel>
+  </dgm:clrData>
+  <dgm:layoutNode name="linearFlow">
+    <dgm:varLst>
+      <dgm:dir/>
+      <dgm:animLvl val="lvl"/>
+      <dgm:resizeHandles val="exact"/>
+    </dgm:varLst>
+    <dgm:alg type="lin">
+      <dgm:param type="linDir" val="fromT"/>
+      <dgm:param type="nodeHorzAlign" val="l"/>
+    </dgm:alg>
+    <dgm:shape xmlns:r="http://schemas.openxmlformats.org/officeDocument/2006/relationships" r:blip="">
+      <dgm:adjLst/>
+    </dgm:shape>
+    <dgm:presOf/>
+    <dgm:constrLst>
+      <dgm:constr type="h" for="ch" forName="composite" refType="h"/>
+      <dgm:constr type="w" for="ch" forName="composite" refType="w"/>
+      <dgm:constr type="h" for="des" forName="parentText" op="equ"/>
+      <dgm:constr type="h" for="ch" forName="sp" val="-14.88"/>
+      <dgm:constr type="h" for="ch" forName="sp" refType="w" refFor="des" refForName="parentText" op="gte" fact="-0.3"/>
+      <dgm:constr type="primFontSz" for="des" forName="parentText" op="equ" val="65"/>
+      <dgm:constr type="primFontSz" for="des" forName="descendantText" op="equ" val="65"/>
+    </dgm:constrLst>
+    <dgm:ruleLst/>
+    <dgm:forEach name="Name0" axis="ch" ptType="node">
+      <dgm:layoutNode name="composite">
+        <dgm:alg type="composite"/>
+        <dgm:shape xmlns:r="http://schemas.openxmlformats.org/officeDocument/2006/relationships" r:blip="">
+          <dgm:adjLst/>
+        </dgm:shape>
+        <dgm:presOf/>
+        <dgm:choose name="Name1">
+          <dgm:if name="Name2" func="var" arg="dir" op="equ" val="norm">
+            <dgm:constrLst>
+              <dgm:constr type="t" for="ch" forName="parentText"/>
+              <dgm:constr type="l" for="ch" forName="parentText"/>
+              <dgm:constr type="w" for="ch" forName="parentText" refType="w" fact="0.4"/>
+              <dgm:constr type="h" for="ch" forName="parentText" refType="h"/>
+              <dgm:constr type="w" for="ch" forName="parentText" refType="w" op="lte" fact="0.5"/>
+              <dgm:constr type="w" for="ch" forName="parentText" refType="h" refFor="ch" refForName="parentText" op="lte" fact="0.7"/>
+              <dgm:constr type="h" for="ch" forName="parentText" refType="w" refFor="ch" refForName="parentText" op="lte" fact="3"/>
+              <dgm:constr type="l" for="ch" forName="descendantText" refType="w" refFor="ch" refForName="parentText"/>
+              <dgm:constr type="w" for="ch" forName="descendantText" refType="w"/>
+              <dgm:constr type="wOff" for="ch" forName="descendantText" refType="w" refFor="ch" refForName="parentText" fact="-1"/>
+              <dgm:constr type="t" for="ch" forName="descendantText"/>
+              <dgm:constr type="b" for="ch" forName="descendantText" refType="h" refFor="ch" refForName="parentText"/>
+              <dgm:constr type="bOff" for="ch" forName="descendantText" refType="w" refFor="ch" refForName="parentText" fact="-0.5"/>
+            </dgm:constrLst>
+          </dgm:if>
+          <dgm:else name="Name3">
+            <dgm:constrLst>
+              <dgm:constr type="t" for="ch" forName="parentText"/>
+              <dgm:constr type="r" for="ch" forName="parentText" refType="w"/>
+              <dgm:constr type="w" for="ch" forName="parentText" refType="w" fact="0.4"/>
+              <dgm:constr type="h" for="ch" forName="parentText" refType="h"/>
+              <dgm:constr type="w" for="ch" forName="parentText" refType="w" op="lte" fact="0.5"/>
+              <dgm:constr type="w" for="ch" forName="parentText" refType="h" refFor="ch" refForName="parentText" op="lte" fact="0.7"/>
+              <dgm:constr type="h" for="ch" forName="parentText" refType="w" refFor="ch" refForName="parentText" op="lte" fact="3"/>
+              <dgm:constr type="l" for="ch" forName="descendantText"/>
+              <dgm:constr type="w" for="ch" forName="descendantText" refType="w"/>
+              <dgm:constr type="wOff" for="ch" forName="descendantText" refType="w" refFor="ch" refForName="parentText" fact="-1"/>
+              <dgm:constr type="t" for="ch" forName="descendantText"/>
+              <dgm:constr type="b" for="ch" forName="descendantText" refType="h" refFor="ch" refForName="parentText"/>
+              <dgm:constr type="bOff" for="ch" forName="descendantText" refType="w" refFor="ch" refForName="parentText" fact="-0.5"/>
+            </dgm:constrLst>
+          </dgm:else>
+        </dgm:choose>
+        <dgm:ruleLst/>
+        <dgm:layoutNode name="parentText" styleLbl="alignNode1">
+          <dgm:varLst>
+            <dgm:chMax val="1"/>
+            <dgm:bulletEnabled val="1"/>
+          </dgm:varLst>
+          <dgm:alg type="tx"/>
+          <dgm:shape xmlns:r="http://schemas.openxmlformats.org/officeDocument/2006/relationships" rot="90" type="chevron" r:blip="">
+            <dgm:adjLst/>
+          </dgm:shape>
+          <dgm:presOf axis="self" ptType="node"/>
+          <dgm:constrLst>
+            <dgm:constr type="lMarg" refType="primFontSz" fact="0.05"/>
+            <dgm:constr type="rMarg" refType="primFontSz" fact="0.05"/>
+            <dgm:constr type="tMarg" refType="primFontSz" fact="0.05"/>
+            <dgm:constr type="bMarg" refType="primFontSz" fact="0.05"/>
+          </dgm:constrLst>
+          <dgm:ruleLst>
+            <dgm:rule type="h" val="100" fact="NaN" max="NaN"/>
+            <dgm:rule type="primFontSz" val="24" fact="NaN" max="NaN"/>
+            <dgm:rule type="h" val="110" fact="NaN" max="NaN"/>
+            <dgm:rule type="primFontSz" val="18" fact="NaN" max="NaN"/>
+            <dgm:rule type="h" val="INF" fact="NaN" max="NaN"/>
+            <dgm:rule type="primFontSz" val="5" fact="NaN" max="NaN"/>
+          </dgm:ruleLst>
+        </dgm:layoutNode>
+        <dgm:layoutNode name="descendantText" styleLbl="alignAcc1">
+          <dgm:varLst>
+            <dgm:bulletEnabled val="1"/>
+          </dgm:varLst>
+          <dgm:choose name="Name4">
+            <dgm:if name="Name5" func="var" arg="dir" op="equ" val="norm">
+              <dgm:alg type="tx">
+                <dgm:param type="stBulletLvl" val="1"/>
+                <dgm:param type="txAnchorVertCh" val="mid"/>
+              </dgm:alg>
+              <dgm:shape xmlns:r="http://schemas.openxmlformats.org/officeDocument/2006/relationships" rot="90" type="round2SameRect" r:blip="">
+                <dgm:adjLst/>
+              </dgm:shape>
+            </dgm:if>
+            <dgm:else name="Name6">
+              <dgm:alg type="tx">
+                <dgm:param type="stBulletLvl" val="1"/>
+                <dgm:param type="txAnchorVertCh" val="mid"/>
+              </dgm:alg>
+              <dgm:shape xmlns:r="http://schemas.openxmlformats.org/officeDocument/2006/relationships" rot="-90" type="round2SameRect" r:blip="">
+                <dgm:adjLst/>
+              </dgm:shape>
+            </dgm:else>
+          </dgm:choose>
+          <dgm:presOf axis="des" ptType="node"/>
+          <dgm:choose name="Name7">
+            <dgm:if name="Name8" func="var" arg="dir" op="equ" val="norm">
+              <dgm:constrLst>
+                <dgm:constr type="secFontSz" refType="primFontSz"/>
+                <dgm:constr type="tMarg" refType="primFontSz" fact="0.05"/>
+                <dgm:constr type="bMarg" refType="primFontSz" fact="0.05"/>
+                <dgm:constr type="rMarg" refType="primFontSz" fact="0.05"/>
+              </dgm:constrLst>
+            </dgm:if>
+            <dgm:else name="Name9">
+              <dgm:constrLst>
+                <dgm:constr type="secFontSz" refType="primFontSz"/>
+                <dgm:constr type="tMarg" refType="primFontSz" fact="0.05"/>
+                <dgm:constr type="bMarg" refType="primFontSz" fact="0.05"/>
+                <dgm:constr type="lMarg" refType="primFontSz" fact="0.05"/>
+              </dgm:constrLst>
+            </dgm:else>
+          </dgm:choose>
+          <dgm:ruleLst>
+            <dgm:rule type="primFontSz" val="5" fact="NaN" max="NaN"/>
+          </dgm:ruleLst>
+        </dgm:layoutNode>
+      </dgm:layoutNode>
+      <dgm:forEach name="Name10" axis="followSib" ptType="sibTrans" cnt="1">
+        <dgm:layoutNode name="sp">
+          <dgm:alg type="sp"/>
+          <dgm:shape xmlns:r="http://schemas.openxmlformats.org/officeDocument/2006/relationships" r:blip="">
+            <dgm:adjLst/>
+          </dgm:shape>
+          <dgm:presOf axis="self"/>
+          <dgm:constrLst>
+            <dgm:constr type="w" val="1"/>
+            <dgm:constr type="h" val="37.5"/>
+          </dgm:constrLst>
+          <dgm:ruleLst/>
+        </dgm:layoutNode>
+      </dgm:forEach>
+    </dgm:forEach>
+  </dgm:layoutNode>
+</dgm:layoutDef>
+</file>
+
+<file path=ppt/diagrams/quickStyle1.xml><?xml version="1.0" encoding="utf-8"?>
+<dgm:styleDef xmlns:dgm="http://schemas.openxmlformats.org/drawingml/2006/diagram" xmlns:a="http://schemas.openxmlformats.org/drawingml/2006/main" uniqueId="urn:microsoft.com/office/officeart/2005/8/quickstyle/simple1">
+  <dgm:title val=""/>
+  <dgm:desc val=""/>
+  <dgm:catLst>
+    <dgm:cat type="simple" pri="10100"/>
+  </dgm:catLst>
+  <dgm:scene3d>
+    <a:camera prst="orthographicFront"/>
+    <a:lightRig rig="threePt" dir="t"/>
+  </dgm:scene3d>
+  <dgm:styleLbl name="node0">
+    <dgm:scene3d>
+      <a:camera prst="orthographicFront"/>
+      <a:lightRig rig="threePt" dir="t"/>
+    </dgm:scene3d>
+    <dgm:sp3d/>
+    <dgm:txPr/>
+    <dgm:style>
+      <a:lnRef idx="2">
+        <a:scrgbClr r="0" g="0" b="0"/>
+      </a:lnRef>
+      <a:fillRef idx="1">
+        <a:scrgbClr r="0" g="0" b="0"/>
+      </a:fillRef>
+      <a:effectRef idx="0">
+        <a:scrgbClr r="0" g="0" b="0"/>
+      </a:effectRef>
+      <a:fontRef idx="minor">
+        <a:schemeClr val="lt1"/>
+      </a:fontRef>
+    </dgm:style>
+  </dgm:styleLbl>
+  <dgm:styleLbl name="lnNode1">
+    <dgm:scene3d>
+      <a:camera prst="orthographicFront"/>
+      <a:lightRig rig="threePt" dir="t"/>
+    </dgm:scene3d>
+    <dgm:sp3d/>
+    <dgm:txPr/>
+    <dgm:style>
+      <a:lnRef idx="2">
+        <a:scrgbClr r="0" g="0" b="0"/>
+      </a:lnRef>
+      <a:fillRef idx="1">
+        <a:scrgbClr r="0" g="0" b="0"/>
+      </a:fillRef>
+      <a:effectRef idx="0">
+        <a:scrgbClr r="0" g="0" b="0"/>
+      </a:effectRef>
+      <a:fontRef idx="minor">
+        <a:schemeClr val="lt1"/>
+      </a:fontRef>
+    </dgm:style>
+  </dgm:styleLbl>
+  <dgm:styleLbl name="vennNode1">
+    <dgm:scene3d>
+      <a:camera prst="orthographicFront"/>
+      <a:lightRig rig="threePt" dir="t"/>
+    </dgm:scene3d>
+    <dgm:sp3d/>
+    <dgm:txPr/>
+    <dgm:style>
+      <a:lnRef idx="2">
+        <a:scrgbClr r="0" g="0" b="0"/>
+      </a:lnRef>
+      <a:fillRef idx="1">
+        <a:scrgbClr r="0" g="0" b="0"/>
+      </a:fillRef>
+      <a:effectRef idx="0">
+        <a:scrgbClr r="0" g="0" b="0"/>
+      </a:effectRef>
+      <a:fontRef idx="minor">
+        <a:schemeClr val="tx1"/>
+      </a:fontRef>
+    </dgm:style>
+  </dgm:styleLbl>
+  <dgm:styleLbl name="alignNode1">
+    <dgm:scene3d>
+      <a:camera prst="orthographicFront"/>
+      <a:lightRig rig="threePt" dir="t"/>
+    </dgm:scene3d>
+    <dgm:sp3d/>
+    <dgm:txPr/>
+    <dgm:style>
+      <a:lnRef idx="2">
+        <a:scrgbClr r="0" g="0" b="0"/>
+      </a:lnRef>
+      <a:fillRef idx="1">
+        <a:scrgbClr r="0" g="0" b="0"/>
+      </a:fillRef>
+      <a:effectRef idx="0">
+        <a:scrgbClr r="0" g="0" b="0"/>
+      </a:effectRef>
+      <a:fontRef idx="minor">
+        <a:schemeClr val="lt1"/>
+      </a:fontRef>
+    </dgm:style>
+  </dgm:styleLbl>
+  <dgm:styleLbl name="node1">
+    <dgm:scene3d>
+      <a:camera prst="orthographicFront"/>
+      <a:lightRig rig="threePt" dir="t"/>
+    </dgm:scene3d>
+    <dgm:sp3d/>
+    <dgm:txPr/>
+    <dgm:style>
+      <a:lnRef idx="2">
+        <a:scrgbClr r="0" g="0" b="0"/>
+      </a:lnRef>
+      <a:fillRef idx="1">
+        <a:scrgbClr r="0" g="0" b="0"/>
+      </a:fillRef>
+      <a:effectRef idx="0">
+        <a:scrgbClr r="0" g="0" b="0"/>
+      </a:effectRef>
+      <a:fontRef idx="minor">
+        <a:schemeClr val="lt1"/>
+      </a:fontRef>
+    </dgm:style>
+  </dgm:styleLbl>
+  <dgm:styleLbl name="node2">
+    <dgm:scene3d>
+      <a:camera prst="orthographicFront"/>
+      <a:lightRig rig="threePt" dir="t"/>
+    </dgm:scene3d>
+    <dgm:sp3d/>
+    <dgm:txPr/>
+    <dgm:style>
+      <a:lnRef idx="2">
+        <a:scrgbClr r="0" g="0" b="0"/>
+      </a:lnRef>
+      <a:fillRef idx="1">
+        <a:scrgbClr r="0" g="0" b="0"/>
+      </a:fillRef>
+      <a:effectRef idx="0">
+        <a:scrgbClr r="0" g="0" b="0"/>
+      </a:effectRef>
+      <a:fontRef idx="minor">
+        <a:schemeClr val="lt1"/>
+      </a:fontRef>
+    </dgm:style>
+  </dgm:styleLbl>
+  <dgm:styleLbl name="node3">
+    <dgm:scene3d>
+      <a:camera prst="orthographicFront"/>
+      <a:lightRig rig="threePt" dir="t"/>
+    </dgm:scene3d>
+    <dgm:sp3d/>
+    <dgm:txPr/>
+    <dgm:style>
+      <a:lnRef idx="2">
+        <a:scrgbClr r="0" g="0" b="0"/>
+      </a:lnRef>
+      <a:fillRef idx="1">
+        <a:scrgbClr r="0" g="0" b="0"/>
+      </a:fillRef>
+      <a:effectRef idx="0">
+        <a:scrgbClr r="0" g="0" b="0"/>
+      </a:effectRef>
+      <a:fontRef idx="minor">
+        <a:schemeClr val="lt1"/>
+      </a:fontRef>
+    </dgm:style>
+  </dgm:styleLbl>
+  <dgm:styleLbl name="node4">
+    <dgm:scene3d>
+      <a:camera prst="orthographicFront"/>
+      <a:lightRig rig="threePt" dir="t"/>
+    </dgm:scene3d>
+    <dgm:sp3d/>
+    <dgm:txPr/>
+    <dgm:style>
+      <a:lnRef idx="2">
+        <a:scrgbClr r="0" g="0" b="0"/>
+      </a:lnRef>
+      <a:fillRef idx="1">
+        <a:scrgbClr r="0" g="0" b="0"/>
+      </a:fillRef>
+      <a:effectRef idx="0">
+        <a:scrgbClr r="0" g="0" b="0"/>
+      </a:effectRef>
+      <a:fontRef idx="minor">
+        <a:schemeClr val="lt1"/>
+      </a:fontRef>
+    </dgm:style>
+  </dgm:styleLbl>
+  <dgm:styleLbl name="fgImgPlace1">
+    <dgm:scene3d>
+      <a:camera prst="orthographicFront"/>
+      <a:lightRig rig="threePt" dir="t"/>
+    </dgm:scene3d>
+    <dgm:sp3d/>
+    <dgm:txPr/>
+    <dgm:style>
+      <a:lnRef idx="2">
+        <a:scrgbClr r="0" g="0" b="0"/>
+      </a:lnRef>
+      <a:fillRef idx="1">
+        <a:scrgbClr r="0" g="0" b="0"/>
+      </a:fillRef>
+      <a:effectRef idx="0">
+        <a:scrgbClr r="0" g="0" b="0"/>
+      </a:effectRef>
+      <a:fontRef idx="minor"/>
+    </dgm:style>
+  </dgm:styleLbl>
+  <dgm:styleLbl name="alignImgPlace1">
+    <dgm:scene3d>
+      <a:camera prst="orthographicFront"/>
+      <a:lightRig rig="threePt" dir="t"/>
+    </dgm:scene3d>
+    <dgm:sp3d/>
+    <dgm:txPr/>
+    <dgm:style>
+      <a:lnRef idx="2">
+        <a:scrgbClr r="0" g="0" b="0"/>
+      </a:lnRef>
+      <a:fillRef idx="1">
+        <a:scrgbClr r="0" g="0" b="0"/>
+      </a:fillRef>
+      <a:effectRef idx="0">
+        <a:scrgbClr r="0" g="0" b="0"/>
+      </a:effectRef>
+      <a:fontRef idx="minor"/>
+    </dgm:style>
+  </dgm:styleLbl>
+  <dgm:styleLbl name="bgImgPlace1">
+    <dgm:scene3d>
+      <a:camera prst="orthographicFront"/>
+      <a:lightRig rig="threePt" dir="t"/>
+    </dgm:scene3d>
+    <dgm:sp3d/>
+    <dgm:txPr/>
+    <dgm:style>
+      <a:lnRef idx="2">
+        <a:scrgbClr r="0" g="0" b="0"/>
+      </a:lnRef>
+      <a:fillRef idx="1">
+        <a:scrgbClr r="0" g="0" b="0"/>
+      </a:fillRef>
+      <a:effectRef idx="0">
+        <a:scrgbClr r="0" g="0" b="0"/>
+      </a:effectRef>
+      <a:fontRef idx="minor"/>
+    </dgm:style>
+  </dgm:styleLbl>
+  <dgm:styleLbl name="sibTrans2D1">
+    <dgm:scene3d>
+      <a:camera prst="orthographicFront"/>
+      <a:lightRig rig="threePt" dir="t"/>
+    </dgm:scene3d>
+    <dgm:sp3d/>
+    <dgm:txPr/>
+    <dgm:style>
+      <a:lnRef idx="0">
+        <a:scrgbClr r="0" g="0" b="0"/>
+      </a:lnRef>
+      <a:fillRef idx="1">
+        <a:scrgbClr r="0" g="0" b="0"/>
+      </a:fillRef>
+      <a:effectRef idx="0">
+        <a:scrgbClr r="0" g="0" b="0"/>
+      </a:effectRef>
+      <a:fontRef idx="minor">
+        <a:schemeClr val="lt1"/>
+      </a:fontRef>
+    </dgm:style>
+  </dgm:styleLbl>
+  <dgm:styleLbl name="fgSibTrans2D1">
+    <dgm:scene3d>
+      <a:camera prst="orthographicFront"/>
+      <a:lightRig rig="threePt" dir="t"/>
+    </dgm:scene3d>
+    <dgm:sp3d/>
+    <dgm:txPr/>
+    <dgm:style>
+      <a:lnRef idx="0">
+        <a:scrgbClr r="0" g="0" b="0"/>
+      </a:lnRef>
+      <a:fillRef idx="1">
+        <a:scrgbClr r="0" g="0" b="0"/>
+      </a:fillRef>
+      <a:effectRef idx="0">
+        <a:scrgbClr r="0" g="0" b="0"/>
+      </a:effectRef>
+      <a:fontRef idx="minor">
+        <a:schemeClr val="lt1"/>
+      </a:fontRef>
+    </dgm:style>
+  </dgm:styleLbl>
+  <dgm:styleLbl name="bgSibTrans2D1">
+    <dgm:scene3d>
+      <a:camera prst="orthographicFront"/>
+      <a:lightRig rig="threePt" dir="t"/>
+    </dgm:scene3d>
+    <dgm:sp3d/>
+    <dgm:txPr/>
+    <dgm:style>
+      <a:lnRef idx="0">
+        <a:scrgbClr r="0" g="0" b="0"/>
+      </a:lnRef>
+      <a:fillRef idx="1">
+        <a:scrgbClr r="0" g="0" b="0"/>
+      </a:fillRef>
+      <a:effectRef idx="0">
+        <a:scrgbClr r="0" g="0" b="0"/>
+      </a:effectRef>
+      <a:fontRef idx="minor">
+        <a:schemeClr val="lt1"/>
+      </a:fontRef>
+    </dgm:style>
+  </dgm:styleLbl>
+  <dgm:styleLbl name="sibTrans1D1">
+    <dgm:scene3d>
+      <a:camera prst="orthographicFront"/>
+      <a:lightRig rig="threePt" dir="t"/>
+    </dgm:scene3d>
+    <dgm:sp3d/>
+    <dgm:txPr/>
+    <dgm:style>
+      <a:lnRef idx="1">
+        <a:scrgbClr r="0" g="0" b="0"/>
+      </a:lnRef>
+      <a:fillRef idx="0">
+        <a:scrgbClr r="0" g="0" b="0"/>
+      </a:fillRef>
+      <a:effectRef idx="0">
+        <a:scrgbClr r="0" g="0" b="0"/>
+      </a:effectRef>
+      <a:fontRef idx="minor"/>
+    </dgm:style>
+  </dgm:styleLbl>
+  <dgm:styleLbl name="callout">
+    <dgm:scene3d>
+      <a:camera prst="orthographicFront"/>
+      <a:lightRig rig="threePt" dir="t"/>
+    </dgm:scene3d>
+    <dgm:sp3d/>
+    <dgm:txPr/>
+    <dgm:style>
+      <a:lnRef idx="2">
+        <a:scrgbClr r="0" g="0" b="0"/>
+      </a:lnRef>
+      <a:fillRef idx="1">
+        <a:scrgbClr r="0" g="0" b="0"/>
+      </a:fillRef>
+      <a:effectRef idx="0">
+        <a:scrgbClr r="0" g="0" b="0"/>
+      </a:effectRef>
+      <a:fontRef idx="minor"/>
+    </dgm:style>
+  </dgm:styleLbl>
+  <dgm:styleLbl name="asst0">
+    <dgm:scene3d>
+      <a:camera prst="orthographicFront"/>
+      <a:lightRig rig="threePt" dir="t"/>
+    </dgm:scene3d>
+    <dgm:sp3d/>
+    <dgm:txPr/>
+    <dgm:style>
+      <a:lnRef idx="2">
+        <a:scrgbClr r="0" g="0" b="0"/>
+      </a:lnRef>
+      <a:fillRef idx="1">
+        <a:scrgbClr r="0" g="0" b="0"/>
+      </a:fillRef>
+      <a:effectRef idx="0">
+        <a:scrgbClr r="0" g="0" b="0"/>
+      </a:effectRef>
+      <a:fontRef idx="minor">
+        <a:schemeClr val="lt1"/>
+      </a:fontRef>
+    </dgm:style>
+  </dgm:styleLbl>
+  <dgm:styleLbl name="asst1">
+    <dgm:scene3d>
+      <a:camera prst="orthographicFront"/>
+      <a:lightRig rig="threePt" dir="t"/>
+    </dgm:scene3d>
+    <dgm:sp3d/>
+    <dgm:txPr/>
+    <dgm:style>
+      <a:lnRef idx="2">
+        <a:scrgbClr r="0" g="0" b="0"/>
+      </a:lnRef>
+      <a:fillRef idx="1">
+        <a:scrgbClr r="0" g="0" b="0"/>
+      </a:fillRef>
+      <a:effectRef idx="0">
+        <a:scrgbClr r="0" g="0" b="0"/>
+      </a:effectRef>
+      <a:fontRef idx="minor">
+        <a:schemeClr val="lt1"/>
+      </a:fontRef>
+    </dgm:style>
+  </dgm:styleLbl>
+  <dgm:styleLbl name="asst2">
+    <dgm:scene3d>
+      <a:camera prst="orthographicFront"/>
+      <a:lightRig rig="threePt" dir="t"/>
+    </dgm:scene3d>
+    <dgm:sp3d/>
+    <dgm:txPr/>
+    <dgm:style>
+      <a:lnRef idx="2">
+        <a:scrgbClr r="0" g="0" b="0"/>
+      </a:lnRef>
+      <a:fillRef idx="1">
+        <a:scrgbClr r="0" g="0" b="0"/>
+      </a:fillRef>
+      <a:effectRef idx="0">
+        <a:scrgbClr r="0" g="0" b="0"/>
+      </a:effectRef>
+      <a:fontRef idx="minor">
+        <a:schemeClr val="lt1"/>
+      </a:fontRef>
+    </dgm:style>
+  </dgm:styleLbl>
+  <dgm:styleLbl name="asst3">
+    <dgm:scene3d>
+      <a:camera prst="orthographicFront"/>
+      <a:lightRig rig="threePt" dir="t"/>
+    </dgm:scene3d>
+    <dgm:sp3d/>
+    <dgm:txPr/>
+    <dgm:style>
+      <a:lnRef idx="2">
+        <a:scrgbClr r="0" g="0" b="0"/>
+      </a:lnRef>
+      <a:fillRef idx="1">
+        <a:scrgbClr r="0" g="0" b="0"/>
+      </a:fillRef>
+      <a:effectRef idx="0">
+        <a:scrgbClr r="0" g="0" b="0"/>
+      </a:effectRef>
+      <a:fontRef idx="minor">
+        <a:schemeClr val="lt1"/>
+      </a:fontRef>
+    </dgm:style>
+  </dgm:styleLbl>
+  <dgm:styleLbl name="asst4">
+    <dgm:scene3d>
+      <a:camera prst="orthographicFront"/>
+      <a:lightRig rig="threePt" dir="t"/>
+    </dgm:scene3d>
+    <dgm:sp3d/>
+    <dgm:txPr/>
+    <dgm:style>
+      <a:lnRef idx="2">
+        <a:scrgbClr r="0" g="0" b="0"/>
+      </a:lnRef>
+      <a:fillRef idx="1">
+        <a:scrgbClr r="0" g="0" b="0"/>
+      </a:fillRef>
+      <a:effectRef idx="0">
+        <a:scrgbClr r="0" g="0" b="0"/>
+      </a:effectRef>
+      <a:fontRef idx="minor">
+        <a:schemeClr val="lt1"/>
+      </a:fontRef>
+    </dgm:style>
+  </dgm:styleLbl>
+  <dgm:styleLbl name="parChTrans2D1">
+    <dgm:scene3d>
+      <a:camera prst="orthographicFront"/>
+      <a:lightRig rig="threePt" dir="t"/>
+    </dgm:scene3d>
+    <dgm:sp3d/>
+    <dgm:txPr/>
+    <dgm:style>
+      <a:lnRef idx="2">
+        <a:scrgbClr r="0" g="0" b="0"/>
+      </a:lnRef>
+      <a:fillRef idx="1">
+        <a:scrgbClr r="0" g="0" b="0"/>
+      </a:fillRef>
+      <a:effectRef idx="0">
+        <a:scrgbClr r="0" g="0" b="0"/>
+      </a:effectRef>
+      <a:fontRef idx="minor">
+        <a:schemeClr val="lt1"/>
+      </a:fontRef>
+    </dgm:style>
+  </dgm:styleLbl>
+  <dgm:styleLbl name="parChTrans2D2">
+    <dgm:scene3d>
+      <a:camera prst="orthographicFront"/>
+      <a:lightRig rig="threePt" dir="t"/>
+    </dgm:scene3d>
+    <dgm:sp3d/>
+    <dgm:txPr/>
+    <dgm:style>
+      <a:lnRef idx="2">
+        <a:scrgbClr r="0" g="0" b="0"/>
+      </a:lnRef>
+      <a:fillRef idx="1">
+        <a:scrgbClr r="0" g="0" b="0"/>
+      </a:fillRef>
+      <a:effectRef idx="0">
+        <a:scrgbClr r="0" g="0" b="0"/>
+      </a:effectRef>
+      <a:fontRef idx="minor">
+        <a:schemeClr val="lt1"/>
+      </a:fontRef>
+    </dgm:style>
+  </dgm:styleLbl>
+  <dgm:styleLbl name="parChTrans2D3">
+    <dgm:scene3d>
+      <a:camera prst="orthographicFront"/>
+      <a:lightRig rig="threePt" dir="t"/>
+    </dgm:scene3d>
+    <dgm:sp3d/>
+    <dgm:txPr/>
+    <dgm:style>
+      <a:lnRef idx="2">
+        <a:scrgbClr r="0" g="0" b="0"/>
+      </a:lnRef>
+      <a:fillRef idx="1">
+        <a:scrgbClr r="0" g="0" b="0"/>
+      </a:fillRef>
+      <a:effectRef idx="0">
+        <a:scrgbClr r="0" g="0" b="0"/>
+      </a:effectRef>
+      <a:fontRef idx="minor">
+        <a:schemeClr val="lt1"/>
+      </a:fontRef>
+    </dgm:style>
+  </dgm:styleLbl>
+  <dgm:styleLbl name="parChTrans2D4">
+    <dgm:scene3d>
+      <a:camera prst="orthographicFront"/>
+      <a:lightRig rig="threePt" dir="t"/>
+    </dgm:scene3d>
+    <dgm:sp3d/>
+    <dgm:txPr/>
+    <dgm:style>
+      <a:lnRef idx="2">
+        <a:scrgbClr r="0" g="0" b="0"/>
+      </a:lnRef>
+      <a:fillRef idx="1">
+        <a:scrgbClr r="0" g="0" b="0"/>
+      </a:fillRef>
+      <a:effectRef idx="0">
+        <a:scrgbClr r="0" g="0" b="0"/>
+      </a:effectRef>
+      <a:fontRef idx="minor">
+        <a:schemeClr val="lt1"/>
+      </a:fontRef>
+    </dgm:style>
+  </dgm:styleLbl>
+  <dgm:styleLbl name="parChTrans1D1">
+    <dgm:scene3d>
+      <a:camera prst="orthographicFront"/>
+      <a:lightRig rig="threePt" dir="t"/>
+    </dgm:scene3d>
+    <dgm:sp3d/>
+    <dgm:txPr/>
+    <dgm:style>
+      <a:lnRef idx="2">
+        <a:scrgbClr r="0" g="0" b="0"/>
+      </a:lnRef>
+      <a:fillRef idx="0">
+        <a:scrgbClr r="0" g="0" b="0"/>
+      </a:fillRef>
+      <a:effectRef idx="0">
+        <a:scrgbClr r="0" g="0" b="0"/>
+      </a:effectRef>
+      <a:fontRef idx="minor"/>
+    </dgm:style>
+  </dgm:styleLbl>
+  <dgm:styleLbl name="parChTrans1D2">
+    <dgm:scene3d>
+      <a:camera prst="orthographicFront"/>
+      <a:lightRig rig="threePt" dir="t"/>
+    </dgm:scene3d>
+    <dgm:sp3d/>
+    <dgm:txPr/>
+    <dgm:style>
+      <a:lnRef idx="2">
+        <a:scrgbClr r="0" g="0" b="0"/>
+      </a:lnRef>
+      <a:fillRef idx="0">
+        <a:scrgbClr r="0" g="0" b="0"/>
+      </a:fillRef>
+      <a:effectRef idx="0">
+        <a:scrgbClr r="0" g="0" b="0"/>
+      </a:effectRef>
+      <a:fontRef idx="minor"/>
+    </dgm:style>
+  </dgm:styleLbl>
+  <dgm:styleLbl name="parChTrans1D3">
+    <dgm:scene3d>
+      <a:camera prst="orthographicFront"/>
+      <a:lightRig rig="threePt" dir="t"/>
+    </dgm:scene3d>
+    <dgm:sp3d/>
+    <dgm:txPr/>
+    <dgm:style>
+      <a:lnRef idx="2">
+        <a:scrgbClr r="0" g="0" b="0"/>
+      </a:lnRef>
+      <a:fillRef idx="0">
+        <a:scrgbClr r="0" g="0" b="0"/>
+      </a:fillRef>
+      <a:effectRef idx="0">
+        <a:scrgbClr r="0" g="0" b="0"/>
+      </a:effectRef>
+      <a:fontRef idx="minor"/>
+    </dgm:style>
+  </dgm:styleLbl>
+  <dgm:styleLbl name="parChTrans1D4">
+    <dgm:scene3d>
+      <a:camera prst="orthographicFront"/>
+      <a:lightRig rig="threePt" dir="t"/>
+    </dgm:scene3d>
+    <dgm:sp3d/>
+    <dgm:txPr/>
+    <dgm:style>
+      <a:lnRef idx="2">
+        <a:scrgbClr r="0" g="0" b="0"/>
+      </a:lnRef>
+      <a:fillRef idx="0">
+        <a:scrgbClr r="0" g="0" b="0"/>
+      </a:fillRef>
+      <a:effectRef idx="0">
+        <a:scrgbClr r="0" g="0" b="0"/>
+      </a:effectRef>
+      <a:fontRef idx="minor"/>
+    </dgm:style>
+  </dgm:styleLbl>
+  <dgm:styleLbl name="fgAcc1">
+    <dgm:scene3d>
+      <a:camera prst="orthographicFront"/>
+      <a:lightRig rig="threePt" dir="t"/>
+    </dgm:scene3d>
+    <dgm:sp3d/>
+    <dgm:txPr/>
+    <dgm:style>
+      <a:lnRef idx="2">
+        <a:scrgbClr r="0" g="0" b="0"/>
+      </a:lnRef>
+      <a:fillRef idx="1">
+        <a:scrgbClr r="0" g="0" b="0"/>
+      </a:fillRef>
+      <a:effectRef idx="0">
+        <a:scrgbClr r="0" g="0" b="0"/>
+      </a:effectRef>
+      <a:fontRef idx="minor"/>
+    </dgm:style>
+  </dgm:styleLbl>
+  <dgm:styleLbl name="conFgAcc1">
+    <dgm:scene3d>
+      <a:camera prst="orthographicFront"/>
+      <a:lightRig rig="threePt" dir="t"/>
+    </dgm:scene3d>
+    <dgm:sp3d/>
+    <dgm:txPr/>
+    <dgm:style>
+      <a:lnRef idx="2">
+        <a:scrgbClr r="0" g="0" b="0"/>
+      </a:lnRef>
+      <a:fillRef idx="1">
+        <a:scrgbClr r="0" g="0" b="0"/>
+      </a:fillRef>
+      <a:effectRef idx="0">
+        <a:scrgbClr r="0" g="0" b="0"/>
+      </a:effectRef>
+      <a:fontRef idx="minor"/>
+    </dgm:style>
+  </dgm:styleLbl>
+  <dgm:styleLbl name="alignAcc1">
+    <dgm:scene3d>
+      <a:camera prst="orthographicFront"/>
+      <a:lightRig rig="threePt" dir="t"/>
+    </dgm:scene3d>
+    <dgm:sp3d/>
+    <dgm:txPr/>
+    <dgm:style>
+      <a:lnRef idx="2">
+        <a:scrgbClr r="0" g="0" b="0"/>
+      </a:lnRef>
+      <a:fillRef idx="1">
+        <a:scrgbClr r="0" g="0" b="0"/>
+      </a:fillRef>
+      <a:effectRef idx="0">
+        <a:scrgbClr r="0" g="0" b="0"/>
+      </a:effectRef>
+      <a:fontRef idx="minor"/>
+    </dgm:style>
+  </dgm:styleLbl>
+  <dgm:styleLbl name="trAlignAcc1">
+    <dgm:scene3d>
+      <a:camera prst="orthographicFront"/>
+      <a:lightRig rig="threePt" dir="t"/>
+    </dgm:scene3d>
+    <dgm:sp3d/>
+    <dgm:txPr/>
+    <dgm:style>
+      <a:lnRef idx="1">
+        <a:scrgbClr r="0" g="0" b="0"/>
+      </a:lnRef>
+      <a:fillRef idx="1">
+        <a:scrgbClr r="0" g="0" b="0"/>
+      </a:fillRef>
+      <a:effectRef idx="0">
+        <a:scrgbClr r="0" g="0" b="0"/>
+      </a:effectRef>
+      <a:fontRef idx="minor"/>
+    </dgm:style>
+  </dgm:styleLbl>
+  <dgm:styleLbl name="bgAcc1">
+    <dgm:scene3d>
+      <a:camera prst="orthographicFront"/>
+      <a:lightRig rig="threePt" dir="t"/>
+    </dgm:scene3d>
+    <dgm:sp3d/>
+    <dgm:txPr/>
+    <dgm:style>
+      <a:lnRef idx="2">
+        <a:scrgbClr r="0" g="0" b="0"/>
+      </a:lnRef>
+      <a:fillRef idx="1">
+        <a:scrgbClr r="0" g="0" b="0"/>
+      </a:fillRef>
+      <a:effectRef idx="0">
+        <a:scrgbClr r="0" g="0" b="0"/>
+      </a:effectRef>
+      <a:fontRef idx="minor"/>
+    </dgm:style>
+  </dgm:styleLbl>
+  <dgm:styleLbl name="solidFgAcc1">
+    <dgm:scene3d>
+      <a:camera prst="orthographicFront"/>
+      <a:lightRig rig="threePt" dir="t"/>
+    </dgm:scene3d>
+    <dgm:sp3d/>
+    <dgm:txPr/>
+    <dgm:style>
+      <a:lnRef idx="2">
+        <a:scrgbClr r="0" g="0" b="0"/>
+      </a:lnRef>
+      <a:fillRef idx="1">
+        <a:scrgbClr r="0" g="0" b="0"/>
+      </a:fillRef>
+      <a:effectRef idx="0">
+        <a:scrgbClr r="0" g="0" b="0"/>
+      </a:effectRef>
+      <a:fontRef idx="minor"/>
+    </dgm:style>
+  </dgm:styleLbl>
+  <dgm:styleLbl name="solidAlignAcc1">
+    <dgm:scene3d>
+      <a:camera prst="orthographicFront"/>
+      <a:lightRig rig="threePt" dir="t"/>
+    </dgm:scene3d>
+    <dgm:sp3d/>
+    <dgm:txPr/>
+    <dgm:style>
+      <a:lnRef idx="2">
+        <a:scrgbClr r="0" g="0" b="0"/>
+      </a:lnRef>
+      <a:fillRef idx="1">
+        <a:scrgbClr r="0" g="0" b="0"/>
+      </a:fillRef>
+      <a:effectRef idx="0">
+        <a:scrgbClr r="0" g="0" b="0"/>
+      </a:effectRef>
+      <a:fontRef idx="minor"/>
+    </dgm:style>
+  </dgm:styleLbl>
+  <dgm:styleLbl name="solidBgAcc1">
+    <dgm:scene3d>
+      <a:camera prst="orthographicFront"/>
+      <a:lightRig rig="threePt" dir="t"/>
+    </dgm:scene3d>
+    <dgm:sp3d/>
+    <dgm:txPr/>
+    <dgm:style>
+      <a:lnRef idx="2">
+        <a:scrgbClr r="0" g="0" b="0"/>
+      </a:lnRef>
+      <a:fillRef idx="1">
+        <a:scrgbClr r="0" g="0" b="0"/>
+      </a:fillRef>
+      <a:effectRef idx="0">
+        <a:scrgbClr r="0" g="0" b="0"/>
+      </a:effectRef>
+      <a:fontRef idx="minor"/>
+    </dgm:style>
+  </dgm:styleLbl>
+  <dgm:styleLbl name="fgAccFollowNode1">
+    <dgm:scene3d>
+      <a:camera prst="orthographicFront"/>
+      <a:lightRig rig="threePt" dir="t"/>
+    </dgm:scene3d>
+    <dgm:sp3d/>
+    <dgm:txPr/>
+    <dgm:style>
+      <a:lnRef idx="2">
+        <a:scrgbClr r="0" g="0" b="0"/>
+      </a:lnRef>
+      <a:fillRef idx="1">
+        <a:scrgbClr r="0" g="0" b="0"/>
+      </a:fillRef>
+      <a:effectRef idx="0">
+        <a:scrgbClr r="0" g="0" b="0"/>
+      </a:effectRef>
+      <a:fontRef idx="minor"/>
+    </dgm:style>
+  </dgm:styleLbl>
+  <dgm:styleLbl name="alignAccFollowNode1">
+    <dgm:scene3d>
+      <a:camera prst="orthographicFront"/>
+      <a:lightRig rig="threePt" dir="t"/>
+    </dgm:scene3d>
+    <dgm:sp3d/>
+    <dgm:txPr/>
+    <dgm:style>
+      <a:lnRef idx="2">
+        <a:scrgbClr r="0" g="0" b="0"/>
+      </a:lnRef>
+      <a:fillRef idx="1">
+        <a:scrgbClr r="0" g="0" b="0"/>
+      </a:fillRef>
+      <a:effectRef idx="0">
+        <a:scrgbClr r="0" g="0" b="0"/>
+      </a:effectRef>
+      <a:fontRef idx="minor"/>
+    </dgm:style>
+  </dgm:styleLbl>
+  <dgm:styleLbl name="bgAccFollowNode1">
+    <dgm:scene3d>
+      <a:camera prst="orthographicFront"/>
+      <a:lightRig rig="threePt" dir="t"/>
+    </dgm:scene3d>
+    <dgm:sp3d/>
+    <dgm:txPr/>
+    <dgm:style>
+      <a:lnRef idx="2">
+        <a:scrgbClr r="0" g="0" b="0"/>
+      </a:lnRef>
+      <a:fillRef idx="1">
+        <a:scrgbClr r="0" g="0" b="0"/>
+      </a:fillRef>
+      <a:effectRef idx="0">
+        <a:scrgbClr r="0" g="0" b="0"/>
+      </a:effectRef>
+      <a:fontRef idx="minor"/>
+    </dgm:style>
+  </dgm:styleLbl>
+  <dgm:styleLbl name="fgAcc0">
+    <dgm:scene3d>
+      <a:camera prst="orthographicFront"/>
+      <a:lightRig rig="threePt" dir="t"/>
+    </dgm:scene3d>
+    <dgm:sp3d/>
+    <dgm:txPr/>
+    <dgm:style>
+      <a:lnRef idx="2">
+        <a:scrgbClr r="0" g="0" b="0"/>
+      </a:lnRef>
+      <a:fillRef idx="1">
+        <a:scrgbClr r="0" g="0" b="0"/>
+      </a:fillRef>
+      <a:effectRef idx="0">
+        <a:scrgbClr r="0" g="0" b="0"/>
+      </a:effectRef>
+      <a:fontRef idx="minor"/>
+    </dgm:style>
+  </dgm:styleLbl>
+  <dgm:styleLbl name="fgAcc2">
+    <dgm:scene3d>
+      <a:camera prst="orthographicFront"/>
+      <a:lightRig rig="threePt" dir="t"/>
+    </dgm:scene3d>
+    <dgm:sp3d/>
+    <dgm:txPr/>
+    <dgm:style>
+      <a:lnRef idx="2">
+        <a:scrgbClr r="0" g="0" b="0"/>
+      </a:lnRef>
+      <a:fillRef idx="1">
+        <a:scrgbClr r="0" g="0" b="0"/>
+      </a:fillRef>
+      <a:effectRef idx="0">
+        <a:scrgbClr r="0" g="0" b="0"/>
+      </a:effectRef>
+      <a:fontRef idx="minor"/>
+    </dgm:style>
+  </dgm:styleLbl>
+  <dgm:styleLbl name="fgAcc3">
+    <dgm:scene3d>
+      <a:camera prst="orthographicFront"/>
+      <a:lightRig rig="threePt" dir="t"/>
+    </dgm:scene3d>
+    <dgm:sp3d/>
+    <dgm:txPr/>
+    <dgm:style>
+      <a:lnRef idx="2">
+        <a:scrgbClr r="0" g="0" b="0"/>
+      </a:lnRef>
+      <a:fillRef idx="1">
+        <a:scrgbClr r="0" g="0" b="0"/>
+      </a:fillRef>
+      <a:effectRef idx="0">
+        <a:scrgbClr r="0" g="0" b="0"/>
+      </a:effectRef>
+      <a:fontRef idx="minor"/>
+    </dgm:style>
+  </dgm:styleLbl>
+  <dgm:styleLbl name="fgAcc4">
+    <dgm:scene3d>
+      <a:camera prst="orthographicFront"/>
+      <a:lightRig rig="threePt" dir="t"/>
+    </dgm:scene3d>
+    <dgm:sp3d/>
+    <dgm:txPr/>
+    <dgm:style>
+      <a:lnRef idx="2">
+        <a:scrgbClr r="0" g="0" b="0"/>
+      </a:lnRef>
+      <a:fillRef idx="1">
+        <a:scrgbClr r="0" g="0" b="0"/>
+      </a:fillRef>
+      <a:effectRef idx="0">
+        <a:scrgbClr r="0" g="0" b="0"/>
+      </a:effectRef>
+      <a:fontRef idx="minor"/>
+    </dgm:style>
+  </dgm:styleLbl>
+  <dgm:styleLbl name="bgShp">
+    <dgm:scene3d>
+      <a:camera prst="orthographicFront"/>
+      <a:lightRig rig="threePt" dir="t"/>
+    </dgm:scene3d>
+    <dgm:sp3d/>
+    <dgm:txPr/>
+    <dgm:style>
+      <a:lnRef idx="0">
+        <a:scrgbClr r="0" g="0" b="0"/>
+      </a:lnRef>
+      <a:fillRef idx="1">
+        <a:scrgbClr r="0" g="0" b="0"/>
+      </a:fillRef>
+      <a:effectRef idx="0">
+        <a:scrgbClr r="0" g="0" b="0"/>
+      </a:effectRef>
+      <a:fontRef idx="minor"/>
+    </dgm:style>
+  </dgm:styleLbl>
+  <dgm:styleLbl name="dkBgShp">
+    <dgm:scene3d>
+      <a:camera prst="orthographicFront"/>
+      <a:lightRig rig="threePt" dir="t"/>
+    </dgm:scene3d>
+    <dgm:sp3d/>
+    <dgm:txPr/>
+    <dgm:style>
+      <a:lnRef idx="0">
+        <a:scrgbClr r="0" g="0" b="0"/>
+      </a:lnRef>
+      <a:fillRef idx="1">
+        <a:scrgbClr r="0" g="0" b="0"/>
+      </a:fillRef>
+      <a:effectRef idx="0">
+        <a:scrgbClr r="0" g="0" b="0"/>
+      </a:effectRef>
+      <a:fontRef idx="minor"/>
+    </dgm:style>
+  </dgm:styleLbl>
+  <dgm:styleLbl name="trBgShp">
+    <dgm:scene3d>
+      <a:camera prst="orthographicFront"/>
+      <a:lightRig rig="threePt" dir="t"/>
+    </dgm:scene3d>
+    <dgm:sp3d/>
+    <dgm:txPr/>
+    <dgm:style>
+      <a:lnRef idx="0">
+        <a:scrgbClr r="0" g="0" b="0"/>
+      </a:lnRef>
+      <a:fillRef idx="1">
+        <a:scrgbClr r="0" g="0" b="0"/>
+      </a:fillRef>
+      <a:effectRef idx="0">
+        <a:scrgbClr r="0" g="0" b="0"/>
+      </a:effectRef>
+      <a:fontRef idx="minor"/>
+    </dgm:style>
+  </dgm:styleLbl>
+  <dgm:styleLbl name="fgShp">
+    <dgm:scene3d>
+      <a:camera prst="orthographicFront"/>
+      <a:lightRig rig="threePt" dir="t"/>
+    </dgm:scene3d>
+    <dgm:sp3d/>
+    <dgm:txPr/>
+    <dgm:style>
+      <a:lnRef idx="2">
+        <a:scrgbClr r="0" g="0" b="0"/>
+      </a:lnRef>
+      <a:fillRef idx="1">
+        <a:scrgbClr r="0" g="0" b="0"/>
+      </a:fillRef>
+      <a:effectRef idx="0">
+        <a:scrgbClr r="0" g="0" b="0"/>
+      </a:effectRef>
+      <a:fontRef idx="minor"/>
+    </dgm:style>
+  </dgm:styleLbl>
+  <dgm:styleLbl name="revTx">
+    <dgm:scene3d>
+      <a:camera prst="orthographicFront"/>
+      <a:lightRig rig="threePt" dir="t"/>
+    </dgm:scene3d>
+    <dgm:sp3d/>
+    <dgm:txPr/>
+    <dgm:style>
+      <a:lnRef idx="0">
+        <a:scrgbClr r="0" g="0" b="0"/>
+      </a:lnRef>
+      <a:fillRef idx="0">
+        <a:scrgbClr r="0" g="0" b="0"/>
+      </a:fillRef>
+      <a:effectRef idx="0">
+        <a:scrgbClr r="0" g="0" b="0"/>
+      </a:effectRef>
+      <a:fontRef idx="minor"/>
+    </dgm:style>
+  </dgm:styleLbl>
+</dgm:styleDef>
+</file>
+
 <file path=ppt/notesMasters/notesMaster1.xml><?xml version="1.0" encoding="utf-8"?>
 <p:notesMaster xmlns:a="http://schemas.openxmlformats.org/drawingml/2006/main" xmlns:r="http://schemas.openxmlformats.org/officeDocument/2006/relationships" xmlns:p="http://schemas.openxmlformats.org/presentationml/2006/main">
   <p:cSld>
@@ -217,7 +4033,7 @@
           <a:p>
             <a:fld id="{B692C1E4-8D4F-4F13-A11D-B2F8E248C75F}" type="datetimeFigureOut">
               <a:rPr lang="en-US" smtClean="0"/>
-              <a:t>4/11/2021</a:t>
+              <a:t>5/6/2021</a:t>
             </a:fld>
             <a:endParaRPr lang="en-US"/>
           </a:p>
@@ -652,6 +4468,1500 @@
     <p:extLst>
       <p:ext uri="{BB962C8B-B14F-4D97-AF65-F5344CB8AC3E}">
         <p14:creationId xmlns:p14="http://schemas.microsoft.com/office/powerpoint/2010/main" val="3695167882"/>
+      </p:ext>
+    </p:extLst>
+  </p:cSld>
+  <p:clrMapOvr>
+    <a:masterClrMapping/>
+  </p:clrMapOvr>
+</p:notes>
+</file>
+
+<file path=ppt/notesSlides/notesSlide3.xml><?xml version="1.0" encoding="utf-8"?>
+<p:notes xmlns:a="http://schemas.openxmlformats.org/drawingml/2006/main" xmlns:r="http://schemas.openxmlformats.org/officeDocument/2006/relationships" xmlns:p="http://schemas.openxmlformats.org/presentationml/2006/main">
+  <p:cSld>
+    <p:spTree>
+      <p:nvGrpSpPr>
+        <p:cNvPr id="1" name=""/>
+        <p:cNvGrpSpPr/>
+        <p:nvPr/>
+      </p:nvGrpSpPr>
+      <p:grpSpPr>
+        <a:xfrm>
+          <a:off x="0" y="0"/>
+          <a:ext cx="0" cy="0"/>
+          <a:chOff x="0" y="0"/>
+          <a:chExt cx="0" cy="0"/>
+        </a:xfrm>
+      </p:grpSpPr>
+      <p:sp>
+        <p:nvSpPr>
+          <p:cNvPr id="2" name="Slide Image Placeholder 1"/>
+          <p:cNvSpPr>
+            <a:spLocks noGrp="1" noRot="1" noChangeAspect="1"/>
+          </p:cNvSpPr>
+          <p:nvPr>
+            <p:ph type="sldImg"/>
+          </p:nvPr>
+        </p:nvSpPr>
+        <p:spPr/>
+      </p:sp>
+      <p:sp>
+        <p:nvSpPr>
+          <p:cNvPr id="3" name="Notes Placeholder 2"/>
+          <p:cNvSpPr>
+            <a:spLocks noGrp="1"/>
+          </p:cNvSpPr>
+          <p:nvPr>
+            <p:ph type="body" idx="1"/>
+          </p:nvPr>
+        </p:nvSpPr>
+        <p:spPr/>
+        <p:txBody>
+          <a:bodyPr/>
+          <a:lstStyle/>
+          <a:p>
+            <a:r>
+              <a:rPr lang="en-US">
+                <a:latin typeface="Arial" panose="020B0604020202020204" pitchFamily="34" charset="0"/>
+                <a:cs typeface="Arial" panose="020B0604020202020204" pitchFamily="34" charset="0"/>
+              </a:rPr>
+              <a:t>Đây là cái gì ?</a:t>
+            </a:r>
+          </a:p>
+          <a:p>
+            <a:r>
+              <a:rPr lang="en-US">
+                <a:latin typeface="Arial" panose="020B0604020202020204" pitchFamily="34" charset="0"/>
+                <a:cs typeface="Arial" panose="020B0604020202020204" pitchFamily="34" charset="0"/>
+              </a:rPr>
+              <a:t>	Đây là trang học tiếng anh theo các chủ đề gia đình, động vật, cây cối.</a:t>
+            </a:r>
+          </a:p>
+          <a:p>
+            <a:r>
+              <a:rPr lang="en-US">
+                <a:latin typeface="Arial" panose="020B0604020202020204" pitchFamily="34" charset="0"/>
+                <a:cs typeface="Arial" panose="020B0604020202020204" pitchFamily="34" charset="0"/>
+              </a:rPr>
+              <a:t>	Có các bài tập nhỏ theo từng bài học và bài tập lớn theo từng chủ đề.</a:t>
+            </a:r>
+          </a:p>
+          <a:p>
+            <a:r>
+              <a:rPr lang="en-US">
+                <a:latin typeface="Arial" panose="020B0604020202020204" pitchFamily="34" charset="0"/>
+                <a:cs typeface="Arial" panose="020B0604020202020204" pitchFamily="34" charset="0"/>
+              </a:rPr>
+              <a:t>Dành cho ai ?</a:t>
+            </a:r>
+          </a:p>
+          <a:p>
+            <a:r>
+              <a:rPr lang="en-US">
+                <a:latin typeface="Arial" panose="020B0604020202020204" pitchFamily="34" charset="0"/>
+                <a:cs typeface="Arial" panose="020B0604020202020204" pitchFamily="34" charset="0"/>
+              </a:rPr>
+              <a:t>	Dành cho trẻ em từ 5 đến 10 tuổi</a:t>
+            </a:r>
+            <a:r>
+              <a:rPr lang="en-US"/>
+              <a:t>.</a:t>
+            </a:r>
+          </a:p>
+          <a:p>
+            <a:r>
+              <a:rPr lang="en-US">
+                <a:latin typeface="Arial" panose="020B0604020202020204" pitchFamily="34" charset="0"/>
+                <a:cs typeface="Arial" panose="020B0604020202020204" pitchFamily="34" charset="0"/>
+              </a:rPr>
+              <a:t>Sử dụng như thế nào ?</a:t>
+            </a:r>
+          </a:p>
+          <a:p>
+            <a:r>
+              <a:rPr lang="en-US">
+                <a:latin typeface="Arial" panose="020B0604020202020204" pitchFamily="34" charset="0"/>
+                <a:cs typeface="Arial" panose="020B0604020202020204" pitchFamily="34" charset="0"/>
+              </a:rPr>
+              <a:t>	Người dùng đăng ký, điền thông tin cá nhân dựa vào độ tuổi, tên.</a:t>
+            </a:r>
+          </a:p>
+          <a:p>
+            <a:r>
+              <a:rPr lang="en-US">
+                <a:latin typeface="Arial" panose="020B0604020202020204" pitchFamily="34" charset="0"/>
+                <a:cs typeface="Arial" panose="020B0604020202020204" pitchFamily="34" charset="0"/>
+              </a:rPr>
+              <a:t>	Người dung sẽ được cung cấp các bài học theo lứa tuổi đã chọn. Nếu đạt được</a:t>
+            </a:r>
+          </a:p>
+          <a:p>
+            <a:r>
+              <a:rPr lang="en-US">
+                <a:latin typeface="Arial" panose="020B0604020202020204" pitchFamily="34" charset="0"/>
+                <a:cs typeface="Arial" panose="020B0604020202020204" pitchFamily="34" charset="0"/>
+              </a:rPr>
+              <a:t>yêu cầu thì người dung nâng cấp bài học</a:t>
+            </a:r>
+          </a:p>
+          <a:p>
+            <a:r>
+              <a:rPr lang="en-US">
+                <a:latin typeface="Arial" panose="020B0604020202020204" pitchFamily="34" charset="0"/>
+                <a:cs typeface="Arial" panose="020B0604020202020204" pitchFamily="34" charset="0"/>
+              </a:rPr>
+              <a:t>Khi nào người dùng sử dụng ?</a:t>
+            </a:r>
+          </a:p>
+          <a:p>
+            <a:r>
+              <a:rPr lang="en-US">
+                <a:latin typeface="Arial" panose="020B0604020202020204" pitchFamily="34" charset="0"/>
+                <a:cs typeface="Arial" panose="020B0604020202020204" pitchFamily="34" charset="0"/>
+              </a:rPr>
+              <a:t>	Bất cứ khi nào người dung muốn</a:t>
+            </a:r>
+          </a:p>
+          <a:p>
+            <a:r>
+              <a:rPr lang="en-US">
+                <a:latin typeface="Arial" panose="020B0604020202020204" pitchFamily="34" charset="0"/>
+                <a:cs typeface="Arial" panose="020B0604020202020204" pitchFamily="34" charset="0"/>
+              </a:rPr>
+              <a:t>Sử dụng ở đâu ?</a:t>
+            </a:r>
+          </a:p>
+          <a:p>
+            <a:r>
+              <a:rPr lang="en-US">
+                <a:latin typeface="Arial" panose="020B0604020202020204" pitchFamily="34" charset="0"/>
+                <a:cs typeface="Arial" panose="020B0604020202020204" pitchFamily="34" charset="0"/>
+              </a:rPr>
+              <a:t>	Sử dụng laptop, PC, smart phone có kết nối Internet để truy cập vào website.</a:t>
+            </a:r>
+          </a:p>
+          <a:p>
+            <a:r>
+              <a:rPr lang="en-US">
+                <a:latin typeface="Arial" panose="020B0604020202020204" pitchFamily="34" charset="0"/>
+                <a:cs typeface="Arial" panose="020B0604020202020204" pitchFamily="34" charset="0"/>
+              </a:rPr>
+              <a:t>Tại sao sử dụng website ?</a:t>
+            </a:r>
+          </a:p>
+          <a:p>
+            <a:r>
+              <a:rPr lang="en-US">
+                <a:latin typeface="Arial" panose="020B0604020202020204" pitchFamily="34" charset="0"/>
+                <a:cs typeface="Arial" panose="020B0604020202020204" pitchFamily="34" charset="0"/>
+              </a:rPr>
+              <a:t>	Là nơi cung cấp các bài học cho trẻ em.</a:t>
+            </a:r>
+          </a:p>
+          <a:p>
+            <a:r>
+              <a:rPr lang="en-US">
+                <a:latin typeface="Arial" panose="020B0604020202020204" pitchFamily="34" charset="0"/>
+                <a:cs typeface="Arial" panose="020B0604020202020204" pitchFamily="34" charset="0"/>
+              </a:rPr>
+              <a:t>	Đáp ứng nhu cầu học tiếng Anh.</a:t>
+            </a:r>
+          </a:p>
+          <a:p>
+            <a:r>
+              <a:rPr lang="en-US">
+                <a:latin typeface="Arial" panose="020B0604020202020204" pitchFamily="34" charset="0"/>
+                <a:cs typeface="Arial" panose="020B0604020202020204" pitchFamily="34" charset="0"/>
+              </a:rPr>
+              <a:t>	Có hình ảnh, âm thanh sống động giúp việc học trở nên thích thú, vui vẻ.</a:t>
+            </a:r>
+          </a:p>
+          <a:p>
+            <a:endParaRPr lang="en-US"/>
+          </a:p>
+          <a:p>
+            <a:endParaRPr lang="en-US"/>
+          </a:p>
+        </p:txBody>
+      </p:sp>
+      <p:sp>
+        <p:nvSpPr>
+          <p:cNvPr id="4" name="Slide Number Placeholder 3"/>
+          <p:cNvSpPr>
+            <a:spLocks noGrp="1"/>
+          </p:cNvSpPr>
+          <p:nvPr>
+            <p:ph type="sldNum" sz="quarter" idx="5"/>
+          </p:nvPr>
+        </p:nvSpPr>
+        <p:spPr/>
+        <p:txBody>
+          <a:bodyPr/>
+          <a:lstStyle/>
+          <a:p>
+            <a:fld id="{166BE8A9-1332-43C3-9C65-C26D4AF875E6}" type="slidenum">
+              <a:rPr lang="en-US" smtClean="0"/>
+              <a:t>3</a:t>
+            </a:fld>
+            <a:endParaRPr lang="en-US"/>
+          </a:p>
+        </p:txBody>
+      </p:sp>
+    </p:spTree>
+    <p:extLst>
+      <p:ext uri="{BB962C8B-B14F-4D97-AF65-F5344CB8AC3E}">
+        <p14:creationId xmlns:p14="http://schemas.microsoft.com/office/powerpoint/2010/main" val="2633400866"/>
+      </p:ext>
+    </p:extLst>
+  </p:cSld>
+  <p:clrMapOvr>
+    <a:masterClrMapping/>
+  </p:clrMapOvr>
+</p:notes>
+</file>
+
+<file path=ppt/notesSlides/notesSlide4.xml><?xml version="1.0" encoding="utf-8"?>
+<p:notes xmlns:a="http://schemas.openxmlformats.org/drawingml/2006/main" xmlns:r="http://schemas.openxmlformats.org/officeDocument/2006/relationships" xmlns:p="http://schemas.openxmlformats.org/presentationml/2006/main">
+  <p:cSld>
+    <p:spTree>
+      <p:nvGrpSpPr>
+        <p:cNvPr id="1" name=""/>
+        <p:cNvGrpSpPr/>
+        <p:nvPr/>
+      </p:nvGrpSpPr>
+      <p:grpSpPr>
+        <a:xfrm>
+          <a:off x="0" y="0"/>
+          <a:ext cx="0" cy="0"/>
+          <a:chOff x="0" y="0"/>
+          <a:chExt cx="0" cy="0"/>
+        </a:xfrm>
+      </p:grpSpPr>
+      <p:sp>
+        <p:nvSpPr>
+          <p:cNvPr id="2" name="Slide Image Placeholder 1"/>
+          <p:cNvSpPr>
+            <a:spLocks noGrp="1" noRot="1" noChangeAspect="1"/>
+          </p:cNvSpPr>
+          <p:nvPr>
+            <p:ph type="sldImg"/>
+          </p:nvPr>
+        </p:nvSpPr>
+        <p:spPr/>
+      </p:sp>
+      <p:sp>
+        <p:nvSpPr>
+          <p:cNvPr id="3" name="Notes Placeholder 2"/>
+          <p:cNvSpPr>
+            <a:spLocks noGrp="1"/>
+          </p:cNvSpPr>
+          <p:nvPr>
+            <p:ph type="body" idx="1"/>
+          </p:nvPr>
+        </p:nvSpPr>
+        <p:spPr/>
+        <p:txBody>
+          <a:bodyPr/>
+          <a:lstStyle/>
+          <a:p>
+            <a:endParaRPr lang="en-US"/>
+          </a:p>
+        </p:txBody>
+      </p:sp>
+      <p:sp>
+        <p:nvSpPr>
+          <p:cNvPr id="4" name="Slide Number Placeholder 3"/>
+          <p:cNvSpPr>
+            <a:spLocks noGrp="1"/>
+          </p:cNvSpPr>
+          <p:nvPr>
+            <p:ph type="sldNum" sz="quarter" idx="5"/>
+          </p:nvPr>
+        </p:nvSpPr>
+        <p:spPr/>
+        <p:txBody>
+          <a:bodyPr/>
+          <a:lstStyle/>
+          <a:p>
+            <a:fld id="{166BE8A9-1332-43C3-9C65-C26D4AF875E6}" type="slidenum">
+              <a:rPr lang="en-US" smtClean="0"/>
+              <a:t>7</a:t>
+            </a:fld>
+            <a:endParaRPr lang="en-US"/>
+          </a:p>
+        </p:txBody>
+      </p:sp>
+    </p:spTree>
+    <p:extLst>
+      <p:ext uri="{BB962C8B-B14F-4D97-AF65-F5344CB8AC3E}">
+        <p14:creationId xmlns:p14="http://schemas.microsoft.com/office/powerpoint/2010/main" val="2408802632"/>
+      </p:ext>
+    </p:extLst>
+  </p:cSld>
+  <p:clrMapOvr>
+    <a:masterClrMapping/>
+  </p:clrMapOvr>
+</p:notes>
+</file>
+
+<file path=ppt/notesSlides/notesSlide5.xml><?xml version="1.0" encoding="utf-8"?>
+<p:notes xmlns:a="http://schemas.openxmlformats.org/drawingml/2006/main" xmlns:r="http://schemas.openxmlformats.org/officeDocument/2006/relationships" xmlns:p="http://schemas.openxmlformats.org/presentationml/2006/main">
+  <p:cSld>
+    <p:spTree>
+      <p:nvGrpSpPr>
+        <p:cNvPr id="1" name=""/>
+        <p:cNvGrpSpPr/>
+        <p:nvPr/>
+      </p:nvGrpSpPr>
+      <p:grpSpPr>
+        <a:xfrm>
+          <a:off x="0" y="0"/>
+          <a:ext cx="0" cy="0"/>
+          <a:chOff x="0" y="0"/>
+          <a:chExt cx="0" cy="0"/>
+        </a:xfrm>
+      </p:grpSpPr>
+      <p:sp>
+        <p:nvSpPr>
+          <p:cNvPr id="2" name="Slide Image Placeholder 1"/>
+          <p:cNvSpPr>
+            <a:spLocks noGrp="1" noRot="1" noChangeAspect="1"/>
+          </p:cNvSpPr>
+          <p:nvPr>
+            <p:ph type="sldImg"/>
+          </p:nvPr>
+        </p:nvSpPr>
+        <p:spPr/>
+      </p:sp>
+      <p:sp>
+        <p:nvSpPr>
+          <p:cNvPr id="3" name="Notes Placeholder 2"/>
+          <p:cNvSpPr>
+            <a:spLocks noGrp="1"/>
+          </p:cNvSpPr>
+          <p:nvPr>
+            <p:ph type="body" idx="1"/>
+          </p:nvPr>
+        </p:nvSpPr>
+        <p:spPr/>
+        <p:txBody>
+          <a:bodyPr/>
+          <a:lstStyle/>
+          <a:p>
+            <a:pPr marL="914400">
+              <a:lnSpc>
+                <a:spcPct val="115000"/>
+              </a:lnSpc>
+              <a:spcAft>
+                <a:spcPts val="1000"/>
+              </a:spcAft>
+            </a:pPr>
+            <a:r>
+              <a:rPr lang="en-US" sz="1800">
+                <a:effectLst/>
+                <a:latin typeface="Times New Roman" panose="02020603050405020304" pitchFamily="18" charset="0"/>
+                <a:ea typeface="Calibri" panose="020F0502020204030204" pitchFamily="34" charset="0"/>
+              </a:rPr>
+              <a:t>Dòng sự kiện chính:</a:t>
+            </a:r>
+          </a:p>
+          <a:p>
+            <a:pPr marL="342900" lvl="0" indent="-342900">
+              <a:lnSpc>
+                <a:spcPct val="115000"/>
+              </a:lnSpc>
+              <a:buFont typeface="Times New Roman" panose="02020603050405020304" pitchFamily="18" charset="0"/>
+              <a:buChar char="-"/>
+            </a:pPr>
+            <a:r>
+              <a:rPr lang="en-US" sz="1800">
+                <a:effectLst/>
+                <a:latin typeface="Times New Roman" panose="02020603050405020304" pitchFamily="18" charset="0"/>
+                <a:ea typeface="Calibri" panose="020F0502020204030204" pitchFamily="34" charset="0"/>
+              </a:rPr>
+              <a:t>Người dùng chọn phần đăng ký, nhập các thông tin họ và tên, ngày sinh, email, tài khoản và mật khẩu.</a:t>
+            </a:r>
+          </a:p>
+          <a:p>
+            <a:pPr marL="342900" lvl="0" indent="-342900">
+              <a:lnSpc>
+                <a:spcPct val="115000"/>
+              </a:lnSpc>
+              <a:buFont typeface="Times New Roman" panose="02020603050405020304" pitchFamily="18" charset="0"/>
+              <a:buChar char="-"/>
+            </a:pPr>
+            <a:r>
+              <a:rPr lang="en-US" sz="1800">
+                <a:effectLst/>
+                <a:latin typeface="Times New Roman" panose="02020603050405020304" pitchFamily="18" charset="0"/>
+                <a:ea typeface="Calibri" panose="020F0502020204030204" pitchFamily="34" charset="0"/>
+              </a:rPr>
+              <a:t>Hệ thống kiểm tra các thông tin nhập vào có hợp lệ hay không. Các trường không được để trống, họ tên không có ký tự đặc biệt, tài khoản phải có hơn 6 ký tự, mật khẩu có ít nhất 6 ký tự và nhiều nhất 16 ký tự bao gồm ký tự đặc biệt, số và chữ, mật khẩu nhập lại phải trùng với mật khẩu ở trên.</a:t>
+            </a:r>
+          </a:p>
+          <a:p>
+            <a:pPr marL="342900" lvl="0" indent="-342900">
+              <a:lnSpc>
+                <a:spcPct val="115000"/>
+              </a:lnSpc>
+              <a:buFont typeface="Times New Roman" panose="02020603050405020304" pitchFamily="18" charset="0"/>
+              <a:buChar char="-"/>
+            </a:pPr>
+            <a:r>
+              <a:rPr lang="en-US" sz="1800">
+                <a:effectLst/>
+                <a:latin typeface="Times New Roman" panose="02020603050405020304" pitchFamily="18" charset="0"/>
+                <a:ea typeface="Calibri" panose="020F0502020204030204" pitchFamily="34" charset="0"/>
+              </a:rPr>
+              <a:t>Hệ thống kiểm tra tên đăng ký đã có hay chưa.</a:t>
+            </a:r>
+          </a:p>
+          <a:p>
+            <a:pPr marL="342900" lvl="0" indent="-342900">
+              <a:lnSpc>
+                <a:spcPct val="115000"/>
+              </a:lnSpc>
+              <a:spcAft>
+                <a:spcPts val="1000"/>
+              </a:spcAft>
+              <a:buFont typeface="Times New Roman" panose="02020603050405020304" pitchFamily="18" charset="0"/>
+              <a:buChar char="-"/>
+            </a:pPr>
+            <a:r>
+              <a:rPr lang="en-US" sz="1800">
+                <a:effectLst/>
+                <a:latin typeface="Times New Roman" panose="02020603050405020304" pitchFamily="18" charset="0"/>
+                <a:ea typeface="Calibri" panose="020F0502020204030204" pitchFamily="34" charset="0"/>
+              </a:rPr>
+              <a:t>Hệ thống hiện thông báo đăng ký thành công và chuyển người dùng vào màn hình đăng nhập.</a:t>
+            </a:r>
+          </a:p>
+          <a:p>
+            <a:pPr marL="914400">
+              <a:lnSpc>
+                <a:spcPct val="115000"/>
+              </a:lnSpc>
+              <a:spcAft>
+                <a:spcPts val="1000"/>
+              </a:spcAft>
+            </a:pPr>
+            <a:r>
+              <a:rPr lang="en-US" sz="1800">
+                <a:effectLst/>
+                <a:latin typeface="Times New Roman" panose="02020603050405020304" pitchFamily="18" charset="0"/>
+                <a:ea typeface="Calibri" panose="020F0502020204030204" pitchFamily="34" charset="0"/>
+              </a:rPr>
+              <a:t>Sự kiện ngoại lệ:</a:t>
+            </a:r>
+          </a:p>
+          <a:p>
+            <a:pPr marL="457200">
+              <a:lnSpc>
+                <a:spcPct val="115000"/>
+              </a:lnSpc>
+              <a:spcAft>
+                <a:spcPts val="1000"/>
+              </a:spcAft>
+            </a:pPr>
+            <a:r>
+              <a:rPr lang="en-US" sz="1800">
+                <a:effectLst/>
+                <a:latin typeface="Times New Roman" panose="02020603050405020304" pitchFamily="18" charset="0"/>
+                <a:ea typeface="Calibri" panose="020F0502020204030204" pitchFamily="34" charset="0"/>
+              </a:rPr>
+              <a:t>	[ Các trường thông tin người dùng nhập không hợp lệ ]</a:t>
+            </a:r>
+          </a:p>
+          <a:p>
+            <a:pPr marL="342900" lvl="0" indent="-342900">
+              <a:lnSpc>
+                <a:spcPct val="115000"/>
+              </a:lnSpc>
+              <a:buFont typeface="Times New Roman" panose="02020603050405020304" pitchFamily="18" charset="0"/>
+              <a:buChar char="-"/>
+            </a:pPr>
+            <a:r>
+              <a:rPr lang="en-US" sz="1800">
+                <a:effectLst/>
+                <a:latin typeface="Times New Roman" panose="02020603050405020304" pitchFamily="18" charset="0"/>
+                <a:ea typeface="Calibri" panose="020F0502020204030204" pitchFamily="34" charset="0"/>
+              </a:rPr>
+              <a:t>Xuất ra thông báo lỗi cho người dùng.</a:t>
+            </a:r>
+          </a:p>
+          <a:p>
+            <a:pPr marL="342900" lvl="0" indent="-342900">
+              <a:lnSpc>
+                <a:spcPct val="115000"/>
+              </a:lnSpc>
+              <a:spcAft>
+                <a:spcPts val="1000"/>
+              </a:spcAft>
+              <a:buFont typeface="Times New Roman" panose="02020603050405020304" pitchFamily="18" charset="0"/>
+              <a:buChar char="-"/>
+            </a:pPr>
+            <a:r>
+              <a:rPr lang="en-US" sz="1800">
+                <a:effectLst/>
+                <a:latin typeface="Times New Roman" panose="02020603050405020304" pitchFamily="18" charset="0"/>
+                <a:ea typeface="Calibri" panose="020F0502020204030204" pitchFamily="34" charset="0"/>
+              </a:rPr>
+              <a:t>Cho người dùng nhập lại thông tin.</a:t>
+            </a:r>
+          </a:p>
+          <a:p>
+            <a:pPr marL="914400">
+              <a:lnSpc>
+                <a:spcPct val="115000"/>
+              </a:lnSpc>
+              <a:spcAft>
+                <a:spcPts val="1000"/>
+              </a:spcAft>
+            </a:pPr>
+            <a:r>
+              <a:rPr lang="en-US" sz="1800">
+                <a:effectLst/>
+                <a:latin typeface="Times New Roman" panose="02020603050405020304" pitchFamily="18" charset="0"/>
+                <a:ea typeface="Calibri" panose="020F0502020204030204" pitchFamily="34" charset="0"/>
+              </a:rPr>
+              <a:t>[ Tên đăng nhập đã tồn tại ]</a:t>
+            </a:r>
+          </a:p>
+          <a:p>
+            <a:pPr marL="342900" lvl="0" indent="-342900">
+              <a:lnSpc>
+                <a:spcPct val="115000"/>
+              </a:lnSpc>
+              <a:buFont typeface="Times New Roman" panose="02020603050405020304" pitchFamily="18" charset="0"/>
+              <a:buChar char="-"/>
+            </a:pPr>
+            <a:r>
+              <a:rPr lang="en-US" sz="1800">
+                <a:effectLst/>
+                <a:latin typeface="Times New Roman" panose="02020603050405020304" pitchFamily="18" charset="0"/>
+                <a:ea typeface="Calibri" panose="020F0502020204030204" pitchFamily="34" charset="0"/>
+              </a:rPr>
+              <a:t>Xuất ra thông báo lỗi cho người dùng.</a:t>
+            </a:r>
+          </a:p>
+          <a:p>
+            <a:pPr marL="342900" lvl="0" indent="-342900">
+              <a:lnSpc>
+                <a:spcPct val="115000"/>
+              </a:lnSpc>
+              <a:spcAft>
+                <a:spcPts val="1000"/>
+              </a:spcAft>
+              <a:buFont typeface="Times New Roman" panose="02020603050405020304" pitchFamily="18" charset="0"/>
+              <a:buChar char="-"/>
+            </a:pPr>
+            <a:r>
+              <a:rPr lang="en-US" sz="1800">
+                <a:effectLst/>
+                <a:latin typeface="Times New Roman" panose="02020603050405020304" pitchFamily="18" charset="0"/>
+                <a:ea typeface="Calibri" panose="020F0502020204030204" pitchFamily="34" charset="0"/>
+              </a:rPr>
+              <a:t>Cho người dùng nhập lại thông tin.</a:t>
+            </a:r>
+          </a:p>
+          <a:p>
+            <a:endParaRPr lang="en-US"/>
+          </a:p>
+        </p:txBody>
+      </p:sp>
+      <p:sp>
+        <p:nvSpPr>
+          <p:cNvPr id="4" name="Slide Number Placeholder 3"/>
+          <p:cNvSpPr>
+            <a:spLocks noGrp="1"/>
+          </p:cNvSpPr>
+          <p:nvPr>
+            <p:ph type="sldNum" sz="quarter" idx="5"/>
+          </p:nvPr>
+        </p:nvSpPr>
+        <p:spPr/>
+        <p:txBody>
+          <a:bodyPr/>
+          <a:lstStyle/>
+          <a:p>
+            <a:fld id="{166BE8A9-1332-43C3-9C65-C26D4AF875E6}" type="slidenum">
+              <a:rPr lang="en-US" smtClean="0"/>
+              <a:t>8</a:t>
+            </a:fld>
+            <a:endParaRPr lang="en-US"/>
+          </a:p>
+        </p:txBody>
+      </p:sp>
+    </p:spTree>
+    <p:extLst>
+      <p:ext uri="{BB962C8B-B14F-4D97-AF65-F5344CB8AC3E}">
+        <p14:creationId xmlns:p14="http://schemas.microsoft.com/office/powerpoint/2010/main" val="532503812"/>
+      </p:ext>
+    </p:extLst>
+  </p:cSld>
+  <p:clrMapOvr>
+    <a:masterClrMapping/>
+  </p:clrMapOvr>
+</p:notes>
+</file>
+
+<file path=ppt/notesSlides/notesSlide6.xml><?xml version="1.0" encoding="utf-8"?>
+<p:notes xmlns:a="http://schemas.openxmlformats.org/drawingml/2006/main" xmlns:r="http://schemas.openxmlformats.org/officeDocument/2006/relationships" xmlns:p="http://schemas.openxmlformats.org/presentationml/2006/main">
+  <p:cSld>
+    <p:spTree>
+      <p:nvGrpSpPr>
+        <p:cNvPr id="1" name=""/>
+        <p:cNvGrpSpPr/>
+        <p:nvPr/>
+      </p:nvGrpSpPr>
+      <p:grpSpPr>
+        <a:xfrm>
+          <a:off x="0" y="0"/>
+          <a:ext cx="0" cy="0"/>
+          <a:chOff x="0" y="0"/>
+          <a:chExt cx="0" cy="0"/>
+        </a:xfrm>
+      </p:grpSpPr>
+      <p:sp>
+        <p:nvSpPr>
+          <p:cNvPr id="2" name="Slide Image Placeholder 1"/>
+          <p:cNvSpPr>
+            <a:spLocks noGrp="1" noRot="1" noChangeAspect="1"/>
+          </p:cNvSpPr>
+          <p:nvPr>
+            <p:ph type="sldImg"/>
+          </p:nvPr>
+        </p:nvSpPr>
+        <p:spPr/>
+      </p:sp>
+      <p:sp>
+        <p:nvSpPr>
+          <p:cNvPr id="3" name="Notes Placeholder 2"/>
+          <p:cNvSpPr>
+            <a:spLocks noGrp="1"/>
+          </p:cNvSpPr>
+          <p:nvPr>
+            <p:ph type="body" idx="1"/>
+          </p:nvPr>
+        </p:nvSpPr>
+        <p:spPr/>
+        <p:txBody>
+          <a:bodyPr/>
+          <a:lstStyle/>
+          <a:p>
+            <a:pPr marL="914400">
+              <a:lnSpc>
+                <a:spcPct val="115000"/>
+              </a:lnSpc>
+              <a:spcAft>
+                <a:spcPts val="1000"/>
+              </a:spcAft>
+            </a:pPr>
+            <a:r>
+              <a:rPr lang="en-US" sz="1800">
+                <a:effectLst/>
+                <a:latin typeface="Times New Roman" panose="02020603050405020304" pitchFamily="18" charset="0"/>
+                <a:ea typeface="Calibri" panose="020F0502020204030204" pitchFamily="34" charset="0"/>
+              </a:rPr>
+              <a:t>Dòng sự kiện chính</a:t>
+            </a:r>
+          </a:p>
+          <a:p>
+            <a:pPr marL="342900" lvl="0" indent="-342900">
+              <a:lnSpc>
+                <a:spcPct val="115000"/>
+              </a:lnSpc>
+              <a:buFont typeface="Times New Roman" panose="02020603050405020304" pitchFamily="18" charset="0"/>
+              <a:buChar char="-"/>
+            </a:pPr>
+            <a:r>
+              <a:rPr lang="en-US" sz="1800">
+                <a:effectLst/>
+                <a:latin typeface="Times New Roman" panose="02020603050405020304" pitchFamily="18" charset="0"/>
+                <a:ea typeface="Calibri" panose="020F0502020204030204" pitchFamily="34" charset="0"/>
+              </a:rPr>
+              <a:t>Người dùng lần lượt nhập vào tài khoản và mật khẩu sau đó nhấn vào nút đăng nhập.</a:t>
+            </a:r>
+          </a:p>
+          <a:p>
+            <a:pPr marL="342900" lvl="0" indent="-342900">
+              <a:lnSpc>
+                <a:spcPct val="115000"/>
+              </a:lnSpc>
+              <a:buFont typeface="Times New Roman" panose="02020603050405020304" pitchFamily="18" charset="0"/>
+              <a:buChar char="-"/>
+            </a:pPr>
+            <a:r>
+              <a:rPr lang="en-US" sz="1800">
+                <a:effectLst/>
+                <a:latin typeface="Times New Roman" panose="02020603050405020304" pitchFamily="18" charset="0"/>
+                <a:ea typeface="Calibri" panose="020F0502020204030204" pitchFamily="34" charset="0"/>
+              </a:rPr>
+              <a:t>Hệ thống kiểm tra tên đăng nhập có tồn tại hay chưa. Nếu đã tồn tại thì kiểm tra mật khẩu có trùng với tên tài khoản hay không.</a:t>
+            </a:r>
+          </a:p>
+          <a:p>
+            <a:pPr marL="342900" lvl="0" indent="-342900">
+              <a:lnSpc>
+                <a:spcPct val="115000"/>
+              </a:lnSpc>
+              <a:spcAft>
+                <a:spcPts val="1000"/>
+              </a:spcAft>
+              <a:buFont typeface="Times New Roman" panose="02020603050405020304" pitchFamily="18" charset="0"/>
+              <a:buChar char="-"/>
+            </a:pPr>
+            <a:r>
+              <a:rPr lang="en-US" sz="1800">
+                <a:effectLst/>
+                <a:latin typeface="Times New Roman" panose="02020603050405020304" pitchFamily="18" charset="0"/>
+                <a:ea typeface="Calibri" panose="020F0502020204030204" pitchFamily="34" charset="0"/>
+              </a:rPr>
+              <a:t>Tất cả hoản tất người dùng được đăng nhập vào hệ thống.</a:t>
+            </a:r>
+          </a:p>
+          <a:p>
+            <a:pPr marL="914400">
+              <a:lnSpc>
+                <a:spcPct val="115000"/>
+              </a:lnSpc>
+              <a:spcAft>
+                <a:spcPts val="1000"/>
+              </a:spcAft>
+            </a:pPr>
+            <a:r>
+              <a:rPr lang="en-US" sz="1800">
+                <a:effectLst/>
+                <a:latin typeface="Times New Roman" panose="02020603050405020304" pitchFamily="18" charset="0"/>
+                <a:ea typeface="Calibri" panose="020F0502020204030204" pitchFamily="34" charset="0"/>
+              </a:rPr>
+              <a:t>Sự kiện ngoại lệ</a:t>
+            </a:r>
+          </a:p>
+          <a:p>
+            <a:pPr marL="914400">
+              <a:lnSpc>
+                <a:spcPct val="115000"/>
+              </a:lnSpc>
+              <a:spcAft>
+                <a:spcPts val="1000"/>
+              </a:spcAft>
+            </a:pPr>
+            <a:r>
+              <a:rPr lang="en-US" sz="1800">
+                <a:effectLst/>
+                <a:latin typeface="Times New Roman" panose="02020603050405020304" pitchFamily="18" charset="0"/>
+                <a:ea typeface="Calibri" panose="020F0502020204030204" pitchFamily="34" charset="0"/>
+              </a:rPr>
+              <a:t>[ Nhập sai tài khoản ]</a:t>
+            </a:r>
+          </a:p>
+          <a:p>
+            <a:pPr marL="342900" lvl="0" indent="-342900">
+              <a:lnSpc>
+                <a:spcPct val="115000"/>
+              </a:lnSpc>
+              <a:buFont typeface="Times New Roman" panose="02020603050405020304" pitchFamily="18" charset="0"/>
+              <a:buChar char="-"/>
+            </a:pPr>
+            <a:r>
+              <a:rPr lang="en-US" sz="1800">
+                <a:effectLst/>
+                <a:latin typeface="Times New Roman" panose="02020603050405020304" pitchFamily="18" charset="0"/>
+                <a:ea typeface="Calibri" panose="020F0502020204030204" pitchFamily="34" charset="0"/>
+              </a:rPr>
+              <a:t>Hệ thống kiểm tra tài khoản không tồn tại.</a:t>
+            </a:r>
+          </a:p>
+          <a:p>
+            <a:pPr marL="342900" lvl="0" indent="-342900">
+              <a:lnSpc>
+                <a:spcPct val="115000"/>
+              </a:lnSpc>
+              <a:buFont typeface="Times New Roman" panose="02020603050405020304" pitchFamily="18" charset="0"/>
+              <a:buChar char="-"/>
+            </a:pPr>
+            <a:r>
+              <a:rPr lang="en-US" sz="1800">
+                <a:effectLst/>
+                <a:latin typeface="Times New Roman" panose="02020603050405020304" pitchFamily="18" charset="0"/>
+                <a:ea typeface="Calibri" panose="020F0502020204030204" pitchFamily="34" charset="0"/>
+              </a:rPr>
+              <a:t>Hiện thông báo cho người dùng nhập sai tên tài khoản.</a:t>
+            </a:r>
+          </a:p>
+          <a:p>
+            <a:pPr marL="342900" lvl="0" indent="-342900">
+              <a:lnSpc>
+                <a:spcPct val="115000"/>
+              </a:lnSpc>
+              <a:buFont typeface="Times New Roman" panose="02020603050405020304" pitchFamily="18" charset="0"/>
+              <a:buChar char="-"/>
+            </a:pPr>
+            <a:r>
+              <a:rPr lang="en-US" sz="1800">
+                <a:effectLst/>
+                <a:latin typeface="Times New Roman" panose="02020603050405020304" pitchFamily="18" charset="0"/>
+                <a:ea typeface="Calibri" panose="020F0502020204030204" pitchFamily="34" charset="0"/>
+              </a:rPr>
+              <a:t>Yêu cầu người dùng nhập lại tài khoản.</a:t>
+            </a:r>
+          </a:p>
+          <a:p>
+            <a:pPr marL="342900" lvl="0" indent="-342900">
+              <a:lnSpc>
+                <a:spcPct val="115000"/>
+              </a:lnSpc>
+              <a:spcAft>
+                <a:spcPts val="1000"/>
+              </a:spcAft>
+              <a:buFont typeface="Times New Roman" panose="02020603050405020304" pitchFamily="18" charset="0"/>
+              <a:buChar char="-"/>
+            </a:pPr>
+            <a:r>
+              <a:rPr lang="en-US" sz="1800">
+                <a:effectLst/>
+                <a:latin typeface="Times New Roman" panose="02020603050405020304" pitchFamily="18" charset="0"/>
+                <a:ea typeface="Calibri" panose="020F0502020204030204" pitchFamily="34" charset="0"/>
+              </a:rPr>
+              <a:t>Bắt đầu lại dòng dự kiện chính.</a:t>
+            </a:r>
+          </a:p>
+          <a:p>
+            <a:pPr marL="914400">
+              <a:lnSpc>
+                <a:spcPct val="115000"/>
+              </a:lnSpc>
+              <a:spcAft>
+                <a:spcPts val="1000"/>
+              </a:spcAft>
+            </a:pPr>
+            <a:r>
+              <a:rPr lang="en-US" sz="1800">
+                <a:effectLst/>
+                <a:latin typeface="Times New Roman" panose="02020603050405020304" pitchFamily="18" charset="0"/>
+                <a:ea typeface="Calibri" panose="020F0502020204030204" pitchFamily="34" charset="0"/>
+              </a:rPr>
+              <a:t>[ Nhập đúng tài khoản, sai mật khẩu ]</a:t>
+            </a:r>
+          </a:p>
+          <a:p>
+            <a:pPr marL="342900" lvl="0" indent="-342900">
+              <a:lnSpc>
+                <a:spcPct val="115000"/>
+              </a:lnSpc>
+              <a:buFont typeface="Times New Roman" panose="02020603050405020304" pitchFamily="18" charset="0"/>
+              <a:buChar char="-"/>
+            </a:pPr>
+            <a:r>
+              <a:rPr lang="en-US" sz="1800">
+                <a:effectLst/>
+                <a:latin typeface="Times New Roman" panose="02020603050405020304" pitchFamily="18" charset="0"/>
+                <a:ea typeface="Calibri" panose="020F0502020204030204" pitchFamily="34" charset="0"/>
+              </a:rPr>
+              <a:t>Hệ thống kiểm tra mật khẩu nhập sai.</a:t>
+            </a:r>
+          </a:p>
+          <a:p>
+            <a:pPr marL="342900" lvl="0" indent="-342900">
+              <a:lnSpc>
+                <a:spcPct val="115000"/>
+              </a:lnSpc>
+              <a:buFont typeface="Times New Roman" panose="02020603050405020304" pitchFamily="18" charset="0"/>
+              <a:buChar char="-"/>
+            </a:pPr>
+            <a:r>
+              <a:rPr lang="en-US" sz="1800">
+                <a:effectLst/>
+                <a:latin typeface="Times New Roman" panose="02020603050405020304" pitchFamily="18" charset="0"/>
+                <a:ea typeface="Calibri" panose="020F0502020204030204" pitchFamily="34" charset="0"/>
+              </a:rPr>
+              <a:t>Hiển thị thông báo cho người dùng nhập sai mật khẩu.</a:t>
+            </a:r>
+          </a:p>
+          <a:p>
+            <a:pPr marL="342900" lvl="0" indent="-342900">
+              <a:lnSpc>
+                <a:spcPct val="115000"/>
+              </a:lnSpc>
+              <a:buFont typeface="Times New Roman" panose="02020603050405020304" pitchFamily="18" charset="0"/>
+              <a:buChar char="-"/>
+            </a:pPr>
+            <a:r>
+              <a:rPr lang="en-US" sz="1800">
+                <a:effectLst/>
+                <a:latin typeface="Times New Roman" panose="02020603050405020304" pitchFamily="18" charset="0"/>
+                <a:ea typeface="Calibri" panose="020F0502020204030204" pitchFamily="34" charset="0"/>
+              </a:rPr>
+              <a:t>Yêu cầu người dùng nhập lại mật khẩu.</a:t>
+            </a:r>
+          </a:p>
+          <a:p>
+            <a:pPr marL="342900" lvl="0" indent="-342900">
+              <a:lnSpc>
+                <a:spcPct val="115000"/>
+              </a:lnSpc>
+              <a:spcAft>
+                <a:spcPts val="1000"/>
+              </a:spcAft>
+              <a:buFont typeface="Times New Roman" panose="02020603050405020304" pitchFamily="18" charset="0"/>
+              <a:buChar char="-"/>
+            </a:pPr>
+            <a:r>
+              <a:rPr lang="en-US" sz="1800">
+                <a:effectLst/>
+                <a:latin typeface="Times New Roman" panose="02020603050405020304" pitchFamily="18" charset="0"/>
+                <a:ea typeface="Calibri" panose="020F0502020204030204" pitchFamily="34" charset="0"/>
+              </a:rPr>
+              <a:t>Bắt đầu lại dòng sự kiện chính.</a:t>
+            </a:r>
+          </a:p>
+          <a:p>
+            <a:pPr marL="914400">
+              <a:lnSpc>
+                <a:spcPct val="115000"/>
+              </a:lnSpc>
+              <a:spcAft>
+                <a:spcPts val="1000"/>
+              </a:spcAft>
+            </a:pPr>
+            <a:r>
+              <a:rPr lang="en-US" sz="1800">
+                <a:effectLst/>
+                <a:latin typeface="Times New Roman" panose="02020603050405020304" pitchFamily="18" charset="0"/>
+                <a:ea typeface="Calibri" panose="020F0502020204030204" pitchFamily="34" charset="0"/>
+              </a:rPr>
+              <a:t>[ Người dùng quên mật khẩu ]</a:t>
+            </a:r>
+          </a:p>
+          <a:p>
+            <a:pPr marL="342900" lvl="0" indent="-342900">
+              <a:lnSpc>
+                <a:spcPct val="115000"/>
+              </a:lnSpc>
+              <a:buFont typeface="Times New Roman" panose="02020603050405020304" pitchFamily="18" charset="0"/>
+              <a:buChar char="-"/>
+            </a:pPr>
+            <a:r>
+              <a:rPr lang="en-US" sz="1800">
+                <a:effectLst/>
+                <a:latin typeface="Times New Roman" panose="02020603050405020304" pitchFamily="18" charset="0"/>
+                <a:ea typeface="Calibri" panose="020F0502020204030204" pitchFamily="34" charset="0"/>
+              </a:rPr>
+              <a:t>Hệ thống gửi mã xác nhận lấy lại mật khẩu qua email người dùng đăng ký từ đầu.</a:t>
+            </a:r>
+          </a:p>
+          <a:p>
+            <a:pPr marL="342900" lvl="0" indent="-342900">
+              <a:lnSpc>
+                <a:spcPct val="115000"/>
+              </a:lnSpc>
+              <a:buFont typeface="Times New Roman" panose="02020603050405020304" pitchFamily="18" charset="0"/>
+              <a:buChar char="-"/>
+            </a:pPr>
+            <a:r>
+              <a:rPr lang="en-US" sz="1800">
+                <a:effectLst/>
+                <a:latin typeface="Times New Roman" panose="02020603050405020304" pitchFamily="18" charset="0"/>
+                <a:ea typeface="Calibri" panose="020F0502020204030204" pitchFamily="34" charset="0"/>
+              </a:rPr>
+              <a:t>Hệ thống gửi thông báo đã gửi mã xác nhận về email.</a:t>
+            </a:r>
+          </a:p>
+          <a:p>
+            <a:pPr marL="342900" lvl="0" indent="-342900">
+              <a:lnSpc>
+                <a:spcPct val="115000"/>
+              </a:lnSpc>
+              <a:buFont typeface="Times New Roman" panose="02020603050405020304" pitchFamily="18" charset="0"/>
+              <a:buChar char="-"/>
+            </a:pPr>
+            <a:r>
+              <a:rPr lang="en-US" sz="1800">
+                <a:effectLst/>
+                <a:latin typeface="Times New Roman" panose="02020603050405020304" pitchFamily="18" charset="0"/>
+                <a:ea typeface="Calibri" panose="020F0502020204030204" pitchFamily="34" charset="0"/>
+              </a:rPr>
+              <a:t>Người dùng kiểm tra email để lấy mã xác nhận.</a:t>
+            </a:r>
+          </a:p>
+          <a:p>
+            <a:pPr marL="342900" lvl="0" indent="-342900">
+              <a:lnSpc>
+                <a:spcPct val="115000"/>
+              </a:lnSpc>
+              <a:buFont typeface="Times New Roman" panose="02020603050405020304" pitchFamily="18" charset="0"/>
+              <a:buChar char="-"/>
+            </a:pPr>
+            <a:r>
+              <a:rPr lang="en-US" sz="1800">
+                <a:effectLst/>
+                <a:latin typeface="Times New Roman" panose="02020603050405020304" pitchFamily="18" charset="0"/>
+                <a:ea typeface="Calibri" panose="020F0502020204030204" pitchFamily="34" charset="0"/>
+              </a:rPr>
+              <a:t>Người dùng nhập mã xác nhận và mật khẩu mới.</a:t>
+            </a:r>
+          </a:p>
+          <a:p>
+            <a:pPr marL="342900" lvl="0" indent="-342900">
+              <a:lnSpc>
+                <a:spcPct val="115000"/>
+              </a:lnSpc>
+              <a:buFont typeface="Times New Roman" panose="02020603050405020304" pitchFamily="18" charset="0"/>
+              <a:buChar char="-"/>
+            </a:pPr>
+            <a:r>
+              <a:rPr lang="en-US" sz="1800">
+                <a:effectLst/>
+                <a:latin typeface="Times New Roman" panose="02020603050405020304" pitchFamily="18" charset="0"/>
+                <a:ea typeface="Calibri" panose="020F0502020204030204" pitchFamily="34" charset="0"/>
+              </a:rPr>
+              <a:t>Hệ thống kiểm tra mã xác nhận có chính xác hay không. Và thời gian nhập có trong 5 phút.</a:t>
+            </a:r>
+          </a:p>
+          <a:p>
+            <a:pPr marL="342900" lvl="0" indent="-342900">
+              <a:lnSpc>
+                <a:spcPct val="115000"/>
+              </a:lnSpc>
+              <a:spcAft>
+                <a:spcPts val="1000"/>
+              </a:spcAft>
+              <a:buFont typeface="Times New Roman" panose="02020603050405020304" pitchFamily="18" charset="0"/>
+              <a:buChar char="-"/>
+            </a:pPr>
+            <a:r>
+              <a:rPr lang="en-US" sz="1800">
+                <a:effectLst/>
+                <a:latin typeface="Times New Roman" panose="02020603050405020304" pitchFamily="18" charset="0"/>
+                <a:ea typeface="Calibri" panose="020F0502020204030204" pitchFamily="34" charset="0"/>
+              </a:rPr>
+              <a:t>Nếu thành công sẽ lưu lại thông tin của người dùng vào cơ sở dữ liệu.</a:t>
+            </a:r>
+          </a:p>
+          <a:p>
+            <a:endParaRPr lang="en-US"/>
+          </a:p>
+        </p:txBody>
+      </p:sp>
+      <p:sp>
+        <p:nvSpPr>
+          <p:cNvPr id="4" name="Slide Number Placeholder 3"/>
+          <p:cNvSpPr>
+            <a:spLocks noGrp="1"/>
+          </p:cNvSpPr>
+          <p:nvPr>
+            <p:ph type="sldNum" sz="quarter" idx="5"/>
+          </p:nvPr>
+        </p:nvSpPr>
+        <p:spPr/>
+        <p:txBody>
+          <a:bodyPr/>
+          <a:lstStyle/>
+          <a:p>
+            <a:fld id="{166BE8A9-1332-43C3-9C65-C26D4AF875E6}" type="slidenum">
+              <a:rPr lang="en-US" smtClean="0"/>
+              <a:t>9</a:t>
+            </a:fld>
+            <a:endParaRPr lang="en-US"/>
+          </a:p>
+        </p:txBody>
+      </p:sp>
+    </p:spTree>
+    <p:extLst>
+      <p:ext uri="{BB962C8B-B14F-4D97-AF65-F5344CB8AC3E}">
+        <p14:creationId xmlns:p14="http://schemas.microsoft.com/office/powerpoint/2010/main" val="212175815"/>
+      </p:ext>
+    </p:extLst>
+  </p:cSld>
+  <p:clrMapOvr>
+    <a:masterClrMapping/>
+  </p:clrMapOvr>
+</p:notes>
+</file>
+
+<file path=ppt/notesSlides/notesSlide7.xml><?xml version="1.0" encoding="utf-8"?>
+<p:notes xmlns:a="http://schemas.openxmlformats.org/drawingml/2006/main" xmlns:r="http://schemas.openxmlformats.org/officeDocument/2006/relationships" xmlns:p="http://schemas.openxmlformats.org/presentationml/2006/main">
+  <p:cSld>
+    <p:spTree>
+      <p:nvGrpSpPr>
+        <p:cNvPr id="1" name=""/>
+        <p:cNvGrpSpPr/>
+        <p:nvPr/>
+      </p:nvGrpSpPr>
+      <p:grpSpPr>
+        <a:xfrm>
+          <a:off x="0" y="0"/>
+          <a:ext cx="0" cy="0"/>
+          <a:chOff x="0" y="0"/>
+          <a:chExt cx="0" cy="0"/>
+        </a:xfrm>
+      </p:grpSpPr>
+      <p:sp>
+        <p:nvSpPr>
+          <p:cNvPr id="2" name="Slide Image Placeholder 1"/>
+          <p:cNvSpPr>
+            <a:spLocks noGrp="1" noRot="1" noChangeAspect="1"/>
+          </p:cNvSpPr>
+          <p:nvPr>
+            <p:ph type="sldImg"/>
+          </p:nvPr>
+        </p:nvSpPr>
+        <p:spPr/>
+      </p:sp>
+      <p:sp>
+        <p:nvSpPr>
+          <p:cNvPr id="3" name="Notes Placeholder 2"/>
+          <p:cNvSpPr>
+            <a:spLocks noGrp="1"/>
+          </p:cNvSpPr>
+          <p:nvPr>
+            <p:ph type="body" idx="1"/>
+          </p:nvPr>
+        </p:nvSpPr>
+        <p:spPr/>
+        <p:txBody>
+          <a:bodyPr/>
+          <a:lstStyle/>
+          <a:p>
+            <a:pPr marL="914400">
+              <a:lnSpc>
+                <a:spcPct val="115000"/>
+              </a:lnSpc>
+              <a:spcAft>
+                <a:spcPts val="1000"/>
+              </a:spcAft>
+            </a:pPr>
+            <a:r>
+              <a:rPr lang="en-US" sz="1800">
+                <a:effectLst/>
+                <a:latin typeface="Times New Roman" panose="02020603050405020304" pitchFamily="18" charset="0"/>
+                <a:ea typeface="Calibri" panose="020F0502020204030204" pitchFamily="34" charset="0"/>
+              </a:rPr>
+              <a:t>Dòng sự kiện chính</a:t>
+            </a:r>
+          </a:p>
+          <a:p>
+            <a:pPr marL="342900" lvl="0" indent="-342900">
+              <a:lnSpc>
+                <a:spcPct val="115000"/>
+              </a:lnSpc>
+              <a:buFont typeface="Times New Roman" panose="02020603050405020304" pitchFamily="18" charset="0"/>
+              <a:buChar char="-"/>
+            </a:pPr>
+            <a:r>
+              <a:rPr lang="en-US" sz="1800">
+                <a:effectLst/>
+                <a:latin typeface="Times New Roman" panose="02020603050405020304" pitchFamily="18" charset="0"/>
+                <a:ea typeface="Calibri" panose="020F0502020204030204" pitchFamily="34" charset="0"/>
+              </a:rPr>
+              <a:t>Người dùng chọn vào bài học theo lộ trình đã được xây dựng sẵn.</a:t>
+            </a:r>
+          </a:p>
+          <a:p>
+            <a:pPr marL="342900" lvl="0" indent="-342900">
+              <a:lnSpc>
+                <a:spcPct val="115000"/>
+              </a:lnSpc>
+              <a:buFont typeface="Times New Roman" panose="02020603050405020304" pitchFamily="18" charset="0"/>
+              <a:buChar char="-"/>
+            </a:pPr>
+            <a:r>
+              <a:rPr lang="en-US" sz="1800">
+                <a:effectLst/>
+                <a:latin typeface="Times New Roman" panose="02020603050405020304" pitchFamily="18" charset="0"/>
+                <a:ea typeface="Calibri" panose="020F0502020204030204" pitchFamily="34" charset="0"/>
+              </a:rPr>
+              <a:t>Người dùng học bài học.</a:t>
+            </a:r>
+          </a:p>
+          <a:p>
+            <a:pPr marL="342900" lvl="0" indent="-342900">
+              <a:lnSpc>
+                <a:spcPct val="115000"/>
+              </a:lnSpc>
+              <a:buFont typeface="Times New Roman" panose="02020603050405020304" pitchFamily="18" charset="0"/>
+              <a:buChar char="-"/>
+            </a:pPr>
+            <a:r>
+              <a:rPr lang="en-US" sz="1800">
+                <a:effectLst/>
+                <a:latin typeface="Times New Roman" panose="02020603050405020304" pitchFamily="18" charset="0"/>
+                <a:ea typeface="Calibri" panose="020F0502020204030204" pitchFamily="34" charset="0"/>
+              </a:rPr>
+              <a:t>Người dùng làm bài kiểm tra kết thúc bài học.</a:t>
+            </a:r>
+          </a:p>
+          <a:p>
+            <a:pPr marL="342900" lvl="0" indent="-342900">
+              <a:lnSpc>
+                <a:spcPct val="115000"/>
+              </a:lnSpc>
+              <a:buFont typeface="Times New Roman" panose="02020603050405020304" pitchFamily="18" charset="0"/>
+              <a:buChar char="-"/>
+            </a:pPr>
+            <a:r>
+              <a:rPr lang="en-US" sz="1800">
+                <a:effectLst/>
+                <a:latin typeface="Times New Roman" panose="02020603050405020304" pitchFamily="18" charset="0"/>
+                <a:ea typeface="Calibri" panose="020F0502020204030204" pitchFamily="34" charset="0"/>
+              </a:rPr>
+              <a:t>Người dùng hoàn thành bài học nếu không phạm quá 3 lỗi trong bài kiểm tra. </a:t>
+            </a:r>
+          </a:p>
+          <a:p>
+            <a:pPr marL="342900" lvl="0" indent="-342900">
+              <a:lnSpc>
+                <a:spcPct val="115000"/>
+              </a:lnSpc>
+              <a:spcAft>
+                <a:spcPts val="1000"/>
+              </a:spcAft>
+              <a:buFont typeface="Times New Roman" panose="02020603050405020304" pitchFamily="18" charset="0"/>
+              <a:buChar char="-"/>
+            </a:pPr>
+            <a:r>
+              <a:rPr lang="en-US" sz="1800">
+                <a:effectLst/>
+                <a:latin typeface="Times New Roman" panose="02020603050405020304" pitchFamily="18" charset="0"/>
+                <a:ea typeface="Calibri" panose="020F0502020204030204" pitchFamily="34" charset="0"/>
+              </a:rPr>
+              <a:t>Người dùng hoàn thành bài học và qua bài học mới.</a:t>
+            </a:r>
+          </a:p>
+          <a:p>
+            <a:pPr marL="914400">
+              <a:lnSpc>
+                <a:spcPct val="115000"/>
+              </a:lnSpc>
+              <a:spcAft>
+                <a:spcPts val="1000"/>
+              </a:spcAft>
+            </a:pPr>
+            <a:r>
+              <a:rPr lang="en-US" sz="1800">
+                <a:effectLst/>
+                <a:latin typeface="Times New Roman" panose="02020603050405020304" pitchFamily="18" charset="0"/>
+                <a:ea typeface="Calibri" panose="020F0502020204030204" pitchFamily="34" charset="0"/>
+              </a:rPr>
+              <a:t>Dòng sự kiện phụ</a:t>
+            </a:r>
+          </a:p>
+          <a:p>
+            <a:pPr marL="342900" lvl="0" indent="-342900">
+              <a:lnSpc>
+                <a:spcPct val="115000"/>
+              </a:lnSpc>
+              <a:buFont typeface="Times New Roman" panose="02020603050405020304" pitchFamily="18" charset="0"/>
+              <a:buChar char="-"/>
+            </a:pPr>
+            <a:r>
+              <a:rPr lang="en-US" sz="1800">
+                <a:effectLst/>
+                <a:latin typeface="Times New Roman" panose="02020603050405020304" pitchFamily="18" charset="0"/>
+                <a:ea typeface="Calibri" panose="020F0502020204030204" pitchFamily="34" charset="0"/>
+              </a:rPr>
+              <a:t>Người dùng học lại bài học đã học.</a:t>
+            </a:r>
+          </a:p>
+          <a:p>
+            <a:pPr marL="342900" lvl="0" indent="-342900">
+              <a:lnSpc>
+                <a:spcPct val="115000"/>
+              </a:lnSpc>
+              <a:spcAft>
+                <a:spcPts val="1000"/>
+              </a:spcAft>
+              <a:buFont typeface="Times New Roman" panose="02020603050405020304" pitchFamily="18" charset="0"/>
+              <a:buChar char="-"/>
+            </a:pPr>
+            <a:r>
+              <a:rPr lang="en-US" sz="1800">
+                <a:effectLst/>
+                <a:latin typeface="Times New Roman" panose="02020603050405020304" pitchFamily="18" charset="0"/>
+                <a:ea typeface="Calibri" panose="020F0502020204030204" pitchFamily="34" charset="0"/>
+              </a:rPr>
+              <a:t>Quay lại dòng sự kiện chính.</a:t>
+            </a:r>
+          </a:p>
+          <a:p>
+            <a:pPr marL="914400">
+              <a:lnSpc>
+                <a:spcPct val="115000"/>
+              </a:lnSpc>
+              <a:spcAft>
+                <a:spcPts val="1000"/>
+              </a:spcAft>
+            </a:pPr>
+            <a:r>
+              <a:rPr lang="en-US" sz="1800">
+                <a:effectLst/>
+                <a:latin typeface="Times New Roman" panose="02020603050405020304" pitchFamily="18" charset="0"/>
+                <a:ea typeface="Calibri" panose="020F0502020204030204" pitchFamily="34" charset="0"/>
+              </a:rPr>
+              <a:t>Sự kiện ngoại lệ</a:t>
+            </a:r>
+          </a:p>
+          <a:p>
+            <a:pPr marL="914400">
+              <a:lnSpc>
+                <a:spcPct val="115000"/>
+              </a:lnSpc>
+              <a:spcAft>
+                <a:spcPts val="1000"/>
+              </a:spcAft>
+            </a:pPr>
+            <a:r>
+              <a:rPr lang="en-US" sz="1800">
+                <a:effectLst/>
+                <a:latin typeface="Times New Roman" panose="02020603050405020304" pitchFamily="18" charset="0"/>
+                <a:ea typeface="Calibri" panose="020F0502020204030204" pitchFamily="34" charset="0"/>
+              </a:rPr>
+              <a:t>[ Người dùng thoát ra trong lúc học ]</a:t>
+            </a:r>
+          </a:p>
+          <a:p>
+            <a:pPr marL="342900" lvl="0" indent="-342900">
+              <a:lnSpc>
+                <a:spcPct val="115000"/>
+              </a:lnSpc>
+              <a:buFont typeface="Times New Roman" panose="02020603050405020304" pitchFamily="18" charset="0"/>
+              <a:buChar char="-"/>
+            </a:pPr>
+            <a:r>
+              <a:rPr lang="en-US" sz="1800">
+                <a:effectLst/>
+                <a:latin typeface="Times New Roman" panose="02020603050405020304" pitchFamily="18" charset="0"/>
+                <a:ea typeface="Calibri" panose="020F0502020204030204" pitchFamily="34" charset="0"/>
+              </a:rPr>
+              <a:t>Bài học sẽ không được hoàn thành.</a:t>
+            </a:r>
+          </a:p>
+          <a:p>
+            <a:pPr marL="342900" lvl="0" indent="-342900">
+              <a:lnSpc>
+                <a:spcPct val="115000"/>
+              </a:lnSpc>
+              <a:spcAft>
+                <a:spcPts val="1000"/>
+              </a:spcAft>
+              <a:buFont typeface="Times New Roman" panose="02020603050405020304" pitchFamily="18" charset="0"/>
+              <a:buChar char="-"/>
+            </a:pPr>
+            <a:r>
+              <a:rPr lang="en-US" sz="1800">
+                <a:effectLst/>
+                <a:latin typeface="Times New Roman" panose="02020603050405020304" pitchFamily="18" charset="0"/>
+                <a:ea typeface="Calibri" panose="020F0502020204030204" pitchFamily="34" charset="0"/>
+              </a:rPr>
+              <a:t>Hệ thống không lưu kết quả vào cơ sở dữ liệu.</a:t>
+            </a:r>
+          </a:p>
+          <a:p>
+            <a:pPr marL="914400">
+              <a:lnSpc>
+                <a:spcPct val="115000"/>
+              </a:lnSpc>
+              <a:spcAft>
+                <a:spcPts val="1000"/>
+              </a:spcAft>
+            </a:pPr>
+            <a:r>
+              <a:rPr lang="en-US" sz="1800">
+                <a:effectLst/>
+                <a:latin typeface="Times New Roman" panose="02020603050405020304" pitchFamily="18" charset="0"/>
+                <a:ea typeface="Calibri" panose="020F0502020204030204" pitchFamily="34" charset="0"/>
+              </a:rPr>
+              <a:t>[ Người dùng phạm quá 3 lỗi trong khi làm bài kiểm tra ]</a:t>
+            </a:r>
+          </a:p>
+          <a:p>
+            <a:pPr marL="342900" lvl="0" indent="-342900">
+              <a:lnSpc>
+                <a:spcPct val="115000"/>
+              </a:lnSpc>
+              <a:buFont typeface="Times New Roman" panose="02020603050405020304" pitchFamily="18" charset="0"/>
+              <a:buChar char="-"/>
+            </a:pPr>
+            <a:r>
+              <a:rPr lang="en-US" sz="1800">
+                <a:effectLst/>
+                <a:latin typeface="Times New Roman" panose="02020603050405020304" pitchFamily="18" charset="0"/>
+                <a:ea typeface="Calibri" panose="020F0502020204030204" pitchFamily="34" charset="0"/>
+              </a:rPr>
+              <a:t>Bài học sẽ không được lưu vào hệ thống.</a:t>
+            </a:r>
+          </a:p>
+          <a:p>
+            <a:pPr marL="342900" lvl="0" indent="-342900">
+              <a:lnSpc>
+                <a:spcPct val="115000"/>
+              </a:lnSpc>
+              <a:buFont typeface="Times New Roman" panose="02020603050405020304" pitchFamily="18" charset="0"/>
+              <a:buChar char="-"/>
+            </a:pPr>
+            <a:r>
+              <a:rPr lang="en-US" sz="1800">
+                <a:effectLst/>
+                <a:latin typeface="Times New Roman" panose="02020603050405020304" pitchFamily="18" charset="0"/>
+                <a:ea typeface="Calibri" panose="020F0502020204030204" pitchFamily="34" charset="0"/>
+              </a:rPr>
+              <a:t>Người dùng phải học lại bài học.</a:t>
+            </a:r>
+          </a:p>
+          <a:p>
+            <a:pPr marL="342900" lvl="0" indent="-342900">
+              <a:lnSpc>
+                <a:spcPct val="115000"/>
+              </a:lnSpc>
+              <a:spcAft>
+                <a:spcPts val="1000"/>
+              </a:spcAft>
+              <a:buFont typeface="Times New Roman" panose="02020603050405020304" pitchFamily="18" charset="0"/>
+              <a:buChar char="-"/>
+            </a:pPr>
+            <a:r>
+              <a:rPr lang="en-US" sz="1800">
+                <a:effectLst/>
+                <a:latin typeface="Times New Roman" panose="02020603050405020304" pitchFamily="18" charset="0"/>
+                <a:ea typeface="Calibri" panose="020F0502020204030204" pitchFamily="34" charset="0"/>
+              </a:rPr>
+              <a:t>Quay lại dòng sự kiện chính.</a:t>
+            </a:r>
+          </a:p>
+          <a:p>
+            <a:endParaRPr lang="en-US"/>
+          </a:p>
+        </p:txBody>
+      </p:sp>
+      <p:sp>
+        <p:nvSpPr>
+          <p:cNvPr id="4" name="Slide Number Placeholder 3"/>
+          <p:cNvSpPr>
+            <a:spLocks noGrp="1"/>
+          </p:cNvSpPr>
+          <p:nvPr>
+            <p:ph type="sldNum" sz="quarter" idx="5"/>
+          </p:nvPr>
+        </p:nvSpPr>
+        <p:spPr/>
+        <p:txBody>
+          <a:bodyPr/>
+          <a:lstStyle/>
+          <a:p>
+            <a:fld id="{166BE8A9-1332-43C3-9C65-C26D4AF875E6}" type="slidenum">
+              <a:rPr lang="en-US" smtClean="0"/>
+              <a:t>10</a:t>
+            </a:fld>
+            <a:endParaRPr lang="en-US"/>
+          </a:p>
+        </p:txBody>
+      </p:sp>
+    </p:spTree>
+    <p:extLst>
+      <p:ext uri="{BB962C8B-B14F-4D97-AF65-F5344CB8AC3E}">
+        <p14:creationId xmlns:p14="http://schemas.microsoft.com/office/powerpoint/2010/main" val="738213598"/>
       </p:ext>
     </p:extLst>
   </p:cSld>
@@ -1163,7 +6473,7 @@
           <a:p>
             <a:fld id="{63A1C593-65D0-4073-BCC9-577B9352EA97}" type="datetimeFigureOut">
               <a:rPr lang="en-US" smtClean="0"/>
-              <a:t>4/11/2021</a:t>
+              <a:t>5/6/2021</a:t>
             </a:fld>
             <a:endParaRPr lang="en-US"/>
           </a:p>
@@ -1459,7 +6769,7 @@
           <a:p>
             <a:fld id="{63A1C593-65D0-4073-BCC9-577B9352EA97}" type="datetimeFigureOut">
               <a:rPr lang="en-US" smtClean="0"/>
-              <a:t>4/11/2021</a:t>
+              <a:t>5/6/2021</a:t>
             </a:fld>
             <a:endParaRPr lang="en-US"/>
           </a:p>
@@ -1707,7 +7017,7 @@
           <a:p>
             <a:fld id="{63A1C593-65D0-4073-BCC9-577B9352EA97}" type="datetimeFigureOut">
               <a:rPr lang="en-US" smtClean="0"/>
-              <a:t>4/11/2021</a:t>
+              <a:t>5/6/2021</a:t>
             </a:fld>
             <a:endParaRPr lang="en-US"/>
           </a:p>
@@ -2247,7 +7557,7 @@
           <a:p>
             <a:fld id="{63A1C593-65D0-4073-BCC9-577B9352EA97}" type="datetimeFigureOut">
               <a:rPr lang="en-US" smtClean="0"/>
-              <a:t>4/11/2021</a:t>
+              <a:t>5/6/2021</a:t>
             </a:fld>
             <a:endParaRPr lang="en-US"/>
           </a:p>
@@ -2495,7 +7805,7 @@
           <a:p>
             <a:fld id="{63A1C593-65D0-4073-BCC9-577B9352EA97}" type="datetimeFigureOut">
               <a:rPr lang="en-US" smtClean="0"/>
-              <a:t>4/11/2021</a:t>
+              <a:t>5/6/2021</a:t>
             </a:fld>
             <a:endParaRPr lang="en-US"/>
           </a:p>
@@ -3027,7 +8337,7 @@
           <a:p>
             <a:fld id="{63A1C593-65D0-4073-BCC9-577B9352EA97}" type="datetimeFigureOut">
               <a:rPr lang="en-US" smtClean="0"/>
-              <a:t>4/11/2021</a:t>
+              <a:t>5/6/2021</a:t>
             </a:fld>
             <a:endParaRPr lang="en-US"/>
           </a:p>
@@ -3324,7 +8634,7 @@
           <a:p>
             <a:fld id="{63A1C593-65D0-4073-BCC9-577B9352EA97}" type="datetimeFigureOut">
               <a:rPr lang="en-US" smtClean="0"/>
-              <a:t>4/11/2021</a:t>
+              <a:t>5/6/2021</a:t>
             </a:fld>
             <a:endParaRPr lang="en-US"/>
           </a:p>
@@ -3498,7 +8808,7 @@
           <a:p>
             <a:fld id="{63A1C593-65D0-4073-BCC9-577B9352EA97}" type="datetimeFigureOut">
               <a:rPr lang="en-US" smtClean="0"/>
-              <a:t>4/11/2021</a:t>
+              <a:t>5/6/2021</a:t>
             </a:fld>
             <a:endParaRPr lang="en-US"/>
           </a:p>
@@ -3678,7 +8988,7 @@
           <a:p>
             <a:fld id="{63A1C593-65D0-4073-BCC9-577B9352EA97}" type="datetimeFigureOut">
               <a:rPr lang="en-US" smtClean="0"/>
-              <a:t>4/11/2021</a:t>
+              <a:t>5/6/2021</a:t>
             </a:fld>
             <a:endParaRPr lang="en-US"/>
           </a:p>
@@ -3848,7 +9158,7 @@
           <a:p>
             <a:fld id="{63A1C593-65D0-4073-BCC9-577B9352EA97}" type="datetimeFigureOut">
               <a:rPr lang="en-US" smtClean="0"/>
-              <a:t>4/11/2021</a:t>
+              <a:t>5/6/2021</a:t>
             </a:fld>
             <a:endParaRPr lang="en-US"/>
           </a:p>
@@ -4099,7 +9409,7 @@
           <a:p>
             <a:fld id="{63A1C593-65D0-4073-BCC9-577B9352EA97}" type="datetimeFigureOut">
               <a:rPr lang="en-US" smtClean="0"/>
-              <a:t>4/11/2021</a:t>
+              <a:t>5/6/2021</a:t>
             </a:fld>
             <a:endParaRPr lang="en-US"/>
           </a:p>
@@ -4396,7 +9706,7 @@
           <a:p>
             <a:fld id="{63A1C593-65D0-4073-BCC9-577B9352EA97}" type="datetimeFigureOut">
               <a:rPr lang="en-US" smtClean="0"/>
-              <a:t>4/11/2021</a:t>
+              <a:t>5/6/2021</a:t>
             </a:fld>
             <a:endParaRPr lang="en-US"/>
           </a:p>
@@ -4838,7 +10148,7 @@
           <a:p>
             <a:fld id="{63A1C593-65D0-4073-BCC9-577B9352EA97}" type="datetimeFigureOut">
               <a:rPr lang="en-US" smtClean="0"/>
-              <a:t>4/11/2021</a:t>
+              <a:t>5/6/2021</a:t>
             </a:fld>
             <a:endParaRPr lang="en-US"/>
           </a:p>
@@ -4956,7 +10266,7 @@
           <a:p>
             <a:fld id="{63A1C593-65D0-4073-BCC9-577B9352EA97}" type="datetimeFigureOut">
               <a:rPr lang="en-US" smtClean="0"/>
-              <a:t>4/11/2021</a:t>
+              <a:t>5/6/2021</a:t>
             </a:fld>
             <a:endParaRPr lang="en-US"/>
           </a:p>
@@ -5051,7 +10361,7 @@
           <a:p>
             <a:fld id="{63A1C593-65D0-4073-BCC9-577B9352EA97}" type="datetimeFigureOut">
               <a:rPr lang="en-US" smtClean="0"/>
-              <a:t>4/11/2021</a:t>
+              <a:t>5/6/2021</a:t>
             </a:fld>
             <a:endParaRPr lang="en-US"/>
           </a:p>
@@ -5334,7 +10644,7 @@
           <a:p>
             <a:fld id="{63A1C593-65D0-4073-BCC9-577B9352EA97}" type="datetimeFigureOut">
               <a:rPr lang="en-US" smtClean="0"/>
-              <a:t>4/11/2021</a:t>
+              <a:t>5/6/2021</a:t>
             </a:fld>
             <a:endParaRPr lang="en-US"/>
           </a:p>
@@ -5625,7 +10935,7 @@
           <a:p>
             <a:fld id="{63A1C593-65D0-4073-BCC9-577B9352EA97}" type="datetimeFigureOut">
               <a:rPr lang="en-US" smtClean="0"/>
-              <a:t>4/11/2021</a:t>
+              <a:t>5/6/2021</a:t>
             </a:fld>
             <a:endParaRPr lang="en-US"/>
           </a:p>
@@ -6155,7 +11465,7 @@
           <a:p>
             <a:fld id="{63A1C593-65D0-4073-BCC9-577B9352EA97}" type="datetimeFigureOut">
               <a:rPr lang="en-US" smtClean="0"/>
-              <a:t>4/11/2021</a:t>
+              <a:t>5/6/2021</a:t>
             </a:fld>
             <a:endParaRPr lang="en-US"/>
           </a:p>
@@ -6715,11 +12025,18 @@
           <a:lstStyle/>
           <a:p>
             <a:r>
+              <a:rPr lang="en-US" sz="4000" b="1" dirty="0" err="1">
+                <a:latin typeface="Arial" panose="020B0604020202020204" pitchFamily="34" charset="0"/>
+                <a:cs typeface="Arial" panose="020B0604020202020204" pitchFamily="34" charset="0"/>
+              </a:rPr>
+              <a:t>Nhập</a:t>
+            </a:r>
+            <a:r>
               <a:rPr lang="en-US" sz="4000" b="1">
                 <a:latin typeface="Arial" panose="020B0604020202020204" pitchFamily="34" charset="0"/>
                 <a:cs typeface="Arial" panose="020B0604020202020204" pitchFamily="34" charset="0"/>
               </a:rPr>
-              <a:t>Nhập môn công nghệ phần mềm</a:t>
+              <a:t> môn công nghệ phần mềm</a:t>
             </a:r>
           </a:p>
         </p:txBody>
@@ -6863,6 +12180,564 @@
     <p:extLst>
       <p:ext uri="{BB962C8B-B14F-4D97-AF65-F5344CB8AC3E}">
         <p14:creationId xmlns:p14="http://schemas.microsoft.com/office/powerpoint/2010/main" val="3072013332"/>
+      </p:ext>
+    </p:extLst>
+  </p:cSld>
+  <p:clrMapOvr>
+    <a:masterClrMapping/>
+  </p:clrMapOvr>
+</p:sld>
+</file>
+
+<file path=ppt/slides/slide10.xml><?xml version="1.0" encoding="utf-8"?>
+<p:sld xmlns:a="http://schemas.openxmlformats.org/drawingml/2006/main" xmlns:r="http://schemas.openxmlformats.org/officeDocument/2006/relationships" xmlns:p="http://schemas.openxmlformats.org/presentationml/2006/main">
+  <p:cSld>
+    <p:spTree>
+      <p:nvGrpSpPr>
+        <p:cNvPr id="1" name=""/>
+        <p:cNvGrpSpPr/>
+        <p:nvPr/>
+      </p:nvGrpSpPr>
+      <p:grpSpPr>
+        <a:xfrm>
+          <a:off x="0" y="0"/>
+          <a:ext cx="0" cy="0"/>
+          <a:chOff x="0" y="0"/>
+          <a:chExt cx="0" cy="0"/>
+        </a:xfrm>
+      </p:grpSpPr>
+      <p:sp>
+        <p:nvSpPr>
+          <p:cNvPr id="2" name="Title 1">
+            <a:extLst>
+              <a:ext uri="{FF2B5EF4-FFF2-40B4-BE49-F238E27FC236}">
+                <a16:creationId xmlns:a16="http://schemas.microsoft.com/office/drawing/2014/main" id="{226B3B11-2069-4E0E-9B54-5D1611C6CEB5}"/>
+              </a:ext>
+            </a:extLst>
+          </p:cNvPr>
+          <p:cNvSpPr>
+            <a:spLocks noGrp="1"/>
+          </p:cNvSpPr>
+          <p:nvPr>
+            <p:ph type="title"/>
+          </p:nvPr>
+        </p:nvSpPr>
+        <p:spPr>
+          <a:xfrm>
+            <a:off x="1511186" y="10886"/>
+            <a:ext cx="10018713" cy="1752599"/>
+          </a:xfrm>
+        </p:spPr>
+        <p:txBody>
+          <a:bodyPr/>
+          <a:lstStyle/>
+          <a:p>
+            <a:pPr algn="l"/>
+            <a:r>
+              <a:rPr lang="en-US"/>
+              <a:t>Học bài học</a:t>
+            </a:r>
+          </a:p>
+        </p:txBody>
+      </p:sp>
+      <p:graphicFrame>
+        <p:nvGraphicFramePr>
+          <p:cNvPr id="3" name="Table 2">
+            <a:extLst>
+              <a:ext uri="{FF2B5EF4-FFF2-40B4-BE49-F238E27FC236}">
+                <a16:creationId xmlns:a16="http://schemas.microsoft.com/office/drawing/2014/main" id="{03924BAB-FB87-4CC7-87BC-2F62E85F69BA}"/>
+              </a:ext>
+            </a:extLst>
+          </p:cNvPr>
+          <p:cNvGraphicFramePr>
+            <a:graphicFrameLocks noGrp="1"/>
+          </p:cNvGraphicFramePr>
+          <p:nvPr>
+            <p:extLst>
+              <p:ext uri="{D42A27DB-BD31-4B8C-83A1-F6EECF244321}">
+                <p14:modId xmlns:p14="http://schemas.microsoft.com/office/powerpoint/2010/main" val="2583770354"/>
+              </p:ext>
+            </p:extLst>
+          </p:nvPr>
+        </p:nvGraphicFramePr>
+        <p:xfrm>
+          <a:off x="2258786" y="1676400"/>
+          <a:ext cx="7674429" cy="4767945"/>
+        </p:xfrm>
+        <a:graphic>
+          <a:graphicData uri="http://schemas.openxmlformats.org/drawingml/2006/table">
+            <a:tbl>
+              <a:tblPr firstRow="1" firstCol="1" bandRow="1">
+                <a:tableStyleId>{5C22544A-7EE6-4342-B048-85BDC9FD1C3A}</a:tableStyleId>
+              </a:tblPr>
+              <a:tblGrid>
+                <a:gridCol w="2147264">
+                  <a:extLst>
+                    <a:ext uri="{9D8B030D-6E8A-4147-A177-3AD203B41FA5}">
+                      <a16:colId xmlns:a16="http://schemas.microsoft.com/office/drawing/2014/main" val="641265126"/>
+                    </a:ext>
+                  </a:extLst>
+                </a:gridCol>
+                <a:gridCol w="5527165">
+                  <a:extLst>
+                    <a:ext uri="{9D8B030D-6E8A-4147-A177-3AD203B41FA5}">
+                      <a16:colId xmlns:a16="http://schemas.microsoft.com/office/drawing/2014/main" val="2825853925"/>
+                    </a:ext>
+                  </a:extLst>
+                </a:gridCol>
+              </a:tblGrid>
+              <a:tr h="518139">
+                <a:tc>
+                  <a:txBody>
+                    <a:bodyPr/>
+                    <a:lstStyle/>
+                    <a:p>
+                      <a:pPr marL="457200">
+                        <a:lnSpc>
+                          <a:spcPct val="115000"/>
+                        </a:lnSpc>
+                        <a:spcAft>
+                          <a:spcPts val="1000"/>
+                        </a:spcAft>
+                      </a:pPr>
+                      <a:r>
+                        <a:rPr lang="en-US" sz="1200">
+                          <a:effectLst/>
+                        </a:rPr>
+                        <a:t>Tên</a:t>
+                      </a:r>
+                      <a:endParaRPr lang="en-US" sz="1800">
+                        <a:effectLst/>
+                        <a:latin typeface="Times New Roman" panose="02020603050405020304" pitchFamily="18" charset="0"/>
+                        <a:ea typeface="Calibri" panose="020F0502020204030204" pitchFamily="34" charset="0"/>
+                      </a:endParaRPr>
+                    </a:p>
+                  </a:txBody>
+                  <a:tcPr marL="68580" marR="68580" marT="0" marB="0"/>
+                </a:tc>
+                <a:tc>
+                  <a:txBody>
+                    <a:bodyPr/>
+                    <a:lstStyle/>
+                    <a:p>
+                      <a:pPr marL="457200">
+                        <a:lnSpc>
+                          <a:spcPct val="115000"/>
+                        </a:lnSpc>
+                        <a:spcAft>
+                          <a:spcPts val="1000"/>
+                        </a:spcAft>
+                      </a:pPr>
+                      <a:r>
+                        <a:rPr lang="en-US" sz="1200">
+                          <a:effectLst/>
+                        </a:rPr>
+                        <a:t>Học bài học</a:t>
+                      </a:r>
+                      <a:endParaRPr lang="en-US" sz="1800">
+                        <a:effectLst/>
+                        <a:latin typeface="Times New Roman" panose="02020603050405020304" pitchFamily="18" charset="0"/>
+                        <a:ea typeface="Calibri" panose="020F0502020204030204" pitchFamily="34" charset="0"/>
+                      </a:endParaRPr>
+                    </a:p>
+                  </a:txBody>
+                  <a:tcPr marL="68580" marR="68580" marT="0" marB="0"/>
+                </a:tc>
+                <a:extLst>
+                  <a:ext uri="{0D108BD9-81ED-4DB2-BD59-A6C34878D82A}">
+                    <a16:rowId xmlns:a16="http://schemas.microsoft.com/office/drawing/2014/main" val="4234619729"/>
+                  </a:ext>
+                </a:extLst>
+              </a:tr>
+              <a:tr h="518139">
+                <a:tc>
+                  <a:txBody>
+                    <a:bodyPr/>
+                    <a:lstStyle/>
+                    <a:p>
+                      <a:pPr marL="457200">
+                        <a:lnSpc>
+                          <a:spcPct val="115000"/>
+                        </a:lnSpc>
+                        <a:spcAft>
+                          <a:spcPts val="1000"/>
+                        </a:spcAft>
+                      </a:pPr>
+                      <a:r>
+                        <a:rPr lang="en-US" sz="1200">
+                          <a:effectLst/>
+                        </a:rPr>
+                        <a:t>Actors</a:t>
+                      </a:r>
+                      <a:endParaRPr lang="en-US" sz="1800">
+                        <a:effectLst/>
+                        <a:latin typeface="Times New Roman" panose="02020603050405020304" pitchFamily="18" charset="0"/>
+                        <a:ea typeface="Calibri" panose="020F0502020204030204" pitchFamily="34" charset="0"/>
+                      </a:endParaRPr>
+                    </a:p>
+                  </a:txBody>
+                  <a:tcPr marL="68580" marR="68580" marT="0" marB="0"/>
+                </a:tc>
+                <a:tc>
+                  <a:txBody>
+                    <a:bodyPr/>
+                    <a:lstStyle/>
+                    <a:p>
+                      <a:pPr marL="457200">
+                        <a:lnSpc>
+                          <a:spcPct val="115000"/>
+                        </a:lnSpc>
+                        <a:spcAft>
+                          <a:spcPts val="1000"/>
+                        </a:spcAft>
+                      </a:pPr>
+                      <a:r>
+                        <a:rPr lang="en-US" sz="1200">
+                          <a:effectLst/>
+                        </a:rPr>
+                        <a:t>Người dùng</a:t>
+                      </a:r>
+                      <a:endParaRPr lang="en-US" sz="1800">
+                        <a:effectLst/>
+                        <a:latin typeface="Times New Roman" panose="02020603050405020304" pitchFamily="18" charset="0"/>
+                        <a:ea typeface="Calibri" panose="020F0502020204030204" pitchFamily="34" charset="0"/>
+                      </a:endParaRPr>
+                    </a:p>
+                  </a:txBody>
+                  <a:tcPr marL="68580" marR="68580" marT="0" marB="0"/>
+                </a:tc>
+                <a:extLst>
+                  <a:ext uri="{0D108BD9-81ED-4DB2-BD59-A6C34878D82A}">
+                    <a16:rowId xmlns:a16="http://schemas.microsoft.com/office/drawing/2014/main" val="2447354973"/>
+                  </a:ext>
+                </a:extLst>
+              </a:tr>
+              <a:tr h="518139">
+                <a:tc>
+                  <a:txBody>
+                    <a:bodyPr/>
+                    <a:lstStyle/>
+                    <a:p>
+                      <a:pPr marL="457200">
+                        <a:lnSpc>
+                          <a:spcPct val="115000"/>
+                        </a:lnSpc>
+                        <a:spcAft>
+                          <a:spcPts val="1000"/>
+                        </a:spcAft>
+                      </a:pPr>
+                      <a:r>
+                        <a:rPr lang="en-US" sz="1200">
+                          <a:effectLst/>
+                        </a:rPr>
+                        <a:t>Tóm tắt</a:t>
+                      </a:r>
+                      <a:endParaRPr lang="en-US" sz="1800">
+                        <a:effectLst/>
+                        <a:latin typeface="Times New Roman" panose="02020603050405020304" pitchFamily="18" charset="0"/>
+                        <a:ea typeface="Calibri" panose="020F0502020204030204" pitchFamily="34" charset="0"/>
+                      </a:endParaRPr>
+                    </a:p>
+                  </a:txBody>
+                  <a:tcPr marL="68580" marR="68580" marT="0" marB="0"/>
+                </a:tc>
+                <a:tc>
+                  <a:txBody>
+                    <a:bodyPr/>
+                    <a:lstStyle/>
+                    <a:p>
+                      <a:pPr marL="457200">
+                        <a:lnSpc>
+                          <a:spcPct val="115000"/>
+                        </a:lnSpc>
+                        <a:spcAft>
+                          <a:spcPts val="1000"/>
+                        </a:spcAft>
+                      </a:pPr>
+                      <a:r>
+                        <a:rPr lang="en-US" sz="1200">
+                          <a:effectLst/>
+                        </a:rPr>
+                        <a:t>Người dùng tham gia vào học của mình</a:t>
+                      </a:r>
+                      <a:endParaRPr lang="en-US" sz="1800">
+                        <a:effectLst/>
+                        <a:latin typeface="Times New Roman" panose="02020603050405020304" pitchFamily="18" charset="0"/>
+                        <a:ea typeface="Calibri" panose="020F0502020204030204" pitchFamily="34" charset="0"/>
+                      </a:endParaRPr>
+                    </a:p>
+                  </a:txBody>
+                  <a:tcPr marL="68580" marR="68580" marT="0" marB="0"/>
+                </a:tc>
+                <a:extLst>
+                  <a:ext uri="{0D108BD9-81ED-4DB2-BD59-A6C34878D82A}">
+                    <a16:rowId xmlns:a16="http://schemas.microsoft.com/office/drawing/2014/main" val="3263370727"/>
+                  </a:ext>
+                </a:extLst>
+              </a:tr>
+              <a:tr h="1071176">
+                <a:tc>
+                  <a:txBody>
+                    <a:bodyPr/>
+                    <a:lstStyle/>
+                    <a:p>
+                      <a:pPr marL="457200">
+                        <a:lnSpc>
+                          <a:spcPct val="115000"/>
+                        </a:lnSpc>
+                        <a:spcAft>
+                          <a:spcPts val="1000"/>
+                        </a:spcAft>
+                      </a:pPr>
+                      <a:r>
+                        <a:rPr lang="en-US" sz="1200">
+                          <a:effectLst/>
+                        </a:rPr>
+                        <a:t>Điều kiện tiên quyết</a:t>
+                      </a:r>
+                      <a:endParaRPr lang="en-US" sz="1800">
+                        <a:effectLst/>
+                        <a:latin typeface="Times New Roman" panose="02020603050405020304" pitchFamily="18" charset="0"/>
+                        <a:ea typeface="Calibri" panose="020F0502020204030204" pitchFamily="34" charset="0"/>
+                      </a:endParaRPr>
+                    </a:p>
+                  </a:txBody>
+                  <a:tcPr marL="68580" marR="68580" marT="0" marB="0"/>
+                </a:tc>
+                <a:tc>
+                  <a:txBody>
+                    <a:bodyPr/>
+                    <a:lstStyle/>
+                    <a:p>
+                      <a:pPr marL="457200">
+                        <a:lnSpc>
+                          <a:spcPct val="115000"/>
+                        </a:lnSpc>
+                        <a:spcAft>
+                          <a:spcPts val="1000"/>
+                        </a:spcAft>
+                      </a:pPr>
+                      <a:r>
+                        <a:rPr lang="en-US" sz="1200">
+                          <a:effectLst/>
+                        </a:rPr>
+                        <a:t>Người dùng đăng nhập vào hệ thống.</a:t>
+                      </a:r>
+                      <a:endParaRPr lang="en-US" sz="1800">
+                        <a:effectLst/>
+                        <a:latin typeface="Times New Roman" panose="02020603050405020304" pitchFamily="18" charset="0"/>
+                        <a:ea typeface="Calibri" panose="020F0502020204030204" pitchFamily="34" charset="0"/>
+                      </a:endParaRPr>
+                    </a:p>
+                  </a:txBody>
+                  <a:tcPr marL="68580" marR="68580" marT="0" marB="0"/>
+                </a:tc>
+                <a:extLst>
+                  <a:ext uri="{0D108BD9-81ED-4DB2-BD59-A6C34878D82A}">
+                    <a16:rowId xmlns:a16="http://schemas.microsoft.com/office/drawing/2014/main" val="676806107"/>
+                  </a:ext>
+                </a:extLst>
+              </a:tr>
+              <a:tr h="1071176">
+                <a:tc>
+                  <a:txBody>
+                    <a:bodyPr/>
+                    <a:lstStyle/>
+                    <a:p>
+                      <a:pPr marL="457200">
+                        <a:lnSpc>
+                          <a:spcPct val="115000"/>
+                        </a:lnSpc>
+                        <a:spcAft>
+                          <a:spcPts val="1000"/>
+                        </a:spcAft>
+                      </a:pPr>
+                      <a:r>
+                        <a:rPr lang="en-US" sz="1200">
+                          <a:effectLst/>
+                        </a:rPr>
+                        <a:t>Sự kiện bắt đầu</a:t>
+                      </a:r>
+                      <a:endParaRPr lang="en-US" sz="1800">
+                        <a:effectLst/>
+                        <a:latin typeface="Times New Roman" panose="02020603050405020304" pitchFamily="18" charset="0"/>
+                        <a:ea typeface="Calibri" panose="020F0502020204030204" pitchFamily="34" charset="0"/>
+                      </a:endParaRPr>
+                    </a:p>
+                  </a:txBody>
+                  <a:tcPr marL="68580" marR="68580" marT="0" marB="0"/>
+                </a:tc>
+                <a:tc>
+                  <a:txBody>
+                    <a:bodyPr/>
+                    <a:lstStyle/>
+                    <a:p>
+                      <a:pPr marL="457200">
+                        <a:lnSpc>
+                          <a:spcPct val="115000"/>
+                        </a:lnSpc>
+                        <a:spcAft>
+                          <a:spcPts val="1000"/>
+                        </a:spcAft>
+                      </a:pPr>
+                      <a:r>
+                        <a:rPr lang="en-US" sz="1200">
+                          <a:effectLst/>
+                        </a:rPr>
+                        <a:t>Người dùng vào giao diện học, chọn bài học của mình theo lộ trình của hệ thống và bắt học.</a:t>
+                      </a:r>
+                      <a:endParaRPr lang="en-US" sz="1800">
+                        <a:effectLst/>
+                        <a:latin typeface="Times New Roman" panose="02020603050405020304" pitchFamily="18" charset="0"/>
+                        <a:ea typeface="Calibri" panose="020F0502020204030204" pitchFamily="34" charset="0"/>
+                      </a:endParaRPr>
+                    </a:p>
+                  </a:txBody>
+                  <a:tcPr marL="68580" marR="68580" marT="0" marB="0"/>
+                </a:tc>
+                <a:extLst>
+                  <a:ext uri="{0D108BD9-81ED-4DB2-BD59-A6C34878D82A}">
+                    <a16:rowId xmlns:a16="http://schemas.microsoft.com/office/drawing/2014/main" val="1865154138"/>
+                  </a:ext>
+                </a:extLst>
+              </a:tr>
+              <a:tr h="1071176">
+                <a:tc>
+                  <a:txBody>
+                    <a:bodyPr/>
+                    <a:lstStyle/>
+                    <a:p>
+                      <a:pPr marL="457200">
+                        <a:lnSpc>
+                          <a:spcPct val="115000"/>
+                        </a:lnSpc>
+                        <a:spcAft>
+                          <a:spcPts val="1000"/>
+                        </a:spcAft>
+                      </a:pPr>
+                      <a:r>
+                        <a:rPr lang="en-US" sz="1200">
+                          <a:effectLst/>
+                        </a:rPr>
+                        <a:t>Điều kiện kết thúc</a:t>
+                      </a:r>
+                      <a:endParaRPr lang="en-US" sz="1800">
+                        <a:effectLst/>
+                        <a:latin typeface="Times New Roman" panose="02020603050405020304" pitchFamily="18" charset="0"/>
+                        <a:ea typeface="Calibri" panose="020F0502020204030204" pitchFamily="34" charset="0"/>
+                      </a:endParaRPr>
+                    </a:p>
+                  </a:txBody>
+                  <a:tcPr marL="68580" marR="68580" marT="0" marB="0"/>
+                </a:tc>
+                <a:tc>
+                  <a:txBody>
+                    <a:bodyPr/>
+                    <a:lstStyle/>
+                    <a:p>
+                      <a:pPr marL="457200">
+                        <a:lnSpc>
+                          <a:spcPct val="115000"/>
+                        </a:lnSpc>
+                        <a:spcAft>
+                          <a:spcPts val="1000"/>
+                        </a:spcAft>
+                      </a:pPr>
+                      <a:r>
+                        <a:rPr lang="en-US" sz="1200">
+                          <a:effectLst/>
+                        </a:rPr>
+                        <a:t>Người dùng kết thúc bài học, kết thúc bài kiểm tra của từng bài học</a:t>
+                      </a:r>
+                      <a:endParaRPr lang="en-US" sz="1800">
+                        <a:effectLst/>
+                        <a:latin typeface="Times New Roman" panose="02020603050405020304" pitchFamily="18" charset="0"/>
+                        <a:ea typeface="Calibri" panose="020F0502020204030204" pitchFamily="34" charset="0"/>
+                      </a:endParaRPr>
+                    </a:p>
+                  </a:txBody>
+                  <a:tcPr marL="68580" marR="68580" marT="0" marB="0"/>
+                </a:tc>
+                <a:extLst>
+                  <a:ext uri="{0D108BD9-81ED-4DB2-BD59-A6C34878D82A}">
+                    <a16:rowId xmlns:a16="http://schemas.microsoft.com/office/drawing/2014/main" val="2349520489"/>
+                  </a:ext>
+                </a:extLst>
+              </a:tr>
+            </a:tbl>
+          </a:graphicData>
+        </a:graphic>
+      </p:graphicFrame>
+    </p:spTree>
+    <p:extLst>
+      <p:ext uri="{BB962C8B-B14F-4D97-AF65-F5344CB8AC3E}">
+        <p14:creationId xmlns:p14="http://schemas.microsoft.com/office/powerpoint/2010/main" val="3457799931"/>
+      </p:ext>
+    </p:extLst>
+  </p:cSld>
+  <p:clrMapOvr>
+    <a:masterClrMapping/>
+  </p:clrMapOvr>
+</p:sld>
+</file>
+
+<file path=ppt/slides/slide11.xml><?xml version="1.0" encoding="utf-8"?>
+<p:sld xmlns:a="http://schemas.openxmlformats.org/drawingml/2006/main" xmlns:r="http://schemas.openxmlformats.org/officeDocument/2006/relationships" xmlns:p="http://schemas.openxmlformats.org/presentationml/2006/main">
+  <p:cSld>
+    <p:spTree>
+      <p:nvGrpSpPr>
+        <p:cNvPr id="1" name=""/>
+        <p:cNvGrpSpPr/>
+        <p:nvPr/>
+      </p:nvGrpSpPr>
+      <p:grpSpPr>
+        <a:xfrm>
+          <a:off x="0" y="0"/>
+          <a:ext cx="0" cy="0"/>
+          <a:chOff x="0" y="0"/>
+          <a:chExt cx="0" cy="0"/>
+        </a:xfrm>
+      </p:grpSpPr>
+      <p:pic>
+        <p:nvPicPr>
+          <p:cNvPr id="5" name="Picture 4">
+            <a:extLst>
+              <a:ext uri="{FF2B5EF4-FFF2-40B4-BE49-F238E27FC236}">
+                <a16:creationId xmlns:a16="http://schemas.microsoft.com/office/drawing/2014/main" id="{3BDFC8F1-55E7-444C-96AE-B434EF659966}"/>
+              </a:ext>
+            </a:extLst>
+          </p:cNvPr>
+          <p:cNvPicPr>
+            <a:picLocks noChangeAspect="1"/>
+          </p:cNvPicPr>
+          <p:nvPr/>
+        </p:nvPicPr>
+        <p:blipFill>
+          <a:blip r:embed="rId2">
+            <a:extLst>
+              <a:ext uri="{28A0092B-C50C-407E-A947-70E740481C1C}">
+                <a14:useLocalDpi xmlns:a14="http://schemas.microsoft.com/office/drawing/2010/main" val="0"/>
+              </a:ext>
+            </a:extLst>
+          </a:blip>
+          <a:stretch>
+            <a:fillRect/>
+          </a:stretch>
+        </p:blipFill>
+        <p:spPr>
+          <a:xfrm>
+            <a:off x="1801281" y="0"/>
+            <a:ext cx="8589438" cy="6858000"/>
+          </a:xfrm>
+          <a:prstGeom prst="rect">
+            <a:avLst/>
+          </a:prstGeom>
+        </p:spPr>
+      </p:pic>
+    </p:spTree>
+    <p:extLst>
+      <p:ext uri="{BB962C8B-B14F-4D97-AF65-F5344CB8AC3E}">
+        <p14:creationId xmlns:p14="http://schemas.microsoft.com/office/powerpoint/2010/main" val="951288452"/>
       </p:ext>
     </p:extLst>
   </p:cSld>
@@ -7027,7 +12902,7 @@
         </p:nvSpPr>
         <p:spPr>
           <a:xfrm>
-            <a:off x="2556769" y="1198485"/>
+            <a:off x="2273741" y="186114"/>
             <a:ext cx="1415772" cy="369332"/>
           </a:xfrm>
           <a:prstGeom prst="rect">
@@ -7051,113 +12926,34 @@
           </a:p>
         </p:txBody>
       </p:sp>
-      <p:sp>
-        <p:nvSpPr>
-          <p:cNvPr id="4" name="TextBox 3">
+      <p:graphicFrame>
+        <p:nvGraphicFramePr>
+          <p:cNvPr id="9" name="Diagram 8">
             <a:extLst>
               <a:ext uri="{FF2B5EF4-FFF2-40B4-BE49-F238E27FC236}">
-                <a16:creationId xmlns:a16="http://schemas.microsoft.com/office/drawing/2014/main" id="{9CF65D83-42E4-4466-9998-8BA20C6275CB}"/>
+                <a16:creationId xmlns:a16="http://schemas.microsoft.com/office/drawing/2014/main" id="{3CA5B5A9-6739-4C6B-9058-E04B6C87DCE8}"/>
               </a:ext>
             </a:extLst>
           </p:cNvPr>
-          <p:cNvSpPr txBox="1"/>
-          <p:nvPr/>
-        </p:nvSpPr>
-        <p:spPr>
-          <a:xfrm>
-            <a:off x="2725445" y="2006353"/>
-            <a:ext cx="7840608" cy="923330"/>
-          </a:xfrm>
-          <a:prstGeom prst="rect">
-            <a:avLst/>
-          </a:prstGeom>
-          <a:noFill/>
-        </p:spPr>
-        <p:txBody>
-          <a:bodyPr wrap="none" rtlCol="0">
-            <a:spAutoFit/>
-          </a:bodyPr>
-          <a:lstStyle/>
-          <a:p>
-            <a:r>
-              <a:rPr lang="en-US">
-                <a:latin typeface="Arial" panose="020B0604020202020204" pitchFamily="34" charset="0"/>
-                <a:cs typeface="Arial" panose="020B0604020202020204" pitchFamily="34" charset="0"/>
-              </a:rPr>
-              <a:t>Đây là cái gì ?</a:t>
-            </a:r>
-          </a:p>
-          <a:p>
-            <a:r>
-              <a:rPr lang="en-US">
-                <a:latin typeface="Arial" panose="020B0604020202020204" pitchFamily="34" charset="0"/>
-                <a:cs typeface="Arial" panose="020B0604020202020204" pitchFamily="34" charset="0"/>
-              </a:rPr>
-              <a:t>	Đây là trang học tiếng anh theo các chủ đề gia đình, động vật, cây cối.</a:t>
-            </a:r>
-          </a:p>
-          <a:p>
-            <a:r>
-              <a:rPr lang="en-US">
-                <a:latin typeface="Arial" panose="020B0604020202020204" pitchFamily="34" charset="0"/>
-                <a:cs typeface="Arial" panose="020B0604020202020204" pitchFamily="34" charset="0"/>
-              </a:rPr>
-              <a:t>	Có các bài tập nhỏ theo từng bài học và bài tập lớn theo từng chủ đề.</a:t>
-            </a:r>
-          </a:p>
-        </p:txBody>
-      </p:sp>
-      <p:sp>
-        <p:nvSpPr>
-          <p:cNvPr id="5" name="TextBox 4">
-            <a:extLst>
-              <a:ext uri="{FF2B5EF4-FFF2-40B4-BE49-F238E27FC236}">
-                <a16:creationId xmlns:a16="http://schemas.microsoft.com/office/drawing/2014/main" id="{EB5698ED-079B-4431-80BC-94D66F70ADC8}"/>
-              </a:ext>
-            </a:extLst>
-          </p:cNvPr>
-          <p:cNvSpPr txBox="1"/>
-          <p:nvPr/>
-        </p:nvSpPr>
-        <p:spPr>
-          <a:xfrm>
-            <a:off x="2725445" y="3176855"/>
-            <a:ext cx="4092787" cy="646331"/>
-          </a:xfrm>
-          <a:prstGeom prst="rect">
-            <a:avLst/>
-          </a:prstGeom>
-          <a:noFill/>
-        </p:spPr>
-        <p:txBody>
-          <a:bodyPr wrap="none" rtlCol="0">
-            <a:spAutoFit/>
-          </a:bodyPr>
-          <a:lstStyle/>
-          <a:p>
-            <a:r>
-              <a:rPr lang="en-US">
-                <a:latin typeface="Arial" panose="020B0604020202020204" pitchFamily="34" charset="0"/>
-                <a:cs typeface="Arial" panose="020B0604020202020204" pitchFamily="34" charset="0"/>
-              </a:rPr>
-              <a:t>Dành cho ai ?</a:t>
-            </a:r>
-          </a:p>
-          <a:p>
-            <a:r>
-              <a:rPr lang="en-US">
-                <a:latin typeface="Arial" panose="020B0604020202020204" pitchFamily="34" charset="0"/>
-                <a:cs typeface="Arial" panose="020B0604020202020204" pitchFamily="34" charset="0"/>
-              </a:rPr>
-              <a:t>	Dành cho trẻ em từ 5 đến 10 tuổi</a:t>
-            </a:r>
-            <a:r>
-              <a:rPr lang="en-US"/>
-              <a:t>.</a:t>
-            </a:r>
-          </a:p>
-        </p:txBody>
-      </p:sp>
+          <p:cNvGraphicFramePr/>
+          <p:nvPr>
+            <p:extLst>
+              <p:ext uri="{D42A27DB-BD31-4B8C-83A1-F6EECF244321}">
+                <p14:modId xmlns:p14="http://schemas.microsoft.com/office/powerpoint/2010/main" val="68006733"/>
+              </p:ext>
+            </p:extLst>
+          </p:nvPr>
+        </p:nvGraphicFramePr>
+        <p:xfrm>
+          <a:off x="2032000" y="719666"/>
+          <a:ext cx="8255000" cy="5539620"/>
+        </p:xfrm>
+        <a:graphic>
+          <a:graphicData uri="http://schemas.openxmlformats.org/drawingml/2006/diagram">
+            <dgm:relIds xmlns:dgm="http://schemas.openxmlformats.org/drawingml/2006/diagram" xmlns:r="http://schemas.openxmlformats.org/officeDocument/2006/relationships" r:dm="rId3" r:lo="rId4" r:qs="rId5" r:cs="rId6"/>
+          </a:graphicData>
+        </a:graphic>
+      </p:graphicFrame>
     </p:spTree>
     <p:extLst>
       <p:ext uri="{BB962C8B-B14F-4D97-AF65-F5344CB8AC3E}">
@@ -7172,290 +12968,6 @@
 </file>
 
 <file path=ppt/slides/slide4.xml><?xml version="1.0" encoding="utf-8"?>
-<p:sld xmlns:a="http://schemas.openxmlformats.org/drawingml/2006/main" xmlns:r="http://schemas.openxmlformats.org/officeDocument/2006/relationships" xmlns:p="http://schemas.openxmlformats.org/presentationml/2006/main">
-  <p:cSld>
-    <p:spTree>
-      <p:nvGrpSpPr>
-        <p:cNvPr id="1" name=""/>
-        <p:cNvGrpSpPr/>
-        <p:nvPr/>
-      </p:nvGrpSpPr>
-      <p:grpSpPr>
-        <a:xfrm>
-          <a:off x="0" y="0"/>
-          <a:ext cx="0" cy="0"/>
-          <a:chOff x="0" y="0"/>
-          <a:chExt cx="0" cy="0"/>
-        </a:xfrm>
-      </p:grpSpPr>
-      <p:sp>
-        <p:nvSpPr>
-          <p:cNvPr id="2" name="TextBox 1">
-            <a:extLst>
-              <a:ext uri="{FF2B5EF4-FFF2-40B4-BE49-F238E27FC236}">
-                <a16:creationId xmlns:a16="http://schemas.microsoft.com/office/drawing/2014/main" id="{D4B52389-5DEF-4786-9D30-41C967D17745}"/>
-              </a:ext>
-            </a:extLst>
-          </p:cNvPr>
-          <p:cNvSpPr txBox="1"/>
-          <p:nvPr/>
-        </p:nvSpPr>
-        <p:spPr>
-          <a:xfrm>
-            <a:off x="2063486" y="1056442"/>
-            <a:ext cx="8805616" cy="1200329"/>
-          </a:xfrm>
-          <a:prstGeom prst="rect">
-            <a:avLst/>
-          </a:prstGeom>
-          <a:noFill/>
-        </p:spPr>
-        <p:txBody>
-          <a:bodyPr wrap="none" rtlCol="0">
-            <a:spAutoFit/>
-          </a:bodyPr>
-          <a:lstStyle/>
-          <a:p>
-            <a:r>
-              <a:rPr lang="en-US">
-                <a:latin typeface="Arial" panose="020B0604020202020204" pitchFamily="34" charset="0"/>
-                <a:cs typeface="Arial" panose="020B0604020202020204" pitchFamily="34" charset="0"/>
-              </a:rPr>
-              <a:t>Sử dụng như thế nào ?</a:t>
-            </a:r>
-          </a:p>
-          <a:p>
-            <a:r>
-              <a:rPr lang="en-US">
-                <a:latin typeface="Arial" panose="020B0604020202020204" pitchFamily="34" charset="0"/>
-                <a:cs typeface="Arial" panose="020B0604020202020204" pitchFamily="34" charset="0"/>
-              </a:rPr>
-              <a:t>	Người dùng đăng ký, điền thông tin cá nhân dựa vào độ tuổi, tên.</a:t>
-            </a:r>
-          </a:p>
-          <a:p>
-            <a:r>
-              <a:rPr lang="en-US">
-                <a:latin typeface="Arial" panose="020B0604020202020204" pitchFamily="34" charset="0"/>
-                <a:cs typeface="Arial" panose="020B0604020202020204" pitchFamily="34" charset="0"/>
-              </a:rPr>
-              <a:t>	Người dung sẽ được cung cấp các bài học theo lứa tuổi đã chọn. Nếu đạt được</a:t>
-            </a:r>
-          </a:p>
-          <a:p>
-            <a:r>
-              <a:rPr lang="en-US">
-                <a:latin typeface="Arial" panose="020B0604020202020204" pitchFamily="34" charset="0"/>
-                <a:cs typeface="Arial" panose="020B0604020202020204" pitchFamily="34" charset="0"/>
-              </a:rPr>
-              <a:t>yêu cầu thì người dung nâng cấp bài học</a:t>
-            </a:r>
-          </a:p>
-        </p:txBody>
-      </p:sp>
-      <p:sp>
-        <p:nvSpPr>
-          <p:cNvPr id="3" name="TextBox 2">
-            <a:extLst>
-              <a:ext uri="{FF2B5EF4-FFF2-40B4-BE49-F238E27FC236}">
-                <a16:creationId xmlns:a16="http://schemas.microsoft.com/office/drawing/2014/main" id="{DEBEEE6D-490D-4D18-8B0D-1399AF7C368D}"/>
-              </a:ext>
-            </a:extLst>
-          </p:cNvPr>
-          <p:cNvSpPr txBox="1"/>
-          <p:nvPr/>
-        </p:nvSpPr>
-        <p:spPr>
-          <a:xfrm>
-            <a:off x="2228295" y="2965142"/>
-            <a:ext cx="7554897" cy="646331"/>
-          </a:xfrm>
-          <a:prstGeom prst="rect">
-            <a:avLst/>
-          </a:prstGeom>
-          <a:noFill/>
-        </p:spPr>
-        <p:txBody>
-          <a:bodyPr wrap="square" rtlCol="0">
-            <a:spAutoFit/>
-          </a:bodyPr>
-          <a:lstStyle/>
-          <a:p>
-            <a:r>
-              <a:rPr lang="en-US">
-                <a:latin typeface="Arial" panose="020B0604020202020204" pitchFamily="34" charset="0"/>
-                <a:cs typeface="Arial" panose="020B0604020202020204" pitchFamily="34" charset="0"/>
-              </a:rPr>
-              <a:t>Khi nào người dùng sử dụng ?</a:t>
-            </a:r>
-          </a:p>
-          <a:p>
-            <a:r>
-              <a:rPr lang="en-US">
-                <a:latin typeface="Arial" panose="020B0604020202020204" pitchFamily="34" charset="0"/>
-                <a:cs typeface="Arial" panose="020B0604020202020204" pitchFamily="34" charset="0"/>
-              </a:rPr>
-              <a:t>	Bất cứ khi nào người dung muốn</a:t>
-            </a:r>
-          </a:p>
-        </p:txBody>
-      </p:sp>
-    </p:spTree>
-    <p:extLst>
-      <p:ext uri="{BB962C8B-B14F-4D97-AF65-F5344CB8AC3E}">
-        <p14:creationId xmlns:p14="http://schemas.microsoft.com/office/powerpoint/2010/main" val="2168126322"/>
-      </p:ext>
-    </p:extLst>
-  </p:cSld>
-  <p:clrMapOvr>
-    <a:masterClrMapping/>
-  </p:clrMapOvr>
-</p:sld>
-</file>
-
-<file path=ppt/slides/slide5.xml><?xml version="1.0" encoding="utf-8"?>
-<p:sld xmlns:a="http://schemas.openxmlformats.org/drawingml/2006/main" xmlns:r="http://schemas.openxmlformats.org/officeDocument/2006/relationships" xmlns:p="http://schemas.openxmlformats.org/presentationml/2006/main">
-  <p:cSld>
-    <p:spTree>
-      <p:nvGrpSpPr>
-        <p:cNvPr id="1" name=""/>
-        <p:cNvGrpSpPr/>
-        <p:nvPr/>
-      </p:nvGrpSpPr>
-      <p:grpSpPr>
-        <a:xfrm>
-          <a:off x="0" y="0"/>
-          <a:ext cx="0" cy="0"/>
-          <a:chOff x="0" y="0"/>
-          <a:chExt cx="0" cy="0"/>
-        </a:xfrm>
-      </p:grpSpPr>
-      <p:sp>
-        <p:nvSpPr>
-          <p:cNvPr id="2" name="TextBox 1">
-            <a:extLst>
-              <a:ext uri="{FF2B5EF4-FFF2-40B4-BE49-F238E27FC236}">
-                <a16:creationId xmlns:a16="http://schemas.microsoft.com/office/drawing/2014/main" id="{FA239461-7E30-40BA-BFB0-6E038AED7FC1}"/>
-              </a:ext>
-            </a:extLst>
-          </p:cNvPr>
-          <p:cNvSpPr txBox="1"/>
-          <p:nvPr/>
-        </p:nvSpPr>
-        <p:spPr>
-          <a:xfrm>
-            <a:off x="2254928" y="958788"/>
-            <a:ext cx="8533105" cy="646331"/>
-          </a:xfrm>
-          <a:prstGeom prst="rect">
-            <a:avLst/>
-          </a:prstGeom>
-          <a:noFill/>
-        </p:spPr>
-        <p:txBody>
-          <a:bodyPr wrap="none" rtlCol="0">
-            <a:spAutoFit/>
-          </a:bodyPr>
-          <a:lstStyle/>
-          <a:p>
-            <a:r>
-              <a:rPr lang="en-US">
-                <a:latin typeface="Arial" panose="020B0604020202020204" pitchFamily="34" charset="0"/>
-                <a:cs typeface="Arial" panose="020B0604020202020204" pitchFamily="34" charset="0"/>
-              </a:rPr>
-              <a:t>Sử dụng ở đâu ?</a:t>
-            </a:r>
-          </a:p>
-          <a:p>
-            <a:r>
-              <a:rPr lang="en-US">
-                <a:latin typeface="Arial" panose="020B0604020202020204" pitchFamily="34" charset="0"/>
-                <a:cs typeface="Arial" panose="020B0604020202020204" pitchFamily="34" charset="0"/>
-              </a:rPr>
-              <a:t>	Sử dụng laptop, PC, smart phone có kết nối Internet để truy cập vào website.</a:t>
-            </a:r>
-          </a:p>
-        </p:txBody>
-      </p:sp>
-      <p:sp>
-        <p:nvSpPr>
-          <p:cNvPr id="3" name="TextBox 2">
-            <a:extLst>
-              <a:ext uri="{FF2B5EF4-FFF2-40B4-BE49-F238E27FC236}">
-                <a16:creationId xmlns:a16="http://schemas.microsoft.com/office/drawing/2014/main" id="{67225007-45C7-45FD-A720-70E13D1A4A26}"/>
-              </a:ext>
-            </a:extLst>
-          </p:cNvPr>
-          <p:cNvSpPr txBox="1"/>
-          <p:nvPr/>
-        </p:nvSpPr>
-        <p:spPr>
-          <a:xfrm>
-            <a:off x="2361460" y="2414726"/>
-            <a:ext cx="8029762" cy="1200329"/>
-          </a:xfrm>
-          <a:prstGeom prst="rect">
-            <a:avLst/>
-          </a:prstGeom>
-          <a:noFill/>
-        </p:spPr>
-        <p:txBody>
-          <a:bodyPr wrap="none" rtlCol="0">
-            <a:spAutoFit/>
-          </a:bodyPr>
-          <a:lstStyle/>
-          <a:p>
-            <a:r>
-              <a:rPr lang="en-US">
-                <a:latin typeface="Arial" panose="020B0604020202020204" pitchFamily="34" charset="0"/>
-                <a:cs typeface="Arial" panose="020B0604020202020204" pitchFamily="34" charset="0"/>
-              </a:rPr>
-              <a:t>Tại sao sử dụng website ?</a:t>
-            </a:r>
-          </a:p>
-          <a:p>
-            <a:r>
-              <a:rPr lang="en-US">
-                <a:latin typeface="Arial" panose="020B0604020202020204" pitchFamily="34" charset="0"/>
-                <a:cs typeface="Arial" panose="020B0604020202020204" pitchFamily="34" charset="0"/>
-              </a:rPr>
-              <a:t>	Là nơi cung cấp các bài học cho trẻ em.</a:t>
-            </a:r>
-          </a:p>
-          <a:p>
-            <a:r>
-              <a:rPr lang="en-US">
-                <a:latin typeface="Arial" panose="020B0604020202020204" pitchFamily="34" charset="0"/>
-                <a:cs typeface="Arial" panose="020B0604020202020204" pitchFamily="34" charset="0"/>
-              </a:rPr>
-              <a:t>	Đáp ứng nhu cầu học tiếng Anh.</a:t>
-            </a:r>
-          </a:p>
-          <a:p>
-            <a:r>
-              <a:rPr lang="en-US">
-                <a:latin typeface="Arial" panose="020B0604020202020204" pitchFamily="34" charset="0"/>
-                <a:cs typeface="Arial" panose="020B0604020202020204" pitchFamily="34" charset="0"/>
-              </a:rPr>
-              <a:t>	Có hình ảnh, âm thanh sống động giúp việc học trở nên thích thú, vui vẻ.</a:t>
-            </a:r>
-          </a:p>
-        </p:txBody>
-      </p:sp>
-    </p:spTree>
-    <p:extLst>
-      <p:ext uri="{BB962C8B-B14F-4D97-AF65-F5344CB8AC3E}">
-        <p14:creationId xmlns:p14="http://schemas.microsoft.com/office/powerpoint/2010/main" val="3310582560"/>
-      </p:ext>
-    </p:extLst>
-  </p:cSld>
-  <p:clrMapOvr>
-    <a:masterClrMapping/>
-  </p:clrMapOvr>
-</p:sld>
-</file>
-
-<file path=ppt/slides/slide6.xml><?xml version="1.0" encoding="utf-8"?>
 <p:sld xmlns:a="http://schemas.openxmlformats.org/drawingml/2006/main" xmlns:r="http://schemas.openxmlformats.org/officeDocument/2006/relationships" xmlns:p="http://schemas.openxmlformats.org/presentationml/2006/main">
   <p:cSld>
     <p:spTree>
@@ -7674,7 +13186,7 @@
 </p:sld>
 </file>
 
-<file path=ppt/slides/slide7.xml><?xml version="1.0" encoding="utf-8"?>
+<file path=ppt/slides/slide5.xml><?xml version="1.0" encoding="utf-8"?>
 <p:sld xmlns:a="http://schemas.openxmlformats.org/drawingml/2006/main" xmlns:r="http://schemas.openxmlformats.org/officeDocument/2006/relationships" xmlns:p="http://schemas.openxmlformats.org/presentationml/2006/main">
   <p:cSld>
     <p:spTree>
@@ -7720,11 +13232,18 @@
           <a:lstStyle/>
           <a:p>
             <a:r>
+              <a:rPr lang="en-US" dirty="0" err="1">
+                <a:latin typeface="Arial" panose="020B0604020202020204" pitchFamily="34" charset="0"/>
+                <a:cs typeface="Arial" panose="020B0604020202020204" pitchFamily="34" charset="0"/>
+              </a:rPr>
+              <a:t>Chức</a:t>
+            </a:r>
+            <a:r>
               <a:rPr lang="en-US">
                 <a:latin typeface="Arial" panose="020B0604020202020204" pitchFamily="34" charset="0"/>
                 <a:cs typeface="Arial" panose="020B0604020202020204" pitchFamily="34" charset="0"/>
               </a:rPr>
-              <a:t>Chức năng ( non-functional requirement)</a:t>
+              <a:t> năng ( non-functional requirement)</a:t>
             </a:r>
           </a:p>
           <a:p>
@@ -7760,7 +13279,7 @@
 </p:sld>
 </file>
 
-<file path=ppt/slides/slide8.xml><?xml version="1.0" encoding="utf-8"?>
+<file path=ppt/slides/slide6.xml><?xml version="1.0" encoding="utf-8"?>
 <p:sld xmlns:a="http://schemas.openxmlformats.org/drawingml/2006/main" xmlns:r="http://schemas.openxmlformats.org/officeDocument/2006/relationships" xmlns:p="http://schemas.openxmlformats.org/presentationml/2006/main">
   <p:cSld>
     <p:spTree>
@@ -7884,7 +13403,7 @@
 </p:sld>
 </file>
 
-<file path=ppt/slides/slide9.xml><?xml version="1.0" encoding="utf-8"?>
+<file path=ppt/slides/slide7.xml><?xml version="1.0" encoding="utf-8"?>
 <p:sld xmlns:a="http://schemas.openxmlformats.org/drawingml/2006/main" xmlns:r="http://schemas.openxmlformats.org/officeDocument/2006/relationships" xmlns:p="http://schemas.openxmlformats.org/presentationml/2006/main">
   <p:cSld>
     <p:spTree>
@@ -7954,7 +13473,7 @@
           <p:nvPr/>
         </p:nvPicPr>
         <p:blipFill>
-          <a:blip r:embed="rId2">
+          <a:blip r:embed="rId3">
             <a:extLst>
               <a:ext uri="{28A0092B-C50C-407E-A947-70E740481C1C}">
                 <a14:useLocalDpi xmlns:a14="http://schemas.microsoft.com/office/drawing/2010/main" val="0"/>
@@ -7967,8 +13486,8 @@
         </p:blipFill>
         <p:spPr>
           <a:xfrm>
-            <a:off x="5953358" y="0"/>
-            <a:ext cx="4421856" cy="6858000"/>
+            <a:off x="4702629" y="0"/>
+            <a:ext cx="5672585" cy="6858000"/>
           </a:xfrm>
           <a:prstGeom prst="rect">
             <a:avLst/>
@@ -7979,6 +13498,990 @@
     <p:extLst>
       <p:ext uri="{BB962C8B-B14F-4D97-AF65-F5344CB8AC3E}">
         <p14:creationId xmlns:p14="http://schemas.microsoft.com/office/powerpoint/2010/main" val="3737720406"/>
+      </p:ext>
+    </p:extLst>
+  </p:cSld>
+  <p:clrMapOvr>
+    <a:masterClrMapping/>
+  </p:clrMapOvr>
+</p:sld>
+</file>
+
+<file path=ppt/slides/slide8.xml><?xml version="1.0" encoding="utf-8"?>
+<p:sld xmlns:a="http://schemas.openxmlformats.org/drawingml/2006/main" xmlns:r="http://schemas.openxmlformats.org/officeDocument/2006/relationships" xmlns:p="http://schemas.openxmlformats.org/presentationml/2006/main">
+  <p:cSld>
+    <p:spTree>
+      <p:nvGrpSpPr>
+        <p:cNvPr id="1" name=""/>
+        <p:cNvGrpSpPr/>
+        <p:nvPr/>
+      </p:nvGrpSpPr>
+      <p:grpSpPr>
+        <a:xfrm>
+          <a:off x="0" y="0"/>
+          <a:ext cx="0" cy="0"/>
+          <a:chOff x="0" y="0"/>
+          <a:chExt cx="0" cy="0"/>
+        </a:xfrm>
+      </p:grpSpPr>
+      <p:sp>
+        <p:nvSpPr>
+          <p:cNvPr id="2" name="Title 1">
+            <a:extLst>
+              <a:ext uri="{FF2B5EF4-FFF2-40B4-BE49-F238E27FC236}">
+                <a16:creationId xmlns:a16="http://schemas.microsoft.com/office/drawing/2014/main" id="{01FBFA70-2B32-4F49-B070-F83B0B1B93CD}"/>
+              </a:ext>
+            </a:extLst>
+          </p:cNvPr>
+          <p:cNvSpPr>
+            <a:spLocks noGrp="1"/>
+          </p:cNvSpPr>
+          <p:nvPr>
+            <p:ph type="title"/>
+          </p:nvPr>
+        </p:nvSpPr>
+        <p:spPr>
+          <a:xfrm>
+            <a:off x="1516968" y="0"/>
+            <a:ext cx="10018713" cy="1752599"/>
+          </a:xfrm>
+        </p:spPr>
+        <p:txBody>
+          <a:bodyPr/>
+          <a:lstStyle/>
+          <a:p>
+            <a:pPr algn="l"/>
+            <a:r>
+              <a:rPr lang="en-US"/>
+              <a:t>Đăng ký</a:t>
+            </a:r>
+          </a:p>
+        </p:txBody>
+      </p:sp>
+      <p:graphicFrame>
+        <p:nvGraphicFramePr>
+          <p:cNvPr id="3" name="Table 2">
+            <a:extLst>
+              <a:ext uri="{FF2B5EF4-FFF2-40B4-BE49-F238E27FC236}">
+                <a16:creationId xmlns:a16="http://schemas.microsoft.com/office/drawing/2014/main" id="{E8237AA3-6726-4B48-B4F8-1AA95B3DE55D}"/>
+              </a:ext>
+            </a:extLst>
+          </p:cNvPr>
+          <p:cNvGraphicFramePr>
+            <a:graphicFrameLocks noGrp="1"/>
+          </p:cNvGraphicFramePr>
+          <p:nvPr>
+            <p:extLst>
+              <p:ext uri="{D42A27DB-BD31-4B8C-83A1-F6EECF244321}">
+                <p14:modId xmlns:p14="http://schemas.microsoft.com/office/powerpoint/2010/main" val="3916955474"/>
+              </p:ext>
+            </p:extLst>
+          </p:nvPr>
+        </p:nvGraphicFramePr>
+        <p:xfrm>
+          <a:off x="2106386" y="1306286"/>
+          <a:ext cx="7979229" cy="5040085"/>
+        </p:xfrm>
+        <a:graphic>
+          <a:graphicData uri="http://schemas.openxmlformats.org/drawingml/2006/table">
+            <a:tbl>
+              <a:tblPr firstRow="1" firstCol="1" bandRow="1">
+                <a:tableStyleId>{5C22544A-7EE6-4342-B048-85BDC9FD1C3A}</a:tableStyleId>
+              </a:tblPr>
+              <a:tblGrid>
+                <a:gridCol w="2295942">
+                  <a:extLst>
+                    <a:ext uri="{9D8B030D-6E8A-4147-A177-3AD203B41FA5}">
+                      <a16:colId xmlns:a16="http://schemas.microsoft.com/office/drawing/2014/main" val="4155384417"/>
+                    </a:ext>
+                  </a:extLst>
+                </a:gridCol>
+                <a:gridCol w="5683287">
+                  <a:extLst>
+                    <a:ext uri="{9D8B030D-6E8A-4147-A177-3AD203B41FA5}">
+                      <a16:colId xmlns:a16="http://schemas.microsoft.com/office/drawing/2014/main" val="1949139860"/>
+                    </a:ext>
+                  </a:extLst>
+                </a:gridCol>
+              </a:tblGrid>
+              <a:tr h="406323">
+                <a:tc>
+                  <a:txBody>
+                    <a:bodyPr/>
+                    <a:lstStyle/>
+                    <a:p>
+                      <a:pPr marL="457200">
+                        <a:lnSpc>
+                          <a:spcPct val="115000"/>
+                        </a:lnSpc>
+                        <a:spcAft>
+                          <a:spcPts val="1000"/>
+                        </a:spcAft>
+                      </a:pPr>
+                      <a:r>
+                        <a:rPr lang="en-US" sz="1200">
+                          <a:effectLst/>
+                        </a:rPr>
+                        <a:t>Tên</a:t>
+                      </a:r>
+                      <a:endParaRPr lang="en-US" sz="1800">
+                        <a:effectLst/>
+                        <a:latin typeface="Times New Roman" panose="02020603050405020304" pitchFamily="18" charset="0"/>
+                        <a:ea typeface="Calibri" panose="020F0502020204030204" pitchFamily="34" charset="0"/>
+                      </a:endParaRPr>
+                    </a:p>
+                  </a:txBody>
+                  <a:tcPr marL="68580" marR="68580" marT="0" marB="0"/>
+                </a:tc>
+                <a:tc>
+                  <a:txBody>
+                    <a:bodyPr/>
+                    <a:lstStyle/>
+                    <a:p>
+                      <a:pPr marL="457200">
+                        <a:lnSpc>
+                          <a:spcPct val="115000"/>
+                        </a:lnSpc>
+                        <a:spcAft>
+                          <a:spcPts val="1000"/>
+                        </a:spcAft>
+                      </a:pPr>
+                      <a:r>
+                        <a:rPr lang="en-US" sz="1200">
+                          <a:effectLst/>
+                        </a:rPr>
+                        <a:t>Đăng ký</a:t>
+                      </a:r>
+                      <a:endParaRPr lang="en-US" sz="1800">
+                        <a:effectLst/>
+                        <a:latin typeface="Times New Roman" panose="02020603050405020304" pitchFamily="18" charset="0"/>
+                        <a:ea typeface="Calibri" panose="020F0502020204030204" pitchFamily="34" charset="0"/>
+                      </a:endParaRPr>
+                    </a:p>
+                  </a:txBody>
+                  <a:tcPr marL="68580" marR="68580" marT="0" marB="0"/>
+                </a:tc>
+                <a:extLst>
+                  <a:ext uri="{0D108BD9-81ED-4DB2-BD59-A6C34878D82A}">
+                    <a16:rowId xmlns:a16="http://schemas.microsoft.com/office/drawing/2014/main" val="2054821751"/>
+                  </a:ext>
+                </a:extLst>
+              </a:tr>
+              <a:tr h="406323">
+                <a:tc>
+                  <a:txBody>
+                    <a:bodyPr/>
+                    <a:lstStyle/>
+                    <a:p>
+                      <a:pPr marL="457200">
+                        <a:lnSpc>
+                          <a:spcPct val="115000"/>
+                        </a:lnSpc>
+                        <a:spcAft>
+                          <a:spcPts val="1000"/>
+                        </a:spcAft>
+                      </a:pPr>
+                      <a:r>
+                        <a:rPr lang="en-US" sz="1200">
+                          <a:effectLst/>
+                        </a:rPr>
+                        <a:t>Actors</a:t>
+                      </a:r>
+                      <a:endParaRPr lang="en-US" sz="1800">
+                        <a:effectLst/>
+                        <a:latin typeface="Times New Roman" panose="02020603050405020304" pitchFamily="18" charset="0"/>
+                        <a:ea typeface="Calibri" panose="020F0502020204030204" pitchFamily="34" charset="0"/>
+                      </a:endParaRPr>
+                    </a:p>
+                  </a:txBody>
+                  <a:tcPr marL="68580" marR="68580" marT="0" marB="0"/>
+                </a:tc>
+                <a:tc>
+                  <a:txBody>
+                    <a:bodyPr/>
+                    <a:lstStyle/>
+                    <a:p>
+                      <a:pPr marL="457200">
+                        <a:lnSpc>
+                          <a:spcPct val="115000"/>
+                        </a:lnSpc>
+                        <a:spcAft>
+                          <a:spcPts val="1000"/>
+                        </a:spcAft>
+                      </a:pPr>
+                      <a:r>
+                        <a:rPr lang="en-US" sz="1200">
+                          <a:effectLst/>
+                        </a:rPr>
+                        <a:t>Người dùng</a:t>
+                      </a:r>
+                      <a:endParaRPr lang="en-US" sz="1800">
+                        <a:effectLst/>
+                        <a:latin typeface="Times New Roman" panose="02020603050405020304" pitchFamily="18" charset="0"/>
+                        <a:ea typeface="Calibri" panose="020F0502020204030204" pitchFamily="34" charset="0"/>
+                      </a:endParaRPr>
+                    </a:p>
+                  </a:txBody>
+                  <a:tcPr marL="68580" marR="68580" marT="0" marB="0"/>
+                </a:tc>
+                <a:extLst>
+                  <a:ext uri="{0D108BD9-81ED-4DB2-BD59-A6C34878D82A}">
+                    <a16:rowId xmlns:a16="http://schemas.microsoft.com/office/drawing/2014/main" val="752237581"/>
+                  </a:ext>
+                </a:extLst>
+              </a:tr>
+              <a:tr h="1707394">
+                <a:tc>
+                  <a:txBody>
+                    <a:bodyPr/>
+                    <a:lstStyle/>
+                    <a:p>
+                      <a:pPr marL="457200" algn="l">
+                        <a:lnSpc>
+                          <a:spcPct val="115000"/>
+                        </a:lnSpc>
+                        <a:spcAft>
+                          <a:spcPts val="1000"/>
+                        </a:spcAft>
+                      </a:pPr>
+                      <a:r>
+                        <a:rPr lang="en-US" sz="1200">
+                          <a:effectLst/>
+                        </a:rPr>
+                        <a:t>Tóm tắt</a:t>
+                      </a:r>
+                      <a:endParaRPr lang="en-US" sz="1800">
+                        <a:effectLst/>
+                        <a:latin typeface="Times New Roman" panose="02020603050405020304" pitchFamily="18" charset="0"/>
+                        <a:ea typeface="Calibri" panose="020F0502020204030204" pitchFamily="34" charset="0"/>
+                      </a:endParaRPr>
+                    </a:p>
+                  </a:txBody>
+                  <a:tcPr marL="68580" marR="68580" marT="0" marB="0"/>
+                </a:tc>
+                <a:tc>
+                  <a:txBody>
+                    <a:bodyPr/>
+                    <a:lstStyle/>
+                    <a:p>
+                      <a:pPr marL="457200" algn="l">
+                        <a:lnSpc>
+                          <a:spcPct val="115000"/>
+                        </a:lnSpc>
+                        <a:spcAft>
+                          <a:spcPts val="1000"/>
+                        </a:spcAft>
+                      </a:pPr>
+                      <a:r>
+                        <a:rPr lang="en-US" sz="1200">
+                          <a:effectLst/>
+                        </a:rPr>
+                        <a:t>Người dùng nhập họ và tên, ngày sinh, email, tài khoản và mật khẩu để đăng ký trở thành thành viên trong hệ thống và sử dụng các dịch vụ trong hệ thống.</a:t>
+                      </a:r>
+                      <a:endParaRPr lang="en-US" sz="1800">
+                        <a:effectLst/>
+                        <a:latin typeface="Times New Roman" panose="02020603050405020304" pitchFamily="18" charset="0"/>
+                        <a:ea typeface="Calibri" panose="020F0502020204030204" pitchFamily="34" charset="0"/>
+                      </a:endParaRPr>
+                    </a:p>
+                  </a:txBody>
+                  <a:tcPr marL="68580" marR="68580" marT="0" marB="0"/>
+                </a:tc>
+                <a:extLst>
+                  <a:ext uri="{0D108BD9-81ED-4DB2-BD59-A6C34878D82A}">
+                    <a16:rowId xmlns:a16="http://schemas.microsoft.com/office/drawing/2014/main" val="711700484"/>
+                  </a:ext>
+                </a:extLst>
+              </a:tr>
+              <a:tr h="840015">
+                <a:tc>
+                  <a:txBody>
+                    <a:bodyPr/>
+                    <a:lstStyle/>
+                    <a:p>
+                      <a:pPr marL="457200">
+                        <a:lnSpc>
+                          <a:spcPct val="115000"/>
+                        </a:lnSpc>
+                        <a:spcAft>
+                          <a:spcPts val="1000"/>
+                        </a:spcAft>
+                      </a:pPr>
+                      <a:r>
+                        <a:rPr lang="en-US" sz="1200">
+                          <a:effectLst/>
+                        </a:rPr>
+                        <a:t>Điều kiện tiên quyết</a:t>
+                      </a:r>
+                      <a:endParaRPr lang="en-US" sz="1800">
+                        <a:effectLst/>
+                        <a:latin typeface="Times New Roman" panose="02020603050405020304" pitchFamily="18" charset="0"/>
+                        <a:ea typeface="Calibri" panose="020F0502020204030204" pitchFamily="34" charset="0"/>
+                      </a:endParaRPr>
+                    </a:p>
+                  </a:txBody>
+                  <a:tcPr marL="68580" marR="68580" marT="0" marB="0"/>
+                </a:tc>
+                <a:tc>
+                  <a:txBody>
+                    <a:bodyPr/>
+                    <a:lstStyle/>
+                    <a:p>
+                      <a:pPr marL="457200">
+                        <a:lnSpc>
+                          <a:spcPct val="115000"/>
+                        </a:lnSpc>
+                        <a:spcAft>
+                          <a:spcPts val="1000"/>
+                        </a:spcAft>
+                      </a:pPr>
+                      <a:r>
+                        <a:rPr lang="en-US" sz="1200">
+                          <a:effectLst/>
+                        </a:rPr>
+                        <a:t>Không</a:t>
+                      </a:r>
+                      <a:endParaRPr lang="en-US" sz="1800">
+                        <a:effectLst/>
+                        <a:latin typeface="Times New Roman" panose="02020603050405020304" pitchFamily="18" charset="0"/>
+                        <a:ea typeface="Calibri" panose="020F0502020204030204" pitchFamily="34" charset="0"/>
+                      </a:endParaRPr>
+                    </a:p>
+                  </a:txBody>
+                  <a:tcPr marL="68580" marR="68580" marT="0" marB="0"/>
+                </a:tc>
+                <a:extLst>
+                  <a:ext uri="{0D108BD9-81ED-4DB2-BD59-A6C34878D82A}">
+                    <a16:rowId xmlns:a16="http://schemas.microsoft.com/office/drawing/2014/main" val="3310085937"/>
+                  </a:ext>
+                </a:extLst>
+              </a:tr>
+              <a:tr h="840015">
+                <a:tc>
+                  <a:txBody>
+                    <a:bodyPr/>
+                    <a:lstStyle/>
+                    <a:p>
+                      <a:pPr marL="457200">
+                        <a:lnSpc>
+                          <a:spcPct val="115000"/>
+                        </a:lnSpc>
+                        <a:spcAft>
+                          <a:spcPts val="1000"/>
+                        </a:spcAft>
+                      </a:pPr>
+                      <a:r>
+                        <a:rPr lang="en-US" sz="1200">
+                          <a:effectLst/>
+                        </a:rPr>
+                        <a:t>Sự kiện bắt đầu</a:t>
+                      </a:r>
+                      <a:endParaRPr lang="en-US" sz="1800">
+                        <a:effectLst/>
+                        <a:latin typeface="Times New Roman" panose="02020603050405020304" pitchFamily="18" charset="0"/>
+                        <a:ea typeface="Calibri" panose="020F0502020204030204" pitchFamily="34" charset="0"/>
+                      </a:endParaRPr>
+                    </a:p>
+                  </a:txBody>
+                  <a:tcPr marL="68580" marR="68580" marT="0" marB="0"/>
+                </a:tc>
+                <a:tc>
+                  <a:txBody>
+                    <a:bodyPr/>
+                    <a:lstStyle/>
+                    <a:p>
+                      <a:pPr marL="457200">
+                        <a:lnSpc>
+                          <a:spcPct val="115000"/>
+                        </a:lnSpc>
+                        <a:spcAft>
+                          <a:spcPts val="1000"/>
+                        </a:spcAft>
+                      </a:pPr>
+                      <a:r>
+                        <a:rPr lang="en-US" sz="1200">
+                          <a:effectLst/>
+                        </a:rPr>
+                        <a:t>Người dùng chọn vào nút đăng ký.</a:t>
+                      </a:r>
+                      <a:endParaRPr lang="en-US" sz="1800">
+                        <a:effectLst/>
+                        <a:latin typeface="Times New Roman" panose="02020603050405020304" pitchFamily="18" charset="0"/>
+                        <a:ea typeface="Calibri" panose="020F0502020204030204" pitchFamily="34" charset="0"/>
+                      </a:endParaRPr>
+                    </a:p>
+                  </a:txBody>
+                  <a:tcPr marL="68580" marR="68580" marT="0" marB="0"/>
+                </a:tc>
+                <a:extLst>
+                  <a:ext uri="{0D108BD9-81ED-4DB2-BD59-A6C34878D82A}">
+                    <a16:rowId xmlns:a16="http://schemas.microsoft.com/office/drawing/2014/main" val="212646334"/>
+                  </a:ext>
+                </a:extLst>
+              </a:tr>
+              <a:tr h="840015">
+                <a:tc>
+                  <a:txBody>
+                    <a:bodyPr/>
+                    <a:lstStyle/>
+                    <a:p>
+                      <a:pPr marL="457200">
+                        <a:lnSpc>
+                          <a:spcPct val="115000"/>
+                        </a:lnSpc>
+                        <a:spcAft>
+                          <a:spcPts val="1000"/>
+                        </a:spcAft>
+                      </a:pPr>
+                      <a:r>
+                        <a:rPr lang="en-US" sz="1200">
+                          <a:effectLst/>
+                        </a:rPr>
+                        <a:t>Điều kiện kết thúc</a:t>
+                      </a:r>
+                      <a:endParaRPr lang="en-US" sz="1800">
+                        <a:effectLst/>
+                        <a:latin typeface="Times New Roman" panose="02020603050405020304" pitchFamily="18" charset="0"/>
+                        <a:ea typeface="Calibri" panose="020F0502020204030204" pitchFamily="34" charset="0"/>
+                      </a:endParaRPr>
+                    </a:p>
+                  </a:txBody>
+                  <a:tcPr marL="68580" marR="68580" marT="0" marB="0"/>
+                </a:tc>
+                <a:tc>
+                  <a:txBody>
+                    <a:bodyPr/>
+                    <a:lstStyle/>
+                    <a:p>
+                      <a:pPr marL="457200">
+                        <a:lnSpc>
+                          <a:spcPct val="115000"/>
+                        </a:lnSpc>
+                        <a:spcAft>
+                          <a:spcPts val="1000"/>
+                        </a:spcAft>
+                      </a:pPr>
+                      <a:r>
+                        <a:rPr lang="en-US" sz="1200">
+                          <a:effectLst/>
+                        </a:rPr>
+                        <a:t>Người dùng đăng ký thành công, thông tin của khách hàng được lưu vào cơ sở dữ liệu.</a:t>
+                      </a:r>
+                      <a:endParaRPr lang="en-US" sz="1800">
+                        <a:effectLst/>
+                        <a:latin typeface="Times New Roman" panose="02020603050405020304" pitchFamily="18" charset="0"/>
+                        <a:ea typeface="Calibri" panose="020F0502020204030204" pitchFamily="34" charset="0"/>
+                      </a:endParaRPr>
+                    </a:p>
+                  </a:txBody>
+                  <a:tcPr marL="68580" marR="68580" marT="0" marB="0"/>
+                </a:tc>
+                <a:extLst>
+                  <a:ext uri="{0D108BD9-81ED-4DB2-BD59-A6C34878D82A}">
+                    <a16:rowId xmlns:a16="http://schemas.microsoft.com/office/drawing/2014/main" val="3598297937"/>
+                  </a:ext>
+                </a:extLst>
+              </a:tr>
+            </a:tbl>
+          </a:graphicData>
+        </a:graphic>
+      </p:graphicFrame>
+    </p:spTree>
+    <p:extLst>
+      <p:ext uri="{BB962C8B-B14F-4D97-AF65-F5344CB8AC3E}">
+        <p14:creationId xmlns:p14="http://schemas.microsoft.com/office/powerpoint/2010/main" val="3930875714"/>
+      </p:ext>
+    </p:extLst>
+  </p:cSld>
+  <p:clrMapOvr>
+    <a:masterClrMapping/>
+  </p:clrMapOvr>
+</p:sld>
+</file>
+
+<file path=ppt/slides/slide9.xml><?xml version="1.0" encoding="utf-8"?>
+<p:sld xmlns:a="http://schemas.openxmlformats.org/drawingml/2006/main" xmlns:r="http://schemas.openxmlformats.org/officeDocument/2006/relationships" xmlns:p="http://schemas.openxmlformats.org/presentationml/2006/main">
+  <p:cSld>
+    <p:spTree>
+      <p:nvGrpSpPr>
+        <p:cNvPr id="1" name=""/>
+        <p:cNvGrpSpPr/>
+        <p:nvPr/>
+      </p:nvGrpSpPr>
+      <p:grpSpPr>
+        <a:xfrm>
+          <a:off x="0" y="0"/>
+          <a:ext cx="0" cy="0"/>
+          <a:chOff x="0" y="0"/>
+          <a:chExt cx="0" cy="0"/>
+        </a:xfrm>
+      </p:grpSpPr>
+      <p:sp>
+        <p:nvSpPr>
+          <p:cNvPr id="2" name="Title 1">
+            <a:extLst>
+              <a:ext uri="{FF2B5EF4-FFF2-40B4-BE49-F238E27FC236}">
+                <a16:creationId xmlns:a16="http://schemas.microsoft.com/office/drawing/2014/main" id="{E116F976-27FA-4DD5-BD28-7EF577457ED5}"/>
+              </a:ext>
+            </a:extLst>
+          </p:cNvPr>
+          <p:cNvSpPr>
+            <a:spLocks noGrp="1"/>
+          </p:cNvSpPr>
+          <p:nvPr>
+            <p:ph type="title"/>
+          </p:nvPr>
+        </p:nvSpPr>
+        <p:spPr>
+          <a:xfrm>
+            <a:off x="1516968" y="0"/>
+            <a:ext cx="10018713" cy="1752599"/>
+          </a:xfrm>
+        </p:spPr>
+        <p:txBody>
+          <a:bodyPr/>
+          <a:lstStyle/>
+          <a:p>
+            <a:pPr algn="l"/>
+            <a:r>
+              <a:rPr lang="en-US"/>
+              <a:t>Đăng nhập</a:t>
+            </a:r>
+          </a:p>
+        </p:txBody>
+      </p:sp>
+      <p:graphicFrame>
+        <p:nvGraphicFramePr>
+          <p:cNvPr id="3" name="Table 2">
+            <a:extLst>
+              <a:ext uri="{FF2B5EF4-FFF2-40B4-BE49-F238E27FC236}">
+                <a16:creationId xmlns:a16="http://schemas.microsoft.com/office/drawing/2014/main" id="{AA1A1271-2B29-42EA-AEBE-037A73C4A7E3}"/>
+              </a:ext>
+            </a:extLst>
+          </p:cNvPr>
+          <p:cNvGraphicFramePr>
+            <a:graphicFrameLocks noGrp="1"/>
+          </p:cNvGraphicFramePr>
+          <p:nvPr>
+            <p:extLst>
+              <p:ext uri="{D42A27DB-BD31-4B8C-83A1-F6EECF244321}">
+                <p14:modId xmlns:p14="http://schemas.microsoft.com/office/powerpoint/2010/main" val="188244717"/>
+              </p:ext>
+            </p:extLst>
+          </p:nvPr>
+        </p:nvGraphicFramePr>
+        <p:xfrm>
+          <a:off x="2046514" y="1621970"/>
+          <a:ext cx="8098972" cy="4855030"/>
+        </p:xfrm>
+        <a:graphic>
+          <a:graphicData uri="http://schemas.openxmlformats.org/drawingml/2006/table">
+            <a:tbl>
+              <a:tblPr firstRow="1" firstCol="1" bandRow="1">
+                <a:tableStyleId>{5C22544A-7EE6-4342-B048-85BDC9FD1C3A}</a:tableStyleId>
+              </a:tblPr>
+              <a:tblGrid>
+                <a:gridCol w="1816913">
+                  <a:extLst>
+                    <a:ext uri="{9D8B030D-6E8A-4147-A177-3AD203B41FA5}">
+                      <a16:colId xmlns:a16="http://schemas.microsoft.com/office/drawing/2014/main" val="4214537579"/>
+                    </a:ext>
+                  </a:extLst>
+                </a:gridCol>
+                <a:gridCol w="6282059">
+                  <a:extLst>
+                    <a:ext uri="{9D8B030D-6E8A-4147-A177-3AD203B41FA5}">
+                      <a16:colId xmlns:a16="http://schemas.microsoft.com/office/drawing/2014/main" val="2895862415"/>
+                    </a:ext>
+                  </a:extLst>
+                </a:gridCol>
+              </a:tblGrid>
+              <a:tr h="391405">
+                <a:tc>
+                  <a:txBody>
+                    <a:bodyPr/>
+                    <a:lstStyle/>
+                    <a:p>
+                      <a:pPr marL="457200">
+                        <a:lnSpc>
+                          <a:spcPct val="115000"/>
+                        </a:lnSpc>
+                        <a:spcAft>
+                          <a:spcPts val="1000"/>
+                        </a:spcAft>
+                      </a:pPr>
+                      <a:r>
+                        <a:rPr lang="en-US" sz="1200">
+                          <a:effectLst/>
+                        </a:rPr>
+                        <a:t>Tên</a:t>
+                      </a:r>
+                      <a:endParaRPr lang="en-US" sz="1800">
+                        <a:effectLst/>
+                        <a:latin typeface="Times New Roman" panose="02020603050405020304" pitchFamily="18" charset="0"/>
+                        <a:ea typeface="Calibri" panose="020F0502020204030204" pitchFamily="34" charset="0"/>
+                      </a:endParaRPr>
+                    </a:p>
+                  </a:txBody>
+                  <a:tcPr marL="68580" marR="68580" marT="0" marB="0"/>
+                </a:tc>
+                <a:tc>
+                  <a:txBody>
+                    <a:bodyPr/>
+                    <a:lstStyle/>
+                    <a:p>
+                      <a:pPr marL="457200">
+                        <a:lnSpc>
+                          <a:spcPct val="115000"/>
+                        </a:lnSpc>
+                        <a:spcAft>
+                          <a:spcPts val="1000"/>
+                        </a:spcAft>
+                      </a:pPr>
+                      <a:r>
+                        <a:rPr lang="en-US" sz="1200">
+                          <a:effectLst/>
+                        </a:rPr>
+                        <a:t>Đăng nhập</a:t>
+                      </a:r>
+                      <a:endParaRPr lang="en-US" sz="1800">
+                        <a:effectLst/>
+                        <a:latin typeface="Times New Roman" panose="02020603050405020304" pitchFamily="18" charset="0"/>
+                        <a:ea typeface="Calibri" panose="020F0502020204030204" pitchFamily="34" charset="0"/>
+                      </a:endParaRPr>
+                    </a:p>
+                  </a:txBody>
+                  <a:tcPr marL="68580" marR="68580" marT="0" marB="0"/>
+                </a:tc>
+                <a:extLst>
+                  <a:ext uri="{0D108BD9-81ED-4DB2-BD59-A6C34878D82A}">
+                    <a16:rowId xmlns:a16="http://schemas.microsoft.com/office/drawing/2014/main" val="2442260789"/>
+                  </a:ext>
+                </a:extLst>
+              </a:tr>
+              <a:tr h="391405">
+                <a:tc>
+                  <a:txBody>
+                    <a:bodyPr/>
+                    <a:lstStyle/>
+                    <a:p>
+                      <a:pPr marL="457200">
+                        <a:lnSpc>
+                          <a:spcPct val="115000"/>
+                        </a:lnSpc>
+                        <a:spcAft>
+                          <a:spcPts val="1000"/>
+                        </a:spcAft>
+                      </a:pPr>
+                      <a:r>
+                        <a:rPr lang="en-US" sz="1200">
+                          <a:effectLst/>
+                        </a:rPr>
+                        <a:t>Actors</a:t>
+                      </a:r>
+                      <a:endParaRPr lang="en-US" sz="1800">
+                        <a:effectLst/>
+                        <a:latin typeface="Times New Roman" panose="02020603050405020304" pitchFamily="18" charset="0"/>
+                        <a:ea typeface="Calibri" panose="020F0502020204030204" pitchFamily="34" charset="0"/>
+                      </a:endParaRPr>
+                    </a:p>
+                  </a:txBody>
+                  <a:tcPr marL="68580" marR="68580" marT="0" marB="0"/>
+                </a:tc>
+                <a:tc>
+                  <a:txBody>
+                    <a:bodyPr/>
+                    <a:lstStyle/>
+                    <a:p>
+                      <a:pPr marL="457200">
+                        <a:lnSpc>
+                          <a:spcPct val="115000"/>
+                        </a:lnSpc>
+                        <a:spcAft>
+                          <a:spcPts val="1000"/>
+                        </a:spcAft>
+                      </a:pPr>
+                      <a:r>
+                        <a:rPr lang="en-US" sz="1200">
+                          <a:effectLst/>
+                        </a:rPr>
+                        <a:t>Người dùng</a:t>
+                      </a:r>
+                      <a:endParaRPr lang="en-US" sz="1800">
+                        <a:effectLst/>
+                        <a:latin typeface="Times New Roman" panose="02020603050405020304" pitchFamily="18" charset="0"/>
+                        <a:ea typeface="Calibri" panose="020F0502020204030204" pitchFamily="34" charset="0"/>
+                      </a:endParaRPr>
+                    </a:p>
+                  </a:txBody>
+                  <a:tcPr marL="68580" marR="68580" marT="0" marB="0"/>
+                </a:tc>
+                <a:extLst>
+                  <a:ext uri="{0D108BD9-81ED-4DB2-BD59-A6C34878D82A}">
+                    <a16:rowId xmlns:a16="http://schemas.microsoft.com/office/drawing/2014/main" val="4134017247"/>
+                  </a:ext>
+                </a:extLst>
+              </a:tr>
+              <a:tr h="809172">
+                <a:tc>
+                  <a:txBody>
+                    <a:bodyPr/>
+                    <a:lstStyle/>
+                    <a:p>
+                      <a:pPr marL="457200">
+                        <a:lnSpc>
+                          <a:spcPct val="115000"/>
+                        </a:lnSpc>
+                        <a:spcAft>
+                          <a:spcPts val="1000"/>
+                        </a:spcAft>
+                      </a:pPr>
+                      <a:r>
+                        <a:rPr lang="en-US" sz="1200">
+                          <a:effectLst/>
+                        </a:rPr>
+                        <a:t>Tóm tắt</a:t>
+                      </a:r>
+                      <a:endParaRPr lang="en-US" sz="1800">
+                        <a:effectLst/>
+                        <a:latin typeface="Times New Roman" panose="02020603050405020304" pitchFamily="18" charset="0"/>
+                        <a:ea typeface="Calibri" panose="020F0502020204030204" pitchFamily="34" charset="0"/>
+                      </a:endParaRPr>
+                    </a:p>
+                  </a:txBody>
+                  <a:tcPr marL="68580" marR="68580" marT="0" marB="0"/>
+                </a:tc>
+                <a:tc>
+                  <a:txBody>
+                    <a:bodyPr/>
+                    <a:lstStyle/>
+                    <a:p>
+                      <a:pPr marL="457200">
+                        <a:lnSpc>
+                          <a:spcPct val="115000"/>
+                        </a:lnSpc>
+                        <a:spcAft>
+                          <a:spcPts val="1000"/>
+                        </a:spcAft>
+                      </a:pPr>
+                      <a:r>
+                        <a:rPr lang="en-US" sz="1200">
+                          <a:effectLst/>
+                        </a:rPr>
+                        <a:t>Người dùng khi đã có tài khoản có thể đăng nhập vào hệ thống để sử dụng dịch vụ.</a:t>
+                      </a:r>
+                      <a:endParaRPr lang="en-US" sz="1800">
+                        <a:effectLst/>
+                        <a:latin typeface="Times New Roman" panose="02020603050405020304" pitchFamily="18" charset="0"/>
+                        <a:ea typeface="Calibri" panose="020F0502020204030204" pitchFamily="34" charset="0"/>
+                      </a:endParaRPr>
+                    </a:p>
+                  </a:txBody>
+                  <a:tcPr marL="68580" marR="68580" marT="0" marB="0"/>
+                </a:tc>
+                <a:extLst>
+                  <a:ext uri="{0D108BD9-81ED-4DB2-BD59-A6C34878D82A}">
+                    <a16:rowId xmlns:a16="http://schemas.microsoft.com/office/drawing/2014/main" val="3351590932"/>
+                  </a:ext>
+                </a:extLst>
+              </a:tr>
+              <a:tr h="1226938">
+                <a:tc>
+                  <a:txBody>
+                    <a:bodyPr/>
+                    <a:lstStyle/>
+                    <a:p>
+                      <a:pPr marL="457200">
+                        <a:lnSpc>
+                          <a:spcPct val="115000"/>
+                        </a:lnSpc>
+                        <a:spcAft>
+                          <a:spcPts val="1000"/>
+                        </a:spcAft>
+                      </a:pPr>
+                      <a:r>
+                        <a:rPr lang="en-US" sz="1200">
+                          <a:effectLst/>
+                        </a:rPr>
+                        <a:t>Điều kiện tiên quyết</a:t>
+                      </a:r>
+                      <a:endParaRPr lang="en-US" sz="1800">
+                        <a:effectLst/>
+                        <a:latin typeface="Times New Roman" panose="02020603050405020304" pitchFamily="18" charset="0"/>
+                        <a:ea typeface="Calibri" panose="020F0502020204030204" pitchFamily="34" charset="0"/>
+                      </a:endParaRPr>
+                    </a:p>
+                  </a:txBody>
+                  <a:tcPr marL="68580" marR="68580" marT="0" marB="0"/>
+                </a:tc>
+                <a:tc>
+                  <a:txBody>
+                    <a:bodyPr/>
+                    <a:lstStyle/>
+                    <a:p>
+                      <a:pPr marL="457200">
+                        <a:lnSpc>
+                          <a:spcPct val="115000"/>
+                        </a:lnSpc>
+                        <a:spcAft>
+                          <a:spcPts val="1000"/>
+                        </a:spcAft>
+                      </a:pPr>
+                      <a:r>
+                        <a:rPr lang="en-US" sz="1200">
+                          <a:effectLst/>
+                        </a:rPr>
+                        <a:t>Người dùng đã đăng ký tài khoản.</a:t>
+                      </a:r>
+                      <a:endParaRPr lang="en-US" sz="1800">
+                        <a:effectLst/>
+                        <a:latin typeface="Times New Roman" panose="02020603050405020304" pitchFamily="18" charset="0"/>
+                        <a:ea typeface="Calibri" panose="020F0502020204030204" pitchFamily="34" charset="0"/>
+                      </a:endParaRPr>
+                    </a:p>
+                  </a:txBody>
+                  <a:tcPr marL="68580" marR="68580" marT="0" marB="0"/>
+                </a:tc>
+                <a:extLst>
+                  <a:ext uri="{0D108BD9-81ED-4DB2-BD59-A6C34878D82A}">
+                    <a16:rowId xmlns:a16="http://schemas.microsoft.com/office/drawing/2014/main" val="3088046561"/>
+                  </a:ext>
+                </a:extLst>
+              </a:tr>
+              <a:tr h="809172">
+                <a:tc>
+                  <a:txBody>
+                    <a:bodyPr/>
+                    <a:lstStyle/>
+                    <a:p>
+                      <a:pPr marL="457200">
+                        <a:lnSpc>
+                          <a:spcPct val="115000"/>
+                        </a:lnSpc>
+                        <a:spcAft>
+                          <a:spcPts val="1000"/>
+                        </a:spcAft>
+                      </a:pPr>
+                      <a:r>
+                        <a:rPr lang="en-US" sz="1200">
+                          <a:effectLst/>
+                        </a:rPr>
+                        <a:t>Sự kiện bắt đầu</a:t>
+                      </a:r>
+                      <a:endParaRPr lang="en-US" sz="1800">
+                        <a:effectLst/>
+                        <a:latin typeface="Times New Roman" panose="02020603050405020304" pitchFamily="18" charset="0"/>
+                        <a:ea typeface="Calibri" panose="020F0502020204030204" pitchFamily="34" charset="0"/>
+                      </a:endParaRPr>
+                    </a:p>
+                  </a:txBody>
+                  <a:tcPr marL="68580" marR="68580" marT="0" marB="0"/>
+                </a:tc>
+                <a:tc>
+                  <a:txBody>
+                    <a:bodyPr/>
+                    <a:lstStyle/>
+                    <a:p>
+                      <a:pPr marL="457200">
+                        <a:lnSpc>
+                          <a:spcPct val="115000"/>
+                        </a:lnSpc>
+                        <a:spcAft>
+                          <a:spcPts val="1000"/>
+                        </a:spcAft>
+                      </a:pPr>
+                      <a:r>
+                        <a:rPr lang="en-US" sz="1200">
+                          <a:effectLst/>
+                        </a:rPr>
+                        <a:t>Người dùng nhấn vào nút đăng nhập.</a:t>
+                      </a:r>
+                      <a:endParaRPr lang="en-US" sz="1800">
+                        <a:effectLst/>
+                        <a:latin typeface="Times New Roman" panose="02020603050405020304" pitchFamily="18" charset="0"/>
+                        <a:ea typeface="Calibri" panose="020F0502020204030204" pitchFamily="34" charset="0"/>
+                      </a:endParaRPr>
+                    </a:p>
+                  </a:txBody>
+                  <a:tcPr marL="68580" marR="68580" marT="0" marB="0"/>
+                </a:tc>
+                <a:extLst>
+                  <a:ext uri="{0D108BD9-81ED-4DB2-BD59-A6C34878D82A}">
+                    <a16:rowId xmlns:a16="http://schemas.microsoft.com/office/drawing/2014/main" val="4098163320"/>
+                  </a:ext>
+                </a:extLst>
+              </a:tr>
+              <a:tr h="1226938">
+                <a:tc>
+                  <a:txBody>
+                    <a:bodyPr/>
+                    <a:lstStyle/>
+                    <a:p>
+                      <a:pPr marL="457200">
+                        <a:lnSpc>
+                          <a:spcPct val="115000"/>
+                        </a:lnSpc>
+                        <a:spcAft>
+                          <a:spcPts val="1000"/>
+                        </a:spcAft>
+                      </a:pPr>
+                      <a:r>
+                        <a:rPr lang="en-US" sz="1200">
+                          <a:effectLst/>
+                        </a:rPr>
+                        <a:t>Điều kiện kết thúc</a:t>
+                      </a:r>
+                      <a:endParaRPr lang="en-US" sz="1800">
+                        <a:effectLst/>
+                        <a:latin typeface="Times New Roman" panose="02020603050405020304" pitchFamily="18" charset="0"/>
+                        <a:ea typeface="Calibri" panose="020F0502020204030204" pitchFamily="34" charset="0"/>
+                      </a:endParaRPr>
+                    </a:p>
+                  </a:txBody>
+                  <a:tcPr marL="68580" marR="68580" marT="0" marB="0"/>
+                </a:tc>
+                <a:tc>
+                  <a:txBody>
+                    <a:bodyPr/>
+                    <a:lstStyle/>
+                    <a:p>
+                      <a:pPr marL="457200">
+                        <a:lnSpc>
+                          <a:spcPct val="115000"/>
+                        </a:lnSpc>
+                        <a:spcAft>
+                          <a:spcPts val="1000"/>
+                        </a:spcAft>
+                      </a:pPr>
+                      <a:r>
+                        <a:rPr lang="en-US" sz="1200">
+                          <a:effectLst/>
+                        </a:rPr>
+                        <a:t>Người dùng nhập đúng tài khoản và mật khẩu đã đăng ký và đăng nhập vào hệ thống.</a:t>
+                      </a:r>
+                      <a:endParaRPr lang="en-US" sz="1800">
+                        <a:effectLst/>
+                        <a:latin typeface="Times New Roman" panose="02020603050405020304" pitchFamily="18" charset="0"/>
+                        <a:ea typeface="Calibri" panose="020F0502020204030204" pitchFamily="34" charset="0"/>
+                      </a:endParaRPr>
+                    </a:p>
+                  </a:txBody>
+                  <a:tcPr marL="68580" marR="68580" marT="0" marB="0"/>
+                </a:tc>
+                <a:extLst>
+                  <a:ext uri="{0D108BD9-81ED-4DB2-BD59-A6C34878D82A}">
+                    <a16:rowId xmlns:a16="http://schemas.microsoft.com/office/drawing/2014/main" val="1376022970"/>
+                  </a:ext>
+                </a:extLst>
+              </a:tr>
+            </a:tbl>
+          </a:graphicData>
+        </a:graphic>
+      </p:graphicFrame>
+    </p:spTree>
+    <p:extLst>
+      <p:ext uri="{BB962C8B-B14F-4D97-AF65-F5344CB8AC3E}">
+        <p14:creationId xmlns:p14="http://schemas.microsoft.com/office/powerpoint/2010/main" val="1233447903"/>
       </p:ext>
     </p:extLst>
   </p:cSld>

--- a/CNPM.pptx
+++ b/CNPM.pptx
@@ -5,7 +5,7 @@
     <p:sldMasterId id="2147483672" r:id="rId1"/>
   </p:sldMasterIdLst>
   <p:notesMasterIdLst>
-    <p:notesMasterId r:id="rId13"/>
+    <p:notesMasterId r:id="rId21"/>
   </p:notesMasterIdLst>
   <p:sldIdLst>
     <p:sldId id="256" r:id="rId2"/>
@@ -15,10 +15,18 @@
     <p:sldId id="263" r:id="rId6"/>
     <p:sldId id="262" r:id="rId7"/>
     <p:sldId id="264" r:id="rId8"/>
-    <p:sldId id="265" r:id="rId9"/>
-    <p:sldId id="266" r:id="rId10"/>
-    <p:sldId id="267" r:id="rId11"/>
-    <p:sldId id="268" r:id="rId12"/>
+    <p:sldId id="271" r:id="rId9"/>
+    <p:sldId id="265" r:id="rId10"/>
+    <p:sldId id="266" r:id="rId11"/>
+    <p:sldId id="267" r:id="rId12"/>
+    <p:sldId id="269" r:id="rId13"/>
+    <p:sldId id="270" r:id="rId14"/>
+    <p:sldId id="272" r:id="rId15"/>
+    <p:sldId id="273" r:id="rId16"/>
+    <p:sldId id="274" r:id="rId17"/>
+    <p:sldId id="275" r:id="rId18"/>
+    <p:sldId id="276" r:id="rId19"/>
+    <p:sldId id="277" r:id="rId20"/>
   </p:sldIdLst>
   <p:sldSz cx="12192000" cy="6858000"/>
   <p:notesSz cx="6858000" cy="9144000"/>
@@ -4033,7 +4041,7 @@
           <a:p>
             <a:fld id="{B692C1E4-8D4F-4F13-A11D-B2F8E248C75F}" type="datetimeFigureOut">
               <a:rPr lang="en-US" smtClean="0"/>
-              <a:t>5/6/2021</a:t>
+              <a:t>6/19/2021</a:t>
             </a:fld>
             <a:endParaRPr lang="en-US"/>
           </a:p>
@@ -4384,6 +4392,354 @@
 </p:notes>
 </file>
 
+<file path=ppt/notesSlides/notesSlide10.xml><?xml version="1.0" encoding="utf-8"?>
+<p:notes xmlns:a="http://schemas.openxmlformats.org/drawingml/2006/main" xmlns:r="http://schemas.openxmlformats.org/officeDocument/2006/relationships" xmlns:p="http://schemas.openxmlformats.org/presentationml/2006/main">
+  <p:cSld>
+    <p:spTree>
+      <p:nvGrpSpPr>
+        <p:cNvPr id="1" name=""/>
+        <p:cNvGrpSpPr/>
+        <p:nvPr/>
+      </p:nvGrpSpPr>
+      <p:grpSpPr>
+        <a:xfrm>
+          <a:off x="0" y="0"/>
+          <a:ext cx="0" cy="0"/>
+          <a:chOff x="0" y="0"/>
+          <a:chExt cx="0" cy="0"/>
+        </a:xfrm>
+      </p:grpSpPr>
+      <p:sp>
+        <p:nvSpPr>
+          <p:cNvPr id="2" name="Slide Image Placeholder 1"/>
+          <p:cNvSpPr>
+            <a:spLocks noGrp="1" noRot="1" noChangeAspect="1"/>
+          </p:cNvSpPr>
+          <p:nvPr>
+            <p:ph type="sldImg"/>
+          </p:nvPr>
+        </p:nvSpPr>
+        <p:spPr/>
+      </p:sp>
+      <p:sp>
+        <p:nvSpPr>
+          <p:cNvPr id="3" name="Notes Placeholder 2"/>
+          <p:cNvSpPr>
+            <a:spLocks noGrp="1"/>
+          </p:cNvSpPr>
+          <p:nvPr>
+            <p:ph type="body" idx="1"/>
+          </p:nvPr>
+        </p:nvSpPr>
+        <p:spPr/>
+        <p:txBody>
+          <a:bodyPr/>
+          <a:lstStyle/>
+          <a:p>
+            <a:r>
+              <a:rPr lang="en-US"/>
+              <a:t> 	</a:t>
+            </a:r>
+          </a:p>
+        </p:txBody>
+      </p:sp>
+      <p:sp>
+        <p:nvSpPr>
+          <p:cNvPr id="4" name="Slide Number Placeholder 3"/>
+          <p:cNvSpPr>
+            <a:spLocks noGrp="1"/>
+          </p:cNvSpPr>
+          <p:nvPr>
+            <p:ph type="sldNum" sz="quarter" idx="5"/>
+          </p:nvPr>
+        </p:nvSpPr>
+        <p:spPr/>
+        <p:txBody>
+          <a:bodyPr/>
+          <a:lstStyle/>
+          <a:p>
+            <a:fld id="{166BE8A9-1332-43C3-9C65-C26D4AF875E6}" type="slidenum">
+              <a:rPr lang="en-US" smtClean="0"/>
+              <a:t>16</a:t>
+            </a:fld>
+            <a:endParaRPr lang="en-US"/>
+          </a:p>
+        </p:txBody>
+      </p:sp>
+    </p:spTree>
+    <p:extLst>
+      <p:ext uri="{BB962C8B-B14F-4D97-AF65-F5344CB8AC3E}">
+        <p14:creationId xmlns:p14="http://schemas.microsoft.com/office/powerpoint/2010/main" val="2955633292"/>
+      </p:ext>
+    </p:extLst>
+  </p:cSld>
+  <p:clrMapOvr>
+    <a:masterClrMapping/>
+  </p:clrMapOvr>
+</p:notes>
+</file>
+
+<file path=ppt/notesSlides/notesSlide11.xml><?xml version="1.0" encoding="utf-8"?>
+<p:notes xmlns:a="http://schemas.openxmlformats.org/drawingml/2006/main" xmlns:r="http://schemas.openxmlformats.org/officeDocument/2006/relationships" xmlns:p="http://schemas.openxmlformats.org/presentationml/2006/main">
+  <p:cSld>
+    <p:spTree>
+      <p:nvGrpSpPr>
+        <p:cNvPr id="1" name=""/>
+        <p:cNvGrpSpPr/>
+        <p:nvPr/>
+      </p:nvGrpSpPr>
+      <p:grpSpPr>
+        <a:xfrm>
+          <a:off x="0" y="0"/>
+          <a:ext cx="0" cy="0"/>
+          <a:chOff x="0" y="0"/>
+          <a:chExt cx="0" cy="0"/>
+        </a:xfrm>
+      </p:grpSpPr>
+      <p:sp>
+        <p:nvSpPr>
+          <p:cNvPr id="2" name="Slide Image Placeholder 1"/>
+          <p:cNvSpPr>
+            <a:spLocks noGrp="1" noRot="1" noChangeAspect="1"/>
+          </p:cNvSpPr>
+          <p:nvPr>
+            <p:ph type="sldImg"/>
+          </p:nvPr>
+        </p:nvSpPr>
+        <p:spPr/>
+      </p:sp>
+      <p:sp>
+        <p:nvSpPr>
+          <p:cNvPr id="3" name="Notes Placeholder 2"/>
+          <p:cNvSpPr>
+            <a:spLocks noGrp="1"/>
+          </p:cNvSpPr>
+          <p:nvPr>
+            <p:ph type="body" idx="1"/>
+          </p:nvPr>
+        </p:nvSpPr>
+        <p:spPr/>
+        <p:txBody>
+          <a:bodyPr/>
+          <a:lstStyle/>
+          <a:p>
+            <a:r>
+              <a:rPr lang="en-US"/>
+              <a:t> 	</a:t>
+            </a:r>
+          </a:p>
+        </p:txBody>
+      </p:sp>
+      <p:sp>
+        <p:nvSpPr>
+          <p:cNvPr id="4" name="Slide Number Placeholder 3"/>
+          <p:cNvSpPr>
+            <a:spLocks noGrp="1"/>
+          </p:cNvSpPr>
+          <p:nvPr>
+            <p:ph type="sldNum" sz="quarter" idx="5"/>
+          </p:nvPr>
+        </p:nvSpPr>
+        <p:spPr/>
+        <p:txBody>
+          <a:bodyPr/>
+          <a:lstStyle/>
+          <a:p>
+            <a:fld id="{166BE8A9-1332-43C3-9C65-C26D4AF875E6}" type="slidenum">
+              <a:rPr lang="en-US" smtClean="0"/>
+              <a:t>17</a:t>
+            </a:fld>
+            <a:endParaRPr lang="en-US"/>
+          </a:p>
+        </p:txBody>
+      </p:sp>
+    </p:spTree>
+    <p:extLst>
+      <p:ext uri="{BB962C8B-B14F-4D97-AF65-F5344CB8AC3E}">
+        <p14:creationId xmlns:p14="http://schemas.microsoft.com/office/powerpoint/2010/main" val="565211193"/>
+      </p:ext>
+    </p:extLst>
+  </p:cSld>
+  <p:clrMapOvr>
+    <a:masterClrMapping/>
+  </p:clrMapOvr>
+</p:notes>
+</file>
+
+<file path=ppt/notesSlides/notesSlide12.xml><?xml version="1.0" encoding="utf-8"?>
+<p:notes xmlns:a="http://schemas.openxmlformats.org/drawingml/2006/main" xmlns:r="http://schemas.openxmlformats.org/officeDocument/2006/relationships" xmlns:p="http://schemas.openxmlformats.org/presentationml/2006/main">
+  <p:cSld>
+    <p:spTree>
+      <p:nvGrpSpPr>
+        <p:cNvPr id="1" name=""/>
+        <p:cNvGrpSpPr/>
+        <p:nvPr/>
+      </p:nvGrpSpPr>
+      <p:grpSpPr>
+        <a:xfrm>
+          <a:off x="0" y="0"/>
+          <a:ext cx="0" cy="0"/>
+          <a:chOff x="0" y="0"/>
+          <a:chExt cx="0" cy="0"/>
+        </a:xfrm>
+      </p:grpSpPr>
+      <p:sp>
+        <p:nvSpPr>
+          <p:cNvPr id="2" name="Slide Image Placeholder 1"/>
+          <p:cNvSpPr>
+            <a:spLocks noGrp="1" noRot="1" noChangeAspect="1"/>
+          </p:cNvSpPr>
+          <p:nvPr>
+            <p:ph type="sldImg"/>
+          </p:nvPr>
+        </p:nvSpPr>
+        <p:spPr/>
+      </p:sp>
+      <p:sp>
+        <p:nvSpPr>
+          <p:cNvPr id="3" name="Notes Placeholder 2"/>
+          <p:cNvSpPr>
+            <a:spLocks noGrp="1"/>
+          </p:cNvSpPr>
+          <p:nvPr>
+            <p:ph type="body" idx="1"/>
+          </p:nvPr>
+        </p:nvSpPr>
+        <p:spPr/>
+        <p:txBody>
+          <a:bodyPr/>
+          <a:lstStyle/>
+          <a:p>
+            <a:r>
+              <a:rPr lang="en-US"/>
+              <a:t> 	</a:t>
+            </a:r>
+          </a:p>
+        </p:txBody>
+      </p:sp>
+      <p:sp>
+        <p:nvSpPr>
+          <p:cNvPr id="4" name="Slide Number Placeholder 3"/>
+          <p:cNvSpPr>
+            <a:spLocks noGrp="1"/>
+          </p:cNvSpPr>
+          <p:nvPr>
+            <p:ph type="sldNum" sz="quarter" idx="5"/>
+          </p:nvPr>
+        </p:nvSpPr>
+        <p:spPr/>
+        <p:txBody>
+          <a:bodyPr/>
+          <a:lstStyle/>
+          <a:p>
+            <a:fld id="{166BE8A9-1332-43C3-9C65-C26D4AF875E6}" type="slidenum">
+              <a:rPr lang="en-US" smtClean="0"/>
+              <a:t>18</a:t>
+            </a:fld>
+            <a:endParaRPr lang="en-US"/>
+          </a:p>
+        </p:txBody>
+      </p:sp>
+    </p:spTree>
+    <p:extLst>
+      <p:ext uri="{BB962C8B-B14F-4D97-AF65-F5344CB8AC3E}">
+        <p14:creationId xmlns:p14="http://schemas.microsoft.com/office/powerpoint/2010/main" val="2293103747"/>
+      </p:ext>
+    </p:extLst>
+  </p:cSld>
+  <p:clrMapOvr>
+    <a:masterClrMapping/>
+  </p:clrMapOvr>
+</p:notes>
+</file>
+
+<file path=ppt/notesSlides/notesSlide13.xml><?xml version="1.0" encoding="utf-8"?>
+<p:notes xmlns:a="http://schemas.openxmlformats.org/drawingml/2006/main" xmlns:r="http://schemas.openxmlformats.org/officeDocument/2006/relationships" xmlns:p="http://schemas.openxmlformats.org/presentationml/2006/main">
+  <p:cSld>
+    <p:spTree>
+      <p:nvGrpSpPr>
+        <p:cNvPr id="1" name=""/>
+        <p:cNvGrpSpPr/>
+        <p:nvPr/>
+      </p:nvGrpSpPr>
+      <p:grpSpPr>
+        <a:xfrm>
+          <a:off x="0" y="0"/>
+          <a:ext cx="0" cy="0"/>
+          <a:chOff x="0" y="0"/>
+          <a:chExt cx="0" cy="0"/>
+        </a:xfrm>
+      </p:grpSpPr>
+      <p:sp>
+        <p:nvSpPr>
+          <p:cNvPr id="2" name="Slide Image Placeholder 1"/>
+          <p:cNvSpPr>
+            <a:spLocks noGrp="1" noRot="1" noChangeAspect="1"/>
+          </p:cNvSpPr>
+          <p:nvPr>
+            <p:ph type="sldImg"/>
+          </p:nvPr>
+        </p:nvSpPr>
+        <p:spPr/>
+      </p:sp>
+      <p:sp>
+        <p:nvSpPr>
+          <p:cNvPr id="3" name="Notes Placeholder 2"/>
+          <p:cNvSpPr>
+            <a:spLocks noGrp="1"/>
+          </p:cNvSpPr>
+          <p:nvPr>
+            <p:ph type="body" idx="1"/>
+          </p:nvPr>
+        </p:nvSpPr>
+        <p:spPr/>
+        <p:txBody>
+          <a:bodyPr/>
+          <a:lstStyle/>
+          <a:p>
+            <a:r>
+              <a:rPr lang="en-US"/>
+              <a:t> 	</a:t>
+            </a:r>
+          </a:p>
+        </p:txBody>
+      </p:sp>
+      <p:sp>
+        <p:nvSpPr>
+          <p:cNvPr id="4" name="Slide Number Placeholder 3"/>
+          <p:cNvSpPr>
+            <a:spLocks noGrp="1"/>
+          </p:cNvSpPr>
+          <p:nvPr>
+            <p:ph type="sldNum" sz="quarter" idx="5"/>
+          </p:nvPr>
+        </p:nvSpPr>
+        <p:spPr/>
+        <p:txBody>
+          <a:bodyPr/>
+          <a:lstStyle/>
+          <a:p>
+            <a:fld id="{166BE8A9-1332-43C3-9C65-C26D4AF875E6}" type="slidenum">
+              <a:rPr lang="en-US" smtClean="0"/>
+              <a:t>19</a:t>
+            </a:fld>
+            <a:endParaRPr lang="en-US"/>
+          </a:p>
+        </p:txBody>
+      </p:sp>
+    </p:spTree>
+    <p:extLst>
+      <p:ext uri="{BB962C8B-B14F-4D97-AF65-F5344CB8AC3E}">
+        <p14:creationId xmlns:p14="http://schemas.microsoft.com/office/powerpoint/2010/main" val="94299847"/>
+      </p:ext>
+    </p:extLst>
+  </p:cSld>
+  <p:clrMapOvr>
+    <a:masterClrMapping/>
+  </p:clrMapOvr>
+</p:notes>
+</file>
+
 <file path=ppt/notesSlides/notesSlide2.xml><?xml version="1.0" encoding="utf-8"?>
 <p:notes xmlns:a="http://schemas.openxmlformats.org/drawingml/2006/main" xmlns:r="http://schemas.openxmlformats.org/officeDocument/2006/relationships" xmlns:p="http://schemas.openxmlformats.org/presentationml/2006/main">
   <p:cSld>
@@ -5087,7 +5443,7 @@
           <a:p>
             <a:fld id="{166BE8A9-1332-43C3-9C65-C26D4AF875E6}" type="slidenum">
               <a:rPr lang="en-US" smtClean="0"/>
-              <a:t>8</a:t>
+              <a:t>9</a:t>
             </a:fld>
             <a:endParaRPr lang="en-US"/>
           </a:p>
@@ -5562,7 +5918,7 @@
           <a:p>
             <a:fld id="{166BE8A9-1332-43C3-9C65-C26D4AF875E6}" type="slidenum">
               <a:rPr lang="en-US" smtClean="0"/>
-              <a:t>9</a:t>
+              <a:t>10</a:t>
             </a:fld>
             <a:endParaRPr lang="en-US"/>
           </a:p>
@@ -5952,7 +6308,7 @@
           <a:p>
             <a:fld id="{166BE8A9-1332-43C3-9C65-C26D4AF875E6}" type="slidenum">
               <a:rPr lang="en-US" smtClean="0"/>
-              <a:t>10</a:t>
+              <a:t>11</a:t>
             </a:fld>
             <a:endParaRPr lang="en-US"/>
           </a:p>
@@ -5962,6 +6318,940 @@
     <p:extLst>
       <p:ext uri="{BB962C8B-B14F-4D97-AF65-F5344CB8AC3E}">
         <p14:creationId xmlns:p14="http://schemas.microsoft.com/office/powerpoint/2010/main" val="738213598"/>
+      </p:ext>
+    </p:extLst>
+  </p:cSld>
+  <p:clrMapOvr>
+    <a:masterClrMapping/>
+  </p:clrMapOvr>
+</p:notes>
+</file>
+
+<file path=ppt/notesSlides/notesSlide8.xml><?xml version="1.0" encoding="utf-8"?>
+<p:notes xmlns:a="http://schemas.openxmlformats.org/drawingml/2006/main" xmlns:r="http://schemas.openxmlformats.org/officeDocument/2006/relationships" xmlns:p="http://schemas.openxmlformats.org/presentationml/2006/main">
+  <p:cSld>
+    <p:spTree>
+      <p:nvGrpSpPr>
+        <p:cNvPr id="1" name=""/>
+        <p:cNvGrpSpPr/>
+        <p:nvPr/>
+      </p:nvGrpSpPr>
+      <p:grpSpPr>
+        <a:xfrm>
+          <a:off x="0" y="0"/>
+          <a:ext cx="0" cy="0"/>
+          <a:chOff x="0" y="0"/>
+          <a:chExt cx="0" cy="0"/>
+        </a:xfrm>
+      </p:grpSpPr>
+      <p:sp>
+        <p:nvSpPr>
+          <p:cNvPr id="2" name="Slide Image Placeholder 1"/>
+          <p:cNvSpPr>
+            <a:spLocks noGrp="1" noRot="1" noChangeAspect="1"/>
+          </p:cNvSpPr>
+          <p:nvPr>
+            <p:ph type="sldImg"/>
+          </p:nvPr>
+        </p:nvSpPr>
+        <p:spPr/>
+      </p:sp>
+      <p:sp>
+        <p:nvSpPr>
+          <p:cNvPr id="3" name="Notes Placeholder 2"/>
+          <p:cNvSpPr>
+            <a:spLocks noGrp="1"/>
+          </p:cNvSpPr>
+          <p:nvPr>
+            <p:ph type="body" idx="1"/>
+          </p:nvPr>
+        </p:nvSpPr>
+        <p:spPr/>
+        <p:txBody>
+          <a:bodyPr/>
+          <a:lstStyle/>
+          <a:p>
+            <a:pPr marL="457200">
+              <a:lnSpc>
+                <a:spcPct val="115000"/>
+              </a:lnSpc>
+              <a:spcAft>
+                <a:spcPts val="1000"/>
+              </a:spcAft>
+            </a:pPr>
+            <a:r>
+              <a:rPr lang="en-US" sz="1200">
+                <a:effectLst/>
+                <a:latin typeface="Times New Roman" panose="02020603050405020304" pitchFamily="18" charset="0"/>
+                <a:ea typeface="Calibri" panose="020F0502020204030204" pitchFamily="34" charset="0"/>
+              </a:rPr>
+              <a:t>Dòng sự kiện chính:</a:t>
+            </a:r>
+            <a:endParaRPr lang="en-US" sz="1800">
+              <a:effectLst/>
+              <a:latin typeface="Times New Roman" panose="02020603050405020304" pitchFamily="18" charset="0"/>
+              <a:ea typeface="Calibri" panose="020F0502020204030204" pitchFamily="34" charset="0"/>
+            </a:endParaRPr>
+          </a:p>
+          <a:p>
+            <a:pPr marL="342900" lvl="0" indent="-342900">
+              <a:lnSpc>
+                <a:spcPct val="115000"/>
+              </a:lnSpc>
+              <a:buFont typeface="Times New Roman" panose="02020603050405020304" pitchFamily="18" charset="0"/>
+              <a:buChar char="-"/>
+            </a:pPr>
+            <a:r>
+              <a:rPr lang="en-US" sz="1200">
+                <a:effectLst/>
+                <a:latin typeface="Times New Roman" panose="02020603050405020304" pitchFamily="18" charset="0"/>
+                <a:ea typeface="Calibri" panose="020F0502020204030204" pitchFamily="34" charset="0"/>
+              </a:rPr>
+              <a:t>Tại giao diện danh sách bài học của Admin sẽ có một nút chọn thêm bài học hoặc là thêm bài kiểm tra.</a:t>
+            </a:r>
+            <a:endParaRPr lang="en-US" sz="1800">
+              <a:effectLst/>
+              <a:latin typeface="Times New Roman" panose="02020603050405020304" pitchFamily="18" charset="0"/>
+              <a:ea typeface="Calibri" panose="020F0502020204030204" pitchFamily="34" charset="0"/>
+            </a:endParaRPr>
+          </a:p>
+          <a:p>
+            <a:pPr marL="342900" lvl="0" indent="-342900">
+              <a:lnSpc>
+                <a:spcPct val="115000"/>
+              </a:lnSpc>
+              <a:buFont typeface="Times New Roman" panose="02020603050405020304" pitchFamily="18" charset="0"/>
+              <a:buChar char="-"/>
+            </a:pPr>
+            <a:r>
+              <a:rPr lang="en-US" sz="1200">
+                <a:effectLst/>
+                <a:latin typeface="Times New Roman" panose="02020603050405020304" pitchFamily="18" charset="0"/>
+                <a:ea typeface="Calibri" panose="020F0502020204030204" pitchFamily="34" charset="0"/>
+              </a:rPr>
+              <a:t>Admin chọn vào phần thêm bài học hoặc là thêm bài kiểm tra.</a:t>
+            </a:r>
+            <a:endParaRPr lang="en-US" sz="1800">
+              <a:effectLst/>
+              <a:latin typeface="Times New Roman" panose="02020603050405020304" pitchFamily="18" charset="0"/>
+              <a:ea typeface="Calibri" panose="020F0502020204030204" pitchFamily="34" charset="0"/>
+            </a:endParaRPr>
+          </a:p>
+          <a:p>
+            <a:pPr marL="342900" lvl="0" indent="-342900">
+              <a:lnSpc>
+                <a:spcPct val="115000"/>
+              </a:lnSpc>
+              <a:buFont typeface="Times New Roman" panose="02020603050405020304" pitchFamily="18" charset="0"/>
+              <a:buChar char="-"/>
+            </a:pPr>
+            <a:r>
+              <a:rPr lang="en-US" sz="1200">
+                <a:effectLst/>
+                <a:latin typeface="Times New Roman" panose="02020603050405020304" pitchFamily="18" charset="0"/>
+                <a:ea typeface="Calibri" panose="020F0502020204030204" pitchFamily="34" charset="0"/>
+              </a:rPr>
+              <a:t>Nếu là bài học thì người dùng thêm vào nội dung, hình ảnh, âm thanh và chủ đề. Nếu là bài kiểm tra thì người dùng điền vào câu hỏi, hình ảnh, âm thanh, chủ đề, 4 đáp án và câu trả lời đúng.</a:t>
+            </a:r>
+            <a:endParaRPr lang="en-US" sz="1800">
+              <a:effectLst/>
+              <a:latin typeface="Times New Roman" panose="02020603050405020304" pitchFamily="18" charset="0"/>
+              <a:ea typeface="Calibri" panose="020F0502020204030204" pitchFamily="34" charset="0"/>
+            </a:endParaRPr>
+          </a:p>
+          <a:p>
+            <a:pPr marL="342900" lvl="0" indent="-342900">
+              <a:lnSpc>
+                <a:spcPct val="115000"/>
+              </a:lnSpc>
+              <a:buFont typeface="Times New Roman" panose="02020603050405020304" pitchFamily="18" charset="0"/>
+              <a:buChar char="-"/>
+            </a:pPr>
+            <a:r>
+              <a:rPr lang="en-US" sz="1200">
+                <a:effectLst/>
+                <a:latin typeface="Times New Roman" panose="02020603050405020304" pitchFamily="18" charset="0"/>
+                <a:ea typeface="Calibri" panose="020F0502020204030204" pitchFamily="34" charset="0"/>
+              </a:rPr>
+              <a:t>Yêu cầu: nội dung là dạng chuỗi có độ dài tùy ý. Hình ảnh và âm thanh là link dạng nhúng, có thể sử dụng Google Drive để làm link nhúng vào. Chủ đề thì chọn trong các lựa chọn có sẵn.</a:t>
+            </a:r>
+            <a:endParaRPr lang="en-US" sz="1800">
+              <a:effectLst/>
+              <a:latin typeface="Times New Roman" panose="02020603050405020304" pitchFamily="18" charset="0"/>
+              <a:ea typeface="Calibri" panose="020F0502020204030204" pitchFamily="34" charset="0"/>
+            </a:endParaRPr>
+          </a:p>
+          <a:p>
+            <a:pPr marL="342900" lvl="0" indent="-342900">
+              <a:lnSpc>
+                <a:spcPct val="115000"/>
+              </a:lnSpc>
+              <a:buFont typeface="Times New Roman" panose="02020603050405020304" pitchFamily="18" charset="0"/>
+              <a:buChar char="-"/>
+            </a:pPr>
+            <a:r>
+              <a:rPr lang="en-US" sz="1200">
+                <a:effectLst/>
+                <a:latin typeface="Times New Roman" panose="02020603050405020304" pitchFamily="18" charset="0"/>
+                <a:ea typeface="Calibri" panose="020F0502020204030204" pitchFamily="34" charset="0"/>
+              </a:rPr>
+              <a:t>Đối với bài học: </a:t>
+            </a:r>
+            <a:endParaRPr lang="en-US" sz="1800">
+              <a:effectLst/>
+              <a:latin typeface="Times New Roman" panose="02020603050405020304" pitchFamily="18" charset="0"/>
+              <a:ea typeface="Calibri" panose="020F0502020204030204" pitchFamily="34" charset="0"/>
+            </a:endParaRPr>
+          </a:p>
+          <a:p>
+            <a:pPr marL="742950" lvl="1" indent="-285750">
+              <a:lnSpc>
+                <a:spcPct val="115000"/>
+              </a:lnSpc>
+              <a:buFont typeface="Courier New" panose="02070309020205020404" pitchFamily="49" charset="0"/>
+              <a:buChar char="o"/>
+            </a:pPr>
+            <a:r>
+              <a:rPr lang="en-US" sz="1200">
+                <a:effectLst/>
+                <a:latin typeface="Times New Roman" panose="02020603050405020304" pitchFamily="18" charset="0"/>
+                <a:ea typeface="Calibri" panose="020F0502020204030204" pitchFamily="34" charset="0"/>
+              </a:rPr>
+              <a:t>Các thông tin về nội dung, hình ảnh âm thanh và chủ đề sẻ được gửi về trang LessonController.</a:t>
+            </a:r>
+            <a:endParaRPr lang="en-US" sz="1800">
+              <a:effectLst/>
+              <a:latin typeface="Times New Roman" panose="02020603050405020304" pitchFamily="18" charset="0"/>
+              <a:ea typeface="Calibri" panose="020F0502020204030204" pitchFamily="34" charset="0"/>
+            </a:endParaRPr>
+          </a:p>
+          <a:p>
+            <a:pPr marL="742950" lvl="1" indent="-285750">
+              <a:lnSpc>
+                <a:spcPct val="115000"/>
+              </a:lnSpc>
+              <a:buFont typeface="Courier New" panose="02070309020205020404" pitchFamily="49" charset="0"/>
+              <a:buChar char="o"/>
+            </a:pPr>
+            <a:r>
+              <a:rPr lang="en-US" sz="1200">
+                <a:effectLst/>
+                <a:latin typeface="Times New Roman" panose="02020603050405020304" pitchFamily="18" charset="0"/>
+                <a:ea typeface="Calibri" panose="020F0502020204030204" pitchFamily="34" charset="0"/>
+              </a:rPr>
+              <a:t>Tại LessonController sẽ mapping những thông tin được gửi về thảnh một Lesson Model.</a:t>
+            </a:r>
+            <a:endParaRPr lang="en-US" sz="1800">
+              <a:effectLst/>
+              <a:latin typeface="Times New Roman" panose="02020603050405020304" pitchFamily="18" charset="0"/>
+              <a:ea typeface="Calibri" panose="020F0502020204030204" pitchFamily="34" charset="0"/>
+            </a:endParaRPr>
+          </a:p>
+          <a:p>
+            <a:pPr marL="742950" lvl="1" indent="-285750">
+              <a:lnSpc>
+                <a:spcPct val="115000"/>
+              </a:lnSpc>
+              <a:buFont typeface="Courier New" panose="02070309020205020404" pitchFamily="49" charset="0"/>
+              <a:buChar char="o"/>
+            </a:pPr>
+            <a:r>
+              <a:rPr lang="en-US" sz="1200">
+                <a:effectLst/>
+                <a:latin typeface="Times New Roman" panose="02020603050405020304" pitchFamily="18" charset="0"/>
+                <a:ea typeface="Calibri" panose="020F0502020204030204" pitchFamily="34" charset="0"/>
+              </a:rPr>
+              <a:t>Tại LessonController sau khi có Lesson Model sẽ gọi đến LessonService để gọi hàm saveLesson(Lesson).</a:t>
+            </a:r>
+            <a:endParaRPr lang="en-US" sz="1800">
+              <a:effectLst/>
+              <a:latin typeface="Times New Roman" panose="02020603050405020304" pitchFamily="18" charset="0"/>
+              <a:ea typeface="Calibri" panose="020F0502020204030204" pitchFamily="34" charset="0"/>
+            </a:endParaRPr>
+          </a:p>
+          <a:p>
+            <a:pPr marL="742950" lvl="1" indent="-285750">
+              <a:lnSpc>
+                <a:spcPct val="115000"/>
+              </a:lnSpc>
+              <a:buFont typeface="Courier New" panose="02070309020205020404" pitchFamily="49" charset="0"/>
+              <a:buChar char="o"/>
+            </a:pPr>
+            <a:r>
+              <a:rPr lang="en-US" sz="1200">
+                <a:effectLst/>
+                <a:latin typeface="Times New Roman" panose="02020603050405020304" pitchFamily="18" charset="0"/>
+                <a:ea typeface="Calibri" panose="020F0502020204030204" pitchFamily="34" charset="0"/>
+              </a:rPr>
+              <a:t>Tại LessonService sẽ gọi đến LessonDAO sử dụng hàm saveLesson(Lesson).</a:t>
+            </a:r>
+            <a:endParaRPr lang="en-US" sz="1800">
+              <a:effectLst/>
+              <a:latin typeface="Times New Roman" panose="02020603050405020304" pitchFamily="18" charset="0"/>
+              <a:ea typeface="Calibri" panose="020F0502020204030204" pitchFamily="34" charset="0"/>
+            </a:endParaRPr>
+          </a:p>
+          <a:p>
+            <a:pPr marL="742950" lvl="1" indent="-285750">
+              <a:lnSpc>
+                <a:spcPct val="115000"/>
+              </a:lnSpc>
+              <a:buFont typeface="Courier New" panose="02070309020205020404" pitchFamily="49" charset="0"/>
+              <a:buChar char="o"/>
+            </a:pPr>
+            <a:r>
+              <a:rPr lang="en-US" sz="1200">
+                <a:effectLst/>
+                <a:latin typeface="Times New Roman" panose="02020603050405020304" pitchFamily="18" charset="0"/>
+                <a:ea typeface="Calibri" panose="020F0502020204030204" pitchFamily="34" charset="0"/>
+              </a:rPr>
+              <a:t>Tại  LessonDAO sẽ sử dụng câu lệnh Insert xuống DataBase.</a:t>
+            </a:r>
+            <a:endParaRPr lang="en-US" sz="1800">
+              <a:effectLst/>
+              <a:latin typeface="Times New Roman" panose="02020603050405020304" pitchFamily="18" charset="0"/>
+              <a:ea typeface="Calibri" panose="020F0502020204030204" pitchFamily="34" charset="0"/>
+            </a:endParaRPr>
+          </a:p>
+          <a:p>
+            <a:pPr marL="742950" lvl="1" indent="-285750">
+              <a:lnSpc>
+                <a:spcPct val="115000"/>
+              </a:lnSpc>
+              <a:buFont typeface="Courier New" panose="02070309020205020404" pitchFamily="49" charset="0"/>
+              <a:buChar char="o"/>
+            </a:pPr>
+            <a:r>
+              <a:rPr lang="en-US" sz="1200">
+                <a:effectLst/>
+                <a:latin typeface="Times New Roman" panose="02020603050405020304" pitchFamily="18" charset="0"/>
+                <a:ea typeface="Calibri" panose="020F0502020204030204" pitchFamily="34" charset="0"/>
+              </a:rPr>
+              <a:t>Nếu insert thất bại sẽ trả về thông báo lần lượt cho LessonDAO, LessonService, LessonController và hiển thại thất bại tại trang thêm bài học.</a:t>
+            </a:r>
+            <a:endParaRPr lang="en-US" sz="1800">
+              <a:effectLst/>
+              <a:latin typeface="Times New Roman" panose="02020603050405020304" pitchFamily="18" charset="0"/>
+              <a:ea typeface="Calibri" panose="020F0502020204030204" pitchFamily="34" charset="0"/>
+            </a:endParaRPr>
+          </a:p>
+          <a:p>
+            <a:pPr marL="742950" lvl="1" indent="-285750">
+              <a:lnSpc>
+                <a:spcPct val="115000"/>
+              </a:lnSpc>
+              <a:buFont typeface="Courier New" panose="02070309020205020404" pitchFamily="49" charset="0"/>
+              <a:buChar char="o"/>
+            </a:pPr>
+            <a:r>
+              <a:rPr lang="en-US" sz="1200">
+                <a:effectLst/>
+                <a:latin typeface="Times New Roman" panose="02020603050405020304" pitchFamily="18" charset="0"/>
+                <a:ea typeface="Calibri" panose="020F0502020204030204" pitchFamily="34" charset="0"/>
+              </a:rPr>
+              <a:t>Nêu Insert thành công sẽ trả về thông báo thành công cho lần lượt LessonDAO, LessonService, LessonController và hiển thị thông báo thành công tại trang thêm bài học.</a:t>
+            </a:r>
+            <a:endParaRPr lang="en-US" sz="1800">
+              <a:effectLst/>
+              <a:latin typeface="Times New Roman" panose="02020603050405020304" pitchFamily="18" charset="0"/>
+              <a:ea typeface="Calibri" panose="020F0502020204030204" pitchFamily="34" charset="0"/>
+            </a:endParaRPr>
+          </a:p>
+          <a:p>
+            <a:pPr marL="342900" lvl="0" indent="-342900">
+              <a:lnSpc>
+                <a:spcPct val="115000"/>
+              </a:lnSpc>
+              <a:buFont typeface="Times New Roman" panose="02020603050405020304" pitchFamily="18" charset="0"/>
+              <a:buChar char="-"/>
+            </a:pPr>
+            <a:r>
+              <a:rPr lang="en-US" sz="1200">
+                <a:effectLst/>
+                <a:latin typeface="Times New Roman" panose="02020603050405020304" pitchFamily="18" charset="0"/>
+                <a:ea typeface="Calibri" panose="020F0502020204030204" pitchFamily="34" charset="0"/>
+              </a:rPr>
+              <a:t>Thông tin về bài học sẽ được lưu trong DataBase.</a:t>
+            </a:r>
+            <a:endParaRPr lang="en-US" sz="1800">
+              <a:effectLst/>
+              <a:latin typeface="Times New Roman" panose="02020603050405020304" pitchFamily="18" charset="0"/>
+              <a:ea typeface="Calibri" panose="020F0502020204030204" pitchFamily="34" charset="0"/>
+            </a:endParaRPr>
+          </a:p>
+          <a:p>
+            <a:pPr marL="342900" lvl="0" indent="-342900">
+              <a:lnSpc>
+                <a:spcPct val="115000"/>
+              </a:lnSpc>
+              <a:buFont typeface="Times New Roman" panose="02020603050405020304" pitchFamily="18" charset="0"/>
+              <a:buChar char="-"/>
+            </a:pPr>
+            <a:r>
+              <a:rPr lang="en-US" sz="1200">
+                <a:effectLst/>
+                <a:latin typeface="Times New Roman" panose="02020603050405020304" pitchFamily="18" charset="0"/>
+                <a:ea typeface="Calibri" panose="020F0502020204030204" pitchFamily="34" charset="0"/>
+              </a:rPr>
+              <a:t>Đối với bài kiểm tra:</a:t>
+            </a:r>
+            <a:endParaRPr lang="en-US" sz="1800">
+              <a:effectLst/>
+              <a:latin typeface="Times New Roman" panose="02020603050405020304" pitchFamily="18" charset="0"/>
+              <a:ea typeface="Calibri" panose="020F0502020204030204" pitchFamily="34" charset="0"/>
+            </a:endParaRPr>
+          </a:p>
+          <a:p>
+            <a:pPr marL="742950" lvl="1" indent="-285750">
+              <a:lnSpc>
+                <a:spcPct val="115000"/>
+              </a:lnSpc>
+              <a:buFont typeface="Courier New" panose="02070309020205020404" pitchFamily="49" charset="0"/>
+              <a:buChar char="o"/>
+            </a:pPr>
+            <a:r>
+              <a:rPr lang="en-US" sz="1200">
+                <a:effectLst/>
+                <a:latin typeface="Times New Roman" panose="02020603050405020304" pitchFamily="18" charset="0"/>
+                <a:ea typeface="Calibri" panose="020F0502020204030204" pitchFamily="34" charset="0"/>
+              </a:rPr>
+              <a:t>Các thông tin về câu hỏi, hình ảnh, âm thanh, chủ đề, 4 đáp án và đáp án đúng sẽ được gửi về trang LessonController.</a:t>
+            </a:r>
+            <a:endParaRPr lang="en-US" sz="1800">
+              <a:effectLst/>
+              <a:latin typeface="Times New Roman" panose="02020603050405020304" pitchFamily="18" charset="0"/>
+              <a:ea typeface="Calibri" panose="020F0502020204030204" pitchFamily="34" charset="0"/>
+            </a:endParaRPr>
+          </a:p>
+          <a:p>
+            <a:pPr marL="742950" lvl="1" indent="-285750">
+              <a:lnSpc>
+                <a:spcPct val="115000"/>
+              </a:lnSpc>
+              <a:buFont typeface="Courier New" panose="02070309020205020404" pitchFamily="49" charset="0"/>
+              <a:buChar char="o"/>
+            </a:pPr>
+            <a:r>
+              <a:rPr lang="en-US" sz="1200">
+                <a:effectLst/>
+                <a:latin typeface="Times New Roman" panose="02020603050405020304" pitchFamily="18" charset="0"/>
+                <a:ea typeface="Calibri" panose="020F0502020204030204" pitchFamily="34" charset="0"/>
+              </a:rPr>
+              <a:t>Tại LessonController sẽ mapping những thông tin được gửi về thành một Test Model.</a:t>
+            </a:r>
+            <a:endParaRPr lang="en-US" sz="1800">
+              <a:effectLst/>
+              <a:latin typeface="Times New Roman" panose="02020603050405020304" pitchFamily="18" charset="0"/>
+              <a:ea typeface="Calibri" panose="020F0502020204030204" pitchFamily="34" charset="0"/>
+            </a:endParaRPr>
+          </a:p>
+          <a:p>
+            <a:pPr marL="742950" lvl="1" indent="-285750">
+              <a:lnSpc>
+                <a:spcPct val="115000"/>
+              </a:lnSpc>
+              <a:buFont typeface="Courier New" panose="02070309020205020404" pitchFamily="49" charset="0"/>
+              <a:buChar char="o"/>
+            </a:pPr>
+            <a:r>
+              <a:rPr lang="en-US" sz="1200">
+                <a:effectLst/>
+                <a:latin typeface="Times New Roman" panose="02020603050405020304" pitchFamily="18" charset="0"/>
+                <a:ea typeface="Calibri" panose="020F0502020204030204" pitchFamily="34" charset="0"/>
+              </a:rPr>
+              <a:t>Tại LessonController sẽ gọi đến LessonService để sử dụng hàm saveTest(test).</a:t>
+            </a:r>
+            <a:endParaRPr lang="en-US" sz="1800">
+              <a:effectLst/>
+              <a:latin typeface="Times New Roman" panose="02020603050405020304" pitchFamily="18" charset="0"/>
+              <a:ea typeface="Calibri" panose="020F0502020204030204" pitchFamily="34" charset="0"/>
+            </a:endParaRPr>
+          </a:p>
+          <a:p>
+            <a:pPr marL="742950" lvl="1" indent="-285750">
+              <a:lnSpc>
+                <a:spcPct val="115000"/>
+              </a:lnSpc>
+              <a:buFont typeface="Courier New" panose="02070309020205020404" pitchFamily="49" charset="0"/>
+              <a:buChar char="o"/>
+            </a:pPr>
+            <a:r>
+              <a:rPr lang="en-US" sz="1200">
+                <a:effectLst/>
+                <a:latin typeface="Times New Roman" panose="02020603050405020304" pitchFamily="18" charset="0"/>
+                <a:ea typeface="Calibri" panose="020F0502020204030204" pitchFamily="34" charset="0"/>
+              </a:rPr>
+              <a:t>Tại LessonController sẽ gọi đến LessonDAO để sử dụng hàm saveTest(test).</a:t>
+            </a:r>
+            <a:endParaRPr lang="en-US" sz="1800">
+              <a:effectLst/>
+              <a:latin typeface="Times New Roman" panose="02020603050405020304" pitchFamily="18" charset="0"/>
+              <a:ea typeface="Calibri" panose="020F0502020204030204" pitchFamily="34" charset="0"/>
+            </a:endParaRPr>
+          </a:p>
+          <a:p>
+            <a:pPr marL="742950" lvl="1" indent="-285750">
+              <a:lnSpc>
+                <a:spcPct val="115000"/>
+              </a:lnSpc>
+              <a:buFont typeface="Courier New" panose="02070309020205020404" pitchFamily="49" charset="0"/>
+              <a:buChar char="o"/>
+            </a:pPr>
+            <a:r>
+              <a:rPr lang="en-US" sz="1200">
+                <a:effectLst/>
+                <a:latin typeface="Times New Roman" panose="02020603050405020304" pitchFamily="18" charset="0"/>
+                <a:ea typeface="Calibri" panose="020F0502020204030204" pitchFamily="34" charset="0"/>
+              </a:rPr>
+              <a:t>Tại LessonController sẽ insert xuống DataBase để thêm mới bài kiểm tra.</a:t>
+            </a:r>
+            <a:endParaRPr lang="en-US" sz="1800">
+              <a:effectLst/>
+              <a:latin typeface="Times New Roman" panose="02020603050405020304" pitchFamily="18" charset="0"/>
+              <a:ea typeface="Calibri" panose="020F0502020204030204" pitchFamily="34" charset="0"/>
+            </a:endParaRPr>
+          </a:p>
+          <a:p>
+            <a:pPr marL="742950" lvl="1" indent="-285750">
+              <a:lnSpc>
+                <a:spcPct val="115000"/>
+              </a:lnSpc>
+              <a:buFont typeface="Courier New" panose="02070309020205020404" pitchFamily="49" charset="0"/>
+              <a:buChar char="o"/>
+            </a:pPr>
+            <a:r>
+              <a:rPr lang="en-US" sz="1200">
+                <a:effectLst/>
+                <a:latin typeface="Times New Roman" panose="02020603050405020304" pitchFamily="18" charset="0"/>
+                <a:ea typeface="Calibri" panose="020F0502020204030204" pitchFamily="34" charset="0"/>
+              </a:rPr>
+              <a:t>Nếu insert thất bại sẽ trả về thông báo lần lượt cho LessonDAO, LessonService, LessonController và hiển thại thất bại tại trang thêm bài học.</a:t>
+            </a:r>
+            <a:endParaRPr lang="en-US" sz="1800">
+              <a:effectLst/>
+              <a:latin typeface="Times New Roman" panose="02020603050405020304" pitchFamily="18" charset="0"/>
+              <a:ea typeface="Calibri" panose="020F0502020204030204" pitchFamily="34" charset="0"/>
+            </a:endParaRPr>
+          </a:p>
+          <a:p>
+            <a:pPr marL="742950" lvl="1" indent="-285750">
+              <a:lnSpc>
+                <a:spcPct val="115000"/>
+              </a:lnSpc>
+              <a:buFont typeface="Courier New" panose="02070309020205020404" pitchFamily="49" charset="0"/>
+              <a:buChar char="o"/>
+            </a:pPr>
+            <a:r>
+              <a:rPr lang="en-US" sz="1200">
+                <a:effectLst/>
+                <a:latin typeface="Times New Roman" panose="02020603050405020304" pitchFamily="18" charset="0"/>
+                <a:ea typeface="Calibri" panose="020F0502020204030204" pitchFamily="34" charset="0"/>
+              </a:rPr>
+              <a:t>Nêu Insert thành công sẽ trả về thông báo thành công cho lần lượt LessonDAO, LessonService, LessonController và hiển thị thông báo thành công tại trang thêm bài học.</a:t>
+            </a:r>
+            <a:endParaRPr lang="en-US" sz="1800">
+              <a:effectLst/>
+              <a:latin typeface="Times New Roman" panose="02020603050405020304" pitchFamily="18" charset="0"/>
+              <a:ea typeface="Calibri" panose="020F0502020204030204" pitchFamily="34" charset="0"/>
+            </a:endParaRPr>
+          </a:p>
+          <a:p>
+            <a:pPr marL="342900" lvl="0" indent="-342900">
+              <a:lnSpc>
+                <a:spcPct val="115000"/>
+              </a:lnSpc>
+              <a:spcAft>
+                <a:spcPts val="1000"/>
+              </a:spcAft>
+              <a:buFont typeface="Times New Roman" panose="02020603050405020304" pitchFamily="18" charset="0"/>
+              <a:buChar char="-"/>
+            </a:pPr>
+            <a:r>
+              <a:rPr lang="en-US" sz="1200">
+                <a:effectLst/>
+                <a:latin typeface="Times New Roman" panose="02020603050405020304" pitchFamily="18" charset="0"/>
+                <a:ea typeface="Calibri" panose="020F0502020204030204" pitchFamily="34" charset="0"/>
+              </a:rPr>
+              <a:t>Thông tin sẽ được lưu trong DataBase.</a:t>
+            </a:r>
+            <a:endParaRPr lang="en-US" sz="1800">
+              <a:effectLst/>
+              <a:latin typeface="Times New Roman" panose="02020603050405020304" pitchFamily="18" charset="0"/>
+              <a:ea typeface="Calibri" panose="020F0502020204030204" pitchFamily="34" charset="0"/>
+            </a:endParaRPr>
+          </a:p>
+          <a:p>
+            <a:pPr marL="457200">
+              <a:lnSpc>
+                <a:spcPct val="115000"/>
+              </a:lnSpc>
+              <a:spcAft>
+                <a:spcPts val="1000"/>
+              </a:spcAft>
+            </a:pPr>
+            <a:r>
+              <a:rPr lang="en-US" sz="1200">
+                <a:effectLst/>
+                <a:latin typeface="Times New Roman" panose="02020603050405020304" pitchFamily="18" charset="0"/>
+                <a:ea typeface="Calibri" panose="020F0502020204030204" pitchFamily="34" charset="0"/>
+              </a:rPr>
+              <a:t>Dòng sự kiện phụ:</a:t>
+            </a:r>
+            <a:endParaRPr lang="en-US" sz="1800">
+              <a:effectLst/>
+              <a:latin typeface="Times New Roman" panose="02020603050405020304" pitchFamily="18" charset="0"/>
+              <a:ea typeface="Calibri" panose="020F0502020204030204" pitchFamily="34" charset="0"/>
+            </a:endParaRPr>
+          </a:p>
+          <a:p>
+            <a:pPr marL="457200">
+              <a:lnSpc>
+                <a:spcPct val="115000"/>
+              </a:lnSpc>
+              <a:spcAft>
+                <a:spcPts val="1000"/>
+              </a:spcAft>
+            </a:pPr>
+            <a:r>
+              <a:rPr lang="en-US" sz="1200">
+                <a:effectLst/>
+                <a:latin typeface="Times New Roman" panose="02020603050405020304" pitchFamily="18" charset="0"/>
+                <a:ea typeface="Calibri" panose="020F0502020204030204" pitchFamily="34" charset="0"/>
+              </a:rPr>
+              <a:t>[ Người dùng muốn thay đổi từ thêm bài học thành thêm bài kiểm tra và ngược lại ]</a:t>
+            </a:r>
+            <a:endParaRPr lang="en-US" sz="1800">
+              <a:effectLst/>
+              <a:latin typeface="Times New Roman" panose="02020603050405020304" pitchFamily="18" charset="0"/>
+              <a:ea typeface="Calibri" panose="020F0502020204030204" pitchFamily="34" charset="0"/>
+            </a:endParaRPr>
+          </a:p>
+          <a:p>
+            <a:pPr marL="342900" lvl="0" indent="-342900">
+              <a:lnSpc>
+                <a:spcPct val="115000"/>
+              </a:lnSpc>
+              <a:buFont typeface="Times New Roman" panose="02020603050405020304" pitchFamily="18" charset="0"/>
+              <a:buChar char="-"/>
+            </a:pPr>
+            <a:r>
+              <a:rPr lang="en-US" sz="1200">
+                <a:effectLst/>
+                <a:latin typeface="Times New Roman" panose="02020603050405020304" pitchFamily="18" charset="0"/>
+                <a:ea typeface="Calibri" panose="020F0502020204030204" pitchFamily="34" charset="0"/>
+              </a:rPr>
+              <a:t>Người dùng đang ở giao diện thêm bài học hoặc thêm bài kiểm tra.</a:t>
+            </a:r>
+            <a:endParaRPr lang="en-US" sz="1800">
+              <a:effectLst/>
+              <a:latin typeface="Times New Roman" panose="02020603050405020304" pitchFamily="18" charset="0"/>
+              <a:ea typeface="Calibri" panose="020F0502020204030204" pitchFamily="34" charset="0"/>
+            </a:endParaRPr>
+          </a:p>
+          <a:p>
+            <a:pPr marL="342900" lvl="0" indent="-342900">
+              <a:lnSpc>
+                <a:spcPct val="115000"/>
+              </a:lnSpc>
+              <a:buFont typeface="Times New Roman" panose="02020603050405020304" pitchFamily="18" charset="0"/>
+              <a:buChar char="-"/>
+            </a:pPr>
+            <a:r>
+              <a:rPr lang="en-US" sz="1200">
+                <a:effectLst/>
+                <a:latin typeface="Times New Roman" panose="02020603050405020304" pitchFamily="18" charset="0"/>
+                <a:ea typeface="Calibri" panose="020F0502020204030204" pitchFamily="34" charset="0"/>
+              </a:rPr>
+              <a:t>Người dùng nhấn quay lại và chọn lại phần mình muốn thêm.</a:t>
+            </a:r>
+            <a:endParaRPr lang="en-US" sz="1800">
+              <a:effectLst/>
+              <a:latin typeface="Times New Roman" panose="02020603050405020304" pitchFamily="18" charset="0"/>
+              <a:ea typeface="Calibri" panose="020F0502020204030204" pitchFamily="34" charset="0"/>
+            </a:endParaRPr>
+          </a:p>
+          <a:p>
+            <a:pPr marL="342900" lvl="0" indent="-342900">
+              <a:lnSpc>
+                <a:spcPct val="115000"/>
+              </a:lnSpc>
+              <a:spcAft>
+                <a:spcPts val="1000"/>
+              </a:spcAft>
+              <a:buFont typeface="Times New Roman" panose="02020603050405020304" pitchFamily="18" charset="0"/>
+              <a:buChar char="-"/>
+            </a:pPr>
+            <a:r>
+              <a:rPr lang="en-US" sz="1200">
+                <a:effectLst/>
+                <a:latin typeface="Times New Roman" panose="02020603050405020304" pitchFamily="18" charset="0"/>
+                <a:ea typeface="Calibri" panose="020F0502020204030204" pitchFamily="34" charset="0"/>
+              </a:rPr>
+              <a:t>Thực hiện dòng sự kiện chính.</a:t>
+            </a:r>
+            <a:endParaRPr lang="en-US" sz="1800">
+              <a:effectLst/>
+              <a:latin typeface="Times New Roman" panose="02020603050405020304" pitchFamily="18" charset="0"/>
+              <a:ea typeface="Calibri" panose="020F0502020204030204" pitchFamily="34" charset="0"/>
+            </a:endParaRPr>
+          </a:p>
+          <a:p>
+            <a:pPr marL="457200">
+              <a:lnSpc>
+                <a:spcPct val="115000"/>
+              </a:lnSpc>
+              <a:spcAft>
+                <a:spcPts val="1000"/>
+              </a:spcAft>
+            </a:pPr>
+            <a:r>
+              <a:rPr lang="en-US" sz="1200">
+                <a:effectLst/>
+                <a:latin typeface="Times New Roman" panose="02020603050405020304" pitchFamily="18" charset="0"/>
+                <a:ea typeface="Calibri" panose="020F0502020204030204" pitchFamily="34" charset="0"/>
+              </a:rPr>
+              <a:t>Dòng sự kiện ngoại lệ:</a:t>
+            </a:r>
+            <a:endParaRPr lang="en-US" sz="1800">
+              <a:effectLst/>
+              <a:latin typeface="Times New Roman" panose="02020603050405020304" pitchFamily="18" charset="0"/>
+              <a:ea typeface="Calibri" panose="020F0502020204030204" pitchFamily="34" charset="0"/>
+            </a:endParaRPr>
+          </a:p>
+          <a:p>
+            <a:pPr marL="457200">
+              <a:lnSpc>
+                <a:spcPct val="115000"/>
+              </a:lnSpc>
+              <a:spcAft>
+                <a:spcPts val="1000"/>
+              </a:spcAft>
+            </a:pPr>
+            <a:r>
+              <a:rPr lang="en-US" sz="1200">
+                <a:effectLst/>
+                <a:latin typeface="Times New Roman" panose="02020603050405020304" pitchFamily="18" charset="0"/>
+                <a:ea typeface="Calibri" panose="020F0502020204030204" pitchFamily="34" charset="0"/>
+              </a:rPr>
+              <a:t>[Người admin thoát ra trong lúc nhập thông tin]</a:t>
+            </a:r>
+            <a:endParaRPr lang="en-US" sz="1800">
+              <a:effectLst/>
+              <a:latin typeface="Times New Roman" panose="02020603050405020304" pitchFamily="18" charset="0"/>
+              <a:ea typeface="Calibri" panose="020F0502020204030204" pitchFamily="34" charset="0"/>
+            </a:endParaRPr>
+          </a:p>
+          <a:p>
+            <a:pPr marL="342900" lvl="0" indent="-342900">
+              <a:lnSpc>
+                <a:spcPct val="115000"/>
+              </a:lnSpc>
+              <a:spcAft>
+                <a:spcPts val="1000"/>
+              </a:spcAft>
+              <a:buFont typeface="Times New Roman" panose="02020603050405020304" pitchFamily="18" charset="0"/>
+              <a:buChar char="-"/>
+            </a:pPr>
+            <a:r>
+              <a:rPr lang="en-US" sz="1200">
+                <a:effectLst/>
+                <a:latin typeface="Times New Roman" panose="02020603050405020304" pitchFamily="18" charset="0"/>
+                <a:ea typeface="Calibri" panose="020F0502020204030204" pitchFamily="34" charset="0"/>
+              </a:rPr>
+              <a:t>Toàn bộ thông tin không được lưu lại và không được lưu xuống cơ sở dữ liệu</a:t>
+            </a:r>
+            <a:endParaRPr lang="en-US" sz="1800">
+              <a:effectLst/>
+              <a:latin typeface="Times New Roman" panose="02020603050405020304" pitchFamily="18" charset="0"/>
+              <a:ea typeface="Calibri" panose="020F0502020204030204" pitchFamily="34" charset="0"/>
+            </a:endParaRPr>
+          </a:p>
+          <a:p>
+            <a:pPr marL="457200">
+              <a:lnSpc>
+                <a:spcPct val="115000"/>
+              </a:lnSpc>
+              <a:spcAft>
+                <a:spcPts val="1000"/>
+              </a:spcAft>
+            </a:pPr>
+            <a:r>
+              <a:rPr lang="en-US" sz="1200">
+                <a:effectLst/>
+                <a:latin typeface="Times New Roman" panose="02020603050405020304" pitchFamily="18" charset="0"/>
+                <a:ea typeface="Calibri" panose="020F0502020204030204" pitchFamily="34" charset="0"/>
+              </a:rPr>
+              <a:t>[Không thể lưu bài xuống cơ sở dữ liệu]</a:t>
+            </a:r>
+            <a:endParaRPr lang="en-US" sz="1800">
+              <a:effectLst/>
+              <a:latin typeface="Times New Roman" panose="02020603050405020304" pitchFamily="18" charset="0"/>
+              <a:ea typeface="Calibri" panose="020F0502020204030204" pitchFamily="34" charset="0"/>
+            </a:endParaRPr>
+          </a:p>
+          <a:p>
+            <a:pPr marL="342900" lvl="0" indent="-342900">
+              <a:lnSpc>
+                <a:spcPct val="115000"/>
+              </a:lnSpc>
+              <a:buFont typeface="Times New Roman" panose="02020603050405020304" pitchFamily="18" charset="0"/>
+              <a:buChar char="-"/>
+            </a:pPr>
+            <a:r>
+              <a:rPr lang="en-US" sz="1200">
+                <a:effectLst/>
+                <a:latin typeface="Times New Roman" panose="02020603050405020304" pitchFamily="18" charset="0"/>
+                <a:ea typeface="Calibri" panose="020F0502020204030204" pitchFamily="34" charset="0"/>
+              </a:rPr>
+              <a:t>Toàn bộ thông tin không được lưu xuống cơ sở dữ liệu.</a:t>
+            </a:r>
+            <a:endParaRPr lang="en-US" sz="1800">
+              <a:effectLst/>
+              <a:latin typeface="Times New Roman" panose="02020603050405020304" pitchFamily="18" charset="0"/>
+              <a:ea typeface="Calibri" panose="020F0502020204030204" pitchFamily="34" charset="0"/>
+            </a:endParaRPr>
+          </a:p>
+          <a:p>
+            <a:pPr marL="342900" lvl="0" indent="-342900">
+              <a:lnSpc>
+                <a:spcPct val="115000"/>
+              </a:lnSpc>
+              <a:spcAft>
+                <a:spcPts val="1000"/>
+              </a:spcAft>
+              <a:buFont typeface="Times New Roman" panose="02020603050405020304" pitchFamily="18" charset="0"/>
+              <a:buChar char="-"/>
+            </a:pPr>
+            <a:r>
+              <a:rPr lang="en-US" sz="1200">
+                <a:effectLst/>
+                <a:latin typeface="Times New Roman" panose="02020603050405020304" pitchFamily="18" charset="0"/>
+                <a:ea typeface="Calibri" panose="020F0502020204030204" pitchFamily="34" charset="0"/>
+              </a:rPr>
+              <a:t>Xuất ra thông báo tại màn hình lưu bài là đã lưu bài thất bại.</a:t>
+            </a:r>
+            <a:endParaRPr lang="en-US" sz="1800">
+              <a:effectLst/>
+              <a:latin typeface="Times New Roman" panose="02020603050405020304" pitchFamily="18" charset="0"/>
+              <a:ea typeface="Calibri" panose="020F0502020204030204" pitchFamily="34" charset="0"/>
+            </a:endParaRPr>
+          </a:p>
+        </p:txBody>
+      </p:sp>
+      <p:sp>
+        <p:nvSpPr>
+          <p:cNvPr id="4" name="Slide Number Placeholder 3"/>
+          <p:cNvSpPr>
+            <a:spLocks noGrp="1"/>
+          </p:cNvSpPr>
+          <p:nvPr>
+            <p:ph type="sldNum" sz="quarter" idx="5"/>
+          </p:nvPr>
+        </p:nvSpPr>
+        <p:spPr/>
+        <p:txBody>
+          <a:bodyPr/>
+          <a:lstStyle/>
+          <a:p>
+            <a:fld id="{166BE8A9-1332-43C3-9C65-C26D4AF875E6}" type="slidenum">
+              <a:rPr lang="en-US" smtClean="0"/>
+              <a:t>12</a:t>
+            </a:fld>
+            <a:endParaRPr lang="en-US"/>
+          </a:p>
+        </p:txBody>
+      </p:sp>
+    </p:spTree>
+    <p:extLst>
+      <p:ext uri="{BB962C8B-B14F-4D97-AF65-F5344CB8AC3E}">
+        <p14:creationId xmlns:p14="http://schemas.microsoft.com/office/powerpoint/2010/main" val="971081728"/>
+      </p:ext>
+    </p:extLst>
+  </p:cSld>
+  <p:clrMapOvr>
+    <a:masterClrMapping/>
+  </p:clrMapOvr>
+</p:notes>
+</file>
+
+<file path=ppt/notesSlides/notesSlide9.xml><?xml version="1.0" encoding="utf-8"?>
+<p:notes xmlns:a="http://schemas.openxmlformats.org/drawingml/2006/main" xmlns:r="http://schemas.openxmlformats.org/officeDocument/2006/relationships" xmlns:p="http://schemas.openxmlformats.org/presentationml/2006/main">
+  <p:cSld>
+    <p:spTree>
+      <p:nvGrpSpPr>
+        <p:cNvPr id="1" name=""/>
+        <p:cNvGrpSpPr/>
+        <p:nvPr/>
+      </p:nvGrpSpPr>
+      <p:grpSpPr>
+        <a:xfrm>
+          <a:off x="0" y="0"/>
+          <a:ext cx="0" cy="0"/>
+          <a:chOff x="0" y="0"/>
+          <a:chExt cx="0" cy="0"/>
+        </a:xfrm>
+      </p:grpSpPr>
+      <p:sp>
+        <p:nvSpPr>
+          <p:cNvPr id="2" name="Slide Image Placeholder 1"/>
+          <p:cNvSpPr>
+            <a:spLocks noGrp="1" noRot="1" noChangeAspect="1"/>
+          </p:cNvSpPr>
+          <p:nvPr>
+            <p:ph type="sldImg"/>
+          </p:nvPr>
+        </p:nvSpPr>
+        <p:spPr/>
+      </p:sp>
+      <p:sp>
+        <p:nvSpPr>
+          <p:cNvPr id="3" name="Notes Placeholder 2"/>
+          <p:cNvSpPr>
+            <a:spLocks noGrp="1"/>
+          </p:cNvSpPr>
+          <p:nvPr>
+            <p:ph type="body" idx="1"/>
+          </p:nvPr>
+        </p:nvSpPr>
+        <p:spPr/>
+        <p:txBody>
+          <a:bodyPr/>
+          <a:lstStyle/>
+          <a:p>
+            <a:r>
+              <a:rPr lang="en-US"/>
+              <a:t> 	</a:t>
+            </a:r>
+          </a:p>
+        </p:txBody>
+      </p:sp>
+      <p:sp>
+        <p:nvSpPr>
+          <p:cNvPr id="4" name="Slide Number Placeholder 3"/>
+          <p:cNvSpPr>
+            <a:spLocks noGrp="1"/>
+          </p:cNvSpPr>
+          <p:nvPr>
+            <p:ph type="sldNum" sz="quarter" idx="5"/>
+          </p:nvPr>
+        </p:nvSpPr>
+        <p:spPr/>
+        <p:txBody>
+          <a:bodyPr/>
+          <a:lstStyle/>
+          <a:p>
+            <a:fld id="{166BE8A9-1332-43C3-9C65-C26D4AF875E6}" type="slidenum">
+              <a:rPr lang="en-US" smtClean="0"/>
+              <a:t>15</a:t>
+            </a:fld>
+            <a:endParaRPr lang="en-US"/>
+          </a:p>
+        </p:txBody>
+      </p:sp>
+    </p:spTree>
+    <p:extLst>
+      <p:ext uri="{BB962C8B-B14F-4D97-AF65-F5344CB8AC3E}">
+        <p14:creationId xmlns:p14="http://schemas.microsoft.com/office/powerpoint/2010/main" val="487346144"/>
       </p:ext>
     </p:extLst>
   </p:cSld>
@@ -6473,7 +7763,7 @@
           <a:p>
             <a:fld id="{63A1C593-65D0-4073-BCC9-577B9352EA97}" type="datetimeFigureOut">
               <a:rPr lang="en-US" smtClean="0"/>
-              <a:t>5/6/2021</a:t>
+              <a:t>6/19/2021</a:t>
             </a:fld>
             <a:endParaRPr lang="en-US"/>
           </a:p>
@@ -6769,7 +8059,7 @@
           <a:p>
             <a:fld id="{63A1C593-65D0-4073-BCC9-577B9352EA97}" type="datetimeFigureOut">
               <a:rPr lang="en-US" smtClean="0"/>
-              <a:t>5/6/2021</a:t>
+              <a:t>6/19/2021</a:t>
             </a:fld>
             <a:endParaRPr lang="en-US"/>
           </a:p>
@@ -7017,7 +8307,7 @@
           <a:p>
             <a:fld id="{63A1C593-65D0-4073-BCC9-577B9352EA97}" type="datetimeFigureOut">
               <a:rPr lang="en-US" smtClean="0"/>
-              <a:t>5/6/2021</a:t>
+              <a:t>6/19/2021</a:t>
             </a:fld>
             <a:endParaRPr lang="en-US"/>
           </a:p>
@@ -7557,7 +8847,7 @@
           <a:p>
             <a:fld id="{63A1C593-65D0-4073-BCC9-577B9352EA97}" type="datetimeFigureOut">
               <a:rPr lang="en-US" smtClean="0"/>
-              <a:t>5/6/2021</a:t>
+              <a:t>6/19/2021</a:t>
             </a:fld>
             <a:endParaRPr lang="en-US"/>
           </a:p>
@@ -7805,7 +9095,7 @@
           <a:p>
             <a:fld id="{63A1C593-65D0-4073-BCC9-577B9352EA97}" type="datetimeFigureOut">
               <a:rPr lang="en-US" smtClean="0"/>
-              <a:t>5/6/2021</a:t>
+              <a:t>6/19/2021</a:t>
             </a:fld>
             <a:endParaRPr lang="en-US"/>
           </a:p>
@@ -8337,7 +9627,7 @@
           <a:p>
             <a:fld id="{63A1C593-65D0-4073-BCC9-577B9352EA97}" type="datetimeFigureOut">
               <a:rPr lang="en-US" smtClean="0"/>
-              <a:t>5/6/2021</a:t>
+              <a:t>6/19/2021</a:t>
             </a:fld>
             <a:endParaRPr lang="en-US"/>
           </a:p>
@@ -8634,7 +9924,7 @@
           <a:p>
             <a:fld id="{63A1C593-65D0-4073-BCC9-577B9352EA97}" type="datetimeFigureOut">
               <a:rPr lang="en-US" smtClean="0"/>
-              <a:t>5/6/2021</a:t>
+              <a:t>6/19/2021</a:t>
             </a:fld>
             <a:endParaRPr lang="en-US"/>
           </a:p>
@@ -8808,7 +10098,7 @@
           <a:p>
             <a:fld id="{63A1C593-65D0-4073-BCC9-577B9352EA97}" type="datetimeFigureOut">
               <a:rPr lang="en-US" smtClean="0"/>
-              <a:t>5/6/2021</a:t>
+              <a:t>6/19/2021</a:t>
             </a:fld>
             <a:endParaRPr lang="en-US"/>
           </a:p>
@@ -8988,7 +10278,7 @@
           <a:p>
             <a:fld id="{63A1C593-65D0-4073-BCC9-577B9352EA97}" type="datetimeFigureOut">
               <a:rPr lang="en-US" smtClean="0"/>
-              <a:t>5/6/2021</a:t>
+              <a:t>6/19/2021</a:t>
             </a:fld>
             <a:endParaRPr lang="en-US"/>
           </a:p>
@@ -9158,7 +10448,7 @@
           <a:p>
             <a:fld id="{63A1C593-65D0-4073-BCC9-577B9352EA97}" type="datetimeFigureOut">
               <a:rPr lang="en-US" smtClean="0"/>
-              <a:t>5/6/2021</a:t>
+              <a:t>6/19/2021</a:t>
             </a:fld>
             <a:endParaRPr lang="en-US"/>
           </a:p>
@@ -9409,7 +10699,7 @@
           <a:p>
             <a:fld id="{63A1C593-65D0-4073-BCC9-577B9352EA97}" type="datetimeFigureOut">
               <a:rPr lang="en-US" smtClean="0"/>
-              <a:t>5/6/2021</a:t>
+              <a:t>6/19/2021</a:t>
             </a:fld>
             <a:endParaRPr lang="en-US"/>
           </a:p>
@@ -9706,7 +10996,7 @@
           <a:p>
             <a:fld id="{63A1C593-65D0-4073-BCC9-577B9352EA97}" type="datetimeFigureOut">
               <a:rPr lang="en-US" smtClean="0"/>
-              <a:t>5/6/2021</a:t>
+              <a:t>6/19/2021</a:t>
             </a:fld>
             <a:endParaRPr lang="en-US"/>
           </a:p>
@@ -10148,7 +11438,7 @@
           <a:p>
             <a:fld id="{63A1C593-65D0-4073-BCC9-577B9352EA97}" type="datetimeFigureOut">
               <a:rPr lang="en-US" smtClean="0"/>
-              <a:t>5/6/2021</a:t>
+              <a:t>6/19/2021</a:t>
             </a:fld>
             <a:endParaRPr lang="en-US"/>
           </a:p>
@@ -10266,7 +11556,7 @@
           <a:p>
             <a:fld id="{63A1C593-65D0-4073-BCC9-577B9352EA97}" type="datetimeFigureOut">
               <a:rPr lang="en-US" smtClean="0"/>
-              <a:t>5/6/2021</a:t>
+              <a:t>6/19/2021</a:t>
             </a:fld>
             <a:endParaRPr lang="en-US"/>
           </a:p>
@@ -10361,7 +11651,7 @@
           <a:p>
             <a:fld id="{63A1C593-65D0-4073-BCC9-577B9352EA97}" type="datetimeFigureOut">
               <a:rPr lang="en-US" smtClean="0"/>
-              <a:t>5/6/2021</a:t>
+              <a:t>6/19/2021</a:t>
             </a:fld>
             <a:endParaRPr lang="en-US"/>
           </a:p>
@@ -10644,7 +11934,7 @@
           <a:p>
             <a:fld id="{63A1C593-65D0-4073-BCC9-577B9352EA97}" type="datetimeFigureOut">
               <a:rPr lang="en-US" smtClean="0"/>
-              <a:t>5/6/2021</a:t>
+              <a:t>6/19/2021</a:t>
             </a:fld>
             <a:endParaRPr lang="en-US"/>
           </a:p>
@@ -10935,7 +12225,7 @@
           <a:p>
             <a:fld id="{63A1C593-65D0-4073-BCC9-577B9352EA97}" type="datetimeFigureOut">
               <a:rPr lang="en-US" smtClean="0"/>
-              <a:t>5/6/2021</a:t>
+              <a:t>6/19/2021</a:t>
             </a:fld>
             <a:endParaRPr lang="en-US"/>
           </a:p>
@@ -11465,7 +12755,7 @@
           <a:p>
             <a:fld id="{63A1C593-65D0-4073-BCC9-577B9352EA97}" type="datetimeFigureOut">
               <a:rPr lang="en-US" smtClean="0"/>
-              <a:t>5/6/2021</a:t>
+              <a:t>6/19/2021</a:t>
             </a:fld>
             <a:endParaRPr lang="en-US"/>
           </a:p>
@@ -12211,6 +13501,498 @@
           <p:cNvPr id="2" name="Title 1">
             <a:extLst>
               <a:ext uri="{FF2B5EF4-FFF2-40B4-BE49-F238E27FC236}">
+                <a16:creationId xmlns:a16="http://schemas.microsoft.com/office/drawing/2014/main" id="{E116F976-27FA-4DD5-BD28-7EF577457ED5}"/>
+              </a:ext>
+            </a:extLst>
+          </p:cNvPr>
+          <p:cNvSpPr>
+            <a:spLocks noGrp="1"/>
+          </p:cNvSpPr>
+          <p:nvPr>
+            <p:ph type="title"/>
+          </p:nvPr>
+        </p:nvSpPr>
+        <p:spPr>
+          <a:xfrm>
+            <a:off x="1516968" y="0"/>
+            <a:ext cx="10018713" cy="1752599"/>
+          </a:xfrm>
+        </p:spPr>
+        <p:txBody>
+          <a:bodyPr/>
+          <a:lstStyle/>
+          <a:p>
+            <a:pPr algn="l"/>
+            <a:r>
+              <a:rPr lang="en-US"/>
+              <a:t>Đăng nhập</a:t>
+            </a:r>
+          </a:p>
+        </p:txBody>
+      </p:sp>
+      <p:graphicFrame>
+        <p:nvGraphicFramePr>
+          <p:cNvPr id="3" name="Table 2">
+            <a:extLst>
+              <a:ext uri="{FF2B5EF4-FFF2-40B4-BE49-F238E27FC236}">
+                <a16:creationId xmlns:a16="http://schemas.microsoft.com/office/drawing/2014/main" id="{AA1A1271-2B29-42EA-AEBE-037A73C4A7E3}"/>
+              </a:ext>
+            </a:extLst>
+          </p:cNvPr>
+          <p:cNvGraphicFramePr>
+            <a:graphicFrameLocks noGrp="1"/>
+          </p:cNvGraphicFramePr>
+          <p:nvPr>
+            <p:extLst>
+              <p:ext uri="{D42A27DB-BD31-4B8C-83A1-F6EECF244321}">
+                <p14:modId xmlns:p14="http://schemas.microsoft.com/office/powerpoint/2010/main" val="188244717"/>
+              </p:ext>
+            </p:extLst>
+          </p:nvPr>
+        </p:nvGraphicFramePr>
+        <p:xfrm>
+          <a:off x="2046514" y="1621970"/>
+          <a:ext cx="8098972" cy="4855030"/>
+        </p:xfrm>
+        <a:graphic>
+          <a:graphicData uri="http://schemas.openxmlformats.org/drawingml/2006/table">
+            <a:tbl>
+              <a:tblPr firstRow="1" firstCol="1" bandRow="1">
+                <a:tableStyleId>{5C22544A-7EE6-4342-B048-85BDC9FD1C3A}</a:tableStyleId>
+              </a:tblPr>
+              <a:tblGrid>
+                <a:gridCol w="1816913">
+                  <a:extLst>
+                    <a:ext uri="{9D8B030D-6E8A-4147-A177-3AD203B41FA5}">
+                      <a16:colId xmlns:a16="http://schemas.microsoft.com/office/drawing/2014/main" val="4214537579"/>
+                    </a:ext>
+                  </a:extLst>
+                </a:gridCol>
+                <a:gridCol w="6282059">
+                  <a:extLst>
+                    <a:ext uri="{9D8B030D-6E8A-4147-A177-3AD203B41FA5}">
+                      <a16:colId xmlns:a16="http://schemas.microsoft.com/office/drawing/2014/main" val="2895862415"/>
+                    </a:ext>
+                  </a:extLst>
+                </a:gridCol>
+              </a:tblGrid>
+              <a:tr h="391405">
+                <a:tc>
+                  <a:txBody>
+                    <a:bodyPr/>
+                    <a:lstStyle/>
+                    <a:p>
+                      <a:pPr marL="457200">
+                        <a:lnSpc>
+                          <a:spcPct val="115000"/>
+                        </a:lnSpc>
+                        <a:spcAft>
+                          <a:spcPts val="1000"/>
+                        </a:spcAft>
+                      </a:pPr>
+                      <a:r>
+                        <a:rPr lang="en-US" sz="1200">
+                          <a:effectLst/>
+                        </a:rPr>
+                        <a:t>Tên</a:t>
+                      </a:r>
+                      <a:endParaRPr lang="en-US" sz="1800">
+                        <a:effectLst/>
+                        <a:latin typeface="Times New Roman" panose="02020603050405020304" pitchFamily="18" charset="0"/>
+                        <a:ea typeface="Calibri" panose="020F0502020204030204" pitchFamily="34" charset="0"/>
+                      </a:endParaRPr>
+                    </a:p>
+                  </a:txBody>
+                  <a:tcPr marL="68580" marR="68580" marT="0" marB="0"/>
+                </a:tc>
+                <a:tc>
+                  <a:txBody>
+                    <a:bodyPr/>
+                    <a:lstStyle/>
+                    <a:p>
+                      <a:pPr marL="457200">
+                        <a:lnSpc>
+                          <a:spcPct val="115000"/>
+                        </a:lnSpc>
+                        <a:spcAft>
+                          <a:spcPts val="1000"/>
+                        </a:spcAft>
+                      </a:pPr>
+                      <a:r>
+                        <a:rPr lang="en-US" sz="1200">
+                          <a:effectLst/>
+                        </a:rPr>
+                        <a:t>Đăng nhập</a:t>
+                      </a:r>
+                      <a:endParaRPr lang="en-US" sz="1800">
+                        <a:effectLst/>
+                        <a:latin typeface="Times New Roman" panose="02020603050405020304" pitchFamily="18" charset="0"/>
+                        <a:ea typeface="Calibri" panose="020F0502020204030204" pitchFamily="34" charset="0"/>
+                      </a:endParaRPr>
+                    </a:p>
+                  </a:txBody>
+                  <a:tcPr marL="68580" marR="68580" marT="0" marB="0"/>
+                </a:tc>
+                <a:extLst>
+                  <a:ext uri="{0D108BD9-81ED-4DB2-BD59-A6C34878D82A}">
+                    <a16:rowId xmlns:a16="http://schemas.microsoft.com/office/drawing/2014/main" val="2442260789"/>
+                  </a:ext>
+                </a:extLst>
+              </a:tr>
+              <a:tr h="391405">
+                <a:tc>
+                  <a:txBody>
+                    <a:bodyPr/>
+                    <a:lstStyle/>
+                    <a:p>
+                      <a:pPr marL="457200">
+                        <a:lnSpc>
+                          <a:spcPct val="115000"/>
+                        </a:lnSpc>
+                        <a:spcAft>
+                          <a:spcPts val="1000"/>
+                        </a:spcAft>
+                      </a:pPr>
+                      <a:r>
+                        <a:rPr lang="en-US" sz="1200">
+                          <a:effectLst/>
+                        </a:rPr>
+                        <a:t>Actors</a:t>
+                      </a:r>
+                      <a:endParaRPr lang="en-US" sz="1800">
+                        <a:effectLst/>
+                        <a:latin typeface="Times New Roman" panose="02020603050405020304" pitchFamily="18" charset="0"/>
+                        <a:ea typeface="Calibri" panose="020F0502020204030204" pitchFamily="34" charset="0"/>
+                      </a:endParaRPr>
+                    </a:p>
+                  </a:txBody>
+                  <a:tcPr marL="68580" marR="68580" marT="0" marB="0"/>
+                </a:tc>
+                <a:tc>
+                  <a:txBody>
+                    <a:bodyPr/>
+                    <a:lstStyle/>
+                    <a:p>
+                      <a:pPr marL="457200">
+                        <a:lnSpc>
+                          <a:spcPct val="115000"/>
+                        </a:lnSpc>
+                        <a:spcAft>
+                          <a:spcPts val="1000"/>
+                        </a:spcAft>
+                      </a:pPr>
+                      <a:r>
+                        <a:rPr lang="en-US" sz="1200">
+                          <a:effectLst/>
+                        </a:rPr>
+                        <a:t>Người dùng</a:t>
+                      </a:r>
+                      <a:endParaRPr lang="en-US" sz="1800">
+                        <a:effectLst/>
+                        <a:latin typeface="Times New Roman" panose="02020603050405020304" pitchFamily="18" charset="0"/>
+                        <a:ea typeface="Calibri" panose="020F0502020204030204" pitchFamily="34" charset="0"/>
+                      </a:endParaRPr>
+                    </a:p>
+                  </a:txBody>
+                  <a:tcPr marL="68580" marR="68580" marT="0" marB="0"/>
+                </a:tc>
+                <a:extLst>
+                  <a:ext uri="{0D108BD9-81ED-4DB2-BD59-A6C34878D82A}">
+                    <a16:rowId xmlns:a16="http://schemas.microsoft.com/office/drawing/2014/main" val="4134017247"/>
+                  </a:ext>
+                </a:extLst>
+              </a:tr>
+              <a:tr h="809172">
+                <a:tc>
+                  <a:txBody>
+                    <a:bodyPr/>
+                    <a:lstStyle/>
+                    <a:p>
+                      <a:pPr marL="457200">
+                        <a:lnSpc>
+                          <a:spcPct val="115000"/>
+                        </a:lnSpc>
+                        <a:spcAft>
+                          <a:spcPts val="1000"/>
+                        </a:spcAft>
+                      </a:pPr>
+                      <a:r>
+                        <a:rPr lang="en-US" sz="1200">
+                          <a:effectLst/>
+                        </a:rPr>
+                        <a:t>Tóm tắt</a:t>
+                      </a:r>
+                      <a:endParaRPr lang="en-US" sz="1800">
+                        <a:effectLst/>
+                        <a:latin typeface="Times New Roman" panose="02020603050405020304" pitchFamily="18" charset="0"/>
+                        <a:ea typeface="Calibri" panose="020F0502020204030204" pitchFamily="34" charset="0"/>
+                      </a:endParaRPr>
+                    </a:p>
+                  </a:txBody>
+                  <a:tcPr marL="68580" marR="68580" marT="0" marB="0"/>
+                </a:tc>
+                <a:tc>
+                  <a:txBody>
+                    <a:bodyPr/>
+                    <a:lstStyle/>
+                    <a:p>
+                      <a:pPr marL="457200">
+                        <a:lnSpc>
+                          <a:spcPct val="115000"/>
+                        </a:lnSpc>
+                        <a:spcAft>
+                          <a:spcPts val="1000"/>
+                        </a:spcAft>
+                      </a:pPr>
+                      <a:r>
+                        <a:rPr lang="en-US" sz="1200">
+                          <a:effectLst/>
+                        </a:rPr>
+                        <a:t>Người dùng khi đã có tài khoản có thể đăng nhập vào hệ thống để sử dụng dịch vụ.</a:t>
+                      </a:r>
+                      <a:endParaRPr lang="en-US" sz="1800">
+                        <a:effectLst/>
+                        <a:latin typeface="Times New Roman" panose="02020603050405020304" pitchFamily="18" charset="0"/>
+                        <a:ea typeface="Calibri" panose="020F0502020204030204" pitchFamily="34" charset="0"/>
+                      </a:endParaRPr>
+                    </a:p>
+                  </a:txBody>
+                  <a:tcPr marL="68580" marR="68580" marT="0" marB="0"/>
+                </a:tc>
+                <a:extLst>
+                  <a:ext uri="{0D108BD9-81ED-4DB2-BD59-A6C34878D82A}">
+                    <a16:rowId xmlns:a16="http://schemas.microsoft.com/office/drawing/2014/main" val="3351590932"/>
+                  </a:ext>
+                </a:extLst>
+              </a:tr>
+              <a:tr h="1226938">
+                <a:tc>
+                  <a:txBody>
+                    <a:bodyPr/>
+                    <a:lstStyle/>
+                    <a:p>
+                      <a:pPr marL="457200">
+                        <a:lnSpc>
+                          <a:spcPct val="115000"/>
+                        </a:lnSpc>
+                        <a:spcAft>
+                          <a:spcPts val="1000"/>
+                        </a:spcAft>
+                      </a:pPr>
+                      <a:r>
+                        <a:rPr lang="en-US" sz="1200">
+                          <a:effectLst/>
+                        </a:rPr>
+                        <a:t>Điều kiện tiên quyết</a:t>
+                      </a:r>
+                      <a:endParaRPr lang="en-US" sz="1800">
+                        <a:effectLst/>
+                        <a:latin typeface="Times New Roman" panose="02020603050405020304" pitchFamily="18" charset="0"/>
+                        <a:ea typeface="Calibri" panose="020F0502020204030204" pitchFamily="34" charset="0"/>
+                      </a:endParaRPr>
+                    </a:p>
+                  </a:txBody>
+                  <a:tcPr marL="68580" marR="68580" marT="0" marB="0"/>
+                </a:tc>
+                <a:tc>
+                  <a:txBody>
+                    <a:bodyPr/>
+                    <a:lstStyle/>
+                    <a:p>
+                      <a:pPr marL="457200">
+                        <a:lnSpc>
+                          <a:spcPct val="115000"/>
+                        </a:lnSpc>
+                        <a:spcAft>
+                          <a:spcPts val="1000"/>
+                        </a:spcAft>
+                      </a:pPr>
+                      <a:r>
+                        <a:rPr lang="en-US" sz="1200">
+                          <a:effectLst/>
+                        </a:rPr>
+                        <a:t>Người dùng đã đăng ký tài khoản.</a:t>
+                      </a:r>
+                      <a:endParaRPr lang="en-US" sz="1800">
+                        <a:effectLst/>
+                        <a:latin typeface="Times New Roman" panose="02020603050405020304" pitchFamily="18" charset="0"/>
+                        <a:ea typeface="Calibri" panose="020F0502020204030204" pitchFamily="34" charset="0"/>
+                      </a:endParaRPr>
+                    </a:p>
+                  </a:txBody>
+                  <a:tcPr marL="68580" marR="68580" marT="0" marB="0"/>
+                </a:tc>
+                <a:extLst>
+                  <a:ext uri="{0D108BD9-81ED-4DB2-BD59-A6C34878D82A}">
+                    <a16:rowId xmlns:a16="http://schemas.microsoft.com/office/drawing/2014/main" val="3088046561"/>
+                  </a:ext>
+                </a:extLst>
+              </a:tr>
+              <a:tr h="809172">
+                <a:tc>
+                  <a:txBody>
+                    <a:bodyPr/>
+                    <a:lstStyle/>
+                    <a:p>
+                      <a:pPr marL="457200">
+                        <a:lnSpc>
+                          <a:spcPct val="115000"/>
+                        </a:lnSpc>
+                        <a:spcAft>
+                          <a:spcPts val="1000"/>
+                        </a:spcAft>
+                      </a:pPr>
+                      <a:r>
+                        <a:rPr lang="en-US" sz="1200">
+                          <a:effectLst/>
+                        </a:rPr>
+                        <a:t>Sự kiện bắt đầu</a:t>
+                      </a:r>
+                      <a:endParaRPr lang="en-US" sz="1800">
+                        <a:effectLst/>
+                        <a:latin typeface="Times New Roman" panose="02020603050405020304" pitchFamily="18" charset="0"/>
+                        <a:ea typeface="Calibri" panose="020F0502020204030204" pitchFamily="34" charset="0"/>
+                      </a:endParaRPr>
+                    </a:p>
+                  </a:txBody>
+                  <a:tcPr marL="68580" marR="68580" marT="0" marB="0"/>
+                </a:tc>
+                <a:tc>
+                  <a:txBody>
+                    <a:bodyPr/>
+                    <a:lstStyle/>
+                    <a:p>
+                      <a:pPr marL="457200">
+                        <a:lnSpc>
+                          <a:spcPct val="115000"/>
+                        </a:lnSpc>
+                        <a:spcAft>
+                          <a:spcPts val="1000"/>
+                        </a:spcAft>
+                      </a:pPr>
+                      <a:r>
+                        <a:rPr lang="en-US" sz="1200">
+                          <a:effectLst/>
+                        </a:rPr>
+                        <a:t>Người dùng nhấn vào nút đăng nhập.</a:t>
+                      </a:r>
+                      <a:endParaRPr lang="en-US" sz="1800">
+                        <a:effectLst/>
+                        <a:latin typeface="Times New Roman" panose="02020603050405020304" pitchFamily="18" charset="0"/>
+                        <a:ea typeface="Calibri" panose="020F0502020204030204" pitchFamily="34" charset="0"/>
+                      </a:endParaRPr>
+                    </a:p>
+                  </a:txBody>
+                  <a:tcPr marL="68580" marR="68580" marT="0" marB="0"/>
+                </a:tc>
+                <a:extLst>
+                  <a:ext uri="{0D108BD9-81ED-4DB2-BD59-A6C34878D82A}">
+                    <a16:rowId xmlns:a16="http://schemas.microsoft.com/office/drawing/2014/main" val="4098163320"/>
+                  </a:ext>
+                </a:extLst>
+              </a:tr>
+              <a:tr h="1226938">
+                <a:tc>
+                  <a:txBody>
+                    <a:bodyPr/>
+                    <a:lstStyle/>
+                    <a:p>
+                      <a:pPr marL="457200">
+                        <a:lnSpc>
+                          <a:spcPct val="115000"/>
+                        </a:lnSpc>
+                        <a:spcAft>
+                          <a:spcPts val="1000"/>
+                        </a:spcAft>
+                      </a:pPr>
+                      <a:r>
+                        <a:rPr lang="en-US" sz="1200">
+                          <a:effectLst/>
+                        </a:rPr>
+                        <a:t>Điều kiện kết thúc</a:t>
+                      </a:r>
+                      <a:endParaRPr lang="en-US" sz="1800">
+                        <a:effectLst/>
+                        <a:latin typeface="Times New Roman" panose="02020603050405020304" pitchFamily="18" charset="0"/>
+                        <a:ea typeface="Calibri" panose="020F0502020204030204" pitchFamily="34" charset="0"/>
+                      </a:endParaRPr>
+                    </a:p>
+                  </a:txBody>
+                  <a:tcPr marL="68580" marR="68580" marT="0" marB="0"/>
+                </a:tc>
+                <a:tc>
+                  <a:txBody>
+                    <a:bodyPr/>
+                    <a:lstStyle/>
+                    <a:p>
+                      <a:pPr marL="457200">
+                        <a:lnSpc>
+                          <a:spcPct val="115000"/>
+                        </a:lnSpc>
+                        <a:spcAft>
+                          <a:spcPts val="1000"/>
+                        </a:spcAft>
+                      </a:pPr>
+                      <a:r>
+                        <a:rPr lang="en-US" sz="1200">
+                          <a:effectLst/>
+                        </a:rPr>
+                        <a:t>Người dùng nhập đúng tài khoản và mật khẩu đã đăng ký và đăng nhập vào hệ thống.</a:t>
+                      </a:r>
+                      <a:endParaRPr lang="en-US" sz="1800">
+                        <a:effectLst/>
+                        <a:latin typeface="Times New Roman" panose="02020603050405020304" pitchFamily="18" charset="0"/>
+                        <a:ea typeface="Calibri" panose="020F0502020204030204" pitchFamily="34" charset="0"/>
+                      </a:endParaRPr>
+                    </a:p>
+                  </a:txBody>
+                  <a:tcPr marL="68580" marR="68580" marT="0" marB="0"/>
+                </a:tc>
+                <a:extLst>
+                  <a:ext uri="{0D108BD9-81ED-4DB2-BD59-A6C34878D82A}">
+                    <a16:rowId xmlns:a16="http://schemas.microsoft.com/office/drawing/2014/main" val="1376022970"/>
+                  </a:ext>
+                </a:extLst>
+              </a:tr>
+            </a:tbl>
+          </a:graphicData>
+        </a:graphic>
+      </p:graphicFrame>
+    </p:spTree>
+    <p:extLst>
+      <p:ext uri="{BB962C8B-B14F-4D97-AF65-F5344CB8AC3E}">
+        <p14:creationId xmlns:p14="http://schemas.microsoft.com/office/powerpoint/2010/main" val="1233447903"/>
+      </p:ext>
+    </p:extLst>
+  </p:cSld>
+  <p:clrMapOvr>
+    <a:masterClrMapping/>
+  </p:clrMapOvr>
+</p:sld>
+</file>
+
+<file path=ppt/slides/slide11.xml><?xml version="1.0" encoding="utf-8"?>
+<p:sld xmlns:a="http://schemas.openxmlformats.org/drawingml/2006/main" xmlns:r="http://schemas.openxmlformats.org/officeDocument/2006/relationships" xmlns:p="http://schemas.openxmlformats.org/presentationml/2006/main">
+  <p:cSld>
+    <p:spTree>
+      <p:nvGrpSpPr>
+        <p:cNvPr id="1" name=""/>
+        <p:cNvGrpSpPr/>
+        <p:nvPr/>
+      </p:nvGrpSpPr>
+      <p:grpSpPr>
+        <a:xfrm>
+          <a:off x="0" y="0"/>
+          <a:ext cx="0" cy="0"/>
+          <a:chOff x="0" y="0"/>
+          <a:chExt cx="0" cy="0"/>
+        </a:xfrm>
+      </p:grpSpPr>
+      <p:sp>
+        <p:nvSpPr>
+          <p:cNvPr id="2" name="Title 1">
+            <a:extLst>
+              <a:ext uri="{FF2B5EF4-FFF2-40B4-BE49-F238E27FC236}">
                 <a16:creationId xmlns:a16="http://schemas.microsoft.com/office/drawing/2014/main" id="{226B3B11-2069-4E0E-9B54-5D1611C6CEB5}"/>
               </a:ext>
             </a:extLst>
@@ -12681,7 +14463,7 @@
 </p:sld>
 </file>
 
-<file path=ppt/slides/slide11.xml><?xml version="1.0" encoding="utf-8"?>
+<file path=ppt/slides/slide12.xml><?xml version="1.0" encoding="utf-8"?>
 <p:sld xmlns:a="http://schemas.openxmlformats.org/drawingml/2006/main" xmlns:r="http://schemas.openxmlformats.org/officeDocument/2006/relationships" xmlns:p="http://schemas.openxmlformats.org/presentationml/2006/main">
   <p:cSld>
     <p:spTree>
@@ -12698,12 +14480,542 @@
           <a:chExt cx="0" cy="0"/>
         </a:xfrm>
       </p:grpSpPr>
+      <p:sp>
+        <p:nvSpPr>
+          <p:cNvPr id="2" name="Title 1">
+            <a:extLst>
+              <a:ext uri="{FF2B5EF4-FFF2-40B4-BE49-F238E27FC236}">
+                <a16:creationId xmlns:a16="http://schemas.microsoft.com/office/drawing/2014/main" id="{226B3B11-2069-4E0E-9B54-5D1611C6CEB5}"/>
+              </a:ext>
+            </a:extLst>
+          </p:cNvPr>
+          <p:cNvSpPr>
+            <a:spLocks noGrp="1"/>
+          </p:cNvSpPr>
+          <p:nvPr>
+            <p:ph type="title"/>
+          </p:nvPr>
+        </p:nvSpPr>
+        <p:spPr>
+          <a:xfrm>
+            <a:off x="1511186" y="10886"/>
+            <a:ext cx="10018713" cy="1752599"/>
+          </a:xfrm>
+        </p:spPr>
+        <p:txBody>
+          <a:bodyPr/>
+          <a:lstStyle/>
+          <a:p>
+            <a:pPr algn="l"/>
+            <a:r>
+              <a:rPr lang="en-US"/>
+              <a:t>Thêm bài học</a:t>
+            </a:r>
+          </a:p>
+        </p:txBody>
+      </p:sp>
+      <p:graphicFrame>
+        <p:nvGraphicFramePr>
+          <p:cNvPr id="3" name="Table 2">
+            <a:extLst>
+              <a:ext uri="{FF2B5EF4-FFF2-40B4-BE49-F238E27FC236}">
+                <a16:creationId xmlns:a16="http://schemas.microsoft.com/office/drawing/2014/main" id="{03924BAB-FB87-4CC7-87BC-2F62E85F69BA}"/>
+              </a:ext>
+            </a:extLst>
+          </p:cNvPr>
+          <p:cNvGraphicFramePr>
+            <a:graphicFrameLocks noGrp="1"/>
+          </p:cNvGraphicFramePr>
+          <p:nvPr>
+            <p:extLst>
+              <p:ext uri="{D42A27DB-BD31-4B8C-83A1-F6EECF244321}">
+                <p14:modId xmlns:p14="http://schemas.microsoft.com/office/powerpoint/2010/main" val="3281269680"/>
+              </p:ext>
+            </p:extLst>
+          </p:nvPr>
+        </p:nvGraphicFramePr>
+        <p:xfrm>
+          <a:off x="2258786" y="1676400"/>
+          <a:ext cx="7674429" cy="4711055"/>
+        </p:xfrm>
+        <a:graphic>
+          <a:graphicData uri="http://schemas.openxmlformats.org/drawingml/2006/table">
+            <a:tbl>
+              <a:tblPr firstRow="1" firstCol="1" bandRow="1">
+                <a:tableStyleId>{5C22544A-7EE6-4342-B048-85BDC9FD1C3A}</a:tableStyleId>
+              </a:tblPr>
+              <a:tblGrid>
+                <a:gridCol w="2147264">
+                  <a:extLst>
+                    <a:ext uri="{9D8B030D-6E8A-4147-A177-3AD203B41FA5}">
+                      <a16:colId xmlns:a16="http://schemas.microsoft.com/office/drawing/2014/main" val="641265126"/>
+                    </a:ext>
+                  </a:extLst>
+                </a:gridCol>
+                <a:gridCol w="5527165">
+                  <a:extLst>
+                    <a:ext uri="{9D8B030D-6E8A-4147-A177-3AD203B41FA5}">
+                      <a16:colId xmlns:a16="http://schemas.microsoft.com/office/drawing/2014/main" val="2825853925"/>
+                    </a:ext>
+                  </a:extLst>
+                </a:gridCol>
+              </a:tblGrid>
+              <a:tr h="518139">
+                <a:tc>
+                  <a:txBody>
+                    <a:bodyPr/>
+                    <a:lstStyle/>
+                    <a:p>
+                      <a:pPr marL="457200">
+                        <a:lnSpc>
+                          <a:spcPct val="115000"/>
+                        </a:lnSpc>
+                        <a:spcAft>
+                          <a:spcPts val="1000"/>
+                        </a:spcAft>
+                      </a:pPr>
+                      <a:r>
+                        <a:rPr lang="en-US" sz="1200">
+                          <a:effectLst/>
+                        </a:rPr>
+                        <a:t>Tên</a:t>
+                      </a:r>
+                      <a:endParaRPr lang="en-US" sz="1800">
+                        <a:effectLst/>
+                        <a:latin typeface="Times New Roman" panose="02020603050405020304" pitchFamily="18" charset="0"/>
+                        <a:ea typeface="Calibri" panose="020F0502020204030204" pitchFamily="34" charset="0"/>
+                      </a:endParaRPr>
+                    </a:p>
+                  </a:txBody>
+                  <a:tcPr marL="68580" marR="68580" marT="0" marB="0"/>
+                </a:tc>
+                <a:tc>
+                  <a:txBody>
+                    <a:bodyPr/>
+                    <a:lstStyle/>
+                    <a:p>
+                      <a:pPr marL="457200">
+                        <a:lnSpc>
+                          <a:spcPct val="115000"/>
+                        </a:lnSpc>
+                        <a:spcAft>
+                          <a:spcPts val="1000"/>
+                        </a:spcAft>
+                      </a:pPr>
+                      <a:r>
+                        <a:rPr lang="en-US" sz="1200">
+                          <a:effectLst/>
+                        </a:rPr>
+                        <a:t>Thêm bài học</a:t>
+                      </a:r>
+                      <a:endParaRPr lang="en-US" sz="1800">
+                        <a:effectLst/>
+                        <a:latin typeface="Times New Roman" panose="02020603050405020304" pitchFamily="18" charset="0"/>
+                        <a:ea typeface="Calibri" panose="020F0502020204030204" pitchFamily="34" charset="0"/>
+                      </a:endParaRPr>
+                    </a:p>
+                  </a:txBody>
+                  <a:tcPr marL="68580" marR="68580" marT="0" marB="0"/>
+                </a:tc>
+                <a:extLst>
+                  <a:ext uri="{0D108BD9-81ED-4DB2-BD59-A6C34878D82A}">
+                    <a16:rowId xmlns:a16="http://schemas.microsoft.com/office/drawing/2014/main" val="4234619729"/>
+                  </a:ext>
+                </a:extLst>
+              </a:tr>
+              <a:tr h="518139">
+                <a:tc>
+                  <a:txBody>
+                    <a:bodyPr/>
+                    <a:lstStyle/>
+                    <a:p>
+                      <a:pPr marL="457200">
+                        <a:lnSpc>
+                          <a:spcPct val="115000"/>
+                        </a:lnSpc>
+                        <a:spcAft>
+                          <a:spcPts val="1000"/>
+                        </a:spcAft>
+                      </a:pPr>
+                      <a:r>
+                        <a:rPr lang="en-US" sz="1200">
+                          <a:effectLst/>
+                        </a:rPr>
+                        <a:t>Actors</a:t>
+                      </a:r>
+                      <a:endParaRPr lang="en-US" sz="1800">
+                        <a:effectLst/>
+                        <a:latin typeface="Times New Roman" panose="02020603050405020304" pitchFamily="18" charset="0"/>
+                        <a:ea typeface="Calibri" panose="020F0502020204030204" pitchFamily="34" charset="0"/>
+                      </a:endParaRPr>
+                    </a:p>
+                  </a:txBody>
+                  <a:tcPr marL="68580" marR="68580" marT="0" marB="0"/>
+                </a:tc>
+                <a:tc>
+                  <a:txBody>
+                    <a:bodyPr/>
+                    <a:lstStyle/>
+                    <a:p>
+                      <a:pPr marL="457200">
+                        <a:lnSpc>
+                          <a:spcPct val="115000"/>
+                        </a:lnSpc>
+                        <a:spcAft>
+                          <a:spcPts val="1000"/>
+                        </a:spcAft>
+                      </a:pPr>
+                      <a:r>
+                        <a:rPr lang="en-US" sz="1200">
+                          <a:effectLst/>
+                        </a:rPr>
+                        <a:t>Người quản lý</a:t>
+                      </a:r>
+                      <a:endParaRPr lang="en-US" sz="1800">
+                        <a:effectLst/>
+                        <a:latin typeface="Times New Roman" panose="02020603050405020304" pitchFamily="18" charset="0"/>
+                        <a:ea typeface="Calibri" panose="020F0502020204030204" pitchFamily="34" charset="0"/>
+                      </a:endParaRPr>
+                    </a:p>
+                  </a:txBody>
+                  <a:tcPr marL="68580" marR="68580" marT="0" marB="0"/>
+                </a:tc>
+                <a:extLst>
+                  <a:ext uri="{0D108BD9-81ED-4DB2-BD59-A6C34878D82A}">
+                    <a16:rowId xmlns:a16="http://schemas.microsoft.com/office/drawing/2014/main" val="2447354973"/>
+                  </a:ext>
+                </a:extLst>
+              </a:tr>
+              <a:tr h="518139">
+                <a:tc>
+                  <a:txBody>
+                    <a:bodyPr/>
+                    <a:lstStyle/>
+                    <a:p>
+                      <a:pPr marL="457200">
+                        <a:lnSpc>
+                          <a:spcPct val="115000"/>
+                        </a:lnSpc>
+                        <a:spcAft>
+                          <a:spcPts val="1000"/>
+                        </a:spcAft>
+                      </a:pPr>
+                      <a:r>
+                        <a:rPr lang="en-US" sz="1200">
+                          <a:effectLst/>
+                        </a:rPr>
+                        <a:t>Tóm tắt</a:t>
+                      </a:r>
+                      <a:endParaRPr lang="en-US" sz="1800">
+                        <a:effectLst/>
+                        <a:latin typeface="Times New Roman" panose="02020603050405020304" pitchFamily="18" charset="0"/>
+                        <a:ea typeface="Calibri" panose="020F0502020204030204" pitchFamily="34" charset="0"/>
+                      </a:endParaRPr>
+                    </a:p>
+                  </a:txBody>
+                  <a:tcPr marL="68580" marR="68580" marT="0" marB="0"/>
+                </a:tc>
+                <a:tc>
+                  <a:txBody>
+                    <a:bodyPr/>
+                    <a:lstStyle/>
+                    <a:p>
+                      <a:pPr marL="457200">
+                        <a:lnSpc>
+                          <a:spcPct val="115000"/>
+                        </a:lnSpc>
+                        <a:spcAft>
+                          <a:spcPts val="1000"/>
+                        </a:spcAft>
+                      </a:pPr>
+                      <a:r>
+                        <a:rPr lang="en-US" sz="1200">
+                          <a:effectLst/>
+                        </a:rPr>
+                        <a:t>Người quản lý thêm bài học vào cơ sở dữ liệu</a:t>
+                      </a:r>
+                      <a:endParaRPr lang="en-US" sz="1800">
+                        <a:effectLst/>
+                        <a:latin typeface="Times New Roman" panose="02020603050405020304" pitchFamily="18" charset="0"/>
+                        <a:ea typeface="Calibri" panose="020F0502020204030204" pitchFamily="34" charset="0"/>
+                      </a:endParaRPr>
+                    </a:p>
+                  </a:txBody>
+                  <a:tcPr marL="68580" marR="68580" marT="0" marB="0"/>
+                </a:tc>
+                <a:extLst>
+                  <a:ext uri="{0D108BD9-81ED-4DB2-BD59-A6C34878D82A}">
+                    <a16:rowId xmlns:a16="http://schemas.microsoft.com/office/drawing/2014/main" val="3263370727"/>
+                  </a:ext>
+                </a:extLst>
+              </a:tr>
+              <a:tr h="1071176">
+                <a:tc>
+                  <a:txBody>
+                    <a:bodyPr/>
+                    <a:lstStyle/>
+                    <a:p>
+                      <a:pPr marL="457200">
+                        <a:lnSpc>
+                          <a:spcPct val="115000"/>
+                        </a:lnSpc>
+                        <a:spcAft>
+                          <a:spcPts val="1000"/>
+                        </a:spcAft>
+                      </a:pPr>
+                      <a:r>
+                        <a:rPr lang="en-US" sz="1200">
+                          <a:effectLst/>
+                        </a:rPr>
+                        <a:t>Điều kiện tiên quyết</a:t>
+                      </a:r>
+                      <a:endParaRPr lang="en-US" sz="1800">
+                        <a:effectLst/>
+                        <a:latin typeface="Times New Roman" panose="02020603050405020304" pitchFamily="18" charset="0"/>
+                        <a:ea typeface="Calibri" panose="020F0502020204030204" pitchFamily="34" charset="0"/>
+                      </a:endParaRPr>
+                    </a:p>
+                  </a:txBody>
+                  <a:tcPr marL="68580" marR="68580" marT="0" marB="0"/>
+                </a:tc>
+                <a:tc>
+                  <a:txBody>
+                    <a:bodyPr/>
+                    <a:lstStyle/>
+                    <a:p>
+                      <a:pPr marL="457200">
+                        <a:lnSpc>
+                          <a:spcPct val="115000"/>
+                        </a:lnSpc>
+                        <a:spcAft>
+                          <a:spcPts val="1000"/>
+                        </a:spcAft>
+                      </a:pPr>
+                      <a:r>
+                        <a:rPr lang="en-US" sz="1200">
+                          <a:effectLst/>
+                          <a:latin typeface="Times New Roman" panose="02020603050405020304" pitchFamily="18" charset="0"/>
+                          <a:ea typeface="Calibri" panose="020F0502020204030204" pitchFamily="34" charset="0"/>
+                        </a:rPr>
+                        <a:t>Phải đăng nhập vào phần quản lý của admin</a:t>
+                      </a:r>
+                      <a:endParaRPr lang="en-US" sz="1800">
+                        <a:effectLst/>
+                        <a:latin typeface="Times New Roman" panose="02020603050405020304" pitchFamily="18" charset="0"/>
+                        <a:ea typeface="Calibri" panose="020F0502020204030204" pitchFamily="34" charset="0"/>
+                      </a:endParaRPr>
+                    </a:p>
+                  </a:txBody>
+                  <a:tcPr marL="68580" marR="68580" marT="0" marB="0"/>
+                </a:tc>
+                <a:extLst>
+                  <a:ext uri="{0D108BD9-81ED-4DB2-BD59-A6C34878D82A}">
+                    <a16:rowId xmlns:a16="http://schemas.microsoft.com/office/drawing/2014/main" val="676806107"/>
+                  </a:ext>
+                </a:extLst>
+              </a:tr>
+              <a:tr h="1014286">
+                <a:tc>
+                  <a:txBody>
+                    <a:bodyPr/>
+                    <a:lstStyle/>
+                    <a:p>
+                      <a:pPr marL="457200">
+                        <a:lnSpc>
+                          <a:spcPct val="115000"/>
+                        </a:lnSpc>
+                        <a:spcAft>
+                          <a:spcPts val="1000"/>
+                        </a:spcAft>
+                      </a:pPr>
+                      <a:r>
+                        <a:rPr lang="en-US" sz="1200">
+                          <a:effectLst/>
+                        </a:rPr>
+                        <a:t>Sự kiện bắt đầu</a:t>
+                      </a:r>
+                      <a:endParaRPr lang="en-US" sz="1800">
+                        <a:effectLst/>
+                        <a:latin typeface="Times New Roman" panose="02020603050405020304" pitchFamily="18" charset="0"/>
+                        <a:ea typeface="Calibri" panose="020F0502020204030204" pitchFamily="34" charset="0"/>
+                      </a:endParaRPr>
+                    </a:p>
+                  </a:txBody>
+                  <a:tcPr marL="68580" marR="68580" marT="0" marB="0"/>
+                </a:tc>
+                <a:tc>
+                  <a:txBody>
+                    <a:bodyPr/>
+                    <a:lstStyle/>
+                    <a:p>
+                      <a:pPr marL="457200">
+                        <a:lnSpc>
+                          <a:spcPct val="115000"/>
+                        </a:lnSpc>
+                        <a:spcAft>
+                          <a:spcPts val="1000"/>
+                        </a:spcAft>
+                      </a:pPr>
+                      <a:r>
+                        <a:rPr lang="en-US" sz="1200">
+                          <a:effectLst/>
+                        </a:rPr>
+                        <a:t>Người admin nhấn vào nút them bài học</a:t>
+                      </a:r>
+                      <a:endParaRPr lang="en-US" sz="1800">
+                        <a:effectLst/>
+                        <a:latin typeface="Times New Roman" panose="02020603050405020304" pitchFamily="18" charset="0"/>
+                        <a:ea typeface="Calibri" panose="020F0502020204030204" pitchFamily="34" charset="0"/>
+                      </a:endParaRPr>
+                    </a:p>
+                  </a:txBody>
+                  <a:tcPr marL="68580" marR="68580" marT="0" marB="0"/>
+                </a:tc>
+                <a:extLst>
+                  <a:ext uri="{0D108BD9-81ED-4DB2-BD59-A6C34878D82A}">
+                    <a16:rowId xmlns:a16="http://schemas.microsoft.com/office/drawing/2014/main" val="1865154138"/>
+                  </a:ext>
+                </a:extLst>
+              </a:tr>
+              <a:tr h="1071176">
+                <a:tc>
+                  <a:txBody>
+                    <a:bodyPr/>
+                    <a:lstStyle/>
+                    <a:p>
+                      <a:pPr marL="457200">
+                        <a:lnSpc>
+                          <a:spcPct val="115000"/>
+                        </a:lnSpc>
+                        <a:spcAft>
+                          <a:spcPts val="1000"/>
+                        </a:spcAft>
+                      </a:pPr>
+                      <a:r>
+                        <a:rPr lang="en-US" sz="1200">
+                          <a:effectLst/>
+                        </a:rPr>
+                        <a:t>Điều kiện kết thúc</a:t>
+                      </a:r>
+                      <a:endParaRPr lang="en-US" sz="1800">
+                        <a:effectLst/>
+                        <a:latin typeface="Times New Roman" panose="02020603050405020304" pitchFamily="18" charset="0"/>
+                        <a:ea typeface="Calibri" panose="020F0502020204030204" pitchFamily="34" charset="0"/>
+                      </a:endParaRPr>
+                    </a:p>
+                  </a:txBody>
+                  <a:tcPr marL="68580" marR="68580" marT="0" marB="0"/>
+                </a:tc>
+                <a:tc>
+                  <a:txBody>
+                    <a:bodyPr/>
+                    <a:lstStyle/>
+                    <a:p>
+                      <a:pPr marL="457200">
+                        <a:lnSpc>
+                          <a:spcPct val="115000"/>
+                        </a:lnSpc>
+                        <a:spcAft>
+                          <a:spcPts val="1000"/>
+                        </a:spcAft>
+                      </a:pPr>
+                      <a:r>
+                        <a:rPr lang="en-US" sz="1200">
+                          <a:effectLst/>
+                          <a:latin typeface="Times New Roman" panose="02020603050405020304" pitchFamily="18" charset="0"/>
+                          <a:ea typeface="Calibri" panose="020F0502020204030204" pitchFamily="34" charset="0"/>
+                        </a:rPr>
+                        <a:t>Bài học được them vào cơ sở dữ liệu</a:t>
+                      </a:r>
+                      <a:endParaRPr lang="en-US" sz="1800">
+                        <a:effectLst/>
+                        <a:latin typeface="Times New Roman" panose="02020603050405020304" pitchFamily="18" charset="0"/>
+                        <a:ea typeface="Calibri" panose="020F0502020204030204" pitchFamily="34" charset="0"/>
+                      </a:endParaRPr>
+                    </a:p>
+                  </a:txBody>
+                  <a:tcPr marL="68580" marR="68580" marT="0" marB="0"/>
+                </a:tc>
+                <a:extLst>
+                  <a:ext uri="{0D108BD9-81ED-4DB2-BD59-A6C34878D82A}">
+                    <a16:rowId xmlns:a16="http://schemas.microsoft.com/office/drawing/2014/main" val="2349520489"/>
+                  </a:ext>
+                </a:extLst>
+              </a:tr>
+            </a:tbl>
+          </a:graphicData>
+        </a:graphic>
+      </p:graphicFrame>
+    </p:spTree>
+    <p:extLst>
+      <p:ext uri="{BB962C8B-B14F-4D97-AF65-F5344CB8AC3E}">
+        <p14:creationId xmlns:p14="http://schemas.microsoft.com/office/powerpoint/2010/main" val="2458399942"/>
+      </p:ext>
+    </p:extLst>
+  </p:cSld>
+  <p:clrMapOvr>
+    <a:masterClrMapping/>
+  </p:clrMapOvr>
+</p:sld>
+</file>
+
+<file path=ppt/slides/slide13.xml><?xml version="1.0" encoding="utf-8"?>
+<p:sld xmlns:a="http://schemas.openxmlformats.org/drawingml/2006/main" xmlns:r="http://schemas.openxmlformats.org/officeDocument/2006/relationships" xmlns:p="http://schemas.openxmlformats.org/presentationml/2006/main">
+  <p:cSld>
+    <p:spTree>
+      <p:nvGrpSpPr>
+        <p:cNvPr id="1" name=""/>
+        <p:cNvGrpSpPr/>
+        <p:nvPr/>
+      </p:nvGrpSpPr>
+      <p:grpSpPr>
+        <a:xfrm>
+          <a:off x="0" y="0"/>
+          <a:ext cx="0" cy="0"/>
+          <a:chOff x="0" y="0"/>
+          <a:chExt cx="0" cy="0"/>
+        </a:xfrm>
+      </p:grpSpPr>
+      <p:sp>
+        <p:nvSpPr>
+          <p:cNvPr id="2" name="Title 1">
+            <a:extLst>
+              <a:ext uri="{FF2B5EF4-FFF2-40B4-BE49-F238E27FC236}">
+                <a16:creationId xmlns:a16="http://schemas.microsoft.com/office/drawing/2014/main" id="{26331D5B-BA20-4A09-A896-36B59BC18D8B}"/>
+              </a:ext>
+            </a:extLst>
+          </p:cNvPr>
+          <p:cNvSpPr>
+            <a:spLocks noGrp="1"/>
+          </p:cNvSpPr>
+          <p:nvPr>
+            <p:ph type="title"/>
+          </p:nvPr>
+        </p:nvSpPr>
+        <p:spPr>
+          <a:xfrm>
+            <a:off x="1484311" y="685801"/>
+            <a:ext cx="10018713" cy="728330"/>
+          </a:xfrm>
+        </p:spPr>
+        <p:txBody>
+          <a:bodyPr/>
+          <a:lstStyle/>
+          <a:p>
+            <a:pPr algn="l"/>
+            <a:r>
+              <a:rPr lang="en-US"/>
+              <a:t>Sequence Diagram: Thêm bài học</a:t>
+            </a:r>
+          </a:p>
+        </p:txBody>
+      </p:sp>
       <p:pic>
         <p:nvPicPr>
-          <p:cNvPr id="5" name="Picture 4">
+          <p:cNvPr id="6" name="Picture 5" descr="Diagram&#10;&#10;Description automatically generated">
             <a:extLst>
               <a:ext uri="{FF2B5EF4-FFF2-40B4-BE49-F238E27FC236}">
-                <a16:creationId xmlns:a16="http://schemas.microsoft.com/office/drawing/2014/main" id="{3BDFC8F1-55E7-444C-96AE-B434EF659966}"/>
+                <a16:creationId xmlns:a16="http://schemas.microsoft.com/office/drawing/2014/main" id="{36482AA9-5263-47D1-80F4-473ED7B6F519}"/>
               </a:ext>
             </a:extLst>
           </p:cNvPr>
@@ -12726,8 +15038,8 @@
         </p:blipFill>
         <p:spPr>
           <a:xfrm>
-            <a:off x="1801281" y="0"/>
-            <a:ext cx="8589438" cy="6858000"/>
+            <a:off x="2302229" y="1583732"/>
+            <a:ext cx="7587543" cy="5274268"/>
           </a:xfrm>
           <a:prstGeom prst="rect">
             <a:avLst/>
@@ -12737,7 +15049,723 @@
     </p:spTree>
     <p:extLst>
       <p:ext uri="{BB962C8B-B14F-4D97-AF65-F5344CB8AC3E}">
-        <p14:creationId xmlns:p14="http://schemas.microsoft.com/office/powerpoint/2010/main" val="951288452"/>
+        <p14:creationId xmlns:p14="http://schemas.microsoft.com/office/powerpoint/2010/main" val="1225256401"/>
+      </p:ext>
+    </p:extLst>
+  </p:cSld>
+  <p:clrMapOvr>
+    <a:masterClrMapping/>
+  </p:clrMapOvr>
+</p:sld>
+</file>
+
+<file path=ppt/slides/slide14.xml><?xml version="1.0" encoding="utf-8"?>
+<p:sld xmlns:a="http://schemas.openxmlformats.org/drawingml/2006/main" xmlns:r="http://schemas.openxmlformats.org/officeDocument/2006/relationships" xmlns:p="http://schemas.openxmlformats.org/presentationml/2006/main">
+  <p:cSld>
+    <p:spTree>
+      <p:nvGrpSpPr>
+        <p:cNvPr id="1" name=""/>
+        <p:cNvGrpSpPr/>
+        <p:nvPr/>
+      </p:nvGrpSpPr>
+      <p:grpSpPr>
+        <a:xfrm>
+          <a:off x="0" y="0"/>
+          <a:ext cx="0" cy="0"/>
+          <a:chOff x="0" y="0"/>
+          <a:chExt cx="0" cy="0"/>
+        </a:xfrm>
+      </p:grpSpPr>
+      <p:sp>
+        <p:nvSpPr>
+          <p:cNvPr id="2" name="Title 1">
+            <a:extLst>
+              <a:ext uri="{FF2B5EF4-FFF2-40B4-BE49-F238E27FC236}">
+                <a16:creationId xmlns:a16="http://schemas.microsoft.com/office/drawing/2014/main" id="{B325062B-B27C-4192-BE37-BF9D35B41B20}"/>
+              </a:ext>
+            </a:extLst>
+          </p:cNvPr>
+          <p:cNvSpPr>
+            <a:spLocks noGrp="1"/>
+          </p:cNvSpPr>
+          <p:nvPr>
+            <p:ph type="title"/>
+          </p:nvPr>
+        </p:nvSpPr>
+        <p:spPr>
+          <a:xfrm>
+            <a:off x="1484311" y="685800"/>
+            <a:ext cx="10018713" cy="866553"/>
+          </a:xfrm>
+        </p:spPr>
+        <p:txBody>
+          <a:bodyPr/>
+          <a:lstStyle/>
+          <a:p>
+            <a:pPr algn="l"/>
+            <a:r>
+              <a:rPr lang="en-US"/>
+              <a:t>Class diagram: Thêm bài học</a:t>
+            </a:r>
+          </a:p>
+        </p:txBody>
+      </p:sp>
+      <p:pic>
+        <p:nvPicPr>
+          <p:cNvPr id="4" name="Picture 3" descr="Diagram&#10;&#10;Description automatically generated">
+            <a:extLst>
+              <a:ext uri="{FF2B5EF4-FFF2-40B4-BE49-F238E27FC236}">
+                <a16:creationId xmlns:a16="http://schemas.microsoft.com/office/drawing/2014/main" id="{A73A24EE-F134-4ABE-8218-82508CE01DAA}"/>
+              </a:ext>
+            </a:extLst>
+          </p:cNvPr>
+          <p:cNvPicPr>
+            <a:picLocks noChangeAspect="1"/>
+          </p:cNvPicPr>
+          <p:nvPr/>
+        </p:nvPicPr>
+        <p:blipFill>
+          <a:blip r:embed="rId2">
+            <a:extLst>
+              <a:ext uri="{28A0092B-C50C-407E-A947-70E740481C1C}">
+                <a14:useLocalDpi xmlns:a14="http://schemas.microsoft.com/office/drawing/2010/main" val="0"/>
+              </a:ext>
+            </a:extLst>
+          </a:blip>
+          <a:stretch>
+            <a:fillRect/>
+          </a:stretch>
+        </p:blipFill>
+        <p:spPr>
+          <a:xfrm>
+            <a:off x="2720329" y="1761474"/>
+            <a:ext cx="6751343" cy="4301741"/>
+          </a:xfrm>
+          <a:prstGeom prst="rect">
+            <a:avLst/>
+          </a:prstGeom>
+        </p:spPr>
+      </p:pic>
+    </p:spTree>
+    <p:extLst>
+      <p:ext uri="{BB962C8B-B14F-4D97-AF65-F5344CB8AC3E}">
+        <p14:creationId xmlns:p14="http://schemas.microsoft.com/office/powerpoint/2010/main" val="2997380661"/>
+      </p:ext>
+    </p:extLst>
+  </p:cSld>
+  <p:clrMapOvr>
+    <a:masterClrMapping/>
+  </p:clrMapOvr>
+</p:sld>
+</file>
+
+<file path=ppt/slides/slide15.xml><?xml version="1.0" encoding="utf-8"?>
+<p:sld xmlns:a="http://schemas.openxmlformats.org/drawingml/2006/main" xmlns:r="http://schemas.openxmlformats.org/officeDocument/2006/relationships" xmlns:p="http://schemas.openxmlformats.org/presentationml/2006/main">
+  <p:cSld>
+    <p:spTree>
+      <p:nvGrpSpPr>
+        <p:cNvPr id="1" name=""/>
+        <p:cNvGrpSpPr/>
+        <p:nvPr/>
+      </p:nvGrpSpPr>
+      <p:grpSpPr>
+        <a:xfrm>
+          <a:off x="0" y="0"/>
+          <a:ext cx="0" cy="0"/>
+          <a:chOff x="0" y="0"/>
+          <a:chExt cx="0" cy="0"/>
+        </a:xfrm>
+      </p:grpSpPr>
+      <p:sp>
+        <p:nvSpPr>
+          <p:cNvPr id="2" name="Title 1">
+            <a:extLst>
+              <a:ext uri="{FF2B5EF4-FFF2-40B4-BE49-F238E27FC236}">
+                <a16:creationId xmlns:a16="http://schemas.microsoft.com/office/drawing/2014/main" id="{4F2F7ED8-8DAC-473E-82B4-66E440070862}"/>
+              </a:ext>
+            </a:extLst>
+          </p:cNvPr>
+          <p:cNvSpPr>
+            <a:spLocks noGrp="1"/>
+          </p:cNvSpPr>
+          <p:nvPr>
+            <p:ph type="title"/>
+          </p:nvPr>
+        </p:nvSpPr>
+        <p:spPr>
+          <a:xfrm>
+            <a:off x="1484311" y="685800"/>
+            <a:ext cx="10018713" cy="749595"/>
+          </a:xfrm>
+        </p:spPr>
+        <p:txBody>
+          <a:bodyPr/>
+          <a:lstStyle/>
+          <a:p>
+            <a:pPr algn="l"/>
+            <a:r>
+              <a:rPr lang="en-US"/>
+              <a:t>Demo: Thêm bài học</a:t>
+            </a:r>
+          </a:p>
+        </p:txBody>
+      </p:sp>
+      <p:pic>
+        <p:nvPicPr>
+          <p:cNvPr id="4" name="Picture 3">
+            <a:extLst>
+              <a:ext uri="{FF2B5EF4-FFF2-40B4-BE49-F238E27FC236}">
+                <a16:creationId xmlns:a16="http://schemas.microsoft.com/office/drawing/2014/main" id="{5DA20628-6F42-46C6-9B55-842D96217484}"/>
+              </a:ext>
+            </a:extLst>
+          </p:cNvPr>
+          <p:cNvPicPr>
+            <a:picLocks noChangeAspect="1"/>
+          </p:cNvPicPr>
+          <p:nvPr/>
+        </p:nvPicPr>
+        <p:blipFill>
+          <a:blip r:embed="rId3"/>
+          <a:stretch>
+            <a:fillRect/>
+          </a:stretch>
+        </p:blipFill>
+        <p:spPr>
+          <a:xfrm>
+            <a:off x="1086644" y="1664364"/>
+            <a:ext cx="10018713" cy="4805639"/>
+          </a:xfrm>
+          <a:prstGeom prst="rect">
+            <a:avLst/>
+          </a:prstGeom>
+        </p:spPr>
+      </p:pic>
+      <p:sp>
+        <p:nvSpPr>
+          <p:cNvPr id="5" name="Rectangle 4">
+            <a:extLst>
+              <a:ext uri="{FF2B5EF4-FFF2-40B4-BE49-F238E27FC236}">
+                <a16:creationId xmlns:a16="http://schemas.microsoft.com/office/drawing/2014/main" id="{F68E456C-4838-4E8C-9E23-D4EB5EF64375}"/>
+              </a:ext>
+            </a:extLst>
+          </p:cNvPr>
+          <p:cNvSpPr/>
+          <p:nvPr/>
+        </p:nvSpPr>
+        <p:spPr>
+          <a:xfrm>
+            <a:off x="2477386" y="2222205"/>
+            <a:ext cx="829340" cy="520995"/>
+          </a:xfrm>
+          <a:prstGeom prst="rect">
+            <a:avLst/>
+          </a:prstGeom>
+          <a:noFill/>
+          <a:ln>
+            <a:solidFill>
+              <a:srgbClr val="FF0000"/>
+            </a:solidFill>
+          </a:ln>
+        </p:spPr>
+        <p:style>
+          <a:lnRef idx="2">
+            <a:schemeClr val="accent1">
+              <a:shade val="50000"/>
+            </a:schemeClr>
+          </a:lnRef>
+          <a:fillRef idx="1">
+            <a:schemeClr val="accent1"/>
+          </a:fillRef>
+          <a:effectRef idx="0">
+            <a:schemeClr val="accent1"/>
+          </a:effectRef>
+          <a:fontRef idx="minor">
+            <a:schemeClr val="lt1"/>
+          </a:fontRef>
+        </p:style>
+        <p:txBody>
+          <a:bodyPr rtlCol="0" anchor="ctr"/>
+          <a:lstStyle/>
+          <a:p>
+            <a:pPr algn="ctr"/>
+            <a:endParaRPr lang="en-US"/>
+          </a:p>
+        </p:txBody>
+      </p:sp>
+    </p:spTree>
+    <p:extLst>
+      <p:ext uri="{BB962C8B-B14F-4D97-AF65-F5344CB8AC3E}">
+        <p14:creationId xmlns:p14="http://schemas.microsoft.com/office/powerpoint/2010/main" val="3106616179"/>
+      </p:ext>
+    </p:extLst>
+  </p:cSld>
+  <p:clrMapOvr>
+    <a:masterClrMapping/>
+  </p:clrMapOvr>
+</p:sld>
+</file>
+
+<file path=ppt/slides/slide16.xml><?xml version="1.0" encoding="utf-8"?>
+<p:sld xmlns:a="http://schemas.openxmlformats.org/drawingml/2006/main" xmlns:r="http://schemas.openxmlformats.org/officeDocument/2006/relationships" xmlns:p="http://schemas.openxmlformats.org/presentationml/2006/main">
+  <p:cSld>
+    <p:spTree>
+      <p:nvGrpSpPr>
+        <p:cNvPr id="1" name=""/>
+        <p:cNvGrpSpPr/>
+        <p:nvPr/>
+      </p:nvGrpSpPr>
+      <p:grpSpPr>
+        <a:xfrm>
+          <a:off x="0" y="0"/>
+          <a:ext cx="0" cy="0"/>
+          <a:chOff x="0" y="0"/>
+          <a:chExt cx="0" cy="0"/>
+        </a:xfrm>
+      </p:grpSpPr>
+      <p:sp>
+        <p:nvSpPr>
+          <p:cNvPr id="2" name="Title 1">
+            <a:extLst>
+              <a:ext uri="{FF2B5EF4-FFF2-40B4-BE49-F238E27FC236}">
+                <a16:creationId xmlns:a16="http://schemas.microsoft.com/office/drawing/2014/main" id="{4F2F7ED8-8DAC-473E-82B4-66E440070862}"/>
+              </a:ext>
+            </a:extLst>
+          </p:cNvPr>
+          <p:cNvSpPr>
+            <a:spLocks noGrp="1"/>
+          </p:cNvSpPr>
+          <p:nvPr>
+            <p:ph type="title"/>
+          </p:nvPr>
+        </p:nvSpPr>
+        <p:spPr>
+          <a:xfrm>
+            <a:off x="1484311" y="685800"/>
+            <a:ext cx="10018713" cy="749595"/>
+          </a:xfrm>
+        </p:spPr>
+        <p:txBody>
+          <a:bodyPr/>
+          <a:lstStyle/>
+          <a:p>
+            <a:pPr algn="l"/>
+            <a:r>
+              <a:rPr lang="en-US"/>
+              <a:t>Demo: Thêm bài học</a:t>
+            </a:r>
+          </a:p>
+        </p:txBody>
+      </p:sp>
+      <p:pic>
+        <p:nvPicPr>
+          <p:cNvPr id="6" name="Picture 5">
+            <a:extLst>
+              <a:ext uri="{FF2B5EF4-FFF2-40B4-BE49-F238E27FC236}">
+                <a16:creationId xmlns:a16="http://schemas.microsoft.com/office/drawing/2014/main" id="{A378F24C-992E-4873-9CE0-6C604AAF570D}"/>
+              </a:ext>
+            </a:extLst>
+          </p:cNvPr>
+          <p:cNvPicPr>
+            <a:picLocks noChangeAspect="1"/>
+          </p:cNvPicPr>
+          <p:nvPr/>
+        </p:nvPicPr>
+        <p:blipFill>
+          <a:blip r:embed="rId3"/>
+          <a:stretch>
+            <a:fillRect/>
+          </a:stretch>
+        </p:blipFill>
+        <p:spPr>
+          <a:xfrm>
+            <a:off x="1127051" y="1558075"/>
+            <a:ext cx="9937898" cy="4839549"/>
+          </a:xfrm>
+          <a:prstGeom prst="rect">
+            <a:avLst/>
+          </a:prstGeom>
+        </p:spPr>
+      </p:pic>
+    </p:spTree>
+    <p:extLst>
+      <p:ext uri="{BB962C8B-B14F-4D97-AF65-F5344CB8AC3E}">
+        <p14:creationId xmlns:p14="http://schemas.microsoft.com/office/powerpoint/2010/main" val="2876757199"/>
+      </p:ext>
+    </p:extLst>
+  </p:cSld>
+  <p:clrMapOvr>
+    <a:masterClrMapping/>
+  </p:clrMapOvr>
+</p:sld>
+</file>
+
+<file path=ppt/slides/slide17.xml><?xml version="1.0" encoding="utf-8"?>
+<p:sld xmlns:a="http://schemas.openxmlformats.org/drawingml/2006/main" xmlns:r="http://schemas.openxmlformats.org/officeDocument/2006/relationships" xmlns:p="http://schemas.openxmlformats.org/presentationml/2006/main">
+  <p:cSld>
+    <p:spTree>
+      <p:nvGrpSpPr>
+        <p:cNvPr id="1" name=""/>
+        <p:cNvGrpSpPr/>
+        <p:nvPr/>
+      </p:nvGrpSpPr>
+      <p:grpSpPr>
+        <a:xfrm>
+          <a:off x="0" y="0"/>
+          <a:ext cx="0" cy="0"/>
+          <a:chOff x="0" y="0"/>
+          <a:chExt cx="0" cy="0"/>
+        </a:xfrm>
+      </p:grpSpPr>
+      <p:sp>
+        <p:nvSpPr>
+          <p:cNvPr id="2" name="Title 1">
+            <a:extLst>
+              <a:ext uri="{FF2B5EF4-FFF2-40B4-BE49-F238E27FC236}">
+                <a16:creationId xmlns:a16="http://schemas.microsoft.com/office/drawing/2014/main" id="{4F2F7ED8-8DAC-473E-82B4-66E440070862}"/>
+              </a:ext>
+            </a:extLst>
+          </p:cNvPr>
+          <p:cNvSpPr>
+            <a:spLocks noGrp="1"/>
+          </p:cNvSpPr>
+          <p:nvPr>
+            <p:ph type="title"/>
+          </p:nvPr>
+        </p:nvSpPr>
+        <p:spPr>
+          <a:xfrm>
+            <a:off x="1484311" y="685800"/>
+            <a:ext cx="10018713" cy="749595"/>
+          </a:xfrm>
+        </p:spPr>
+        <p:txBody>
+          <a:bodyPr/>
+          <a:lstStyle/>
+          <a:p>
+            <a:pPr algn="l"/>
+            <a:r>
+              <a:rPr lang="en-US"/>
+              <a:t>Demo: Thêm bài học</a:t>
+            </a:r>
+          </a:p>
+        </p:txBody>
+      </p:sp>
+      <p:pic>
+        <p:nvPicPr>
+          <p:cNvPr id="4" name="Picture 3">
+            <a:extLst>
+              <a:ext uri="{FF2B5EF4-FFF2-40B4-BE49-F238E27FC236}">
+                <a16:creationId xmlns:a16="http://schemas.microsoft.com/office/drawing/2014/main" id="{2AC889E7-4D78-4194-BDBE-3B9A0ECD2659}"/>
+              </a:ext>
+            </a:extLst>
+          </p:cNvPr>
+          <p:cNvPicPr>
+            <a:picLocks noChangeAspect="1"/>
+          </p:cNvPicPr>
+          <p:nvPr/>
+        </p:nvPicPr>
+        <p:blipFill>
+          <a:blip r:embed="rId3"/>
+          <a:stretch>
+            <a:fillRect/>
+          </a:stretch>
+        </p:blipFill>
+        <p:spPr>
+          <a:xfrm>
+            <a:off x="2124075" y="2838450"/>
+            <a:ext cx="7943850" cy="1181100"/>
+          </a:xfrm>
+          <a:prstGeom prst="rect">
+            <a:avLst/>
+          </a:prstGeom>
+        </p:spPr>
+      </p:pic>
+    </p:spTree>
+    <p:extLst>
+      <p:ext uri="{BB962C8B-B14F-4D97-AF65-F5344CB8AC3E}">
+        <p14:creationId xmlns:p14="http://schemas.microsoft.com/office/powerpoint/2010/main" val="4051146083"/>
+      </p:ext>
+    </p:extLst>
+  </p:cSld>
+  <p:clrMapOvr>
+    <a:masterClrMapping/>
+  </p:clrMapOvr>
+</p:sld>
+</file>
+
+<file path=ppt/slides/slide18.xml><?xml version="1.0" encoding="utf-8"?>
+<p:sld xmlns:a="http://schemas.openxmlformats.org/drawingml/2006/main" xmlns:r="http://schemas.openxmlformats.org/officeDocument/2006/relationships" xmlns:p="http://schemas.openxmlformats.org/presentationml/2006/main">
+  <p:cSld>
+    <p:spTree>
+      <p:nvGrpSpPr>
+        <p:cNvPr id="1" name=""/>
+        <p:cNvGrpSpPr/>
+        <p:nvPr/>
+      </p:nvGrpSpPr>
+      <p:grpSpPr>
+        <a:xfrm>
+          <a:off x="0" y="0"/>
+          <a:ext cx="0" cy="0"/>
+          <a:chOff x="0" y="0"/>
+          <a:chExt cx="0" cy="0"/>
+        </a:xfrm>
+      </p:grpSpPr>
+      <p:sp>
+        <p:nvSpPr>
+          <p:cNvPr id="2" name="Title 1">
+            <a:extLst>
+              <a:ext uri="{FF2B5EF4-FFF2-40B4-BE49-F238E27FC236}">
+                <a16:creationId xmlns:a16="http://schemas.microsoft.com/office/drawing/2014/main" id="{4F2F7ED8-8DAC-473E-82B4-66E440070862}"/>
+              </a:ext>
+            </a:extLst>
+          </p:cNvPr>
+          <p:cNvSpPr>
+            <a:spLocks noGrp="1"/>
+          </p:cNvSpPr>
+          <p:nvPr>
+            <p:ph type="title"/>
+          </p:nvPr>
+        </p:nvSpPr>
+        <p:spPr>
+          <a:xfrm>
+            <a:off x="1484311" y="685800"/>
+            <a:ext cx="10018713" cy="749595"/>
+          </a:xfrm>
+        </p:spPr>
+        <p:txBody>
+          <a:bodyPr/>
+          <a:lstStyle/>
+          <a:p>
+            <a:pPr algn="l"/>
+            <a:r>
+              <a:rPr lang="en-US"/>
+              <a:t>Demo: Thêm bài học</a:t>
+            </a:r>
+          </a:p>
+        </p:txBody>
+      </p:sp>
+      <p:pic>
+        <p:nvPicPr>
+          <p:cNvPr id="5" name="Picture 4">
+            <a:extLst>
+              <a:ext uri="{FF2B5EF4-FFF2-40B4-BE49-F238E27FC236}">
+                <a16:creationId xmlns:a16="http://schemas.microsoft.com/office/drawing/2014/main" id="{67378071-BC63-42DA-A9FC-EC72354C7B3C}"/>
+              </a:ext>
+            </a:extLst>
+          </p:cNvPr>
+          <p:cNvPicPr>
+            <a:picLocks noChangeAspect="1"/>
+          </p:cNvPicPr>
+          <p:nvPr/>
+        </p:nvPicPr>
+        <p:blipFill>
+          <a:blip r:embed="rId3"/>
+          <a:stretch>
+            <a:fillRect/>
+          </a:stretch>
+        </p:blipFill>
+        <p:spPr>
+          <a:xfrm>
+            <a:off x="1086644" y="1524850"/>
+            <a:ext cx="10018713" cy="4863250"/>
+          </a:xfrm>
+          <a:prstGeom prst="rect">
+            <a:avLst/>
+          </a:prstGeom>
+        </p:spPr>
+      </p:pic>
+      <p:sp>
+        <p:nvSpPr>
+          <p:cNvPr id="6" name="Rectangle 5">
+            <a:extLst>
+              <a:ext uri="{FF2B5EF4-FFF2-40B4-BE49-F238E27FC236}">
+                <a16:creationId xmlns:a16="http://schemas.microsoft.com/office/drawing/2014/main" id="{9E3B1E02-5C1D-4E12-B7E0-538B1C03B173}"/>
+              </a:ext>
+            </a:extLst>
+          </p:cNvPr>
+          <p:cNvSpPr/>
+          <p:nvPr/>
+        </p:nvSpPr>
+        <p:spPr>
+          <a:xfrm>
+            <a:off x="2424223" y="5528930"/>
+            <a:ext cx="1222744" cy="457200"/>
+          </a:xfrm>
+          <a:prstGeom prst="rect">
+            <a:avLst/>
+          </a:prstGeom>
+          <a:noFill/>
+          <a:ln>
+            <a:solidFill>
+              <a:srgbClr val="FF0000"/>
+            </a:solidFill>
+          </a:ln>
+        </p:spPr>
+        <p:style>
+          <a:lnRef idx="2">
+            <a:schemeClr val="accent1">
+              <a:shade val="50000"/>
+            </a:schemeClr>
+          </a:lnRef>
+          <a:fillRef idx="1">
+            <a:schemeClr val="accent1"/>
+          </a:fillRef>
+          <a:effectRef idx="0">
+            <a:schemeClr val="accent1"/>
+          </a:effectRef>
+          <a:fontRef idx="minor">
+            <a:schemeClr val="lt1"/>
+          </a:fontRef>
+        </p:style>
+        <p:txBody>
+          <a:bodyPr rtlCol="0" anchor="ctr"/>
+          <a:lstStyle/>
+          <a:p>
+            <a:pPr algn="ctr"/>
+            <a:endParaRPr lang="en-US"/>
+          </a:p>
+        </p:txBody>
+      </p:sp>
+      <p:cxnSp>
+        <p:nvCxnSpPr>
+          <p:cNvPr id="8" name="Straight Arrow Connector 7">
+            <a:extLst>
+              <a:ext uri="{FF2B5EF4-FFF2-40B4-BE49-F238E27FC236}">
+                <a16:creationId xmlns:a16="http://schemas.microsoft.com/office/drawing/2014/main" id="{48FD8CBB-6EA1-4274-B485-9953A6406B66}"/>
+              </a:ext>
+            </a:extLst>
+          </p:cNvPr>
+          <p:cNvCxnSpPr/>
+          <p:nvPr/>
+        </p:nvCxnSpPr>
+        <p:spPr>
+          <a:xfrm flipH="1" flipV="1">
+            <a:off x="3646967" y="5773479"/>
+            <a:ext cx="1041991" cy="212651"/>
+          </a:xfrm>
+          <a:prstGeom prst="straightConnector1">
+            <a:avLst/>
+          </a:prstGeom>
+          <a:ln>
+            <a:solidFill>
+              <a:srgbClr val="FF0000"/>
+            </a:solidFill>
+            <a:tailEnd type="triangle"/>
+          </a:ln>
+        </p:spPr>
+        <p:style>
+          <a:lnRef idx="1">
+            <a:schemeClr val="accent1"/>
+          </a:lnRef>
+          <a:fillRef idx="0">
+            <a:schemeClr val="accent1"/>
+          </a:fillRef>
+          <a:effectRef idx="0">
+            <a:schemeClr val="accent1"/>
+          </a:effectRef>
+          <a:fontRef idx="minor">
+            <a:schemeClr val="tx1"/>
+          </a:fontRef>
+        </p:style>
+      </p:cxnSp>
+    </p:spTree>
+    <p:extLst>
+      <p:ext uri="{BB962C8B-B14F-4D97-AF65-F5344CB8AC3E}">
+        <p14:creationId xmlns:p14="http://schemas.microsoft.com/office/powerpoint/2010/main" val="3899438920"/>
+      </p:ext>
+    </p:extLst>
+  </p:cSld>
+  <p:clrMapOvr>
+    <a:masterClrMapping/>
+  </p:clrMapOvr>
+</p:sld>
+</file>
+
+<file path=ppt/slides/slide19.xml><?xml version="1.0" encoding="utf-8"?>
+<p:sld xmlns:a="http://schemas.openxmlformats.org/drawingml/2006/main" xmlns:r="http://schemas.openxmlformats.org/officeDocument/2006/relationships" xmlns:p="http://schemas.openxmlformats.org/presentationml/2006/main">
+  <p:cSld>
+    <p:spTree>
+      <p:nvGrpSpPr>
+        <p:cNvPr id="1" name=""/>
+        <p:cNvGrpSpPr/>
+        <p:nvPr/>
+      </p:nvGrpSpPr>
+      <p:grpSpPr>
+        <a:xfrm>
+          <a:off x="0" y="0"/>
+          <a:ext cx="0" cy="0"/>
+          <a:chOff x="0" y="0"/>
+          <a:chExt cx="0" cy="0"/>
+        </a:xfrm>
+      </p:grpSpPr>
+      <p:sp>
+        <p:nvSpPr>
+          <p:cNvPr id="2" name="Title 1">
+            <a:extLst>
+              <a:ext uri="{FF2B5EF4-FFF2-40B4-BE49-F238E27FC236}">
+                <a16:creationId xmlns:a16="http://schemas.microsoft.com/office/drawing/2014/main" id="{4F2F7ED8-8DAC-473E-82B4-66E440070862}"/>
+              </a:ext>
+            </a:extLst>
+          </p:cNvPr>
+          <p:cNvSpPr>
+            <a:spLocks noGrp="1"/>
+          </p:cNvSpPr>
+          <p:nvPr>
+            <p:ph type="title"/>
+          </p:nvPr>
+        </p:nvSpPr>
+        <p:spPr>
+          <a:xfrm>
+            <a:off x="1484311" y="685800"/>
+            <a:ext cx="10018713" cy="749595"/>
+          </a:xfrm>
+        </p:spPr>
+        <p:txBody>
+          <a:bodyPr/>
+          <a:lstStyle/>
+          <a:p>
+            <a:pPr algn="l"/>
+            <a:r>
+              <a:rPr lang="en-US"/>
+              <a:t>Demo: Thêm bài học</a:t>
+            </a:r>
+          </a:p>
+        </p:txBody>
+      </p:sp>
+      <p:pic>
+        <p:nvPicPr>
+          <p:cNvPr id="4" name="Picture 3">
+            <a:extLst>
+              <a:ext uri="{FF2B5EF4-FFF2-40B4-BE49-F238E27FC236}">
+                <a16:creationId xmlns:a16="http://schemas.microsoft.com/office/drawing/2014/main" id="{2D1131CA-D1D3-4B23-AA49-83DA4B455276}"/>
+              </a:ext>
+            </a:extLst>
+          </p:cNvPr>
+          <p:cNvPicPr>
+            <a:picLocks noChangeAspect="1"/>
+          </p:cNvPicPr>
+          <p:nvPr/>
+        </p:nvPicPr>
+        <p:blipFill>
+          <a:blip r:embed="rId3"/>
+          <a:stretch>
+            <a:fillRect/>
+          </a:stretch>
+        </p:blipFill>
+        <p:spPr>
+          <a:xfrm>
+            <a:off x="657447" y="2645164"/>
+            <a:ext cx="10877107" cy="1567671"/>
+          </a:xfrm>
+          <a:prstGeom prst="rect">
+            <a:avLst/>
+          </a:prstGeom>
+        </p:spPr>
+      </p:pic>
+    </p:spTree>
+    <p:extLst>
+      <p:ext uri="{BB962C8B-B14F-4D97-AF65-F5344CB8AC3E}">
+        <p14:creationId xmlns:p14="http://schemas.microsoft.com/office/powerpoint/2010/main" val="2535739608"/>
       </p:ext>
     </p:extLst>
   </p:cSld>
@@ -13508,6 +16536,117 @@
 </file>
 
 <file path=ppt/slides/slide8.xml><?xml version="1.0" encoding="utf-8"?>
+<p:sld xmlns:a="http://schemas.openxmlformats.org/drawingml/2006/main" xmlns:r="http://schemas.openxmlformats.org/officeDocument/2006/relationships" xmlns:p="http://schemas.openxmlformats.org/presentationml/2006/main">
+  <p:cSld>
+    <p:spTree>
+      <p:nvGrpSpPr>
+        <p:cNvPr id="1" name=""/>
+        <p:cNvGrpSpPr/>
+        <p:nvPr/>
+      </p:nvGrpSpPr>
+      <p:grpSpPr>
+        <a:xfrm>
+          <a:off x="0" y="0"/>
+          <a:ext cx="0" cy="0"/>
+          <a:chOff x="0" y="0"/>
+          <a:chExt cx="0" cy="0"/>
+        </a:xfrm>
+      </p:grpSpPr>
+      <p:sp>
+        <p:nvSpPr>
+          <p:cNvPr id="2" name="Title 1">
+            <a:extLst>
+              <a:ext uri="{FF2B5EF4-FFF2-40B4-BE49-F238E27FC236}">
+                <a16:creationId xmlns:a16="http://schemas.microsoft.com/office/drawing/2014/main" id="{D9CFC377-F7B0-4D21-9A47-EF1018C0C5EA}"/>
+              </a:ext>
+            </a:extLst>
+          </p:cNvPr>
+          <p:cNvSpPr>
+            <a:spLocks noGrp="1"/>
+          </p:cNvSpPr>
+          <p:nvPr>
+            <p:ph type="title"/>
+          </p:nvPr>
+        </p:nvSpPr>
+        <p:spPr>
+          <a:xfrm>
+            <a:off x="1484311" y="685801"/>
+            <a:ext cx="10018713" cy="611372"/>
+          </a:xfrm>
+        </p:spPr>
+        <p:txBody>
+          <a:bodyPr>
+            <a:normAutofit fontScale="90000"/>
+          </a:bodyPr>
+          <a:lstStyle/>
+          <a:p>
+            <a:pPr algn="l"/>
+            <a:r>
+              <a:rPr lang="en-US"/>
+              <a:t>Phân công</a:t>
+            </a:r>
+          </a:p>
+        </p:txBody>
+      </p:sp>
+      <p:sp>
+        <p:nvSpPr>
+          <p:cNvPr id="3" name="Content Placeholder 2">
+            <a:extLst>
+              <a:ext uri="{FF2B5EF4-FFF2-40B4-BE49-F238E27FC236}">
+                <a16:creationId xmlns:a16="http://schemas.microsoft.com/office/drawing/2014/main" id="{7E443354-4B1F-47CE-95FF-C5A31A6B579D}"/>
+              </a:ext>
+            </a:extLst>
+          </p:cNvPr>
+          <p:cNvSpPr>
+            <a:spLocks noGrp="1"/>
+          </p:cNvSpPr>
+          <p:nvPr>
+            <p:ph idx="1"/>
+          </p:nvPr>
+        </p:nvSpPr>
+        <p:spPr>
+          <a:xfrm>
+            <a:off x="1409882" y="1943986"/>
+            <a:ext cx="10018713" cy="1692350"/>
+          </a:xfrm>
+        </p:spPr>
+        <p:txBody>
+          <a:bodyPr/>
+          <a:lstStyle/>
+          <a:p>
+            <a:r>
+              <a:rPr lang="en-US"/>
+              <a:t>Bùi Anh Tuấn: Đăng nhập, đăng ký</a:t>
+            </a:r>
+          </a:p>
+          <a:p>
+            <a:r>
+              <a:rPr lang="en-US"/>
+              <a:t>Nguyễn Hồng Viên: Quản lý tài khoản, hiển thị bài học</a:t>
+            </a:r>
+          </a:p>
+          <a:p>
+            <a:r>
+              <a:rPr lang="en-US"/>
+              <a:t>Tạ Anh Kiệt thêm – chình sửa bài học, bài kiểm tra</a:t>
+            </a:r>
+          </a:p>
+        </p:txBody>
+      </p:sp>
+    </p:spTree>
+    <p:extLst>
+      <p:ext uri="{BB962C8B-B14F-4D97-AF65-F5344CB8AC3E}">
+        <p14:creationId xmlns:p14="http://schemas.microsoft.com/office/powerpoint/2010/main" val="404976958"/>
+      </p:ext>
+    </p:extLst>
+  </p:cSld>
+  <p:clrMapOvr>
+    <a:masterClrMapping/>
+  </p:clrMapOvr>
+</p:sld>
+</file>
+
+<file path=ppt/slides/slide9.xml><?xml version="1.0" encoding="utf-8"?>
 <p:sld xmlns:a="http://schemas.openxmlformats.org/drawingml/2006/main" xmlns:r="http://schemas.openxmlformats.org/officeDocument/2006/relationships" xmlns:p="http://schemas.openxmlformats.org/presentationml/2006/main">
   <p:cSld>
     <p:spTree>
@@ -13990,498 +17129,6 @@
     <p:extLst>
       <p:ext uri="{BB962C8B-B14F-4D97-AF65-F5344CB8AC3E}">
         <p14:creationId xmlns:p14="http://schemas.microsoft.com/office/powerpoint/2010/main" val="3930875714"/>
-      </p:ext>
-    </p:extLst>
-  </p:cSld>
-  <p:clrMapOvr>
-    <a:masterClrMapping/>
-  </p:clrMapOvr>
-</p:sld>
-</file>
-
-<file path=ppt/slides/slide9.xml><?xml version="1.0" encoding="utf-8"?>
-<p:sld xmlns:a="http://schemas.openxmlformats.org/drawingml/2006/main" xmlns:r="http://schemas.openxmlformats.org/officeDocument/2006/relationships" xmlns:p="http://schemas.openxmlformats.org/presentationml/2006/main">
-  <p:cSld>
-    <p:spTree>
-      <p:nvGrpSpPr>
-        <p:cNvPr id="1" name=""/>
-        <p:cNvGrpSpPr/>
-        <p:nvPr/>
-      </p:nvGrpSpPr>
-      <p:grpSpPr>
-        <a:xfrm>
-          <a:off x="0" y="0"/>
-          <a:ext cx="0" cy="0"/>
-          <a:chOff x="0" y="0"/>
-          <a:chExt cx="0" cy="0"/>
-        </a:xfrm>
-      </p:grpSpPr>
-      <p:sp>
-        <p:nvSpPr>
-          <p:cNvPr id="2" name="Title 1">
-            <a:extLst>
-              <a:ext uri="{FF2B5EF4-FFF2-40B4-BE49-F238E27FC236}">
-                <a16:creationId xmlns:a16="http://schemas.microsoft.com/office/drawing/2014/main" id="{E116F976-27FA-4DD5-BD28-7EF577457ED5}"/>
-              </a:ext>
-            </a:extLst>
-          </p:cNvPr>
-          <p:cNvSpPr>
-            <a:spLocks noGrp="1"/>
-          </p:cNvSpPr>
-          <p:nvPr>
-            <p:ph type="title"/>
-          </p:nvPr>
-        </p:nvSpPr>
-        <p:spPr>
-          <a:xfrm>
-            <a:off x="1516968" y="0"/>
-            <a:ext cx="10018713" cy="1752599"/>
-          </a:xfrm>
-        </p:spPr>
-        <p:txBody>
-          <a:bodyPr/>
-          <a:lstStyle/>
-          <a:p>
-            <a:pPr algn="l"/>
-            <a:r>
-              <a:rPr lang="en-US"/>
-              <a:t>Đăng nhập</a:t>
-            </a:r>
-          </a:p>
-        </p:txBody>
-      </p:sp>
-      <p:graphicFrame>
-        <p:nvGraphicFramePr>
-          <p:cNvPr id="3" name="Table 2">
-            <a:extLst>
-              <a:ext uri="{FF2B5EF4-FFF2-40B4-BE49-F238E27FC236}">
-                <a16:creationId xmlns:a16="http://schemas.microsoft.com/office/drawing/2014/main" id="{AA1A1271-2B29-42EA-AEBE-037A73C4A7E3}"/>
-              </a:ext>
-            </a:extLst>
-          </p:cNvPr>
-          <p:cNvGraphicFramePr>
-            <a:graphicFrameLocks noGrp="1"/>
-          </p:cNvGraphicFramePr>
-          <p:nvPr>
-            <p:extLst>
-              <p:ext uri="{D42A27DB-BD31-4B8C-83A1-F6EECF244321}">
-                <p14:modId xmlns:p14="http://schemas.microsoft.com/office/powerpoint/2010/main" val="188244717"/>
-              </p:ext>
-            </p:extLst>
-          </p:nvPr>
-        </p:nvGraphicFramePr>
-        <p:xfrm>
-          <a:off x="2046514" y="1621970"/>
-          <a:ext cx="8098972" cy="4855030"/>
-        </p:xfrm>
-        <a:graphic>
-          <a:graphicData uri="http://schemas.openxmlformats.org/drawingml/2006/table">
-            <a:tbl>
-              <a:tblPr firstRow="1" firstCol="1" bandRow="1">
-                <a:tableStyleId>{5C22544A-7EE6-4342-B048-85BDC9FD1C3A}</a:tableStyleId>
-              </a:tblPr>
-              <a:tblGrid>
-                <a:gridCol w="1816913">
-                  <a:extLst>
-                    <a:ext uri="{9D8B030D-6E8A-4147-A177-3AD203B41FA5}">
-                      <a16:colId xmlns:a16="http://schemas.microsoft.com/office/drawing/2014/main" val="4214537579"/>
-                    </a:ext>
-                  </a:extLst>
-                </a:gridCol>
-                <a:gridCol w="6282059">
-                  <a:extLst>
-                    <a:ext uri="{9D8B030D-6E8A-4147-A177-3AD203B41FA5}">
-                      <a16:colId xmlns:a16="http://schemas.microsoft.com/office/drawing/2014/main" val="2895862415"/>
-                    </a:ext>
-                  </a:extLst>
-                </a:gridCol>
-              </a:tblGrid>
-              <a:tr h="391405">
-                <a:tc>
-                  <a:txBody>
-                    <a:bodyPr/>
-                    <a:lstStyle/>
-                    <a:p>
-                      <a:pPr marL="457200">
-                        <a:lnSpc>
-                          <a:spcPct val="115000"/>
-                        </a:lnSpc>
-                        <a:spcAft>
-                          <a:spcPts val="1000"/>
-                        </a:spcAft>
-                      </a:pPr>
-                      <a:r>
-                        <a:rPr lang="en-US" sz="1200">
-                          <a:effectLst/>
-                        </a:rPr>
-                        <a:t>Tên</a:t>
-                      </a:r>
-                      <a:endParaRPr lang="en-US" sz="1800">
-                        <a:effectLst/>
-                        <a:latin typeface="Times New Roman" panose="02020603050405020304" pitchFamily="18" charset="0"/>
-                        <a:ea typeface="Calibri" panose="020F0502020204030204" pitchFamily="34" charset="0"/>
-                      </a:endParaRPr>
-                    </a:p>
-                  </a:txBody>
-                  <a:tcPr marL="68580" marR="68580" marT="0" marB="0"/>
-                </a:tc>
-                <a:tc>
-                  <a:txBody>
-                    <a:bodyPr/>
-                    <a:lstStyle/>
-                    <a:p>
-                      <a:pPr marL="457200">
-                        <a:lnSpc>
-                          <a:spcPct val="115000"/>
-                        </a:lnSpc>
-                        <a:spcAft>
-                          <a:spcPts val="1000"/>
-                        </a:spcAft>
-                      </a:pPr>
-                      <a:r>
-                        <a:rPr lang="en-US" sz="1200">
-                          <a:effectLst/>
-                        </a:rPr>
-                        <a:t>Đăng nhập</a:t>
-                      </a:r>
-                      <a:endParaRPr lang="en-US" sz="1800">
-                        <a:effectLst/>
-                        <a:latin typeface="Times New Roman" panose="02020603050405020304" pitchFamily="18" charset="0"/>
-                        <a:ea typeface="Calibri" panose="020F0502020204030204" pitchFamily="34" charset="0"/>
-                      </a:endParaRPr>
-                    </a:p>
-                  </a:txBody>
-                  <a:tcPr marL="68580" marR="68580" marT="0" marB="0"/>
-                </a:tc>
-                <a:extLst>
-                  <a:ext uri="{0D108BD9-81ED-4DB2-BD59-A6C34878D82A}">
-                    <a16:rowId xmlns:a16="http://schemas.microsoft.com/office/drawing/2014/main" val="2442260789"/>
-                  </a:ext>
-                </a:extLst>
-              </a:tr>
-              <a:tr h="391405">
-                <a:tc>
-                  <a:txBody>
-                    <a:bodyPr/>
-                    <a:lstStyle/>
-                    <a:p>
-                      <a:pPr marL="457200">
-                        <a:lnSpc>
-                          <a:spcPct val="115000"/>
-                        </a:lnSpc>
-                        <a:spcAft>
-                          <a:spcPts val="1000"/>
-                        </a:spcAft>
-                      </a:pPr>
-                      <a:r>
-                        <a:rPr lang="en-US" sz="1200">
-                          <a:effectLst/>
-                        </a:rPr>
-                        <a:t>Actors</a:t>
-                      </a:r>
-                      <a:endParaRPr lang="en-US" sz="1800">
-                        <a:effectLst/>
-                        <a:latin typeface="Times New Roman" panose="02020603050405020304" pitchFamily="18" charset="0"/>
-                        <a:ea typeface="Calibri" panose="020F0502020204030204" pitchFamily="34" charset="0"/>
-                      </a:endParaRPr>
-                    </a:p>
-                  </a:txBody>
-                  <a:tcPr marL="68580" marR="68580" marT="0" marB="0"/>
-                </a:tc>
-                <a:tc>
-                  <a:txBody>
-                    <a:bodyPr/>
-                    <a:lstStyle/>
-                    <a:p>
-                      <a:pPr marL="457200">
-                        <a:lnSpc>
-                          <a:spcPct val="115000"/>
-                        </a:lnSpc>
-                        <a:spcAft>
-                          <a:spcPts val="1000"/>
-                        </a:spcAft>
-                      </a:pPr>
-                      <a:r>
-                        <a:rPr lang="en-US" sz="1200">
-                          <a:effectLst/>
-                        </a:rPr>
-                        <a:t>Người dùng</a:t>
-                      </a:r>
-                      <a:endParaRPr lang="en-US" sz="1800">
-                        <a:effectLst/>
-                        <a:latin typeface="Times New Roman" panose="02020603050405020304" pitchFamily="18" charset="0"/>
-                        <a:ea typeface="Calibri" panose="020F0502020204030204" pitchFamily="34" charset="0"/>
-                      </a:endParaRPr>
-                    </a:p>
-                  </a:txBody>
-                  <a:tcPr marL="68580" marR="68580" marT="0" marB="0"/>
-                </a:tc>
-                <a:extLst>
-                  <a:ext uri="{0D108BD9-81ED-4DB2-BD59-A6C34878D82A}">
-                    <a16:rowId xmlns:a16="http://schemas.microsoft.com/office/drawing/2014/main" val="4134017247"/>
-                  </a:ext>
-                </a:extLst>
-              </a:tr>
-              <a:tr h="809172">
-                <a:tc>
-                  <a:txBody>
-                    <a:bodyPr/>
-                    <a:lstStyle/>
-                    <a:p>
-                      <a:pPr marL="457200">
-                        <a:lnSpc>
-                          <a:spcPct val="115000"/>
-                        </a:lnSpc>
-                        <a:spcAft>
-                          <a:spcPts val="1000"/>
-                        </a:spcAft>
-                      </a:pPr>
-                      <a:r>
-                        <a:rPr lang="en-US" sz="1200">
-                          <a:effectLst/>
-                        </a:rPr>
-                        <a:t>Tóm tắt</a:t>
-                      </a:r>
-                      <a:endParaRPr lang="en-US" sz="1800">
-                        <a:effectLst/>
-                        <a:latin typeface="Times New Roman" panose="02020603050405020304" pitchFamily="18" charset="0"/>
-                        <a:ea typeface="Calibri" panose="020F0502020204030204" pitchFamily="34" charset="0"/>
-                      </a:endParaRPr>
-                    </a:p>
-                  </a:txBody>
-                  <a:tcPr marL="68580" marR="68580" marT="0" marB="0"/>
-                </a:tc>
-                <a:tc>
-                  <a:txBody>
-                    <a:bodyPr/>
-                    <a:lstStyle/>
-                    <a:p>
-                      <a:pPr marL="457200">
-                        <a:lnSpc>
-                          <a:spcPct val="115000"/>
-                        </a:lnSpc>
-                        <a:spcAft>
-                          <a:spcPts val="1000"/>
-                        </a:spcAft>
-                      </a:pPr>
-                      <a:r>
-                        <a:rPr lang="en-US" sz="1200">
-                          <a:effectLst/>
-                        </a:rPr>
-                        <a:t>Người dùng khi đã có tài khoản có thể đăng nhập vào hệ thống để sử dụng dịch vụ.</a:t>
-                      </a:r>
-                      <a:endParaRPr lang="en-US" sz="1800">
-                        <a:effectLst/>
-                        <a:latin typeface="Times New Roman" panose="02020603050405020304" pitchFamily="18" charset="0"/>
-                        <a:ea typeface="Calibri" panose="020F0502020204030204" pitchFamily="34" charset="0"/>
-                      </a:endParaRPr>
-                    </a:p>
-                  </a:txBody>
-                  <a:tcPr marL="68580" marR="68580" marT="0" marB="0"/>
-                </a:tc>
-                <a:extLst>
-                  <a:ext uri="{0D108BD9-81ED-4DB2-BD59-A6C34878D82A}">
-                    <a16:rowId xmlns:a16="http://schemas.microsoft.com/office/drawing/2014/main" val="3351590932"/>
-                  </a:ext>
-                </a:extLst>
-              </a:tr>
-              <a:tr h="1226938">
-                <a:tc>
-                  <a:txBody>
-                    <a:bodyPr/>
-                    <a:lstStyle/>
-                    <a:p>
-                      <a:pPr marL="457200">
-                        <a:lnSpc>
-                          <a:spcPct val="115000"/>
-                        </a:lnSpc>
-                        <a:spcAft>
-                          <a:spcPts val="1000"/>
-                        </a:spcAft>
-                      </a:pPr>
-                      <a:r>
-                        <a:rPr lang="en-US" sz="1200">
-                          <a:effectLst/>
-                        </a:rPr>
-                        <a:t>Điều kiện tiên quyết</a:t>
-                      </a:r>
-                      <a:endParaRPr lang="en-US" sz="1800">
-                        <a:effectLst/>
-                        <a:latin typeface="Times New Roman" panose="02020603050405020304" pitchFamily="18" charset="0"/>
-                        <a:ea typeface="Calibri" panose="020F0502020204030204" pitchFamily="34" charset="0"/>
-                      </a:endParaRPr>
-                    </a:p>
-                  </a:txBody>
-                  <a:tcPr marL="68580" marR="68580" marT="0" marB="0"/>
-                </a:tc>
-                <a:tc>
-                  <a:txBody>
-                    <a:bodyPr/>
-                    <a:lstStyle/>
-                    <a:p>
-                      <a:pPr marL="457200">
-                        <a:lnSpc>
-                          <a:spcPct val="115000"/>
-                        </a:lnSpc>
-                        <a:spcAft>
-                          <a:spcPts val="1000"/>
-                        </a:spcAft>
-                      </a:pPr>
-                      <a:r>
-                        <a:rPr lang="en-US" sz="1200">
-                          <a:effectLst/>
-                        </a:rPr>
-                        <a:t>Người dùng đã đăng ký tài khoản.</a:t>
-                      </a:r>
-                      <a:endParaRPr lang="en-US" sz="1800">
-                        <a:effectLst/>
-                        <a:latin typeface="Times New Roman" panose="02020603050405020304" pitchFamily="18" charset="0"/>
-                        <a:ea typeface="Calibri" panose="020F0502020204030204" pitchFamily="34" charset="0"/>
-                      </a:endParaRPr>
-                    </a:p>
-                  </a:txBody>
-                  <a:tcPr marL="68580" marR="68580" marT="0" marB="0"/>
-                </a:tc>
-                <a:extLst>
-                  <a:ext uri="{0D108BD9-81ED-4DB2-BD59-A6C34878D82A}">
-                    <a16:rowId xmlns:a16="http://schemas.microsoft.com/office/drawing/2014/main" val="3088046561"/>
-                  </a:ext>
-                </a:extLst>
-              </a:tr>
-              <a:tr h="809172">
-                <a:tc>
-                  <a:txBody>
-                    <a:bodyPr/>
-                    <a:lstStyle/>
-                    <a:p>
-                      <a:pPr marL="457200">
-                        <a:lnSpc>
-                          <a:spcPct val="115000"/>
-                        </a:lnSpc>
-                        <a:spcAft>
-                          <a:spcPts val="1000"/>
-                        </a:spcAft>
-                      </a:pPr>
-                      <a:r>
-                        <a:rPr lang="en-US" sz="1200">
-                          <a:effectLst/>
-                        </a:rPr>
-                        <a:t>Sự kiện bắt đầu</a:t>
-                      </a:r>
-                      <a:endParaRPr lang="en-US" sz="1800">
-                        <a:effectLst/>
-                        <a:latin typeface="Times New Roman" panose="02020603050405020304" pitchFamily="18" charset="0"/>
-                        <a:ea typeface="Calibri" panose="020F0502020204030204" pitchFamily="34" charset="0"/>
-                      </a:endParaRPr>
-                    </a:p>
-                  </a:txBody>
-                  <a:tcPr marL="68580" marR="68580" marT="0" marB="0"/>
-                </a:tc>
-                <a:tc>
-                  <a:txBody>
-                    <a:bodyPr/>
-                    <a:lstStyle/>
-                    <a:p>
-                      <a:pPr marL="457200">
-                        <a:lnSpc>
-                          <a:spcPct val="115000"/>
-                        </a:lnSpc>
-                        <a:spcAft>
-                          <a:spcPts val="1000"/>
-                        </a:spcAft>
-                      </a:pPr>
-                      <a:r>
-                        <a:rPr lang="en-US" sz="1200">
-                          <a:effectLst/>
-                        </a:rPr>
-                        <a:t>Người dùng nhấn vào nút đăng nhập.</a:t>
-                      </a:r>
-                      <a:endParaRPr lang="en-US" sz="1800">
-                        <a:effectLst/>
-                        <a:latin typeface="Times New Roman" panose="02020603050405020304" pitchFamily="18" charset="0"/>
-                        <a:ea typeface="Calibri" panose="020F0502020204030204" pitchFamily="34" charset="0"/>
-                      </a:endParaRPr>
-                    </a:p>
-                  </a:txBody>
-                  <a:tcPr marL="68580" marR="68580" marT="0" marB="0"/>
-                </a:tc>
-                <a:extLst>
-                  <a:ext uri="{0D108BD9-81ED-4DB2-BD59-A6C34878D82A}">
-                    <a16:rowId xmlns:a16="http://schemas.microsoft.com/office/drawing/2014/main" val="4098163320"/>
-                  </a:ext>
-                </a:extLst>
-              </a:tr>
-              <a:tr h="1226938">
-                <a:tc>
-                  <a:txBody>
-                    <a:bodyPr/>
-                    <a:lstStyle/>
-                    <a:p>
-                      <a:pPr marL="457200">
-                        <a:lnSpc>
-                          <a:spcPct val="115000"/>
-                        </a:lnSpc>
-                        <a:spcAft>
-                          <a:spcPts val="1000"/>
-                        </a:spcAft>
-                      </a:pPr>
-                      <a:r>
-                        <a:rPr lang="en-US" sz="1200">
-                          <a:effectLst/>
-                        </a:rPr>
-                        <a:t>Điều kiện kết thúc</a:t>
-                      </a:r>
-                      <a:endParaRPr lang="en-US" sz="1800">
-                        <a:effectLst/>
-                        <a:latin typeface="Times New Roman" panose="02020603050405020304" pitchFamily="18" charset="0"/>
-                        <a:ea typeface="Calibri" panose="020F0502020204030204" pitchFamily="34" charset="0"/>
-                      </a:endParaRPr>
-                    </a:p>
-                  </a:txBody>
-                  <a:tcPr marL="68580" marR="68580" marT="0" marB="0"/>
-                </a:tc>
-                <a:tc>
-                  <a:txBody>
-                    <a:bodyPr/>
-                    <a:lstStyle/>
-                    <a:p>
-                      <a:pPr marL="457200">
-                        <a:lnSpc>
-                          <a:spcPct val="115000"/>
-                        </a:lnSpc>
-                        <a:spcAft>
-                          <a:spcPts val="1000"/>
-                        </a:spcAft>
-                      </a:pPr>
-                      <a:r>
-                        <a:rPr lang="en-US" sz="1200">
-                          <a:effectLst/>
-                        </a:rPr>
-                        <a:t>Người dùng nhập đúng tài khoản và mật khẩu đã đăng ký và đăng nhập vào hệ thống.</a:t>
-                      </a:r>
-                      <a:endParaRPr lang="en-US" sz="1800">
-                        <a:effectLst/>
-                        <a:latin typeface="Times New Roman" panose="02020603050405020304" pitchFamily="18" charset="0"/>
-                        <a:ea typeface="Calibri" panose="020F0502020204030204" pitchFamily="34" charset="0"/>
-                      </a:endParaRPr>
-                    </a:p>
-                  </a:txBody>
-                  <a:tcPr marL="68580" marR="68580" marT="0" marB="0"/>
-                </a:tc>
-                <a:extLst>
-                  <a:ext uri="{0D108BD9-81ED-4DB2-BD59-A6C34878D82A}">
-                    <a16:rowId xmlns:a16="http://schemas.microsoft.com/office/drawing/2014/main" val="1376022970"/>
-                  </a:ext>
-                </a:extLst>
-              </a:tr>
-            </a:tbl>
-          </a:graphicData>
-        </a:graphic>
-      </p:graphicFrame>
-    </p:spTree>
-    <p:extLst>
-      <p:ext uri="{BB962C8B-B14F-4D97-AF65-F5344CB8AC3E}">
-        <p14:creationId xmlns:p14="http://schemas.microsoft.com/office/powerpoint/2010/main" val="1233447903"/>
       </p:ext>
     </p:extLst>
   </p:cSld>

--- a/CNPM.pptx
+++ b/CNPM.pptx
@@ -5,7 +5,7 @@
     <p:sldMasterId id="2147483672" r:id="rId1"/>
   </p:sldMasterIdLst>
   <p:notesMasterIdLst>
-    <p:notesMasterId r:id="rId21"/>
+    <p:notesMasterId r:id="rId31"/>
   </p:notesMasterIdLst>
   <p:sldIdLst>
     <p:sldId id="256" r:id="rId2"/>
@@ -20,13 +20,23 @@
     <p:sldId id="266" r:id="rId11"/>
     <p:sldId id="267" r:id="rId12"/>
     <p:sldId id="269" r:id="rId13"/>
-    <p:sldId id="270" r:id="rId14"/>
-    <p:sldId id="272" r:id="rId15"/>
-    <p:sldId id="273" r:id="rId16"/>
-    <p:sldId id="274" r:id="rId17"/>
-    <p:sldId id="275" r:id="rId18"/>
-    <p:sldId id="276" r:id="rId19"/>
-    <p:sldId id="277" r:id="rId20"/>
+    <p:sldId id="279" r:id="rId14"/>
+    <p:sldId id="270" r:id="rId15"/>
+    <p:sldId id="280" r:id="rId16"/>
+    <p:sldId id="278" r:id="rId17"/>
+    <p:sldId id="281" r:id="rId18"/>
+    <p:sldId id="282" r:id="rId19"/>
+    <p:sldId id="283" r:id="rId20"/>
+    <p:sldId id="272" r:id="rId21"/>
+    <p:sldId id="284" r:id="rId22"/>
+    <p:sldId id="285" r:id="rId23"/>
+    <p:sldId id="286" r:id="rId24"/>
+    <p:sldId id="287" r:id="rId25"/>
+    <p:sldId id="273" r:id="rId26"/>
+    <p:sldId id="274" r:id="rId27"/>
+    <p:sldId id="275" r:id="rId28"/>
+    <p:sldId id="276" r:id="rId29"/>
+    <p:sldId id="277" r:id="rId30"/>
   </p:sldIdLst>
   <p:sldSz cx="12192000" cy="6858000"/>
   <p:notesSz cx="6858000" cy="9144000"/>
@@ -4041,7 +4051,7 @@
           <a:p>
             <a:fld id="{B692C1E4-8D4F-4F13-A11D-B2F8E248C75F}" type="datetimeFigureOut">
               <a:rPr lang="en-US" smtClean="0"/>
-              <a:t>6/19/2021</a:t>
+              <a:t>6/26/2021</a:t>
             </a:fld>
             <a:endParaRPr lang="en-US"/>
           </a:p>
@@ -4436,10 +4446,7 @@
           <a:bodyPr/>
           <a:lstStyle/>
           <a:p>
-            <a:r>
-              <a:rPr lang="en-US"/>
-              <a:t> 	</a:t>
-            </a:r>
+            <a:endParaRPr lang="en-US"/>
           </a:p>
         </p:txBody>
       </p:sp>
@@ -4460,7 +4467,7 @@
           <a:p>
             <a:fld id="{166BE8A9-1332-43C3-9C65-C26D4AF875E6}" type="slidenum">
               <a:rPr lang="en-US" smtClean="0"/>
-              <a:t>16</a:t>
+              <a:t>18</a:t>
             </a:fld>
             <a:endParaRPr lang="en-US"/>
           </a:p>
@@ -4469,7 +4476,7 @@
     </p:spTree>
     <p:extLst>
       <p:ext uri="{BB962C8B-B14F-4D97-AF65-F5344CB8AC3E}">
-        <p14:creationId xmlns:p14="http://schemas.microsoft.com/office/powerpoint/2010/main" val="2955633292"/>
+        <p14:creationId xmlns:p14="http://schemas.microsoft.com/office/powerpoint/2010/main" val="2915572047"/>
       </p:ext>
     </p:extLst>
   </p:cSld>
@@ -4523,10 +4530,7 @@
           <a:bodyPr/>
           <a:lstStyle/>
           <a:p>
-            <a:r>
-              <a:rPr lang="en-US"/>
-              <a:t> 	</a:t>
-            </a:r>
+            <a:endParaRPr lang="en-US"/>
           </a:p>
         </p:txBody>
       </p:sp>
@@ -4547,7 +4551,7 @@
           <a:p>
             <a:fld id="{166BE8A9-1332-43C3-9C65-C26D4AF875E6}" type="slidenum">
               <a:rPr lang="en-US" smtClean="0"/>
-              <a:t>17</a:t>
+              <a:t>19</a:t>
             </a:fld>
             <a:endParaRPr lang="en-US"/>
           </a:p>
@@ -4556,7 +4560,7 @@
     </p:spTree>
     <p:extLst>
       <p:ext uri="{BB962C8B-B14F-4D97-AF65-F5344CB8AC3E}">
-        <p14:creationId xmlns:p14="http://schemas.microsoft.com/office/powerpoint/2010/main" val="565211193"/>
+        <p14:creationId xmlns:p14="http://schemas.microsoft.com/office/powerpoint/2010/main" val="24994863"/>
       </p:ext>
     </p:extLst>
   </p:cSld>
@@ -4610,10 +4614,7 @@
           <a:bodyPr/>
           <a:lstStyle/>
           <a:p>
-            <a:r>
-              <a:rPr lang="en-US"/>
-              <a:t> 	</a:t>
-            </a:r>
+            <a:endParaRPr lang="en-US"/>
           </a:p>
         </p:txBody>
       </p:sp>
@@ -4634,7 +4635,7 @@
           <a:p>
             <a:fld id="{166BE8A9-1332-43C3-9C65-C26D4AF875E6}" type="slidenum">
               <a:rPr lang="en-US" smtClean="0"/>
-              <a:t>18</a:t>
+              <a:t>21</a:t>
             </a:fld>
             <a:endParaRPr lang="en-US"/>
           </a:p>
@@ -4643,7 +4644,7 @@
     </p:spTree>
     <p:extLst>
       <p:ext uri="{BB962C8B-B14F-4D97-AF65-F5344CB8AC3E}">
-        <p14:creationId xmlns:p14="http://schemas.microsoft.com/office/powerpoint/2010/main" val="2293103747"/>
+        <p14:creationId xmlns:p14="http://schemas.microsoft.com/office/powerpoint/2010/main" val="630945857"/>
       </p:ext>
     </p:extLst>
   </p:cSld>
@@ -4697,10 +4698,7 @@
           <a:bodyPr/>
           <a:lstStyle/>
           <a:p>
-            <a:r>
-              <a:rPr lang="en-US"/>
-              <a:t> 	</a:t>
-            </a:r>
+            <a:endParaRPr lang="en-US"/>
           </a:p>
         </p:txBody>
       </p:sp>
@@ -4721,7 +4719,7 @@
           <a:p>
             <a:fld id="{166BE8A9-1332-43C3-9C65-C26D4AF875E6}" type="slidenum">
               <a:rPr lang="en-US" smtClean="0"/>
-              <a:t>19</a:t>
+              <a:t>22</a:t>
             </a:fld>
             <a:endParaRPr lang="en-US"/>
           </a:p>
@@ -4730,7 +4728,523 @@
     </p:spTree>
     <p:extLst>
       <p:ext uri="{BB962C8B-B14F-4D97-AF65-F5344CB8AC3E}">
-        <p14:creationId xmlns:p14="http://schemas.microsoft.com/office/powerpoint/2010/main" val="94299847"/>
+        <p14:creationId xmlns:p14="http://schemas.microsoft.com/office/powerpoint/2010/main" val="3920445102"/>
+      </p:ext>
+    </p:extLst>
+  </p:cSld>
+  <p:clrMapOvr>
+    <a:masterClrMapping/>
+  </p:clrMapOvr>
+</p:notes>
+</file>
+
+<file path=ppt/notesSlides/notesSlide14.xml><?xml version="1.0" encoding="utf-8"?>
+<p:notes xmlns:a="http://schemas.openxmlformats.org/drawingml/2006/main" xmlns:r="http://schemas.openxmlformats.org/officeDocument/2006/relationships" xmlns:p="http://schemas.openxmlformats.org/presentationml/2006/main">
+  <p:cSld>
+    <p:spTree>
+      <p:nvGrpSpPr>
+        <p:cNvPr id="1" name=""/>
+        <p:cNvGrpSpPr/>
+        <p:nvPr/>
+      </p:nvGrpSpPr>
+      <p:grpSpPr>
+        <a:xfrm>
+          <a:off x="0" y="0"/>
+          <a:ext cx="0" cy="0"/>
+          <a:chOff x="0" y="0"/>
+          <a:chExt cx="0" cy="0"/>
+        </a:xfrm>
+      </p:grpSpPr>
+      <p:sp>
+        <p:nvSpPr>
+          <p:cNvPr id="2" name="Slide Image Placeholder 1"/>
+          <p:cNvSpPr>
+            <a:spLocks noGrp="1" noRot="1" noChangeAspect="1"/>
+          </p:cNvSpPr>
+          <p:nvPr>
+            <p:ph type="sldImg"/>
+          </p:nvPr>
+        </p:nvSpPr>
+        <p:spPr/>
+      </p:sp>
+      <p:sp>
+        <p:nvSpPr>
+          <p:cNvPr id="3" name="Notes Placeholder 2"/>
+          <p:cNvSpPr>
+            <a:spLocks noGrp="1"/>
+          </p:cNvSpPr>
+          <p:nvPr>
+            <p:ph type="body" idx="1"/>
+          </p:nvPr>
+        </p:nvSpPr>
+        <p:spPr/>
+        <p:txBody>
+          <a:bodyPr/>
+          <a:lstStyle/>
+          <a:p>
+            <a:endParaRPr lang="en-US"/>
+          </a:p>
+        </p:txBody>
+      </p:sp>
+      <p:sp>
+        <p:nvSpPr>
+          <p:cNvPr id="4" name="Slide Number Placeholder 3"/>
+          <p:cNvSpPr>
+            <a:spLocks noGrp="1"/>
+          </p:cNvSpPr>
+          <p:nvPr>
+            <p:ph type="sldNum" sz="quarter" idx="5"/>
+          </p:nvPr>
+        </p:nvSpPr>
+        <p:spPr/>
+        <p:txBody>
+          <a:bodyPr/>
+          <a:lstStyle/>
+          <a:p>
+            <a:fld id="{166BE8A9-1332-43C3-9C65-C26D4AF875E6}" type="slidenum">
+              <a:rPr lang="en-US" smtClean="0"/>
+              <a:t>23</a:t>
+            </a:fld>
+            <a:endParaRPr lang="en-US"/>
+          </a:p>
+        </p:txBody>
+      </p:sp>
+    </p:spTree>
+    <p:extLst>
+      <p:ext uri="{BB962C8B-B14F-4D97-AF65-F5344CB8AC3E}">
+        <p14:creationId xmlns:p14="http://schemas.microsoft.com/office/powerpoint/2010/main" val="3725086258"/>
+      </p:ext>
+    </p:extLst>
+  </p:cSld>
+  <p:clrMapOvr>
+    <a:masterClrMapping/>
+  </p:clrMapOvr>
+</p:notes>
+</file>
+
+<file path=ppt/notesSlides/notesSlide15.xml><?xml version="1.0" encoding="utf-8"?>
+<p:notes xmlns:a="http://schemas.openxmlformats.org/drawingml/2006/main" xmlns:r="http://schemas.openxmlformats.org/officeDocument/2006/relationships" xmlns:p="http://schemas.openxmlformats.org/presentationml/2006/main">
+  <p:cSld>
+    <p:spTree>
+      <p:nvGrpSpPr>
+        <p:cNvPr id="1" name=""/>
+        <p:cNvGrpSpPr/>
+        <p:nvPr/>
+      </p:nvGrpSpPr>
+      <p:grpSpPr>
+        <a:xfrm>
+          <a:off x="0" y="0"/>
+          <a:ext cx="0" cy="0"/>
+          <a:chOff x="0" y="0"/>
+          <a:chExt cx="0" cy="0"/>
+        </a:xfrm>
+      </p:grpSpPr>
+      <p:sp>
+        <p:nvSpPr>
+          <p:cNvPr id="2" name="Slide Image Placeholder 1"/>
+          <p:cNvSpPr>
+            <a:spLocks noGrp="1" noRot="1" noChangeAspect="1"/>
+          </p:cNvSpPr>
+          <p:nvPr>
+            <p:ph type="sldImg"/>
+          </p:nvPr>
+        </p:nvSpPr>
+        <p:spPr/>
+      </p:sp>
+      <p:sp>
+        <p:nvSpPr>
+          <p:cNvPr id="3" name="Notes Placeholder 2"/>
+          <p:cNvSpPr>
+            <a:spLocks noGrp="1"/>
+          </p:cNvSpPr>
+          <p:nvPr>
+            <p:ph type="body" idx="1"/>
+          </p:nvPr>
+        </p:nvSpPr>
+        <p:spPr/>
+        <p:txBody>
+          <a:bodyPr/>
+          <a:lstStyle/>
+          <a:p>
+            <a:endParaRPr lang="en-US"/>
+          </a:p>
+        </p:txBody>
+      </p:sp>
+      <p:sp>
+        <p:nvSpPr>
+          <p:cNvPr id="4" name="Slide Number Placeholder 3"/>
+          <p:cNvSpPr>
+            <a:spLocks noGrp="1"/>
+          </p:cNvSpPr>
+          <p:nvPr>
+            <p:ph type="sldNum" sz="quarter" idx="5"/>
+          </p:nvPr>
+        </p:nvSpPr>
+        <p:spPr/>
+        <p:txBody>
+          <a:bodyPr/>
+          <a:lstStyle/>
+          <a:p>
+            <a:fld id="{166BE8A9-1332-43C3-9C65-C26D4AF875E6}" type="slidenum">
+              <a:rPr lang="en-US" smtClean="0"/>
+              <a:t>24</a:t>
+            </a:fld>
+            <a:endParaRPr lang="en-US"/>
+          </a:p>
+        </p:txBody>
+      </p:sp>
+    </p:spTree>
+    <p:extLst>
+      <p:ext uri="{BB962C8B-B14F-4D97-AF65-F5344CB8AC3E}">
+        <p14:creationId xmlns:p14="http://schemas.microsoft.com/office/powerpoint/2010/main" val="4255423172"/>
+      </p:ext>
+    </p:extLst>
+  </p:cSld>
+  <p:clrMapOvr>
+    <a:masterClrMapping/>
+  </p:clrMapOvr>
+</p:notes>
+</file>
+
+<file path=ppt/notesSlides/notesSlide16.xml><?xml version="1.0" encoding="utf-8"?>
+<p:notes xmlns:a="http://schemas.openxmlformats.org/drawingml/2006/main" xmlns:r="http://schemas.openxmlformats.org/officeDocument/2006/relationships" xmlns:p="http://schemas.openxmlformats.org/presentationml/2006/main">
+  <p:cSld>
+    <p:spTree>
+      <p:nvGrpSpPr>
+        <p:cNvPr id="1" name=""/>
+        <p:cNvGrpSpPr/>
+        <p:nvPr/>
+      </p:nvGrpSpPr>
+      <p:grpSpPr>
+        <a:xfrm>
+          <a:off x="0" y="0"/>
+          <a:ext cx="0" cy="0"/>
+          <a:chOff x="0" y="0"/>
+          <a:chExt cx="0" cy="0"/>
+        </a:xfrm>
+      </p:grpSpPr>
+      <p:sp>
+        <p:nvSpPr>
+          <p:cNvPr id="2" name="Slide Image Placeholder 1"/>
+          <p:cNvSpPr>
+            <a:spLocks noGrp="1" noRot="1" noChangeAspect="1"/>
+          </p:cNvSpPr>
+          <p:nvPr>
+            <p:ph type="sldImg"/>
+          </p:nvPr>
+        </p:nvSpPr>
+        <p:spPr/>
+      </p:sp>
+      <p:sp>
+        <p:nvSpPr>
+          <p:cNvPr id="3" name="Notes Placeholder 2"/>
+          <p:cNvSpPr>
+            <a:spLocks noGrp="1"/>
+          </p:cNvSpPr>
+          <p:nvPr>
+            <p:ph type="body" idx="1"/>
+          </p:nvPr>
+        </p:nvSpPr>
+        <p:spPr/>
+        <p:txBody>
+          <a:bodyPr/>
+          <a:lstStyle/>
+          <a:p>
+            <a:r>
+              <a:rPr lang="en-US"/>
+              <a:t> 	</a:t>
+            </a:r>
+          </a:p>
+        </p:txBody>
+      </p:sp>
+      <p:sp>
+        <p:nvSpPr>
+          <p:cNvPr id="4" name="Slide Number Placeholder 3"/>
+          <p:cNvSpPr>
+            <a:spLocks noGrp="1"/>
+          </p:cNvSpPr>
+          <p:nvPr>
+            <p:ph type="sldNum" sz="quarter" idx="5"/>
+          </p:nvPr>
+        </p:nvSpPr>
+        <p:spPr/>
+        <p:txBody>
+          <a:bodyPr/>
+          <a:lstStyle/>
+          <a:p>
+            <a:fld id="{166BE8A9-1332-43C3-9C65-C26D4AF875E6}" type="slidenum">
+              <a:rPr lang="en-US" smtClean="0"/>
+              <a:t>25</a:t>
+            </a:fld>
+            <a:endParaRPr lang="en-US"/>
+          </a:p>
+        </p:txBody>
+      </p:sp>
+    </p:spTree>
+    <p:extLst>
+      <p:ext uri="{BB962C8B-B14F-4D97-AF65-F5344CB8AC3E}">
+        <p14:creationId xmlns:p14="http://schemas.microsoft.com/office/powerpoint/2010/main" val="487346144"/>
+      </p:ext>
+    </p:extLst>
+  </p:cSld>
+  <p:clrMapOvr>
+    <a:masterClrMapping/>
+  </p:clrMapOvr>
+</p:notes>
+</file>
+
+<file path=ppt/notesSlides/notesSlide17.xml><?xml version="1.0" encoding="utf-8"?>
+<p:notes xmlns:a="http://schemas.openxmlformats.org/drawingml/2006/main" xmlns:r="http://schemas.openxmlformats.org/officeDocument/2006/relationships" xmlns:p="http://schemas.openxmlformats.org/presentationml/2006/main">
+  <p:cSld>
+    <p:spTree>
+      <p:nvGrpSpPr>
+        <p:cNvPr id="1" name=""/>
+        <p:cNvGrpSpPr/>
+        <p:nvPr/>
+      </p:nvGrpSpPr>
+      <p:grpSpPr>
+        <a:xfrm>
+          <a:off x="0" y="0"/>
+          <a:ext cx="0" cy="0"/>
+          <a:chOff x="0" y="0"/>
+          <a:chExt cx="0" cy="0"/>
+        </a:xfrm>
+      </p:grpSpPr>
+      <p:sp>
+        <p:nvSpPr>
+          <p:cNvPr id="2" name="Slide Image Placeholder 1"/>
+          <p:cNvSpPr>
+            <a:spLocks noGrp="1" noRot="1" noChangeAspect="1"/>
+          </p:cNvSpPr>
+          <p:nvPr>
+            <p:ph type="sldImg"/>
+          </p:nvPr>
+        </p:nvSpPr>
+        <p:spPr/>
+      </p:sp>
+      <p:sp>
+        <p:nvSpPr>
+          <p:cNvPr id="3" name="Notes Placeholder 2"/>
+          <p:cNvSpPr>
+            <a:spLocks noGrp="1"/>
+          </p:cNvSpPr>
+          <p:nvPr>
+            <p:ph type="body" idx="1"/>
+          </p:nvPr>
+        </p:nvSpPr>
+        <p:spPr/>
+        <p:txBody>
+          <a:bodyPr/>
+          <a:lstStyle/>
+          <a:p>
+            <a:r>
+              <a:rPr lang="en-US"/>
+              <a:t> 	</a:t>
+            </a:r>
+          </a:p>
+        </p:txBody>
+      </p:sp>
+      <p:sp>
+        <p:nvSpPr>
+          <p:cNvPr id="4" name="Slide Number Placeholder 3"/>
+          <p:cNvSpPr>
+            <a:spLocks noGrp="1"/>
+          </p:cNvSpPr>
+          <p:nvPr>
+            <p:ph type="sldNum" sz="quarter" idx="5"/>
+          </p:nvPr>
+        </p:nvSpPr>
+        <p:spPr/>
+        <p:txBody>
+          <a:bodyPr/>
+          <a:lstStyle/>
+          <a:p>
+            <a:fld id="{166BE8A9-1332-43C3-9C65-C26D4AF875E6}" type="slidenum">
+              <a:rPr lang="en-US" smtClean="0"/>
+              <a:t>26</a:t>
+            </a:fld>
+            <a:endParaRPr lang="en-US"/>
+          </a:p>
+        </p:txBody>
+      </p:sp>
+    </p:spTree>
+    <p:extLst>
+      <p:ext uri="{BB962C8B-B14F-4D97-AF65-F5344CB8AC3E}">
+        <p14:creationId xmlns:p14="http://schemas.microsoft.com/office/powerpoint/2010/main" val="2955633292"/>
+      </p:ext>
+    </p:extLst>
+  </p:cSld>
+  <p:clrMapOvr>
+    <a:masterClrMapping/>
+  </p:clrMapOvr>
+</p:notes>
+</file>
+
+<file path=ppt/notesSlides/notesSlide18.xml><?xml version="1.0" encoding="utf-8"?>
+<p:notes xmlns:a="http://schemas.openxmlformats.org/drawingml/2006/main" xmlns:r="http://schemas.openxmlformats.org/officeDocument/2006/relationships" xmlns:p="http://schemas.openxmlformats.org/presentationml/2006/main">
+  <p:cSld>
+    <p:spTree>
+      <p:nvGrpSpPr>
+        <p:cNvPr id="1" name=""/>
+        <p:cNvGrpSpPr/>
+        <p:nvPr/>
+      </p:nvGrpSpPr>
+      <p:grpSpPr>
+        <a:xfrm>
+          <a:off x="0" y="0"/>
+          <a:ext cx="0" cy="0"/>
+          <a:chOff x="0" y="0"/>
+          <a:chExt cx="0" cy="0"/>
+        </a:xfrm>
+      </p:grpSpPr>
+      <p:sp>
+        <p:nvSpPr>
+          <p:cNvPr id="2" name="Slide Image Placeholder 1"/>
+          <p:cNvSpPr>
+            <a:spLocks noGrp="1" noRot="1" noChangeAspect="1"/>
+          </p:cNvSpPr>
+          <p:nvPr>
+            <p:ph type="sldImg"/>
+          </p:nvPr>
+        </p:nvSpPr>
+        <p:spPr/>
+      </p:sp>
+      <p:sp>
+        <p:nvSpPr>
+          <p:cNvPr id="3" name="Notes Placeholder 2"/>
+          <p:cNvSpPr>
+            <a:spLocks noGrp="1"/>
+          </p:cNvSpPr>
+          <p:nvPr>
+            <p:ph type="body" idx="1"/>
+          </p:nvPr>
+        </p:nvSpPr>
+        <p:spPr/>
+        <p:txBody>
+          <a:bodyPr/>
+          <a:lstStyle/>
+          <a:p>
+            <a:r>
+              <a:rPr lang="en-US"/>
+              <a:t> 	</a:t>
+            </a:r>
+          </a:p>
+        </p:txBody>
+      </p:sp>
+      <p:sp>
+        <p:nvSpPr>
+          <p:cNvPr id="4" name="Slide Number Placeholder 3"/>
+          <p:cNvSpPr>
+            <a:spLocks noGrp="1"/>
+          </p:cNvSpPr>
+          <p:nvPr>
+            <p:ph type="sldNum" sz="quarter" idx="5"/>
+          </p:nvPr>
+        </p:nvSpPr>
+        <p:spPr/>
+        <p:txBody>
+          <a:bodyPr/>
+          <a:lstStyle/>
+          <a:p>
+            <a:fld id="{166BE8A9-1332-43C3-9C65-C26D4AF875E6}" type="slidenum">
+              <a:rPr lang="en-US" smtClean="0"/>
+              <a:t>27</a:t>
+            </a:fld>
+            <a:endParaRPr lang="en-US"/>
+          </a:p>
+        </p:txBody>
+      </p:sp>
+    </p:spTree>
+    <p:extLst>
+      <p:ext uri="{BB962C8B-B14F-4D97-AF65-F5344CB8AC3E}">
+        <p14:creationId xmlns:p14="http://schemas.microsoft.com/office/powerpoint/2010/main" val="565211193"/>
+      </p:ext>
+    </p:extLst>
+  </p:cSld>
+  <p:clrMapOvr>
+    <a:masterClrMapping/>
+  </p:clrMapOvr>
+</p:notes>
+</file>
+
+<file path=ppt/notesSlides/notesSlide19.xml><?xml version="1.0" encoding="utf-8"?>
+<p:notes xmlns:a="http://schemas.openxmlformats.org/drawingml/2006/main" xmlns:r="http://schemas.openxmlformats.org/officeDocument/2006/relationships" xmlns:p="http://schemas.openxmlformats.org/presentationml/2006/main">
+  <p:cSld>
+    <p:spTree>
+      <p:nvGrpSpPr>
+        <p:cNvPr id="1" name=""/>
+        <p:cNvGrpSpPr/>
+        <p:nvPr/>
+      </p:nvGrpSpPr>
+      <p:grpSpPr>
+        <a:xfrm>
+          <a:off x="0" y="0"/>
+          <a:ext cx="0" cy="0"/>
+          <a:chOff x="0" y="0"/>
+          <a:chExt cx="0" cy="0"/>
+        </a:xfrm>
+      </p:grpSpPr>
+      <p:sp>
+        <p:nvSpPr>
+          <p:cNvPr id="2" name="Slide Image Placeholder 1"/>
+          <p:cNvSpPr>
+            <a:spLocks noGrp="1" noRot="1" noChangeAspect="1"/>
+          </p:cNvSpPr>
+          <p:nvPr>
+            <p:ph type="sldImg"/>
+          </p:nvPr>
+        </p:nvSpPr>
+        <p:spPr/>
+      </p:sp>
+      <p:sp>
+        <p:nvSpPr>
+          <p:cNvPr id="3" name="Notes Placeholder 2"/>
+          <p:cNvSpPr>
+            <a:spLocks noGrp="1"/>
+          </p:cNvSpPr>
+          <p:nvPr>
+            <p:ph type="body" idx="1"/>
+          </p:nvPr>
+        </p:nvSpPr>
+        <p:spPr/>
+        <p:txBody>
+          <a:bodyPr/>
+          <a:lstStyle/>
+          <a:p>
+            <a:r>
+              <a:rPr lang="en-US"/>
+              <a:t> 	</a:t>
+            </a:r>
+          </a:p>
+        </p:txBody>
+      </p:sp>
+      <p:sp>
+        <p:nvSpPr>
+          <p:cNvPr id="4" name="Slide Number Placeholder 3"/>
+          <p:cNvSpPr>
+            <a:spLocks noGrp="1"/>
+          </p:cNvSpPr>
+          <p:nvPr>
+            <p:ph type="sldNum" sz="quarter" idx="5"/>
+          </p:nvPr>
+        </p:nvSpPr>
+        <p:spPr/>
+        <p:txBody>
+          <a:bodyPr/>
+          <a:lstStyle/>
+          <a:p>
+            <a:fld id="{166BE8A9-1332-43C3-9C65-C26D4AF875E6}" type="slidenum">
+              <a:rPr lang="en-US" smtClean="0"/>
+              <a:t>28</a:t>
+            </a:fld>
+            <a:endParaRPr lang="en-US"/>
+          </a:p>
+        </p:txBody>
+      </p:sp>
+    </p:spTree>
+    <p:extLst>
+      <p:ext uri="{BB962C8B-B14F-4D97-AF65-F5344CB8AC3E}">
+        <p14:creationId xmlns:p14="http://schemas.microsoft.com/office/powerpoint/2010/main" val="2293103747"/>
       </p:ext>
     </p:extLst>
   </p:cSld>
@@ -4824,6 +5338,93 @@
     <p:extLst>
       <p:ext uri="{BB962C8B-B14F-4D97-AF65-F5344CB8AC3E}">
         <p14:creationId xmlns:p14="http://schemas.microsoft.com/office/powerpoint/2010/main" val="3695167882"/>
+      </p:ext>
+    </p:extLst>
+  </p:cSld>
+  <p:clrMapOvr>
+    <a:masterClrMapping/>
+  </p:clrMapOvr>
+</p:notes>
+</file>
+
+<file path=ppt/notesSlides/notesSlide20.xml><?xml version="1.0" encoding="utf-8"?>
+<p:notes xmlns:a="http://schemas.openxmlformats.org/drawingml/2006/main" xmlns:r="http://schemas.openxmlformats.org/officeDocument/2006/relationships" xmlns:p="http://schemas.openxmlformats.org/presentationml/2006/main">
+  <p:cSld>
+    <p:spTree>
+      <p:nvGrpSpPr>
+        <p:cNvPr id="1" name=""/>
+        <p:cNvGrpSpPr/>
+        <p:nvPr/>
+      </p:nvGrpSpPr>
+      <p:grpSpPr>
+        <a:xfrm>
+          <a:off x="0" y="0"/>
+          <a:ext cx="0" cy="0"/>
+          <a:chOff x="0" y="0"/>
+          <a:chExt cx="0" cy="0"/>
+        </a:xfrm>
+      </p:grpSpPr>
+      <p:sp>
+        <p:nvSpPr>
+          <p:cNvPr id="2" name="Slide Image Placeholder 1"/>
+          <p:cNvSpPr>
+            <a:spLocks noGrp="1" noRot="1" noChangeAspect="1"/>
+          </p:cNvSpPr>
+          <p:nvPr>
+            <p:ph type="sldImg"/>
+          </p:nvPr>
+        </p:nvSpPr>
+        <p:spPr/>
+      </p:sp>
+      <p:sp>
+        <p:nvSpPr>
+          <p:cNvPr id="3" name="Notes Placeholder 2"/>
+          <p:cNvSpPr>
+            <a:spLocks noGrp="1"/>
+          </p:cNvSpPr>
+          <p:nvPr>
+            <p:ph type="body" idx="1"/>
+          </p:nvPr>
+        </p:nvSpPr>
+        <p:spPr/>
+        <p:txBody>
+          <a:bodyPr/>
+          <a:lstStyle/>
+          <a:p>
+            <a:r>
+              <a:rPr lang="en-US"/>
+              <a:t> 	</a:t>
+            </a:r>
+          </a:p>
+        </p:txBody>
+      </p:sp>
+      <p:sp>
+        <p:nvSpPr>
+          <p:cNvPr id="4" name="Slide Number Placeholder 3"/>
+          <p:cNvSpPr>
+            <a:spLocks noGrp="1"/>
+          </p:cNvSpPr>
+          <p:nvPr>
+            <p:ph type="sldNum" sz="quarter" idx="5"/>
+          </p:nvPr>
+        </p:nvSpPr>
+        <p:spPr/>
+        <p:txBody>
+          <a:bodyPr/>
+          <a:lstStyle/>
+          <a:p>
+            <a:fld id="{166BE8A9-1332-43C3-9C65-C26D4AF875E6}" type="slidenum">
+              <a:rPr lang="en-US" smtClean="0"/>
+              <a:t>29</a:t>
+            </a:fld>
+            <a:endParaRPr lang="en-US"/>
+          </a:p>
+        </p:txBody>
+      </p:sp>
+    </p:spTree>
+    <p:extLst>
+      <p:ext uri="{BB962C8B-B14F-4D97-AF65-F5344CB8AC3E}">
+        <p14:creationId xmlns:p14="http://schemas.microsoft.com/office/powerpoint/2010/main" val="94299847"/>
       </p:ext>
     </p:extLst>
   </p:cSld>
@@ -7218,10 +7819,690 @@
           <a:bodyPr/>
           <a:lstStyle/>
           <a:p>
-            <a:r>
-              <a:rPr lang="en-US"/>
-              <a:t> 	</a:t>
-            </a:r>
+            <a:pPr marL="457200">
+              <a:lnSpc>
+                <a:spcPct val="115000"/>
+              </a:lnSpc>
+              <a:spcAft>
+                <a:spcPts val="1000"/>
+              </a:spcAft>
+            </a:pPr>
+            <a:r>
+              <a:rPr lang="en-US" sz="1200">
+                <a:effectLst/>
+                <a:latin typeface="Times New Roman" panose="02020603050405020304" pitchFamily="18" charset="0"/>
+                <a:ea typeface="Calibri" panose="020F0502020204030204" pitchFamily="34" charset="0"/>
+              </a:rPr>
+              <a:t>Dòng sự kiện chính:</a:t>
+            </a:r>
+            <a:endParaRPr lang="en-US" sz="1800">
+              <a:effectLst/>
+              <a:latin typeface="Times New Roman" panose="02020603050405020304" pitchFamily="18" charset="0"/>
+              <a:ea typeface="Calibri" panose="020F0502020204030204" pitchFamily="34" charset="0"/>
+            </a:endParaRPr>
+          </a:p>
+          <a:p>
+            <a:pPr marL="342900" lvl="0" indent="-342900">
+              <a:lnSpc>
+                <a:spcPct val="115000"/>
+              </a:lnSpc>
+              <a:buFont typeface="Times New Roman" panose="02020603050405020304" pitchFamily="18" charset="0"/>
+              <a:buChar char="-"/>
+            </a:pPr>
+            <a:r>
+              <a:rPr lang="en-US" sz="1200">
+                <a:effectLst/>
+                <a:latin typeface="Times New Roman" panose="02020603050405020304" pitchFamily="18" charset="0"/>
+                <a:ea typeface="Calibri" panose="020F0502020204030204" pitchFamily="34" charset="0"/>
+              </a:rPr>
+              <a:t>Tại giao diện danh sách bài học, bài kiểm tra, người dùng sẽ nhấn vào bài học, bài kiểm tra.</a:t>
+            </a:r>
+            <a:endParaRPr lang="en-US" sz="1800">
+              <a:effectLst/>
+              <a:latin typeface="Times New Roman" panose="02020603050405020304" pitchFamily="18" charset="0"/>
+              <a:ea typeface="Calibri" panose="020F0502020204030204" pitchFamily="34" charset="0"/>
+            </a:endParaRPr>
+          </a:p>
+          <a:p>
+            <a:pPr marL="342900" lvl="0" indent="-342900">
+              <a:lnSpc>
+                <a:spcPct val="115000"/>
+              </a:lnSpc>
+              <a:buFont typeface="Times New Roman" panose="02020603050405020304" pitchFamily="18" charset="0"/>
+              <a:buChar char="-"/>
+            </a:pPr>
+            <a:r>
+              <a:rPr lang="en-US" sz="1200">
+                <a:effectLst/>
+                <a:latin typeface="Times New Roman" panose="02020603050405020304" pitchFamily="18" charset="0"/>
+                <a:ea typeface="Calibri" panose="020F0502020204030204" pitchFamily="34" charset="0"/>
+              </a:rPr>
+              <a:t>Từ trang danh sách sẽ gửi về cho trang LessonController một ID của bài.</a:t>
+            </a:r>
+            <a:endParaRPr lang="en-US" sz="1800">
+              <a:effectLst/>
+              <a:latin typeface="Times New Roman" panose="02020603050405020304" pitchFamily="18" charset="0"/>
+              <a:ea typeface="Calibri" panose="020F0502020204030204" pitchFamily="34" charset="0"/>
+            </a:endParaRPr>
+          </a:p>
+          <a:p>
+            <a:pPr marL="342900" lvl="0" indent="-342900">
+              <a:lnSpc>
+                <a:spcPct val="115000"/>
+              </a:lnSpc>
+              <a:buFont typeface="Times New Roman" panose="02020603050405020304" pitchFamily="18" charset="0"/>
+              <a:buChar char="-"/>
+            </a:pPr>
+            <a:r>
+              <a:rPr lang="en-US" sz="1200">
+                <a:effectLst/>
+                <a:latin typeface="Times New Roman" panose="02020603050405020304" pitchFamily="18" charset="0"/>
+                <a:ea typeface="Calibri" panose="020F0502020204030204" pitchFamily="34" charset="0"/>
+              </a:rPr>
+              <a:t>Từ LessonController sẽ gọi đến LessonService để sử dụng hàm findById(id).</a:t>
+            </a:r>
+            <a:endParaRPr lang="en-US" sz="1800">
+              <a:effectLst/>
+              <a:latin typeface="Times New Roman" panose="02020603050405020304" pitchFamily="18" charset="0"/>
+              <a:ea typeface="Calibri" panose="020F0502020204030204" pitchFamily="34" charset="0"/>
+            </a:endParaRPr>
+          </a:p>
+          <a:p>
+            <a:pPr marL="342900" lvl="0" indent="-342900">
+              <a:lnSpc>
+                <a:spcPct val="115000"/>
+              </a:lnSpc>
+              <a:buFont typeface="Times New Roman" panose="02020603050405020304" pitchFamily="18" charset="0"/>
+              <a:buChar char="-"/>
+            </a:pPr>
+            <a:r>
+              <a:rPr lang="en-US" sz="1200">
+                <a:effectLst/>
+                <a:latin typeface="Times New Roman" panose="02020603050405020304" pitchFamily="18" charset="0"/>
+                <a:ea typeface="Calibri" panose="020F0502020204030204" pitchFamily="34" charset="0"/>
+              </a:rPr>
+              <a:t>LessonService sẽ gọi đến LessonDAO để sử dụng hàm findById(id).</a:t>
+            </a:r>
+            <a:endParaRPr lang="en-US" sz="1800">
+              <a:effectLst/>
+              <a:latin typeface="Times New Roman" panose="02020603050405020304" pitchFamily="18" charset="0"/>
+              <a:ea typeface="Calibri" panose="020F0502020204030204" pitchFamily="34" charset="0"/>
+            </a:endParaRPr>
+          </a:p>
+          <a:p>
+            <a:pPr marL="342900" lvl="0" indent="-342900">
+              <a:lnSpc>
+                <a:spcPct val="115000"/>
+              </a:lnSpc>
+              <a:buFont typeface="Times New Roman" panose="02020603050405020304" pitchFamily="18" charset="0"/>
+              <a:buChar char="-"/>
+            </a:pPr>
+            <a:r>
+              <a:rPr lang="en-US" sz="1200">
+                <a:effectLst/>
+                <a:latin typeface="Times New Roman" panose="02020603050405020304" pitchFamily="18" charset="0"/>
+                <a:ea typeface="Calibri" panose="020F0502020204030204" pitchFamily="34" charset="0"/>
+              </a:rPr>
+              <a:t>Từ LessonDAO sẽ query đến DataBase để lấy về thông tin bài học theo mã ID được cung cấp từ trước.</a:t>
+            </a:r>
+            <a:endParaRPr lang="en-US" sz="1800">
+              <a:effectLst/>
+              <a:latin typeface="Times New Roman" panose="02020603050405020304" pitchFamily="18" charset="0"/>
+              <a:ea typeface="Calibri" panose="020F0502020204030204" pitchFamily="34" charset="0"/>
+            </a:endParaRPr>
+          </a:p>
+          <a:p>
+            <a:pPr marL="342900" lvl="0" indent="-342900">
+              <a:lnSpc>
+                <a:spcPct val="115000"/>
+              </a:lnSpc>
+              <a:buFont typeface="Times New Roman" panose="02020603050405020304" pitchFamily="18" charset="0"/>
+              <a:buChar char="-"/>
+            </a:pPr>
+            <a:r>
+              <a:rPr lang="en-US" sz="1200">
+                <a:effectLst/>
+                <a:latin typeface="Times New Roman" panose="02020603050405020304" pitchFamily="18" charset="0"/>
+                <a:ea typeface="Calibri" panose="020F0502020204030204" pitchFamily="34" charset="0"/>
+              </a:rPr>
+              <a:t>DataBase sẽ trả về một Lesson/Test model.</a:t>
+            </a:r>
+            <a:endParaRPr lang="en-US" sz="1800">
+              <a:effectLst/>
+              <a:latin typeface="Times New Roman" panose="02020603050405020304" pitchFamily="18" charset="0"/>
+              <a:ea typeface="Calibri" panose="020F0502020204030204" pitchFamily="34" charset="0"/>
+            </a:endParaRPr>
+          </a:p>
+          <a:p>
+            <a:pPr marL="342900" lvl="0" indent="-342900">
+              <a:lnSpc>
+                <a:spcPct val="115000"/>
+              </a:lnSpc>
+              <a:buFont typeface="Times New Roman" panose="02020603050405020304" pitchFamily="18" charset="0"/>
+              <a:buChar char="-"/>
+            </a:pPr>
+            <a:r>
+              <a:rPr lang="en-US" sz="1200">
+                <a:effectLst/>
+                <a:latin typeface="Times New Roman" panose="02020603050405020304" pitchFamily="18" charset="0"/>
+                <a:ea typeface="Calibri" panose="020F0502020204030204" pitchFamily="34" charset="0"/>
+              </a:rPr>
+              <a:t>Model sẽ được gửi về LessonDAO đếm LessonController và hiển thị thông tin lên trang chi tiết bài học/ bài kiểm tra.</a:t>
+            </a:r>
+            <a:endParaRPr lang="en-US" sz="1800">
+              <a:effectLst/>
+              <a:latin typeface="Times New Roman" panose="02020603050405020304" pitchFamily="18" charset="0"/>
+              <a:ea typeface="Calibri" panose="020F0502020204030204" pitchFamily="34" charset="0"/>
+            </a:endParaRPr>
+          </a:p>
+          <a:p>
+            <a:pPr marL="342900" lvl="0" indent="-342900">
+              <a:lnSpc>
+                <a:spcPct val="115000"/>
+              </a:lnSpc>
+              <a:buFont typeface="Times New Roman" panose="02020603050405020304" pitchFamily="18" charset="0"/>
+              <a:buChar char="-"/>
+            </a:pPr>
+            <a:r>
+              <a:rPr lang="en-US" sz="1200">
+                <a:effectLst/>
+                <a:latin typeface="Times New Roman" panose="02020603050405020304" pitchFamily="18" charset="0"/>
+                <a:ea typeface="Calibri" panose="020F0502020204030204" pitchFamily="34" charset="0"/>
+              </a:rPr>
+              <a:t>Tại trang chi tiết bài học người Admin sẽ thực hiện thao tác thay đổi các thông tin mà mình muốn thay đổi.</a:t>
+            </a:r>
+            <a:endParaRPr lang="en-US" sz="1800">
+              <a:effectLst/>
+              <a:latin typeface="Times New Roman" panose="02020603050405020304" pitchFamily="18" charset="0"/>
+              <a:ea typeface="Calibri" panose="020F0502020204030204" pitchFamily="34" charset="0"/>
+            </a:endParaRPr>
+          </a:p>
+          <a:p>
+            <a:pPr marL="342900" lvl="0" indent="-342900">
+              <a:lnSpc>
+                <a:spcPct val="115000"/>
+              </a:lnSpc>
+              <a:buFont typeface="Times New Roman" panose="02020603050405020304" pitchFamily="18" charset="0"/>
+              <a:buChar char="-"/>
+            </a:pPr>
+            <a:r>
+              <a:rPr lang="en-US" sz="1200">
+                <a:effectLst/>
+                <a:latin typeface="Times New Roman" panose="02020603050405020304" pitchFamily="18" charset="0"/>
+                <a:ea typeface="Calibri" panose="020F0502020204030204" pitchFamily="34" charset="0"/>
+              </a:rPr>
+              <a:t>Tại trang chi tiết bài học người admin thay đổi thông tin theo mong muốn của mình và nhấn vào nút lưu thay đổi.</a:t>
+            </a:r>
+            <a:endParaRPr lang="en-US" sz="1800">
+              <a:effectLst/>
+              <a:latin typeface="Times New Roman" panose="02020603050405020304" pitchFamily="18" charset="0"/>
+              <a:ea typeface="Calibri" panose="020F0502020204030204" pitchFamily="34" charset="0"/>
+            </a:endParaRPr>
+          </a:p>
+          <a:p>
+            <a:pPr marL="342900" lvl="0" indent="-342900">
+              <a:lnSpc>
+                <a:spcPct val="115000"/>
+              </a:lnSpc>
+              <a:buFont typeface="Times New Roman" panose="02020603050405020304" pitchFamily="18" charset="0"/>
+              <a:buChar char="-"/>
+            </a:pPr>
+            <a:r>
+              <a:rPr lang="en-US" sz="1200">
+                <a:effectLst/>
+                <a:latin typeface="Times New Roman" panose="02020603050405020304" pitchFamily="18" charset="0"/>
+                <a:ea typeface="Calibri" panose="020F0502020204030204" pitchFamily="34" charset="0"/>
+              </a:rPr>
+              <a:t>Nếu là bài học</a:t>
+            </a:r>
+            <a:endParaRPr lang="en-US" sz="1800">
+              <a:effectLst/>
+              <a:latin typeface="Times New Roman" panose="02020603050405020304" pitchFamily="18" charset="0"/>
+              <a:ea typeface="Calibri" panose="020F0502020204030204" pitchFamily="34" charset="0"/>
+            </a:endParaRPr>
+          </a:p>
+          <a:p>
+            <a:pPr marL="742950" lvl="1" indent="-285750">
+              <a:lnSpc>
+                <a:spcPct val="115000"/>
+              </a:lnSpc>
+              <a:buFont typeface="Courier New" panose="02070309020205020404" pitchFamily="49" charset="0"/>
+              <a:buChar char="o"/>
+            </a:pPr>
+            <a:r>
+              <a:rPr lang="en-US" sz="1200">
+                <a:effectLst/>
+                <a:latin typeface="Times New Roman" panose="02020603050405020304" pitchFamily="18" charset="0"/>
+                <a:ea typeface="Calibri" panose="020F0502020204030204" pitchFamily="34" charset="0"/>
+              </a:rPr>
+              <a:t>Các thông tin về nội dung, hình ảnh âm thanh và chủ đề sẻ được gửi về trang LessonController.</a:t>
+            </a:r>
+            <a:endParaRPr lang="en-US" sz="1800">
+              <a:effectLst/>
+              <a:latin typeface="Times New Roman" panose="02020603050405020304" pitchFamily="18" charset="0"/>
+              <a:ea typeface="Calibri" panose="020F0502020204030204" pitchFamily="34" charset="0"/>
+            </a:endParaRPr>
+          </a:p>
+          <a:p>
+            <a:pPr marL="742950" lvl="1" indent="-285750">
+              <a:lnSpc>
+                <a:spcPct val="115000"/>
+              </a:lnSpc>
+              <a:buFont typeface="Courier New" panose="02070309020205020404" pitchFamily="49" charset="0"/>
+              <a:buChar char="o"/>
+            </a:pPr>
+            <a:r>
+              <a:rPr lang="en-US" sz="1200">
+                <a:effectLst/>
+                <a:latin typeface="Times New Roman" panose="02020603050405020304" pitchFamily="18" charset="0"/>
+                <a:ea typeface="Calibri" panose="020F0502020204030204" pitchFamily="34" charset="0"/>
+              </a:rPr>
+              <a:t>Tại LessonController sẽ mapping những thông tin được gửi về thảnh một Lesson Model.</a:t>
+            </a:r>
+            <a:endParaRPr lang="en-US" sz="1800">
+              <a:effectLst/>
+              <a:latin typeface="Times New Roman" panose="02020603050405020304" pitchFamily="18" charset="0"/>
+              <a:ea typeface="Calibri" panose="020F0502020204030204" pitchFamily="34" charset="0"/>
+            </a:endParaRPr>
+          </a:p>
+          <a:p>
+            <a:pPr marL="742950" lvl="1" indent="-285750">
+              <a:lnSpc>
+                <a:spcPct val="115000"/>
+              </a:lnSpc>
+              <a:buFont typeface="Courier New" panose="02070309020205020404" pitchFamily="49" charset="0"/>
+              <a:buChar char="o"/>
+            </a:pPr>
+            <a:r>
+              <a:rPr lang="en-US" sz="1200">
+                <a:effectLst/>
+                <a:latin typeface="Times New Roman" panose="02020603050405020304" pitchFamily="18" charset="0"/>
+                <a:ea typeface="Calibri" panose="020F0502020204030204" pitchFamily="34" charset="0"/>
+              </a:rPr>
+              <a:t>Tại LessonController sau khi có Lesson Model sẽ gọi đến LessonService để gọi hàm adjustLesson(Lesson).</a:t>
+            </a:r>
+            <a:endParaRPr lang="en-US" sz="1800">
+              <a:effectLst/>
+              <a:latin typeface="Times New Roman" panose="02020603050405020304" pitchFamily="18" charset="0"/>
+              <a:ea typeface="Calibri" panose="020F0502020204030204" pitchFamily="34" charset="0"/>
+            </a:endParaRPr>
+          </a:p>
+          <a:p>
+            <a:pPr marL="742950" lvl="1" indent="-285750">
+              <a:lnSpc>
+                <a:spcPct val="115000"/>
+              </a:lnSpc>
+              <a:buFont typeface="Courier New" panose="02070309020205020404" pitchFamily="49" charset="0"/>
+              <a:buChar char="o"/>
+            </a:pPr>
+            <a:r>
+              <a:rPr lang="en-US" sz="1200">
+                <a:effectLst/>
+                <a:latin typeface="Times New Roman" panose="02020603050405020304" pitchFamily="18" charset="0"/>
+                <a:ea typeface="Calibri" panose="020F0502020204030204" pitchFamily="34" charset="0"/>
+              </a:rPr>
+              <a:t>Tại LessonService sẽ gọi đến LessonDAO sử dụng hàm adjustLesson(Lesson).</a:t>
+            </a:r>
+            <a:endParaRPr lang="en-US" sz="1800">
+              <a:effectLst/>
+              <a:latin typeface="Times New Roman" panose="02020603050405020304" pitchFamily="18" charset="0"/>
+              <a:ea typeface="Calibri" panose="020F0502020204030204" pitchFamily="34" charset="0"/>
+            </a:endParaRPr>
+          </a:p>
+          <a:p>
+            <a:pPr marL="742950" lvl="1" indent="-285750">
+              <a:lnSpc>
+                <a:spcPct val="115000"/>
+              </a:lnSpc>
+              <a:buFont typeface="Courier New" panose="02070309020205020404" pitchFamily="49" charset="0"/>
+              <a:buChar char="o"/>
+            </a:pPr>
+            <a:r>
+              <a:rPr lang="en-US" sz="1200">
+                <a:effectLst/>
+                <a:latin typeface="Times New Roman" panose="02020603050405020304" pitchFamily="18" charset="0"/>
+                <a:ea typeface="Calibri" panose="020F0502020204030204" pitchFamily="34" charset="0"/>
+              </a:rPr>
+              <a:t>Tại  LessonDAO sẽ sử dụng câu lệnh Update xuống DataBase.</a:t>
+            </a:r>
+            <a:endParaRPr lang="en-US" sz="1800">
+              <a:effectLst/>
+              <a:latin typeface="Times New Roman" panose="02020603050405020304" pitchFamily="18" charset="0"/>
+              <a:ea typeface="Calibri" panose="020F0502020204030204" pitchFamily="34" charset="0"/>
+            </a:endParaRPr>
+          </a:p>
+          <a:p>
+            <a:pPr marL="742950" lvl="1" indent="-285750">
+              <a:lnSpc>
+                <a:spcPct val="115000"/>
+              </a:lnSpc>
+              <a:buFont typeface="Courier New" panose="02070309020205020404" pitchFamily="49" charset="0"/>
+              <a:buChar char="o"/>
+            </a:pPr>
+            <a:r>
+              <a:rPr lang="en-US" sz="1200">
+                <a:effectLst/>
+                <a:latin typeface="Times New Roman" panose="02020603050405020304" pitchFamily="18" charset="0"/>
+                <a:ea typeface="Calibri" panose="020F0502020204030204" pitchFamily="34" charset="0"/>
+              </a:rPr>
+              <a:t>Nếu insert thất bại sẽ trả về thông báo lần lượt cho LessonDAO, LessonService, LessonController và hiển thại thất bại tại trang thêm bài học.</a:t>
+            </a:r>
+            <a:endParaRPr lang="en-US" sz="1800">
+              <a:effectLst/>
+              <a:latin typeface="Times New Roman" panose="02020603050405020304" pitchFamily="18" charset="0"/>
+              <a:ea typeface="Calibri" panose="020F0502020204030204" pitchFamily="34" charset="0"/>
+            </a:endParaRPr>
+          </a:p>
+          <a:p>
+            <a:pPr marL="742950" lvl="1" indent="-285750">
+              <a:lnSpc>
+                <a:spcPct val="115000"/>
+              </a:lnSpc>
+              <a:buFont typeface="Courier New" panose="02070309020205020404" pitchFamily="49" charset="0"/>
+              <a:buChar char="o"/>
+            </a:pPr>
+            <a:r>
+              <a:rPr lang="en-US" sz="1200">
+                <a:effectLst/>
+                <a:latin typeface="Times New Roman" panose="02020603050405020304" pitchFamily="18" charset="0"/>
+                <a:ea typeface="Calibri" panose="020F0502020204030204" pitchFamily="34" charset="0"/>
+              </a:rPr>
+              <a:t>Nêu Insert thành công sẽ trả về thông báo thành công cho lần lượt LessonDAO, LessonService, LessonController và hiển thị thông báo thành công tại trang thêm bài học và thông tin sẽ được cập nhật trong DataBase.</a:t>
+            </a:r>
+            <a:endParaRPr lang="en-US" sz="1800">
+              <a:effectLst/>
+              <a:latin typeface="Times New Roman" panose="02020603050405020304" pitchFamily="18" charset="0"/>
+              <a:ea typeface="Calibri" panose="020F0502020204030204" pitchFamily="34" charset="0"/>
+            </a:endParaRPr>
+          </a:p>
+          <a:p>
+            <a:pPr marL="342900" lvl="0" indent="-342900">
+              <a:lnSpc>
+                <a:spcPct val="115000"/>
+              </a:lnSpc>
+              <a:buFont typeface="Times New Roman" panose="02020603050405020304" pitchFamily="18" charset="0"/>
+              <a:buChar char="-"/>
+            </a:pPr>
+            <a:r>
+              <a:rPr lang="en-US" sz="1200">
+                <a:effectLst/>
+                <a:latin typeface="Times New Roman" panose="02020603050405020304" pitchFamily="18" charset="0"/>
+                <a:ea typeface="Calibri" panose="020F0502020204030204" pitchFamily="34" charset="0"/>
+              </a:rPr>
+              <a:t>Nếu là bài kiểm tra</a:t>
+            </a:r>
+            <a:endParaRPr lang="en-US" sz="1800">
+              <a:effectLst/>
+              <a:latin typeface="Times New Roman" panose="02020603050405020304" pitchFamily="18" charset="0"/>
+              <a:ea typeface="Calibri" panose="020F0502020204030204" pitchFamily="34" charset="0"/>
+            </a:endParaRPr>
+          </a:p>
+          <a:p>
+            <a:pPr marL="742950" lvl="1" indent="-285750">
+              <a:lnSpc>
+                <a:spcPct val="115000"/>
+              </a:lnSpc>
+              <a:buFont typeface="Courier New" panose="02070309020205020404" pitchFamily="49" charset="0"/>
+              <a:buChar char="o"/>
+            </a:pPr>
+            <a:r>
+              <a:rPr lang="en-US" sz="1200">
+                <a:effectLst/>
+                <a:latin typeface="Times New Roman" panose="02020603050405020304" pitchFamily="18" charset="0"/>
+                <a:ea typeface="Calibri" panose="020F0502020204030204" pitchFamily="34" charset="0"/>
+              </a:rPr>
+              <a:t>Các thông tin về câu hỏi, hình ảnh, âm thanh, chủ đề, 4 đáp án và đáp án đúng sẽ được gửi về trang LessonController.</a:t>
+            </a:r>
+            <a:endParaRPr lang="en-US" sz="1800">
+              <a:effectLst/>
+              <a:latin typeface="Times New Roman" panose="02020603050405020304" pitchFamily="18" charset="0"/>
+              <a:ea typeface="Calibri" panose="020F0502020204030204" pitchFamily="34" charset="0"/>
+            </a:endParaRPr>
+          </a:p>
+          <a:p>
+            <a:pPr marL="742950" lvl="1" indent="-285750">
+              <a:lnSpc>
+                <a:spcPct val="115000"/>
+              </a:lnSpc>
+              <a:buFont typeface="Courier New" panose="02070309020205020404" pitchFamily="49" charset="0"/>
+              <a:buChar char="o"/>
+            </a:pPr>
+            <a:r>
+              <a:rPr lang="en-US" sz="1200">
+                <a:effectLst/>
+                <a:latin typeface="Times New Roman" panose="02020603050405020304" pitchFamily="18" charset="0"/>
+                <a:ea typeface="Calibri" panose="020F0502020204030204" pitchFamily="34" charset="0"/>
+              </a:rPr>
+              <a:t>Tại LessonController sẽ mapping những thông tin được gửi về thành một Test Model.</a:t>
+            </a:r>
+            <a:endParaRPr lang="en-US" sz="1800">
+              <a:effectLst/>
+              <a:latin typeface="Times New Roman" panose="02020603050405020304" pitchFamily="18" charset="0"/>
+              <a:ea typeface="Calibri" panose="020F0502020204030204" pitchFamily="34" charset="0"/>
+            </a:endParaRPr>
+          </a:p>
+          <a:p>
+            <a:pPr marL="742950" lvl="1" indent="-285750">
+              <a:lnSpc>
+                <a:spcPct val="115000"/>
+              </a:lnSpc>
+              <a:buFont typeface="Courier New" panose="02070309020205020404" pitchFamily="49" charset="0"/>
+              <a:buChar char="o"/>
+            </a:pPr>
+            <a:r>
+              <a:rPr lang="en-US" sz="1200">
+                <a:effectLst/>
+                <a:latin typeface="Times New Roman" panose="02020603050405020304" pitchFamily="18" charset="0"/>
+                <a:ea typeface="Calibri" panose="020F0502020204030204" pitchFamily="34" charset="0"/>
+              </a:rPr>
+              <a:t>Tại LessonController sẽ gọi đến LessonService để sử dụng hàm saveTest(test).</a:t>
+            </a:r>
+            <a:endParaRPr lang="en-US" sz="1800">
+              <a:effectLst/>
+              <a:latin typeface="Times New Roman" panose="02020603050405020304" pitchFamily="18" charset="0"/>
+              <a:ea typeface="Calibri" panose="020F0502020204030204" pitchFamily="34" charset="0"/>
+            </a:endParaRPr>
+          </a:p>
+          <a:p>
+            <a:pPr marL="742950" lvl="1" indent="-285750">
+              <a:lnSpc>
+                <a:spcPct val="115000"/>
+              </a:lnSpc>
+              <a:buFont typeface="Courier New" panose="02070309020205020404" pitchFamily="49" charset="0"/>
+              <a:buChar char="o"/>
+            </a:pPr>
+            <a:r>
+              <a:rPr lang="en-US" sz="1200">
+                <a:effectLst/>
+                <a:latin typeface="Times New Roman" panose="02020603050405020304" pitchFamily="18" charset="0"/>
+                <a:ea typeface="Calibri" panose="020F0502020204030204" pitchFamily="34" charset="0"/>
+              </a:rPr>
+              <a:t>Tại LessonController sẽ gọi đến LessonDAO để sử dụng hàm saveTest(test).</a:t>
+            </a:r>
+            <a:endParaRPr lang="en-US" sz="1800">
+              <a:effectLst/>
+              <a:latin typeface="Times New Roman" panose="02020603050405020304" pitchFamily="18" charset="0"/>
+              <a:ea typeface="Calibri" panose="020F0502020204030204" pitchFamily="34" charset="0"/>
+            </a:endParaRPr>
+          </a:p>
+          <a:p>
+            <a:pPr marL="742950" lvl="1" indent="-285750">
+              <a:lnSpc>
+                <a:spcPct val="115000"/>
+              </a:lnSpc>
+              <a:buFont typeface="Courier New" panose="02070309020205020404" pitchFamily="49" charset="0"/>
+              <a:buChar char="o"/>
+            </a:pPr>
+            <a:r>
+              <a:rPr lang="en-US" sz="1200">
+                <a:effectLst/>
+                <a:latin typeface="Times New Roman" panose="02020603050405020304" pitchFamily="18" charset="0"/>
+                <a:ea typeface="Calibri" panose="020F0502020204030204" pitchFamily="34" charset="0"/>
+              </a:rPr>
+              <a:t>Tại LessonController sẽ insert xuống DataBase để thêm mới bài kiểm tra.</a:t>
+            </a:r>
+            <a:endParaRPr lang="en-US" sz="1800">
+              <a:effectLst/>
+              <a:latin typeface="Times New Roman" panose="02020603050405020304" pitchFamily="18" charset="0"/>
+              <a:ea typeface="Calibri" panose="020F0502020204030204" pitchFamily="34" charset="0"/>
+            </a:endParaRPr>
+          </a:p>
+          <a:p>
+            <a:pPr marL="742950" lvl="1" indent="-285750">
+              <a:lnSpc>
+                <a:spcPct val="115000"/>
+              </a:lnSpc>
+              <a:buFont typeface="Courier New" panose="02070309020205020404" pitchFamily="49" charset="0"/>
+              <a:buChar char="o"/>
+            </a:pPr>
+            <a:r>
+              <a:rPr lang="en-US" sz="1200">
+                <a:effectLst/>
+                <a:latin typeface="Times New Roman" panose="02020603050405020304" pitchFamily="18" charset="0"/>
+                <a:ea typeface="Calibri" panose="020F0502020204030204" pitchFamily="34" charset="0"/>
+              </a:rPr>
+              <a:t>Nếu insert thất bại sẽ trả về thông báo lần lượt cho LessonDAO, LessonService, LessonController và hiển thại thất bại tại trang thêm bài học.</a:t>
+            </a:r>
+            <a:endParaRPr lang="en-US" sz="1800">
+              <a:effectLst/>
+              <a:latin typeface="Times New Roman" panose="02020603050405020304" pitchFamily="18" charset="0"/>
+              <a:ea typeface="Calibri" panose="020F0502020204030204" pitchFamily="34" charset="0"/>
+            </a:endParaRPr>
+          </a:p>
+          <a:p>
+            <a:pPr marL="742950" lvl="1" indent="-285750">
+              <a:lnSpc>
+                <a:spcPct val="115000"/>
+              </a:lnSpc>
+              <a:buFont typeface="Courier New" panose="02070309020205020404" pitchFamily="49" charset="0"/>
+              <a:buChar char="o"/>
+            </a:pPr>
+            <a:r>
+              <a:rPr lang="en-US" sz="1200">
+                <a:effectLst/>
+                <a:latin typeface="Times New Roman" panose="02020603050405020304" pitchFamily="18" charset="0"/>
+                <a:ea typeface="Calibri" panose="020F0502020204030204" pitchFamily="34" charset="0"/>
+              </a:rPr>
+              <a:t>Nêu Insert thành công sẽ trả về thông báo thành công cho lần lượt LessonDAO, LessonService, LessonController và hiển thị thông báo thành công tại trang thêm bài học và thông tin sẽ được cập nhật trong DataBase.</a:t>
+            </a:r>
+            <a:endParaRPr lang="en-US" sz="1800">
+              <a:effectLst/>
+              <a:latin typeface="Times New Roman" panose="02020603050405020304" pitchFamily="18" charset="0"/>
+              <a:ea typeface="Calibri" panose="020F0502020204030204" pitchFamily="34" charset="0"/>
+            </a:endParaRPr>
+          </a:p>
+          <a:p>
+            <a:pPr marL="342900" lvl="0" indent="-342900">
+              <a:lnSpc>
+                <a:spcPct val="115000"/>
+              </a:lnSpc>
+              <a:spcAft>
+                <a:spcPts val="1000"/>
+              </a:spcAft>
+              <a:buFont typeface="Times New Roman" panose="02020603050405020304" pitchFamily="18" charset="0"/>
+              <a:buChar char="-"/>
+            </a:pPr>
+            <a:r>
+              <a:rPr lang="en-US" sz="1200">
+                <a:effectLst/>
+                <a:latin typeface="Times New Roman" panose="02020603050405020304" pitchFamily="18" charset="0"/>
+                <a:ea typeface="Calibri" panose="020F0502020204030204" pitchFamily="34" charset="0"/>
+              </a:rPr>
+              <a:t>Hệ thống sẽ hiện thông báo thành công và lưu thay đổi vào cơ sở dữ liệu.</a:t>
+            </a:r>
+            <a:endParaRPr lang="en-US" sz="1800">
+              <a:effectLst/>
+              <a:latin typeface="Times New Roman" panose="02020603050405020304" pitchFamily="18" charset="0"/>
+              <a:ea typeface="Calibri" panose="020F0502020204030204" pitchFamily="34" charset="0"/>
+            </a:endParaRPr>
+          </a:p>
+          <a:p>
+            <a:pPr marL="457200">
+              <a:lnSpc>
+                <a:spcPct val="115000"/>
+              </a:lnSpc>
+              <a:spcAft>
+                <a:spcPts val="1000"/>
+              </a:spcAft>
+            </a:pPr>
+            <a:r>
+              <a:rPr lang="en-US" sz="1200">
+                <a:effectLst/>
+                <a:latin typeface="Times New Roman" panose="02020603050405020304" pitchFamily="18" charset="0"/>
+                <a:ea typeface="Calibri" panose="020F0502020204030204" pitchFamily="34" charset="0"/>
+              </a:rPr>
+              <a:t>Dòng sự kiện ngoại lệ:</a:t>
+            </a:r>
+            <a:endParaRPr lang="en-US" sz="1800">
+              <a:effectLst/>
+              <a:latin typeface="Times New Roman" panose="02020603050405020304" pitchFamily="18" charset="0"/>
+              <a:ea typeface="Calibri" panose="020F0502020204030204" pitchFamily="34" charset="0"/>
+            </a:endParaRPr>
+          </a:p>
+          <a:p>
+            <a:pPr marL="457200">
+              <a:lnSpc>
+                <a:spcPct val="115000"/>
+              </a:lnSpc>
+              <a:spcAft>
+                <a:spcPts val="1000"/>
+              </a:spcAft>
+            </a:pPr>
+            <a:r>
+              <a:rPr lang="en-US" sz="1200">
+                <a:effectLst/>
+                <a:latin typeface="Times New Roman" panose="02020603050405020304" pitchFamily="18" charset="0"/>
+                <a:ea typeface="Calibri" panose="020F0502020204030204" pitchFamily="34" charset="0"/>
+              </a:rPr>
+              <a:t>[ Người admin thoát ra trong lúc thực hiện thay đổi ]</a:t>
+            </a:r>
+            <a:endParaRPr lang="en-US" sz="1800">
+              <a:effectLst/>
+              <a:latin typeface="Times New Roman" panose="02020603050405020304" pitchFamily="18" charset="0"/>
+              <a:ea typeface="Calibri" panose="020F0502020204030204" pitchFamily="34" charset="0"/>
+            </a:endParaRPr>
+          </a:p>
+          <a:p>
+            <a:pPr marL="342900" lvl="0" indent="-342900">
+              <a:lnSpc>
+                <a:spcPct val="115000"/>
+              </a:lnSpc>
+              <a:spcAft>
+                <a:spcPts val="1000"/>
+              </a:spcAft>
+              <a:buFont typeface="Times New Roman" panose="02020603050405020304" pitchFamily="18" charset="0"/>
+              <a:buChar char="-"/>
+            </a:pPr>
+            <a:r>
+              <a:rPr lang="en-US" sz="1200">
+                <a:effectLst/>
+                <a:latin typeface="Times New Roman" panose="02020603050405020304" pitchFamily="18" charset="0"/>
+                <a:ea typeface="Calibri" panose="020F0502020204030204" pitchFamily="34" charset="0"/>
+              </a:rPr>
+              <a:t>Toàn bộ thông tin vẫn được giữ nguyên trong cơ sở dữ liệu.</a:t>
+            </a:r>
+            <a:endParaRPr lang="en-US" sz="1800">
+              <a:effectLst/>
+              <a:latin typeface="Times New Roman" panose="02020603050405020304" pitchFamily="18" charset="0"/>
+              <a:ea typeface="Calibri" panose="020F0502020204030204" pitchFamily="34" charset="0"/>
+            </a:endParaRPr>
+          </a:p>
+          <a:p>
+            <a:pPr marL="342900" lvl="0" indent="-342900">
+              <a:lnSpc>
+                <a:spcPct val="115000"/>
+              </a:lnSpc>
+              <a:spcAft>
+                <a:spcPts val="1000"/>
+              </a:spcAft>
+              <a:buFont typeface="Times New Roman" panose="02020603050405020304" pitchFamily="18" charset="0"/>
+              <a:buChar char="-"/>
+            </a:pPr>
+            <a:endParaRPr lang="en-US" sz="1800">
+              <a:effectLst/>
+              <a:latin typeface="Times New Roman" panose="02020603050405020304" pitchFamily="18" charset="0"/>
+              <a:ea typeface="Calibri" panose="020F0502020204030204" pitchFamily="34" charset="0"/>
+            </a:endParaRPr>
           </a:p>
         </p:txBody>
       </p:sp>
@@ -7242,7 +8523,7 @@
           <a:p>
             <a:fld id="{166BE8A9-1332-43C3-9C65-C26D4AF875E6}" type="slidenum">
               <a:rPr lang="en-US" smtClean="0"/>
-              <a:t>15</a:t>
+              <a:t>13</a:t>
             </a:fld>
             <a:endParaRPr lang="en-US"/>
           </a:p>
@@ -7251,7 +8532,7 @@
     </p:spTree>
     <p:extLst>
       <p:ext uri="{BB962C8B-B14F-4D97-AF65-F5344CB8AC3E}">
-        <p14:creationId xmlns:p14="http://schemas.microsoft.com/office/powerpoint/2010/main" val="487346144"/>
+        <p14:creationId xmlns:p14="http://schemas.microsoft.com/office/powerpoint/2010/main" val="2317970178"/>
       </p:ext>
     </p:extLst>
   </p:cSld>
@@ -7763,7 +9044,7 @@
           <a:p>
             <a:fld id="{63A1C593-65D0-4073-BCC9-577B9352EA97}" type="datetimeFigureOut">
               <a:rPr lang="en-US" smtClean="0"/>
-              <a:t>6/19/2021</a:t>
+              <a:t>6/26/2021</a:t>
             </a:fld>
             <a:endParaRPr lang="en-US"/>
           </a:p>
@@ -8059,7 +9340,7 @@
           <a:p>
             <a:fld id="{63A1C593-65D0-4073-BCC9-577B9352EA97}" type="datetimeFigureOut">
               <a:rPr lang="en-US" smtClean="0"/>
-              <a:t>6/19/2021</a:t>
+              <a:t>6/26/2021</a:t>
             </a:fld>
             <a:endParaRPr lang="en-US"/>
           </a:p>
@@ -8307,7 +9588,7 @@
           <a:p>
             <a:fld id="{63A1C593-65D0-4073-BCC9-577B9352EA97}" type="datetimeFigureOut">
               <a:rPr lang="en-US" smtClean="0"/>
-              <a:t>6/19/2021</a:t>
+              <a:t>6/26/2021</a:t>
             </a:fld>
             <a:endParaRPr lang="en-US"/>
           </a:p>
@@ -8847,7 +10128,7 @@
           <a:p>
             <a:fld id="{63A1C593-65D0-4073-BCC9-577B9352EA97}" type="datetimeFigureOut">
               <a:rPr lang="en-US" smtClean="0"/>
-              <a:t>6/19/2021</a:t>
+              <a:t>6/26/2021</a:t>
             </a:fld>
             <a:endParaRPr lang="en-US"/>
           </a:p>
@@ -9095,7 +10376,7 @@
           <a:p>
             <a:fld id="{63A1C593-65D0-4073-BCC9-577B9352EA97}" type="datetimeFigureOut">
               <a:rPr lang="en-US" smtClean="0"/>
-              <a:t>6/19/2021</a:t>
+              <a:t>6/26/2021</a:t>
             </a:fld>
             <a:endParaRPr lang="en-US"/>
           </a:p>
@@ -9627,7 +10908,7 @@
           <a:p>
             <a:fld id="{63A1C593-65D0-4073-BCC9-577B9352EA97}" type="datetimeFigureOut">
               <a:rPr lang="en-US" smtClean="0"/>
-              <a:t>6/19/2021</a:t>
+              <a:t>6/26/2021</a:t>
             </a:fld>
             <a:endParaRPr lang="en-US"/>
           </a:p>
@@ -9924,7 +11205,7 @@
           <a:p>
             <a:fld id="{63A1C593-65D0-4073-BCC9-577B9352EA97}" type="datetimeFigureOut">
               <a:rPr lang="en-US" smtClean="0"/>
-              <a:t>6/19/2021</a:t>
+              <a:t>6/26/2021</a:t>
             </a:fld>
             <a:endParaRPr lang="en-US"/>
           </a:p>
@@ -10098,7 +11379,7 @@
           <a:p>
             <a:fld id="{63A1C593-65D0-4073-BCC9-577B9352EA97}" type="datetimeFigureOut">
               <a:rPr lang="en-US" smtClean="0"/>
-              <a:t>6/19/2021</a:t>
+              <a:t>6/26/2021</a:t>
             </a:fld>
             <a:endParaRPr lang="en-US"/>
           </a:p>
@@ -10278,7 +11559,7 @@
           <a:p>
             <a:fld id="{63A1C593-65D0-4073-BCC9-577B9352EA97}" type="datetimeFigureOut">
               <a:rPr lang="en-US" smtClean="0"/>
-              <a:t>6/19/2021</a:t>
+              <a:t>6/26/2021</a:t>
             </a:fld>
             <a:endParaRPr lang="en-US"/>
           </a:p>
@@ -10448,7 +11729,7 @@
           <a:p>
             <a:fld id="{63A1C593-65D0-4073-BCC9-577B9352EA97}" type="datetimeFigureOut">
               <a:rPr lang="en-US" smtClean="0"/>
-              <a:t>6/19/2021</a:t>
+              <a:t>6/26/2021</a:t>
             </a:fld>
             <a:endParaRPr lang="en-US"/>
           </a:p>
@@ -10699,7 +11980,7 @@
           <a:p>
             <a:fld id="{63A1C593-65D0-4073-BCC9-577B9352EA97}" type="datetimeFigureOut">
               <a:rPr lang="en-US" smtClean="0"/>
-              <a:t>6/19/2021</a:t>
+              <a:t>6/26/2021</a:t>
             </a:fld>
             <a:endParaRPr lang="en-US"/>
           </a:p>
@@ -10996,7 +12277,7 @@
           <a:p>
             <a:fld id="{63A1C593-65D0-4073-BCC9-577B9352EA97}" type="datetimeFigureOut">
               <a:rPr lang="en-US" smtClean="0"/>
-              <a:t>6/19/2021</a:t>
+              <a:t>6/26/2021</a:t>
             </a:fld>
             <a:endParaRPr lang="en-US"/>
           </a:p>
@@ -11438,7 +12719,7 @@
           <a:p>
             <a:fld id="{63A1C593-65D0-4073-BCC9-577B9352EA97}" type="datetimeFigureOut">
               <a:rPr lang="en-US" smtClean="0"/>
-              <a:t>6/19/2021</a:t>
+              <a:t>6/26/2021</a:t>
             </a:fld>
             <a:endParaRPr lang="en-US"/>
           </a:p>
@@ -11556,7 +12837,7 @@
           <a:p>
             <a:fld id="{63A1C593-65D0-4073-BCC9-577B9352EA97}" type="datetimeFigureOut">
               <a:rPr lang="en-US" smtClean="0"/>
-              <a:t>6/19/2021</a:t>
+              <a:t>6/26/2021</a:t>
             </a:fld>
             <a:endParaRPr lang="en-US"/>
           </a:p>
@@ -11651,7 +12932,7 @@
           <a:p>
             <a:fld id="{63A1C593-65D0-4073-BCC9-577B9352EA97}" type="datetimeFigureOut">
               <a:rPr lang="en-US" smtClean="0"/>
-              <a:t>6/19/2021</a:t>
+              <a:t>6/26/2021</a:t>
             </a:fld>
             <a:endParaRPr lang="en-US"/>
           </a:p>
@@ -11934,7 +13215,7 @@
           <a:p>
             <a:fld id="{63A1C593-65D0-4073-BCC9-577B9352EA97}" type="datetimeFigureOut">
               <a:rPr lang="en-US" smtClean="0"/>
-              <a:t>6/19/2021</a:t>
+              <a:t>6/26/2021</a:t>
             </a:fld>
             <a:endParaRPr lang="en-US"/>
           </a:p>
@@ -12225,7 +13506,7 @@
           <a:p>
             <a:fld id="{63A1C593-65D0-4073-BCC9-577B9352EA97}" type="datetimeFigureOut">
               <a:rPr lang="en-US" smtClean="0"/>
-              <a:t>6/19/2021</a:t>
+              <a:t>6/26/2021</a:t>
             </a:fld>
             <a:endParaRPr lang="en-US"/>
           </a:p>
@@ -12755,7 +14036,7 @@
           <a:p>
             <a:fld id="{63A1C593-65D0-4073-BCC9-577B9352EA97}" type="datetimeFigureOut">
               <a:rPr lang="en-US" smtClean="0"/>
-              <a:t>6/19/2021</a:t>
+              <a:t>6/26/2021</a:t>
             </a:fld>
             <a:endParaRPr lang="en-US"/>
           </a:p>
@@ -14981,6 +16262,522 @@
           <p:cNvPr id="2" name="Title 1">
             <a:extLst>
               <a:ext uri="{FF2B5EF4-FFF2-40B4-BE49-F238E27FC236}">
+                <a16:creationId xmlns:a16="http://schemas.microsoft.com/office/drawing/2014/main" id="{226B3B11-2069-4E0E-9B54-5D1611C6CEB5}"/>
+              </a:ext>
+            </a:extLst>
+          </p:cNvPr>
+          <p:cNvSpPr>
+            <a:spLocks noGrp="1"/>
+          </p:cNvSpPr>
+          <p:nvPr>
+            <p:ph type="title"/>
+          </p:nvPr>
+        </p:nvSpPr>
+        <p:spPr>
+          <a:xfrm>
+            <a:off x="1511186" y="10886"/>
+            <a:ext cx="10018713" cy="1752599"/>
+          </a:xfrm>
+        </p:spPr>
+        <p:txBody>
+          <a:bodyPr/>
+          <a:lstStyle/>
+          <a:p>
+            <a:pPr algn="l"/>
+            <a:r>
+              <a:rPr lang="en-US"/>
+              <a:t>Chỉnh sửa bài học</a:t>
+            </a:r>
+          </a:p>
+        </p:txBody>
+      </p:sp>
+      <p:graphicFrame>
+        <p:nvGraphicFramePr>
+          <p:cNvPr id="3" name="Table 2">
+            <a:extLst>
+              <a:ext uri="{FF2B5EF4-FFF2-40B4-BE49-F238E27FC236}">
+                <a16:creationId xmlns:a16="http://schemas.microsoft.com/office/drawing/2014/main" id="{03924BAB-FB87-4CC7-87BC-2F62E85F69BA}"/>
+              </a:ext>
+            </a:extLst>
+          </p:cNvPr>
+          <p:cNvGraphicFramePr>
+            <a:graphicFrameLocks noGrp="1"/>
+          </p:cNvGraphicFramePr>
+          <p:nvPr>
+            <p:extLst>
+              <p:ext uri="{D42A27DB-BD31-4B8C-83A1-F6EECF244321}">
+                <p14:modId xmlns:p14="http://schemas.microsoft.com/office/powerpoint/2010/main" val="3638062120"/>
+              </p:ext>
+            </p:extLst>
+          </p:nvPr>
+        </p:nvGraphicFramePr>
+        <p:xfrm>
+          <a:off x="2258786" y="1676400"/>
+          <a:ext cx="7674429" cy="4711055"/>
+        </p:xfrm>
+        <a:graphic>
+          <a:graphicData uri="http://schemas.openxmlformats.org/drawingml/2006/table">
+            <a:tbl>
+              <a:tblPr firstRow="1" firstCol="1" bandRow="1">
+                <a:tableStyleId>{5C22544A-7EE6-4342-B048-85BDC9FD1C3A}</a:tableStyleId>
+              </a:tblPr>
+              <a:tblGrid>
+                <a:gridCol w="2147264">
+                  <a:extLst>
+                    <a:ext uri="{9D8B030D-6E8A-4147-A177-3AD203B41FA5}">
+                      <a16:colId xmlns:a16="http://schemas.microsoft.com/office/drawing/2014/main" val="641265126"/>
+                    </a:ext>
+                  </a:extLst>
+                </a:gridCol>
+                <a:gridCol w="5527165">
+                  <a:extLst>
+                    <a:ext uri="{9D8B030D-6E8A-4147-A177-3AD203B41FA5}">
+                      <a16:colId xmlns:a16="http://schemas.microsoft.com/office/drawing/2014/main" val="2825853925"/>
+                    </a:ext>
+                  </a:extLst>
+                </a:gridCol>
+              </a:tblGrid>
+              <a:tr h="518139">
+                <a:tc>
+                  <a:txBody>
+                    <a:bodyPr/>
+                    <a:lstStyle/>
+                    <a:p>
+                      <a:pPr marL="457200">
+                        <a:lnSpc>
+                          <a:spcPct val="115000"/>
+                        </a:lnSpc>
+                        <a:spcAft>
+                          <a:spcPts val="1000"/>
+                        </a:spcAft>
+                      </a:pPr>
+                      <a:r>
+                        <a:rPr lang="en-US" sz="1200">
+                          <a:effectLst/>
+                          <a:latin typeface="Times New Roman" panose="02020603050405020304" pitchFamily="18" charset="0"/>
+                          <a:ea typeface="Calibri" panose="020F0502020204030204" pitchFamily="34" charset="0"/>
+                        </a:rPr>
+                        <a:t>Tên</a:t>
+                      </a:r>
+                      <a:endParaRPr lang="en-US" sz="1800">
+                        <a:effectLst/>
+                        <a:latin typeface="Times New Roman" panose="02020603050405020304" pitchFamily="18" charset="0"/>
+                        <a:ea typeface="Calibri" panose="020F0502020204030204" pitchFamily="34" charset="0"/>
+                      </a:endParaRPr>
+                    </a:p>
+                  </a:txBody>
+                  <a:tcPr marL="68580" marR="68580" marT="0" marB="0"/>
+                </a:tc>
+                <a:tc>
+                  <a:txBody>
+                    <a:bodyPr/>
+                    <a:lstStyle/>
+                    <a:p>
+                      <a:pPr marL="457200">
+                        <a:lnSpc>
+                          <a:spcPct val="115000"/>
+                        </a:lnSpc>
+                        <a:spcAft>
+                          <a:spcPts val="1000"/>
+                        </a:spcAft>
+                      </a:pPr>
+                      <a:r>
+                        <a:rPr lang="en-US" sz="1200">
+                          <a:effectLst/>
+                          <a:latin typeface="Times New Roman" panose="02020603050405020304" pitchFamily="18" charset="0"/>
+                          <a:ea typeface="Calibri" panose="020F0502020204030204" pitchFamily="34" charset="0"/>
+                        </a:rPr>
+                        <a:t>Chỉnh sửa bài học</a:t>
+                      </a:r>
+                      <a:endParaRPr lang="en-US" sz="1800">
+                        <a:effectLst/>
+                        <a:latin typeface="Times New Roman" panose="02020603050405020304" pitchFamily="18" charset="0"/>
+                        <a:ea typeface="Calibri" panose="020F0502020204030204" pitchFamily="34" charset="0"/>
+                      </a:endParaRPr>
+                    </a:p>
+                  </a:txBody>
+                  <a:tcPr marL="68580" marR="68580" marT="0" marB="0"/>
+                </a:tc>
+                <a:extLst>
+                  <a:ext uri="{0D108BD9-81ED-4DB2-BD59-A6C34878D82A}">
+                    <a16:rowId xmlns:a16="http://schemas.microsoft.com/office/drawing/2014/main" val="4234619729"/>
+                  </a:ext>
+                </a:extLst>
+              </a:tr>
+              <a:tr h="518139">
+                <a:tc>
+                  <a:txBody>
+                    <a:bodyPr/>
+                    <a:lstStyle/>
+                    <a:p>
+                      <a:pPr marL="457200">
+                        <a:lnSpc>
+                          <a:spcPct val="115000"/>
+                        </a:lnSpc>
+                        <a:spcAft>
+                          <a:spcPts val="1000"/>
+                        </a:spcAft>
+                      </a:pPr>
+                      <a:r>
+                        <a:rPr lang="en-US" sz="1200">
+                          <a:effectLst/>
+                          <a:latin typeface="Times New Roman" panose="02020603050405020304" pitchFamily="18" charset="0"/>
+                          <a:ea typeface="Calibri" panose="020F0502020204030204" pitchFamily="34" charset="0"/>
+                        </a:rPr>
+                        <a:t>Actors</a:t>
+                      </a:r>
+                      <a:endParaRPr lang="en-US" sz="1800">
+                        <a:effectLst/>
+                        <a:latin typeface="Times New Roman" panose="02020603050405020304" pitchFamily="18" charset="0"/>
+                        <a:ea typeface="Calibri" panose="020F0502020204030204" pitchFamily="34" charset="0"/>
+                      </a:endParaRPr>
+                    </a:p>
+                  </a:txBody>
+                  <a:tcPr marL="68580" marR="68580" marT="0" marB="0"/>
+                </a:tc>
+                <a:tc>
+                  <a:txBody>
+                    <a:bodyPr/>
+                    <a:lstStyle/>
+                    <a:p>
+                      <a:pPr marL="457200">
+                        <a:lnSpc>
+                          <a:spcPct val="115000"/>
+                        </a:lnSpc>
+                        <a:spcAft>
+                          <a:spcPts val="1000"/>
+                        </a:spcAft>
+                      </a:pPr>
+                      <a:r>
+                        <a:rPr lang="en-US" sz="1200">
+                          <a:effectLst/>
+                          <a:latin typeface="Times New Roman" panose="02020603050405020304" pitchFamily="18" charset="0"/>
+                          <a:ea typeface="Calibri" panose="020F0502020204030204" pitchFamily="34" charset="0"/>
+                        </a:rPr>
+                        <a:t>Admin</a:t>
+                      </a:r>
+                      <a:endParaRPr lang="en-US" sz="1800">
+                        <a:effectLst/>
+                        <a:latin typeface="Times New Roman" panose="02020603050405020304" pitchFamily="18" charset="0"/>
+                        <a:ea typeface="Calibri" panose="020F0502020204030204" pitchFamily="34" charset="0"/>
+                      </a:endParaRPr>
+                    </a:p>
+                  </a:txBody>
+                  <a:tcPr marL="68580" marR="68580" marT="0" marB="0"/>
+                </a:tc>
+                <a:extLst>
+                  <a:ext uri="{0D108BD9-81ED-4DB2-BD59-A6C34878D82A}">
+                    <a16:rowId xmlns:a16="http://schemas.microsoft.com/office/drawing/2014/main" val="2447354973"/>
+                  </a:ext>
+                </a:extLst>
+              </a:tr>
+              <a:tr h="518139">
+                <a:tc>
+                  <a:txBody>
+                    <a:bodyPr/>
+                    <a:lstStyle/>
+                    <a:p>
+                      <a:pPr marL="457200">
+                        <a:lnSpc>
+                          <a:spcPct val="115000"/>
+                        </a:lnSpc>
+                        <a:spcAft>
+                          <a:spcPts val="1000"/>
+                        </a:spcAft>
+                      </a:pPr>
+                      <a:r>
+                        <a:rPr lang="en-US" sz="1200">
+                          <a:effectLst/>
+                          <a:latin typeface="Times New Roman" panose="02020603050405020304" pitchFamily="18" charset="0"/>
+                          <a:ea typeface="Calibri" panose="020F0502020204030204" pitchFamily="34" charset="0"/>
+                        </a:rPr>
+                        <a:t>Tóm tăt</a:t>
+                      </a:r>
+                      <a:endParaRPr lang="en-US" sz="1800">
+                        <a:effectLst/>
+                        <a:latin typeface="Times New Roman" panose="02020603050405020304" pitchFamily="18" charset="0"/>
+                        <a:ea typeface="Calibri" panose="020F0502020204030204" pitchFamily="34" charset="0"/>
+                      </a:endParaRPr>
+                    </a:p>
+                  </a:txBody>
+                  <a:tcPr marL="68580" marR="68580" marT="0" marB="0"/>
+                </a:tc>
+                <a:tc>
+                  <a:txBody>
+                    <a:bodyPr/>
+                    <a:lstStyle/>
+                    <a:p>
+                      <a:pPr marL="457200">
+                        <a:lnSpc>
+                          <a:spcPct val="115000"/>
+                        </a:lnSpc>
+                        <a:spcAft>
+                          <a:spcPts val="1000"/>
+                        </a:spcAft>
+                      </a:pPr>
+                      <a:r>
+                        <a:rPr lang="en-US" sz="1200">
+                          <a:effectLst/>
+                          <a:latin typeface="Times New Roman" panose="02020603050405020304" pitchFamily="18" charset="0"/>
+                          <a:ea typeface="Calibri" panose="020F0502020204030204" pitchFamily="34" charset="0"/>
+                        </a:rPr>
+                        <a:t>Người dùng mong muốn thay đổi nội dung bài học hoặc nội dung bài kiểm tra.</a:t>
+                      </a:r>
+                      <a:endParaRPr lang="en-US" sz="1800">
+                        <a:effectLst/>
+                        <a:latin typeface="Times New Roman" panose="02020603050405020304" pitchFamily="18" charset="0"/>
+                        <a:ea typeface="Calibri" panose="020F0502020204030204" pitchFamily="34" charset="0"/>
+                      </a:endParaRPr>
+                    </a:p>
+                  </a:txBody>
+                  <a:tcPr marL="68580" marR="68580" marT="0" marB="0"/>
+                </a:tc>
+                <a:extLst>
+                  <a:ext uri="{0D108BD9-81ED-4DB2-BD59-A6C34878D82A}">
+                    <a16:rowId xmlns:a16="http://schemas.microsoft.com/office/drawing/2014/main" val="3263370727"/>
+                  </a:ext>
+                </a:extLst>
+              </a:tr>
+              <a:tr h="1071176">
+                <a:tc>
+                  <a:txBody>
+                    <a:bodyPr/>
+                    <a:lstStyle/>
+                    <a:p>
+                      <a:pPr marL="457200">
+                        <a:lnSpc>
+                          <a:spcPct val="115000"/>
+                        </a:lnSpc>
+                        <a:spcAft>
+                          <a:spcPts val="1000"/>
+                        </a:spcAft>
+                      </a:pPr>
+                      <a:r>
+                        <a:rPr lang="en-US" sz="1200">
+                          <a:effectLst/>
+                          <a:latin typeface="Times New Roman" panose="02020603050405020304" pitchFamily="18" charset="0"/>
+                          <a:ea typeface="Calibri" panose="020F0502020204030204" pitchFamily="34" charset="0"/>
+                        </a:rPr>
+                        <a:t>Điều kiện tiên quyết</a:t>
+                      </a:r>
+                      <a:endParaRPr lang="en-US" sz="1800">
+                        <a:effectLst/>
+                        <a:latin typeface="Times New Roman" panose="02020603050405020304" pitchFamily="18" charset="0"/>
+                        <a:ea typeface="Calibri" panose="020F0502020204030204" pitchFamily="34" charset="0"/>
+                      </a:endParaRPr>
+                    </a:p>
+                  </a:txBody>
+                  <a:tcPr marL="68580" marR="68580" marT="0" marB="0"/>
+                </a:tc>
+                <a:tc>
+                  <a:txBody>
+                    <a:bodyPr/>
+                    <a:lstStyle/>
+                    <a:p>
+                      <a:pPr marL="457200">
+                        <a:lnSpc>
+                          <a:spcPct val="115000"/>
+                        </a:lnSpc>
+                        <a:spcAft>
+                          <a:spcPts val="1000"/>
+                        </a:spcAft>
+                      </a:pPr>
+                      <a:r>
+                        <a:rPr lang="en-US" sz="1200">
+                          <a:effectLst/>
+                          <a:latin typeface="Times New Roman" panose="02020603050405020304" pitchFamily="18" charset="0"/>
+                          <a:ea typeface="Calibri" panose="020F0502020204030204" pitchFamily="34" charset="0"/>
+                        </a:rPr>
+                        <a:t>Người admin phải đăng nhập vào hệ thống với phân quyền admin.</a:t>
+                      </a:r>
+                      <a:endParaRPr lang="en-US" sz="1800">
+                        <a:effectLst/>
+                        <a:latin typeface="Times New Roman" panose="02020603050405020304" pitchFamily="18" charset="0"/>
+                        <a:ea typeface="Calibri" panose="020F0502020204030204" pitchFamily="34" charset="0"/>
+                      </a:endParaRPr>
+                    </a:p>
+                  </a:txBody>
+                  <a:tcPr marL="68580" marR="68580" marT="0" marB="0"/>
+                </a:tc>
+                <a:extLst>
+                  <a:ext uri="{0D108BD9-81ED-4DB2-BD59-A6C34878D82A}">
+                    <a16:rowId xmlns:a16="http://schemas.microsoft.com/office/drawing/2014/main" val="676806107"/>
+                  </a:ext>
+                </a:extLst>
+              </a:tr>
+              <a:tr h="1014286">
+                <a:tc>
+                  <a:txBody>
+                    <a:bodyPr/>
+                    <a:lstStyle/>
+                    <a:p>
+                      <a:pPr marL="457200">
+                        <a:lnSpc>
+                          <a:spcPct val="115000"/>
+                        </a:lnSpc>
+                        <a:spcAft>
+                          <a:spcPts val="1000"/>
+                        </a:spcAft>
+                      </a:pPr>
+                      <a:r>
+                        <a:rPr lang="en-US" sz="1200">
+                          <a:effectLst/>
+                          <a:latin typeface="Times New Roman" panose="02020603050405020304" pitchFamily="18" charset="0"/>
+                          <a:ea typeface="Calibri" panose="020F0502020204030204" pitchFamily="34" charset="0"/>
+                        </a:rPr>
+                        <a:t>Sự kiện bắt đầu</a:t>
+                      </a:r>
+                      <a:endParaRPr lang="en-US" sz="1800">
+                        <a:effectLst/>
+                        <a:latin typeface="Times New Roman" panose="02020603050405020304" pitchFamily="18" charset="0"/>
+                        <a:ea typeface="Calibri" panose="020F0502020204030204" pitchFamily="34" charset="0"/>
+                      </a:endParaRPr>
+                    </a:p>
+                  </a:txBody>
+                  <a:tcPr marL="68580" marR="68580" marT="0" marB="0"/>
+                </a:tc>
+                <a:tc>
+                  <a:txBody>
+                    <a:bodyPr/>
+                    <a:lstStyle/>
+                    <a:p>
+                      <a:pPr marL="457200">
+                        <a:lnSpc>
+                          <a:spcPct val="115000"/>
+                        </a:lnSpc>
+                        <a:spcAft>
+                          <a:spcPts val="1000"/>
+                        </a:spcAft>
+                      </a:pPr>
+                      <a:r>
+                        <a:rPr lang="en-US" sz="1200">
+                          <a:effectLst/>
+                          <a:latin typeface="Times New Roman" panose="02020603050405020304" pitchFamily="18" charset="0"/>
+                          <a:ea typeface="Calibri" panose="020F0502020204030204" pitchFamily="34" charset="0"/>
+                        </a:rPr>
+                        <a:t>Người admin chọn vào phần chỉnh sửa trong giao diện của bài học hay câu hỏi.</a:t>
+                      </a:r>
+                      <a:endParaRPr lang="en-US" sz="1800">
+                        <a:effectLst/>
+                        <a:latin typeface="Times New Roman" panose="02020603050405020304" pitchFamily="18" charset="0"/>
+                        <a:ea typeface="Calibri" panose="020F0502020204030204" pitchFamily="34" charset="0"/>
+                      </a:endParaRPr>
+                    </a:p>
+                  </a:txBody>
+                  <a:tcPr marL="68580" marR="68580" marT="0" marB="0"/>
+                </a:tc>
+                <a:extLst>
+                  <a:ext uri="{0D108BD9-81ED-4DB2-BD59-A6C34878D82A}">
+                    <a16:rowId xmlns:a16="http://schemas.microsoft.com/office/drawing/2014/main" val="1865154138"/>
+                  </a:ext>
+                </a:extLst>
+              </a:tr>
+              <a:tr h="1071176">
+                <a:tc>
+                  <a:txBody>
+                    <a:bodyPr/>
+                    <a:lstStyle/>
+                    <a:p>
+                      <a:pPr marL="457200">
+                        <a:lnSpc>
+                          <a:spcPct val="115000"/>
+                        </a:lnSpc>
+                        <a:spcAft>
+                          <a:spcPts val="1000"/>
+                        </a:spcAft>
+                      </a:pPr>
+                      <a:r>
+                        <a:rPr lang="en-US" sz="1200">
+                          <a:effectLst/>
+                          <a:latin typeface="Times New Roman" panose="02020603050405020304" pitchFamily="18" charset="0"/>
+                          <a:ea typeface="Calibri" panose="020F0502020204030204" pitchFamily="34" charset="0"/>
+                        </a:rPr>
+                        <a:t>Sự kiện kết thúc</a:t>
+                      </a:r>
+                      <a:endParaRPr lang="en-US" sz="1800">
+                        <a:effectLst/>
+                        <a:latin typeface="Times New Roman" panose="02020603050405020304" pitchFamily="18" charset="0"/>
+                        <a:ea typeface="Calibri" panose="020F0502020204030204" pitchFamily="34" charset="0"/>
+                      </a:endParaRPr>
+                    </a:p>
+                  </a:txBody>
+                  <a:tcPr marL="68580" marR="68580" marT="0" marB="0"/>
+                </a:tc>
+                <a:tc>
+                  <a:txBody>
+                    <a:bodyPr/>
+                    <a:lstStyle/>
+                    <a:p>
+                      <a:pPr marL="457200">
+                        <a:lnSpc>
+                          <a:spcPct val="115000"/>
+                        </a:lnSpc>
+                        <a:spcAft>
+                          <a:spcPts val="1000"/>
+                        </a:spcAft>
+                      </a:pPr>
+                      <a:r>
+                        <a:rPr lang="en-US" sz="1200">
+                          <a:effectLst/>
+                          <a:latin typeface="Times New Roman" panose="02020603050405020304" pitchFamily="18" charset="0"/>
+                          <a:ea typeface="Calibri" panose="020F0502020204030204" pitchFamily="34" charset="0"/>
+                        </a:rPr>
+                        <a:t>Thông tin được chỉnh sửa và lưu vào cơ sở dữ liệu.</a:t>
+                      </a:r>
+                      <a:endParaRPr lang="en-US" sz="1800">
+                        <a:effectLst/>
+                        <a:latin typeface="Times New Roman" panose="02020603050405020304" pitchFamily="18" charset="0"/>
+                        <a:ea typeface="Calibri" panose="020F0502020204030204" pitchFamily="34" charset="0"/>
+                      </a:endParaRPr>
+                    </a:p>
+                  </a:txBody>
+                  <a:tcPr marL="68580" marR="68580" marT="0" marB="0"/>
+                </a:tc>
+                <a:extLst>
+                  <a:ext uri="{0D108BD9-81ED-4DB2-BD59-A6C34878D82A}">
+                    <a16:rowId xmlns:a16="http://schemas.microsoft.com/office/drawing/2014/main" val="2349520489"/>
+                  </a:ext>
+                </a:extLst>
+              </a:tr>
+            </a:tbl>
+          </a:graphicData>
+        </a:graphic>
+      </p:graphicFrame>
+    </p:spTree>
+    <p:extLst>
+      <p:ext uri="{BB962C8B-B14F-4D97-AF65-F5344CB8AC3E}">
+        <p14:creationId xmlns:p14="http://schemas.microsoft.com/office/powerpoint/2010/main" val="3073039478"/>
+      </p:ext>
+    </p:extLst>
+  </p:cSld>
+  <p:clrMapOvr>
+    <a:masterClrMapping/>
+  </p:clrMapOvr>
+</p:sld>
+</file>
+
+<file path=ppt/slides/slide14.xml><?xml version="1.0" encoding="utf-8"?>
+<p:sld xmlns:a="http://schemas.openxmlformats.org/drawingml/2006/main" xmlns:r="http://schemas.openxmlformats.org/officeDocument/2006/relationships" xmlns:p="http://schemas.openxmlformats.org/presentationml/2006/main">
+  <p:cSld>
+    <p:spTree>
+      <p:nvGrpSpPr>
+        <p:cNvPr id="1" name=""/>
+        <p:cNvGrpSpPr/>
+        <p:nvPr/>
+      </p:nvGrpSpPr>
+      <p:grpSpPr>
+        <a:xfrm>
+          <a:off x="0" y="0"/>
+          <a:ext cx="0" cy="0"/>
+          <a:chOff x="0" y="0"/>
+          <a:chExt cx="0" cy="0"/>
+        </a:xfrm>
+      </p:grpSpPr>
+      <p:sp>
+        <p:nvSpPr>
+          <p:cNvPr id="2" name="Title 1">
+            <a:extLst>
+              <a:ext uri="{FF2B5EF4-FFF2-40B4-BE49-F238E27FC236}">
                 <a16:creationId xmlns:a16="http://schemas.microsoft.com/office/drawing/2014/main" id="{26331D5B-BA20-4A09-A896-36B59BC18D8B}"/>
               </a:ext>
             </a:extLst>
@@ -15059,7 +16856,660 @@
 </p:sld>
 </file>
 
-<file path=ppt/slides/slide14.xml><?xml version="1.0" encoding="utf-8"?>
+<file path=ppt/slides/slide15.xml><?xml version="1.0" encoding="utf-8"?>
+<p:sld xmlns:a="http://schemas.openxmlformats.org/drawingml/2006/main" xmlns:r="http://schemas.openxmlformats.org/officeDocument/2006/relationships" xmlns:p="http://schemas.openxmlformats.org/presentationml/2006/main">
+  <p:cSld>
+    <p:spTree>
+      <p:nvGrpSpPr>
+        <p:cNvPr id="1" name=""/>
+        <p:cNvGrpSpPr/>
+        <p:nvPr/>
+      </p:nvGrpSpPr>
+      <p:grpSpPr>
+        <a:xfrm>
+          <a:off x="0" y="0"/>
+          <a:ext cx="0" cy="0"/>
+          <a:chOff x="0" y="0"/>
+          <a:chExt cx="0" cy="0"/>
+        </a:xfrm>
+      </p:grpSpPr>
+      <p:sp>
+        <p:nvSpPr>
+          <p:cNvPr id="2" name="Title 1">
+            <a:extLst>
+              <a:ext uri="{FF2B5EF4-FFF2-40B4-BE49-F238E27FC236}">
+                <a16:creationId xmlns:a16="http://schemas.microsoft.com/office/drawing/2014/main" id="{26331D5B-BA20-4A09-A896-36B59BC18D8B}"/>
+              </a:ext>
+            </a:extLst>
+          </p:cNvPr>
+          <p:cNvSpPr>
+            <a:spLocks noGrp="1"/>
+          </p:cNvSpPr>
+          <p:nvPr>
+            <p:ph type="title"/>
+          </p:nvPr>
+        </p:nvSpPr>
+        <p:spPr>
+          <a:xfrm>
+            <a:off x="1484311" y="685801"/>
+            <a:ext cx="10018713" cy="728330"/>
+          </a:xfrm>
+        </p:spPr>
+        <p:txBody>
+          <a:bodyPr/>
+          <a:lstStyle/>
+          <a:p>
+            <a:pPr algn="l"/>
+            <a:r>
+              <a:rPr lang="en-US"/>
+              <a:t>Sequence Diagram: Chỉnh sửa bài học</a:t>
+            </a:r>
+          </a:p>
+        </p:txBody>
+      </p:sp>
+      <p:pic>
+        <p:nvPicPr>
+          <p:cNvPr id="4" name="Picture 3">
+            <a:extLst>
+              <a:ext uri="{FF2B5EF4-FFF2-40B4-BE49-F238E27FC236}">
+                <a16:creationId xmlns:a16="http://schemas.microsoft.com/office/drawing/2014/main" id="{3766AB98-958C-4178-B60C-0D42531DE96C}"/>
+              </a:ext>
+            </a:extLst>
+          </p:cNvPr>
+          <p:cNvPicPr/>
+          <p:nvPr/>
+        </p:nvPicPr>
+        <p:blipFill>
+          <a:blip r:embed="rId2" cstate="print">
+            <a:extLst>
+              <a:ext uri="{28A0092B-C50C-407E-A947-70E740481C1C}">
+                <a14:useLocalDpi xmlns:a14="http://schemas.microsoft.com/office/drawing/2010/main" val="0"/>
+              </a:ext>
+            </a:extLst>
+          </a:blip>
+          <a:srcRect/>
+          <a:stretch>
+            <a:fillRect/>
+          </a:stretch>
+        </p:blipFill>
+        <p:spPr bwMode="auto">
+          <a:xfrm>
+            <a:off x="2349648" y="1548765"/>
+            <a:ext cx="7492705" cy="5257322"/>
+          </a:xfrm>
+          <a:prstGeom prst="rect">
+            <a:avLst/>
+          </a:prstGeom>
+          <a:noFill/>
+          <a:ln>
+            <a:noFill/>
+          </a:ln>
+        </p:spPr>
+      </p:pic>
+    </p:spTree>
+    <p:extLst>
+      <p:ext uri="{BB962C8B-B14F-4D97-AF65-F5344CB8AC3E}">
+        <p14:creationId xmlns:p14="http://schemas.microsoft.com/office/powerpoint/2010/main" val="4173001914"/>
+      </p:ext>
+    </p:extLst>
+  </p:cSld>
+  <p:clrMapOvr>
+    <a:masterClrMapping/>
+  </p:clrMapOvr>
+</p:sld>
+</file>
+
+<file path=ppt/slides/slide16.xml><?xml version="1.0" encoding="utf-8"?>
+<p:sld xmlns:a="http://schemas.openxmlformats.org/drawingml/2006/main" xmlns:r="http://schemas.openxmlformats.org/officeDocument/2006/relationships" xmlns:p="http://schemas.openxmlformats.org/presentationml/2006/main">
+  <p:cSld>
+    <p:spTree>
+      <p:nvGrpSpPr>
+        <p:cNvPr id="1" name=""/>
+        <p:cNvGrpSpPr/>
+        <p:nvPr/>
+      </p:nvGrpSpPr>
+      <p:grpSpPr>
+        <a:xfrm>
+          <a:off x="0" y="0"/>
+          <a:ext cx="0" cy="0"/>
+          <a:chOff x="0" y="0"/>
+          <a:chExt cx="0" cy="0"/>
+        </a:xfrm>
+      </p:grpSpPr>
+      <p:sp>
+        <p:nvSpPr>
+          <p:cNvPr id="2" name="Title 1">
+            <a:extLst>
+              <a:ext uri="{FF2B5EF4-FFF2-40B4-BE49-F238E27FC236}">
+                <a16:creationId xmlns:a16="http://schemas.microsoft.com/office/drawing/2014/main" id="{26331D5B-BA20-4A09-A896-36B59BC18D8B}"/>
+              </a:ext>
+            </a:extLst>
+          </p:cNvPr>
+          <p:cNvSpPr>
+            <a:spLocks noGrp="1"/>
+          </p:cNvSpPr>
+          <p:nvPr>
+            <p:ph type="title"/>
+          </p:nvPr>
+        </p:nvSpPr>
+        <p:spPr>
+          <a:xfrm>
+            <a:off x="1484311" y="685801"/>
+            <a:ext cx="10018713" cy="728330"/>
+          </a:xfrm>
+        </p:spPr>
+        <p:txBody>
+          <a:bodyPr/>
+          <a:lstStyle/>
+          <a:p>
+            <a:pPr algn="l"/>
+            <a:r>
+              <a:rPr lang="en-US"/>
+              <a:t>Sequence Diagram: Đăng ký tài khoản</a:t>
+            </a:r>
+          </a:p>
+        </p:txBody>
+      </p:sp>
+      <p:pic>
+        <p:nvPicPr>
+          <p:cNvPr id="4" name="Picture 3">
+            <a:extLst>
+              <a:ext uri="{FF2B5EF4-FFF2-40B4-BE49-F238E27FC236}">
+                <a16:creationId xmlns:a16="http://schemas.microsoft.com/office/drawing/2014/main" id="{5A91B76D-C41C-4C56-8688-B56E6ED78A0B}"/>
+              </a:ext>
+            </a:extLst>
+          </p:cNvPr>
+          <p:cNvPicPr/>
+          <p:nvPr/>
+        </p:nvPicPr>
+        <p:blipFill>
+          <a:blip r:embed="rId2">
+            <a:extLst>
+              <a:ext uri="{28A0092B-C50C-407E-A947-70E740481C1C}">
+                <a14:useLocalDpi xmlns:a14="http://schemas.microsoft.com/office/drawing/2010/main" val="0"/>
+              </a:ext>
+            </a:extLst>
+          </a:blip>
+          <a:stretch>
+            <a:fillRect/>
+          </a:stretch>
+        </p:blipFill>
+        <p:spPr>
+          <a:xfrm>
+            <a:off x="2609352" y="1538287"/>
+            <a:ext cx="6973297" cy="4917227"/>
+          </a:xfrm>
+          <a:prstGeom prst="rect">
+            <a:avLst/>
+          </a:prstGeom>
+        </p:spPr>
+      </p:pic>
+    </p:spTree>
+    <p:extLst>
+      <p:ext uri="{BB962C8B-B14F-4D97-AF65-F5344CB8AC3E}">
+        <p14:creationId xmlns:p14="http://schemas.microsoft.com/office/powerpoint/2010/main" val="4073534036"/>
+      </p:ext>
+    </p:extLst>
+  </p:cSld>
+  <p:clrMapOvr>
+    <a:masterClrMapping/>
+  </p:clrMapOvr>
+</p:sld>
+</file>
+
+<file path=ppt/slides/slide17.xml><?xml version="1.0" encoding="utf-8"?>
+<p:sld xmlns:a="http://schemas.openxmlformats.org/drawingml/2006/main" xmlns:r="http://schemas.openxmlformats.org/officeDocument/2006/relationships" xmlns:p="http://schemas.openxmlformats.org/presentationml/2006/main">
+  <p:cSld>
+    <p:spTree>
+      <p:nvGrpSpPr>
+        <p:cNvPr id="1" name=""/>
+        <p:cNvGrpSpPr/>
+        <p:nvPr/>
+      </p:nvGrpSpPr>
+      <p:grpSpPr>
+        <a:xfrm>
+          <a:off x="0" y="0"/>
+          <a:ext cx="0" cy="0"/>
+          <a:chOff x="0" y="0"/>
+          <a:chExt cx="0" cy="0"/>
+        </a:xfrm>
+      </p:grpSpPr>
+      <p:sp>
+        <p:nvSpPr>
+          <p:cNvPr id="2" name="Title 1">
+            <a:extLst>
+              <a:ext uri="{FF2B5EF4-FFF2-40B4-BE49-F238E27FC236}">
+                <a16:creationId xmlns:a16="http://schemas.microsoft.com/office/drawing/2014/main" id="{26331D5B-BA20-4A09-A896-36B59BC18D8B}"/>
+              </a:ext>
+            </a:extLst>
+          </p:cNvPr>
+          <p:cNvSpPr>
+            <a:spLocks noGrp="1"/>
+          </p:cNvSpPr>
+          <p:nvPr>
+            <p:ph type="title"/>
+          </p:nvPr>
+        </p:nvSpPr>
+        <p:spPr>
+          <a:xfrm>
+            <a:off x="1484311" y="685801"/>
+            <a:ext cx="10018713" cy="728330"/>
+          </a:xfrm>
+        </p:spPr>
+        <p:txBody>
+          <a:bodyPr/>
+          <a:lstStyle/>
+          <a:p>
+            <a:pPr algn="l"/>
+            <a:r>
+              <a:rPr lang="en-US"/>
+              <a:t>Sequence Diagram: Đăng nhập</a:t>
+            </a:r>
+          </a:p>
+        </p:txBody>
+      </p:sp>
+      <p:pic>
+        <p:nvPicPr>
+          <p:cNvPr id="5" name="Picture 4">
+            <a:extLst>
+              <a:ext uri="{FF2B5EF4-FFF2-40B4-BE49-F238E27FC236}">
+                <a16:creationId xmlns:a16="http://schemas.microsoft.com/office/drawing/2014/main" id="{7AAFF4B8-B6B6-4030-AAF4-F6B196DB3C29}"/>
+              </a:ext>
+            </a:extLst>
+          </p:cNvPr>
+          <p:cNvPicPr/>
+          <p:nvPr/>
+        </p:nvPicPr>
+        <p:blipFill>
+          <a:blip r:embed="rId2">
+            <a:extLst>
+              <a:ext uri="{28A0092B-C50C-407E-A947-70E740481C1C}">
+                <a14:useLocalDpi xmlns:a14="http://schemas.microsoft.com/office/drawing/2010/main" val="0"/>
+              </a:ext>
+            </a:extLst>
+          </a:blip>
+          <a:stretch>
+            <a:fillRect/>
+          </a:stretch>
+        </p:blipFill>
+        <p:spPr>
+          <a:xfrm>
+            <a:off x="2033255" y="1681162"/>
+            <a:ext cx="8125490" cy="4937177"/>
+          </a:xfrm>
+          <a:prstGeom prst="rect">
+            <a:avLst/>
+          </a:prstGeom>
+        </p:spPr>
+      </p:pic>
+    </p:spTree>
+    <p:extLst>
+      <p:ext uri="{BB962C8B-B14F-4D97-AF65-F5344CB8AC3E}">
+        <p14:creationId xmlns:p14="http://schemas.microsoft.com/office/powerpoint/2010/main" val="795160889"/>
+      </p:ext>
+    </p:extLst>
+  </p:cSld>
+  <p:clrMapOvr>
+    <a:masterClrMapping/>
+  </p:clrMapOvr>
+</p:sld>
+</file>
+
+<file path=ppt/slides/slide18.xml><?xml version="1.0" encoding="utf-8"?>
+<p:sld xmlns:a="http://schemas.openxmlformats.org/drawingml/2006/main" xmlns:r="http://schemas.openxmlformats.org/officeDocument/2006/relationships" xmlns:p="http://schemas.openxmlformats.org/presentationml/2006/main">
+  <p:cSld>
+    <p:spTree>
+      <p:nvGrpSpPr>
+        <p:cNvPr id="1" name=""/>
+        <p:cNvGrpSpPr/>
+        <p:nvPr/>
+      </p:nvGrpSpPr>
+      <p:grpSpPr>
+        <a:xfrm>
+          <a:off x="0" y="0"/>
+          <a:ext cx="0" cy="0"/>
+          <a:chOff x="0" y="0"/>
+          <a:chExt cx="0" cy="0"/>
+        </a:xfrm>
+      </p:grpSpPr>
+      <p:sp>
+        <p:nvSpPr>
+          <p:cNvPr id="2" name="Title 1">
+            <a:extLst>
+              <a:ext uri="{FF2B5EF4-FFF2-40B4-BE49-F238E27FC236}">
+                <a16:creationId xmlns:a16="http://schemas.microsoft.com/office/drawing/2014/main" id="{26331D5B-BA20-4A09-A896-36B59BC18D8B}"/>
+              </a:ext>
+            </a:extLst>
+          </p:cNvPr>
+          <p:cNvSpPr>
+            <a:spLocks noGrp="1"/>
+          </p:cNvSpPr>
+          <p:nvPr>
+            <p:ph type="title"/>
+          </p:nvPr>
+        </p:nvSpPr>
+        <p:spPr>
+          <a:xfrm>
+            <a:off x="1484311" y="685801"/>
+            <a:ext cx="10018713" cy="728330"/>
+          </a:xfrm>
+        </p:spPr>
+        <p:txBody>
+          <a:bodyPr/>
+          <a:lstStyle/>
+          <a:p>
+            <a:pPr algn="l"/>
+            <a:r>
+              <a:rPr lang="en-US"/>
+              <a:t>Sequence Diagram: Làm bài kiểm tra</a:t>
+            </a:r>
+          </a:p>
+        </p:txBody>
+      </p:sp>
+      <p:pic>
+        <p:nvPicPr>
+          <p:cNvPr id="6" name="Picture 5">
+            <a:extLst>
+              <a:ext uri="{FF2B5EF4-FFF2-40B4-BE49-F238E27FC236}">
+                <a16:creationId xmlns:a16="http://schemas.microsoft.com/office/drawing/2014/main" id="{892D81DB-FF84-49DB-BB79-4945DAA916BC}"/>
+              </a:ext>
+            </a:extLst>
+          </p:cNvPr>
+          <p:cNvPicPr/>
+          <p:nvPr/>
+        </p:nvPicPr>
+        <p:blipFill>
+          <a:blip r:embed="rId3">
+            <a:extLst>
+              <a:ext uri="{28A0092B-C50C-407E-A947-70E740481C1C}">
+                <a14:useLocalDpi xmlns:a14="http://schemas.microsoft.com/office/drawing/2010/main" val="0"/>
+              </a:ext>
+            </a:extLst>
+          </a:blip>
+          <a:stretch>
+            <a:fillRect/>
+          </a:stretch>
+        </p:blipFill>
+        <p:spPr>
+          <a:xfrm>
+            <a:off x="1932128" y="1920240"/>
+            <a:ext cx="8327744" cy="4703844"/>
+          </a:xfrm>
+          <a:prstGeom prst="rect">
+            <a:avLst/>
+          </a:prstGeom>
+        </p:spPr>
+      </p:pic>
+    </p:spTree>
+    <p:extLst>
+      <p:ext uri="{BB962C8B-B14F-4D97-AF65-F5344CB8AC3E}">
+        <p14:creationId xmlns:p14="http://schemas.microsoft.com/office/powerpoint/2010/main" val="4069680054"/>
+      </p:ext>
+    </p:extLst>
+  </p:cSld>
+  <p:clrMapOvr>
+    <a:masterClrMapping/>
+  </p:clrMapOvr>
+</p:sld>
+</file>
+
+<file path=ppt/slides/slide19.xml><?xml version="1.0" encoding="utf-8"?>
+<p:sld xmlns:a="http://schemas.openxmlformats.org/drawingml/2006/main" xmlns:r="http://schemas.openxmlformats.org/officeDocument/2006/relationships" xmlns:p="http://schemas.openxmlformats.org/presentationml/2006/main">
+  <p:cSld>
+    <p:spTree>
+      <p:nvGrpSpPr>
+        <p:cNvPr id="1" name=""/>
+        <p:cNvGrpSpPr/>
+        <p:nvPr/>
+      </p:nvGrpSpPr>
+      <p:grpSpPr>
+        <a:xfrm>
+          <a:off x="0" y="0"/>
+          <a:ext cx="0" cy="0"/>
+          <a:chOff x="0" y="0"/>
+          <a:chExt cx="0" cy="0"/>
+        </a:xfrm>
+      </p:grpSpPr>
+      <p:sp>
+        <p:nvSpPr>
+          <p:cNvPr id="2" name="Title 1">
+            <a:extLst>
+              <a:ext uri="{FF2B5EF4-FFF2-40B4-BE49-F238E27FC236}">
+                <a16:creationId xmlns:a16="http://schemas.microsoft.com/office/drawing/2014/main" id="{26331D5B-BA20-4A09-A896-36B59BC18D8B}"/>
+              </a:ext>
+            </a:extLst>
+          </p:cNvPr>
+          <p:cNvSpPr>
+            <a:spLocks noGrp="1"/>
+          </p:cNvSpPr>
+          <p:nvPr>
+            <p:ph type="title"/>
+          </p:nvPr>
+        </p:nvSpPr>
+        <p:spPr>
+          <a:xfrm>
+            <a:off x="1484311" y="685801"/>
+            <a:ext cx="10018713" cy="728330"/>
+          </a:xfrm>
+        </p:spPr>
+        <p:txBody>
+          <a:bodyPr/>
+          <a:lstStyle/>
+          <a:p>
+            <a:pPr algn="l"/>
+            <a:r>
+              <a:rPr lang="en-US"/>
+              <a:t>Sequence Diagram: Quản lý tài khoản</a:t>
+            </a:r>
+          </a:p>
+        </p:txBody>
+      </p:sp>
+      <p:pic>
+        <p:nvPicPr>
+          <p:cNvPr id="4" name="Picture 3">
+            <a:extLst>
+              <a:ext uri="{FF2B5EF4-FFF2-40B4-BE49-F238E27FC236}">
+                <a16:creationId xmlns:a16="http://schemas.microsoft.com/office/drawing/2014/main" id="{05EC9DF1-79B9-4F05-97F6-18A73376A6B9}"/>
+              </a:ext>
+            </a:extLst>
+          </p:cNvPr>
+          <p:cNvPicPr/>
+          <p:nvPr/>
+        </p:nvPicPr>
+        <p:blipFill>
+          <a:blip r:embed="rId3">
+            <a:extLst>
+              <a:ext uri="{28A0092B-C50C-407E-A947-70E740481C1C}">
+                <a14:useLocalDpi xmlns:a14="http://schemas.microsoft.com/office/drawing/2010/main" val="0"/>
+              </a:ext>
+            </a:extLst>
+          </a:blip>
+          <a:stretch>
+            <a:fillRect/>
+          </a:stretch>
+        </p:blipFill>
+        <p:spPr>
+          <a:xfrm>
+            <a:off x="3621575" y="1536700"/>
+            <a:ext cx="4948850" cy="3403548"/>
+          </a:xfrm>
+          <a:prstGeom prst="rect">
+            <a:avLst/>
+          </a:prstGeom>
+        </p:spPr>
+      </p:pic>
+      <p:pic>
+        <p:nvPicPr>
+          <p:cNvPr id="5" name="Picture 4">
+            <a:extLst>
+              <a:ext uri="{FF2B5EF4-FFF2-40B4-BE49-F238E27FC236}">
+                <a16:creationId xmlns:a16="http://schemas.microsoft.com/office/drawing/2014/main" id="{99A6E851-61EF-4967-9ABE-3B2368B4CA57}"/>
+              </a:ext>
+            </a:extLst>
+          </p:cNvPr>
+          <p:cNvPicPr/>
+          <p:nvPr/>
+        </p:nvPicPr>
+        <p:blipFill>
+          <a:blip r:embed="rId4">
+            <a:extLst>
+              <a:ext uri="{28A0092B-C50C-407E-A947-70E740481C1C}">
+                <a14:useLocalDpi xmlns:a14="http://schemas.microsoft.com/office/drawing/2010/main" val="0"/>
+              </a:ext>
+            </a:extLst>
+          </a:blip>
+          <a:stretch>
+            <a:fillRect/>
+          </a:stretch>
+        </p:blipFill>
+        <p:spPr>
+          <a:xfrm>
+            <a:off x="3621575" y="4940248"/>
+            <a:ext cx="4948850" cy="1656512"/>
+          </a:xfrm>
+          <a:prstGeom prst="rect">
+            <a:avLst/>
+          </a:prstGeom>
+        </p:spPr>
+      </p:pic>
+    </p:spTree>
+    <p:extLst>
+      <p:ext uri="{BB962C8B-B14F-4D97-AF65-F5344CB8AC3E}">
+        <p14:creationId xmlns:p14="http://schemas.microsoft.com/office/powerpoint/2010/main" val="4066355671"/>
+      </p:ext>
+    </p:extLst>
+  </p:cSld>
+  <p:clrMapOvr>
+    <a:masterClrMapping/>
+  </p:clrMapOvr>
+</p:sld>
+</file>
+
+<file path=ppt/slides/slide2.xml><?xml version="1.0" encoding="utf-8"?>
+<p:sld xmlns:a="http://schemas.openxmlformats.org/drawingml/2006/main" xmlns:r="http://schemas.openxmlformats.org/officeDocument/2006/relationships" xmlns:p="http://schemas.openxmlformats.org/presentationml/2006/main">
+  <p:cSld>
+    <p:spTree>
+      <p:nvGrpSpPr>
+        <p:cNvPr id="1" name=""/>
+        <p:cNvGrpSpPr/>
+        <p:nvPr/>
+      </p:nvGrpSpPr>
+      <p:grpSpPr>
+        <a:xfrm>
+          <a:off x="0" y="0"/>
+          <a:ext cx="0" cy="0"/>
+          <a:chOff x="0" y="0"/>
+          <a:chExt cx="0" cy="0"/>
+        </a:xfrm>
+      </p:grpSpPr>
+      <p:sp>
+        <p:nvSpPr>
+          <p:cNvPr id="4" name="TextBox 3">
+            <a:extLst>
+              <a:ext uri="{FF2B5EF4-FFF2-40B4-BE49-F238E27FC236}">
+                <a16:creationId xmlns:a16="http://schemas.microsoft.com/office/drawing/2014/main" id="{B78FD0C1-8AC2-4D62-B2E9-5BF21A2A1358}"/>
+              </a:ext>
+            </a:extLst>
+          </p:cNvPr>
+          <p:cNvSpPr txBox="1"/>
+          <p:nvPr/>
+        </p:nvSpPr>
+        <p:spPr>
+          <a:xfrm>
+            <a:off x="2343705" y="1278384"/>
+            <a:ext cx="7306322" cy="369332"/>
+          </a:xfrm>
+          <a:prstGeom prst="rect">
+            <a:avLst/>
+          </a:prstGeom>
+          <a:noFill/>
+        </p:spPr>
+        <p:txBody>
+          <a:bodyPr wrap="square" rtlCol="0">
+            <a:spAutoFit/>
+          </a:bodyPr>
+          <a:lstStyle/>
+          <a:p>
+            <a:r>
+              <a:rPr lang="en-US">
+                <a:latin typeface="Arial" panose="020B0604020202020204" pitchFamily="34" charset="0"/>
+                <a:cs typeface="Arial" panose="020B0604020202020204" pitchFamily="34" charset="0"/>
+              </a:rPr>
+              <a:t>1. Yêu cầu:</a:t>
+            </a:r>
+          </a:p>
+        </p:txBody>
+      </p:sp>
+      <p:sp>
+        <p:nvSpPr>
+          <p:cNvPr id="5" name="TextBox 4">
+            <a:extLst>
+              <a:ext uri="{FF2B5EF4-FFF2-40B4-BE49-F238E27FC236}">
+                <a16:creationId xmlns:a16="http://schemas.microsoft.com/office/drawing/2014/main" id="{0BF8ED3A-1DDD-4430-BC3C-8DC3392A9DEA}"/>
+              </a:ext>
+            </a:extLst>
+          </p:cNvPr>
+          <p:cNvSpPr txBox="1"/>
+          <p:nvPr/>
+        </p:nvSpPr>
+        <p:spPr>
+          <a:xfrm>
+            <a:off x="2343705" y="2352583"/>
+            <a:ext cx="9430851" cy="923330"/>
+          </a:xfrm>
+          <a:prstGeom prst="rect">
+            <a:avLst/>
+          </a:prstGeom>
+          <a:noFill/>
+        </p:spPr>
+        <p:txBody>
+          <a:bodyPr wrap="none" rtlCol="0">
+            <a:spAutoFit/>
+          </a:bodyPr>
+          <a:lstStyle/>
+          <a:p>
+            <a:r>
+              <a:rPr lang="en-US">
+                <a:latin typeface="Arial" panose="020B0604020202020204" pitchFamily="34" charset="0"/>
+                <a:cs typeface="Arial" panose="020B0604020202020204" pitchFamily="34" charset="0"/>
+              </a:rPr>
+              <a:t>Làm một website học tiếng Anh dành cho lứa tuổi 5-10 tuổi, theo chủ đề gia đình, động vật</a:t>
+            </a:r>
+          </a:p>
+          <a:p>
+            <a:r>
+              <a:rPr lang="en-US">
+                <a:latin typeface="Arial" panose="020B0604020202020204" pitchFamily="34" charset="0"/>
+                <a:cs typeface="Arial" panose="020B0604020202020204" pitchFamily="34" charset="0"/>
+              </a:rPr>
+              <a:t>cây cối.</a:t>
+            </a:r>
+          </a:p>
+          <a:p>
+            <a:r>
+              <a:rPr lang="en-US">
+                <a:latin typeface="Arial" panose="020B0604020202020204" pitchFamily="34" charset="0"/>
+                <a:cs typeface="Arial" panose="020B0604020202020204" pitchFamily="34" charset="0"/>
+              </a:rPr>
+              <a:t>Có các bài học, kèm bài tập nhỏ theo từng bài học và bài tập lớn theo từng chủ đề.</a:t>
+            </a:r>
+          </a:p>
+        </p:txBody>
+      </p:sp>
+    </p:spTree>
+    <p:extLst>
+      <p:ext uri="{BB962C8B-B14F-4D97-AF65-F5344CB8AC3E}">
+        <p14:creationId xmlns:p14="http://schemas.microsoft.com/office/powerpoint/2010/main" val="208499803"/>
+      </p:ext>
+    </p:extLst>
+  </p:cSld>
+  <p:clrMapOvr>
+    <a:masterClrMapping/>
+  </p:clrMapOvr>
+</p:sld>
+</file>
+
+<file path=ppt/slides/slide20.xml><?xml version="1.0" encoding="utf-8"?>
 <p:sld xmlns:a="http://schemas.openxmlformats.org/drawingml/2006/main" xmlns:r="http://schemas.openxmlformats.org/officeDocument/2006/relationships" xmlns:p="http://schemas.openxmlformats.org/presentationml/2006/main">
   <p:cSld>
     <p:spTree>
@@ -15159,7 +17609,399 @@
 </p:sld>
 </file>
 
-<file path=ppt/slides/slide15.xml><?xml version="1.0" encoding="utf-8"?>
+<file path=ppt/slides/slide21.xml><?xml version="1.0" encoding="utf-8"?>
+<p:sld xmlns:a="http://schemas.openxmlformats.org/drawingml/2006/main" xmlns:r="http://schemas.openxmlformats.org/officeDocument/2006/relationships" xmlns:p="http://schemas.openxmlformats.org/presentationml/2006/main">
+  <p:cSld>
+    <p:spTree>
+      <p:nvGrpSpPr>
+        <p:cNvPr id="1" name=""/>
+        <p:cNvGrpSpPr/>
+        <p:nvPr/>
+      </p:nvGrpSpPr>
+      <p:grpSpPr>
+        <a:xfrm>
+          <a:off x="0" y="0"/>
+          <a:ext cx="0" cy="0"/>
+          <a:chOff x="0" y="0"/>
+          <a:chExt cx="0" cy="0"/>
+        </a:xfrm>
+      </p:grpSpPr>
+      <p:sp>
+        <p:nvSpPr>
+          <p:cNvPr id="2" name="Title 1">
+            <a:extLst>
+              <a:ext uri="{FF2B5EF4-FFF2-40B4-BE49-F238E27FC236}">
+                <a16:creationId xmlns:a16="http://schemas.microsoft.com/office/drawing/2014/main" id="{B325062B-B27C-4192-BE37-BF9D35B41B20}"/>
+              </a:ext>
+            </a:extLst>
+          </p:cNvPr>
+          <p:cNvSpPr>
+            <a:spLocks noGrp="1"/>
+          </p:cNvSpPr>
+          <p:nvPr>
+            <p:ph type="title"/>
+          </p:nvPr>
+        </p:nvSpPr>
+        <p:spPr>
+          <a:xfrm>
+            <a:off x="1484311" y="685800"/>
+            <a:ext cx="10018713" cy="866553"/>
+          </a:xfrm>
+        </p:spPr>
+        <p:txBody>
+          <a:bodyPr/>
+          <a:lstStyle/>
+          <a:p>
+            <a:pPr algn="l"/>
+            <a:r>
+              <a:rPr lang="en-US"/>
+              <a:t>Class diagram: Đăng ký</a:t>
+            </a:r>
+          </a:p>
+        </p:txBody>
+      </p:sp>
+      <p:pic>
+        <p:nvPicPr>
+          <p:cNvPr id="5" name="Picture 4">
+            <a:extLst>
+              <a:ext uri="{FF2B5EF4-FFF2-40B4-BE49-F238E27FC236}">
+                <a16:creationId xmlns:a16="http://schemas.microsoft.com/office/drawing/2014/main" id="{8F185E19-CC12-43CB-A8BD-AEBF1020ECEB}"/>
+              </a:ext>
+            </a:extLst>
+          </p:cNvPr>
+          <p:cNvPicPr/>
+          <p:nvPr/>
+        </p:nvPicPr>
+        <p:blipFill>
+          <a:blip r:embed="rId3">
+            <a:extLst>
+              <a:ext uri="{28A0092B-C50C-407E-A947-70E740481C1C}">
+                <a14:useLocalDpi xmlns:a14="http://schemas.microsoft.com/office/drawing/2010/main" val="0"/>
+              </a:ext>
+            </a:extLst>
+          </a:blip>
+          <a:stretch>
+            <a:fillRect/>
+          </a:stretch>
+        </p:blipFill>
+        <p:spPr>
+          <a:xfrm>
+            <a:off x="2411831" y="2181225"/>
+            <a:ext cx="7368338" cy="4357798"/>
+          </a:xfrm>
+          <a:prstGeom prst="rect">
+            <a:avLst/>
+          </a:prstGeom>
+        </p:spPr>
+      </p:pic>
+    </p:spTree>
+    <p:extLst>
+      <p:ext uri="{BB962C8B-B14F-4D97-AF65-F5344CB8AC3E}">
+        <p14:creationId xmlns:p14="http://schemas.microsoft.com/office/powerpoint/2010/main" val="2184519649"/>
+      </p:ext>
+    </p:extLst>
+  </p:cSld>
+  <p:clrMapOvr>
+    <a:masterClrMapping/>
+  </p:clrMapOvr>
+</p:sld>
+</file>
+
+<file path=ppt/slides/slide22.xml><?xml version="1.0" encoding="utf-8"?>
+<p:sld xmlns:a="http://schemas.openxmlformats.org/drawingml/2006/main" xmlns:r="http://schemas.openxmlformats.org/officeDocument/2006/relationships" xmlns:p="http://schemas.openxmlformats.org/presentationml/2006/main">
+  <p:cSld>
+    <p:spTree>
+      <p:nvGrpSpPr>
+        <p:cNvPr id="1" name=""/>
+        <p:cNvGrpSpPr/>
+        <p:nvPr/>
+      </p:nvGrpSpPr>
+      <p:grpSpPr>
+        <a:xfrm>
+          <a:off x="0" y="0"/>
+          <a:ext cx="0" cy="0"/>
+          <a:chOff x="0" y="0"/>
+          <a:chExt cx="0" cy="0"/>
+        </a:xfrm>
+      </p:grpSpPr>
+      <p:sp>
+        <p:nvSpPr>
+          <p:cNvPr id="2" name="Title 1">
+            <a:extLst>
+              <a:ext uri="{FF2B5EF4-FFF2-40B4-BE49-F238E27FC236}">
+                <a16:creationId xmlns:a16="http://schemas.microsoft.com/office/drawing/2014/main" id="{B325062B-B27C-4192-BE37-BF9D35B41B20}"/>
+              </a:ext>
+            </a:extLst>
+          </p:cNvPr>
+          <p:cNvSpPr>
+            <a:spLocks noGrp="1"/>
+          </p:cNvSpPr>
+          <p:nvPr>
+            <p:ph type="title"/>
+          </p:nvPr>
+        </p:nvSpPr>
+        <p:spPr>
+          <a:xfrm>
+            <a:off x="1484311" y="685800"/>
+            <a:ext cx="10018713" cy="866553"/>
+          </a:xfrm>
+        </p:spPr>
+        <p:txBody>
+          <a:bodyPr/>
+          <a:lstStyle/>
+          <a:p>
+            <a:pPr algn="l"/>
+            <a:r>
+              <a:rPr lang="en-US"/>
+              <a:t>Class diagram: Đăng nhập</a:t>
+            </a:r>
+          </a:p>
+        </p:txBody>
+      </p:sp>
+      <p:pic>
+        <p:nvPicPr>
+          <p:cNvPr id="4" name="Picture 3">
+            <a:extLst>
+              <a:ext uri="{FF2B5EF4-FFF2-40B4-BE49-F238E27FC236}">
+                <a16:creationId xmlns:a16="http://schemas.microsoft.com/office/drawing/2014/main" id="{55E9D5A9-AEC3-4163-8B1C-7B886065FDD3}"/>
+              </a:ext>
+            </a:extLst>
+          </p:cNvPr>
+          <p:cNvPicPr/>
+          <p:nvPr/>
+        </p:nvPicPr>
+        <p:blipFill>
+          <a:blip r:embed="rId3">
+            <a:extLst>
+              <a:ext uri="{28A0092B-C50C-407E-A947-70E740481C1C}">
+                <a14:useLocalDpi xmlns:a14="http://schemas.microsoft.com/office/drawing/2010/main" val="0"/>
+              </a:ext>
+            </a:extLst>
+          </a:blip>
+          <a:stretch>
+            <a:fillRect/>
+          </a:stretch>
+        </p:blipFill>
+        <p:spPr>
+          <a:xfrm>
+            <a:off x="2508896" y="2082482"/>
+            <a:ext cx="7174208" cy="4324921"/>
+          </a:xfrm>
+          <a:prstGeom prst="rect">
+            <a:avLst/>
+          </a:prstGeom>
+        </p:spPr>
+      </p:pic>
+    </p:spTree>
+    <p:extLst>
+      <p:ext uri="{BB962C8B-B14F-4D97-AF65-F5344CB8AC3E}">
+        <p14:creationId xmlns:p14="http://schemas.microsoft.com/office/powerpoint/2010/main" val="3722838263"/>
+      </p:ext>
+    </p:extLst>
+  </p:cSld>
+  <p:clrMapOvr>
+    <a:masterClrMapping/>
+  </p:clrMapOvr>
+</p:sld>
+</file>
+
+<file path=ppt/slides/slide23.xml><?xml version="1.0" encoding="utf-8"?>
+<p:sld xmlns:a="http://schemas.openxmlformats.org/drawingml/2006/main" xmlns:r="http://schemas.openxmlformats.org/officeDocument/2006/relationships" xmlns:p="http://schemas.openxmlformats.org/presentationml/2006/main">
+  <p:cSld>
+    <p:spTree>
+      <p:nvGrpSpPr>
+        <p:cNvPr id="1" name=""/>
+        <p:cNvGrpSpPr/>
+        <p:nvPr/>
+      </p:nvGrpSpPr>
+      <p:grpSpPr>
+        <a:xfrm>
+          <a:off x="0" y="0"/>
+          <a:ext cx="0" cy="0"/>
+          <a:chOff x="0" y="0"/>
+          <a:chExt cx="0" cy="0"/>
+        </a:xfrm>
+      </p:grpSpPr>
+      <p:sp>
+        <p:nvSpPr>
+          <p:cNvPr id="2" name="Title 1">
+            <a:extLst>
+              <a:ext uri="{FF2B5EF4-FFF2-40B4-BE49-F238E27FC236}">
+                <a16:creationId xmlns:a16="http://schemas.microsoft.com/office/drawing/2014/main" id="{B325062B-B27C-4192-BE37-BF9D35B41B20}"/>
+              </a:ext>
+            </a:extLst>
+          </p:cNvPr>
+          <p:cNvSpPr>
+            <a:spLocks noGrp="1"/>
+          </p:cNvSpPr>
+          <p:nvPr>
+            <p:ph type="title"/>
+          </p:nvPr>
+        </p:nvSpPr>
+        <p:spPr>
+          <a:xfrm>
+            <a:off x="1484311" y="685800"/>
+            <a:ext cx="10018713" cy="866553"/>
+          </a:xfrm>
+        </p:spPr>
+        <p:txBody>
+          <a:bodyPr/>
+          <a:lstStyle/>
+          <a:p>
+            <a:pPr algn="l"/>
+            <a:r>
+              <a:rPr lang="en-US"/>
+              <a:t>Class diagram: Làm bài test</a:t>
+            </a:r>
+          </a:p>
+        </p:txBody>
+      </p:sp>
+      <p:pic>
+        <p:nvPicPr>
+          <p:cNvPr id="5" name="Picture 4">
+            <a:extLst>
+              <a:ext uri="{FF2B5EF4-FFF2-40B4-BE49-F238E27FC236}">
+                <a16:creationId xmlns:a16="http://schemas.microsoft.com/office/drawing/2014/main" id="{24BA7500-2CFD-4D8C-9003-B4B44521AB65}"/>
+              </a:ext>
+            </a:extLst>
+          </p:cNvPr>
+          <p:cNvPicPr/>
+          <p:nvPr/>
+        </p:nvPicPr>
+        <p:blipFill>
+          <a:blip r:embed="rId3">
+            <a:extLst>
+              <a:ext uri="{28A0092B-C50C-407E-A947-70E740481C1C}">
+                <a14:useLocalDpi xmlns:a14="http://schemas.microsoft.com/office/drawing/2010/main" val="0"/>
+              </a:ext>
+            </a:extLst>
+          </a:blip>
+          <a:stretch>
+            <a:fillRect/>
+          </a:stretch>
+        </p:blipFill>
+        <p:spPr>
+          <a:xfrm>
+            <a:off x="1985531" y="2303145"/>
+            <a:ext cx="8220938" cy="3459702"/>
+          </a:xfrm>
+          <a:prstGeom prst="rect">
+            <a:avLst/>
+          </a:prstGeom>
+        </p:spPr>
+      </p:pic>
+    </p:spTree>
+    <p:extLst>
+      <p:ext uri="{BB962C8B-B14F-4D97-AF65-F5344CB8AC3E}">
+        <p14:creationId xmlns:p14="http://schemas.microsoft.com/office/powerpoint/2010/main" val="1937824344"/>
+      </p:ext>
+    </p:extLst>
+  </p:cSld>
+  <p:clrMapOvr>
+    <a:masterClrMapping/>
+  </p:clrMapOvr>
+</p:sld>
+</file>
+
+<file path=ppt/slides/slide24.xml><?xml version="1.0" encoding="utf-8"?>
+<p:sld xmlns:a="http://schemas.openxmlformats.org/drawingml/2006/main" xmlns:r="http://schemas.openxmlformats.org/officeDocument/2006/relationships" xmlns:p="http://schemas.openxmlformats.org/presentationml/2006/main">
+  <p:cSld>
+    <p:spTree>
+      <p:nvGrpSpPr>
+        <p:cNvPr id="1" name=""/>
+        <p:cNvGrpSpPr/>
+        <p:nvPr/>
+      </p:nvGrpSpPr>
+      <p:grpSpPr>
+        <a:xfrm>
+          <a:off x="0" y="0"/>
+          <a:ext cx="0" cy="0"/>
+          <a:chOff x="0" y="0"/>
+          <a:chExt cx="0" cy="0"/>
+        </a:xfrm>
+      </p:grpSpPr>
+      <p:sp>
+        <p:nvSpPr>
+          <p:cNvPr id="2" name="Title 1">
+            <a:extLst>
+              <a:ext uri="{FF2B5EF4-FFF2-40B4-BE49-F238E27FC236}">
+                <a16:creationId xmlns:a16="http://schemas.microsoft.com/office/drawing/2014/main" id="{B325062B-B27C-4192-BE37-BF9D35B41B20}"/>
+              </a:ext>
+            </a:extLst>
+          </p:cNvPr>
+          <p:cNvSpPr>
+            <a:spLocks noGrp="1"/>
+          </p:cNvSpPr>
+          <p:nvPr>
+            <p:ph type="title"/>
+          </p:nvPr>
+        </p:nvSpPr>
+        <p:spPr>
+          <a:xfrm>
+            <a:off x="1484311" y="685800"/>
+            <a:ext cx="10018713" cy="866553"/>
+          </a:xfrm>
+        </p:spPr>
+        <p:txBody>
+          <a:bodyPr/>
+          <a:lstStyle/>
+          <a:p>
+            <a:pPr algn="l"/>
+            <a:r>
+              <a:rPr lang="en-US"/>
+              <a:t>Class diagram: Quản lý tài khoản</a:t>
+            </a:r>
+          </a:p>
+        </p:txBody>
+      </p:sp>
+      <p:pic>
+        <p:nvPicPr>
+          <p:cNvPr id="4" name="Picture 3">
+            <a:extLst>
+              <a:ext uri="{FF2B5EF4-FFF2-40B4-BE49-F238E27FC236}">
+                <a16:creationId xmlns:a16="http://schemas.microsoft.com/office/drawing/2014/main" id="{B7147EB6-503A-4686-BDD5-70241FDFFB30}"/>
+              </a:ext>
+            </a:extLst>
+          </p:cNvPr>
+          <p:cNvPicPr/>
+          <p:nvPr/>
+        </p:nvPicPr>
+        <p:blipFill>
+          <a:blip r:embed="rId3">
+            <a:extLst>
+              <a:ext uri="{28A0092B-C50C-407E-A947-70E740481C1C}">
+                <a14:useLocalDpi xmlns:a14="http://schemas.microsoft.com/office/drawing/2010/main" val="0"/>
+              </a:ext>
+            </a:extLst>
+          </a:blip>
+          <a:stretch>
+            <a:fillRect/>
+          </a:stretch>
+        </p:blipFill>
+        <p:spPr>
+          <a:xfrm>
+            <a:off x="2252733" y="1983104"/>
+            <a:ext cx="7686535" cy="4268839"/>
+          </a:xfrm>
+          <a:prstGeom prst="rect">
+            <a:avLst/>
+          </a:prstGeom>
+        </p:spPr>
+      </p:pic>
+    </p:spTree>
+    <p:extLst>
+      <p:ext uri="{BB962C8B-B14F-4D97-AF65-F5344CB8AC3E}">
+        <p14:creationId xmlns:p14="http://schemas.microsoft.com/office/powerpoint/2010/main" val="4294113957"/>
+      </p:ext>
+    </p:extLst>
+  </p:cSld>
+  <p:clrMapOvr>
+    <a:masterClrMapping/>
+  </p:clrMapOvr>
+</p:sld>
+</file>
+
+<file path=ppt/slides/slide25.xml><?xml version="1.0" encoding="utf-8"?>
 <p:sld xmlns:a="http://schemas.openxmlformats.org/drawingml/2006/main" xmlns:r="http://schemas.openxmlformats.org/officeDocument/2006/relationships" xmlns:p="http://schemas.openxmlformats.org/presentationml/2006/main">
   <p:cSld>
     <p:spTree>
@@ -15305,7 +18147,7 @@
 </p:sld>
 </file>
 
-<file path=ppt/slides/slide16.xml><?xml version="1.0" encoding="utf-8"?>
+<file path=ppt/slides/slide26.xml><?xml version="1.0" encoding="utf-8"?>
 <p:sld xmlns:a="http://schemas.openxmlformats.org/drawingml/2006/main" xmlns:r="http://schemas.openxmlformats.org/officeDocument/2006/relationships" xmlns:p="http://schemas.openxmlformats.org/presentationml/2006/main">
   <p:cSld>
     <p:spTree>
@@ -15399,7 +18241,7 @@
 </p:sld>
 </file>
 
-<file path=ppt/slides/slide17.xml><?xml version="1.0" encoding="utf-8"?>
+<file path=ppt/slides/slide27.xml><?xml version="1.0" encoding="utf-8"?>
 <p:sld xmlns:a="http://schemas.openxmlformats.org/drawingml/2006/main" xmlns:r="http://schemas.openxmlformats.org/officeDocument/2006/relationships" xmlns:p="http://schemas.openxmlformats.org/presentationml/2006/main">
   <p:cSld>
     <p:spTree>
@@ -15493,7 +18335,7 @@
 </p:sld>
 </file>
 
-<file path=ppt/slides/slide18.xml><?xml version="1.0" encoding="utf-8"?>
+<file path=ppt/slides/slide28.xml><?xml version="1.0" encoding="utf-8"?>
 <p:sld xmlns:a="http://schemas.openxmlformats.org/drawingml/2006/main" xmlns:r="http://schemas.openxmlformats.org/officeDocument/2006/relationships" xmlns:p="http://schemas.openxmlformats.org/presentationml/2006/main">
   <p:cSld>
     <p:spTree>
@@ -15681,7 +18523,7 @@
 </p:sld>
 </file>
 
-<file path=ppt/slides/slide19.xml><?xml version="1.0" encoding="utf-8"?>
+<file path=ppt/slides/slide29.xml><?xml version="1.0" encoding="utf-8"?>
 <p:sld xmlns:a="http://schemas.openxmlformats.org/drawingml/2006/main" xmlns:r="http://schemas.openxmlformats.org/officeDocument/2006/relationships" xmlns:p="http://schemas.openxmlformats.org/presentationml/2006/main">
   <p:cSld>
     <p:spTree>
@@ -15766,130 +18608,6 @@
     <p:extLst>
       <p:ext uri="{BB962C8B-B14F-4D97-AF65-F5344CB8AC3E}">
         <p14:creationId xmlns:p14="http://schemas.microsoft.com/office/powerpoint/2010/main" val="2535739608"/>
-      </p:ext>
-    </p:extLst>
-  </p:cSld>
-  <p:clrMapOvr>
-    <a:masterClrMapping/>
-  </p:clrMapOvr>
-</p:sld>
-</file>
-
-<file path=ppt/slides/slide2.xml><?xml version="1.0" encoding="utf-8"?>
-<p:sld xmlns:a="http://schemas.openxmlformats.org/drawingml/2006/main" xmlns:r="http://schemas.openxmlformats.org/officeDocument/2006/relationships" xmlns:p="http://schemas.openxmlformats.org/presentationml/2006/main">
-  <p:cSld>
-    <p:spTree>
-      <p:nvGrpSpPr>
-        <p:cNvPr id="1" name=""/>
-        <p:cNvGrpSpPr/>
-        <p:nvPr/>
-      </p:nvGrpSpPr>
-      <p:grpSpPr>
-        <a:xfrm>
-          <a:off x="0" y="0"/>
-          <a:ext cx="0" cy="0"/>
-          <a:chOff x="0" y="0"/>
-          <a:chExt cx="0" cy="0"/>
-        </a:xfrm>
-      </p:grpSpPr>
-      <p:sp>
-        <p:nvSpPr>
-          <p:cNvPr id="4" name="TextBox 3">
-            <a:extLst>
-              <a:ext uri="{FF2B5EF4-FFF2-40B4-BE49-F238E27FC236}">
-                <a16:creationId xmlns:a16="http://schemas.microsoft.com/office/drawing/2014/main" id="{B78FD0C1-8AC2-4D62-B2E9-5BF21A2A1358}"/>
-              </a:ext>
-            </a:extLst>
-          </p:cNvPr>
-          <p:cNvSpPr txBox="1"/>
-          <p:nvPr/>
-        </p:nvSpPr>
-        <p:spPr>
-          <a:xfrm>
-            <a:off x="2343705" y="1278384"/>
-            <a:ext cx="7306322" cy="369332"/>
-          </a:xfrm>
-          <a:prstGeom prst="rect">
-            <a:avLst/>
-          </a:prstGeom>
-          <a:noFill/>
-        </p:spPr>
-        <p:txBody>
-          <a:bodyPr wrap="square" rtlCol="0">
-            <a:spAutoFit/>
-          </a:bodyPr>
-          <a:lstStyle/>
-          <a:p>
-            <a:r>
-              <a:rPr lang="en-US">
-                <a:latin typeface="Arial" panose="020B0604020202020204" pitchFamily="34" charset="0"/>
-                <a:cs typeface="Arial" panose="020B0604020202020204" pitchFamily="34" charset="0"/>
-              </a:rPr>
-              <a:t>1. Yêu cầu:</a:t>
-            </a:r>
-          </a:p>
-        </p:txBody>
-      </p:sp>
-      <p:sp>
-        <p:nvSpPr>
-          <p:cNvPr id="5" name="TextBox 4">
-            <a:extLst>
-              <a:ext uri="{FF2B5EF4-FFF2-40B4-BE49-F238E27FC236}">
-                <a16:creationId xmlns:a16="http://schemas.microsoft.com/office/drawing/2014/main" id="{0BF8ED3A-1DDD-4430-BC3C-8DC3392A9DEA}"/>
-              </a:ext>
-            </a:extLst>
-          </p:cNvPr>
-          <p:cNvSpPr txBox="1"/>
-          <p:nvPr/>
-        </p:nvSpPr>
-        <p:spPr>
-          <a:xfrm>
-            <a:off x="2343705" y="2352583"/>
-            <a:ext cx="9430851" cy="923330"/>
-          </a:xfrm>
-          <a:prstGeom prst="rect">
-            <a:avLst/>
-          </a:prstGeom>
-          <a:noFill/>
-        </p:spPr>
-        <p:txBody>
-          <a:bodyPr wrap="none" rtlCol="0">
-            <a:spAutoFit/>
-          </a:bodyPr>
-          <a:lstStyle/>
-          <a:p>
-            <a:r>
-              <a:rPr lang="en-US">
-                <a:latin typeface="Arial" panose="020B0604020202020204" pitchFamily="34" charset="0"/>
-                <a:cs typeface="Arial" panose="020B0604020202020204" pitchFamily="34" charset="0"/>
-              </a:rPr>
-              <a:t>Làm một website học tiếng Anh dành cho lứa tuổi 5-10 tuổi, theo chủ đề gia đình, động vật</a:t>
-            </a:r>
-          </a:p>
-          <a:p>
-            <a:r>
-              <a:rPr lang="en-US">
-                <a:latin typeface="Arial" panose="020B0604020202020204" pitchFamily="34" charset="0"/>
-                <a:cs typeface="Arial" panose="020B0604020202020204" pitchFamily="34" charset="0"/>
-              </a:rPr>
-              <a:t>cây cối.</a:t>
-            </a:r>
-          </a:p>
-          <a:p>
-            <a:r>
-              <a:rPr lang="en-US">
-                <a:latin typeface="Arial" panose="020B0604020202020204" pitchFamily="34" charset="0"/>
-                <a:cs typeface="Arial" panose="020B0604020202020204" pitchFamily="34" charset="0"/>
-              </a:rPr>
-              <a:t>Có các bài học, kèm bài tập nhỏ theo từng bài học và bài tập lớn theo từng chủ đề.</a:t>
-            </a:r>
-          </a:p>
-        </p:txBody>
-      </p:sp>
-    </p:spTree>
-    <p:extLst>
-      <p:ext uri="{BB962C8B-B14F-4D97-AF65-F5344CB8AC3E}">
-        <p14:creationId xmlns:p14="http://schemas.microsoft.com/office/powerpoint/2010/main" val="208499803"/>
       </p:ext>
     </p:extLst>
   </p:cSld>

--- a/CNPM.pptx
+++ b/CNPM.pptx
@@ -5,7 +5,7 @@
     <p:sldMasterId id="2147483672" r:id="rId1"/>
   </p:sldMasterIdLst>
   <p:notesMasterIdLst>
-    <p:notesMasterId r:id="rId31"/>
+    <p:notesMasterId r:id="rId35"/>
   </p:notesMasterIdLst>
   <p:sldIdLst>
     <p:sldId id="256" r:id="rId2"/>
@@ -21,22 +21,26 @@
     <p:sldId id="267" r:id="rId12"/>
     <p:sldId id="269" r:id="rId13"/>
     <p:sldId id="279" r:id="rId14"/>
-    <p:sldId id="270" r:id="rId15"/>
-    <p:sldId id="280" r:id="rId16"/>
-    <p:sldId id="278" r:id="rId17"/>
-    <p:sldId id="281" r:id="rId18"/>
-    <p:sldId id="282" r:id="rId19"/>
-    <p:sldId id="283" r:id="rId20"/>
-    <p:sldId id="272" r:id="rId21"/>
-    <p:sldId id="284" r:id="rId22"/>
-    <p:sldId id="285" r:id="rId23"/>
-    <p:sldId id="286" r:id="rId24"/>
-    <p:sldId id="287" r:id="rId25"/>
-    <p:sldId id="273" r:id="rId26"/>
-    <p:sldId id="274" r:id="rId27"/>
-    <p:sldId id="275" r:id="rId28"/>
-    <p:sldId id="276" r:id="rId29"/>
-    <p:sldId id="277" r:id="rId30"/>
+    <p:sldId id="288" r:id="rId15"/>
+    <p:sldId id="289" r:id="rId16"/>
+    <p:sldId id="270" r:id="rId17"/>
+    <p:sldId id="280" r:id="rId18"/>
+    <p:sldId id="278" r:id="rId19"/>
+    <p:sldId id="281" r:id="rId20"/>
+    <p:sldId id="282" r:id="rId21"/>
+    <p:sldId id="283" r:id="rId22"/>
+    <p:sldId id="290" r:id="rId23"/>
+    <p:sldId id="291" r:id="rId24"/>
+    <p:sldId id="272" r:id="rId25"/>
+    <p:sldId id="284" r:id="rId26"/>
+    <p:sldId id="285" r:id="rId27"/>
+    <p:sldId id="286" r:id="rId28"/>
+    <p:sldId id="287" r:id="rId29"/>
+    <p:sldId id="273" r:id="rId30"/>
+    <p:sldId id="274" r:id="rId31"/>
+    <p:sldId id="275" r:id="rId32"/>
+    <p:sldId id="276" r:id="rId33"/>
+    <p:sldId id="277" r:id="rId34"/>
   </p:sldIdLst>
   <p:sldSz cx="12192000" cy="6858000"/>
   <p:notesSz cx="6858000" cy="9144000"/>
@@ -137,7 +141,7 @@
   </p:defaultTextStyle>
   <p:extLst>
     <p:ext uri="{EFAFB233-063F-42B5-8137-9DF3F51BA10A}">
-      <p15:sldGuideLst xmlns:p15="http://schemas.microsoft.com/office/powerpoint/2012/main"/>
+      <p15:sldGuideLst xmlns:p15="http://schemas.microsoft.com/office/powerpoint/2012/main" xmlns=""/>
     </p:ext>
   </p:extLst>
 </p:presentation>
@@ -146,11 +150,7 @@
 <file path=ppt/commentAuthors.xml><?xml version="1.0" encoding="utf-8"?>
 <p:cmAuthorLst xmlns:a="http://schemas.openxmlformats.org/drawingml/2006/main" xmlns:r="http://schemas.openxmlformats.org/officeDocument/2006/relationships" xmlns:p="http://schemas.openxmlformats.org/presentationml/2006/main">
   <p:cmAuthor id="1" name="Asus" initials="A" lastIdx="1" clrIdx="0">
-    <p:extLst>
-      <p:ext uri="{19B8F6BF-5375-455C-9EA6-DF929625EA0E}">
-        <p15:presenceInfo xmlns:p15="http://schemas.microsoft.com/office/powerpoint/2012/main" userId="Asus" providerId="None"/>
-      </p:ext>
-    </p:extLst>
+    <p:extLst/>
   </p:cmAuthor>
 </p:cmAuthorLst>
 </file>
@@ -1465,6 +1465,13 @@
         </dgm:presLayoutVars>
       </dgm:prSet>
       <dgm:spPr/>
+      <dgm:t>
+        <a:bodyPr/>
+        <a:lstStyle/>
+        <a:p>
+          <a:endParaRPr lang="en-US"/>
+        </a:p>
+      </dgm:t>
     </dgm:pt>
     <dgm:pt modelId="{EB0A2344-B6E6-4ACA-B5F3-0FD0A64E9C2B}" type="pres">
       <dgm:prSet presAssocID="{847BB88A-A46B-44DE-BFF6-748CA579E9F9}" presName="composite" presStyleCnt="0"/>
@@ -1478,6 +1485,13 @@
         </dgm:presLayoutVars>
       </dgm:prSet>
       <dgm:spPr/>
+      <dgm:t>
+        <a:bodyPr/>
+        <a:lstStyle/>
+        <a:p>
+          <a:endParaRPr lang="en-US"/>
+        </a:p>
+      </dgm:t>
     </dgm:pt>
     <dgm:pt modelId="{CF21C412-08F1-4ECD-ACA2-AE82EFA9BB16}" type="pres">
       <dgm:prSet presAssocID="{847BB88A-A46B-44DE-BFF6-748CA579E9F9}" presName="descendantText" presStyleLbl="alignAcc1" presStyleIdx="0" presStyleCnt="6">
@@ -1486,6 +1500,13 @@
         </dgm:presLayoutVars>
       </dgm:prSet>
       <dgm:spPr/>
+      <dgm:t>
+        <a:bodyPr/>
+        <a:lstStyle/>
+        <a:p>
+          <a:endParaRPr lang="en-US"/>
+        </a:p>
+      </dgm:t>
     </dgm:pt>
     <dgm:pt modelId="{E32A86B0-A70C-46B3-A56D-B8561AE62AC5}" type="pres">
       <dgm:prSet presAssocID="{7923AF43-083F-4C15-95FD-719B409E0D03}" presName="sp" presStyleCnt="0"/>
@@ -1503,6 +1524,13 @@
         </dgm:presLayoutVars>
       </dgm:prSet>
       <dgm:spPr/>
+      <dgm:t>
+        <a:bodyPr/>
+        <a:lstStyle/>
+        <a:p>
+          <a:endParaRPr lang="en-US"/>
+        </a:p>
+      </dgm:t>
     </dgm:pt>
     <dgm:pt modelId="{2F6D96BB-F4CD-4F56-9A7B-DBA1617C9B4C}" type="pres">
       <dgm:prSet presAssocID="{16FB7B7C-DFBA-4A22-9B45-D5D03B4C5E8E}" presName="descendantText" presStyleLbl="alignAcc1" presStyleIdx="1" presStyleCnt="6">
@@ -1511,6 +1539,13 @@
         </dgm:presLayoutVars>
       </dgm:prSet>
       <dgm:spPr/>
+      <dgm:t>
+        <a:bodyPr/>
+        <a:lstStyle/>
+        <a:p>
+          <a:endParaRPr lang="en-US"/>
+        </a:p>
+      </dgm:t>
     </dgm:pt>
     <dgm:pt modelId="{FBDA9685-D1A8-4ADF-A781-566CC8348737}" type="pres">
       <dgm:prSet presAssocID="{8B351F5A-E855-48CB-991C-A4CDC197D12F}" presName="sp" presStyleCnt="0"/>
@@ -1528,6 +1563,13 @@
         </dgm:presLayoutVars>
       </dgm:prSet>
       <dgm:spPr/>
+      <dgm:t>
+        <a:bodyPr/>
+        <a:lstStyle/>
+        <a:p>
+          <a:endParaRPr lang="en-US"/>
+        </a:p>
+      </dgm:t>
     </dgm:pt>
     <dgm:pt modelId="{62BA19E8-FCF7-4CD6-A873-31771A2CE05A}" type="pres">
       <dgm:prSet presAssocID="{6F2CFC36-77FA-4322-AB09-C3506B89B6ED}" presName="descendantText" presStyleLbl="alignAcc1" presStyleIdx="2" presStyleCnt="6">
@@ -1536,6 +1578,13 @@
         </dgm:presLayoutVars>
       </dgm:prSet>
       <dgm:spPr/>
+      <dgm:t>
+        <a:bodyPr/>
+        <a:lstStyle/>
+        <a:p>
+          <a:endParaRPr lang="en-US"/>
+        </a:p>
+      </dgm:t>
     </dgm:pt>
     <dgm:pt modelId="{D2244A7F-9EF6-4736-8B36-B5CCB0944F64}" type="pres">
       <dgm:prSet presAssocID="{A4C602A6-EB33-4059-9C24-900CC9A48DA5}" presName="sp" presStyleCnt="0"/>
@@ -1553,6 +1602,13 @@
         </dgm:presLayoutVars>
       </dgm:prSet>
       <dgm:spPr/>
+      <dgm:t>
+        <a:bodyPr/>
+        <a:lstStyle/>
+        <a:p>
+          <a:endParaRPr lang="en-US"/>
+        </a:p>
+      </dgm:t>
     </dgm:pt>
     <dgm:pt modelId="{CB04388F-1A01-4473-84C6-BB9F06FD6FB0}" type="pres">
       <dgm:prSet presAssocID="{99AF18A1-1EAA-43E5-B620-1A807EBC9D10}" presName="descendantText" presStyleLbl="alignAcc1" presStyleIdx="3" presStyleCnt="6">
@@ -1561,6 +1617,13 @@
         </dgm:presLayoutVars>
       </dgm:prSet>
       <dgm:spPr/>
+      <dgm:t>
+        <a:bodyPr/>
+        <a:lstStyle/>
+        <a:p>
+          <a:endParaRPr lang="en-US"/>
+        </a:p>
+      </dgm:t>
     </dgm:pt>
     <dgm:pt modelId="{8B7515D1-F9A6-4B33-AE32-AAFD08A923D8}" type="pres">
       <dgm:prSet presAssocID="{2D758628-156A-414F-8B49-826C04450A1B}" presName="sp" presStyleCnt="0"/>
@@ -1578,6 +1641,13 @@
         </dgm:presLayoutVars>
       </dgm:prSet>
       <dgm:spPr/>
+      <dgm:t>
+        <a:bodyPr/>
+        <a:lstStyle/>
+        <a:p>
+          <a:endParaRPr lang="en-US"/>
+        </a:p>
+      </dgm:t>
     </dgm:pt>
     <dgm:pt modelId="{ED6D1084-7C8D-4E81-861C-3A0B7CFE8389}" type="pres">
       <dgm:prSet presAssocID="{E809D010-153C-4687-8D6E-7E2FBDDA4E8E}" presName="descendantText" presStyleLbl="alignAcc1" presStyleIdx="4" presStyleCnt="6">
@@ -1586,6 +1656,13 @@
         </dgm:presLayoutVars>
       </dgm:prSet>
       <dgm:spPr/>
+      <dgm:t>
+        <a:bodyPr/>
+        <a:lstStyle/>
+        <a:p>
+          <a:endParaRPr lang="en-US"/>
+        </a:p>
+      </dgm:t>
     </dgm:pt>
     <dgm:pt modelId="{C7BFB5F5-4083-454F-B7ED-33567483ED46}" type="pres">
       <dgm:prSet presAssocID="{1329A77B-0C9D-47CC-BE00-58459313C306}" presName="sp" presStyleCnt="0"/>
@@ -1603,6 +1680,13 @@
         </dgm:presLayoutVars>
       </dgm:prSet>
       <dgm:spPr/>
+      <dgm:t>
+        <a:bodyPr/>
+        <a:lstStyle/>
+        <a:p>
+          <a:endParaRPr lang="en-US"/>
+        </a:p>
+      </dgm:t>
     </dgm:pt>
     <dgm:pt modelId="{684D2134-A412-4083-AB6B-3D1DF44A1053}" type="pres">
       <dgm:prSet presAssocID="{5EE1416A-6A3D-4080-BDB8-0FE5EEE3596F}" presName="descendantText" presStyleLbl="alignAcc1" presStyleIdx="5" presStyleCnt="6">
@@ -1611,38 +1695,45 @@
         </dgm:presLayoutVars>
       </dgm:prSet>
       <dgm:spPr/>
+      <dgm:t>
+        <a:bodyPr/>
+        <a:lstStyle/>
+        <a:p>
+          <a:endParaRPr lang="en-US"/>
+        </a:p>
+      </dgm:t>
     </dgm:pt>
   </dgm:ptLst>
   <dgm:cxnLst>
-    <dgm:cxn modelId="{E6943E05-30A3-49D1-8BF2-806A72C9E8A0}" srcId="{6F2CFC36-77FA-4322-AB09-C3506B89B6ED}" destId="{C6338B60-E263-4E11-926C-82C0E215783A}" srcOrd="1" destOrd="0" parTransId="{87D7A556-F632-4AA5-9524-C8C4501D039E}" sibTransId="{72364B17-E3BA-4D39-949A-0198F2872BFC}"/>
+    <dgm:cxn modelId="{49E32064-0FB6-4F37-96D8-E8C95003EF28}" type="presOf" srcId="{6F2CFC36-77FA-4322-AB09-C3506B89B6ED}" destId="{72774CD3-FB26-4CAB-8F17-887B9AE528EC}" srcOrd="0" destOrd="0" presId="urn:microsoft.com/office/officeart/2005/8/layout/chevron2"/>
+    <dgm:cxn modelId="{FC53B1F9-14FB-4C91-8A35-6B51A2F24EF3}" srcId="{FBA9823F-F955-456E-BC96-F456CFAFFAF3}" destId="{5EE1416A-6A3D-4080-BDB8-0FE5EEE3596F}" srcOrd="5" destOrd="0" parTransId="{C8C27C93-606E-4666-894A-613E2382E2FF}" sibTransId="{A74C43B1-4750-4256-8EDC-64DE32402CD2}"/>
+    <dgm:cxn modelId="{5487F753-F888-4A3F-BCA4-A0FD1A1173BB}" srcId="{16FB7B7C-DFBA-4A22-9B45-D5D03B4C5E8E}" destId="{48E69CC9-3CAB-400D-92B0-A2783D1ED8E5}" srcOrd="0" destOrd="0" parTransId="{0CDB0D13-FA84-4CBD-BBBD-66E541A07BDB}" sibTransId="{AA7E8ABF-F82C-4DCD-AFE9-509DBCA0127E}"/>
+    <dgm:cxn modelId="{363FE721-BAB5-43F1-8B15-64BDBA2663E8}" srcId="{FBA9823F-F955-456E-BC96-F456CFAFFAF3}" destId="{99AF18A1-1EAA-43E5-B620-1A807EBC9D10}" srcOrd="3" destOrd="0" parTransId="{59A764A5-C906-4AC8-A981-436BDC8285BA}" sibTransId="{2D758628-156A-414F-8B49-826C04450A1B}"/>
+    <dgm:cxn modelId="{518D264B-D7F1-407B-8043-FCAD2D842617}" srcId="{5EE1416A-6A3D-4080-BDB8-0FE5EEE3596F}" destId="{1FDEF921-5012-40C1-985D-75DF52E8C2F8}" srcOrd="0" destOrd="0" parTransId="{27E456F9-1E49-4ED9-97AC-799CB44CEF11}" sibTransId="{185D7C64-52BD-4CFE-B315-F5D1B5A75228}"/>
     <dgm:cxn modelId="{A76D0F07-0934-4C33-93C7-6C27BBD172D9}" type="presOf" srcId="{E809D010-153C-4687-8D6E-7E2FBDDA4E8E}" destId="{264517FF-8760-4CB0-A158-7B3666EE8D4B}" srcOrd="0" destOrd="0" presId="urn:microsoft.com/office/officeart/2005/8/layout/chevron2"/>
-    <dgm:cxn modelId="{C34B510F-D9D2-49F9-8E82-4D3D4DD44AF4}" srcId="{FBA9823F-F955-456E-BC96-F456CFAFFAF3}" destId="{16FB7B7C-DFBA-4A22-9B45-D5D03B4C5E8E}" srcOrd="1" destOrd="0" parTransId="{3A311143-4CCE-48B2-8D2D-ABCE101A914C}" sibTransId="{8B351F5A-E855-48CB-991C-A4CDC197D12F}"/>
+    <dgm:cxn modelId="{9700711F-8F23-4500-A3F5-606D527B0F65}" type="presOf" srcId="{1FDEF921-5012-40C1-985D-75DF52E8C2F8}" destId="{684D2134-A412-4083-AB6B-3D1DF44A1053}" srcOrd="0" destOrd="0" presId="urn:microsoft.com/office/officeart/2005/8/layout/chevron2"/>
+    <dgm:cxn modelId="{9061D87A-53A9-4D3C-9540-4EC73B4BE571}" srcId="{847BB88A-A46B-44DE-BFF6-748CA579E9F9}" destId="{C295FD42-5420-4862-87C6-015A5C422551}" srcOrd="0" destOrd="0" parTransId="{84D17A19-EE2B-4E18-8D99-9B03A82B4A9A}" sibTransId="{5A15EBDA-6B20-4AE9-A4F3-F4785D4F7999}"/>
+    <dgm:cxn modelId="{25EB56D8-E003-4BED-9A19-768EFA761DC9}" type="presOf" srcId="{C6338B60-E263-4E11-926C-82C0E215783A}" destId="{62BA19E8-FCF7-4CD6-A873-31771A2CE05A}" srcOrd="0" destOrd="1" presId="urn:microsoft.com/office/officeart/2005/8/layout/chevron2"/>
     <dgm:cxn modelId="{42FA7618-4D9D-4598-85E8-B67724747663}" type="presOf" srcId="{EBBF0D06-6857-4B9A-A28B-9126A441B911}" destId="{684D2134-A412-4083-AB6B-3D1DF44A1053}" srcOrd="0" destOrd="1" presId="urn:microsoft.com/office/officeart/2005/8/layout/chevron2"/>
-    <dgm:cxn modelId="{9700711F-8F23-4500-A3F5-606D527B0F65}" type="presOf" srcId="{1FDEF921-5012-40C1-985D-75DF52E8C2F8}" destId="{684D2134-A412-4083-AB6B-3D1DF44A1053}" srcOrd="0" destOrd="0" presId="urn:microsoft.com/office/officeart/2005/8/layout/chevron2"/>
-    <dgm:cxn modelId="{5A249A21-2957-4DB5-97D3-C87A76837F6C}" type="presOf" srcId="{15A4D433-C4F5-47D8-BEA6-CAB4220BDA5E}" destId="{ED6D1084-7C8D-4E81-861C-3A0B7CFE8389}" srcOrd="0" destOrd="0" presId="urn:microsoft.com/office/officeart/2005/8/layout/chevron2"/>
-    <dgm:cxn modelId="{363FE721-BAB5-43F1-8B15-64BDBA2663E8}" srcId="{FBA9823F-F955-456E-BC96-F456CFAFFAF3}" destId="{99AF18A1-1EAA-43E5-B620-1A807EBC9D10}" srcOrd="3" destOrd="0" parTransId="{59A764A5-C906-4AC8-A981-436BDC8285BA}" sibTransId="{2D758628-156A-414F-8B49-826C04450A1B}"/>
-    <dgm:cxn modelId="{A2217132-54C4-4688-8F3B-4FCE05DBB2AC}" type="presOf" srcId="{C295FD42-5420-4862-87C6-015A5C422551}" destId="{CF21C412-08F1-4ECD-ACA2-AE82EFA9BB16}" srcOrd="0" destOrd="0" presId="urn:microsoft.com/office/officeart/2005/8/layout/chevron2"/>
-    <dgm:cxn modelId="{69EDC834-F55F-4238-8531-AEEDAB35ABA8}" type="presOf" srcId="{5EE1416A-6A3D-4080-BDB8-0FE5EEE3596F}" destId="{EA91DA76-B413-4E6B-AC90-55A6128EDA98}" srcOrd="0" destOrd="0" presId="urn:microsoft.com/office/officeart/2005/8/layout/chevron2"/>
     <dgm:cxn modelId="{45CABA35-C58B-40FB-9DF4-F2F7657AC760}" srcId="{99AF18A1-1EAA-43E5-B620-1A807EBC9D10}" destId="{FC635B61-21EB-4E72-9E19-5BEE985700F2}" srcOrd="0" destOrd="0" parTransId="{E7D57753-9AAA-4C72-B982-5717C113EB35}" sibTransId="{8CF17184-71A6-4F02-B341-1279CCD60EDC}"/>
+    <dgm:cxn modelId="{FEA9F8F6-C279-4E2A-8485-219122A0F807}" srcId="{5EE1416A-6A3D-4080-BDB8-0FE5EEE3596F}" destId="{EBBF0D06-6857-4B9A-A28B-9126A441B911}" srcOrd="1" destOrd="0" parTransId="{89C0CF89-2B3A-4C28-B554-0AC6B3541286}" sibTransId="{D3605E3A-6E17-497E-8A47-409CDAF8851F}"/>
+    <dgm:cxn modelId="{C7F3E156-D05B-409E-A939-C92B395F7B13}" type="presOf" srcId="{99AF18A1-1EAA-43E5-B620-1A807EBC9D10}" destId="{5A99C99F-5282-46D4-B048-62E40E2A553B}" srcOrd="0" destOrd="0" presId="urn:microsoft.com/office/officeart/2005/8/layout/chevron2"/>
+    <dgm:cxn modelId="{39E567C0-EBA6-4EA1-8B23-D66E5319F370}" type="presOf" srcId="{48E69CC9-3CAB-400D-92B0-A2783D1ED8E5}" destId="{2F6D96BB-F4CD-4F56-9A7B-DBA1617C9B4C}" srcOrd="0" destOrd="0" presId="urn:microsoft.com/office/officeart/2005/8/layout/chevron2"/>
+    <dgm:cxn modelId="{8E6B49C0-A794-4BD5-A20B-96DF30D3A383}" srcId="{FBA9823F-F955-456E-BC96-F456CFAFFAF3}" destId="{E809D010-153C-4687-8D6E-7E2FBDDA4E8E}" srcOrd="4" destOrd="0" parTransId="{F3227C08-A51F-44B6-845D-F540BE3AC1EE}" sibTransId="{1329A77B-0C9D-47CC-BE00-58459313C306}"/>
+    <dgm:cxn modelId="{81C7D6D9-541C-4B91-85A6-6CE11A52F74E}" type="presOf" srcId="{847BB88A-A46B-44DE-BFF6-748CA579E9F9}" destId="{CEB71C8F-D699-4766-AEC1-B9CD3FA5CC3C}" srcOrd="0" destOrd="0" presId="urn:microsoft.com/office/officeart/2005/8/layout/chevron2"/>
     <dgm:cxn modelId="{51F68B36-AA67-4309-B751-F3E691EBF7D8}" type="presOf" srcId="{FB2E9B16-7B50-44F7-AEC0-23AD42F30921}" destId="{62BA19E8-FCF7-4CD6-A873-31771A2CE05A}" srcOrd="0" destOrd="0" presId="urn:microsoft.com/office/officeart/2005/8/layout/chevron2"/>
     <dgm:cxn modelId="{03DBC263-EE71-4602-90FE-747709551905}" srcId="{E809D010-153C-4687-8D6E-7E2FBDDA4E8E}" destId="{15A4D433-C4F5-47D8-BEA6-CAB4220BDA5E}" srcOrd="0" destOrd="0" parTransId="{EEADBBC7-FD8F-4BBB-9986-C838C6BD38AF}" sibTransId="{7EAAAAD2-80AD-48DD-8EF2-8292657A5BE3}"/>
-    <dgm:cxn modelId="{49E32064-0FB6-4F37-96D8-E8C95003EF28}" type="presOf" srcId="{6F2CFC36-77FA-4322-AB09-C3506B89B6ED}" destId="{72774CD3-FB26-4CAB-8F17-887B9AE528EC}" srcOrd="0" destOrd="0" presId="urn:microsoft.com/office/officeart/2005/8/layout/chevron2"/>
-    <dgm:cxn modelId="{518D264B-D7F1-407B-8043-FCAD2D842617}" srcId="{5EE1416A-6A3D-4080-BDB8-0FE5EEE3596F}" destId="{1FDEF921-5012-40C1-985D-75DF52E8C2F8}" srcOrd="0" destOrd="0" parTransId="{27E456F9-1E49-4ED9-97AC-799CB44CEF11}" sibTransId="{185D7C64-52BD-4CFE-B315-F5D1B5A75228}"/>
+    <dgm:cxn modelId="{9C90E5AA-0EFC-4C44-9E1A-0F4866DBD857}" type="presOf" srcId="{16FB7B7C-DFBA-4A22-9B45-D5D03B4C5E8E}" destId="{72241940-DA07-4528-AA53-A10ABDDFCB79}" srcOrd="0" destOrd="0" presId="urn:microsoft.com/office/officeart/2005/8/layout/chevron2"/>
+    <dgm:cxn modelId="{69EDC834-F55F-4238-8531-AEEDAB35ABA8}" type="presOf" srcId="{5EE1416A-6A3D-4080-BDB8-0FE5EEE3596F}" destId="{EA91DA76-B413-4E6B-AC90-55A6128EDA98}" srcOrd="0" destOrd="0" presId="urn:microsoft.com/office/officeart/2005/8/layout/chevron2"/>
+    <dgm:cxn modelId="{989E5988-F796-4CB7-A52F-3B5664161A76}" type="presOf" srcId="{FBA9823F-F955-456E-BC96-F456CFAFFAF3}" destId="{CE508D36-E9FC-49F6-8DAD-07295DEF2331}" srcOrd="0" destOrd="0" presId="urn:microsoft.com/office/officeart/2005/8/layout/chevron2"/>
+    <dgm:cxn modelId="{C34B510F-D9D2-49F9-8E82-4D3D4DD44AF4}" srcId="{FBA9823F-F955-456E-BC96-F456CFAFFAF3}" destId="{16FB7B7C-DFBA-4A22-9B45-D5D03B4C5E8E}" srcOrd="1" destOrd="0" parTransId="{3A311143-4CCE-48B2-8D2D-ABCE101A914C}" sibTransId="{8B351F5A-E855-48CB-991C-A4CDC197D12F}"/>
+    <dgm:cxn modelId="{349A6953-FAE1-4994-92E2-B74A8FD64EC5}" srcId="{6F2CFC36-77FA-4322-AB09-C3506B89B6ED}" destId="{FB2E9B16-7B50-44F7-AEC0-23AD42F30921}" srcOrd="0" destOrd="0" parTransId="{6E17F1B3-24FB-47DC-95B6-E77EE6024175}" sibTransId="{E652A0EE-798F-45A0-ACD3-2137DBD479BF}"/>
+    <dgm:cxn modelId="{E6943E05-30A3-49D1-8BF2-806A72C9E8A0}" srcId="{6F2CFC36-77FA-4322-AB09-C3506B89B6ED}" destId="{C6338B60-E263-4E11-926C-82C0E215783A}" srcOrd="1" destOrd="0" parTransId="{87D7A556-F632-4AA5-9524-C8C4501D039E}" sibTransId="{72364B17-E3BA-4D39-949A-0198F2872BFC}"/>
+    <dgm:cxn modelId="{5A249A21-2957-4DB5-97D3-C87A76837F6C}" type="presOf" srcId="{15A4D433-C4F5-47D8-BEA6-CAB4220BDA5E}" destId="{ED6D1084-7C8D-4E81-861C-3A0B7CFE8389}" srcOrd="0" destOrd="0" presId="urn:microsoft.com/office/officeart/2005/8/layout/chevron2"/>
+    <dgm:cxn modelId="{5BF779C2-34D2-4008-9889-681C94ED4A97}" srcId="{FBA9823F-F955-456E-BC96-F456CFAFFAF3}" destId="{847BB88A-A46B-44DE-BFF6-748CA579E9F9}" srcOrd="0" destOrd="0" parTransId="{E0141438-BE47-46B0-8B58-9712B0E84F5B}" sibTransId="{7923AF43-083F-4C15-95FD-719B409E0D03}"/>
+    <dgm:cxn modelId="{12A6A173-49B5-4257-997D-8FC0937B0AE0}" type="presOf" srcId="{FC635B61-21EB-4E72-9E19-5BEE985700F2}" destId="{CB04388F-1A01-4473-84C6-BB9F06FD6FB0}" srcOrd="0" destOrd="0" presId="urn:microsoft.com/office/officeart/2005/8/layout/chevron2"/>
+    <dgm:cxn modelId="{A2217132-54C4-4688-8F3B-4FCE05DBB2AC}" type="presOf" srcId="{C295FD42-5420-4862-87C6-015A5C422551}" destId="{CF21C412-08F1-4ECD-ACA2-AE82EFA9BB16}" srcOrd="0" destOrd="0" presId="urn:microsoft.com/office/officeart/2005/8/layout/chevron2"/>
     <dgm:cxn modelId="{D0B7EF71-C3F8-4D5F-B560-7FDDB439E3C6}" srcId="{FBA9823F-F955-456E-BC96-F456CFAFFAF3}" destId="{6F2CFC36-77FA-4322-AB09-C3506B89B6ED}" srcOrd="2" destOrd="0" parTransId="{1394455C-1EE1-401C-94F1-B58D1497C73B}" sibTransId="{A4C602A6-EB33-4059-9C24-900CC9A48DA5}"/>
-    <dgm:cxn modelId="{349A6953-FAE1-4994-92E2-B74A8FD64EC5}" srcId="{6F2CFC36-77FA-4322-AB09-C3506B89B6ED}" destId="{FB2E9B16-7B50-44F7-AEC0-23AD42F30921}" srcOrd="0" destOrd="0" parTransId="{6E17F1B3-24FB-47DC-95B6-E77EE6024175}" sibTransId="{E652A0EE-798F-45A0-ACD3-2137DBD479BF}"/>
-    <dgm:cxn modelId="{12A6A173-49B5-4257-997D-8FC0937B0AE0}" type="presOf" srcId="{FC635B61-21EB-4E72-9E19-5BEE985700F2}" destId="{CB04388F-1A01-4473-84C6-BB9F06FD6FB0}" srcOrd="0" destOrd="0" presId="urn:microsoft.com/office/officeart/2005/8/layout/chevron2"/>
-    <dgm:cxn modelId="{5487F753-F888-4A3F-BCA4-A0FD1A1173BB}" srcId="{16FB7B7C-DFBA-4A22-9B45-D5D03B4C5E8E}" destId="{48E69CC9-3CAB-400D-92B0-A2783D1ED8E5}" srcOrd="0" destOrd="0" parTransId="{0CDB0D13-FA84-4CBD-BBBD-66E541A07BDB}" sibTransId="{AA7E8ABF-F82C-4DCD-AFE9-509DBCA0127E}"/>
-    <dgm:cxn modelId="{C7F3E156-D05B-409E-A939-C92B395F7B13}" type="presOf" srcId="{99AF18A1-1EAA-43E5-B620-1A807EBC9D10}" destId="{5A99C99F-5282-46D4-B048-62E40E2A553B}" srcOrd="0" destOrd="0" presId="urn:microsoft.com/office/officeart/2005/8/layout/chevron2"/>
-    <dgm:cxn modelId="{9061D87A-53A9-4D3C-9540-4EC73B4BE571}" srcId="{847BB88A-A46B-44DE-BFF6-748CA579E9F9}" destId="{C295FD42-5420-4862-87C6-015A5C422551}" srcOrd="0" destOrd="0" parTransId="{84D17A19-EE2B-4E18-8D99-9B03A82B4A9A}" sibTransId="{5A15EBDA-6B20-4AE9-A4F3-F4785D4F7999}"/>
-    <dgm:cxn modelId="{989E5988-F796-4CB7-A52F-3B5664161A76}" type="presOf" srcId="{FBA9823F-F955-456E-BC96-F456CFAFFAF3}" destId="{CE508D36-E9FC-49F6-8DAD-07295DEF2331}" srcOrd="0" destOrd="0" presId="urn:microsoft.com/office/officeart/2005/8/layout/chevron2"/>
-    <dgm:cxn modelId="{9C90E5AA-0EFC-4C44-9E1A-0F4866DBD857}" type="presOf" srcId="{16FB7B7C-DFBA-4A22-9B45-D5D03B4C5E8E}" destId="{72241940-DA07-4528-AA53-A10ABDDFCB79}" srcOrd="0" destOrd="0" presId="urn:microsoft.com/office/officeart/2005/8/layout/chevron2"/>
-    <dgm:cxn modelId="{39E567C0-EBA6-4EA1-8B23-D66E5319F370}" type="presOf" srcId="{48E69CC9-3CAB-400D-92B0-A2783D1ED8E5}" destId="{2F6D96BB-F4CD-4F56-9A7B-DBA1617C9B4C}" srcOrd="0" destOrd="0" presId="urn:microsoft.com/office/officeart/2005/8/layout/chevron2"/>
-    <dgm:cxn modelId="{8E6B49C0-A794-4BD5-A20B-96DF30D3A383}" srcId="{FBA9823F-F955-456E-BC96-F456CFAFFAF3}" destId="{E809D010-153C-4687-8D6E-7E2FBDDA4E8E}" srcOrd="4" destOrd="0" parTransId="{F3227C08-A51F-44B6-845D-F540BE3AC1EE}" sibTransId="{1329A77B-0C9D-47CC-BE00-58459313C306}"/>
-    <dgm:cxn modelId="{5BF779C2-34D2-4008-9889-681C94ED4A97}" srcId="{FBA9823F-F955-456E-BC96-F456CFAFFAF3}" destId="{847BB88A-A46B-44DE-BFF6-748CA579E9F9}" srcOrd="0" destOrd="0" parTransId="{E0141438-BE47-46B0-8B58-9712B0E84F5B}" sibTransId="{7923AF43-083F-4C15-95FD-719B409E0D03}"/>
-    <dgm:cxn modelId="{25EB56D8-E003-4BED-9A19-768EFA761DC9}" type="presOf" srcId="{C6338B60-E263-4E11-926C-82C0E215783A}" destId="{62BA19E8-FCF7-4CD6-A873-31771A2CE05A}" srcOrd="0" destOrd="1" presId="urn:microsoft.com/office/officeart/2005/8/layout/chevron2"/>
-    <dgm:cxn modelId="{81C7D6D9-541C-4B91-85A6-6CE11A52F74E}" type="presOf" srcId="{847BB88A-A46B-44DE-BFF6-748CA579E9F9}" destId="{CEB71C8F-D699-4766-AEC1-B9CD3FA5CC3C}" srcOrd="0" destOrd="0" presId="urn:microsoft.com/office/officeart/2005/8/layout/chevron2"/>
-    <dgm:cxn modelId="{FEA9F8F6-C279-4E2A-8485-219122A0F807}" srcId="{5EE1416A-6A3D-4080-BDB8-0FE5EEE3596F}" destId="{EBBF0D06-6857-4B9A-A28B-9126A441B911}" srcOrd="1" destOrd="0" parTransId="{89C0CF89-2B3A-4C28-B554-0AC6B3541286}" sibTransId="{D3605E3A-6E17-497E-8A47-409CDAF8851F}"/>
-    <dgm:cxn modelId="{FC53B1F9-14FB-4C91-8A35-6B51A2F24EF3}" srcId="{FBA9823F-F955-456E-BC96-F456CFAFFAF3}" destId="{5EE1416A-6A3D-4080-BDB8-0FE5EEE3596F}" srcOrd="5" destOrd="0" parTransId="{C8C27C93-606E-4666-894A-613E2382E2FF}" sibTransId="{A74C43B1-4750-4256-8EDC-64DE32402CD2}"/>
     <dgm:cxn modelId="{83B557E3-EB67-4C17-A3DC-984CEA8512BC}" type="presParOf" srcId="{CE508D36-E9FC-49F6-8DAD-07295DEF2331}" destId="{EB0A2344-B6E6-4ACA-B5F3-0FD0A64E9C2B}" srcOrd="0" destOrd="0" presId="urn:microsoft.com/office/officeart/2005/8/layout/chevron2"/>
     <dgm:cxn modelId="{264C36FB-72C6-4916-B6F7-8C45E53F31A0}" type="presParOf" srcId="{EB0A2344-B6E6-4ACA-B5F3-0FD0A64E9C2B}" destId="{CEB71C8F-D699-4766-AEC1-B9CD3FA5CC3C}" srcOrd="0" destOrd="0" presId="urn:microsoft.com/office/officeart/2005/8/layout/chevron2"/>
     <dgm:cxn modelId="{BC4B062C-42A2-4CD4-81E6-BD1B641F5A7C}" type="presParOf" srcId="{EB0A2344-B6E6-4ACA-B5F3-0FD0A64E9C2B}" destId="{CF21C412-08F1-4ECD-ACA2-AE82EFA9BB16}" srcOrd="1" destOrd="0" presId="urn:microsoft.com/office/officeart/2005/8/layout/chevron2"/>
@@ -1739,7 +1830,7 @@
         </a:bodyPr>
         <a:lstStyle/>
         <a:p>
-          <a:pPr marL="0" lvl="0" indent="0" algn="ctr" defTabSz="844550">
+          <a:pPr lvl="0" algn="ctr" defTabSz="844550">
             <a:lnSpc>
               <a:spcPct val="90000"/>
             </a:lnSpc>
@@ -1749,7 +1840,6 @@
             <a:spcAft>
               <a:spcPct val="35000"/>
             </a:spcAft>
-            <a:buNone/>
           </a:pPr>
           <a:r>
             <a:rPr lang="en-US" sz="1900" kern="1200"/>
@@ -1825,7 +1915,7 @@
             <a:spcAft>
               <a:spcPct val="15000"/>
             </a:spcAft>
-            <a:buChar char="•"/>
+            <a:buChar char="••"/>
           </a:pPr>
           <a:r>
             <a:rPr lang="en-US" sz="1900" kern="1200">
@@ -1899,7 +1989,7 @@
         </a:bodyPr>
         <a:lstStyle/>
         <a:p>
-          <a:pPr marL="0" lvl="0" indent="0" algn="ctr" defTabSz="844550">
+          <a:pPr lvl="0" algn="ctr" defTabSz="844550">
             <a:lnSpc>
               <a:spcPct val="90000"/>
             </a:lnSpc>
@@ -1909,7 +1999,6 @@
             <a:spcAft>
               <a:spcPct val="35000"/>
             </a:spcAft>
-            <a:buNone/>
           </a:pPr>
           <a:r>
             <a:rPr lang="en-US" sz="1900" kern="1200"/>
@@ -1985,7 +2074,7 @@
             <a:spcAft>
               <a:spcPct val="15000"/>
             </a:spcAft>
-            <a:buChar char="•"/>
+            <a:buChar char="••"/>
           </a:pPr>
           <a:r>
             <a:rPr lang="en-US" sz="1900" kern="1200">
@@ -2055,7 +2144,7 @@
         </a:bodyPr>
         <a:lstStyle/>
         <a:p>
-          <a:pPr marL="0" lvl="0" indent="0" algn="ctr" defTabSz="844550">
+          <a:pPr lvl="0" algn="ctr" defTabSz="844550">
             <a:lnSpc>
               <a:spcPct val="90000"/>
             </a:lnSpc>
@@ -2065,7 +2154,6 @@
             <a:spcAft>
               <a:spcPct val="35000"/>
             </a:spcAft>
-            <a:buNone/>
           </a:pPr>
           <a:r>
             <a:rPr lang="en-US" sz="1900" kern="1200"/>
@@ -2141,7 +2229,7 @@
             <a:spcAft>
               <a:spcPct val="15000"/>
             </a:spcAft>
-            <a:buChar char="•"/>
+            <a:buChar char="••"/>
           </a:pPr>
           <a:r>
             <a:rPr lang="en-US" sz="1900" kern="1200">
@@ -2162,7 +2250,7 @@
             <a:spcAft>
               <a:spcPct val="15000"/>
             </a:spcAft>
-            <a:buChar char="•"/>
+            <a:buChar char="••"/>
           </a:pPr>
           <a:r>
             <a:rPr lang="en-US" sz="1900" kern="1200">
@@ -2232,7 +2320,7 @@
         </a:bodyPr>
         <a:lstStyle/>
         <a:p>
-          <a:pPr marL="0" lvl="0" indent="0" algn="ctr" defTabSz="844550">
+          <a:pPr lvl="0" algn="ctr" defTabSz="844550">
             <a:lnSpc>
               <a:spcPct val="90000"/>
             </a:lnSpc>
@@ -2242,7 +2330,6 @@
             <a:spcAft>
               <a:spcPct val="35000"/>
             </a:spcAft>
-            <a:buNone/>
           </a:pPr>
           <a:r>
             <a:rPr lang="en-US" sz="1900" kern="1200"/>
@@ -2318,7 +2405,7 @@
             <a:spcAft>
               <a:spcPct val="15000"/>
             </a:spcAft>
-            <a:buChar char="•"/>
+            <a:buChar char="••"/>
           </a:pPr>
           <a:r>
             <a:rPr lang="en-US" sz="1900" kern="1200">
@@ -2388,7 +2475,7 @@
         </a:bodyPr>
         <a:lstStyle/>
         <a:p>
-          <a:pPr marL="0" lvl="0" indent="0" algn="ctr" defTabSz="844550">
+          <a:pPr lvl="0" algn="ctr" defTabSz="844550">
             <a:lnSpc>
               <a:spcPct val="90000"/>
             </a:lnSpc>
@@ -2398,7 +2485,6 @@
             <a:spcAft>
               <a:spcPct val="35000"/>
             </a:spcAft>
-            <a:buNone/>
           </a:pPr>
           <a:r>
             <a:rPr lang="en-US" sz="1900" kern="1200"/>
@@ -2474,7 +2560,7 @@
             <a:spcAft>
               <a:spcPct val="15000"/>
             </a:spcAft>
-            <a:buChar char="•"/>
+            <a:buChar char="••"/>
           </a:pPr>
           <a:r>
             <a:rPr lang="en-US" sz="1900" kern="1200">
@@ -2548,7 +2634,7 @@
         </a:bodyPr>
         <a:lstStyle/>
         <a:p>
-          <a:pPr marL="0" lvl="0" indent="0" algn="ctr" defTabSz="844550">
+          <a:pPr lvl="0" algn="ctr" defTabSz="844550">
             <a:lnSpc>
               <a:spcPct val="90000"/>
             </a:lnSpc>
@@ -2558,7 +2644,6 @@
             <a:spcAft>
               <a:spcPct val="35000"/>
             </a:spcAft>
-            <a:buNone/>
           </a:pPr>
           <a:r>
             <a:rPr lang="en-US" sz="1900" kern="1200"/>
@@ -2634,7 +2719,7 @@
             <a:spcAft>
               <a:spcPct val="15000"/>
             </a:spcAft>
-            <a:buChar char="•"/>
+            <a:buChar char="••"/>
           </a:pPr>
           <a:r>
             <a:rPr lang="en-US" sz="1900" kern="1200">
@@ -2655,7 +2740,7 @@
             <a:spcAft>
               <a:spcPct val="15000"/>
             </a:spcAft>
-            <a:buChar char="•"/>
+            <a:buChar char="••"/>
           </a:pPr>
           <a:r>
             <a:rPr lang="en-US" sz="1900" kern="1200">
@@ -4051,7 +4136,7 @@
           <a:p>
             <a:fld id="{B692C1E4-8D4F-4F13-A11D-B2F8E248C75F}" type="datetimeFigureOut">
               <a:rPr lang="en-US" smtClean="0"/>
-              <a:t>6/26/2021</a:t>
+              <a:t>6/27/2021</a:t>
             </a:fld>
             <a:endParaRPr lang="en-US"/>
           </a:p>
@@ -4446,7 +4531,487 @@
           <a:bodyPr/>
           <a:lstStyle/>
           <a:p>
-            <a:endParaRPr lang="en-US"/>
+            <a:pPr marL="457200">
+              <a:lnSpc>
+                <a:spcPct val="115000"/>
+              </a:lnSpc>
+              <a:spcAft>
+                <a:spcPts val="1000"/>
+              </a:spcAft>
+            </a:pPr>
+            <a:r>
+              <a:rPr lang="en-US" sz="1800" smtClean="0">
+                <a:effectLst/>
+                <a:latin typeface="Times New Roman"/>
+                <a:ea typeface="Calibri"/>
+              </a:rPr>
+              <a:t>Dòng sự kiện chính:</a:t>
+            </a:r>
+            <a:endParaRPr lang="en-US" sz="2800" smtClean="0">
+              <a:effectLst/>
+              <a:latin typeface="Times New Roman"/>
+              <a:ea typeface="Calibri"/>
+            </a:endParaRPr>
+          </a:p>
+          <a:p>
+            <a:pPr marL="342900" lvl="0" indent="-342900">
+              <a:lnSpc>
+                <a:spcPct val="115000"/>
+              </a:lnSpc>
+              <a:spcAft>
+                <a:spcPts val="0"/>
+              </a:spcAft>
+              <a:buFont typeface="Times New Roman"/>
+              <a:buChar char="-"/>
+            </a:pPr>
+            <a:r>
+              <a:rPr lang="en-US" sz="1800" smtClean="0">
+                <a:effectLst/>
+                <a:latin typeface="Times New Roman"/>
+                <a:ea typeface="Calibri"/>
+              </a:rPr>
+              <a:t>Đối với bài kiểm tra:</a:t>
+            </a:r>
+            <a:endParaRPr lang="en-US" sz="2800" smtClean="0">
+              <a:effectLst/>
+              <a:latin typeface="Times New Roman"/>
+              <a:ea typeface="Calibri"/>
+            </a:endParaRPr>
+          </a:p>
+          <a:p>
+            <a:pPr marL="685800">
+              <a:lnSpc>
+                <a:spcPct val="115000"/>
+              </a:lnSpc>
+              <a:spcAft>
+                <a:spcPts val="0"/>
+              </a:spcAft>
+            </a:pPr>
+            <a:r>
+              <a:rPr lang="en-US" sz="1800" smtClean="0">
+                <a:effectLst/>
+                <a:latin typeface="Times New Roman"/>
+                <a:ea typeface="Calibri"/>
+              </a:rPr>
+              <a:t>+ Người dùng click chuột vào chủ đề mà mình muốn học</a:t>
+            </a:r>
+            <a:endParaRPr lang="en-US" sz="2800" smtClean="0">
+              <a:effectLst/>
+              <a:latin typeface="Times New Roman"/>
+              <a:ea typeface="Calibri"/>
+            </a:endParaRPr>
+          </a:p>
+          <a:p>
+            <a:pPr marL="685800">
+              <a:lnSpc>
+                <a:spcPct val="115000"/>
+              </a:lnSpc>
+              <a:spcAft>
+                <a:spcPts val="0"/>
+              </a:spcAft>
+            </a:pPr>
+            <a:r>
+              <a:rPr lang="en-US" sz="1800" smtClean="0">
+                <a:effectLst/>
+                <a:latin typeface="Times New Roman"/>
+                <a:ea typeface="Calibri"/>
+              </a:rPr>
+              <a:t>+ Hệ thống sẽ chuyển trang hiện tại đến trang nội dung bài học</a:t>
+            </a:r>
+            <a:endParaRPr lang="en-US" sz="2800" smtClean="0">
+              <a:effectLst/>
+              <a:latin typeface="Times New Roman"/>
+              <a:ea typeface="Calibri"/>
+            </a:endParaRPr>
+          </a:p>
+          <a:p>
+            <a:pPr marL="685800">
+              <a:lnSpc>
+                <a:spcPct val="115000"/>
+              </a:lnSpc>
+              <a:spcAft>
+                <a:spcPts val="0"/>
+              </a:spcAft>
+            </a:pPr>
+            <a:r>
+              <a:rPr lang="en-US" sz="1800" smtClean="0">
+                <a:effectLst/>
+                <a:latin typeface="Times New Roman"/>
+                <a:ea typeface="Calibri"/>
+              </a:rPr>
+              <a:t>+ Yêu cầu của người dùng sẽ được chuyển đến class LessonController để được thực hiện</a:t>
+            </a:r>
+            <a:endParaRPr lang="en-US" sz="2800" smtClean="0">
+              <a:effectLst/>
+              <a:latin typeface="Times New Roman"/>
+              <a:ea typeface="Calibri"/>
+            </a:endParaRPr>
+          </a:p>
+          <a:p>
+            <a:pPr marL="685800">
+              <a:lnSpc>
+                <a:spcPct val="115000"/>
+              </a:lnSpc>
+              <a:spcAft>
+                <a:spcPts val="0"/>
+              </a:spcAft>
+            </a:pPr>
+            <a:r>
+              <a:rPr lang="en-US" sz="1800" smtClean="0">
+                <a:effectLst/>
+                <a:latin typeface="Times New Roman"/>
+                <a:ea typeface="Calibri"/>
+              </a:rPr>
+              <a:t>+ LessonController sẽ gọi đến hàm getLesson() của lớp LessonService</a:t>
+            </a:r>
+            <a:endParaRPr lang="en-US" sz="2800" smtClean="0">
+              <a:effectLst/>
+              <a:latin typeface="Times New Roman"/>
+              <a:ea typeface="Calibri"/>
+            </a:endParaRPr>
+          </a:p>
+          <a:p>
+            <a:pPr marL="685800">
+              <a:lnSpc>
+                <a:spcPct val="115000"/>
+              </a:lnSpc>
+              <a:spcAft>
+                <a:spcPts val="0"/>
+              </a:spcAft>
+            </a:pPr>
+            <a:r>
+              <a:rPr lang="en-US" sz="1800" smtClean="0">
+                <a:effectLst/>
+                <a:latin typeface="Times New Roman"/>
+                <a:ea typeface="Calibri"/>
+              </a:rPr>
+              <a:t>+ LessonService sẽ gọi đến hàm getLesson() của LessonDAO để thực hiện truy vấn cơ sở dữ liệu</a:t>
+            </a:r>
+            <a:endParaRPr lang="en-US" sz="2800" smtClean="0">
+              <a:effectLst/>
+              <a:latin typeface="Times New Roman"/>
+              <a:ea typeface="Calibri"/>
+            </a:endParaRPr>
+          </a:p>
+          <a:p>
+            <a:pPr marL="685800">
+              <a:lnSpc>
+                <a:spcPct val="115000"/>
+              </a:lnSpc>
+              <a:spcAft>
+                <a:spcPts val="0"/>
+              </a:spcAft>
+            </a:pPr>
+            <a:r>
+              <a:rPr lang="en-US" sz="1800" smtClean="0">
+                <a:effectLst/>
+                <a:latin typeface="Times New Roman"/>
+                <a:ea typeface="Calibri"/>
+              </a:rPr>
+              <a:t>+ Nếu quá trình thành công: hàm getLesson() sẽ trả về kết quả true cho các lớp và hiển thị nội dung kết quả lên trang nội dung bài học</a:t>
+            </a:r>
+            <a:endParaRPr lang="en-US" sz="2800" smtClean="0">
+              <a:effectLst/>
+              <a:latin typeface="Times New Roman"/>
+              <a:ea typeface="Calibri"/>
+            </a:endParaRPr>
+          </a:p>
+          <a:p>
+            <a:pPr marL="685800">
+              <a:lnSpc>
+                <a:spcPct val="115000"/>
+              </a:lnSpc>
+              <a:spcAft>
+                <a:spcPts val="0"/>
+              </a:spcAft>
+            </a:pPr>
+            <a:r>
+              <a:rPr lang="en-US" sz="1800" smtClean="0">
+                <a:effectLst/>
+                <a:latin typeface="Times New Roman"/>
+                <a:ea typeface="Calibri"/>
+              </a:rPr>
+              <a:t>+ Nếu quá trình thất bại: hàm getLesson() sẽ trả về kết quả false cho các lớp và không hiển thị nội dung lên trang nội dung bài học</a:t>
+            </a:r>
+            <a:endParaRPr lang="en-US" sz="2800" smtClean="0">
+              <a:effectLst/>
+              <a:latin typeface="Times New Roman"/>
+              <a:ea typeface="Calibri"/>
+            </a:endParaRPr>
+          </a:p>
+          <a:p>
+            <a:pPr marL="342900" lvl="0" indent="-342900">
+              <a:lnSpc>
+                <a:spcPct val="115000"/>
+              </a:lnSpc>
+              <a:spcAft>
+                <a:spcPts val="0"/>
+              </a:spcAft>
+              <a:buFont typeface="Times New Roman"/>
+              <a:buChar char="-"/>
+            </a:pPr>
+            <a:r>
+              <a:rPr lang="en-US" sz="1800" smtClean="0">
+                <a:effectLst/>
+                <a:latin typeface="Times New Roman"/>
+                <a:ea typeface="Calibri"/>
+              </a:rPr>
+              <a:t>Đối với bài kiểm tra</a:t>
+            </a:r>
+            <a:endParaRPr lang="en-US" sz="2800" smtClean="0">
+              <a:effectLst/>
+              <a:latin typeface="Times New Roman"/>
+              <a:ea typeface="Calibri"/>
+            </a:endParaRPr>
+          </a:p>
+          <a:p>
+            <a:pPr marL="685800">
+              <a:lnSpc>
+                <a:spcPct val="115000"/>
+              </a:lnSpc>
+              <a:spcAft>
+                <a:spcPts val="0"/>
+              </a:spcAft>
+            </a:pPr>
+            <a:r>
+              <a:rPr lang="en-US" sz="1800" smtClean="0">
+                <a:effectLst/>
+                <a:latin typeface="Times New Roman"/>
+                <a:ea typeface="Calibri"/>
+              </a:rPr>
+              <a:t>+ Người dùng click chuột vào button “Do Test” sau khi đã học xong toàn bộ nội dung bài học</a:t>
+            </a:r>
+            <a:endParaRPr lang="en-US" sz="2800" smtClean="0">
+              <a:effectLst/>
+              <a:latin typeface="Times New Roman"/>
+              <a:ea typeface="Calibri"/>
+            </a:endParaRPr>
+          </a:p>
+          <a:p>
+            <a:pPr marL="685800">
+              <a:lnSpc>
+                <a:spcPct val="115000"/>
+              </a:lnSpc>
+              <a:spcAft>
+                <a:spcPts val="0"/>
+              </a:spcAft>
+            </a:pPr>
+            <a:r>
+              <a:rPr lang="en-US" sz="1800" smtClean="0">
+                <a:effectLst/>
+                <a:latin typeface="Times New Roman"/>
+                <a:ea typeface="Calibri"/>
+              </a:rPr>
+              <a:t>+ Hệ thống sẽ chuyển đến trang chứa nội dung bài kiểm tra</a:t>
+            </a:r>
+            <a:endParaRPr lang="en-US" sz="2800" smtClean="0">
+              <a:effectLst/>
+              <a:latin typeface="Times New Roman"/>
+              <a:ea typeface="Calibri"/>
+            </a:endParaRPr>
+          </a:p>
+          <a:p>
+            <a:pPr marL="685800">
+              <a:lnSpc>
+                <a:spcPct val="115000"/>
+              </a:lnSpc>
+              <a:spcAft>
+                <a:spcPts val="0"/>
+              </a:spcAft>
+            </a:pPr>
+            <a:r>
+              <a:rPr lang="en-US" sz="1800" smtClean="0">
+                <a:effectLst/>
+                <a:latin typeface="Times New Roman"/>
+                <a:ea typeface="Calibri"/>
+              </a:rPr>
+              <a:t>+ Yêu cầu của người dùng sẽ được gửi đến class TestController để được thực hiện</a:t>
+            </a:r>
+            <a:endParaRPr lang="en-US" sz="2800" smtClean="0">
+              <a:effectLst/>
+              <a:latin typeface="Times New Roman"/>
+              <a:ea typeface="Calibri"/>
+            </a:endParaRPr>
+          </a:p>
+          <a:p>
+            <a:pPr marL="685800">
+              <a:lnSpc>
+                <a:spcPct val="115000"/>
+              </a:lnSpc>
+              <a:spcAft>
+                <a:spcPts val="0"/>
+              </a:spcAft>
+            </a:pPr>
+            <a:r>
+              <a:rPr lang="en-US" sz="1800" smtClean="0">
+                <a:effectLst/>
+                <a:latin typeface="Times New Roman"/>
+                <a:ea typeface="Calibri"/>
+              </a:rPr>
+              <a:t>+ TestController sẽ gọi đến hàm getTest()  của class TestService, TestServive gọi đến hàm getTest() của TestDAO để thực hiện quá trình truy vấn cơ sở dữ liệu</a:t>
+            </a:r>
+            <a:endParaRPr lang="en-US" sz="2800" smtClean="0">
+              <a:effectLst/>
+              <a:latin typeface="Times New Roman"/>
+              <a:ea typeface="Calibri"/>
+            </a:endParaRPr>
+          </a:p>
+          <a:p>
+            <a:pPr marL="685800">
+              <a:lnSpc>
+                <a:spcPct val="115000"/>
+              </a:lnSpc>
+              <a:spcAft>
+                <a:spcPts val="0"/>
+              </a:spcAft>
+            </a:pPr>
+            <a:r>
+              <a:rPr lang="en-US" sz="1800" smtClean="0">
+                <a:effectLst/>
+                <a:latin typeface="Times New Roman"/>
+                <a:ea typeface="Calibri"/>
+              </a:rPr>
+              <a:t>+ Nếu quá trình thành công: hàm getTest() sẽ trả về kết quả true và hiển thị nội dung lên trang nội dung bài kiểm tra</a:t>
+            </a:r>
+            <a:endParaRPr lang="en-US" sz="2800" smtClean="0">
+              <a:effectLst/>
+              <a:latin typeface="Times New Roman"/>
+              <a:ea typeface="Calibri"/>
+            </a:endParaRPr>
+          </a:p>
+          <a:p>
+            <a:pPr marL="685800">
+              <a:lnSpc>
+                <a:spcPct val="115000"/>
+              </a:lnSpc>
+              <a:spcAft>
+                <a:spcPts val="1000"/>
+              </a:spcAft>
+            </a:pPr>
+            <a:r>
+              <a:rPr lang="en-US" sz="1800" smtClean="0">
+                <a:effectLst/>
+                <a:latin typeface="Times New Roman"/>
+                <a:ea typeface="Calibri"/>
+              </a:rPr>
+              <a:t>+ Nếu quá trỉnh thất bại: hàm getTest() sẽ trả về kết quả false và không có nội dung nào được hiển thị lên trang nội dung bài kiểm tra</a:t>
+            </a:r>
+            <a:endParaRPr lang="en-US" sz="2800" smtClean="0">
+              <a:effectLst/>
+              <a:latin typeface="Times New Roman"/>
+              <a:ea typeface="Calibri"/>
+            </a:endParaRPr>
+          </a:p>
+          <a:p>
+            <a:pPr marL="457200">
+              <a:lnSpc>
+                <a:spcPct val="115000"/>
+              </a:lnSpc>
+              <a:spcAft>
+                <a:spcPts val="1000"/>
+              </a:spcAft>
+            </a:pPr>
+            <a:r>
+              <a:rPr lang="en-US" sz="1800" smtClean="0">
+                <a:effectLst/>
+                <a:latin typeface="Times New Roman"/>
+                <a:ea typeface="Calibri"/>
+              </a:rPr>
+              <a:t> </a:t>
+            </a:r>
+            <a:endParaRPr lang="en-US" sz="2800" smtClean="0">
+              <a:effectLst/>
+              <a:latin typeface="Times New Roman"/>
+              <a:ea typeface="Calibri"/>
+            </a:endParaRPr>
+          </a:p>
+          <a:p>
+            <a:pPr marL="457200">
+              <a:lnSpc>
+                <a:spcPct val="115000"/>
+              </a:lnSpc>
+              <a:spcAft>
+                <a:spcPts val="1000"/>
+              </a:spcAft>
+            </a:pPr>
+            <a:r>
+              <a:rPr lang="en-US" sz="1800" smtClean="0">
+                <a:effectLst/>
+                <a:latin typeface="Times New Roman"/>
+                <a:ea typeface="Calibri"/>
+              </a:rPr>
+              <a:t>Dòng sự kiện ngoại lệ: </a:t>
+            </a:r>
+            <a:endParaRPr lang="en-US" sz="2800" smtClean="0">
+              <a:effectLst/>
+              <a:latin typeface="Times New Roman"/>
+              <a:ea typeface="Calibri"/>
+            </a:endParaRPr>
+          </a:p>
+          <a:p>
+            <a:pPr marL="457200">
+              <a:lnSpc>
+                <a:spcPct val="115000"/>
+              </a:lnSpc>
+              <a:spcAft>
+                <a:spcPts val="1000"/>
+              </a:spcAft>
+            </a:pPr>
+            <a:r>
+              <a:rPr lang="en-US" sz="1800" smtClean="0">
+                <a:effectLst/>
+                <a:latin typeface="Times New Roman"/>
+                <a:ea typeface="Calibri"/>
+              </a:rPr>
+              <a:t>[ người dùng thoát ra trong lúc đang học một chủ đề nào đó có trong hệ thống ]</a:t>
+            </a:r>
+            <a:endParaRPr lang="en-US" sz="2800" smtClean="0">
+              <a:effectLst/>
+              <a:latin typeface="Times New Roman"/>
+              <a:ea typeface="Calibri"/>
+            </a:endParaRPr>
+          </a:p>
+          <a:p>
+            <a:pPr marL="342900" lvl="0" indent="-342900">
+              <a:lnSpc>
+                <a:spcPct val="115000"/>
+              </a:lnSpc>
+              <a:spcAft>
+                <a:spcPts val="1000"/>
+              </a:spcAft>
+              <a:buFont typeface="Times New Roman"/>
+              <a:buChar char="-"/>
+            </a:pPr>
+            <a:r>
+              <a:rPr lang="en-US" sz="1800" smtClean="0">
+                <a:effectLst/>
+                <a:latin typeface="Times New Roman"/>
+                <a:ea typeface="Calibri"/>
+              </a:rPr>
+              <a:t>Toàn bộ quá trình học trước đó của người dùng sẽ được lưu lại</a:t>
+            </a:r>
+            <a:endParaRPr lang="en-US" sz="2800" smtClean="0">
+              <a:effectLst/>
+              <a:latin typeface="Times New Roman"/>
+              <a:ea typeface="Calibri"/>
+            </a:endParaRPr>
+          </a:p>
+          <a:p>
+            <a:pPr marL="342900" lvl="0" indent="-342900">
+              <a:lnSpc>
+                <a:spcPct val="115000"/>
+              </a:lnSpc>
+              <a:spcAft>
+                <a:spcPts val="1000"/>
+              </a:spcAft>
+              <a:buFont typeface="Times New Roman" panose="02020603050405020304" pitchFamily="18" charset="0"/>
+              <a:buChar char="-"/>
+            </a:pPr>
+            <a:endParaRPr lang="en-US" sz="1800">
+              <a:effectLst/>
+              <a:latin typeface="Times New Roman" panose="02020603050405020304" pitchFamily="18" charset="0"/>
+              <a:ea typeface="Calibri" panose="020F0502020204030204" pitchFamily="34" charset="0"/>
+            </a:endParaRPr>
           </a:p>
         </p:txBody>
       </p:sp>
@@ -4467,7 +5032,7 @@
           <a:p>
             <a:fld id="{166BE8A9-1332-43C3-9C65-C26D4AF875E6}" type="slidenum">
               <a:rPr lang="en-US" smtClean="0"/>
-              <a:t>18</a:t>
+              <a:t>14</a:t>
             </a:fld>
             <a:endParaRPr lang="en-US"/>
           </a:p>
@@ -4476,7 +5041,7 @@
     </p:spTree>
     <p:extLst>
       <p:ext uri="{BB962C8B-B14F-4D97-AF65-F5344CB8AC3E}">
-        <p14:creationId xmlns:p14="http://schemas.microsoft.com/office/powerpoint/2010/main" val="2915572047"/>
+        <p14:creationId xmlns:p14="http://schemas.microsoft.com/office/powerpoint/2010/main" val="2317970178"/>
       </p:ext>
     </p:extLst>
   </p:cSld>
@@ -4530,7 +5095,491 @@
           <a:bodyPr/>
           <a:lstStyle/>
           <a:p>
-            <a:endParaRPr lang="en-US"/>
+            <a:pPr marL="457200">
+              <a:lnSpc>
+                <a:spcPct val="115000"/>
+              </a:lnSpc>
+              <a:spcAft>
+                <a:spcPts val="1000"/>
+              </a:spcAft>
+            </a:pPr>
+            <a:r>
+              <a:rPr lang="en-US" sz="1800" smtClean="0">
+                <a:effectLst/>
+                <a:latin typeface="Times New Roman"/>
+                <a:ea typeface="Calibri"/>
+              </a:rPr>
+              <a:t>Dòng sự kiện chính:</a:t>
+            </a:r>
+            <a:endParaRPr lang="en-US" sz="2800" smtClean="0">
+              <a:effectLst/>
+              <a:latin typeface="Times New Roman"/>
+              <a:ea typeface="Calibri"/>
+            </a:endParaRPr>
+          </a:p>
+          <a:p>
+            <a:pPr marL="342900" lvl="0" indent="-342900">
+              <a:lnSpc>
+                <a:spcPct val="115000"/>
+              </a:lnSpc>
+              <a:spcAft>
+                <a:spcPts val="0"/>
+              </a:spcAft>
+              <a:buFont typeface="Times New Roman"/>
+              <a:buChar char="-"/>
+            </a:pPr>
+            <a:r>
+              <a:rPr lang="en-US" sz="1800" smtClean="0">
+                <a:effectLst/>
+                <a:latin typeface="Times New Roman"/>
+                <a:ea typeface="Calibri"/>
+              </a:rPr>
+              <a:t>Admin chọn vào 1 trong 3 chức năng mà mình muốn thực hiện: thêm tài khoản, xóa tài khoản, hiển thị thông tin chi tiết của tài khoản</a:t>
+            </a:r>
+            <a:endParaRPr lang="en-US" sz="2800" smtClean="0">
+              <a:effectLst/>
+              <a:latin typeface="Times New Roman"/>
+              <a:ea typeface="Calibri"/>
+            </a:endParaRPr>
+          </a:p>
+          <a:p>
+            <a:pPr marL="685800">
+              <a:lnSpc>
+                <a:spcPct val="115000"/>
+              </a:lnSpc>
+              <a:spcAft>
+                <a:spcPts val="0"/>
+              </a:spcAft>
+            </a:pPr>
+            <a:r>
+              <a:rPr lang="en-US" sz="1800" smtClean="0">
+                <a:effectLst/>
+                <a:latin typeface="Times New Roman"/>
+                <a:ea typeface="Calibri"/>
+              </a:rPr>
+              <a:t>+ Thêm tài khoản:</a:t>
+            </a:r>
+            <a:endParaRPr lang="en-US" sz="2800" smtClean="0">
+              <a:effectLst/>
+              <a:latin typeface="Times New Roman"/>
+              <a:ea typeface="Calibri"/>
+            </a:endParaRPr>
+          </a:p>
+          <a:p>
+            <a:pPr marL="685800">
+              <a:lnSpc>
+                <a:spcPct val="115000"/>
+              </a:lnSpc>
+              <a:spcAft>
+                <a:spcPts val="0"/>
+              </a:spcAft>
+            </a:pPr>
+            <a:r>
+              <a:rPr lang="en-US" sz="1800" smtClean="0">
+                <a:effectLst/>
+                <a:latin typeface="Times New Roman"/>
+                <a:ea typeface="Calibri"/>
+              </a:rPr>
+              <a:t>	++ admin click chuột vào button thêm tài khoản, hệ thống sẽ chuyển trang hiện tại </a:t>
+            </a:r>
+            <a:endParaRPr lang="en-US" sz="2800" smtClean="0">
+              <a:effectLst/>
+              <a:latin typeface="Times New Roman"/>
+              <a:ea typeface="Calibri"/>
+            </a:endParaRPr>
+          </a:p>
+          <a:p>
+            <a:pPr marL="685800" indent="228600">
+              <a:lnSpc>
+                <a:spcPct val="115000"/>
+              </a:lnSpc>
+              <a:spcAft>
+                <a:spcPts val="0"/>
+              </a:spcAft>
+            </a:pPr>
+            <a:r>
+              <a:rPr lang="en-US" sz="1800" smtClean="0">
+                <a:effectLst/>
+                <a:latin typeface="Times New Roman"/>
+                <a:ea typeface="Calibri"/>
+              </a:rPr>
+              <a:t>đến trang điền thông tin</a:t>
+            </a:r>
+            <a:endParaRPr lang="en-US" sz="2800" smtClean="0">
+              <a:effectLst/>
+              <a:latin typeface="Times New Roman"/>
+              <a:ea typeface="Calibri"/>
+            </a:endParaRPr>
+          </a:p>
+          <a:p>
+            <a:pPr marL="685800">
+              <a:lnSpc>
+                <a:spcPct val="115000"/>
+              </a:lnSpc>
+              <a:spcAft>
+                <a:spcPts val="0"/>
+              </a:spcAft>
+            </a:pPr>
+            <a:r>
+              <a:rPr lang="en-US" sz="1800" smtClean="0">
+                <a:effectLst/>
+                <a:latin typeface="Times New Roman"/>
+                <a:ea typeface="Calibri"/>
+              </a:rPr>
+              <a:t>	++ admin điền đầy đủ thông tin sau đó nhấn vào button “Save”</a:t>
+            </a:r>
+            <a:endParaRPr lang="en-US" sz="2800" smtClean="0">
+              <a:effectLst/>
+              <a:latin typeface="Times New Roman"/>
+              <a:ea typeface="Calibri"/>
+            </a:endParaRPr>
+          </a:p>
+          <a:p>
+            <a:pPr marL="685800">
+              <a:lnSpc>
+                <a:spcPct val="115000"/>
+              </a:lnSpc>
+              <a:spcAft>
+                <a:spcPts val="0"/>
+              </a:spcAft>
+            </a:pPr>
+            <a:r>
+              <a:rPr lang="en-US" sz="1800" smtClean="0">
+                <a:effectLst/>
+                <a:latin typeface="Times New Roman"/>
+                <a:ea typeface="Calibri"/>
+              </a:rPr>
+              <a:t>	++ Toàn bộ thông tin admin điền vào sẽ được gửi đến lớp UserController</a:t>
+            </a:r>
+            <a:endParaRPr lang="en-US" sz="2800" smtClean="0">
+              <a:effectLst/>
+              <a:latin typeface="Times New Roman"/>
+              <a:ea typeface="Calibri"/>
+            </a:endParaRPr>
+          </a:p>
+          <a:p>
+            <a:pPr marL="914400">
+              <a:lnSpc>
+                <a:spcPct val="115000"/>
+              </a:lnSpc>
+              <a:spcAft>
+                <a:spcPts val="0"/>
+              </a:spcAft>
+            </a:pPr>
+            <a:r>
+              <a:rPr lang="en-US" sz="1800" smtClean="0">
+                <a:effectLst/>
+                <a:latin typeface="Times New Roman"/>
+                <a:ea typeface="Calibri"/>
+              </a:rPr>
+              <a:t>++ UserController sẽ gọi đến phương thức saveUser() của lớp UserDAO thông qua lớp UserService</a:t>
+            </a:r>
+            <a:endParaRPr lang="en-US" sz="2800" smtClean="0">
+              <a:effectLst/>
+              <a:latin typeface="Times New Roman"/>
+              <a:ea typeface="Calibri"/>
+            </a:endParaRPr>
+          </a:p>
+          <a:p>
+            <a:pPr marL="914400">
+              <a:lnSpc>
+                <a:spcPct val="115000"/>
+              </a:lnSpc>
+              <a:spcAft>
+                <a:spcPts val="0"/>
+              </a:spcAft>
+            </a:pPr>
+            <a:r>
+              <a:rPr lang="en-US" sz="1800" smtClean="0">
+                <a:effectLst/>
+                <a:latin typeface="Times New Roman"/>
+                <a:ea typeface="Calibri"/>
+              </a:rPr>
+              <a:t>++ phương thức saveUser() sẽ thực hiện insert toàn bộ nội dung xuống cơ sở dữ liệu, nếu insert thành công: thông báo “Thành công!” sẽ được hiển thị lên màn hình, nếu insert không thành công: thông báo” Thất bại!” sẽ được hiển thị lên màn hình.</a:t>
+            </a:r>
+            <a:endParaRPr lang="en-US" sz="2800" smtClean="0">
+              <a:effectLst/>
+              <a:latin typeface="Times New Roman"/>
+              <a:ea typeface="Calibri"/>
+            </a:endParaRPr>
+          </a:p>
+          <a:p>
+            <a:pPr marL="685800">
+              <a:lnSpc>
+                <a:spcPct val="115000"/>
+              </a:lnSpc>
+              <a:spcAft>
+                <a:spcPts val="0"/>
+              </a:spcAft>
+            </a:pPr>
+            <a:r>
+              <a:rPr lang="en-US" sz="1800" smtClean="0">
+                <a:effectLst/>
+                <a:latin typeface="Times New Roman"/>
+                <a:ea typeface="Calibri"/>
+              </a:rPr>
+              <a:t>+ Xóa tài khoản </a:t>
+            </a:r>
+            <a:endParaRPr lang="en-US" sz="2800" smtClean="0">
+              <a:effectLst/>
+              <a:latin typeface="Times New Roman"/>
+              <a:ea typeface="Calibri"/>
+            </a:endParaRPr>
+          </a:p>
+          <a:p>
+            <a:pPr marL="914400">
+              <a:lnSpc>
+                <a:spcPct val="115000"/>
+              </a:lnSpc>
+              <a:spcAft>
+                <a:spcPts val="0"/>
+              </a:spcAft>
+            </a:pPr>
+            <a:r>
+              <a:rPr lang="en-US" sz="1800" smtClean="0">
+                <a:effectLst/>
+                <a:latin typeface="Times New Roman"/>
+                <a:ea typeface="Calibri"/>
+              </a:rPr>
+              <a:t>++ admin click chuột vào button “xóa”, hệ thống sẽ hiển thị hộp thoại thông báo     “Bạn có chắc muốn xóa tài khoản này khỏi hệ thống?”</a:t>
+            </a:r>
+            <a:endParaRPr lang="en-US" sz="2800" smtClean="0">
+              <a:effectLst/>
+              <a:latin typeface="Times New Roman"/>
+              <a:ea typeface="Calibri"/>
+            </a:endParaRPr>
+          </a:p>
+          <a:p>
+            <a:pPr marL="914400">
+              <a:lnSpc>
+                <a:spcPct val="115000"/>
+              </a:lnSpc>
+              <a:spcAft>
+                <a:spcPts val="0"/>
+              </a:spcAft>
+            </a:pPr>
+            <a:r>
+              <a:rPr lang="en-US" sz="1800" smtClean="0">
+                <a:effectLst/>
+                <a:latin typeface="Times New Roman"/>
+                <a:ea typeface="Calibri"/>
+              </a:rPr>
+              <a:t>++ nếu admin chọn “OK”, yêu cầu sẽ được gửi đến lớp UserController để xử lí, UserController sẽ gọi phương thức removeUser() của lớp UserDAO thông qua lớp UserService, phương thức removeUser() sẽ tiến hành truy vấn cơ sở dữ liệu để xóa tài khoản mà admin chọn. Nếu thành công sẽ trả về thông báo “Thành công!” lên màn hình, Nếu thất bại sẽ hiển thị thông báo “Thất bại!” lên màn hình.</a:t>
+            </a:r>
+            <a:endParaRPr lang="en-US" sz="2800" smtClean="0">
+              <a:effectLst/>
+              <a:latin typeface="Times New Roman"/>
+              <a:ea typeface="Calibri"/>
+            </a:endParaRPr>
+          </a:p>
+          <a:p>
+            <a:pPr marL="914400">
+              <a:lnSpc>
+                <a:spcPct val="115000"/>
+              </a:lnSpc>
+              <a:spcAft>
+                <a:spcPts val="0"/>
+              </a:spcAft>
+            </a:pPr>
+            <a:r>
+              <a:rPr lang="en-US" sz="1800" smtClean="0">
+                <a:effectLst/>
+                <a:latin typeface="Times New Roman"/>
+                <a:ea typeface="Calibri"/>
+              </a:rPr>
+              <a:t>++ Nếu admin chọn “HỦY”, hệ thống sẽ tự động hủy đi yêu cầu của admin, yêu cầu không được gửi đến lớp UserController, hộp thoại thông báo sẽ biến mất.</a:t>
+            </a:r>
+            <a:endParaRPr lang="en-US" sz="2800" smtClean="0">
+              <a:effectLst/>
+              <a:latin typeface="Times New Roman"/>
+              <a:ea typeface="Calibri"/>
+            </a:endParaRPr>
+          </a:p>
+          <a:p>
+            <a:pPr marL="685800">
+              <a:lnSpc>
+                <a:spcPct val="115000"/>
+              </a:lnSpc>
+              <a:spcAft>
+                <a:spcPts val="0"/>
+              </a:spcAft>
+            </a:pPr>
+            <a:r>
+              <a:rPr lang="en-US" sz="1800" smtClean="0">
+                <a:effectLst/>
+                <a:latin typeface="Times New Roman"/>
+                <a:ea typeface="Calibri"/>
+              </a:rPr>
+              <a:t>+ Xem thông tin chi tiết tài khoản</a:t>
+            </a:r>
+            <a:endParaRPr lang="en-US" sz="2800" smtClean="0">
+              <a:effectLst/>
+              <a:latin typeface="Times New Roman"/>
+              <a:ea typeface="Calibri"/>
+            </a:endParaRPr>
+          </a:p>
+          <a:p>
+            <a:pPr marL="914400">
+              <a:lnSpc>
+                <a:spcPct val="115000"/>
+              </a:lnSpc>
+              <a:spcAft>
+                <a:spcPts val="0"/>
+              </a:spcAft>
+            </a:pPr>
+            <a:r>
+              <a:rPr lang="en-US" sz="1800" smtClean="0">
+                <a:effectLst/>
+                <a:latin typeface="Times New Roman"/>
+                <a:ea typeface="Calibri"/>
+              </a:rPr>
+              <a:t>++ admin click chuột vào button “view”, hệ thống sẽ chuyển trang hiện tại đến trang chứa nội dung</a:t>
+            </a:r>
+            <a:endParaRPr lang="en-US" sz="2800" smtClean="0">
+              <a:effectLst/>
+              <a:latin typeface="Times New Roman"/>
+              <a:ea typeface="Calibri"/>
+            </a:endParaRPr>
+          </a:p>
+          <a:p>
+            <a:pPr marL="685800">
+              <a:lnSpc>
+                <a:spcPct val="115000"/>
+              </a:lnSpc>
+              <a:spcAft>
+                <a:spcPts val="0"/>
+              </a:spcAft>
+            </a:pPr>
+            <a:r>
+              <a:rPr lang="en-US" sz="1800" smtClean="0">
+                <a:effectLst/>
+                <a:latin typeface="Times New Roman"/>
+                <a:ea typeface="Calibri"/>
+              </a:rPr>
+              <a:t>	++ yêu cầu của admin sẽ được gửi đến lớp UserController để được xử lí</a:t>
+            </a:r>
+            <a:endParaRPr lang="en-US" sz="2800" smtClean="0">
+              <a:effectLst/>
+              <a:latin typeface="Times New Roman"/>
+              <a:ea typeface="Calibri"/>
+            </a:endParaRPr>
+          </a:p>
+          <a:p>
+            <a:pPr marL="914400">
+              <a:lnSpc>
+                <a:spcPct val="115000"/>
+              </a:lnSpc>
+              <a:spcAft>
+                <a:spcPts val="0"/>
+              </a:spcAft>
+            </a:pPr>
+            <a:r>
+              <a:rPr lang="en-US" sz="1800" smtClean="0">
+                <a:effectLst/>
+                <a:latin typeface="Times New Roman"/>
+                <a:ea typeface="Calibri"/>
+              </a:rPr>
+              <a:t>++ UserController sẽ gọi đến phương thức getInfoUser() của lớp UserDAO thông qua lớp UserService, tại phương thức getInfoUser() sẽ thực hiện truy vấn xuống cơ sở dữ liệu để lấy dữ liệu lên. Nếu thành công, hàm getInfoUser() sẽ trả về kết quả true và nội dung sẽ được hiển thị lên trang thông tin tài khoản. Nếu thất bại, hàm getInfoUser() sẽ trả về kết quả false, trang thông tin tài khoản sẽ không có nội dung hiển thị</a:t>
+            </a:r>
+            <a:endParaRPr lang="en-US" sz="2800" smtClean="0">
+              <a:effectLst/>
+              <a:latin typeface="Times New Roman"/>
+              <a:ea typeface="Calibri"/>
+            </a:endParaRPr>
+          </a:p>
+          <a:p>
+            <a:pPr marL="685800">
+              <a:lnSpc>
+                <a:spcPct val="115000"/>
+              </a:lnSpc>
+              <a:spcAft>
+                <a:spcPts val="1000"/>
+              </a:spcAft>
+            </a:pPr>
+            <a:r>
+              <a:rPr lang="en-US" sz="1800" smtClean="0">
+                <a:effectLst/>
+                <a:latin typeface="Times New Roman"/>
+                <a:ea typeface="Calibri"/>
+              </a:rPr>
+              <a:t> </a:t>
+            </a:r>
+            <a:endParaRPr lang="en-US" sz="2800" smtClean="0">
+              <a:effectLst/>
+              <a:latin typeface="Times New Roman"/>
+              <a:ea typeface="Calibri"/>
+            </a:endParaRPr>
+          </a:p>
+          <a:p>
+            <a:pPr marL="457200">
+              <a:lnSpc>
+                <a:spcPct val="115000"/>
+              </a:lnSpc>
+              <a:spcAft>
+                <a:spcPts val="1000"/>
+              </a:spcAft>
+            </a:pPr>
+            <a:r>
+              <a:rPr lang="en-US" sz="1800" smtClean="0">
+                <a:effectLst/>
+                <a:latin typeface="Times New Roman"/>
+                <a:ea typeface="Calibri"/>
+              </a:rPr>
+              <a:t>Dòng sự kiện ngoai lệ:</a:t>
+            </a:r>
+            <a:endParaRPr lang="en-US" sz="2800" smtClean="0">
+              <a:effectLst/>
+              <a:latin typeface="Times New Roman"/>
+              <a:ea typeface="Calibri"/>
+            </a:endParaRPr>
+          </a:p>
+          <a:p>
+            <a:pPr marL="457200">
+              <a:lnSpc>
+                <a:spcPct val="115000"/>
+              </a:lnSpc>
+              <a:spcAft>
+                <a:spcPts val="1000"/>
+              </a:spcAft>
+            </a:pPr>
+            <a:r>
+              <a:rPr lang="en-US" sz="1800" smtClean="0">
+                <a:effectLst/>
+                <a:latin typeface="Times New Roman"/>
+                <a:ea typeface="Calibri"/>
+              </a:rPr>
+              <a:t>[ admin thoát ra trong lúc đang nhập thông tin tài khoản trong chức năng thêm tài khoản ]</a:t>
+            </a:r>
+            <a:endParaRPr lang="en-US" sz="2800" smtClean="0">
+              <a:effectLst/>
+              <a:latin typeface="Times New Roman"/>
+              <a:ea typeface="Calibri"/>
+            </a:endParaRPr>
+          </a:p>
+          <a:p>
+            <a:pPr marL="342900" lvl="0" indent="-342900">
+              <a:lnSpc>
+                <a:spcPct val="115000"/>
+              </a:lnSpc>
+              <a:spcAft>
+                <a:spcPts val="1000"/>
+              </a:spcAft>
+              <a:buFont typeface="Times New Roman"/>
+              <a:buChar char="-"/>
+            </a:pPr>
+            <a:r>
+              <a:rPr lang="en-US" sz="1800" smtClean="0">
+                <a:effectLst/>
+                <a:latin typeface="Times New Roman"/>
+                <a:ea typeface="Calibri"/>
+              </a:rPr>
+              <a:t>Tất cả dữ liệu mà admin nhập sẽ bị mất và không được lưu xuống cơ sở dữ  liệu</a:t>
+            </a:r>
+            <a:endParaRPr lang="en-US" sz="2800">
+              <a:effectLst/>
+              <a:latin typeface="Times New Roman"/>
+              <a:ea typeface="Calibri"/>
+            </a:endParaRPr>
           </a:p>
         </p:txBody>
       </p:sp>
@@ -4551,7 +5600,7 @@
           <a:p>
             <a:fld id="{166BE8A9-1332-43C3-9C65-C26D4AF875E6}" type="slidenum">
               <a:rPr lang="en-US" smtClean="0"/>
-              <a:t>19</a:t>
+              <a:t>15</a:t>
             </a:fld>
             <a:endParaRPr lang="en-US"/>
           </a:p>
@@ -4560,7 +5609,7 @@
     </p:spTree>
     <p:extLst>
       <p:ext uri="{BB962C8B-B14F-4D97-AF65-F5344CB8AC3E}">
-        <p14:creationId xmlns:p14="http://schemas.microsoft.com/office/powerpoint/2010/main" val="24994863"/>
+        <p14:creationId xmlns:p14="http://schemas.microsoft.com/office/powerpoint/2010/main" val="2317970178"/>
       </p:ext>
     </p:extLst>
   </p:cSld>
@@ -4635,7 +5684,7 @@
           <a:p>
             <a:fld id="{166BE8A9-1332-43C3-9C65-C26D4AF875E6}" type="slidenum">
               <a:rPr lang="en-US" smtClean="0"/>
-              <a:t>21</a:t>
+              <a:t>20</a:t>
             </a:fld>
             <a:endParaRPr lang="en-US"/>
           </a:p>
@@ -4644,7 +5693,7 @@
     </p:spTree>
     <p:extLst>
       <p:ext uri="{BB962C8B-B14F-4D97-AF65-F5344CB8AC3E}">
-        <p14:creationId xmlns:p14="http://schemas.microsoft.com/office/powerpoint/2010/main" val="630945857"/>
+        <p14:creationId xmlns:p14="http://schemas.microsoft.com/office/powerpoint/2010/main" val="2915572047"/>
       </p:ext>
     </p:extLst>
   </p:cSld>
@@ -4719,7 +5768,7 @@
           <a:p>
             <a:fld id="{166BE8A9-1332-43C3-9C65-C26D4AF875E6}" type="slidenum">
               <a:rPr lang="en-US" smtClean="0"/>
-              <a:t>22</a:t>
+              <a:t>21</a:t>
             </a:fld>
             <a:endParaRPr lang="en-US"/>
           </a:p>
@@ -4728,7 +5777,7 @@
     </p:spTree>
     <p:extLst>
       <p:ext uri="{BB962C8B-B14F-4D97-AF65-F5344CB8AC3E}">
-        <p14:creationId xmlns:p14="http://schemas.microsoft.com/office/powerpoint/2010/main" val="3920445102"/>
+        <p14:creationId xmlns:p14="http://schemas.microsoft.com/office/powerpoint/2010/main" val="24994863"/>
       </p:ext>
     </p:extLst>
   </p:cSld>
@@ -4803,7 +5852,7 @@
           <a:p>
             <a:fld id="{166BE8A9-1332-43C3-9C65-C26D4AF875E6}" type="slidenum">
               <a:rPr lang="en-US" smtClean="0"/>
-              <a:t>23</a:t>
+              <a:t>22</a:t>
             </a:fld>
             <a:endParaRPr lang="en-US"/>
           </a:p>
@@ -4812,7 +5861,7 @@
     </p:spTree>
     <p:extLst>
       <p:ext uri="{BB962C8B-B14F-4D97-AF65-F5344CB8AC3E}">
-        <p14:creationId xmlns:p14="http://schemas.microsoft.com/office/powerpoint/2010/main" val="3725086258"/>
+        <p14:creationId xmlns:p14="http://schemas.microsoft.com/office/powerpoint/2010/main" val="24994863"/>
       </p:ext>
     </p:extLst>
   </p:cSld>
@@ -4887,7 +5936,7 @@
           <a:p>
             <a:fld id="{166BE8A9-1332-43C3-9C65-C26D4AF875E6}" type="slidenum">
               <a:rPr lang="en-US" smtClean="0"/>
-              <a:t>24</a:t>
+              <a:t>23</a:t>
             </a:fld>
             <a:endParaRPr lang="en-US"/>
           </a:p>
@@ -4896,7 +5945,7 @@
     </p:spTree>
     <p:extLst>
       <p:ext uri="{BB962C8B-B14F-4D97-AF65-F5344CB8AC3E}">
-        <p14:creationId xmlns:p14="http://schemas.microsoft.com/office/powerpoint/2010/main" val="4255423172"/>
+        <p14:creationId xmlns:p14="http://schemas.microsoft.com/office/powerpoint/2010/main" val="24994863"/>
       </p:ext>
     </p:extLst>
   </p:cSld>
@@ -4950,10 +5999,7 @@
           <a:bodyPr/>
           <a:lstStyle/>
           <a:p>
-            <a:r>
-              <a:rPr lang="en-US"/>
-              <a:t> 	</a:t>
-            </a:r>
+            <a:endParaRPr lang="en-US"/>
           </a:p>
         </p:txBody>
       </p:sp>
@@ -4983,7 +6029,7 @@
     </p:spTree>
     <p:extLst>
       <p:ext uri="{BB962C8B-B14F-4D97-AF65-F5344CB8AC3E}">
-        <p14:creationId xmlns:p14="http://schemas.microsoft.com/office/powerpoint/2010/main" val="487346144"/>
+        <p14:creationId xmlns:p14="http://schemas.microsoft.com/office/powerpoint/2010/main" val="630945857"/>
       </p:ext>
     </p:extLst>
   </p:cSld>
@@ -5037,10 +6083,7 @@
           <a:bodyPr/>
           <a:lstStyle/>
           <a:p>
-            <a:r>
-              <a:rPr lang="en-US"/>
-              <a:t> 	</a:t>
-            </a:r>
+            <a:endParaRPr lang="en-US"/>
           </a:p>
         </p:txBody>
       </p:sp>
@@ -5070,7 +6113,7 @@
     </p:spTree>
     <p:extLst>
       <p:ext uri="{BB962C8B-B14F-4D97-AF65-F5344CB8AC3E}">
-        <p14:creationId xmlns:p14="http://schemas.microsoft.com/office/powerpoint/2010/main" val="2955633292"/>
+        <p14:creationId xmlns:p14="http://schemas.microsoft.com/office/powerpoint/2010/main" val="3920445102"/>
       </p:ext>
     </p:extLst>
   </p:cSld>
@@ -5124,10 +6167,7 @@
           <a:bodyPr/>
           <a:lstStyle/>
           <a:p>
-            <a:r>
-              <a:rPr lang="en-US"/>
-              <a:t> 	</a:t>
-            </a:r>
+            <a:endParaRPr lang="en-US"/>
           </a:p>
         </p:txBody>
       </p:sp>
@@ -5157,7 +6197,7 @@
     </p:spTree>
     <p:extLst>
       <p:ext uri="{BB962C8B-B14F-4D97-AF65-F5344CB8AC3E}">
-        <p14:creationId xmlns:p14="http://schemas.microsoft.com/office/powerpoint/2010/main" val="565211193"/>
+        <p14:creationId xmlns:p14="http://schemas.microsoft.com/office/powerpoint/2010/main" val="3725086258"/>
       </p:ext>
     </p:extLst>
   </p:cSld>
@@ -5211,10 +6251,7 @@
           <a:bodyPr/>
           <a:lstStyle/>
           <a:p>
-            <a:r>
-              <a:rPr lang="en-US"/>
-              <a:t> 	</a:t>
-            </a:r>
+            <a:endParaRPr lang="en-US"/>
           </a:p>
         </p:txBody>
       </p:sp>
@@ -5244,7 +6281,7 @@
     </p:spTree>
     <p:extLst>
       <p:ext uri="{BB962C8B-B14F-4D97-AF65-F5344CB8AC3E}">
-        <p14:creationId xmlns:p14="http://schemas.microsoft.com/office/powerpoint/2010/main" val="2293103747"/>
+        <p14:creationId xmlns:p14="http://schemas.microsoft.com/office/powerpoint/2010/main" val="4255423172"/>
       </p:ext>
     </p:extLst>
   </p:cSld>
@@ -5416,6 +6453,354 @@
             <a:fld id="{166BE8A9-1332-43C3-9C65-C26D4AF875E6}" type="slidenum">
               <a:rPr lang="en-US" smtClean="0"/>
               <a:t>29</a:t>
+            </a:fld>
+            <a:endParaRPr lang="en-US"/>
+          </a:p>
+        </p:txBody>
+      </p:sp>
+    </p:spTree>
+    <p:extLst>
+      <p:ext uri="{BB962C8B-B14F-4D97-AF65-F5344CB8AC3E}">
+        <p14:creationId xmlns:p14="http://schemas.microsoft.com/office/powerpoint/2010/main" val="487346144"/>
+      </p:ext>
+    </p:extLst>
+  </p:cSld>
+  <p:clrMapOvr>
+    <a:masterClrMapping/>
+  </p:clrMapOvr>
+</p:notes>
+</file>
+
+<file path=ppt/notesSlides/notesSlide21.xml><?xml version="1.0" encoding="utf-8"?>
+<p:notes xmlns:a="http://schemas.openxmlformats.org/drawingml/2006/main" xmlns:r="http://schemas.openxmlformats.org/officeDocument/2006/relationships" xmlns:p="http://schemas.openxmlformats.org/presentationml/2006/main">
+  <p:cSld>
+    <p:spTree>
+      <p:nvGrpSpPr>
+        <p:cNvPr id="1" name=""/>
+        <p:cNvGrpSpPr/>
+        <p:nvPr/>
+      </p:nvGrpSpPr>
+      <p:grpSpPr>
+        <a:xfrm>
+          <a:off x="0" y="0"/>
+          <a:ext cx="0" cy="0"/>
+          <a:chOff x="0" y="0"/>
+          <a:chExt cx="0" cy="0"/>
+        </a:xfrm>
+      </p:grpSpPr>
+      <p:sp>
+        <p:nvSpPr>
+          <p:cNvPr id="2" name="Slide Image Placeholder 1"/>
+          <p:cNvSpPr>
+            <a:spLocks noGrp="1" noRot="1" noChangeAspect="1"/>
+          </p:cNvSpPr>
+          <p:nvPr>
+            <p:ph type="sldImg"/>
+          </p:nvPr>
+        </p:nvSpPr>
+        <p:spPr/>
+      </p:sp>
+      <p:sp>
+        <p:nvSpPr>
+          <p:cNvPr id="3" name="Notes Placeholder 2"/>
+          <p:cNvSpPr>
+            <a:spLocks noGrp="1"/>
+          </p:cNvSpPr>
+          <p:nvPr>
+            <p:ph type="body" idx="1"/>
+          </p:nvPr>
+        </p:nvSpPr>
+        <p:spPr/>
+        <p:txBody>
+          <a:bodyPr/>
+          <a:lstStyle/>
+          <a:p>
+            <a:r>
+              <a:rPr lang="en-US"/>
+              <a:t> 	</a:t>
+            </a:r>
+          </a:p>
+        </p:txBody>
+      </p:sp>
+      <p:sp>
+        <p:nvSpPr>
+          <p:cNvPr id="4" name="Slide Number Placeholder 3"/>
+          <p:cNvSpPr>
+            <a:spLocks noGrp="1"/>
+          </p:cNvSpPr>
+          <p:nvPr>
+            <p:ph type="sldNum" sz="quarter" idx="5"/>
+          </p:nvPr>
+        </p:nvSpPr>
+        <p:spPr/>
+        <p:txBody>
+          <a:bodyPr/>
+          <a:lstStyle/>
+          <a:p>
+            <a:fld id="{166BE8A9-1332-43C3-9C65-C26D4AF875E6}" type="slidenum">
+              <a:rPr lang="en-US" smtClean="0"/>
+              <a:t>30</a:t>
+            </a:fld>
+            <a:endParaRPr lang="en-US"/>
+          </a:p>
+        </p:txBody>
+      </p:sp>
+    </p:spTree>
+    <p:extLst>
+      <p:ext uri="{BB962C8B-B14F-4D97-AF65-F5344CB8AC3E}">
+        <p14:creationId xmlns:p14="http://schemas.microsoft.com/office/powerpoint/2010/main" val="2955633292"/>
+      </p:ext>
+    </p:extLst>
+  </p:cSld>
+  <p:clrMapOvr>
+    <a:masterClrMapping/>
+  </p:clrMapOvr>
+</p:notes>
+</file>
+
+<file path=ppt/notesSlides/notesSlide22.xml><?xml version="1.0" encoding="utf-8"?>
+<p:notes xmlns:a="http://schemas.openxmlformats.org/drawingml/2006/main" xmlns:r="http://schemas.openxmlformats.org/officeDocument/2006/relationships" xmlns:p="http://schemas.openxmlformats.org/presentationml/2006/main">
+  <p:cSld>
+    <p:spTree>
+      <p:nvGrpSpPr>
+        <p:cNvPr id="1" name=""/>
+        <p:cNvGrpSpPr/>
+        <p:nvPr/>
+      </p:nvGrpSpPr>
+      <p:grpSpPr>
+        <a:xfrm>
+          <a:off x="0" y="0"/>
+          <a:ext cx="0" cy="0"/>
+          <a:chOff x="0" y="0"/>
+          <a:chExt cx="0" cy="0"/>
+        </a:xfrm>
+      </p:grpSpPr>
+      <p:sp>
+        <p:nvSpPr>
+          <p:cNvPr id="2" name="Slide Image Placeholder 1"/>
+          <p:cNvSpPr>
+            <a:spLocks noGrp="1" noRot="1" noChangeAspect="1"/>
+          </p:cNvSpPr>
+          <p:nvPr>
+            <p:ph type="sldImg"/>
+          </p:nvPr>
+        </p:nvSpPr>
+        <p:spPr/>
+      </p:sp>
+      <p:sp>
+        <p:nvSpPr>
+          <p:cNvPr id="3" name="Notes Placeholder 2"/>
+          <p:cNvSpPr>
+            <a:spLocks noGrp="1"/>
+          </p:cNvSpPr>
+          <p:nvPr>
+            <p:ph type="body" idx="1"/>
+          </p:nvPr>
+        </p:nvSpPr>
+        <p:spPr/>
+        <p:txBody>
+          <a:bodyPr/>
+          <a:lstStyle/>
+          <a:p>
+            <a:r>
+              <a:rPr lang="en-US"/>
+              <a:t> 	</a:t>
+            </a:r>
+          </a:p>
+        </p:txBody>
+      </p:sp>
+      <p:sp>
+        <p:nvSpPr>
+          <p:cNvPr id="4" name="Slide Number Placeholder 3"/>
+          <p:cNvSpPr>
+            <a:spLocks noGrp="1"/>
+          </p:cNvSpPr>
+          <p:nvPr>
+            <p:ph type="sldNum" sz="quarter" idx="5"/>
+          </p:nvPr>
+        </p:nvSpPr>
+        <p:spPr/>
+        <p:txBody>
+          <a:bodyPr/>
+          <a:lstStyle/>
+          <a:p>
+            <a:fld id="{166BE8A9-1332-43C3-9C65-C26D4AF875E6}" type="slidenum">
+              <a:rPr lang="en-US" smtClean="0"/>
+              <a:t>31</a:t>
+            </a:fld>
+            <a:endParaRPr lang="en-US"/>
+          </a:p>
+        </p:txBody>
+      </p:sp>
+    </p:spTree>
+    <p:extLst>
+      <p:ext uri="{BB962C8B-B14F-4D97-AF65-F5344CB8AC3E}">
+        <p14:creationId xmlns:p14="http://schemas.microsoft.com/office/powerpoint/2010/main" val="565211193"/>
+      </p:ext>
+    </p:extLst>
+  </p:cSld>
+  <p:clrMapOvr>
+    <a:masterClrMapping/>
+  </p:clrMapOvr>
+</p:notes>
+</file>
+
+<file path=ppt/notesSlides/notesSlide23.xml><?xml version="1.0" encoding="utf-8"?>
+<p:notes xmlns:a="http://schemas.openxmlformats.org/drawingml/2006/main" xmlns:r="http://schemas.openxmlformats.org/officeDocument/2006/relationships" xmlns:p="http://schemas.openxmlformats.org/presentationml/2006/main">
+  <p:cSld>
+    <p:spTree>
+      <p:nvGrpSpPr>
+        <p:cNvPr id="1" name=""/>
+        <p:cNvGrpSpPr/>
+        <p:nvPr/>
+      </p:nvGrpSpPr>
+      <p:grpSpPr>
+        <a:xfrm>
+          <a:off x="0" y="0"/>
+          <a:ext cx="0" cy="0"/>
+          <a:chOff x="0" y="0"/>
+          <a:chExt cx="0" cy="0"/>
+        </a:xfrm>
+      </p:grpSpPr>
+      <p:sp>
+        <p:nvSpPr>
+          <p:cNvPr id="2" name="Slide Image Placeholder 1"/>
+          <p:cNvSpPr>
+            <a:spLocks noGrp="1" noRot="1" noChangeAspect="1"/>
+          </p:cNvSpPr>
+          <p:nvPr>
+            <p:ph type="sldImg"/>
+          </p:nvPr>
+        </p:nvSpPr>
+        <p:spPr/>
+      </p:sp>
+      <p:sp>
+        <p:nvSpPr>
+          <p:cNvPr id="3" name="Notes Placeholder 2"/>
+          <p:cNvSpPr>
+            <a:spLocks noGrp="1"/>
+          </p:cNvSpPr>
+          <p:nvPr>
+            <p:ph type="body" idx="1"/>
+          </p:nvPr>
+        </p:nvSpPr>
+        <p:spPr/>
+        <p:txBody>
+          <a:bodyPr/>
+          <a:lstStyle/>
+          <a:p>
+            <a:r>
+              <a:rPr lang="en-US"/>
+              <a:t> 	</a:t>
+            </a:r>
+          </a:p>
+        </p:txBody>
+      </p:sp>
+      <p:sp>
+        <p:nvSpPr>
+          <p:cNvPr id="4" name="Slide Number Placeholder 3"/>
+          <p:cNvSpPr>
+            <a:spLocks noGrp="1"/>
+          </p:cNvSpPr>
+          <p:nvPr>
+            <p:ph type="sldNum" sz="quarter" idx="5"/>
+          </p:nvPr>
+        </p:nvSpPr>
+        <p:spPr/>
+        <p:txBody>
+          <a:bodyPr/>
+          <a:lstStyle/>
+          <a:p>
+            <a:fld id="{166BE8A9-1332-43C3-9C65-C26D4AF875E6}" type="slidenum">
+              <a:rPr lang="en-US" smtClean="0"/>
+              <a:t>32</a:t>
+            </a:fld>
+            <a:endParaRPr lang="en-US"/>
+          </a:p>
+        </p:txBody>
+      </p:sp>
+    </p:spTree>
+    <p:extLst>
+      <p:ext uri="{BB962C8B-B14F-4D97-AF65-F5344CB8AC3E}">
+        <p14:creationId xmlns:p14="http://schemas.microsoft.com/office/powerpoint/2010/main" val="2293103747"/>
+      </p:ext>
+    </p:extLst>
+  </p:cSld>
+  <p:clrMapOvr>
+    <a:masterClrMapping/>
+  </p:clrMapOvr>
+</p:notes>
+</file>
+
+<file path=ppt/notesSlides/notesSlide24.xml><?xml version="1.0" encoding="utf-8"?>
+<p:notes xmlns:a="http://schemas.openxmlformats.org/drawingml/2006/main" xmlns:r="http://schemas.openxmlformats.org/officeDocument/2006/relationships" xmlns:p="http://schemas.openxmlformats.org/presentationml/2006/main">
+  <p:cSld>
+    <p:spTree>
+      <p:nvGrpSpPr>
+        <p:cNvPr id="1" name=""/>
+        <p:cNvGrpSpPr/>
+        <p:nvPr/>
+      </p:nvGrpSpPr>
+      <p:grpSpPr>
+        <a:xfrm>
+          <a:off x="0" y="0"/>
+          <a:ext cx="0" cy="0"/>
+          <a:chOff x="0" y="0"/>
+          <a:chExt cx="0" cy="0"/>
+        </a:xfrm>
+      </p:grpSpPr>
+      <p:sp>
+        <p:nvSpPr>
+          <p:cNvPr id="2" name="Slide Image Placeholder 1"/>
+          <p:cNvSpPr>
+            <a:spLocks noGrp="1" noRot="1" noChangeAspect="1"/>
+          </p:cNvSpPr>
+          <p:nvPr>
+            <p:ph type="sldImg"/>
+          </p:nvPr>
+        </p:nvSpPr>
+        <p:spPr/>
+      </p:sp>
+      <p:sp>
+        <p:nvSpPr>
+          <p:cNvPr id="3" name="Notes Placeholder 2"/>
+          <p:cNvSpPr>
+            <a:spLocks noGrp="1"/>
+          </p:cNvSpPr>
+          <p:nvPr>
+            <p:ph type="body" idx="1"/>
+          </p:nvPr>
+        </p:nvSpPr>
+        <p:spPr/>
+        <p:txBody>
+          <a:bodyPr/>
+          <a:lstStyle/>
+          <a:p>
+            <a:r>
+              <a:rPr lang="en-US"/>
+              <a:t> 	</a:t>
+            </a:r>
+          </a:p>
+        </p:txBody>
+      </p:sp>
+      <p:sp>
+        <p:nvSpPr>
+          <p:cNvPr id="4" name="Slide Number Placeholder 3"/>
+          <p:cNvSpPr>
+            <a:spLocks noGrp="1"/>
+          </p:cNvSpPr>
+          <p:nvPr>
+            <p:ph type="sldNum" sz="quarter" idx="5"/>
+          </p:nvPr>
+        </p:nvSpPr>
+        <p:spPr/>
+        <p:txBody>
+          <a:bodyPr/>
+          <a:lstStyle/>
+          <a:p>
+            <a:fld id="{166BE8A9-1332-43C3-9C65-C26D4AF875E6}" type="slidenum">
+              <a:rPr lang="en-US" smtClean="0"/>
+              <a:t>33</a:t>
             </a:fld>
             <a:endParaRPr lang="en-US"/>
           </a:p>
@@ -9044,7 +10429,7 @@
           <a:p>
             <a:fld id="{63A1C593-65D0-4073-BCC9-577B9352EA97}" type="datetimeFigureOut">
               <a:rPr lang="en-US" smtClean="0"/>
-              <a:t>6/26/2021</a:t>
+              <a:t>6/27/2021</a:t>
             </a:fld>
             <a:endParaRPr lang="en-US"/>
           </a:p>
@@ -9340,7 +10725,7 @@
           <a:p>
             <a:fld id="{63A1C593-65D0-4073-BCC9-577B9352EA97}" type="datetimeFigureOut">
               <a:rPr lang="en-US" smtClean="0"/>
-              <a:t>6/26/2021</a:t>
+              <a:t>6/27/2021</a:t>
             </a:fld>
             <a:endParaRPr lang="en-US"/>
           </a:p>
@@ -9588,7 +10973,7 @@
           <a:p>
             <a:fld id="{63A1C593-65D0-4073-BCC9-577B9352EA97}" type="datetimeFigureOut">
               <a:rPr lang="en-US" smtClean="0"/>
-              <a:t>6/26/2021</a:t>
+              <a:t>6/27/2021</a:t>
             </a:fld>
             <a:endParaRPr lang="en-US"/>
           </a:p>
@@ -10128,7 +11513,7 @@
           <a:p>
             <a:fld id="{63A1C593-65D0-4073-BCC9-577B9352EA97}" type="datetimeFigureOut">
               <a:rPr lang="en-US" smtClean="0"/>
-              <a:t>6/26/2021</a:t>
+              <a:t>6/27/2021</a:t>
             </a:fld>
             <a:endParaRPr lang="en-US"/>
           </a:p>
@@ -10376,7 +11761,7 @@
           <a:p>
             <a:fld id="{63A1C593-65D0-4073-BCC9-577B9352EA97}" type="datetimeFigureOut">
               <a:rPr lang="en-US" smtClean="0"/>
-              <a:t>6/26/2021</a:t>
+              <a:t>6/27/2021</a:t>
             </a:fld>
             <a:endParaRPr lang="en-US"/>
           </a:p>
@@ -10908,7 +12293,7 @@
           <a:p>
             <a:fld id="{63A1C593-65D0-4073-BCC9-577B9352EA97}" type="datetimeFigureOut">
               <a:rPr lang="en-US" smtClean="0"/>
-              <a:t>6/26/2021</a:t>
+              <a:t>6/27/2021</a:t>
             </a:fld>
             <a:endParaRPr lang="en-US"/>
           </a:p>
@@ -11205,7 +12590,7 @@
           <a:p>
             <a:fld id="{63A1C593-65D0-4073-BCC9-577B9352EA97}" type="datetimeFigureOut">
               <a:rPr lang="en-US" smtClean="0"/>
-              <a:t>6/26/2021</a:t>
+              <a:t>6/27/2021</a:t>
             </a:fld>
             <a:endParaRPr lang="en-US"/>
           </a:p>
@@ -11379,7 +12764,7 @@
           <a:p>
             <a:fld id="{63A1C593-65D0-4073-BCC9-577B9352EA97}" type="datetimeFigureOut">
               <a:rPr lang="en-US" smtClean="0"/>
-              <a:t>6/26/2021</a:t>
+              <a:t>6/27/2021</a:t>
             </a:fld>
             <a:endParaRPr lang="en-US"/>
           </a:p>
@@ -11559,7 +12944,7 @@
           <a:p>
             <a:fld id="{63A1C593-65D0-4073-BCC9-577B9352EA97}" type="datetimeFigureOut">
               <a:rPr lang="en-US" smtClean="0"/>
-              <a:t>6/26/2021</a:t>
+              <a:t>6/27/2021</a:t>
             </a:fld>
             <a:endParaRPr lang="en-US"/>
           </a:p>
@@ -11729,7 +13114,7 @@
           <a:p>
             <a:fld id="{63A1C593-65D0-4073-BCC9-577B9352EA97}" type="datetimeFigureOut">
               <a:rPr lang="en-US" smtClean="0"/>
-              <a:t>6/26/2021</a:t>
+              <a:t>6/27/2021</a:t>
             </a:fld>
             <a:endParaRPr lang="en-US"/>
           </a:p>
@@ -11980,7 +13365,7 @@
           <a:p>
             <a:fld id="{63A1C593-65D0-4073-BCC9-577B9352EA97}" type="datetimeFigureOut">
               <a:rPr lang="en-US" smtClean="0"/>
-              <a:t>6/26/2021</a:t>
+              <a:t>6/27/2021</a:t>
             </a:fld>
             <a:endParaRPr lang="en-US"/>
           </a:p>
@@ -12277,7 +13662,7 @@
           <a:p>
             <a:fld id="{63A1C593-65D0-4073-BCC9-577B9352EA97}" type="datetimeFigureOut">
               <a:rPr lang="en-US" smtClean="0"/>
-              <a:t>6/26/2021</a:t>
+              <a:t>6/27/2021</a:t>
             </a:fld>
             <a:endParaRPr lang="en-US"/>
           </a:p>
@@ -12719,7 +14104,7 @@
           <a:p>
             <a:fld id="{63A1C593-65D0-4073-BCC9-577B9352EA97}" type="datetimeFigureOut">
               <a:rPr lang="en-US" smtClean="0"/>
-              <a:t>6/26/2021</a:t>
+              <a:t>6/27/2021</a:t>
             </a:fld>
             <a:endParaRPr lang="en-US"/>
           </a:p>
@@ -12837,7 +14222,7 @@
           <a:p>
             <a:fld id="{63A1C593-65D0-4073-BCC9-577B9352EA97}" type="datetimeFigureOut">
               <a:rPr lang="en-US" smtClean="0"/>
-              <a:t>6/26/2021</a:t>
+              <a:t>6/27/2021</a:t>
             </a:fld>
             <a:endParaRPr lang="en-US"/>
           </a:p>
@@ -12932,7 +14317,7 @@
           <a:p>
             <a:fld id="{63A1C593-65D0-4073-BCC9-577B9352EA97}" type="datetimeFigureOut">
               <a:rPr lang="en-US" smtClean="0"/>
-              <a:t>6/26/2021</a:t>
+              <a:t>6/27/2021</a:t>
             </a:fld>
             <a:endParaRPr lang="en-US"/>
           </a:p>
@@ -13215,7 +14600,7 @@
           <a:p>
             <a:fld id="{63A1C593-65D0-4073-BCC9-577B9352EA97}" type="datetimeFigureOut">
               <a:rPr lang="en-US" smtClean="0"/>
-              <a:t>6/26/2021</a:t>
+              <a:t>6/27/2021</a:t>
             </a:fld>
             <a:endParaRPr lang="en-US"/>
           </a:p>
@@ -13506,7 +14891,7 @@
           <a:p>
             <a:fld id="{63A1C593-65D0-4073-BCC9-577B9352EA97}" type="datetimeFigureOut">
               <a:rPr lang="en-US" smtClean="0"/>
-              <a:t>6/26/2021</a:t>
+              <a:t>6/27/2021</a:t>
             </a:fld>
             <a:endParaRPr lang="en-US"/>
           </a:p>
@@ -14036,7 +15421,7 @@
           <a:p>
             <a:fld id="{63A1C593-65D0-4073-BCC9-577B9352EA97}" type="datetimeFigureOut">
               <a:rPr lang="en-US" smtClean="0"/>
-              <a:t>6/26/2021</a:t>
+              <a:t>6/27/2021</a:t>
             </a:fld>
             <a:endParaRPr lang="en-US"/>
           </a:p>
@@ -14572,7 +15957,7 @@
           <p:cNvPr id="6" name="TextBox 5">
             <a:extLst>
               <a:ext uri="{FF2B5EF4-FFF2-40B4-BE49-F238E27FC236}">
-                <a16:creationId xmlns:a16="http://schemas.microsoft.com/office/drawing/2014/main" id="{38364822-089D-41A9-ADF6-157234011E30}"/>
+                <a16:creationId xmlns:a16="http://schemas.microsoft.com/office/drawing/2014/main" xmlns="" id="{38364822-089D-41A9-ADF6-157234011E30}"/>
               </a:ext>
             </a:extLst>
           </p:cNvPr>
@@ -14617,7 +16002,7 @@
           <p:cNvPr id="7" name="TextBox 6">
             <a:extLst>
               <a:ext uri="{FF2B5EF4-FFF2-40B4-BE49-F238E27FC236}">
-                <a16:creationId xmlns:a16="http://schemas.microsoft.com/office/drawing/2014/main" id="{7D08F386-C914-455C-BB45-46D72B781C69}"/>
+                <a16:creationId xmlns:a16="http://schemas.microsoft.com/office/drawing/2014/main" xmlns="" id="{7D08F386-C914-455C-BB45-46D72B781C69}"/>
               </a:ext>
             </a:extLst>
           </p:cNvPr>
@@ -14676,7 +16061,7 @@
           <p:cNvPr id="8" name="TextBox 7">
             <a:extLst>
               <a:ext uri="{FF2B5EF4-FFF2-40B4-BE49-F238E27FC236}">
-                <a16:creationId xmlns:a16="http://schemas.microsoft.com/office/drawing/2014/main" id="{C1BF191A-8D86-4C83-9349-26848CAB14EA}"/>
+                <a16:creationId xmlns:a16="http://schemas.microsoft.com/office/drawing/2014/main" xmlns="" id="{C1BF191A-8D86-4C83-9349-26848CAB14EA}"/>
               </a:ext>
             </a:extLst>
           </p:cNvPr>
@@ -14714,7 +16099,7 @@
           <p:cNvPr id="9" name="TextBox 8">
             <a:extLst>
               <a:ext uri="{FF2B5EF4-FFF2-40B4-BE49-F238E27FC236}">
-                <a16:creationId xmlns:a16="http://schemas.microsoft.com/office/drawing/2014/main" id="{BC40FD19-2F22-4F39-8815-5C1CA1A5D59A}"/>
+                <a16:creationId xmlns:a16="http://schemas.microsoft.com/office/drawing/2014/main" xmlns="" id="{BC40FD19-2F22-4F39-8815-5C1CA1A5D59A}"/>
               </a:ext>
             </a:extLst>
           </p:cNvPr>
@@ -14782,7 +16167,7 @@
           <p:cNvPr id="2" name="Title 1">
             <a:extLst>
               <a:ext uri="{FF2B5EF4-FFF2-40B4-BE49-F238E27FC236}">
-                <a16:creationId xmlns:a16="http://schemas.microsoft.com/office/drawing/2014/main" id="{E116F976-27FA-4DD5-BD28-7EF577457ED5}"/>
+                <a16:creationId xmlns:a16="http://schemas.microsoft.com/office/drawing/2014/main" xmlns="" id="{E116F976-27FA-4DD5-BD28-7EF577457ED5}"/>
               </a:ext>
             </a:extLst>
           </p:cNvPr>
@@ -14816,7 +16201,7 @@
           <p:cNvPr id="3" name="Table 2">
             <a:extLst>
               <a:ext uri="{FF2B5EF4-FFF2-40B4-BE49-F238E27FC236}">
-                <a16:creationId xmlns:a16="http://schemas.microsoft.com/office/drawing/2014/main" id="{AA1A1271-2B29-42EA-AEBE-037A73C4A7E3}"/>
+                <a16:creationId xmlns:a16="http://schemas.microsoft.com/office/drawing/2014/main" xmlns="" id="{AA1A1271-2B29-42EA-AEBE-037A73C4A7E3}"/>
               </a:ext>
             </a:extLst>
           </p:cNvPr>
@@ -14845,14 +16230,14 @@
                 <a:gridCol w="1816913">
                   <a:extLst>
                     <a:ext uri="{9D8B030D-6E8A-4147-A177-3AD203B41FA5}">
-                      <a16:colId xmlns:a16="http://schemas.microsoft.com/office/drawing/2014/main" val="4214537579"/>
+                      <a16:colId xmlns:a16="http://schemas.microsoft.com/office/drawing/2014/main" xmlns="" val="4214537579"/>
                     </a:ext>
                   </a:extLst>
                 </a:gridCol>
                 <a:gridCol w="6282059">
                   <a:extLst>
                     <a:ext uri="{9D8B030D-6E8A-4147-A177-3AD203B41FA5}">
-                      <a16:colId xmlns:a16="http://schemas.microsoft.com/office/drawing/2014/main" val="2895862415"/>
+                      <a16:colId xmlns:a16="http://schemas.microsoft.com/office/drawing/2014/main" xmlns="" val="2895862415"/>
                     </a:ext>
                   </a:extLst>
                 </a:gridCol>
@@ -14916,7 +16301,7 @@
                 </a:tc>
                 <a:extLst>
                   <a:ext uri="{0D108BD9-81ED-4DB2-BD59-A6C34878D82A}">
-                    <a16:rowId xmlns:a16="http://schemas.microsoft.com/office/drawing/2014/main" val="2442260789"/>
+                    <a16:rowId xmlns:a16="http://schemas.microsoft.com/office/drawing/2014/main" xmlns="" val="2442260789"/>
                   </a:ext>
                 </a:extLst>
               </a:tr>
@@ -14979,7 +16364,7 @@
                 </a:tc>
                 <a:extLst>
                   <a:ext uri="{0D108BD9-81ED-4DB2-BD59-A6C34878D82A}">
-                    <a16:rowId xmlns:a16="http://schemas.microsoft.com/office/drawing/2014/main" val="4134017247"/>
+                    <a16:rowId xmlns:a16="http://schemas.microsoft.com/office/drawing/2014/main" xmlns="" val="4134017247"/>
                   </a:ext>
                 </a:extLst>
               </a:tr>
@@ -15042,7 +16427,7 @@
                 </a:tc>
                 <a:extLst>
                   <a:ext uri="{0D108BD9-81ED-4DB2-BD59-A6C34878D82A}">
-                    <a16:rowId xmlns:a16="http://schemas.microsoft.com/office/drawing/2014/main" val="3351590932"/>
+                    <a16:rowId xmlns:a16="http://schemas.microsoft.com/office/drawing/2014/main" xmlns="" val="3351590932"/>
                   </a:ext>
                 </a:extLst>
               </a:tr>
@@ -15105,7 +16490,7 @@
                 </a:tc>
                 <a:extLst>
                   <a:ext uri="{0D108BD9-81ED-4DB2-BD59-A6C34878D82A}">
-                    <a16:rowId xmlns:a16="http://schemas.microsoft.com/office/drawing/2014/main" val="3088046561"/>
+                    <a16:rowId xmlns:a16="http://schemas.microsoft.com/office/drawing/2014/main" xmlns="" val="3088046561"/>
                   </a:ext>
                 </a:extLst>
               </a:tr>
@@ -15168,7 +16553,7 @@
                 </a:tc>
                 <a:extLst>
                   <a:ext uri="{0D108BD9-81ED-4DB2-BD59-A6C34878D82A}">
-                    <a16:rowId xmlns:a16="http://schemas.microsoft.com/office/drawing/2014/main" val="4098163320"/>
+                    <a16:rowId xmlns:a16="http://schemas.microsoft.com/office/drawing/2014/main" xmlns="" val="4098163320"/>
                   </a:ext>
                 </a:extLst>
               </a:tr>
@@ -15231,7 +16616,7 @@
                 </a:tc>
                 <a:extLst>
                   <a:ext uri="{0D108BD9-81ED-4DB2-BD59-A6C34878D82A}">
-                    <a16:rowId xmlns:a16="http://schemas.microsoft.com/office/drawing/2014/main" val="1376022970"/>
+                    <a16:rowId xmlns:a16="http://schemas.microsoft.com/office/drawing/2014/main" xmlns="" val="1376022970"/>
                   </a:ext>
                 </a:extLst>
               </a:tr>
@@ -15274,7 +16659,7 @@
           <p:cNvPr id="2" name="Title 1">
             <a:extLst>
               <a:ext uri="{FF2B5EF4-FFF2-40B4-BE49-F238E27FC236}">
-                <a16:creationId xmlns:a16="http://schemas.microsoft.com/office/drawing/2014/main" id="{226B3B11-2069-4E0E-9B54-5D1611C6CEB5}"/>
+                <a16:creationId xmlns:a16="http://schemas.microsoft.com/office/drawing/2014/main" xmlns="" id="{226B3B11-2069-4E0E-9B54-5D1611C6CEB5}"/>
               </a:ext>
             </a:extLst>
           </p:cNvPr>
@@ -15308,7 +16693,7 @@
           <p:cNvPr id="3" name="Table 2">
             <a:extLst>
               <a:ext uri="{FF2B5EF4-FFF2-40B4-BE49-F238E27FC236}">
-                <a16:creationId xmlns:a16="http://schemas.microsoft.com/office/drawing/2014/main" id="{03924BAB-FB87-4CC7-87BC-2F62E85F69BA}"/>
+                <a16:creationId xmlns:a16="http://schemas.microsoft.com/office/drawing/2014/main" xmlns="" id="{03924BAB-FB87-4CC7-87BC-2F62E85F69BA}"/>
               </a:ext>
             </a:extLst>
           </p:cNvPr>
@@ -15337,14 +16722,14 @@
                 <a:gridCol w="2147264">
                   <a:extLst>
                     <a:ext uri="{9D8B030D-6E8A-4147-A177-3AD203B41FA5}">
-                      <a16:colId xmlns:a16="http://schemas.microsoft.com/office/drawing/2014/main" val="641265126"/>
+                      <a16:colId xmlns:a16="http://schemas.microsoft.com/office/drawing/2014/main" xmlns="" val="641265126"/>
                     </a:ext>
                   </a:extLst>
                 </a:gridCol>
                 <a:gridCol w="5527165">
                   <a:extLst>
                     <a:ext uri="{9D8B030D-6E8A-4147-A177-3AD203B41FA5}">
-                      <a16:colId xmlns:a16="http://schemas.microsoft.com/office/drawing/2014/main" val="2825853925"/>
+                      <a16:colId xmlns:a16="http://schemas.microsoft.com/office/drawing/2014/main" xmlns="" val="2825853925"/>
                     </a:ext>
                   </a:extLst>
                 </a:gridCol>
@@ -15408,7 +16793,7 @@
                 </a:tc>
                 <a:extLst>
                   <a:ext uri="{0D108BD9-81ED-4DB2-BD59-A6C34878D82A}">
-                    <a16:rowId xmlns:a16="http://schemas.microsoft.com/office/drawing/2014/main" val="4234619729"/>
+                    <a16:rowId xmlns:a16="http://schemas.microsoft.com/office/drawing/2014/main" xmlns="" val="4234619729"/>
                   </a:ext>
                 </a:extLst>
               </a:tr>
@@ -15471,7 +16856,7 @@
                 </a:tc>
                 <a:extLst>
                   <a:ext uri="{0D108BD9-81ED-4DB2-BD59-A6C34878D82A}">
-                    <a16:rowId xmlns:a16="http://schemas.microsoft.com/office/drawing/2014/main" val="2447354973"/>
+                    <a16:rowId xmlns:a16="http://schemas.microsoft.com/office/drawing/2014/main" xmlns="" val="2447354973"/>
                   </a:ext>
                 </a:extLst>
               </a:tr>
@@ -15534,7 +16919,7 @@
                 </a:tc>
                 <a:extLst>
                   <a:ext uri="{0D108BD9-81ED-4DB2-BD59-A6C34878D82A}">
-                    <a16:rowId xmlns:a16="http://schemas.microsoft.com/office/drawing/2014/main" val="3263370727"/>
+                    <a16:rowId xmlns:a16="http://schemas.microsoft.com/office/drawing/2014/main" xmlns="" val="3263370727"/>
                   </a:ext>
                 </a:extLst>
               </a:tr>
@@ -15597,7 +16982,7 @@
                 </a:tc>
                 <a:extLst>
                   <a:ext uri="{0D108BD9-81ED-4DB2-BD59-A6C34878D82A}">
-                    <a16:rowId xmlns:a16="http://schemas.microsoft.com/office/drawing/2014/main" val="676806107"/>
+                    <a16:rowId xmlns:a16="http://schemas.microsoft.com/office/drawing/2014/main" xmlns="" val="676806107"/>
                   </a:ext>
                 </a:extLst>
               </a:tr>
@@ -15660,7 +17045,7 @@
                 </a:tc>
                 <a:extLst>
                   <a:ext uri="{0D108BD9-81ED-4DB2-BD59-A6C34878D82A}">
-                    <a16:rowId xmlns:a16="http://schemas.microsoft.com/office/drawing/2014/main" val="1865154138"/>
+                    <a16:rowId xmlns:a16="http://schemas.microsoft.com/office/drawing/2014/main" xmlns="" val="1865154138"/>
                   </a:ext>
                 </a:extLst>
               </a:tr>
@@ -15723,7 +17108,7 @@
                 </a:tc>
                 <a:extLst>
                   <a:ext uri="{0D108BD9-81ED-4DB2-BD59-A6C34878D82A}">
-                    <a16:rowId xmlns:a16="http://schemas.microsoft.com/office/drawing/2014/main" val="2349520489"/>
+                    <a16:rowId xmlns:a16="http://schemas.microsoft.com/office/drawing/2014/main" xmlns="" val="2349520489"/>
                   </a:ext>
                 </a:extLst>
               </a:tr>
@@ -15766,7 +17151,7 @@
           <p:cNvPr id="2" name="Title 1">
             <a:extLst>
               <a:ext uri="{FF2B5EF4-FFF2-40B4-BE49-F238E27FC236}">
-                <a16:creationId xmlns:a16="http://schemas.microsoft.com/office/drawing/2014/main" id="{226B3B11-2069-4E0E-9B54-5D1611C6CEB5}"/>
+                <a16:creationId xmlns:a16="http://schemas.microsoft.com/office/drawing/2014/main" xmlns="" id="{226B3B11-2069-4E0E-9B54-5D1611C6CEB5}"/>
               </a:ext>
             </a:extLst>
           </p:cNvPr>
@@ -15800,7 +17185,7 @@
           <p:cNvPr id="3" name="Table 2">
             <a:extLst>
               <a:ext uri="{FF2B5EF4-FFF2-40B4-BE49-F238E27FC236}">
-                <a16:creationId xmlns:a16="http://schemas.microsoft.com/office/drawing/2014/main" id="{03924BAB-FB87-4CC7-87BC-2F62E85F69BA}"/>
+                <a16:creationId xmlns:a16="http://schemas.microsoft.com/office/drawing/2014/main" xmlns="" id="{03924BAB-FB87-4CC7-87BC-2F62E85F69BA}"/>
               </a:ext>
             </a:extLst>
           </p:cNvPr>
@@ -15829,14 +17214,14 @@
                 <a:gridCol w="2147264">
                   <a:extLst>
                     <a:ext uri="{9D8B030D-6E8A-4147-A177-3AD203B41FA5}">
-                      <a16:colId xmlns:a16="http://schemas.microsoft.com/office/drawing/2014/main" val="641265126"/>
+                      <a16:colId xmlns:a16="http://schemas.microsoft.com/office/drawing/2014/main" xmlns="" val="641265126"/>
                     </a:ext>
                   </a:extLst>
                 </a:gridCol>
                 <a:gridCol w="5527165">
                   <a:extLst>
                     <a:ext uri="{9D8B030D-6E8A-4147-A177-3AD203B41FA5}">
-                      <a16:colId xmlns:a16="http://schemas.microsoft.com/office/drawing/2014/main" val="2825853925"/>
+                      <a16:colId xmlns:a16="http://schemas.microsoft.com/office/drawing/2014/main" xmlns="" val="2825853925"/>
                     </a:ext>
                   </a:extLst>
                 </a:gridCol>
@@ -15900,7 +17285,7 @@
                 </a:tc>
                 <a:extLst>
                   <a:ext uri="{0D108BD9-81ED-4DB2-BD59-A6C34878D82A}">
-                    <a16:rowId xmlns:a16="http://schemas.microsoft.com/office/drawing/2014/main" val="4234619729"/>
+                    <a16:rowId xmlns:a16="http://schemas.microsoft.com/office/drawing/2014/main" xmlns="" val="4234619729"/>
                   </a:ext>
                 </a:extLst>
               </a:tr>
@@ -15963,7 +17348,7 @@
                 </a:tc>
                 <a:extLst>
                   <a:ext uri="{0D108BD9-81ED-4DB2-BD59-A6C34878D82A}">
-                    <a16:rowId xmlns:a16="http://schemas.microsoft.com/office/drawing/2014/main" val="2447354973"/>
+                    <a16:rowId xmlns:a16="http://schemas.microsoft.com/office/drawing/2014/main" xmlns="" val="2447354973"/>
                   </a:ext>
                 </a:extLst>
               </a:tr>
@@ -16026,7 +17411,7 @@
                 </a:tc>
                 <a:extLst>
                   <a:ext uri="{0D108BD9-81ED-4DB2-BD59-A6C34878D82A}">
-                    <a16:rowId xmlns:a16="http://schemas.microsoft.com/office/drawing/2014/main" val="3263370727"/>
+                    <a16:rowId xmlns:a16="http://schemas.microsoft.com/office/drawing/2014/main" xmlns="" val="3263370727"/>
                   </a:ext>
                 </a:extLst>
               </a:tr>
@@ -16091,7 +17476,7 @@
                 </a:tc>
                 <a:extLst>
                   <a:ext uri="{0D108BD9-81ED-4DB2-BD59-A6C34878D82A}">
-                    <a16:rowId xmlns:a16="http://schemas.microsoft.com/office/drawing/2014/main" val="676806107"/>
+                    <a16:rowId xmlns:a16="http://schemas.microsoft.com/office/drawing/2014/main" xmlns="" val="676806107"/>
                   </a:ext>
                 </a:extLst>
               </a:tr>
@@ -16154,7 +17539,7 @@
                 </a:tc>
                 <a:extLst>
                   <a:ext uri="{0D108BD9-81ED-4DB2-BD59-A6C34878D82A}">
-                    <a16:rowId xmlns:a16="http://schemas.microsoft.com/office/drawing/2014/main" val="1865154138"/>
+                    <a16:rowId xmlns:a16="http://schemas.microsoft.com/office/drawing/2014/main" xmlns="" val="1865154138"/>
                   </a:ext>
                 </a:extLst>
               </a:tr>
@@ -16219,7 +17604,7 @@
                 </a:tc>
                 <a:extLst>
                   <a:ext uri="{0D108BD9-81ED-4DB2-BD59-A6C34878D82A}">
-                    <a16:rowId xmlns:a16="http://schemas.microsoft.com/office/drawing/2014/main" val="2349520489"/>
+                    <a16:rowId xmlns:a16="http://schemas.microsoft.com/office/drawing/2014/main" xmlns="" val="2349520489"/>
                   </a:ext>
                 </a:extLst>
               </a:tr>
@@ -16262,7 +17647,7 @@
           <p:cNvPr id="2" name="Title 1">
             <a:extLst>
               <a:ext uri="{FF2B5EF4-FFF2-40B4-BE49-F238E27FC236}">
-                <a16:creationId xmlns:a16="http://schemas.microsoft.com/office/drawing/2014/main" id="{226B3B11-2069-4E0E-9B54-5D1611C6CEB5}"/>
+                <a16:creationId xmlns:a16="http://schemas.microsoft.com/office/drawing/2014/main" xmlns="" id="{226B3B11-2069-4E0E-9B54-5D1611C6CEB5}"/>
               </a:ext>
             </a:extLst>
           </p:cNvPr>
@@ -16296,7 +17681,7 @@
           <p:cNvPr id="3" name="Table 2">
             <a:extLst>
               <a:ext uri="{FF2B5EF4-FFF2-40B4-BE49-F238E27FC236}">
-                <a16:creationId xmlns:a16="http://schemas.microsoft.com/office/drawing/2014/main" id="{03924BAB-FB87-4CC7-87BC-2F62E85F69BA}"/>
+                <a16:creationId xmlns:a16="http://schemas.microsoft.com/office/drawing/2014/main" xmlns="" id="{03924BAB-FB87-4CC7-87BC-2F62E85F69BA}"/>
               </a:ext>
             </a:extLst>
           </p:cNvPr>
@@ -16325,14 +17710,14 @@
                 <a:gridCol w="2147264">
                   <a:extLst>
                     <a:ext uri="{9D8B030D-6E8A-4147-A177-3AD203B41FA5}">
-                      <a16:colId xmlns:a16="http://schemas.microsoft.com/office/drawing/2014/main" val="641265126"/>
+                      <a16:colId xmlns:a16="http://schemas.microsoft.com/office/drawing/2014/main" xmlns="" val="641265126"/>
                     </a:ext>
                   </a:extLst>
                 </a:gridCol>
                 <a:gridCol w="5527165">
                   <a:extLst>
                     <a:ext uri="{9D8B030D-6E8A-4147-A177-3AD203B41FA5}">
-                      <a16:colId xmlns:a16="http://schemas.microsoft.com/office/drawing/2014/main" val="2825853925"/>
+                      <a16:colId xmlns:a16="http://schemas.microsoft.com/office/drawing/2014/main" xmlns="" val="2825853925"/>
                     </a:ext>
                   </a:extLst>
                 </a:gridCol>
@@ -16400,7 +17785,7 @@
                 </a:tc>
                 <a:extLst>
                   <a:ext uri="{0D108BD9-81ED-4DB2-BD59-A6C34878D82A}">
-                    <a16:rowId xmlns:a16="http://schemas.microsoft.com/office/drawing/2014/main" val="4234619729"/>
+                    <a16:rowId xmlns:a16="http://schemas.microsoft.com/office/drawing/2014/main" xmlns="" val="4234619729"/>
                   </a:ext>
                 </a:extLst>
               </a:tr>
@@ -16467,7 +17852,7 @@
                 </a:tc>
                 <a:extLst>
                   <a:ext uri="{0D108BD9-81ED-4DB2-BD59-A6C34878D82A}">
-                    <a16:rowId xmlns:a16="http://schemas.microsoft.com/office/drawing/2014/main" val="2447354973"/>
+                    <a16:rowId xmlns:a16="http://schemas.microsoft.com/office/drawing/2014/main" xmlns="" val="2447354973"/>
                   </a:ext>
                 </a:extLst>
               </a:tr>
@@ -16534,7 +17919,7 @@
                 </a:tc>
                 <a:extLst>
                   <a:ext uri="{0D108BD9-81ED-4DB2-BD59-A6C34878D82A}">
-                    <a16:rowId xmlns:a16="http://schemas.microsoft.com/office/drawing/2014/main" val="3263370727"/>
+                    <a16:rowId xmlns:a16="http://schemas.microsoft.com/office/drawing/2014/main" xmlns="" val="3263370727"/>
                   </a:ext>
                 </a:extLst>
               </a:tr>
@@ -16601,7 +17986,7 @@
                 </a:tc>
                 <a:extLst>
                   <a:ext uri="{0D108BD9-81ED-4DB2-BD59-A6C34878D82A}">
-                    <a16:rowId xmlns:a16="http://schemas.microsoft.com/office/drawing/2014/main" val="676806107"/>
+                    <a16:rowId xmlns:a16="http://schemas.microsoft.com/office/drawing/2014/main" xmlns="" val="676806107"/>
                   </a:ext>
                 </a:extLst>
               </a:tr>
@@ -16668,7 +18053,7 @@
                 </a:tc>
                 <a:extLst>
                   <a:ext uri="{0D108BD9-81ED-4DB2-BD59-A6C34878D82A}">
-                    <a16:rowId xmlns:a16="http://schemas.microsoft.com/office/drawing/2014/main" val="1865154138"/>
+                    <a16:rowId xmlns:a16="http://schemas.microsoft.com/office/drawing/2014/main" xmlns="" val="1865154138"/>
                   </a:ext>
                 </a:extLst>
               </a:tr>
@@ -16735,7 +18120,7 @@
                 </a:tc>
                 <a:extLst>
                   <a:ext uri="{0D108BD9-81ED-4DB2-BD59-A6C34878D82A}">
-                    <a16:rowId xmlns:a16="http://schemas.microsoft.com/office/drawing/2014/main" val="2349520489"/>
+                    <a16:rowId xmlns:a16="http://schemas.microsoft.com/office/drawing/2014/main" xmlns="" val="2349520489"/>
                   </a:ext>
                 </a:extLst>
               </a:tr>
@@ -16778,7 +18163,1065 @@
           <p:cNvPr id="2" name="Title 1">
             <a:extLst>
               <a:ext uri="{FF2B5EF4-FFF2-40B4-BE49-F238E27FC236}">
-                <a16:creationId xmlns:a16="http://schemas.microsoft.com/office/drawing/2014/main" id="{26331D5B-BA20-4A09-A896-36B59BC18D8B}"/>
+                <a16:creationId xmlns:a16="http://schemas.microsoft.com/office/drawing/2014/main" xmlns="" id="{226B3B11-2069-4E0E-9B54-5D1611C6CEB5}"/>
+              </a:ext>
+            </a:extLst>
+          </p:cNvPr>
+          <p:cNvSpPr>
+            <a:spLocks noGrp="1"/>
+          </p:cNvSpPr>
+          <p:nvPr>
+            <p:ph type="title"/>
+          </p:nvPr>
+        </p:nvSpPr>
+        <p:spPr>
+          <a:xfrm>
+            <a:off x="1511186" y="10886"/>
+            <a:ext cx="10018713" cy="1752599"/>
+          </a:xfrm>
+        </p:spPr>
+        <p:txBody>
+          <a:bodyPr/>
+          <a:lstStyle/>
+          <a:p>
+            <a:pPr algn="l"/>
+            <a:r>
+              <a:rPr lang="en-US" smtClean="0"/>
+              <a:t>Hiển thị bài học, bài kiểm tra</a:t>
+            </a:r>
+            <a:endParaRPr lang="en-US"/>
+          </a:p>
+        </p:txBody>
+      </p:sp>
+      <p:graphicFrame>
+        <p:nvGraphicFramePr>
+          <p:cNvPr id="3" name="Table 2">
+            <a:extLst>
+              <a:ext uri="{FF2B5EF4-FFF2-40B4-BE49-F238E27FC236}">
+                <a16:creationId xmlns:a16="http://schemas.microsoft.com/office/drawing/2014/main" xmlns="" id="{03924BAB-FB87-4CC7-87BC-2F62E85F69BA}"/>
+              </a:ext>
+            </a:extLst>
+          </p:cNvPr>
+          <p:cNvGraphicFramePr>
+            <a:graphicFrameLocks noGrp="1"/>
+          </p:cNvGraphicFramePr>
+          <p:nvPr>
+            <p:extLst>
+              <p:ext uri="{D42A27DB-BD31-4B8C-83A1-F6EECF244321}">
+                <p14:modId xmlns:p14="http://schemas.microsoft.com/office/powerpoint/2010/main" val="552277453"/>
+              </p:ext>
+            </p:extLst>
+          </p:nvPr>
+        </p:nvGraphicFramePr>
+        <p:xfrm>
+          <a:off x="2258786" y="1676400"/>
+          <a:ext cx="7674429" cy="4711055"/>
+        </p:xfrm>
+        <a:graphic>
+          <a:graphicData uri="http://schemas.openxmlformats.org/drawingml/2006/table">
+            <a:tbl>
+              <a:tblPr firstRow="1" firstCol="1" bandRow="1">
+                <a:tableStyleId>{5C22544A-7EE6-4342-B048-85BDC9FD1C3A}</a:tableStyleId>
+              </a:tblPr>
+              <a:tblGrid>
+                <a:gridCol w="2147264">
+                  <a:extLst>
+                    <a:ext uri="{9D8B030D-6E8A-4147-A177-3AD203B41FA5}">
+                      <a16:colId xmlns:a16="http://schemas.microsoft.com/office/drawing/2014/main" xmlns="" val="641265126"/>
+                    </a:ext>
+                  </a:extLst>
+                </a:gridCol>
+                <a:gridCol w="5527165">
+                  <a:extLst>
+                    <a:ext uri="{9D8B030D-6E8A-4147-A177-3AD203B41FA5}">
+                      <a16:colId xmlns:a16="http://schemas.microsoft.com/office/drawing/2014/main" xmlns="" val="2825853925"/>
+                    </a:ext>
+                  </a:extLst>
+                </a:gridCol>
+              </a:tblGrid>
+              <a:tr h="518139">
+                <a:tc>
+                  <a:txBody>
+                    <a:bodyPr/>
+                    <a:lstStyle/>
+                    <a:p>
+                      <a:pPr marL="457200">
+                        <a:lnSpc>
+                          <a:spcPct val="115000"/>
+                        </a:lnSpc>
+                        <a:spcAft>
+                          <a:spcPts val="1000"/>
+                        </a:spcAft>
+                      </a:pPr>
+                      <a:r>
+                        <a:rPr lang="en-US" sz="1200">
+                          <a:effectLst/>
+                          <a:latin typeface="Times New Roman" panose="02020603050405020304" pitchFamily="18" charset="0"/>
+                          <a:ea typeface="Calibri" panose="020F0502020204030204" pitchFamily="34" charset="0"/>
+                        </a:rPr>
+                        <a:t>Tên</a:t>
+                      </a:r>
+                      <a:endParaRPr lang="en-US" sz="1800">
+                        <a:effectLst/>
+                        <a:latin typeface="Times New Roman" panose="02020603050405020304" pitchFamily="18" charset="0"/>
+                        <a:ea typeface="Calibri" panose="020F0502020204030204" pitchFamily="34" charset="0"/>
+                      </a:endParaRPr>
+                    </a:p>
+                  </a:txBody>
+                  <a:tcPr marL="68580" marR="68580" marT="0" marB="0"/>
+                </a:tc>
+                <a:tc>
+                  <a:txBody>
+                    <a:bodyPr/>
+                    <a:lstStyle/>
+                    <a:p>
+                      <a:pPr marL="457200">
+                        <a:lnSpc>
+                          <a:spcPct val="115000"/>
+                        </a:lnSpc>
+                        <a:spcAft>
+                          <a:spcPts val="1000"/>
+                        </a:spcAft>
+                      </a:pPr>
+                      <a:r>
+                        <a:rPr lang="en-US" sz="1200" smtClean="0">
+                          <a:effectLst/>
+                          <a:latin typeface="Times New Roman" panose="02020603050405020304" pitchFamily="18" charset="0"/>
+                          <a:ea typeface="Calibri" panose="020F0502020204030204" pitchFamily="34" charset="0"/>
+                        </a:rPr>
+                        <a:t>Hiển</a:t>
+                      </a:r>
+                      <a:r>
+                        <a:rPr lang="en-US" sz="1200" baseline="0" smtClean="0">
+                          <a:effectLst/>
+                          <a:latin typeface="Times New Roman" panose="02020603050405020304" pitchFamily="18" charset="0"/>
+                          <a:ea typeface="Calibri" panose="020F0502020204030204" pitchFamily="34" charset="0"/>
+                        </a:rPr>
+                        <a:t> thị bài học,  bài kiểm tra</a:t>
+                      </a:r>
+                      <a:endParaRPr lang="en-US" sz="1800">
+                        <a:effectLst/>
+                        <a:latin typeface="Times New Roman" panose="02020603050405020304" pitchFamily="18" charset="0"/>
+                        <a:ea typeface="Calibri" panose="020F0502020204030204" pitchFamily="34" charset="0"/>
+                      </a:endParaRPr>
+                    </a:p>
+                  </a:txBody>
+                  <a:tcPr marL="68580" marR="68580" marT="0" marB="0"/>
+                </a:tc>
+                <a:extLst>
+                  <a:ext uri="{0D108BD9-81ED-4DB2-BD59-A6C34878D82A}">
+                    <a16:rowId xmlns:a16="http://schemas.microsoft.com/office/drawing/2014/main" xmlns="" val="4234619729"/>
+                  </a:ext>
+                </a:extLst>
+              </a:tr>
+              <a:tr h="518139">
+                <a:tc>
+                  <a:txBody>
+                    <a:bodyPr/>
+                    <a:lstStyle/>
+                    <a:p>
+                      <a:pPr marL="457200">
+                        <a:lnSpc>
+                          <a:spcPct val="115000"/>
+                        </a:lnSpc>
+                        <a:spcAft>
+                          <a:spcPts val="1000"/>
+                        </a:spcAft>
+                      </a:pPr>
+                      <a:r>
+                        <a:rPr lang="en-US" sz="1200">
+                          <a:effectLst/>
+                          <a:latin typeface="Times New Roman" panose="02020603050405020304" pitchFamily="18" charset="0"/>
+                          <a:ea typeface="Calibri" panose="020F0502020204030204" pitchFamily="34" charset="0"/>
+                        </a:rPr>
+                        <a:t>Actors</a:t>
+                      </a:r>
+                      <a:endParaRPr lang="en-US" sz="1800">
+                        <a:effectLst/>
+                        <a:latin typeface="Times New Roman" panose="02020603050405020304" pitchFamily="18" charset="0"/>
+                        <a:ea typeface="Calibri" panose="020F0502020204030204" pitchFamily="34" charset="0"/>
+                      </a:endParaRPr>
+                    </a:p>
+                  </a:txBody>
+                  <a:tcPr marL="68580" marR="68580" marT="0" marB="0"/>
+                </a:tc>
+                <a:tc>
+                  <a:txBody>
+                    <a:bodyPr/>
+                    <a:lstStyle/>
+                    <a:p>
+                      <a:pPr marL="457200">
+                        <a:lnSpc>
+                          <a:spcPct val="115000"/>
+                        </a:lnSpc>
+                        <a:spcAft>
+                          <a:spcPts val="1000"/>
+                        </a:spcAft>
+                      </a:pPr>
+                      <a:r>
+                        <a:rPr lang="en-US" sz="1200" smtClean="0">
+                          <a:effectLst/>
+                          <a:latin typeface="Times New Roman" panose="02020603050405020304" pitchFamily="18" charset="0"/>
+                          <a:ea typeface="Calibri" panose="020F0502020204030204" pitchFamily="34" charset="0"/>
+                        </a:rPr>
+                        <a:t>Người</a:t>
+                      </a:r>
+                      <a:r>
+                        <a:rPr lang="en-US" sz="1200" baseline="0" smtClean="0">
+                          <a:effectLst/>
+                          <a:latin typeface="Times New Roman" panose="02020603050405020304" pitchFamily="18" charset="0"/>
+                          <a:ea typeface="Calibri" panose="020F0502020204030204" pitchFamily="34" charset="0"/>
+                        </a:rPr>
+                        <a:t> dùng</a:t>
+                      </a:r>
+                      <a:endParaRPr lang="en-US" sz="1800">
+                        <a:effectLst/>
+                        <a:latin typeface="Times New Roman" panose="02020603050405020304" pitchFamily="18" charset="0"/>
+                        <a:ea typeface="Calibri" panose="020F0502020204030204" pitchFamily="34" charset="0"/>
+                      </a:endParaRPr>
+                    </a:p>
+                  </a:txBody>
+                  <a:tcPr marL="68580" marR="68580" marT="0" marB="0"/>
+                </a:tc>
+                <a:extLst>
+                  <a:ext uri="{0D108BD9-81ED-4DB2-BD59-A6C34878D82A}">
+                    <a16:rowId xmlns:a16="http://schemas.microsoft.com/office/drawing/2014/main" xmlns="" val="2447354973"/>
+                  </a:ext>
+                </a:extLst>
+              </a:tr>
+              <a:tr h="518139">
+                <a:tc>
+                  <a:txBody>
+                    <a:bodyPr/>
+                    <a:lstStyle/>
+                    <a:p>
+                      <a:pPr marL="457200">
+                        <a:lnSpc>
+                          <a:spcPct val="115000"/>
+                        </a:lnSpc>
+                        <a:spcAft>
+                          <a:spcPts val="1000"/>
+                        </a:spcAft>
+                      </a:pPr>
+                      <a:r>
+                        <a:rPr lang="en-US" sz="1200">
+                          <a:effectLst/>
+                          <a:latin typeface="Times New Roman" panose="02020603050405020304" pitchFamily="18" charset="0"/>
+                          <a:ea typeface="Calibri" panose="020F0502020204030204" pitchFamily="34" charset="0"/>
+                        </a:rPr>
+                        <a:t>Tóm tăt</a:t>
+                      </a:r>
+                      <a:endParaRPr lang="en-US" sz="1800">
+                        <a:effectLst/>
+                        <a:latin typeface="Times New Roman" panose="02020603050405020304" pitchFamily="18" charset="0"/>
+                        <a:ea typeface="Calibri" panose="020F0502020204030204" pitchFamily="34" charset="0"/>
+                      </a:endParaRPr>
+                    </a:p>
+                  </a:txBody>
+                  <a:tcPr marL="68580" marR="68580" marT="0" marB="0"/>
+                </a:tc>
+                <a:tc>
+                  <a:txBody>
+                    <a:bodyPr/>
+                    <a:lstStyle/>
+                    <a:p>
+                      <a:pPr marL="457200">
+                        <a:lnSpc>
+                          <a:spcPct val="115000"/>
+                        </a:lnSpc>
+                        <a:spcAft>
+                          <a:spcPts val="1000"/>
+                        </a:spcAft>
+                      </a:pPr>
+                      <a:r>
+                        <a:rPr lang="en-US" sz="1200" smtClean="0">
+                          <a:effectLst/>
+                          <a:latin typeface="Times New Roman"/>
+                          <a:ea typeface="Calibri"/>
+                        </a:rPr>
+                        <a:t>Người dùng muốn xem nội dung bài học, bài kiểm tra của 1 chủ đề trong hệ thống</a:t>
+                      </a:r>
+                      <a:endParaRPr lang="en-US" sz="1800">
+                        <a:effectLst/>
+                        <a:latin typeface="Times New Roman" panose="02020603050405020304" pitchFamily="18" charset="0"/>
+                        <a:ea typeface="Calibri" panose="020F0502020204030204" pitchFamily="34" charset="0"/>
+                      </a:endParaRPr>
+                    </a:p>
+                  </a:txBody>
+                  <a:tcPr marL="68580" marR="68580" marT="0" marB="0"/>
+                </a:tc>
+                <a:extLst>
+                  <a:ext uri="{0D108BD9-81ED-4DB2-BD59-A6C34878D82A}">
+                    <a16:rowId xmlns:a16="http://schemas.microsoft.com/office/drawing/2014/main" xmlns="" val="3263370727"/>
+                  </a:ext>
+                </a:extLst>
+              </a:tr>
+              <a:tr h="1071176">
+                <a:tc>
+                  <a:txBody>
+                    <a:bodyPr/>
+                    <a:lstStyle/>
+                    <a:p>
+                      <a:pPr marL="457200">
+                        <a:lnSpc>
+                          <a:spcPct val="115000"/>
+                        </a:lnSpc>
+                        <a:spcAft>
+                          <a:spcPts val="1000"/>
+                        </a:spcAft>
+                      </a:pPr>
+                      <a:r>
+                        <a:rPr lang="en-US" sz="1200">
+                          <a:effectLst/>
+                          <a:latin typeface="Times New Roman" panose="02020603050405020304" pitchFamily="18" charset="0"/>
+                          <a:ea typeface="Calibri" panose="020F0502020204030204" pitchFamily="34" charset="0"/>
+                        </a:rPr>
+                        <a:t>Điều kiện tiên quyết</a:t>
+                      </a:r>
+                      <a:endParaRPr lang="en-US" sz="1800">
+                        <a:effectLst/>
+                        <a:latin typeface="Times New Roman" panose="02020603050405020304" pitchFamily="18" charset="0"/>
+                        <a:ea typeface="Calibri" panose="020F0502020204030204" pitchFamily="34" charset="0"/>
+                      </a:endParaRPr>
+                    </a:p>
+                  </a:txBody>
+                  <a:tcPr marL="68580" marR="68580" marT="0" marB="0"/>
+                </a:tc>
+                <a:tc>
+                  <a:txBody>
+                    <a:bodyPr/>
+                    <a:lstStyle/>
+                    <a:p>
+                      <a:pPr marL="457200">
+                        <a:lnSpc>
+                          <a:spcPct val="115000"/>
+                        </a:lnSpc>
+                        <a:spcAft>
+                          <a:spcPts val="1000"/>
+                        </a:spcAft>
+                      </a:pPr>
+                      <a:r>
+                        <a:rPr lang="en-US" sz="1200" smtClean="0">
+                          <a:effectLst/>
+                          <a:latin typeface="Times New Roman"/>
+                          <a:ea typeface="Calibri"/>
+                        </a:rPr>
+                        <a:t>Người dùng phải đăng nhập vào tài khoản đã đăng ký trên hệ thống</a:t>
+                      </a:r>
+                      <a:endParaRPr lang="en-US" sz="1800">
+                        <a:effectLst/>
+                        <a:latin typeface="Times New Roman" panose="02020603050405020304" pitchFamily="18" charset="0"/>
+                        <a:ea typeface="Calibri" panose="020F0502020204030204" pitchFamily="34" charset="0"/>
+                      </a:endParaRPr>
+                    </a:p>
+                  </a:txBody>
+                  <a:tcPr marL="68580" marR="68580" marT="0" marB="0"/>
+                </a:tc>
+                <a:extLst>
+                  <a:ext uri="{0D108BD9-81ED-4DB2-BD59-A6C34878D82A}">
+                    <a16:rowId xmlns:a16="http://schemas.microsoft.com/office/drawing/2014/main" xmlns="" val="676806107"/>
+                  </a:ext>
+                </a:extLst>
+              </a:tr>
+              <a:tr h="1014286">
+                <a:tc>
+                  <a:txBody>
+                    <a:bodyPr/>
+                    <a:lstStyle/>
+                    <a:p>
+                      <a:pPr marL="457200">
+                        <a:lnSpc>
+                          <a:spcPct val="115000"/>
+                        </a:lnSpc>
+                        <a:spcAft>
+                          <a:spcPts val="1000"/>
+                        </a:spcAft>
+                      </a:pPr>
+                      <a:r>
+                        <a:rPr lang="en-US" sz="1200">
+                          <a:effectLst/>
+                          <a:latin typeface="Times New Roman" panose="02020603050405020304" pitchFamily="18" charset="0"/>
+                          <a:ea typeface="Calibri" panose="020F0502020204030204" pitchFamily="34" charset="0"/>
+                        </a:rPr>
+                        <a:t>Sự kiện bắt đầu</a:t>
+                      </a:r>
+                      <a:endParaRPr lang="en-US" sz="1800">
+                        <a:effectLst/>
+                        <a:latin typeface="Times New Roman" panose="02020603050405020304" pitchFamily="18" charset="0"/>
+                        <a:ea typeface="Calibri" panose="020F0502020204030204" pitchFamily="34" charset="0"/>
+                      </a:endParaRPr>
+                    </a:p>
+                  </a:txBody>
+                  <a:tcPr marL="68580" marR="68580" marT="0" marB="0"/>
+                </a:tc>
+                <a:tc>
+                  <a:txBody>
+                    <a:bodyPr/>
+                    <a:lstStyle/>
+                    <a:p>
+                      <a:pPr marL="457200">
+                        <a:lnSpc>
+                          <a:spcPct val="115000"/>
+                        </a:lnSpc>
+                        <a:spcAft>
+                          <a:spcPts val="1000"/>
+                        </a:spcAft>
+                      </a:pPr>
+                      <a:r>
+                        <a:rPr lang="en-US" sz="1200" smtClean="0">
+                          <a:effectLst/>
+                          <a:latin typeface="Times New Roman"/>
+                          <a:ea typeface="Calibri"/>
+                        </a:rPr>
+                        <a:t>Người dùng chọn vào 1 chủ đề mà mình muốn học</a:t>
+                      </a:r>
+                      <a:endParaRPr lang="en-US" sz="1800">
+                        <a:effectLst/>
+                        <a:latin typeface="Times New Roman" panose="02020603050405020304" pitchFamily="18" charset="0"/>
+                        <a:ea typeface="Calibri" panose="020F0502020204030204" pitchFamily="34" charset="0"/>
+                      </a:endParaRPr>
+                    </a:p>
+                  </a:txBody>
+                  <a:tcPr marL="68580" marR="68580" marT="0" marB="0"/>
+                </a:tc>
+                <a:extLst>
+                  <a:ext uri="{0D108BD9-81ED-4DB2-BD59-A6C34878D82A}">
+                    <a16:rowId xmlns:a16="http://schemas.microsoft.com/office/drawing/2014/main" xmlns="" val="1865154138"/>
+                  </a:ext>
+                </a:extLst>
+              </a:tr>
+              <a:tr h="1071176">
+                <a:tc>
+                  <a:txBody>
+                    <a:bodyPr/>
+                    <a:lstStyle/>
+                    <a:p>
+                      <a:pPr marL="457200">
+                        <a:lnSpc>
+                          <a:spcPct val="115000"/>
+                        </a:lnSpc>
+                        <a:spcAft>
+                          <a:spcPts val="1000"/>
+                        </a:spcAft>
+                      </a:pPr>
+                      <a:r>
+                        <a:rPr lang="en-US" sz="1200">
+                          <a:effectLst/>
+                          <a:latin typeface="Times New Roman" panose="02020603050405020304" pitchFamily="18" charset="0"/>
+                          <a:ea typeface="Calibri" panose="020F0502020204030204" pitchFamily="34" charset="0"/>
+                        </a:rPr>
+                        <a:t>Sự kiện kết thúc</a:t>
+                      </a:r>
+                      <a:endParaRPr lang="en-US" sz="1800">
+                        <a:effectLst/>
+                        <a:latin typeface="Times New Roman" panose="02020603050405020304" pitchFamily="18" charset="0"/>
+                        <a:ea typeface="Calibri" panose="020F0502020204030204" pitchFamily="34" charset="0"/>
+                      </a:endParaRPr>
+                    </a:p>
+                  </a:txBody>
+                  <a:tcPr marL="68580" marR="68580" marT="0" marB="0"/>
+                </a:tc>
+                <a:tc>
+                  <a:txBody>
+                    <a:bodyPr/>
+                    <a:lstStyle/>
+                    <a:p>
+                      <a:pPr marL="457200">
+                        <a:lnSpc>
+                          <a:spcPct val="115000"/>
+                        </a:lnSpc>
+                        <a:spcAft>
+                          <a:spcPts val="1000"/>
+                        </a:spcAft>
+                      </a:pPr>
+                      <a:r>
+                        <a:rPr lang="en-US" sz="1200" smtClean="0">
+                          <a:effectLst/>
+                          <a:latin typeface="Times New Roman"/>
+                          <a:ea typeface="Calibri"/>
+                        </a:rPr>
+                        <a:t>Thông tin bài học, bài kiểm tra sẽ hiển thị lên</a:t>
+                      </a:r>
+                      <a:endParaRPr lang="en-US" sz="1800">
+                        <a:effectLst/>
+                        <a:latin typeface="Times New Roman" panose="02020603050405020304" pitchFamily="18" charset="0"/>
+                        <a:ea typeface="Calibri" panose="020F0502020204030204" pitchFamily="34" charset="0"/>
+                      </a:endParaRPr>
+                    </a:p>
+                  </a:txBody>
+                  <a:tcPr marL="68580" marR="68580" marT="0" marB="0"/>
+                </a:tc>
+                <a:extLst>
+                  <a:ext uri="{0D108BD9-81ED-4DB2-BD59-A6C34878D82A}">
+                    <a16:rowId xmlns:a16="http://schemas.microsoft.com/office/drawing/2014/main" xmlns="" val="2349520489"/>
+                  </a:ext>
+                </a:extLst>
+              </a:tr>
+            </a:tbl>
+          </a:graphicData>
+        </a:graphic>
+      </p:graphicFrame>
+    </p:spTree>
+    <p:extLst>
+      <p:ext uri="{BB962C8B-B14F-4D97-AF65-F5344CB8AC3E}">
+        <p14:creationId xmlns:p14="http://schemas.microsoft.com/office/powerpoint/2010/main" val="1023788290"/>
+      </p:ext>
+    </p:extLst>
+  </p:cSld>
+  <p:clrMapOvr>
+    <a:masterClrMapping/>
+  </p:clrMapOvr>
+</p:sld>
+</file>
+
+<file path=ppt/slides/slide15.xml><?xml version="1.0" encoding="utf-8"?>
+<p:sld xmlns:a="http://schemas.openxmlformats.org/drawingml/2006/main" xmlns:r="http://schemas.openxmlformats.org/officeDocument/2006/relationships" xmlns:p="http://schemas.openxmlformats.org/presentationml/2006/main">
+  <p:cSld>
+    <p:spTree>
+      <p:nvGrpSpPr>
+        <p:cNvPr id="1" name=""/>
+        <p:cNvGrpSpPr/>
+        <p:nvPr/>
+      </p:nvGrpSpPr>
+      <p:grpSpPr>
+        <a:xfrm>
+          <a:off x="0" y="0"/>
+          <a:ext cx="0" cy="0"/>
+          <a:chOff x="0" y="0"/>
+          <a:chExt cx="0" cy="0"/>
+        </a:xfrm>
+      </p:grpSpPr>
+      <p:sp>
+        <p:nvSpPr>
+          <p:cNvPr id="2" name="Title 1">
+            <a:extLst>
+              <a:ext uri="{FF2B5EF4-FFF2-40B4-BE49-F238E27FC236}">
+                <a16:creationId xmlns:a16="http://schemas.microsoft.com/office/drawing/2014/main" xmlns="" id="{226B3B11-2069-4E0E-9B54-5D1611C6CEB5}"/>
+              </a:ext>
+            </a:extLst>
+          </p:cNvPr>
+          <p:cNvSpPr>
+            <a:spLocks noGrp="1"/>
+          </p:cNvSpPr>
+          <p:nvPr>
+            <p:ph type="title"/>
+          </p:nvPr>
+        </p:nvSpPr>
+        <p:spPr>
+          <a:xfrm>
+            <a:off x="1511186" y="10886"/>
+            <a:ext cx="10018713" cy="1752599"/>
+          </a:xfrm>
+        </p:spPr>
+        <p:txBody>
+          <a:bodyPr/>
+          <a:lstStyle/>
+          <a:p>
+            <a:pPr algn="l"/>
+            <a:r>
+              <a:rPr lang="en-US" smtClean="0"/>
+              <a:t>Quản lí tài khoản</a:t>
+            </a:r>
+            <a:endParaRPr lang="en-US"/>
+          </a:p>
+        </p:txBody>
+      </p:sp>
+      <p:graphicFrame>
+        <p:nvGraphicFramePr>
+          <p:cNvPr id="3" name="Table 2">
+            <a:extLst>
+              <a:ext uri="{FF2B5EF4-FFF2-40B4-BE49-F238E27FC236}">
+                <a16:creationId xmlns:a16="http://schemas.microsoft.com/office/drawing/2014/main" xmlns="" id="{03924BAB-FB87-4CC7-87BC-2F62E85F69BA}"/>
+              </a:ext>
+            </a:extLst>
+          </p:cNvPr>
+          <p:cNvGraphicFramePr>
+            <a:graphicFrameLocks noGrp="1"/>
+          </p:cNvGraphicFramePr>
+          <p:nvPr>
+            <p:extLst>
+              <p:ext uri="{D42A27DB-BD31-4B8C-83A1-F6EECF244321}">
+                <p14:modId xmlns:p14="http://schemas.microsoft.com/office/powerpoint/2010/main" val="1683609479"/>
+              </p:ext>
+            </p:extLst>
+          </p:nvPr>
+        </p:nvGraphicFramePr>
+        <p:xfrm>
+          <a:off x="2258786" y="1676400"/>
+          <a:ext cx="7674429" cy="4711055"/>
+        </p:xfrm>
+        <a:graphic>
+          <a:graphicData uri="http://schemas.openxmlformats.org/drawingml/2006/table">
+            <a:tbl>
+              <a:tblPr firstRow="1" firstCol="1" bandRow="1">
+                <a:tableStyleId>{5C22544A-7EE6-4342-B048-85BDC9FD1C3A}</a:tableStyleId>
+              </a:tblPr>
+              <a:tblGrid>
+                <a:gridCol w="2147264">
+                  <a:extLst>
+                    <a:ext uri="{9D8B030D-6E8A-4147-A177-3AD203B41FA5}">
+                      <a16:colId xmlns:a16="http://schemas.microsoft.com/office/drawing/2014/main" xmlns="" val="641265126"/>
+                    </a:ext>
+                  </a:extLst>
+                </a:gridCol>
+                <a:gridCol w="5527165">
+                  <a:extLst>
+                    <a:ext uri="{9D8B030D-6E8A-4147-A177-3AD203B41FA5}">
+                      <a16:colId xmlns:a16="http://schemas.microsoft.com/office/drawing/2014/main" xmlns="" val="2825853925"/>
+                    </a:ext>
+                  </a:extLst>
+                </a:gridCol>
+              </a:tblGrid>
+              <a:tr h="518139">
+                <a:tc>
+                  <a:txBody>
+                    <a:bodyPr/>
+                    <a:lstStyle/>
+                    <a:p>
+                      <a:pPr marL="457200">
+                        <a:lnSpc>
+                          <a:spcPct val="115000"/>
+                        </a:lnSpc>
+                        <a:spcAft>
+                          <a:spcPts val="1000"/>
+                        </a:spcAft>
+                      </a:pPr>
+                      <a:r>
+                        <a:rPr lang="en-US" sz="1200">
+                          <a:effectLst/>
+                          <a:latin typeface="Times New Roman" panose="02020603050405020304" pitchFamily="18" charset="0"/>
+                          <a:ea typeface="Calibri" panose="020F0502020204030204" pitchFamily="34" charset="0"/>
+                        </a:rPr>
+                        <a:t>Tên</a:t>
+                      </a:r>
+                      <a:endParaRPr lang="en-US" sz="1800">
+                        <a:effectLst/>
+                        <a:latin typeface="Times New Roman" panose="02020603050405020304" pitchFamily="18" charset="0"/>
+                        <a:ea typeface="Calibri" panose="020F0502020204030204" pitchFamily="34" charset="0"/>
+                      </a:endParaRPr>
+                    </a:p>
+                  </a:txBody>
+                  <a:tcPr marL="68580" marR="68580" marT="0" marB="0"/>
+                </a:tc>
+                <a:tc>
+                  <a:txBody>
+                    <a:bodyPr/>
+                    <a:lstStyle/>
+                    <a:p>
+                      <a:pPr marL="457200">
+                        <a:lnSpc>
+                          <a:spcPct val="115000"/>
+                        </a:lnSpc>
+                        <a:spcAft>
+                          <a:spcPts val="1000"/>
+                        </a:spcAft>
+                      </a:pPr>
+                      <a:r>
+                        <a:rPr lang="en-US" sz="1200" smtClean="0">
+                          <a:effectLst/>
+                          <a:latin typeface="Times New Roman" panose="02020603050405020304" pitchFamily="18" charset="0"/>
+                          <a:ea typeface="Calibri" panose="020F0502020204030204" pitchFamily="34" charset="0"/>
+                        </a:rPr>
+                        <a:t>Quản</a:t>
+                      </a:r>
+                      <a:r>
+                        <a:rPr lang="en-US" sz="1200" baseline="0" smtClean="0">
+                          <a:effectLst/>
+                          <a:latin typeface="Times New Roman" panose="02020603050405020304" pitchFamily="18" charset="0"/>
+                          <a:ea typeface="Calibri" panose="020F0502020204030204" pitchFamily="34" charset="0"/>
+                        </a:rPr>
+                        <a:t> lí  tài khoản</a:t>
+                      </a:r>
+                      <a:endParaRPr lang="en-US" sz="1800">
+                        <a:effectLst/>
+                        <a:latin typeface="Times New Roman" panose="02020603050405020304" pitchFamily="18" charset="0"/>
+                        <a:ea typeface="Calibri" panose="020F0502020204030204" pitchFamily="34" charset="0"/>
+                      </a:endParaRPr>
+                    </a:p>
+                  </a:txBody>
+                  <a:tcPr marL="68580" marR="68580" marT="0" marB="0"/>
+                </a:tc>
+                <a:extLst>
+                  <a:ext uri="{0D108BD9-81ED-4DB2-BD59-A6C34878D82A}">
+                    <a16:rowId xmlns:a16="http://schemas.microsoft.com/office/drawing/2014/main" xmlns="" val="4234619729"/>
+                  </a:ext>
+                </a:extLst>
+              </a:tr>
+              <a:tr h="518139">
+                <a:tc>
+                  <a:txBody>
+                    <a:bodyPr/>
+                    <a:lstStyle/>
+                    <a:p>
+                      <a:pPr marL="457200">
+                        <a:lnSpc>
+                          <a:spcPct val="115000"/>
+                        </a:lnSpc>
+                        <a:spcAft>
+                          <a:spcPts val="1000"/>
+                        </a:spcAft>
+                      </a:pPr>
+                      <a:r>
+                        <a:rPr lang="en-US" sz="1200">
+                          <a:effectLst/>
+                          <a:latin typeface="Times New Roman" panose="02020603050405020304" pitchFamily="18" charset="0"/>
+                          <a:ea typeface="Calibri" panose="020F0502020204030204" pitchFamily="34" charset="0"/>
+                        </a:rPr>
+                        <a:t>Actors</a:t>
+                      </a:r>
+                      <a:endParaRPr lang="en-US" sz="1800">
+                        <a:effectLst/>
+                        <a:latin typeface="Times New Roman" panose="02020603050405020304" pitchFamily="18" charset="0"/>
+                        <a:ea typeface="Calibri" panose="020F0502020204030204" pitchFamily="34" charset="0"/>
+                      </a:endParaRPr>
+                    </a:p>
+                  </a:txBody>
+                  <a:tcPr marL="68580" marR="68580" marT="0" marB="0"/>
+                </a:tc>
+                <a:tc>
+                  <a:txBody>
+                    <a:bodyPr/>
+                    <a:lstStyle/>
+                    <a:p>
+                      <a:pPr marL="457200">
+                        <a:lnSpc>
+                          <a:spcPct val="115000"/>
+                        </a:lnSpc>
+                        <a:spcAft>
+                          <a:spcPts val="1000"/>
+                        </a:spcAft>
+                      </a:pPr>
+                      <a:r>
+                        <a:rPr lang="en-US" sz="1200" smtClean="0">
+                          <a:effectLst/>
+                          <a:latin typeface="Times New Roman" panose="02020603050405020304" pitchFamily="18" charset="0"/>
+                          <a:ea typeface="Calibri" panose="020F0502020204030204" pitchFamily="34" charset="0"/>
+                        </a:rPr>
+                        <a:t>Admin</a:t>
+                      </a:r>
+                      <a:endParaRPr lang="en-US" sz="1800">
+                        <a:effectLst/>
+                        <a:latin typeface="Times New Roman" panose="02020603050405020304" pitchFamily="18" charset="0"/>
+                        <a:ea typeface="Calibri" panose="020F0502020204030204" pitchFamily="34" charset="0"/>
+                      </a:endParaRPr>
+                    </a:p>
+                  </a:txBody>
+                  <a:tcPr marL="68580" marR="68580" marT="0" marB="0"/>
+                </a:tc>
+                <a:extLst>
+                  <a:ext uri="{0D108BD9-81ED-4DB2-BD59-A6C34878D82A}">
+                    <a16:rowId xmlns:a16="http://schemas.microsoft.com/office/drawing/2014/main" xmlns="" val="2447354973"/>
+                  </a:ext>
+                </a:extLst>
+              </a:tr>
+              <a:tr h="518139">
+                <a:tc>
+                  <a:txBody>
+                    <a:bodyPr/>
+                    <a:lstStyle/>
+                    <a:p>
+                      <a:pPr marL="457200">
+                        <a:lnSpc>
+                          <a:spcPct val="115000"/>
+                        </a:lnSpc>
+                        <a:spcAft>
+                          <a:spcPts val="1000"/>
+                        </a:spcAft>
+                      </a:pPr>
+                      <a:r>
+                        <a:rPr lang="en-US" sz="1200">
+                          <a:effectLst/>
+                          <a:latin typeface="Times New Roman" panose="02020603050405020304" pitchFamily="18" charset="0"/>
+                          <a:ea typeface="Calibri" panose="020F0502020204030204" pitchFamily="34" charset="0"/>
+                        </a:rPr>
+                        <a:t>Tóm tăt</a:t>
+                      </a:r>
+                      <a:endParaRPr lang="en-US" sz="1800">
+                        <a:effectLst/>
+                        <a:latin typeface="Times New Roman" panose="02020603050405020304" pitchFamily="18" charset="0"/>
+                        <a:ea typeface="Calibri" panose="020F0502020204030204" pitchFamily="34" charset="0"/>
+                      </a:endParaRPr>
+                    </a:p>
+                  </a:txBody>
+                  <a:tcPr marL="68580" marR="68580" marT="0" marB="0"/>
+                </a:tc>
+                <a:tc>
+                  <a:txBody>
+                    <a:bodyPr/>
+                    <a:lstStyle/>
+                    <a:p>
+                      <a:pPr marL="457200">
+                        <a:lnSpc>
+                          <a:spcPct val="115000"/>
+                        </a:lnSpc>
+                        <a:spcAft>
+                          <a:spcPts val="1000"/>
+                        </a:spcAft>
+                      </a:pPr>
+                      <a:r>
+                        <a:rPr lang="en-US" sz="1200" smtClean="0">
+                          <a:effectLst/>
+                          <a:latin typeface="Times New Roman"/>
+                          <a:ea typeface="Calibri"/>
+                        </a:rPr>
+                        <a:t>Chức năng này giúp admin dễ dàng quản lí tất cả các tài khoản có trong hệ thống</a:t>
+                      </a:r>
+                      <a:endParaRPr lang="en-US" sz="1800">
+                        <a:effectLst/>
+                        <a:latin typeface="Times New Roman" panose="02020603050405020304" pitchFamily="18" charset="0"/>
+                        <a:ea typeface="Calibri" panose="020F0502020204030204" pitchFamily="34" charset="0"/>
+                      </a:endParaRPr>
+                    </a:p>
+                  </a:txBody>
+                  <a:tcPr marL="68580" marR="68580" marT="0" marB="0"/>
+                </a:tc>
+                <a:extLst>
+                  <a:ext uri="{0D108BD9-81ED-4DB2-BD59-A6C34878D82A}">
+                    <a16:rowId xmlns:a16="http://schemas.microsoft.com/office/drawing/2014/main" xmlns="" val="3263370727"/>
+                  </a:ext>
+                </a:extLst>
+              </a:tr>
+              <a:tr h="1071176">
+                <a:tc>
+                  <a:txBody>
+                    <a:bodyPr/>
+                    <a:lstStyle/>
+                    <a:p>
+                      <a:pPr marL="457200">
+                        <a:lnSpc>
+                          <a:spcPct val="115000"/>
+                        </a:lnSpc>
+                        <a:spcAft>
+                          <a:spcPts val="1000"/>
+                        </a:spcAft>
+                      </a:pPr>
+                      <a:r>
+                        <a:rPr lang="en-US" sz="1200">
+                          <a:effectLst/>
+                          <a:latin typeface="Times New Roman" panose="02020603050405020304" pitchFamily="18" charset="0"/>
+                          <a:ea typeface="Calibri" panose="020F0502020204030204" pitchFamily="34" charset="0"/>
+                        </a:rPr>
+                        <a:t>Điều kiện tiên quyết</a:t>
+                      </a:r>
+                      <a:endParaRPr lang="en-US" sz="1800">
+                        <a:effectLst/>
+                        <a:latin typeface="Times New Roman" panose="02020603050405020304" pitchFamily="18" charset="0"/>
+                        <a:ea typeface="Calibri" panose="020F0502020204030204" pitchFamily="34" charset="0"/>
+                      </a:endParaRPr>
+                    </a:p>
+                  </a:txBody>
+                  <a:tcPr marL="68580" marR="68580" marT="0" marB="0"/>
+                </a:tc>
+                <a:tc>
+                  <a:txBody>
+                    <a:bodyPr/>
+                    <a:lstStyle/>
+                    <a:p>
+                      <a:pPr marL="457200">
+                        <a:lnSpc>
+                          <a:spcPct val="115000"/>
+                        </a:lnSpc>
+                        <a:spcAft>
+                          <a:spcPts val="1000"/>
+                        </a:spcAft>
+                      </a:pPr>
+                      <a:r>
+                        <a:rPr lang="en-US" sz="1200" smtClean="0">
+                          <a:effectLst/>
+                          <a:latin typeface="Times New Roman"/>
+                          <a:ea typeface="Calibri"/>
+                        </a:rPr>
+                        <a:t>Admin phải đăng nhập vào tài khoản admin của mình trên hệ thống (tài khoản này là duy nhất)</a:t>
+                      </a:r>
+                      <a:endParaRPr lang="en-US" sz="1800">
+                        <a:effectLst/>
+                        <a:latin typeface="Times New Roman" panose="02020603050405020304" pitchFamily="18" charset="0"/>
+                        <a:ea typeface="Calibri" panose="020F0502020204030204" pitchFamily="34" charset="0"/>
+                      </a:endParaRPr>
+                    </a:p>
+                  </a:txBody>
+                  <a:tcPr marL="68580" marR="68580" marT="0" marB="0"/>
+                </a:tc>
+                <a:extLst>
+                  <a:ext uri="{0D108BD9-81ED-4DB2-BD59-A6C34878D82A}">
+                    <a16:rowId xmlns:a16="http://schemas.microsoft.com/office/drawing/2014/main" xmlns="" val="676806107"/>
+                  </a:ext>
+                </a:extLst>
+              </a:tr>
+              <a:tr h="1014286">
+                <a:tc>
+                  <a:txBody>
+                    <a:bodyPr/>
+                    <a:lstStyle/>
+                    <a:p>
+                      <a:pPr marL="457200">
+                        <a:lnSpc>
+                          <a:spcPct val="115000"/>
+                        </a:lnSpc>
+                        <a:spcAft>
+                          <a:spcPts val="1000"/>
+                        </a:spcAft>
+                      </a:pPr>
+                      <a:r>
+                        <a:rPr lang="en-US" sz="1200">
+                          <a:effectLst/>
+                          <a:latin typeface="Times New Roman" panose="02020603050405020304" pitchFamily="18" charset="0"/>
+                          <a:ea typeface="Calibri" panose="020F0502020204030204" pitchFamily="34" charset="0"/>
+                        </a:rPr>
+                        <a:t>Sự kiện bắt đầu</a:t>
+                      </a:r>
+                      <a:endParaRPr lang="en-US" sz="1800">
+                        <a:effectLst/>
+                        <a:latin typeface="Times New Roman" panose="02020603050405020304" pitchFamily="18" charset="0"/>
+                        <a:ea typeface="Calibri" panose="020F0502020204030204" pitchFamily="34" charset="0"/>
+                      </a:endParaRPr>
+                    </a:p>
+                  </a:txBody>
+                  <a:tcPr marL="68580" marR="68580" marT="0" marB="0"/>
+                </a:tc>
+                <a:tc>
+                  <a:txBody>
+                    <a:bodyPr/>
+                    <a:lstStyle/>
+                    <a:p>
+                      <a:pPr marL="457200">
+                        <a:lnSpc>
+                          <a:spcPct val="115000"/>
+                        </a:lnSpc>
+                        <a:spcAft>
+                          <a:spcPts val="1000"/>
+                        </a:spcAft>
+                      </a:pPr>
+                      <a:r>
+                        <a:rPr lang="en-US" sz="1200" smtClean="0">
+                          <a:effectLst/>
+                          <a:latin typeface="Times New Roman"/>
+                          <a:ea typeface="Calibri"/>
+                        </a:rPr>
+                        <a:t>Admin chọn vào chức năng mà mình muốn thực hiện: thêm, xóa, hiển thị thông tin</a:t>
+                      </a:r>
+                      <a:endParaRPr lang="en-US" sz="1800">
+                        <a:effectLst/>
+                        <a:latin typeface="Times New Roman" panose="02020603050405020304" pitchFamily="18" charset="0"/>
+                        <a:ea typeface="Calibri" panose="020F0502020204030204" pitchFamily="34" charset="0"/>
+                      </a:endParaRPr>
+                    </a:p>
+                  </a:txBody>
+                  <a:tcPr marL="68580" marR="68580" marT="0" marB="0"/>
+                </a:tc>
+                <a:extLst>
+                  <a:ext uri="{0D108BD9-81ED-4DB2-BD59-A6C34878D82A}">
+                    <a16:rowId xmlns:a16="http://schemas.microsoft.com/office/drawing/2014/main" xmlns="" val="1865154138"/>
+                  </a:ext>
+                </a:extLst>
+              </a:tr>
+              <a:tr h="1071176">
+                <a:tc>
+                  <a:txBody>
+                    <a:bodyPr/>
+                    <a:lstStyle/>
+                    <a:p>
+                      <a:pPr marL="457200">
+                        <a:lnSpc>
+                          <a:spcPct val="115000"/>
+                        </a:lnSpc>
+                        <a:spcAft>
+                          <a:spcPts val="1000"/>
+                        </a:spcAft>
+                      </a:pPr>
+                      <a:r>
+                        <a:rPr lang="en-US" sz="1200">
+                          <a:effectLst/>
+                          <a:latin typeface="Times New Roman" panose="02020603050405020304" pitchFamily="18" charset="0"/>
+                          <a:ea typeface="Calibri" panose="020F0502020204030204" pitchFamily="34" charset="0"/>
+                        </a:rPr>
+                        <a:t>Sự kiện kết thúc</a:t>
+                      </a:r>
+                      <a:endParaRPr lang="en-US" sz="1800">
+                        <a:effectLst/>
+                        <a:latin typeface="Times New Roman" panose="02020603050405020304" pitchFamily="18" charset="0"/>
+                        <a:ea typeface="Calibri" panose="020F0502020204030204" pitchFamily="34" charset="0"/>
+                      </a:endParaRPr>
+                    </a:p>
+                  </a:txBody>
+                  <a:tcPr marL="68580" marR="68580" marT="0" marB="0"/>
+                </a:tc>
+                <a:tc>
+                  <a:txBody>
+                    <a:bodyPr/>
+                    <a:lstStyle/>
+                    <a:p>
+                      <a:pPr marL="457200">
+                        <a:lnSpc>
+                          <a:spcPct val="115000"/>
+                        </a:lnSpc>
+                        <a:spcAft>
+                          <a:spcPts val="1000"/>
+                        </a:spcAft>
+                      </a:pPr>
+                      <a:r>
+                        <a:rPr lang="en-US" sz="1200" smtClean="0">
+                          <a:effectLst/>
+                          <a:latin typeface="Times New Roman"/>
+                          <a:ea typeface="Calibri"/>
+                        </a:rPr>
+                        <a:t>Mọi thao tác sau khi admin nhấn lưu hoặc đồng ý sẽ được lưu xuống cơ sở dữ liệu</a:t>
+                      </a:r>
+                      <a:endParaRPr lang="en-US" sz="1800">
+                        <a:effectLst/>
+                        <a:latin typeface="Times New Roman" panose="02020603050405020304" pitchFamily="18" charset="0"/>
+                        <a:ea typeface="Calibri" panose="020F0502020204030204" pitchFamily="34" charset="0"/>
+                      </a:endParaRPr>
+                    </a:p>
+                  </a:txBody>
+                  <a:tcPr marL="68580" marR="68580" marT="0" marB="0"/>
+                </a:tc>
+                <a:extLst>
+                  <a:ext uri="{0D108BD9-81ED-4DB2-BD59-A6C34878D82A}">
+                    <a16:rowId xmlns:a16="http://schemas.microsoft.com/office/drawing/2014/main" xmlns="" val="2349520489"/>
+                  </a:ext>
+                </a:extLst>
+              </a:tr>
+            </a:tbl>
+          </a:graphicData>
+        </a:graphic>
+      </p:graphicFrame>
+    </p:spTree>
+    <p:extLst>
+      <p:ext uri="{BB962C8B-B14F-4D97-AF65-F5344CB8AC3E}">
+        <p14:creationId xmlns:p14="http://schemas.microsoft.com/office/powerpoint/2010/main" val="464669630"/>
+      </p:ext>
+    </p:extLst>
+  </p:cSld>
+  <p:clrMapOvr>
+    <a:masterClrMapping/>
+  </p:clrMapOvr>
+</p:sld>
+</file>
+
+<file path=ppt/slides/slide16.xml><?xml version="1.0" encoding="utf-8"?>
+<p:sld xmlns:a="http://schemas.openxmlformats.org/drawingml/2006/main" xmlns:r="http://schemas.openxmlformats.org/officeDocument/2006/relationships" xmlns:p="http://schemas.openxmlformats.org/presentationml/2006/main">
+  <p:cSld>
+    <p:spTree>
+      <p:nvGrpSpPr>
+        <p:cNvPr id="1" name=""/>
+        <p:cNvGrpSpPr/>
+        <p:nvPr/>
+      </p:nvGrpSpPr>
+      <p:grpSpPr>
+        <a:xfrm>
+          <a:off x="0" y="0"/>
+          <a:ext cx="0" cy="0"/>
+          <a:chOff x="0" y="0"/>
+          <a:chExt cx="0" cy="0"/>
+        </a:xfrm>
+      </p:grpSpPr>
+      <p:sp>
+        <p:nvSpPr>
+          <p:cNvPr id="2" name="Title 1">
+            <a:extLst>
+              <a:ext uri="{FF2B5EF4-FFF2-40B4-BE49-F238E27FC236}">
+                <a16:creationId xmlns:a16="http://schemas.microsoft.com/office/drawing/2014/main" xmlns="" id="{26331D5B-BA20-4A09-A896-36B59BC18D8B}"/>
               </a:ext>
             </a:extLst>
           </p:cNvPr>
@@ -16812,7 +19255,7 @@
           <p:cNvPr id="6" name="Picture 5" descr="Diagram&#10;&#10;Description automatically generated">
             <a:extLst>
               <a:ext uri="{FF2B5EF4-FFF2-40B4-BE49-F238E27FC236}">
-                <a16:creationId xmlns:a16="http://schemas.microsoft.com/office/drawing/2014/main" id="{36482AA9-5263-47D1-80F4-473ED7B6F519}"/>
+                <a16:creationId xmlns:a16="http://schemas.microsoft.com/office/drawing/2014/main" xmlns="" id="{36482AA9-5263-47D1-80F4-473ED7B6F519}"/>
               </a:ext>
             </a:extLst>
           </p:cNvPr>
@@ -16856,7 +19299,7 @@
 </p:sld>
 </file>
 
-<file path=ppt/slides/slide15.xml><?xml version="1.0" encoding="utf-8"?>
+<file path=ppt/slides/slide17.xml><?xml version="1.0" encoding="utf-8"?>
 <p:sld xmlns:a="http://schemas.openxmlformats.org/drawingml/2006/main" xmlns:r="http://schemas.openxmlformats.org/officeDocument/2006/relationships" xmlns:p="http://schemas.openxmlformats.org/presentationml/2006/main">
   <p:cSld>
     <p:spTree>
@@ -16878,7 +19321,7 @@
           <p:cNvPr id="2" name="Title 1">
             <a:extLst>
               <a:ext uri="{FF2B5EF4-FFF2-40B4-BE49-F238E27FC236}">
-                <a16:creationId xmlns:a16="http://schemas.microsoft.com/office/drawing/2014/main" id="{26331D5B-BA20-4A09-A896-36B59BC18D8B}"/>
+                <a16:creationId xmlns:a16="http://schemas.microsoft.com/office/drawing/2014/main" xmlns="" id="{26331D5B-BA20-4A09-A896-36B59BC18D8B}"/>
               </a:ext>
             </a:extLst>
           </p:cNvPr>
@@ -16912,7 +19355,7 @@
           <p:cNvPr id="4" name="Picture 3">
             <a:extLst>
               <a:ext uri="{FF2B5EF4-FFF2-40B4-BE49-F238E27FC236}">
-                <a16:creationId xmlns:a16="http://schemas.microsoft.com/office/drawing/2014/main" id="{3766AB98-958C-4178-B60C-0D42531DE96C}"/>
+                <a16:creationId xmlns:a16="http://schemas.microsoft.com/office/drawing/2014/main" xmlns="" id="{3766AB98-958C-4178-B60C-0D42531DE96C}"/>
               </a:ext>
             </a:extLst>
           </p:cNvPr>
@@ -16959,7 +19402,7 @@
 </p:sld>
 </file>
 
-<file path=ppt/slides/slide16.xml><?xml version="1.0" encoding="utf-8"?>
+<file path=ppt/slides/slide18.xml><?xml version="1.0" encoding="utf-8"?>
 <p:sld xmlns:a="http://schemas.openxmlformats.org/drawingml/2006/main" xmlns:r="http://schemas.openxmlformats.org/officeDocument/2006/relationships" xmlns:p="http://schemas.openxmlformats.org/presentationml/2006/main">
   <p:cSld>
     <p:spTree>
@@ -16981,7 +19424,7 @@
           <p:cNvPr id="2" name="Title 1">
             <a:extLst>
               <a:ext uri="{FF2B5EF4-FFF2-40B4-BE49-F238E27FC236}">
-                <a16:creationId xmlns:a16="http://schemas.microsoft.com/office/drawing/2014/main" id="{26331D5B-BA20-4A09-A896-36B59BC18D8B}"/>
+                <a16:creationId xmlns:a16="http://schemas.microsoft.com/office/drawing/2014/main" xmlns="" id="{26331D5B-BA20-4A09-A896-36B59BC18D8B}"/>
               </a:ext>
             </a:extLst>
           </p:cNvPr>
@@ -17015,7 +19458,7 @@
           <p:cNvPr id="4" name="Picture 3">
             <a:extLst>
               <a:ext uri="{FF2B5EF4-FFF2-40B4-BE49-F238E27FC236}">
-                <a16:creationId xmlns:a16="http://schemas.microsoft.com/office/drawing/2014/main" id="{5A91B76D-C41C-4C56-8688-B56E6ED78A0B}"/>
+                <a16:creationId xmlns:a16="http://schemas.microsoft.com/office/drawing/2014/main" xmlns="" id="{5A91B76D-C41C-4C56-8688-B56E6ED78A0B}"/>
               </a:ext>
             </a:extLst>
           </p:cNvPr>
@@ -17057,7 +19500,7 @@
 </p:sld>
 </file>
 
-<file path=ppt/slides/slide17.xml><?xml version="1.0" encoding="utf-8"?>
+<file path=ppt/slides/slide19.xml><?xml version="1.0" encoding="utf-8"?>
 <p:sld xmlns:a="http://schemas.openxmlformats.org/drawingml/2006/main" xmlns:r="http://schemas.openxmlformats.org/officeDocument/2006/relationships" xmlns:p="http://schemas.openxmlformats.org/presentationml/2006/main">
   <p:cSld>
     <p:spTree>
@@ -17079,7 +19522,7 @@
           <p:cNvPr id="2" name="Title 1">
             <a:extLst>
               <a:ext uri="{FF2B5EF4-FFF2-40B4-BE49-F238E27FC236}">
-                <a16:creationId xmlns:a16="http://schemas.microsoft.com/office/drawing/2014/main" id="{26331D5B-BA20-4A09-A896-36B59BC18D8B}"/>
+                <a16:creationId xmlns:a16="http://schemas.microsoft.com/office/drawing/2014/main" xmlns="" id="{26331D5B-BA20-4A09-A896-36B59BC18D8B}"/>
               </a:ext>
             </a:extLst>
           </p:cNvPr>
@@ -17113,7 +19556,7 @@
           <p:cNvPr id="5" name="Picture 4">
             <a:extLst>
               <a:ext uri="{FF2B5EF4-FFF2-40B4-BE49-F238E27FC236}">
-                <a16:creationId xmlns:a16="http://schemas.microsoft.com/office/drawing/2014/main" id="{7AAFF4B8-B6B6-4030-AAF4-F6B196DB3C29}"/>
+                <a16:creationId xmlns:a16="http://schemas.microsoft.com/office/drawing/2014/main" xmlns="" id="{7AAFF4B8-B6B6-4030-AAF4-F6B196DB3C29}"/>
               </a:ext>
             </a:extLst>
           </p:cNvPr>
@@ -17155,236 +19598,6 @@
 </p:sld>
 </file>
 
-<file path=ppt/slides/slide18.xml><?xml version="1.0" encoding="utf-8"?>
-<p:sld xmlns:a="http://schemas.openxmlformats.org/drawingml/2006/main" xmlns:r="http://schemas.openxmlformats.org/officeDocument/2006/relationships" xmlns:p="http://schemas.openxmlformats.org/presentationml/2006/main">
-  <p:cSld>
-    <p:spTree>
-      <p:nvGrpSpPr>
-        <p:cNvPr id="1" name=""/>
-        <p:cNvGrpSpPr/>
-        <p:nvPr/>
-      </p:nvGrpSpPr>
-      <p:grpSpPr>
-        <a:xfrm>
-          <a:off x="0" y="0"/>
-          <a:ext cx="0" cy="0"/>
-          <a:chOff x="0" y="0"/>
-          <a:chExt cx="0" cy="0"/>
-        </a:xfrm>
-      </p:grpSpPr>
-      <p:sp>
-        <p:nvSpPr>
-          <p:cNvPr id="2" name="Title 1">
-            <a:extLst>
-              <a:ext uri="{FF2B5EF4-FFF2-40B4-BE49-F238E27FC236}">
-                <a16:creationId xmlns:a16="http://schemas.microsoft.com/office/drawing/2014/main" id="{26331D5B-BA20-4A09-A896-36B59BC18D8B}"/>
-              </a:ext>
-            </a:extLst>
-          </p:cNvPr>
-          <p:cNvSpPr>
-            <a:spLocks noGrp="1"/>
-          </p:cNvSpPr>
-          <p:nvPr>
-            <p:ph type="title"/>
-          </p:nvPr>
-        </p:nvSpPr>
-        <p:spPr>
-          <a:xfrm>
-            <a:off x="1484311" y="685801"/>
-            <a:ext cx="10018713" cy="728330"/>
-          </a:xfrm>
-        </p:spPr>
-        <p:txBody>
-          <a:bodyPr/>
-          <a:lstStyle/>
-          <a:p>
-            <a:pPr algn="l"/>
-            <a:r>
-              <a:rPr lang="en-US"/>
-              <a:t>Sequence Diagram: Làm bài kiểm tra</a:t>
-            </a:r>
-          </a:p>
-        </p:txBody>
-      </p:sp>
-      <p:pic>
-        <p:nvPicPr>
-          <p:cNvPr id="6" name="Picture 5">
-            <a:extLst>
-              <a:ext uri="{FF2B5EF4-FFF2-40B4-BE49-F238E27FC236}">
-                <a16:creationId xmlns:a16="http://schemas.microsoft.com/office/drawing/2014/main" id="{892D81DB-FF84-49DB-BB79-4945DAA916BC}"/>
-              </a:ext>
-            </a:extLst>
-          </p:cNvPr>
-          <p:cNvPicPr/>
-          <p:nvPr/>
-        </p:nvPicPr>
-        <p:blipFill>
-          <a:blip r:embed="rId3">
-            <a:extLst>
-              <a:ext uri="{28A0092B-C50C-407E-A947-70E740481C1C}">
-                <a14:useLocalDpi xmlns:a14="http://schemas.microsoft.com/office/drawing/2010/main" val="0"/>
-              </a:ext>
-            </a:extLst>
-          </a:blip>
-          <a:stretch>
-            <a:fillRect/>
-          </a:stretch>
-        </p:blipFill>
-        <p:spPr>
-          <a:xfrm>
-            <a:off x="1932128" y="1920240"/>
-            <a:ext cx="8327744" cy="4703844"/>
-          </a:xfrm>
-          <a:prstGeom prst="rect">
-            <a:avLst/>
-          </a:prstGeom>
-        </p:spPr>
-      </p:pic>
-    </p:spTree>
-    <p:extLst>
-      <p:ext uri="{BB962C8B-B14F-4D97-AF65-F5344CB8AC3E}">
-        <p14:creationId xmlns:p14="http://schemas.microsoft.com/office/powerpoint/2010/main" val="4069680054"/>
-      </p:ext>
-    </p:extLst>
-  </p:cSld>
-  <p:clrMapOvr>
-    <a:masterClrMapping/>
-  </p:clrMapOvr>
-</p:sld>
-</file>
-
-<file path=ppt/slides/slide19.xml><?xml version="1.0" encoding="utf-8"?>
-<p:sld xmlns:a="http://schemas.openxmlformats.org/drawingml/2006/main" xmlns:r="http://schemas.openxmlformats.org/officeDocument/2006/relationships" xmlns:p="http://schemas.openxmlformats.org/presentationml/2006/main">
-  <p:cSld>
-    <p:spTree>
-      <p:nvGrpSpPr>
-        <p:cNvPr id="1" name=""/>
-        <p:cNvGrpSpPr/>
-        <p:nvPr/>
-      </p:nvGrpSpPr>
-      <p:grpSpPr>
-        <a:xfrm>
-          <a:off x="0" y="0"/>
-          <a:ext cx="0" cy="0"/>
-          <a:chOff x="0" y="0"/>
-          <a:chExt cx="0" cy="0"/>
-        </a:xfrm>
-      </p:grpSpPr>
-      <p:sp>
-        <p:nvSpPr>
-          <p:cNvPr id="2" name="Title 1">
-            <a:extLst>
-              <a:ext uri="{FF2B5EF4-FFF2-40B4-BE49-F238E27FC236}">
-                <a16:creationId xmlns:a16="http://schemas.microsoft.com/office/drawing/2014/main" id="{26331D5B-BA20-4A09-A896-36B59BC18D8B}"/>
-              </a:ext>
-            </a:extLst>
-          </p:cNvPr>
-          <p:cNvSpPr>
-            <a:spLocks noGrp="1"/>
-          </p:cNvSpPr>
-          <p:nvPr>
-            <p:ph type="title"/>
-          </p:nvPr>
-        </p:nvSpPr>
-        <p:spPr>
-          <a:xfrm>
-            <a:off x="1484311" y="685801"/>
-            <a:ext cx="10018713" cy="728330"/>
-          </a:xfrm>
-        </p:spPr>
-        <p:txBody>
-          <a:bodyPr/>
-          <a:lstStyle/>
-          <a:p>
-            <a:pPr algn="l"/>
-            <a:r>
-              <a:rPr lang="en-US"/>
-              <a:t>Sequence Diagram: Quản lý tài khoản</a:t>
-            </a:r>
-          </a:p>
-        </p:txBody>
-      </p:sp>
-      <p:pic>
-        <p:nvPicPr>
-          <p:cNvPr id="4" name="Picture 3">
-            <a:extLst>
-              <a:ext uri="{FF2B5EF4-FFF2-40B4-BE49-F238E27FC236}">
-                <a16:creationId xmlns:a16="http://schemas.microsoft.com/office/drawing/2014/main" id="{05EC9DF1-79B9-4F05-97F6-18A73376A6B9}"/>
-              </a:ext>
-            </a:extLst>
-          </p:cNvPr>
-          <p:cNvPicPr/>
-          <p:nvPr/>
-        </p:nvPicPr>
-        <p:blipFill>
-          <a:blip r:embed="rId3">
-            <a:extLst>
-              <a:ext uri="{28A0092B-C50C-407E-A947-70E740481C1C}">
-                <a14:useLocalDpi xmlns:a14="http://schemas.microsoft.com/office/drawing/2010/main" val="0"/>
-              </a:ext>
-            </a:extLst>
-          </a:blip>
-          <a:stretch>
-            <a:fillRect/>
-          </a:stretch>
-        </p:blipFill>
-        <p:spPr>
-          <a:xfrm>
-            <a:off x="3621575" y="1536700"/>
-            <a:ext cx="4948850" cy="3403548"/>
-          </a:xfrm>
-          <a:prstGeom prst="rect">
-            <a:avLst/>
-          </a:prstGeom>
-        </p:spPr>
-      </p:pic>
-      <p:pic>
-        <p:nvPicPr>
-          <p:cNvPr id="5" name="Picture 4">
-            <a:extLst>
-              <a:ext uri="{FF2B5EF4-FFF2-40B4-BE49-F238E27FC236}">
-                <a16:creationId xmlns:a16="http://schemas.microsoft.com/office/drawing/2014/main" id="{99A6E851-61EF-4967-9ABE-3B2368B4CA57}"/>
-              </a:ext>
-            </a:extLst>
-          </p:cNvPr>
-          <p:cNvPicPr/>
-          <p:nvPr/>
-        </p:nvPicPr>
-        <p:blipFill>
-          <a:blip r:embed="rId4">
-            <a:extLst>
-              <a:ext uri="{28A0092B-C50C-407E-A947-70E740481C1C}">
-                <a14:useLocalDpi xmlns:a14="http://schemas.microsoft.com/office/drawing/2010/main" val="0"/>
-              </a:ext>
-            </a:extLst>
-          </a:blip>
-          <a:stretch>
-            <a:fillRect/>
-          </a:stretch>
-        </p:blipFill>
-        <p:spPr>
-          <a:xfrm>
-            <a:off x="3621575" y="4940248"/>
-            <a:ext cx="4948850" cy="1656512"/>
-          </a:xfrm>
-          <a:prstGeom prst="rect">
-            <a:avLst/>
-          </a:prstGeom>
-        </p:spPr>
-      </p:pic>
-    </p:spTree>
-    <p:extLst>
-      <p:ext uri="{BB962C8B-B14F-4D97-AF65-F5344CB8AC3E}">
-        <p14:creationId xmlns:p14="http://schemas.microsoft.com/office/powerpoint/2010/main" val="4066355671"/>
-      </p:ext>
-    </p:extLst>
-  </p:cSld>
-  <p:clrMapOvr>
-    <a:masterClrMapping/>
-  </p:clrMapOvr>
-</p:sld>
-</file>
-
 <file path=ppt/slides/slide2.xml><?xml version="1.0" encoding="utf-8"?>
 <p:sld xmlns:a="http://schemas.openxmlformats.org/drawingml/2006/main" xmlns:r="http://schemas.openxmlformats.org/officeDocument/2006/relationships" xmlns:p="http://schemas.openxmlformats.org/presentationml/2006/main">
   <p:cSld>
@@ -17407,7 +19620,7 @@
           <p:cNvPr id="4" name="TextBox 3">
             <a:extLst>
               <a:ext uri="{FF2B5EF4-FFF2-40B4-BE49-F238E27FC236}">
-                <a16:creationId xmlns:a16="http://schemas.microsoft.com/office/drawing/2014/main" id="{B78FD0C1-8AC2-4D62-B2E9-5BF21A2A1358}"/>
+                <a16:creationId xmlns:a16="http://schemas.microsoft.com/office/drawing/2014/main" xmlns="" id="{B78FD0C1-8AC2-4D62-B2E9-5BF21A2A1358}"/>
               </a:ext>
             </a:extLst>
           </p:cNvPr>
@@ -17445,7 +19658,7 @@
           <p:cNvPr id="5" name="TextBox 4">
             <a:extLst>
               <a:ext uri="{FF2B5EF4-FFF2-40B4-BE49-F238E27FC236}">
-                <a16:creationId xmlns:a16="http://schemas.microsoft.com/office/drawing/2014/main" id="{0BF8ED3A-1DDD-4430-BC3C-8DC3392A9DEA}"/>
+                <a16:creationId xmlns:a16="http://schemas.microsoft.com/office/drawing/2014/main" xmlns="" id="{0BF8ED3A-1DDD-4430-BC3C-8DC3392A9DEA}"/>
               </a:ext>
             </a:extLst>
           </p:cNvPr>
@@ -17531,7 +19744,407 @@
           <p:cNvPr id="2" name="Title 1">
             <a:extLst>
               <a:ext uri="{FF2B5EF4-FFF2-40B4-BE49-F238E27FC236}">
-                <a16:creationId xmlns:a16="http://schemas.microsoft.com/office/drawing/2014/main" id="{B325062B-B27C-4192-BE37-BF9D35B41B20}"/>
+                <a16:creationId xmlns:a16="http://schemas.microsoft.com/office/drawing/2014/main" xmlns="" id="{26331D5B-BA20-4A09-A896-36B59BC18D8B}"/>
+              </a:ext>
+            </a:extLst>
+          </p:cNvPr>
+          <p:cNvSpPr>
+            <a:spLocks noGrp="1"/>
+          </p:cNvSpPr>
+          <p:nvPr>
+            <p:ph type="title"/>
+          </p:nvPr>
+        </p:nvSpPr>
+        <p:spPr>
+          <a:xfrm>
+            <a:off x="1484311" y="685801"/>
+            <a:ext cx="10018713" cy="728330"/>
+          </a:xfrm>
+        </p:spPr>
+        <p:txBody>
+          <a:bodyPr>
+            <a:normAutofit fontScale="90000"/>
+          </a:bodyPr>
+          <a:lstStyle/>
+          <a:p>
+            <a:pPr algn="l"/>
+            <a:r>
+              <a:rPr lang="en-US"/>
+              <a:t>Sequence Diagram: </a:t>
+            </a:r>
+            <a:r>
+              <a:rPr lang="en-US" smtClean="0"/>
+              <a:t>Hiển thị bài học, bài kiểm tra</a:t>
+            </a:r>
+            <a:endParaRPr lang="en-US"/>
+          </a:p>
+        </p:txBody>
+      </p:sp>
+      <p:pic>
+        <p:nvPicPr>
+          <p:cNvPr id="3" name="Picture 2"/>
+          <p:cNvPicPr>
+            <a:picLocks noChangeAspect="1"/>
+          </p:cNvPicPr>
+          <p:nvPr/>
+        </p:nvPicPr>
+        <p:blipFill>
+          <a:blip r:embed="rId3">
+            <a:extLst>
+              <a:ext uri="{28A0092B-C50C-407E-A947-70E740481C1C}">
+                <a14:useLocalDpi xmlns:a14="http://schemas.microsoft.com/office/drawing/2010/main" val="0"/>
+              </a:ext>
+            </a:extLst>
+          </a:blip>
+          <a:stretch>
+            <a:fillRect/>
+          </a:stretch>
+        </p:blipFill>
+        <p:spPr>
+          <a:xfrm>
+            <a:off x="3000762" y="1557338"/>
+            <a:ext cx="7474639" cy="4400550"/>
+          </a:xfrm>
+          <a:prstGeom prst="rect">
+            <a:avLst/>
+          </a:prstGeom>
+        </p:spPr>
+      </p:pic>
+    </p:spTree>
+    <p:extLst>
+      <p:ext uri="{BB962C8B-B14F-4D97-AF65-F5344CB8AC3E}">
+        <p14:creationId xmlns:p14="http://schemas.microsoft.com/office/powerpoint/2010/main" val="4069680054"/>
+      </p:ext>
+    </p:extLst>
+  </p:cSld>
+  <p:clrMapOvr>
+    <a:masterClrMapping/>
+  </p:clrMapOvr>
+</p:sld>
+</file>
+
+<file path=ppt/slides/slide21.xml><?xml version="1.0" encoding="utf-8"?>
+<p:sld xmlns:a="http://schemas.openxmlformats.org/drawingml/2006/main" xmlns:r="http://schemas.openxmlformats.org/officeDocument/2006/relationships" xmlns:p="http://schemas.openxmlformats.org/presentationml/2006/main">
+  <p:cSld>
+    <p:spTree>
+      <p:nvGrpSpPr>
+        <p:cNvPr id="1" name=""/>
+        <p:cNvGrpSpPr/>
+        <p:nvPr/>
+      </p:nvGrpSpPr>
+      <p:grpSpPr>
+        <a:xfrm>
+          <a:off x="0" y="0"/>
+          <a:ext cx="0" cy="0"/>
+          <a:chOff x="0" y="0"/>
+          <a:chExt cx="0" cy="0"/>
+        </a:xfrm>
+      </p:grpSpPr>
+      <p:sp>
+        <p:nvSpPr>
+          <p:cNvPr id="2" name="Title 1">
+            <a:extLst>
+              <a:ext uri="{FF2B5EF4-FFF2-40B4-BE49-F238E27FC236}">
+                <a16:creationId xmlns:a16="http://schemas.microsoft.com/office/drawing/2014/main" xmlns="" id="{26331D5B-BA20-4A09-A896-36B59BC18D8B}"/>
+              </a:ext>
+            </a:extLst>
+          </p:cNvPr>
+          <p:cNvSpPr>
+            <a:spLocks noGrp="1"/>
+          </p:cNvSpPr>
+          <p:nvPr>
+            <p:ph type="title"/>
+          </p:nvPr>
+        </p:nvSpPr>
+        <p:spPr>
+          <a:xfrm>
+            <a:off x="1484311" y="685801"/>
+            <a:ext cx="10018713" cy="728330"/>
+          </a:xfrm>
+        </p:spPr>
+        <p:txBody>
+          <a:bodyPr/>
+          <a:lstStyle/>
+          <a:p>
+            <a:pPr algn="l"/>
+            <a:r>
+              <a:rPr lang="en-US"/>
+              <a:t>Sequence Diagram: Quản lý tài </a:t>
+            </a:r>
+            <a:r>
+              <a:rPr lang="en-US" smtClean="0"/>
+              <a:t>khoản (thêm)</a:t>
+            </a:r>
+            <a:endParaRPr lang="en-US"/>
+          </a:p>
+        </p:txBody>
+      </p:sp>
+      <p:pic>
+        <p:nvPicPr>
+          <p:cNvPr id="8" name="Picture 7"/>
+          <p:cNvPicPr>
+            <a:picLocks noChangeAspect="1"/>
+          </p:cNvPicPr>
+          <p:nvPr/>
+        </p:nvPicPr>
+        <p:blipFill>
+          <a:blip r:embed="rId3">
+            <a:extLst>
+              <a:ext uri="{28A0092B-C50C-407E-A947-70E740481C1C}">
+                <a14:useLocalDpi xmlns:a14="http://schemas.microsoft.com/office/drawing/2010/main" val="0"/>
+              </a:ext>
+            </a:extLst>
+          </a:blip>
+          <a:stretch>
+            <a:fillRect/>
+          </a:stretch>
+        </p:blipFill>
+        <p:spPr>
+          <a:xfrm>
+            <a:off x="1948381" y="1643285"/>
+            <a:ext cx="9167294" cy="4168184"/>
+          </a:xfrm>
+          <a:prstGeom prst="rect">
+            <a:avLst/>
+          </a:prstGeom>
+        </p:spPr>
+      </p:pic>
+    </p:spTree>
+    <p:extLst>
+      <p:ext uri="{BB962C8B-B14F-4D97-AF65-F5344CB8AC3E}">
+        <p14:creationId xmlns:p14="http://schemas.microsoft.com/office/powerpoint/2010/main" val="4066355671"/>
+      </p:ext>
+    </p:extLst>
+  </p:cSld>
+  <p:clrMapOvr>
+    <a:masterClrMapping/>
+  </p:clrMapOvr>
+</p:sld>
+</file>
+
+<file path=ppt/slides/slide22.xml><?xml version="1.0" encoding="utf-8"?>
+<p:sld xmlns:a="http://schemas.openxmlformats.org/drawingml/2006/main" xmlns:r="http://schemas.openxmlformats.org/officeDocument/2006/relationships" xmlns:p="http://schemas.openxmlformats.org/presentationml/2006/main">
+  <p:cSld>
+    <p:spTree>
+      <p:nvGrpSpPr>
+        <p:cNvPr id="1" name=""/>
+        <p:cNvGrpSpPr/>
+        <p:nvPr/>
+      </p:nvGrpSpPr>
+      <p:grpSpPr>
+        <a:xfrm>
+          <a:off x="0" y="0"/>
+          <a:ext cx="0" cy="0"/>
+          <a:chOff x="0" y="0"/>
+          <a:chExt cx="0" cy="0"/>
+        </a:xfrm>
+      </p:grpSpPr>
+      <p:sp>
+        <p:nvSpPr>
+          <p:cNvPr id="2" name="Title 1">
+            <a:extLst>
+              <a:ext uri="{FF2B5EF4-FFF2-40B4-BE49-F238E27FC236}">
+                <a16:creationId xmlns:a16="http://schemas.microsoft.com/office/drawing/2014/main" xmlns="" id="{26331D5B-BA20-4A09-A896-36B59BC18D8B}"/>
+              </a:ext>
+            </a:extLst>
+          </p:cNvPr>
+          <p:cNvSpPr>
+            <a:spLocks noGrp="1"/>
+          </p:cNvSpPr>
+          <p:nvPr>
+            <p:ph type="title"/>
+          </p:nvPr>
+        </p:nvSpPr>
+        <p:spPr>
+          <a:xfrm>
+            <a:off x="1484311" y="685801"/>
+            <a:ext cx="10018713" cy="728330"/>
+          </a:xfrm>
+        </p:spPr>
+        <p:txBody>
+          <a:bodyPr/>
+          <a:lstStyle/>
+          <a:p>
+            <a:pPr algn="l"/>
+            <a:r>
+              <a:rPr lang="en-US"/>
+              <a:t>Sequence Diagram: Quản lý tài </a:t>
+            </a:r>
+            <a:r>
+              <a:rPr lang="en-US" smtClean="0"/>
+              <a:t>khoản (xóa)</a:t>
+            </a:r>
+            <a:endParaRPr lang="en-US"/>
+          </a:p>
+        </p:txBody>
+      </p:sp>
+      <p:pic>
+        <p:nvPicPr>
+          <p:cNvPr id="3" name="Picture 2"/>
+          <p:cNvPicPr>
+            <a:picLocks noChangeAspect="1"/>
+          </p:cNvPicPr>
+          <p:nvPr/>
+        </p:nvPicPr>
+        <p:blipFill>
+          <a:blip r:embed="rId3">
+            <a:extLst>
+              <a:ext uri="{28A0092B-C50C-407E-A947-70E740481C1C}">
+                <a14:useLocalDpi xmlns:a14="http://schemas.microsoft.com/office/drawing/2010/main" val="0"/>
+              </a:ext>
+            </a:extLst>
+          </a:blip>
+          <a:stretch>
+            <a:fillRect/>
+          </a:stretch>
+        </p:blipFill>
+        <p:spPr>
+          <a:xfrm>
+            <a:off x="1924571" y="1633761"/>
+            <a:ext cx="9416798" cy="4052663"/>
+          </a:xfrm>
+          <a:prstGeom prst="rect">
+            <a:avLst/>
+          </a:prstGeom>
+        </p:spPr>
+      </p:pic>
+    </p:spTree>
+    <p:extLst>
+      <p:ext uri="{BB962C8B-B14F-4D97-AF65-F5344CB8AC3E}">
+        <p14:creationId xmlns:p14="http://schemas.microsoft.com/office/powerpoint/2010/main" val="2367809477"/>
+      </p:ext>
+    </p:extLst>
+  </p:cSld>
+  <p:clrMapOvr>
+    <a:masterClrMapping/>
+  </p:clrMapOvr>
+</p:sld>
+</file>
+
+<file path=ppt/slides/slide23.xml><?xml version="1.0" encoding="utf-8"?>
+<p:sld xmlns:a="http://schemas.openxmlformats.org/drawingml/2006/main" xmlns:r="http://schemas.openxmlformats.org/officeDocument/2006/relationships" xmlns:p="http://schemas.openxmlformats.org/presentationml/2006/main">
+  <p:cSld>
+    <p:spTree>
+      <p:nvGrpSpPr>
+        <p:cNvPr id="1" name=""/>
+        <p:cNvGrpSpPr/>
+        <p:nvPr/>
+      </p:nvGrpSpPr>
+      <p:grpSpPr>
+        <a:xfrm>
+          <a:off x="0" y="0"/>
+          <a:ext cx="0" cy="0"/>
+          <a:chOff x="0" y="0"/>
+          <a:chExt cx="0" cy="0"/>
+        </a:xfrm>
+      </p:grpSpPr>
+      <p:sp>
+        <p:nvSpPr>
+          <p:cNvPr id="2" name="Title 1">
+            <a:extLst>
+              <a:ext uri="{FF2B5EF4-FFF2-40B4-BE49-F238E27FC236}">
+                <a16:creationId xmlns:a16="http://schemas.microsoft.com/office/drawing/2014/main" xmlns="" id="{26331D5B-BA20-4A09-A896-36B59BC18D8B}"/>
+              </a:ext>
+            </a:extLst>
+          </p:cNvPr>
+          <p:cNvSpPr>
+            <a:spLocks noGrp="1"/>
+          </p:cNvSpPr>
+          <p:nvPr>
+            <p:ph type="title"/>
+          </p:nvPr>
+        </p:nvSpPr>
+        <p:spPr>
+          <a:xfrm>
+            <a:off x="1484311" y="685801"/>
+            <a:ext cx="10018713" cy="728330"/>
+          </a:xfrm>
+        </p:spPr>
+        <p:txBody>
+          <a:bodyPr>
+            <a:normAutofit/>
+          </a:bodyPr>
+          <a:lstStyle/>
+          <a:p>
+            <a:pPr algn="l"/>
+            <a:r>
+              <a:rPr lang="en-US"/>
+              <a:t>Sequence Diagram: Quản lý tài </a:t>
+            </a:r>
+            <a:r>
+              <a:rPr lang="en-US" smtClean="0"/>
+              <a:t>khoản (xem)</a:t>
+            </a:r>
+            <a:endParaRPr lang="en-US"/>
+          </a:p>
+        </p:txBody>
+      </p:sp>
+      <p:pic>
+        <p:nvPicPr>
+          <p:cNvPr id="3" name="Picture 2"/>
+          <p:cNvPicPr>
+            <a:picLocks noChangeAspect="1"/>
+          </p:cNvPicPr>
+          <p:nvPr/>
+        </p:nvPicPr>
+        <p:blipFill>
+          <a:blip r:embed="rId3">
+            <a:extLst>
+              <a:ext uri="{28A0092B-C50C-407E-A947-70E740481C1C}">
+                <a14:useLocalDpi xmlns:a14="http://schemas.microsoft.com/office/drawing/2010/main" val="0"/>
+              </a:ext>
+            </a:extLst>
+          </a:blip>
+          <a:stretch>
+            <a:fillRect/>
+          </a:stretch>
+        </p:blipFill>
+        <p:spPr>
+          <a:xfrm>
+            <a:off x="2196000" y="1567095"/>
+            <a:ext cx="9137230" cy="4362218"/>
+          </a:xfrm>
+          <a:prstGeom prst="rect">
+            <a:avLst/>
+          </a:prstGeom>
+        </p:spPr>
+      </p:pic>
+    </p:spTree>
+    <p:extLst>
+      <p:ext uri="{BB962C8B-B14F-4D97-AF65-F5344CB8AC3E}">
+        <p14:creationId xmlns:p14="http://schemas.microsoft.com/office/powerpoint/2010/main" val="1468498536"/>
+      </p:ext>
+    </p:extLst>
+  </p:cSld>
+  <p:clrMapOvr>
+    <a:masterClrMapping/>
+  </p:clrMapOvr>
+</p:sld>
+</file>
+
+<file path=ppt/slides/slide24.xml><?xml version="1.0" encoding="utf-8"?>
+<p:sld xmlns:a="http://schemas.openxmlformats.org/drawingml/2006/main" xmlns:r="http://schemas.openxmlformats.org/officeDocument/2006/relationships" xmlns:p="http://schemas.openxmlformats.org/presentationml/2006/main">
+  <p:cSld>
+    <p:spTree>
+      <p:nvGrpSpPr>
+        <p:cNvPr id="1" name=""/>
+        <p:cNvGrpSpPr/>
+        <p:nvPr/>
+      </p:nvGrpSpPr>
+      <p:grpSpPr>
+        <a:xfrm>
+          <a:off x="0" y="0"/>
+          <a:ext cx="0" cy="0"/>
+          <a:chOff x="0" y="0"/>
+          <a:chExt cx="0" cy="0"/>
+        </a:xfrm>
+      </p:grpSpPr>
+      <p:sp>
+        <p:nvSpPr>
+          <p:cNvPr id="2" name="Title 1">
+            <a:extLst>
+              <a:ext uri="{FF2B5EF4-FFF2-40B4-BE49-F238E27FC236}">
+                <a16:creationId xmlns:a16="http://schemas.microsoft.com/office/drawing/2014/main" xmlns="" id="{B325062B-B27C-4192-BE37-BF9D35B41B20}"/>
               </a:ext>
             </a:extLst>
           </p:cNvPr>
@@ -17565,7 +20178,7 @@
           <p:cNvPr id="4" name="Picture 3" descr="Diagram&#10;&#10;Description automatically generated">
             <a:extLst>
               <a:ext uri="{FF2B5EF4-FFF2-40B4-BE49-F238E27FC236}">
-                <a16:creationId xmlns:a16="http://schemas.microsoft.com/office/drawing/2014/main" id="{A73A24EE-F134-4ABE-8218-82508CE01DAA}"/>
+                <a16:creationId xmlns:a16="http://schemas.microsoft.com/office/drawing/2014/main" xmlns="" id="{A73A24EE-F134-4ABE-8218-82508CE01DAA}"/>
               </a:ext>
             </a:extLst>
           </p:cNvPr>
@@ -17609,7 +20222,7 @@
 </p:sld>
 </file>
 
-<file path=ppt/slides/slide21.xml><?xml version="1.0" encoding="utf-8"?>
+<file path=ppt/slides/slide25.xml><?xml version="1.0" encoding="utf-8"?>
 <p:sld xmlns:a="http://schemas.openxmlformats.org/drawingml/2006/main" xmlns:r="http://schemas.openxmlformats.org/officeDocument/2006/relationships" xmlns:p="http://schemas.openxmlformats.org/presentationml/2006/main">
   <p:cSld>
     <p:spTree>
@@ -17631,7 +20244,7 @@
           <p:cNvPr id="2" name="Title 1">
             <a:extLst>
               <a:ext uri="{FF2B5EF4-FFF2-40B4-BE49-F238E27FC236}">
-                <a16:creationId xmlns:a16="http://schemas.microsoft.com/office/drawing/2014/main" id="{B325062B-B27C-4192-BE37-BF9D35B41B20}"/>
+                <a16:creationId xmlns:a16="http://schemas.microsoft.com/office/drawing/2014/main" xmlns="" id="{B325062B-B27C-4192-BE37-BF9D35B41B20}"/>
               </a:ext>
             </a:extLst>
           </p:cNvPr>
@@ -17665,7 +20278,7 @@
           <p:cNvPr id="5" name="Picture 4">
             <a:extLst>
               <a:ext uri="{FF2B5EF4-FFF2-40B4-BE49-F238E27FC236}">
-                <a16:creationId xmlns:a16="http://schemas.microsoft.com/office/drawing/2014/main" id="{8F185E19-CC12-43CB-A8BD-AEBF1020ECEB}"/>
+                <a16:creationId xmlns:a16="http://schemas.microsoft.com/office/drawing/2014/main" xmlns="" id="{8F185E19-CC12-43CB-A8BD-AEBF1020ECEB}"/>
               </a:ext>
             </a:extLst>
           </p:cNvPr>
@@ -17707,7 +20320,7 @@
 </p:sld>
 </file>
 
-<file path=ppt/slides/slide22.xml><?xml version="1.0" encoding="utf-8"?>
+<file path=ppt/slides/slide26.xml><?xml version="1.0" encoding="utf-8"?>
 <p:sld xmlns:a="http://schemas.openxmlformats.org/drawingml/2006/main" xmlns:r="http://schemas.openxmlformats.org/officeDocument/2006/relationships" xmlns:p="http://schemas.openxmlformats.org/presentationml/2006/main">
   <p:cSld>
     <p:spTree>
@@ -17729,7 +20342,7 @@
           <p:cNvPr id="2" name="Title 1">
             <a:extLst>
               <a:ext uri="{FF2B5EF4-FFF2-40B4-BE49-F238E27FC236}">
-                <a16:creationId xmlns:a16="http://schemas.microsoft.com/office/drawing/2014/main" id="{B325062B-B27C-4192-BE37-BF9D35B41B20}"/>
+                <a16:creationId xmlns:a16="http://schemas.microsoft.com/office/drawing/2014/main" xmlns="" id="{B325062B-B27C-4192-BE37-BF9D35B41B20}"/>
               </a:ext>
             </a:extLst>
           </p:cNvPr>
@@ -17763,7 +20376,7 @@
           <p:cNvPr id="4" name="Picture 3">
             <a:extLst>
               <a:ext uri="{FF2B5EF4-FFF2-40B4-BE49-F238E27FC236}">
-                <a16:creationId xmlns:a16="http://schemas.microsoft.com/office/drawing/2014/main" id="{55E9D5A9-AEC3-4163-8B1C-7B886065FDD3}"/>
+                <a16:creationId xmlns:a16="http://schemas.microsoft.com/office/drawing/2014/main" xmlns="" id="{55E9D5A9-AEC3-4163-8B1C-7B886065FDD3}"/>
               </a:ext>
             </a:extLst>
           </p:cNvPr>
@@ -17805,7 +20418,7 @@
 </p:sld>
 </file>
 
-<file path=ppt/slides/slide23.xml><?xml version="1.0" encoding="utf-8"?>
+<file path=ppt/slides/slide27.xml><?xml version="1.0" encoding="utf-8"?>
 <p:sld xmlns:a="http://schemas.openxmlformats.org/drawingml/2006/main" xmlns:r="http://schemas.openxmlformats.org/officeDocument/2006/relationships" xmlns:p="http://schemas.openxmlformats.org/presentationml/2006/main">
   <p:cSld>
     <p:spTree>
@@ -17827,7 +20440,7 @@
           <p:cNvPr id="2" name="Title 1">
             <a:extLst>
               <a:ext uri="{FF2B5EF4-FFF2-40B4-BE49-F238E27FC236}">
-                <a16:creationId xmlns:a16="http://schemas.microsoft.com/office/drawing/2014/main" id="{B325062B-B27C-4192-BE37-BF9D35B41B20}"/>
+                <a16:creationId xmlns:a16="http://schemas.microsoft.com/office/drawing/2014/main" xmlns="" id="{B325062B-B27C-4192-BE37-BF9D35B41B20}"/>
               </a:ext>
             </a:extLst>
           </p:cNvPr>
@@ -17851,21 +20464,22 @@
             <a:pPr algn="l"/>
             <a:r>
               <a:rPr lang="en-US"/>
-              <a:t>Class diagram: Làm bài test</a:t>
-            </a:r>
+              <a:t>Class diagram: </a:t>
+            </a:r>
+            <a:r>
+              <a:rPr lang="en-US" smtClean="0"/>
+              <a:t>Hiển thị bài học, bài kiểm tra</a:t>
+            </a:r>
+            <a:endParaRPr lang="en-US"/>
           </a:p>
         </p:txBody>
       </p:sp>
       <p:pic>
         <p:nvPicPr>
-          <p:cNvPr id="5" name="Picture 4">
-            <a:extLst>
-              <a:ext uri="{FF2B5EF4-FFF2-40B4-BE49-F238E27FC236}">
-                <a16:creationId xmlns:a16="http://schemas.microsoft.com/office/drawing/2014/main" id="{24BA7500-2CFD-4D8C-9003-B4B44521AB65}"/>
-              </a:ext>
-            </a:extLst>
-          </p:cNvPr>
-          <p:cNvPicPr/>
+          <p:cNvPr id="3" name="Picture 2"/>
+          <p:cNvPicPr>
+            <a:picLocks noChangeAspect="1"/>
+          </p:cNvPicPr>
           <p:nvPr/>
         </p:nvPicPr>
         <p:blipFill>
@@ -17882,8 +20496,8 @@
         </p:blipFill>
         <p:spPr>
           <a:xfrm>
-            <a:off x="1985531" y="2303145"/>
-            <a:ext cx="8220938" cy="3459702"/>
+            <a:off x="1871664" y="2029000"/>
+            <a:ext cx="8329612" cy="3365479"/>
           </a:xfrm>
           <a:prstGeom prst="rect">
             <a:avLst/>
@@ -17903,7 +20517,7 @@
 </p:sld>
 </file>
 
-<file path=ppt/slides/slide24.xml><?xml version="1.0" encoding="utf-8"?>
+<file path=ppt/slides/slide28.xml><?xml version="1.0" encoding="utf-8"?>
 <p:sld xmlns:a="http://schemas.openxmlformats.org/drawingml/2006/main" xmlns:r="http://schemas.openxmlformats.org/officeDocument/2006/relationships" xmlns:p="http://schemas.openxmlformats.org/presentationml/2006/main">
   <p:cSld>
     <p:spTree>
@@ -17925,7 +20539,7 @@
           <p:cNvPr id="2" name="Title 1">
             <a:extLst>
               <a:ext uri="{FF2B5EF4-FFF2-40B4-BE49-F238E27FC236}">
-                <a16:creationId xmlns:a16="http://schemas.microsoft.com/office/drawing/2014/main" id="{B325062B-B27C-4192-BE37-BF9D35B41B20}"/>
+                <a16:creationId xmlns:a16="http://schemas.microsoft.com/office/drawing/2014/main" xmlns="" id="{B325062B-B27C-4192-BE37-BF9D35B41B20}"/>
               </a:ext>
             </a:extLst>
           </p:cNvPr>
@@ -17956,14 +20570,10 @@
       </p:sp>
       <p:pic>
         <p:nvPicPr>
-          <p:cNvPr id="4" name="Picture 3">
-            <a:extLst>
-              <a:ext uri="{FF2B5EF4-FFF2-40B4-BE49-F238E27FC236}">
-                <a16:creationId xmlns:a16="http://schemas.microsoft.com/office/drawing/2014/main" id="{B7147EB6-503A-4686-BDD5-70241FDFFB30}"/>
-              </a:ext>
-            </a:extLst>
-          </p:cNvPr>
-          <p:cNvPicPr/>
+          <p:cNvPr id="3" name="Picture 2"/>
+          <p:cNvPicPr>
+            <a:picLocks noChangeAspect="1"/>
+          </p:cNvPicPr>
           <p:nvPr/>
         </p:nvPicPr>
         <p:blipFill>
@@ -17980,8 +20590,8 @@
         </p:blipFill>
         <p:spPr>
           <a:xfrm>
-            <a:off x="2252733" y="1983104"/>
-            <a:ext cx="7686535" cy="4268839"/>
+            <a:off x="2071688" y="2176619"/>
+            <a:ext cx="9029353" cy="3452656"/>
           </a:xfrm>
           <a:prstGeom prst="rect">
             <a:avLst/>
@@ -18001,7 +20611,7 @@
 </p:sld>
 </file>
 
-<file path=ppt/slides/slide25.xml><?xml version="1.0" encoding="utf-8"?>
+<file path=ppt/slides/slide29.xml><?xml version="1.0" encoding="utf-8"?>
 <p:sld xmlns:a="http://schemas.openxmlformats.org/drawingml/2006/main" xmlns:r="http://schemas.openxmlformats.org/officeDocument/2006/relationships" xmlns:p="http://schemas.openxmlformats.org/presentationml/2006/main">
   <p:cSld>
     <p:spTree>
@@ -18023,7 +20633,7 @@
           <p:cNvPr id="2" name="Title 1">
             <a:extLst>
               <a:ext uri="{FF2B5EF4-FFF2-40B4-BE49-F238E27FC236}">
-                <a16:creationId xmlns:a16="http://schemas.microsoft.com/office/drawing/2014/main" id="{4F2F7ED8-8DAC-473E-82B4-66E440070862}"/>
+                <a16:creationId xmlns:a16="http://schemas.microsoft.com/office/drawing/2014/main" xmlns="" id="{4F2F7ED8-8DAC-473E-82B4-66E440070862}"/>
               </a:ext>
             </a:extLst>
           </p:cNvPr>
@@ -18057,7 +20667,7 @@
           <p:cNvPr id="4" name="Picture 3">
             <a:extLst>
               <a:ext uri="{FF2B5EF4-FFF2-40B4-BE49-F238E27FC236}">
-                <a16:creationId xmlns:a16="http://schemas.microsoft.com/office/drawing/2014/main" id="{5DA20628-6F42-46C6-9B55-842D96217484}"/>
+                <a16:creationId xmlns:a16="http://schemas.microsoft.com/office/drawing/2014/main" xmlns="" id="{5DA20628-6F42-46C6-9B55-842D96217484}"/>
               </a:ext>
             </a:extLst>
           </p:cNvPr>
@@ -18087,7 +20697,7 @@
           <p:cNvPr id="5" name="Rectangle 4">
             <a:extLst>
               <a:ext uri="{FF2B5EF4-FFF2-40B4-BE49-F238E27FC236}">
-                <a16:creationId xmlns:a16="http://schemas.microsoft.com/office/drawing/2014/main" id="{F68E456C-4838-4E8C-9E23-D4EB5EF64375}"/>
+                <a16:creationId xmlns:a16="http://schemas.microsoft.com/office/drawing/2014/main" xmlns="" id="{F68E456C-4838-4E8C-9E23-D4EB5EF64375}"/>
               </a:ext>
             </a:extLst>
           </p:cNvPr>
@@ -18147,7 +20757,103 @@
 </p:sld>
 </file>
 
-<file path=ppt/slides/slide26.xml><?xml version="1.0" encoding="utf-8"?>
+<file path=ppt/slides/slide3.xml><?xml version="1.0" encoding="utf-8"?>
+<p:sld xmlns:a="http://schemas.openxmlformats.org/drawingml/2006/main" xmlns:r="http://schemas.openxmlformats.org/officeDocument/2006/relationships" xmlns:p="http://schemas.openxmlformats.org/presentationml/2006/main">
+  <p:cSld>
+    <p:spTree>
+      <p:nvGrpSpPr>
+        <p:cNvPr id="1" name=""/>
+        <p:cNvGrpSpPr/>
+        <p:nvPr/>
+      </p:nvGrpSpPr>
+      <p:grpSpPr>
+        <a:xfrm>
+          <a:off x="0" y="0"/>
+          <a:ext cx="0" cy="0"/>
+          <a:chOff x="0" y="0"/>
+          <a:chExt cx="0" cy="0"/>
+        </a:xfrm>
+      </p:grpSpPr>
+      <p:sp>
+        <p:nvSpPr>
+          <p:cNvPr id="3" name="TextBox 2">
+            <a:extLst>
+              <a:ext uri="{FF2B5EF4-FFF2-40B4-BE49-F238E27FC236}">
+                <a16:creationId xmlns:a16="http://schemas.microsoft.com/office/drawing/2014/main" xmlns="" id="{C80B5365-37A1-46C6-9F92-EA189ED5635E}"/>
+              </a:ext>
+            </a:extLst>
+          </p:cNvPr>
+          <p:cNvSpPr txBox="1"/>
+          <p:nvPr/>
+        </p:nvSpPr>
+        <p:spPr>
+          <a:xfrm>
+            <a:off x="2273741" y="186114"/>
+            <a:ext cx="1415772" cy="369332"/>
+          </a:xfrm>
+          <a:prstGeom prst="rect">
+            <a:avLst/>
+          </a:prstGeom>
+          <a:noFill/>
+        </p:spPr>
+        <p:txBody>
+          <a:bodyPr wrap="none" rtlCol="0">
+            <a:spAutoFit/>
+          </a:bodyPr>
+          <a:lstStyle/>
+          <a:p>
+            <a:r>
+              <a:rPr lang="en-US">
+                <a:latin typeface="Arial" panose="020B0604020202020204" pitchFamily="34" charset="0"/>
+                <a:cs typeface="Arial" panose="020B0604020202020204" pitchFamily="34" charset="0"/>
+              </a:rPr>
+              <a:t>2. Phân tích</a:t>
+            </a:r>
+          </a:p>
+        </p:txBody>
+      </p:sp>
+      <p:graphicFrame>
+        <p:nvGraphicFramePr>
+          <p:cNvPr id="9" name="Diagram 8">
+            <a:extLst>
+              <a:ext uri="{FF2B5EF4-FFF2-40B4-BE49-F238E27FC236}">
+                <a16:creationId xmlns:a16="http://schemas.microsoft.com/office/drawing/2014/main" xmlns="" id="{3CA5B5A9-6739-4C6B-9058-E04B6C87DCE8}"/>
+              </a:ext>
+            </a:extLst>
+          </p:cNvPr>
+          <p:cNvGraphicFramePr/>
+          <p:nvPr>
+            <p:extLst>
+              <p:ext uri="{D42A27DB-BD31-4B8C-83A1-F6EECF244321}">
+                <p14:modId xmlns:p14="http://schemas.microsoft.com/office/powerpoint/2010/main" val="68006733"/>
+              </p:ext>
+            </p:extLst>
+          </p:nvPr>
+        </p:nvGraphicFramePr>
+        <p:xfrm>
+          <a:off x="2032000" y="719666"/>
+          <a:ext cx="8255000" cy="5539620"/>
+        </p:xfrm>
+        <a:graphic>
+          <a:graphicData uri="http://schemas.openxmlformats.org/drawingml/2006/diagram">
+            <dgm:relIds xmlns:dgm="http://schemas.openxmlformats.org/drawingml/2006/diagram" xmlns:r="http://schemas.openxmlformats.org/officeDocument/2006/relationships" r:dm="rId3" r:lo="rId4" r:qs="rId5" r:cs="rId6"/>
+          </a:graphicData>
+        </a:graphic>
+      </p:graphicFrame>
+    </p:spTree>
+    <p:extLst>
+      <p:ext uri="{BB962C8B-B14F-4D97-AF65-F5344CB8AC3E}">
+        <p14:creationId xmlns:p14="http://schemas.microsoft.com/office/powerpoint/2010/main" val="931876497"/>
+      </p:ext>
+    </p:extLst>
+  </p:cSld>
+  <p:clrMapOvr>
+    <a:masterClrMapping/>
+  </p:clrMapOvr>
+</p:sld>
+</file>
+
+<file path=ppt/slides/slide30.xml><?xml version="1.0" encoding="utf-8"?>
 <p:sld xmlns:a="http://schemas.openxmlformats.org/drawingml/2006/main" xmlns:r="http://schemas.openxmlformats.org/officeDocument/2006/relationships" xmlns:p="http://schemas.openxmlformats.org/presentationml/2006/main">
   <p:cSld>
     <p:spTree>
@@ -18169,7 +20875,7 @@
           <p:cNvPr id="2" name="Title 1">
             <a:extLst>
               <a:ext uri="{FF2B5EF4-FFF2-40B4-BE49-F238E27FC236}">
-                <a16:creationId xmlns:a16="http://schemas.microsoft.com/office/drawing/2014/main" id="{4F2F7ED8-8DAC-473E-82B4-66E440070862}"/>
+                <a16:creationId xmlns:a16="http://schemas.microsoft.com/office/drawing/2014/main" xmlns="" id="{4F2F7ED8-8DAC-473E-82B4-66E440070862}"/>
               </a:ext>
             </a:extLst>
           </p:cNvPr>
@@ -18203,7 +20909,7 @@
           <p:cNvPr id="6" name="Picture 5">
             <a:extLst>
               <a:ext uri="{FF2B5EF4-FFF2-40B4-BE49-F238E27FC236}">
-                <a16:creationId xmlns:a16="http://schemas.microsoft.com/office/drawing/2014/main" id="{A378F24C-992E-4873-9CE0-6C604AAF570D}"/>
+                <a16:creationId xmlns:a16="http://schemas.microsoft.com/office/drawing/2014/main" xmlns="" id="{A378F24C-992E-4873-9CE0-6C604AAF570D}"/>
               </a:ext>
             </a:extLst>
           </p:cNvPr>
@@ -18241,7 +20947,7 @@
 </p:sld>
 </file>
 
-<file path=ppt/slides/slide27.xml><?xml version="1.0" encoding="utf-8"?>
+<file path=ppt/slides/slide31.xml><?xml version="1.0" encoding="utf-8"?>
 <p:sld xmlns:a="http://schemas.openxmlformats.org/drawingml/2006/main" xmlns:r="http://schemas.openxmlformats.org/officeDocument/2006/relationships" xmlns:p="http://schemas.openxmlformats.org/presentationml/2006/main">
   <p:cSld>
     <p:spTree>
@@ -18263,7 +20969,7 @@
           <p:cNvPr id="2" name="Title 1">
             <a:extLst>
               <a:ext uri="{FF2B5EF4-FFF2-40B4-BE49-F238E27FC236}">
-                <a16:creationId xmlns:a16="http://schemas.microsoft.com/office/drawing/2014/main" id="{4F2F7ED8-8DAC-473E-82B4-66E440070862}"/>
+                <a16:creationId xmlns:a16="http://schemas.microsoft.com/office/drawing/2014/main" xmlns="" id="{4F2F7ED8-8DAC-473E-82B4-66E440070862}"/>
               </a:ext>
             </a:extLst>
           </p:cNvPr>
@@ -18297,7 +21003,7 @@
           <p:cNvPr id="4" name="Picture 3">
             <a:extLst>
               <a:ext uri="{FF2B5EF4-FFF2-40B4-BE49-F238E27FC236}">
-                <a16:creationId xmlns:a16="http://schemas.microsoft.com/office/drawing/2014/main" id="{2AC889E7-4D78-4194-BDBE-3B9A0ECD2659}"/>
+                <a16:creationId xmlns:a16="http://schemas.microsoft.com/office/drawing/2014/main" xmlns="" id="{2AC889E7-4D78-4194-BDBE-3B9A0ECD2659}"/>
               </a:ext>
             </a:extLst>
           </p:cNvPr>
@@ -18335,7 +21041,7 @@
 </p:sld>
 </file>
 
-<file path=ppt/slides/slide28.xml><?xml version="1.0" encoding="utf-8"?>
+<file path=ppt/slides/slide32.xml><?xml version="1.0" encoding="utf-8"?>
 <p:sld xmlns:a="http://schemas.openxmlformats.org/drawingml/2006/main" xmlns:r="http://schemas.openxmlformats.org/officeDocument/2006/relationships" xmlns:p="http://schemas.openxmlformats.org/presentationml/2006/main">
   <p:cSld>
     <p:spTree>
@@ -18357,7 +21063,7 @@
           <p:cNvPr id="2" name="Title 1">
             <a:extLst>
               <a:ext uri="{FF2B5EF4-FFF2-40B4-BE49-F238E27FC236}">
-                <a16:creationId xmlns:a16="http://schemas.microsoft.com/office/drawing/2014/main" id="{4F2F7ED8-8DAC-473E-82B4-66E440070862}"/>
+                <a16:creationId xmlns:a16="http://schemas.microsoft.com/office/drawing/2014/main" xmlns="" id="{4F2F7ED8-8DAC-473E-82B4-66E440070862}"/>
               </a:ext>
             </a:extLst>
           </p:cNvPr>
@@ -18391,7 +21097,7 @@
           <p:cNvPr id="5" name="Picture 4">
             <a:extLst>
               <a:ext uri="{FF2B5EF4-FFF2-40B4-BE49-F238E27FC236}">
-                <a16:creationId xmlns:a16="http://schemas.microsoft.com/office/drawing/2014/main" id="{67378071-BC63-42DA-A9FC-EC72354C7B3C}"/>
+                <a16:creationId xmlns:a16="http://schemas.microsoft.com/office/drawing/2014/main" xmlns="" id="{67378071-BC63-42DA-A9FC-EC72354C7B3C}"/>
               </a:ext>
             </a:extLst>
           </p:cNvPr>
@@ -18421,7 +21127,7 @@
           <p:cNvPr id="6" name="Rectangle 5">
             <a:extLst>
               <a:ext uri="{FF2B5EF4-FFF2-40B4-BE49-F238E27FC236}">
-                <a16:creationId xmlns:a16="http://schemas.microsoft.com/office/drawing/2014/main" id="{9E3B1E02-5C1D-4E12-B7E0-538B1C03B173}"/>
+                <a16:creationId xmlns:a16="http://schemas.microsoft.com/office/drawing/2014/main" xmlns="" id="{9E3B1E02-5C1D-4E12-B7E0-538B1C03B173}"/>
               </a:ext>
             </a:extLst>
           </p:cNvPr>
@@ -18473,7 +21179,7 @@
           <p:cNvPr id="8" name="Straight Arrow Connector 7">
             <a:extLst>
               <a:ext uri="{FF2B5EF4-FFF2-40B4-BE49-F238E27FC236}">
-                <a16:creationId xmlns:a16="http://schemas.microsoft.com/office/drawing/2014/main" id="{48FD8CBB-6EA1-4274-B485-9953A6406B66}"/>
+                <a16:creationId xmlns:a16="http://schemas.microsoft.com/office/drawing/2014/main" xmlns="" id="{48FD8CBB-6EA1-4274-B485-9953A6406B66}"/>
               </a:ext>
             </a:extLst>
           </p:cNvPr>
@@ -18523,7 +21229,7 @@
 </p:sld>
 </file>
 
-<file path=ppt/slides/slide29.xml><?xml version="1.0" encoding="utf-8"?>
+<file path=ppt/slides/slide33.xml><?xml version="1.0" encoding="utf-8"?>
 <p:sld xmlns:a="http://schemas.openxmlformats.org/drawingml/2006/main" xmlns:r="http://schemas.openxmlformats.org/officeDocument/2006/relationships" xmlns:p="http://schemas.openxmlformats.org/presentationml/2006/main">
   <p:cSld>
     <p:spTree>
@@ -18545,7 +21251,7 @@
           <p:cNvPr id="2" name="Title 1">
             <a:extLst>
               <a:ext uri="{FF2B5EF4-FFF2-40B4-BE49-F238E27FC236}">
-                <a16:creationId xmlns:a16="http://schemas.microsoft.com/office/drawing/2014/main" id="{4F2F7ED8-8DAC-473E-82B4-66E440070862}"/>
+                <a16:creationId xmlns:a16="http://schemas.microsoft.com/office/drawing/2014/main" xmlns="" id="{4F2F7ED8-8DAC-473E-82B4-66E440070862}"/>
               </a:ext>
             </a:extLst>
           </p:cNvPr>
@@ -18579,7 +21285,7 @@
           <p:cNvPr id="4" name="Picture 3">
             <a:extLst>
               <a:ext uri="{FF2B5EF4-FFF2-40B4-BE49-F238E27FC236}">
-                <a16:creationId xmlns:a16="http://schemas.microsoft.com/office/drawing/2014/main" id="{2D1131CA-D1D3-4B23-AA49-83DA4B455276}"/>
+                <a16:creationId xmlns:a16="http://schemas.microsoft.com/office/drawing/2014/main" xmlns="" id="{2D1131CA-D1D3-4B23-AA49-83DA4B455276}"/>
               </a:ext>
             </a:extLst>
           </p:cNvPr>
@@ -18617,102 +21323,6 @@
 </p:sld>
 </file>
 
-<file path=ppt/slides/slide3.xml><?xml version="1.0" encoding="utf-8"?>
-<p:sld xmlns:a="http://schemas.openxmlformats.org/drawingml/2006/main" xmlns:r="http://schemas.openxmlformats.org/officeDocument/2006/relationships" xmlns:p="http://schemas.openxmlformats.org/presentationml/2006/main">
-  <p:cSld>
-    <p:spTree>
-      <p:nvGrpSpPr>
-        <p:cNvPr id="1" name=""/>
-        <p:cNvGrpSpPr/>
-        <p:nvPr/>
-      </p:nvGrpSpPr>
-      <p:grpSpPr>
-        <a:xfrm>
-          <a:off x="0" y="0"/>
-          <a:ext cx="0" cy="0"/>
-          <a:chOff x="0" y="0"/>
-          <a:chExt cx="0" cy="0"/>
-        </a:xfrm>
-      </p:grpSpPr>
-      <p:sp>
-        <p:nvSpPr>
-          <p:cNvPr id="3" name="TextBox 2">
-            <a:extLst>
-              <a:ext uri="{FF2B5EF4-FFF2-40B4-BE49-F238E27FC236}">
-                <a16:creationId xmlns:a16="http://schemas.microsoft.com/office/drawing/2014/main" id="{C80B5365-37A1-46C6-9F92-EA189ED5635E}"/>
-              </a:ext>
-            </a:extLst>
-          </p:cNvPr>
-          <p:cNvSpPr txBox="1"/>
-          <p:nvPr/>
-        </p:nvSpPr>
-        <p:spPr>
-          <a:xfrm>
-            <a:off x="2273741" y="186114"/>
-            <a:ext cx="1415772" cy="369332"/>
-          </a:xfrm>
-          <a:prstGeom prst="rect">
-            <a:avLst/>
-          </a:prstGeom>
-          <a:noFill/>
-        </p:spPr>
-        <p:txBody>
-          <a:bodyPr wrap="none" rtlCol="0">
-            <a:spAutoFit/>
-          </a:bodyPr>
-          <a:lstStyle/>
-          <a:p>
-            <a:r>
-              <a:rPr lang="en-US">
-                <a:latin typeface="Arial" panose="020B0604020202020204" pitchFamily="34" charset="0"/>
-                <a:cs typeface="Arial" panose="020B0604020202020204" pitchFamily="34" charset="0"/>
-              </a:rPr>
-              <a:t>2. Phân tích</a:t>
-            </a:r>
-          </a:p>
-        </p:txBody>
-      </p:sp>
-      <p:graphicFrame>
-        <p:nvGraphicFramePr>
-          <p:cNvPr id="9" name="Diagram 8">
-            <a:extLst>
-              <a:ext uri="{FF2B5EF4-FFF2-40B4-BE49-F238E27FC236}">
-                <a16:creationId xmlns:a16="http://schemas.microsoft.com/office/drawing/2014/main" id="{3CA5B5A9-6739-4C6B-9058-E04B6C87DCE8}"/>
-              </a:ext>
-            </a:extLst>
-          </p:cNvPr>
-          <p:cNvGraphicFramePr/>
-          <p:nvPr>
-            <p:extLst>
-              <p:ext uri="{D42A27DB-BD31-4B8C-83A1-F6EECF244321}">
-                <p14:modId xmlns:p14="http://schemas.microsoft.com/office/powerpoint/2010/main" val="68006733"/>
-              </p:ext>
-            </p:extLst>
-          </p:nvPr>
-        </p:nvGraphicFramePr>
-        <p:xfrm>
-          <a:off x="2032000" y="719666"/>
-          <a:ext cx="8255000" cy="5539620"/>
-        </p:xfrm>
-        <a:graphic>
-          <a:graphicData uri="http://schemas.openxmlformats.org/drawingml/2006/diagram">
-            <dgm:relIds xmlns:dgm="http://schemas.openxmlformats.org/drawingml/2006/diagram" xmlns:r="http://schemas.openxmlformats.org/officeDocument/2006/relationships" r:dm="rId3" r:lo="rId4" r:qs="rId5" r:cs="rId6"/>
-          </a:graphicData>
-        </a:graphic>
-      </p:graphicFrame>
-    </p:spTree>
-    <p:extLst>
-      <p:ext uri="{BB962C8B-B14F-4D97-AF65-F5344CB8AC3E}">
-        <p14:creationId xmlns:p14="http://schemas.microsoft.com/office/powerpoint/2010/main" val="931876497"/>
-      </p:ext>
-    </p:extLst>
-  </p:cSld>
-  <p:clrMapOvr>
-    <a:masterClrMapping/>
-  </p:clrMapOvr>
-</p:sld>
-</file>
-
 <file path=ppt/slides/slide4.xml><?xml version="1.0" encoding="utf-8"?>
 <p:sld xmlns:a="http://schemas.openxmlformats.org/drawingml/2006/main" xmlns:r="http://schemas.openxmlformats.org/officeDocument/2006/relationships" xmlns:p="http://schemas.openxmlformats.org/presentationml/2006/main">
   <p:cSld>
@@ -18735,7 +21345,7 @@
           <p:cNvPr id="2" name="TextBox 1">
             <a:extLst>
               <a:ext uri="{FF2B5EF4-FFF2-40B4-BE49-F238E27FC236}">
-                <a16:creationId xmlns:a16="http://schemas.microsoft.com/office/drawing/2014/main" id="{5071F0ED-E298-4C56-A8B0-ADF9C1DC736C}"/>
+                <a16:creationId xmlns:a16="http://schemas.microsoft.com/office/drawing/2014/main" xmlns="" id="{5071F0ED-E298-4C56-A8B0-ADF9C1DC736C}"/>
               </a:ext>
             </a:extLst>
           </p:cNvPr>
@@ -18773,7 +21383,7 @@
           <p:cNvPr id="3" name="TextBox 2">
             <a:extLst>
               <a:ext uri="{FF2B5EF4-FFF2-40B4-BE49-F238E27FC236}">
-                <a16:creationId xmlns:a16="http://schemas.microsoft.com/office/drawing/2014/main" id="{4CAC7E03-AEF0-4442-9677-A135CAB708A1}"/>
+                <a16:creationId xmlns:a16="http://schemas.microsoft.com/office/drawing/2014/main" xmlns="" id="{4CAC7E03-AEF0-4442-9677-A135CAB708A1}"/>
               </a:ext>
             </a:extLst>
           </p:cNvPr>
@@ -18851,7 +21461,7 @@
           <p:cNvPr id="4" name="TextBox 3">
             <a:extLst>
               <a:ext uri="{FF2B5EF4-FFF2-40B4-BE49-F238E27FC236}">
-                <a16:creationId xmlns:a16="http://schemas.microsoft.com/office/drawing/2014/main" id="{6A8979D4-984F-45F8-953F-DAF9248ADA52}"/>
+                <a16:creationId xmlns:a16="http://schemas.microsoft.com/office/drawing/2014/main" xmlns="" id="{6A8979D4-984F-45F8-953F-DAF9248ADA52}"/>
               </a:ext>
             </a:extLst>
           </p:cNvPr>
@@ -18954,7 +21564,7 @@
           <p:cNvPr id="2" name="TextBox 1">
             <a:extLst>
               <a:ext uri="{FF2B5EF4-FFF2-40B4-BE49-F238E27FC236}">
-                <a16:creationId xmlns:a16="http://schemas.microsoft.com/office/drawing/2014/main" id="{5875253E-50E0-44DE-AA56-31FAED954709}"/>
+                <a16:creationId xmlns:a16="http://schemas.microsoft.com/office/drawing/2014/main" xmlns="" id="{5875253E-50E0-44DE-AA56-31FAED954709}"/>
               </a:ext>
             </a:extLst>
           </p:cNvPr>
@@ -19047,7 +21657,7 @@
           <p:cNvPr id="2" name="TextBox 1">
             <a:extLst>
               <a:ext uri="{FF2B5EF4-FFF2-40B4-BE49-F238E27FC236}">
-                <a16:creationId xmlns:a16="http://schemas.microsoft.com/office/drawing/2014/main" id="{2136A34D-9D3C-4A6C-9C56-7B80CB3FF455}"/>
+                <a16:creationId xmlns:a16="http://schemas.microsoft.com/office/drawing/2014/main" xmlns="" id="{2136A34D-9D3C-4A6C-9C56-7B80CB3FF455}"/>
               </a:ext>
             </a:extLst>
           </p:cNvPr>
@@ -19085,7 +21695,7 @@
           <p:cNvPr id="3" name="TextBox 2">
             <a:extLst>
               <a:ext uri="{FF2B5EF4-FFF2-40B4-BE49-F238E27FC236}">
-                <a16:creationId xmlns:a16="http://schemas.microsoft.com/office/drawing/2014/main" id="{6EBA53D9-2994-47EB-85D0-FCF147C1946B}"/>
+                <a16:creationId xmlns:a16="http://schemas.microsoft.com/office/drawing/2014/main" xmlns="" id="{6EBA53D9-2994-47EB-85D0-FCF147C1946B}"/>
               </a:ext>
             </a:extLst>
           </p:cNvPr>
@@ -19171,7 +21781,7 @@
           <p:cNvPr id="2" name="TextBox 1">
             <a:extLst>
               <a:ext uri="{FF2B5EF4-FFF2-40B4-BE49-F238E27FC236}">
-                <a16:creationId xmlns:a16="http://schemas.microsoft.com/office/drawing/2014/main" id="{B2F7405F-FE43-4DA3-8DE5-FB8812FB4913}"/>
+                <a16:creationId xmlns:a16="http://schemas.microsoft.com/office/drawing/2014/main" xmlns="" id="{B2F7405F-FE43-4DA3-8DE5-FB8812FB4913}"/>
               </a:ext>
             </a:extLst>
           </p:cNvPr>
@@ -19209,7 +21819,7 @@
           <p:cNvPr id="5" name="Picture 4" descr="Diagram&#10;&#10;Description automatically generated">
             <a:extLst>
               <a:ext uri="{FF2B5EF4-FFF2-40B4-BE49-F238E27FC236}">
-                <a16:creationId xmlns:a16="http://schemas.microsoft.com/office/drawing/2014/main" id="{B1C45841-67FB-49D5-A161-644A2676EA14}"/>
+                <a16:creationId xmlns:a16="http://schemas.microsoft.com/office/drawing/2014/main" xmlns="" id="{B1C45841-67FB-49D5-A161-644A2676EA14}"/>
               </a:ext>
             </a:extLst>
           </p:cNvPr>
@@ -19275,7 +21885,7 @@
           <p:cNvPr id="2" name="Title 1">
             <a:extLst>
               <a:ext uri="{FF2B5EF4-FFF2-40B4-BE49-F238E27FC236}">
-                <a16:creationId xmlns:a16="http://schemas.microsoft.com/office/drawing/2014/main" id="{D9CFC377-F7B0-4D21-9A47-EF1018C0C5EA}"/>
+                <a16:creationId xmlns:a16="http://schemas.microsoft.com/office/drawing/2014/main" xmlns="" id="{D9CFC377-F7B0-4D21-9A47-EF1018C0C5EA}"/>
               </a:ext>
             </a:extLst>
           </p:cNvPr>
@@ -19311,7 +21921,7 @@
           <p:cNvPr id="3" name="Content Placeholder 2">
             <a:extLst>
               <a:ext uri="{FF2B5EF4-FFF2-40B4-BE49-F238E27FC236}">
-                <a16:creationId xmlns:a16="http://schemas.microsoft.com/office/drawing/2014/main" id="{7E443354-4B1F-47CE-95FF-C5A31A6B579D}"/>
+                <a16:creationId xmlns:a16="http://schemas.microsoft.com/office/drawing/2014/main" xmlns="" id="{7E443354-4B1F-47CE-95FF-C5A31A6B579D}"/>
               </a:ext>
             </a:extLst>
           </p:cNvPr>
@@ -19386,7 +21996,7 @@
           <p:cNvPr id="2" name="Title 1">
             <a:extLst>
               <a:ext uri="{FF2B5EF4-FFF2-40B4-BE49-F238E27FC236}">
-                <a16:creationId xmlns:a16="http://schemas.microsoft.com/office/drawing/2014/main" id="{01FBFA70-2B32-4F49-B070-F83B0B1B93CD}"/>
+                <a16:creationId xmlns:a16="http://schemas.microsoft.com/office/drawing/2014/main" xmlns="" id="{01FBFA70-2B32-4F49-B070-F83B0B1B93CD}"/>
               </a:ext>
             </a:extLst>
           </p:cNvPr>
@@ -19420,7 +22030,7 @@
           <p:cNvPr id="3" name="Table 2">
             <a:extLst>
               <a:ext uri="{FF2B5EF4-FFF2-40B4-BE49-F238E27FC236}">
-                <a16:creationId xmlns:a16="http://schemas.microsoft.com/office/drawing/2014/main" id="{E8237AA3-6726-4B48-B4F8-1AA95B3DE55D}"/>
+                <a16:creationId xmlns:a16="http://schemas.microsoft.com/office/drawing/2014/main" xmlns="" id="{E8237AA3-6726-4B48-B4F8-1AA95B3DE55D}"/>
               </a:ext>
             </a:extLst>
           </p:cNvPr>
@@ -19449,14 +22059,14 @@
                 <a:gridCol w="2295942">
                   <a:extLst>
                     <a:ext uri="{9D8B030D-6E8A-4147-A177-3AD203B41FA5}">
-                      <a16:colId xmlns:a16="http://schemas.microsoft.com/office/drawing/2014/main" val="4155384417"/>
+                      <a16:colId xmlns:a16="http://schemas.microsoft.com/office/drawing/2014/main" xmlns="" val="4155384417"/>
                     </a:ext>
                   </a:extLst>
                 </a:gridCol>
                 <a:gridCol w="5683287">
                   <a:extLst>
                     <a:ext uri="{9D8B030D-6E8A-4147-A177-3AD203B41FA5}">
-                      <a16:colId xmlns:a16="http://schemas.microsoft.com/office/drawing/2014/main" val="1949139860"/>
+                      <a16:colId xmlns:a16="http://schemas.microsoft.com/office/drawing/2014/main" xmlns="" val="1949139860"/>
                     </a:ext>
                   </a:extLst>
                 </a:gridCol>
@@ -19520,7 +22130,7 @@
                 </a:tc>
                 <a:extLst>
                   <a:ext uri="{0D108BD9-81ED-4DB2-BD59-A6C34878D82A}">
-                    <a16:rowId xmlns:a16="http://schemas.microsoft.com/office/drawing/2014/main" val="2054821751"/>
+                    <a16:rowId xmlns:a16="http://schemas.microsoft.com/office/drawing/2014/main" xmlns="" val="2054821751"/>
                   </a:ext>
                 </a:extLst>
               </a:tr>
@@ -19583,7 +22193,7 @@
                 </a:tc>
                 <a:extLst>
                   <a:ext uri="{0D108BD9-81ED-4DB2-BD59-A6C34878D82A}">
-                    <a16:rowId xmlns:a16="http://schemas.microsoft.com/office/drawing/2014/main" val="752237581"/>
+                    <a16:rowId xmlns:a16="http://schemas.microsoft.com/office/drawing/2014/main" xmlns="" val="752237581"/>
                   </a:ext>
                 </a:extLst>
               </a:tr>
@@ -19646,7 +22256,7 @@
                 </a:tc>
                 <a:extLst>
                   <a:ext uri="{0D108BD9-81ED-4DB2-BD59-A6C34878D82A}">
-                    <a16:rowId xmlns:a16="http://schemas.microsoft.com/office/drawing/2014/main" val="711700484"/>
+                    <a16:rowId xmlns:a16="http://schemas.microsoft.com/office/drawing/2014/main" xmlns="" val="711700484"/>
                   </a:ext>
                 </a:extLst>
               </a:tr>
@@ -19709,7 +22319,7 @@
                 </a:tc>
                 <a:extLst>
                   <a:ext uri="{0D108BD9-81ED-4DB2-BD59-A6C34878D82A}">
-                    <a16:rowId xmlns:a16="http://schemas.microsoft.com/office/drawing/2014/main" val="3310085937"/>
+                    <a16:rowId xmlns:a16="http://schemas.microsoft.com/office/drawing/2014/main" xmlns="" val="3310085937"/>
                   </a:ext>
                 </a:extLst>
               </a:tr>
@@ -19772,7 +22382,7 @@
                 </a:tc>
                 <a:extLst>
                   <a:ext uri="{0D108BD9-81ED-4DB2-BD59-A6C34878D82A}">
-                    <a16:rowId xmlns:a16="http://schemas.microsoft.com/office/drawing/2014/main" val="212646334"/>
+                    <a16:rowId xmlns:a16="http://schemas.microsoft.com/office/drawing/2014/main" xmlns="" val="212646334"/>
                   </a:ext>
                 </a:extLst>
               </a:tr>
@@ -19835,7 +22445,7 @@
                 </a:tc>
                 <a:extLst>
                   <a:ext uri="{0D108BD9-81ED-4DB2-BD59-A6C34878D82A}">
-                    <a16:rowId xmlns:a16="http://schemas.microsoft.com/office/drawing/2014/main" val="3598297937"/>
+                    <a16:rowId xmlns:a16="http://schemas.microsoft.com/office/drawing/2014/main" xmlns="" val="3598297937"/>
                   </a:ext>
                 </a:extLst>
               </a:tr>
@@ -20106,7 +22716,7 @@
   <a:extraClrSchemeLst/>
   <a:extLst>
     <a:ext uri="{05A4C25C-085E-4340-85A3-A5531E510DB2}">
-      <thm15:themeFamily xmlns:thm15="http://schemas.microsoft.com/office/thememl/2012/main" name="Parallax" id="{3388167B-A2EB-4685-9635-1831D9AEF8C4}" vid="{4F7A876A-7598-49CA-AFC8-8EDA2551E4A7}"/>
+      <thm15:themeFamily xmlns:thm15="http://schemas.microsoft.com/office/thememl/2012/main" xmlns="" name="Parallax" id="{3388167B-A2EB-4685-9635-1831D9AEF8C4}" vid="{4F7A876A-7598-49CA-AFC8-8EDA2551E4A7}"/>
     </a:ext>
   </a:extLst>
 </a:theme>
@@ -20401,7 +23011,7 @@
   <a:extraClrSchemeLst/>
   <a:extLst>
     <a:ext uri="{05A4C25C-085E-4340-85A3-A5531E510DB2}">
-      <thm15:themeFamily xmlns:thm15="http://schemas.microsoft.com/office/thememl/2012/main" name="Office Theme" id="{62F939B6-93AF-4DB8-9C6B-D6C7DFDC589F}" vid="{4A3C46E8-61CC-4603-A589-7422A47A8E4A}"/>
+      <thm15:themeFamily xmlns:thm15="http://schemas.microsoft.com/office/thememl/2012/main" xmlns="" name="Office Theme" id="{62F939B6-93AF-4DB8-9C6B-D6C7DFDC589F}" vid="{4A3C46E8-61CC-4603-A589-7422A47A8E4A}"/>
     </a:ext>
   </a:extLst>
 </a:theme>
